--- a/patterns.pptx
+++ b/patterns.pptx
@@ -1321,7 +1321,7 @@
           <a:p>
             <a:r>
               <a:rPr lang="nl-BE" baseline="0" dirty="0"/>
-              <a:t>YAGNI: You Ain’t Gonna Need It – Be very careful when designing for the Open/Closed Principle. Not everything is going to change! Know your customer or the Domain to anticipate axis of change.</a:t>
+              <a:t>YAGNI: You Ain’t Gonna Need It – Be very careful when designing for the Open/Closed Principle. Not everything is going to change! Know your customer or the Domain to anticipate the axis of change.</a:t>
             </a:r>
             <a:endParaRPr lang="nl-BE" dirty="0"/>
           </a:p>
@@ -10616,14 +10616,16 @@
         </p:nvSpPr>
         <p:spPr/>
         <p:txBody>
-          <a:bodyPr/>
+          <a:bodyPr>
+            <a:normAutofit/>
+          </a:bodyPr>
           <a:lstStyle/>
           <a:p>
             <a:pPr marL="0" indent="0" algn="ctr">
               <a:buNone/>
             </a:pPr>
             <a:r>
-              <a:rPr lang="nl-BE" dirty="0"/>
+              <a:rPr lang="nl-BE" sz="2800" dirty="0"/>
               <a:t>An acronym of acronyms</a:t>
             </a:r>
           </a:p>
@@ -10631,55 +10633,55 @@
             <a:pPr marL="0" indent="0">
               <a:buNone/>
             </a:pPr>
-            <a:endParaRPr lang="nl-BE" dirty="0"/>
-          </a:p>
-          <a:p>
-            <a:r>
-              <a:rPr lang="nl-BE" b="1" dirty="0"/>
+            <a:endParaRPr lang="nl-BE" sz="2800" dirty="0"/>
+          </a:p>
+          <a:p>
+            <a:r>
+              <a:rPr lang="nl-BE" sz="2800" b="1" dirty="0"/>
               <a:t>S</a:t>
             </a:r>
             <a:r>
-              <a:rPr lang="nl-BE" dirty="0"/>
+              <a:rPr lang="nl-BE" sz="2800" dirty="0"/>
               <a:t>ingle Responsibility Principle</a:t>
             </a:r>
           </a:p>
           <a:p>
             <a:r>
-              <a:rPr lang="nl-BE" b="1" dirty="0"/>
+              <a:rPr lang="nl-BE" sz="2800" b="1" dirty="0"/>
               <a:t>O</a:t>
             </a:r>
             <a:r>
-              <a:rPr lang="nl-BE" dirty="0"/>
+              <a:rPr lang="nl-BE" sz="2800" dirty="0"/>
               <a:t>pen/Closed Principle</a:t>
             </a:r>
           </a:p>
           <a:p>
             <a:r>
-              <a:rPr lang="nl-BE" b="1" dirty="0"/>
+              <a:rPr lang="nl-BE" sz="2800" b="1" dirty="0"/>
               <a:t>L</a:t>
             </a:r>
             <a:r>
-              <a:rPr lang="nl-BE" dirty="0"/>
+              <a:rPr lang="nl-BE" sz="2800" dirty="0"/>
               <a:t>iskov Substitution Principle</a:t>
             </a:r>
           </a:p>
           <a:p>
             <a:r>
-              <a:rPr lang="nl-BE" b="1" dirty="0"/>
+              <a:rPr lang="nl-BE" sz="2800" b="1" dirty="0"/>
               <a:t>I</a:t>
             </a:r>
             <a:r>
-              <a:rPr lang="nl-BE" dirty="0"/>
+              <a:rPr lang="nl-BE" sz="2800" dirty="0"/>
               <a:t>nterface Segregation Principle</a:t>
             </a:r>
           </a:p>
           <a:p>
             <a:r>
-              <a:rPr lang="nl-BE" b="1" dirty="0"/>
+              <a:rPr lang="nl-BE" sz="2800" b="1" dirty="0"/>
               <a:t>D</a:t>
             </a:r>
             <a:r>
-              <a:rPr lang="nl-BE" dirty="0"/>
+              <a:rPr lang="nl-BE" sz="2800" dirty="0"/>
               <a:t>ependency-Inversion Principle</a:t>
             </a:r>
           </a:p>
@@ -10961,8 +10963,8 @@
         </p:nvSpPr>
         <p:spPr>
           <a:xfrm>
-            <a:off x="457200" y="1600200"/>
-            <a:ext cx="8458200" cy="4525963"/>
+            <a:off x="457200" y="1870473"/>
+            <a:ext cx="8458200" cy="4255690"/>
           </a:xfrm>
         </p:spPr>
         <p:txBody>
@@ -10973,32 +10975,36 @@
               <a:buNone/>
             </a:pPr>
             <a:r>
-              <a:rPr lang="nl-BE" i="1" dirty="0"/>
-              <a:t>“A class should have only one reason to change”</a:t>
+              <a:rPr lang="nl-BE" sz="2400" i="1" dirty="0"/>
+              <a:t>“</a:t>
+            </a:r>
+            <a:r>
+              <a:rPr lang="nl-BE" sz="3200" i="1" dirty="0"/>
+              <a:t>A class should have only one reason to change”</a:t>
             </a:r>
           </a:p>
           <a:p>
             <a:pPr marL="514350" indent="-457200"/>
-            <a:endParaRPr lang="nl-BE" dirty="0"/>
+            <a:endParaRPr lang="nl-BE" sz="3200" dirty="0"/>
           </a:p>
           <a:p>
             <a:pPr lvl="1"/>
             <a:r>
-              <a:rPr lang="nl-BE" dirty="0"/>
+              <a:rPr lang="nl-BE" sz="2800" dirty="0"/>
               <a:t>An object should do one thing and do it good</a:t>
             </a:r>
           </a:p>
           <a:p>
             <a:pPr lvl="1"/>
             <a:r>
-              <a:rPr lang="nl-BE" dirty="0"/>
+              <a:rPr lang="nl-BE" sz="2800" dirty="0"/>
               <a:t>Each Responsibility is an axis of change</a:t>
             </a:r>
           </a:p>
           <a:p>
             <a:pPr lvl="1"/>
             <a:r>
-              <a:rPr lang="nl-BE" dirty="0"/>
+              <a:rPr lang="nl-BE" sz="2800" dirty="0"/>
               <a:t>Changes will cascade</a:t>
             </a:r>
           </a:p>
@@ -11113,7 +11119,12 @@
             <p:ph type="title"/>
           </p:nvPr>
         </p:nvSpPr>
-        <p:spPr/>
+        <p:spPr>
+          <a:xfrm>
+            <a:off x="609600" y="333733"/>
+            <a:ext cx="7765322" cy="970450"/>
+          </a:xfrm>
+        </p:spPr>
         <p:txBody>
           <a:bodyPr>
             <a:normAutofit fontScale="90000"/>
@@ -11501,7 +11512,12 @@
             <p:ph idx="1"/>
           </p:nvPr>
         </p:nvSpPr>
-        <p:spPr/>
+        <p:spPr>
+          <a:xfrm>
+            <a:off x="304800" y="1732450"/>
+            <a:ext cx="8534400" cy="4820750"/>
+          </a:xfrm>
+        </p:spPr>
         <p:txBody>
           <a:bodyPr>
             <a:normAutofit/>
@@ -11512,7 +11528,7 @@
               <a:buNone/>
             </a:pPr>
             <a:r>
-              <a:rPr lang="nl-BE" i="1" dirty="0"/>
+              <a:rPr lang="nl-BE" sz="2800" i="1" dirty="0"/>
               <a:t>“Define the skeleton of an algorithm in an operation,  deferring some steps to subclasses. Template Method lets subclasses redefine certain steps of an algorithm without changing the algorithm’s structure.”</a:t>
             </a:r>
           </a:p>
@@ -11520,14 +11536,14 @@
             <a:pPr marL="0" indent="0">
               <a:buNone/>
             </a:pPr>
-            <a:endParaRPr lang="nl-BE" i="1" dirty="0"/>
+            <a:endParaRPr lang="nl-BE" sz="2800" i="1" dirty="0"/>
           </a:p>
           <a:p>
             <a:pPr marL="0" indent="0">
               <a:buNone/>
             </a:pPr>
             <a:r>
-              <a:rPr lang="nl-BE" dirty="0"/>
+              <a:rPr lang="nl-BE" sz="2800" dirty="0"/>
               <a:t>.NET: Everywhere in the framework</a:t>
             </a:r>
           </a:p>
@@ -11535,14 +11551,14 @@
             <a:pPr marL="0" indent="0">
               <a:buNone/>
             </a:pPr>
-            <a:endParaRPr lang="nl-BE" dirty="0"/>
+            <a:endParaRPr lang="nl-BE" sz="2800" dirty="0"/>
           </a:p>
           <a:p>
             <a:pPr marL="0" indent="0">
               <a:buNone/>
             </a:pPr>
             <a:r>
-              <a:rPr lang="nl-BE" dirty="0"/>
+              <a:rPr lang="nl-BE" sz="2800" dirty="0"/>
               <a:t>Example: Uploading a file</a:t>
             </a:r>
           </a:p>
@@ -11673,8 +11689,8 @@
         </p:blipFill>
         <p:spPr bwMode="auto">
           <a:xfrm>
-            <a:off x="1752600" y="2209800"/>
-            <a:ext cx="5715000" cy="4572000"/>
+            <a:off x="1752600" y="2647653"/>
+            <a:ext cx="5096935" cy="4077548"/>
           </a:xfrm>
           <a:prstGeom prst="rect">
             <a:avLst/>
@@ -11699,8 +11715,8 @@
         </p:nvSpPr>
         <p:spPr>
           <a:xfrm>
-            <a:off x="228600" y="1270575"/>
-            <a:ext cx="8686800" cy="707886"/>
+            <a:off x="228600" y="1262658"/>
+            <a:ext cx="7765322" cy="1384995"/>
           </a:xfrm>
           <a:prstGeom prst="rect">
             <a:avLst/>
@@ -11713,18 +11729,80 @@
           <a:lstStyle/>
           <a:p>
             <a:r>
-              <a:rPr lang="en-US" i="1" dirty="0"/>
-              <a:t>“</a:t>
-            </a:r>
-            <a:r>
-              <a:rPr lang="en-US" sz="2000" i="1" dirty="0"/>
-              <a:t>Every piece of knowledge must have a single, unambiguous, authoritative representation within a system.“ </a:t>
-            </a:r>
-            <a:r>
-              <a:rPr lang="en-US" sz="2000" dirty="0"/>
-              <a:t>– The Pragmatic Programmer</a:t>
-            </a:r>
-            <a:endParaRPr lang="nl-BE" sz="2000" dirty="0"/>
+              <a:rPr lang="en-US" sz="2800" i="1" dirty="0">
+                <a:ln>
+                  <a:solidFill>
+                    <a:schemeClr val="bg1">
+                      <a:lumMod val="75000"/>
+                      <a:lumOff val="25000"/>
+                      <a:alpha val="10000"/>
+                    </a:schemeClr>
+                  </a:solidFill>
+                </a:ln>
+                <a:solidFill>
+                  <a:schemeClr val="tx2"/>
+                </a:solidFill>
+                <a:effectLst>
+                  <a:outerShdw blurRad="9525" dist="25400" dir="14640000" algn="tl" rotWithShape="0">
+                    <a:schemeClr val="bg1">
+                      <a:alpha val="30000"/>
+                    </a:schemeClr>
+                  </a:outerShdw>
+                </a:effectLst>
+                <a:latin typeface="+mj-lt"/>
+                <a:ea typeface="+mj-ea"/>
+              </a:rPr>
+              <a:t>“Every piece of knowledge must have a single, unambiguous, authoritative representation within a system.“</a:t>
+            </a:r>
+            <a:r>
+              <a:rPr lang="en-US" sz="2800" dirty="0">
+                <a:ln>
+                  <a:solidFill>
+                    <a:schemeClr val="bg1">
+                      <a:lumMod val="75000"/>
+                      <a:lumOff val="25000"/>
+                      <a:alpha val="10000"/>
+                    </a:schemeClr>
+                  </a:solidFill>
+                </a:ln>
+                <a:solidFill>
+                  <a:schemeClr val="tx2"/>
+                </a:solidFill>
+                <a:effectLst>
+                  <a:outerShdw blurRad="9525" dist="25400" dir="14640000" algn="tl" rotWithShape="0">
+                    <a:schemeClr val="bg1">
+                      <a:alpha val="30000"/>
+                    </a:schemeClr>
+                  </a:outerShdw>
+                </a:effectLst>
+                <a:latin typeface="+mj-lt"/>
+                <a:ea typeface="+mj-ea"/>
+              </a:rPr>
+              <a:t>  – The Pragmatic Programmer</a:t>
+            </a:r>
+            <a:endParaRPr lang="nl-BE" sz="3600" dirty="0">
+              <a:ln>
+                <a:solidFill>
+                  <a:schemeClr val="bg1">
+                    <a:lumMod val="75000"/>
+                    <a:lumOff val="25000"/>
+                    <a:alpha val="10000"/>
+                  </a:schemeClr>
+                </a:solidFill>
+              </a:ln>
+              <a:solidFill>
+                <a:schemeClr val="tx2"/>
+              </a:solidFill>
+              <a:effectLst>
+                <a:outerShdw blurRad="9525" dist="25400" dir="14640000" algn="tl" rotWithShape="0">
+                  <a:schemeClr val="bg1">
+                    <a:alpha val="30000"/>
+                  </a:schemeClr>
+                </a:outerShdw>
+              </a:effectLst>
+              <a:latin typeface="+mj-lt"/>
+              <a:ea typeface="+mj-ea"/>
+            </a:endParaRPr>
           </a:p>
         </p:txBody>
       </p:sp>
@@ -11837,7 +11915,7 @@
               <a:buNone/>
             </a:pPr>
             <a:r>
-              <a:rPr lang="nl-BE" i="1" dirty="0"/>
+              <a:rPr lang="nl-BE" sz="2400" i="1" dirty="0"/>
               <a:t>“Define an interface for creating an object, but let subclasses decide which class to instantiate. Factory Method lets a class defer instantiation to subclasses.”</a:t>
             </a:r>
           </a:p>
@@ -11845,14 +11923,14 @@
             <a:pPr marL="0" indent="0" algn="ctr">
               <a:buNone/>
             </a:pPr>
-            <a:endParaRPr lang="nl-BE" i="1" dirty="0"/>
+            <a:endParaRPr lang="nl-BE" sz="2400" i="1" dirty="0"/>
           </a:p>
           <a:p>
             <a:pPr marL="0" indent="0">
               <a:buNone/>
             </a:pPr>
             <a:r>
-              <a:rPr lang="nl-BE" sz="2800" dirty="0"/>
+              <a:rPr lang="nl-BE" sz="3200" dirty="0"/>
               <a:t>.NET: Consider using generics to avoid subclassing.</a:t>
             </a:r>
           </a:p>
@@ -11860,14 +11938,14 @@
             <a:pPr marL="0" indent="0">
               <a:buNone/>
             </a:pPr>
-            <a:endParaRPr lang="nl-BE" dirty="0"/>
+            <a:endParaRPr lang="nl-BE" sz="2400" dirty="0"/>
           </a:p>
           <a:p>
             <a:pPr marL="0" indent="0">
               <a:buNone/>
             </a:pPr>
             <a:r>
-              <a:rPr lang="nl-BE" dirty="0"/>
+              <a:rPr lang="nl-BE" sz="2400" dirty="0"/>
               <a:t>Example: Uploading a file</a:t>
             </a:r>
           </a:p>
@@ -12113,7 +12191,12 @@
             <p:ph type="title"/>
           </p:nvPr>
         </p:nvSpPr>
-        <p:spPr/>
+        <p:spPr>
+          <a:xfrm>
+            <a:off x="203021" y="326963"/>
+            <a:ext cx="7765322" cy="970450"/>
+          </a:xfrm>
+        </p:spPr>
         <p:txBody>
           <a:bodyPr>
             <a:normAutofit fontScale="90000"/>
@@ -12186,8 +12269,8 @@
         </p:blipFill>
         <p:spPr bwMode="auto">
           <a:xfrm>
-            <a:off x="1491432" y="1608517"/>
-            <a:ext cx="6153150" cy="4922520"/>
+            <a:off x="1659147" y="1870473"/>
+            <a:ext cx="5825705" cy="4660564"/>
           </a:xfrm>
           <a:prstGeom prst="rect">
             <a:avLst/>
@@ -12525,7 +12608,7 @@
               <a:buAutoNum type="alphaUcPeriod"/>
             </a:pPr>
             <a:r>
-              <a:rPr lang="nl-BE" i="1" dirty="0"/>
+              <a:rPr lang="nl-BE" sz="2800" i="1" dirty="0"/>
               <a:t>“High-level modules should not depend on low-level modules. Both should depend on abstractions.”</a:t>
             </a:r>
           </a:p>
@@ -12534,7 +12617,7 @@
               <a:buAutoNum type="alphaUcPeriod"/>
             </a:pPr>
             <a:r>
-              <a:rPr lang="nl-BE" i="1" dirty="0"/>
+              <a:rPr lang="nl-BE" sz="2800" i="1" dirty="0"/>
               <a:t>“Abstractions should not depend upon details. Details should depend upon abstractions.”</a:t>
             </a:r>
           </a:p>
@@ -12583,8 +12666,8 @@
         </p:nvSpPr>
         <p:spPr>
           <a:xfrm>
-            <a:off x="8229600" y="6324600"/>
-            <a:ext cx="762000" cy="369332"/>
+            <a:off x="8001000" y="6324600"/>
+            <a:ext cx="990600" cy="369332"/>
           </a:xfrm>
           <a:prstGeom prst="rect">
             <a:avLst/>
@@ -12711,7 +12794,7 @@
               <a:buNone/>
             </a:pPr>
             <a:r>
-              <a:rPr lang="nl-BE" i="1" dirty="0"/>
+              <a:rPr lang="nl-BE" sz="3200" i="1" dirty="0"/>
               <a:t>“Define a one-to-many dependency between objects so that when one object changes state, all its dependents are notified and updated automatically.”</a:t>
             </a:r>
           </a:p>
@@ -12734,7 +12817,10 @@
             <a:pPr marL="0" indent="0">
               <a:buNone/>
             </a:pPr>
-            <a:endParaRPr lang="nl-BE" i="1" dirty="0"/>
+            <a:r>
+              <a:rPr lang="nl-BE" dirty="0"/>
+              <a:t>Angular: (event)=“eventEmitter.emit($event)”</a:t>
+            </a:r>
           </a:p>
         </p:txBody>
       </p:sp>
@@ -12844,7 +12930,7 @@
         </p:spPr>
         <p:txBody>
           <a:bodyPr>
-            <a:normAutofit lnSpcReduction="10000"/>
+            <a:normAutofit/>
           </a:bodyPr>
           <a:lstStyle/>
           <a:p>
@@ -12852,7 +12938,7 @@
               <a:buNone/>
             </a:pPr>
             <a:r>
-              <a:rPr lang="nl-BE" i="1" dirty="0"/>
+              <a:rPr lang="nl-BE" sz="2800" i="1" dirty="0"/>
               <a:t>“Attach additional responsibilities to an object dynamically. Decorators provide a flexible alternative to subclassing for extending functionality”</a:t>
             </a:r>
           </a:p>
@@ -12860,7 +12946,7 @@
             <a:pPr marL="0" indent="0">
               <a:buNone/>
             </a:pPr>
-            <a:endParaRPr lang="nl-BE" sz="2800" dirty="0"/>
+            <a:endParaRPr lang="nl-BE" sz="2600" dirty="0"/>
           </a:p>
           <a:p>
             <a:pPr>
@@ -12868,10 +12954,10 @@
               <a:buChar char="-"/>
             </a:pPr>
             <a:r>
-              <a:rPr lang="nl-BE" sz="2800" i="1" dirty="0"/>
+              <a:rPr lang="nl-BE" sz="2600" i="1" dirty="0"/>
               <a:t>Wrapping the new decorator object around the original object</a:t>
             </a:r>
-            <a:endParaRPr lang="nl-BE" sz="2800" dirty="0"/>
+            <a:endParaRPr lang="nl-BE" sz="2600" dirty="0"/>
           </a:p>
           <a:p>
             <a:pPr>
@@ -12879,7 +12965,7 @@
               <a:buChar char="-"/>
             </a:pPr>
             <a:r>
-              <a:rPr lang="nl-BE" sz="2800" dirty="0"/>
+              <a:rPr lang="nl-BE" sz="2600" dirty="0"/>
               <a:t>Adding/removing behavior at runtime vs compile time</a:t>
             </a:r>
           </a:p>
@@ -12889,7 +12975,7 @@
               <a:buChar char="-"/>
             </a:pPr>
             <a:r>
-              <a:rPr lang="nl-BE" sz="2800" dirty="0"/>
+              <a:rPr lang="nl-BE" sz="2600" dirty="0"/>
               <a:t>Avoid explosion of classes</a:t>
             </a:r>
           </a:p>
@@ -12898,14 +12984,14 @@
               <a:buFontTx/>
               <a:buChar char="-"/>
             </a:pPr>
-            <a:endParaRPr lang="nl-BE" sz="2800" dirty="0"/>
+            <a:endParaRPr lang="nl-BE" sz="2600" dirty="0"/>
           </a:p>
           <a:p>
             <a:pPr marL="0" indent="0">
               <a:buNone/>
             </a:pPr>
             <a:r>
-              <a:rPr lang="nl-BE" sz="2800" dirty="0"/>
+              <a:rPr lang="nl-BE" sz="2600" dirty="0"/>
               <a:t>.NET Example: Streams</a:t>
             </a:r>
           </a:p>
@@ -13026,7 +13112,7 @@
               <a:buNone/>
             </a:pPr>
             <a:r>
-              <a:rPr lang="nl-BE" i="1" dirty="0"/>
+              <a:rPr lang="nl-BE" sz="2800" i="1" dirty="0"/>
               <a:t>“Provide a way to access the elements of an aggregate object sequentially without exposing its underlying representation”</a:t>
             </a:r>
           </a:p>
@@ -13179,7 +13265,7 @@
               <a:buNone/>
             </a:pPr>
             <a:r>
-              <a:rPr lang="nl-BE" i="1" dirty="0"/>
+              <a:rPr lang="nl-BE" sz="2800" i="1" dirty="0"/>
               <a:t>“Compose objects into tree structures to represent part-whole hierarchies. Composite lets clients treat individual objects and compositions of objects uniformly.”</a:t>
             </a:r>
           </a:p>
@@ -13336,16 +13422,18 @@
         <p:spPr bwMode="auto">
           <a:xfrm>
             <a:off x="437357" y="1669584"/>
-            <a:ext cx="8554243" cy="3969216"/>
+            <a:ext cx="8554243" cy="5049350"/>
           </a:xfrm>
           <a:prstGeom prst="rect">
             <a:avLst/>
           </a:prstGeom>
-          <a:noFill/>
-          <a:ln>
-            <a:noFill/>
-          </a:ln>
-          <a:effectLst/>
+          <a:effectLst>
+            <a:outerShdw blurRad="25400" dir="17880000">
+              <a:srgbClr val="000000">
+                <a:alpha val="46000"/>
+              </a:srgbClr>
+            </a:outerShdw>
+          </a:effectLst>
           <a:extLst>
             <a:ext uri="{909E8E84-426E-40DD-AFC4-6F175D3DCCD1}">
               <a14:hiddenFill xmlns:a14="http://schemas.microsoft.com/office/drawing/2010/main">
@@ -13376,10 +13464,8 @@
           </a:extLst>
         </p:spPr>
         <p:txBody>
-          <a:bodyPr vert="horz" wrap="square" lIns="0" tIns="0" rIns="0" bIns="0" numCol="1" anchor="t" anchorCtr="0" compatLnSpc="1">
-            <a:prstTxWarp prst="textNoShape">
-              <a:avLst/>
-            </a:prstTxWarp>
+          <a:bodyPr vert="horz" lIns="91440" tIns="45720" rIns="91440" bIns="45720" rtlCol="0" anchor="t">
+            <a:normAutofit fontScale="77500" lnSpcReduction="20000"/>
           </a:bodyPr>
           <a:lstStyle>
             <a:lvl1pPr marL="231775" indent="-231775" algn="l" rtl="0" fontAlgn="base">
@@ -13528,149 +13614,474 @@
             </a:lvl9pPr>
           </a:lstStyle>
           <a:p>
-            <a:pPr marL="3175" indent="0">
+            <a:pPr marL="36900" indent="0">
+              <a:spcBef>
+                <a:spcPct val="20000"/>
+              </a:spcBef>
+              <a:spcAft>
+                <a:spcPts val="600"/>
+              </a:spcAft>
+              <a:buClr>
+                <a:schemeClr val="tx2"/>
+              </a:buClr>
+              <a:buSzPct val="70000"/>
               <a:buNone/>
             </a:pPr>
             <a:r>
-              <a:rPr lang="en-US" i="1" dirty="0">
+              <a:rPr lang="en-US" sz="2900" i="1" dirty="0">
+                <a:ln>
+                  <a:solidFill>
+                    <a:schemeClr val="bg1">
+                      <a:lumMod val="75000"/>
+                      <a:lumOff val="25000"/>
+                      <a:alpha val="10000"/>
+                    </a:schemeClr>
+                  </a:solidFill>
+                </a:ln>
                 <a:solidFill>
-                  <a:schemeClr val="tx1"/>
+                  <a:schemeClr val="tx2"/>
                 </a:solidFill>
+                <a:effectLst>
+                  <a:outerShdw blurRad="9525" dist="25400" dir="14640000" algn="tl" rotWithShape="0">
+                    <a:schemeClr val="bg1">
+                      <a:alpha val="30000"/>
+                    </a:schemeClr>
+                  </a:outerShdw>
+                </a:effectLst>
               </a:rPr>
               <a:t>“Convert the interface of a class to an interface expected by the users of the class.”</a:t>
             </a:r>
           </a:p>
           <a:p>
-            <a:pPr marL="406400" lvl="1" indent="0">
-              <a:buNone/>
+            <a:pPr marL="720000" lvl="1" indent="-270000">
+              <a:spcBef>
+                <a:spcPct val="20000"/>
+              </a:spcBef>
+              <a:spcAft>
+                <a:spcPts val="600"/>
+              </a:spcAft>
+              <a:buClr>
+                <a:schemeClr val="tx2"/>
+              </a:buClr>
+              <a:buSzPct val="70000"/>
+              <a:buFont typeface="Wingdings 2" charset="2"/>
+              <a:buChar char=""/>
             </a:pPr>
             <a:endParaRPr lang="en-US" dirty="0">
+              <a:ln>
+                <a:solidFill>
+                  <a:schemeClr val="bg1">
+                    <a:lumMod val="75000"/>
+                    <a:lumOff val="25000"/>
+                    <a:alpha val="10000"/>
+                  </a:schemeClr>
+                </a:solidFill>
+              </a:ln>
               <a:solidFill>
-                <a:schemeClr val="tx1"/>
+                <a:schemeClr val="tx2"/>
               </a:solidFill>
+              <a:effectLst>
+                <a:outerShdw blurRad="9525" dist="25400" dir="14640000" algn="tl" rotWithShape="0">
+                  <a:schemeClr val="bg1">
+                    <a:alpha val="30000"/>
+                  </a:schemeClr>
+                </a:outerShdw>
+              </a:effectLst>
             </a:endParaRPr>
           </a:p>
           <a:p>
-            <a:pPr marL="460375" indent="-457200">
-              <a:buFontTx/>
-              <a:buChar char="-"/>
+            <a:pPr marL="36900" indent="0">
+              <a:spcBef>
+                <a:spcPct val="20000"/>
+              </a:spcBef>
+              <a:spcAft>
+                <a:spcPts val="600"/>
+              </a:spcAft>
+              <a:buClr>
+                <a:schemeClr val="tx2"/>
+              </a:buClr>
+              <a:buSzPct val="70000"/>
+              <a:buNone/>
             </a:pPr>
             <a:r>
-              <a:rPr lang="en-US" sz="2400" dirty="0">
+              <a:rPr lang="en-US" sz="2600" dirty="0">
+                <a:ln>
+                  <a:solidFill>
+                    <a:schemeClr val="bg1">
+                      <a:lumMod val="75000"/>
+                      <a:lumOff val="25000"/>
+                      <a:alpha val="10000"/>
+                    </a:schemeClr>
+                  </a:solidFill>
+                </a:ln>
                 <a:solidFill>
-                  <a:schemeClr val="tx1"/>
+                  <a:schemeClr val="tx2"/>
                 </a:solidFill>
+                <a:effectLst>
+                  <a:outerShdw blurRad="9525" dist="25400" dir="14640000" algn="tl" rotWithShape="0">
+                    <a:schemeClr val="bg1">
+                      <a:alpha val="30000"/>
+                    </a:schemeClr>
+                  </a:outerShdw>
+                </a:effectLst>
               </a:rPr>
               <a:t>Allows classes to work together even though they have incompatible interfaces.</a:t>
             </a:r>
           </a:p>
           <a:p>
-            <a:pPr marL="460375" indent="-457200">
-              <a:buFontTx/>
-              <a:buChar char="-"/>
+            <a:pPr marL="36900" indent="0">
+              <a:spcBef>
+                <a:spcPct val="20000"/>
+              </a:spcBef>
+              <a:spcAft>
+                <a:spcPts val="600"/>
+              </a:spcAft>
+              <a:buClr>
+                <a:schemeClr val="tx2"/>
+              </a:buClr>
+              <a:buSzPct val="70000"/>
+              <a:buNone/>
             </a:pPr>
-            <a:endParaRPr lang="en-US" sz="2400" dirty="0">
+            <a:endParaRPr lang="en-US" sz="2600" dirty="0">
+              <a:ln>
+                <a:solidFill>
+                  <a:schemeClr val="bg1">
+                    <a:lumMod val="75000"/>
+                    <a:lumOff val="25000"/>
+                    <a:alpha val="10000"/>
+                  </a:schemeClr>
+                </a:solidFill>
+              </a:ln>
               <a:solidFill>
-                <a:schemeClr val="tx1"/>
+                <a:schemeClr val="tx2"/>
               </a:solidFill>
+              <a:effectLst>
+                <a:outerShdw blurRad="9525" dist="25400" dir="14640000" algn="tl" rotWithShape="0">
+                  <a:schemeClr val="bg1">
+                    <a:alpha val="30000"/>
+                  </a:schemeClr>
+                </a:outerShdw>
+              </a:effectLst>
             </a:endParaRPr>
           </a:p>
           <a:p>
-            <a:pPr marL="460375" indent="-457200">
-              <a:buFontTx/>
-              <a:buChar char="-"/>
+            <a:pPr marL="36900" indent="0">
+              <a:spcBef>
+                <a:spcPct val="20000"/>
+              </a:spcBef>
+              <a:spcAft>
+                <a:spcPts val="600"/>
+              </a:spcAft>
+              <a:buClr>
+                <a:schemeClr val="tx2"/>
+              </a:buClr>
+              <a:buSzPct val="70000"/>
+              <a:buNone/>
             </a:pPr>
             <a:r>
-              <a:rPr lang="en-US" sz="2400" dirty="0">
+              <a:rPr lang="en-US" sz="2600" dirty="0">
+                <a:ln>
+                  <a:solidFill>
+                    <a:schemeClr val="bg1">
+                      <a:lumMod val="75000"/>
+                      <a:lumOff val="25000"/>
+                      <a:alpha val="10000"/>
+                    </a:schemeClr>
+                  </a:solidFill>
+                </a:ln>
                 <a:solidFill>
-                  <a:schemeClr val="tx1"/>
+                  <a:schemeClr val="tx2"/>
                 </a:solidFill>
+                <a:effectLst>
+                  <a:outerShdw blurRad="9525" dist="25400" dir="14640000" algn="tl" rotWithShape="0">
+                    <a:schemeClr val="bg1">
+                      <a:alpha val="30000"/>
+                    </a:schemeClr>
+                  </a:outerShdw>
+                </a:effectLst>
               </a:rPr>
               <a:t>.NET: Managed COM wrappers (</a:t>
             </a:r>
             <a:r>
-              <a:rPr lang="en-US" sz="2400" dirty="0" err="1">
+              <a:rPr lang="en-US" sz="2600" dirty="0" err="1">
+                <a:ln>
+                  <a:solidFill>
+                    <a:schemeClr val="bg1">
+                      <a:lumMod val="75000"/>
+                      <a:lumOff val="25000"/>
+                      <a:alpha val="10000"/>
+                    </a:schemeClr>
+                  </a:solidFill>
+                </a:ln>
                 <a:solidFill>
-                  <a:schemeClr val="tx1"/>
+                  <a:schemeClr val="tx2"/>
                 </a:solidFill>
+                <a:effectLst>
+                  <a:outerShdw blurRad="9525" dist="25400" dir="14640000" algn="tl" rotWithShape="0">
+                    <a:schemeClr val="bg1">
+                      <a:alpha val="30000"/>
+                    </a:schemeClr>
+                  </a:outerShdw>
+                </a:effectLst>
               </a:rPr>
               <a:t>System.String</a:t>
             </a:r>
             <a:r>
-              <a:rPr lang="en-US" sz="2400" dirty="0">
+              <a:rPr lang="en-US" sz="2600" dirty="0">
+                <a:ln>
+                  <a:solidFill>
+                    <a:schemeClr val="bg1">
+                      <a:lumMod val="75000"/>
+                      <a:lumOff val="25000"/>
+                      <a:alpha val="10000"/>
+                    </a:schemeClr>
+                  </a:solidFill>
+                </a:ln>
                 <a:solidFill>
-                  <a:schemeClr val="tx1"/>
+                  <a:schemeClr val="tx2"/>
                 </a:solidFill>
+                <a:effectLst>
+                  <a:outerShdw blurRad="9525" dist="25400" dir="14640000" algn="tl" rotWithShape="0">
+                    <a:schemeClr val="bg1">
+                      <a:alpha val="30000"/>
+                    </a:schemeClr>
+                  </a:outerShdw>
+                </a:effectLst>
               </a:rPr>
               <a:t> -&gt; BSTR)</a:t>
             </a:r>
           </a:p>
           <a:p>
-            <a:pPr marL="460375" indent="-457200">
-              <a:buFontTx/>
-              <a:buChar char="-"/>
+            <a:pPr marL="36900" indent="0">
+              <a:spcBef>
+                <a:spcPct val="20000"/>
+              </a:spcBef>
+              <a:spcAft>
+                <a:spcPts val="600"/>
+              </a:spcAft>
+              <a:buClr>
+                <a:schemeClr val="tx2"/>
+              </a:buClr>
+              <a:buSzPct val="70000"/>
+              <a:buNone/>
             </a:pPr>
-            <a:endParaRPr lang="en-US" dirty="0">
+            <a:endParaRPr lang="en-US" sz="2600" dirty="0">
+              <a:ln>
+                <a:solidFill>
+                  <a:schemeClr val="bg1">
+                    <a:lumMod val="75000"/>
+                    <a:lumOff val="25000"/>
+                    <a:alpha val="10000"/>
+                  </a:schemeClr>
+                </a:solidFill>
+              </a:ln>
               <a:solidFill>
-                <a:schemeClr val="tx1"/>
+                <a:schemeClr val="tx2"/>
               </a:solidFill>
+              <a:effectLst>
+                <a:outerShdw blurRad="9525" dist="25400" dir="14640000" algn="tl" rotWithShape="0">
+                  <a:schemeClr val="bg1">
+                    <a:alpha val="30000"/>
+                  </a:schemeClr>
+                </a:outerShdw>
+              </a:effectLst>
             </a:endParaRPr>
           </a:p>
           <a:p>
-            <a:pPr marL="460375" indent="-457200">
-              <a:buFontTx/>
-              <a:buChar char="-"/>
+            <a:pPr marL="36900" indent="0">
+              <a:spcBef>
+                <a:spcPct val="20000"/>
+              </a:spcBef>
+              <a:spcAft>
+                <a:spcPts val="600"/>
+              </a:spcAft>
+              <a:buClr>
+                <a:schemeClr val="tx2"/>
+              </a:buClr>
+              <a:buSzPct val="70000"/>
+              <a:buNone/>
             </a:pPr>
             <a:r>
-              <a:rPr lang="en-US" sz="2400" dirty="0">
+              <a:rPr lang="en-US" sz="2600" dirty="0">
+                <a:ln>
+                  <a:solidFill>
+                    <a:schemeClr val="bg1">
+                      <a:lumMod val="75000"/>
+                      <a:lumOff val="25000"/>
+                      <a:alpha val="10000"/>
+                    </a:schemeClr>
+                  </a:solidFill>
+                </a:ln>
                 <a:solidFill>
-                  <a:schemeClr val="tx1"/>
+                  <a:schemeClr val="tx2"/>
                 </a:solidFill>
+                <a:effectLst>
+                  <a:outerShdw blurRad="9525" dist="25400" dir="14640000" algn="tl" rotWithShape="0">
+                    <a:schemeClr val="bg1">
+                      <a:alpha val="30000"/>
+                    </a:schemeClr>
+                  </a:outerShdw>
+                </a:effectLst>
               </a:rPr>
               <a:t>“Real world” example:</a:t>
             </a:r>
-            <a:endParaRPr lang="en-US" sz="2400" dirty="0"/>
-          </a:p>
-          <a:p>
-            <a:pPr lvl="1"/>
-            <a:r>
-              <a:rPr lang="en-US" dirty="0">
+          </a:p>
+          <a:p>
+            <a:pPr marL="720000" lvl="1" indent="-270000">
+              <a:spcBef>
+                <a:spcPct val="20000"/>
+              </a:spcBef>
+              <a:spcAft>
+                <a:spcPts val="600"/>
+              </a:spcAft>
+              <a:buClr>
+                <a:schemeClr val="tx2"/>
+              </a:buClr>
+              <a:buSzPct val="70000"/>
+              <a:buFont typeface="Wingdings 2" charset="2"/>
+              <a:buChar char=""/>
+            </a:pPr>
+            <a:r>
+              <a:rPr lang="en-US" sz="2900" dirty="0">
+                <a:ln>
+                  <a:solidFill>
+                    <a:schemeClr val="bg1">
+                      <a:lumMod val="75000"/>
+                      <a:lumOff val="25000"/>
+                      <a:alpha val="10000"/>
+                    </a:schemeClr>
+                  </a:solidFill>
+                </a:ln>
                 <a:solidFill>
-                  <a:schemeClr val="tx1"/>
+                  <a:schemeClr val="tx2"/>
                 </a:solidFill>
+                <a:effectLst>
+                  <a:outerShdw blurRad="9525" dist="25400" dir="14640000" algn="tl" rotWithShape="0">
+                    <a:schemeClr val="bg1">
+                      <a:alpha val="30000"/>
+                    </a:schemeClr>
+                  </a:outerShdw>
+                </a:effectLst>
               </a:rPr>
               <a:t>U.S. electrical system: 110 VAC @ 60 Hz.</a:t>
             </a:r>
           </a:p>
           <a:p>
-            <a:pPr lvl="1"/>
-            <a:r>
-              <a:rPr lang="en-US" dirty="0">
+            <a:pPr marL="720000" lvl="1" indent="-270000">
+              <a:spcBef>
+                <a:spcPct val="20000"/>
+              </a:spcBef>
+              <a:spcAft>
+                <a:spcPts val="600"/>
+              </a:spcAft>
+              <a:buClr>
+                <a:schemeClr val="tx2"/>
+              </a:buClr>
+              <a:buSzPct val="70000"/>
+              <a:buFont typeface="Wingdings 2" charset="2"/>
+              <a:buChar char=""/>
+            </a:pPr>
+            <a:r>
+              <a:rPr lang="en-US" sz="2900" dirty="0">
+                <a:ln>
+                  <a:solidFill>
+                    <a:schemeClr val="bg1">
+                      <a:lumMod val="75000"/>
+                      <a:lumOff val="25000"/>
+                      <a:alpha val="10000"/>
+                    </a:schemeClr>
+                  </a:solidFill>
+                </a:ln>
                 <a:solidFill>
-                  <a:schemeClr val="tx1"/>
+                  <a:schemeClr val="tx2"/>
                 </a:solidFill>
+                <a:effectLst>
+                  <a:outerShdw blurRad="9525" dist="25400" dir="14640000" algn="tl" rotWithShape="0">
+                    <a:schemeClr val="bg1">
+                      <a:alpha val="30000"/>
+                    </a:schemeClr>
+                  </a:outerShdw>
+                </a:effectLst>
               </a:rPr>
               <a:t>European electrical system: 220 VAC @ 50 Hz.</a:t>
             </a:r>
           </a:p>
           <a:p>
-            <a:pPr lvl="1"/>
-            <a:r>
-              <a:rPr lang="en-US" dirty="0">
+            <a:pPr marL="720000" lvl="1" indent="-270000">
+              <a:spcBef>
+                <a:spcPct val="20000"/>
+              </a:spcBef>
+              <a:spcAft>
+                <a:spcPts val="600"/>
+              </a:spcAft>
+              <a:buClr>
+                <a:schemeClr val="tx2"/>
+              </a:buClr>
+              <a:buSzPct val="70000"/>
+              <a:buFont typeface="Wingdings 2" charset="2"/>
+              <a:buChar char=""/>
+            </a:pPr>
+            <a:r>
+              <a:rPr lang="en-US" sz="2900" dirty="0">
+                <a:ln>
+                  <a:solidFill>
+                    <a:schemeClr val="bg1">
+                      <a:lumMod val="75000"/>
+                      <a:lumOff val="25000"/>
+                      <a:alpha val="10000"/>
+                    </a:schemeClr>
+                  </a:solidFill>
+                </a:ln>
                 <a:solidFill>
-                  <a:schemeClr val="tx1"/>
+                  <a:schemeClr val="tx2"/>
                 </a:solidFill>
+                <a:effectLst>
+                  <a:outerShdw blurRad="9525" dist="25400" dir="14640000" algn="tl" rotWithShape="0">
+                    <a:schemeClr val="bg1">
+                      <a:alpha val="30000"/>
+                    </a:schemeClr>
+                  </a:outerShdw>
+                </a:effectLst>
               </a:rPr>
               <a:t>How can we use U.S. appliances in Europe?</a:t>
             </a:r>
           </a:p>
           <a:p>
-            <a:pPr lvl="1"/>
-            <a:r>
-              <a:rPr lang="en-US" dirty="0">
+            <a:pPr marL="720000" lvl="1" indent="-270000">
+              <a:spcBef>
+                <a:spcPct val="20000"/>
+              </a:spcBef>
+              <a:spcAft>
+                <a:spcPts val="600"/>
+              </a:spcAft>
+              <a:buClr>
+                <a:schemeClr val="tx2"/>
+              </a:buClr>
+              <a:buSzPct val="70000"/>
+              <a:buFont typeface="Wingdings 2" charset="2"/>
+              <a:buChar char=""/>
+            </a:pPr>
+            <a:r>
+              <a:rPr lang="en-US" sz="2900" dirty="0">
+                <a:ln>
+                  <a:solidFill>
+                    <a:schemeClr val="bg1">
+                      <a:lumMod val="75000"/>
+                      <a:lumOff val="25000"/>
+                      <a:alpha val="10000"/>
+                    </a:schemeClr>
+                  </a:solidFill>
+                </a:ln>
                 <a:solidFill>
-                  <a:schemeClr val="tx1"/>
+                  <a:schemeClr val="tx2"/>
                 </a:solidFill>
+                <a:effectLst>
+                  <a:outerShdw blurRad="9525" dist="25400" dir="14640000" algn="tl" rotWithShape="0">
+                    <a:schemeClr val="bg1">
+                      <a:alpha val="30000"/>
+                    </a:schemeClr>
+                  </a:outerShdw>
+                </a:effectLst>
               </a:rPr>
               <a:t>Adapters!</a:t>
             </a:r>
@@ -13836,6 +14247,31 @@
           </a:prstGeom>
         </p:spPr>
       </p:pic>
+      <p:sp>
+        <p:nvSpPr>
+          <p:cNvPr id="13" name="Content Placeholder 12">
+            <a:extLst>
+              <a:ext uri="{FF2B5EF4-FFF2-40B4-BE49-F238E27FC236}">
+                <a16:creationId xmlns:a16="http://schemas.microsoft.com/office/drawing/2014/main" id="{9D921980-4E74-40FE-8428-D83F5D1ECCBF}"/>
+              </a:ext>
+            </a:extLst>
+          </p:cNvPr>
+          <p:cNvSpPr>
+            <a:spLocks noGrp="1"/>
+          </p:cNvSpPr>
+          <p:nvPr>
+            <p:ph idx="1"/>
+          </p:nvPr>
+        </p:nvSpPr>
+        <p:spPr/>
+        <p:txBody>
+          <a:bodyPr/>
+          <a:lstStyle/>
+          <a:p>
+            <a:endParaRPr lang="nl-BE"/>
+          </a:p>
+        </p:txBody>
+      </p:sp>
     </p:spTree>
     <p:extLst>
       <p:ext uri="{BB962C8B-B14F-4D97-AF65-F5344CB8AC3E}">
@@ -14061,14 +14497,14 @@
               <a:buNone/>
             </a:pPr>
             <a:r>
-              <a:rPr lang="nl-BE" i="1" dirty="0"/>
+              <a:rPr lang="nl-BE" sz="2800" i="1" dirty="0"/>
               <a:t>“When all you have is a hammer, everything looks like a nail.” - </a:t>
             </a:r>
             <a:r>
-              <a:rPr lang="nl-BE" dirty="0"/>
+              <a:rPr lang="nl-BE" sz="2800" dirty="0"/>
               <a:t>Maslow's hammer</a:t>
             </a:r>
-            <a:endParaRPr lang="nl-BE" i="1" dirty="0"/>
+            <a:endParaRPr lang="nl-BE" sz="2800" i="1" dirty="0"/>
           </a:p>
           <a:p>
             <a:pPr marL="0" indent="0">
@@ -14723,18 +15159,26 @@
         </p:nvSpPr>
         <p:spPr/>
         <p:txBody>
-          <a:bodyPr/>
+          <a:bodyPr>
+            <a:normAutofit/>
+          </a:bodyPr>
           <a:lstStyle/>
           <a:p>
             <a:pPr marL="0" indent="0">
               <a:buNone/>
             </a:pPr>
             <a:r>
-              <a:rPr lang="nl-BE" i="1" dirty="0"/>
-              <a:t>“Each pattern describes a problem which occurs over and over again in our environment, and then describes the core of the solution to that problem, in such a way that you can use this solution a million times over, without ever doing it the same way twice.” </a:t>
-            </a:r>
-            <a:r>
-              <a:rPr lang="nl-BE" dirty="0"/>
+              <a:rPr lang="nl-BE" sz="3200" i="1" dirty="0"/>
+              <a:t>“Each pattern describes a problem which occurs over and over again in our environment, and then describes the core of the solution to that problem, in such a way that you can use this solution a million times over, without ever doing it the same way twice.”</a:t>
+            </a:r>
+            <a:br>
+              <a:rPr lang="nl-BE" sz="3200" i="1" dirty="0"/>
+            </a:br>
+            <a:br>
+              <a:rPr lang="nl-BE" sz="3200" i="1" dirty="0"/>
+            </a:br>
+            <a:r>
+              <a:rPr lang="nl-BE" sz="3200" dirty="0"/>
               <a:t>– Christopher Alexander</a:t>
             </a:r>
           </a:p>
@@ -14863,7 +15307,7 @@
               <a:buNone/>
             </a:pPr>
             <a:r>
-              <a:rPr lang="nl-BE" b="1" i="1" dirty="0"/>
+              <a:rPr lang="nl-BE" i="1" dirty="0"/>
               <a:t>Adapter</a:t>
             </a:r>
           </a:p>
@@ -14872,7 +15316,7 @@
               <a:buNone/>
             </a:pPr>
             <a:r>
-              <a:rPr lang="nl-BE" b="1" i="1" dirty="0"/>
+              <a:rPr lang="nl-BE" i="1" dirty="0"/>
               <a:t>Composite</a:t>
             </a:r>
           </a:p>
@@ -14881,7 +15325,7 @@
               <a:buNone/>
             </a:pPr>
             <a:r>
-              <a:rPr lang="nl-BE" b="1" i="1" dirty="0"/>
+              <a:rPr lang="nl-BE" i="1" dirty="0"/>
               <a:t>Decorator</a:t>
             </a:r>
           </a:p>
@@ -14917,7 +15361,7 @@
               <a:buNone/>
             </a:pPr>
             <a:r>
-              <a:rPr lang="nl-BE" b="1" i="1" dirty="0"/>
+              <a:rPr lang="nl-BE" i="1" dirty="0"/>
               <a:t>Iterator</a:t>
             </a:r>
           </a:p>
@@ -15091,94 +15535,349 @@
             </a:lvl9pPr>
           </a:lstStyle>
           <a:p>
-            <a:pPr marL="0" indent="0">
-              <a:buFont typeface="Arial" pitchFamily="34" charset="0"/>
+            <a:pPr marL="0" indent="0" defTabSz="457200">
+              <a:spcAft>
+                <a:spcPts val="600"/>
+              </a:spcAft>
+              <a:buClr>
+                <a:schemeClr val="tx2"/>
+              </a:buClr>
+              <a:buSzPct val="70000"/>
               <a:buNone/>
             </a:pPr>
             <a:r>
-              <a:rPr lang="nl-BE" b="1" dirty="0"/>
+              <a:rPr lang="nl-BE" sz="2800" i="1" dirty="0">
+                <a:ln>
+                  <a:solidFill>
+                    <a:schemeClr val="bg1">
+                      <a:lumMod val="75000"/>
+                      <a:lumOff val="25000"/>
+                      <a:alpha val="10000"/>
+                    </a:schemeClr>
+                  </a:solidFill>
+                </a:ln>
+                <a:solidFill>
+                  <a:schemeClr val="tx2"/>
+                </a:solidFill>
+                <a:effectLst>
+                  <a:outerShdw blurRad="9525" dist="25400" dir="14640000" algn="tl" rotWithShape="0">
+                    <a:schemeClr val="bg1">
+                      <a:alpha val="30000"/>
+                    </a:schemeClr>
+                  </a:outerShdw>
+                </a:effectLst>
+              </a:rPr>
               <a:t>Factory Method</a:t>
             </a:r>
           </a:p>
           <a:p>
-            <a:pPr marL="0" indent="0">
-              <a:buFont typeface="Arial" pitchFamily="34" charset="0"/>
+            <a:pPr marL="0" indent="0" defTabSz="457200">
+              <a:spcAft>
+                <a:spcPts val="600"/>
+              </a:spcAft>
+              <a:buClr>
+                <a:schemeClr val="tx2"/>
+              </a:buClr>
+              <a:buSzPct val="70000"/>
               <a:buNone/>
             </a:pPr>
             <a:r>
-              <a:rPr lang="nl-BE" b="1" dirty="0"/>
+              <a:rPr lang="nl-BE" sz="2800" i="1" dirty="0">
+                <a:ln>
+                  <a:solidFill>
+                    <a:schemeClr val="bg1">
+                      <a:lumMod val="75000"/>
+                      <a:lumOff val="25000"/>
+                      <a:alpha val="10000"/>
+                    </a:schemeClr>
+                  </a:solidFill>
+                </a:ln>
+                <a:solidFill>
+                  <a:schemeClr val="tx2"/>
+                </a:solidFill>
+                <a:effectLst>
+                  <a:outerShdw blurRad="9525" dist="25400" dir="14640000" algn="tl" rotWithShape="0">
+                    <a:schemeClr val="bg1">
+                      <a:alpha val="30000"/>
+                    </a:schemeClr>
+                  </a:outerShdw>
+                </a:effectLst>
+              </a:rPr>
               <a:t>Observer</a:t>
             </a:r>
           </a:p>
           <a:p>
-            <a:pPr marL="0" indent="0">
-              <a:buFont typeface="Arial" pitchFamily="34" charset="0"/>
+            <a:pPr marL="0" indent="0" defTabSz="457200">
+              <a:spcAft>
+                <a:spcPts val="600"/>
+              </a:spcAft>
+              <a:buClr>
+                <a:schemeClr val="tx2"/>
+              </a:buClr>
+              <a:buSzPct val="70000"/>
               <a:buNone/>
             </a:pPr>
             <a:r>
-              <a:rPr lang="nl-BE" b="1" dirty="0"/>
+              <a:rPr lang="nl-BE" sz="2800" i="1" dirty="0">
+                <a:ln>
+                  <a:solidFill>
+                    <a:schemeClr val="bg1">
+                      <a:lumMod val="75000"/>
+                      <a:lumOff val="25000"/>
+                      <a:alpha val="10000"/>
+                    </a:schemeClr>
+                  </a:solidFill>
+                </a:ln>
+                <a:solidFill>
+                  <a:schemeClr val="tx2"/>
+                </a:solidFill>
+                <a:effectLst>
+                  <a:outerShdw blurRad="9525" dist="25400" dir="14640000" algn="tl" rotWithShape="0">
+                    <a:schemeClr val="bg1">
+                      <a:alpha val="30000"/>
+                    </a:schemeClr>
+                  </a:outerShdw>
+                </a:effectLst>
+              </a:rPr>
               <a:t>Strategy</a:t>
             </a:r>
           </a:p>
           <a:p>
-            <a:pPr marL="0" indent="0">
-              <a:buFont typeface="Arial" pitchFamily="34" charset="0"/>
+            <a:pPr marL="0" indent="0" defTabSz="457200">
+              <a:spcAft>
+                <a:spcPts val="600"/>
+              </a:spcAft>
+              <a:buClr>
+                <a:schemeClr val="tx2"/>
+              </a:buClr>
+              <a:buSzPct val="70000"/>
               <a:buNone/>
             </a:pPr>
             <a:r>
-              <a:rPr lang="nl-BE" b="1" dirty="0"/>
+              <a:rPr lang="nl-BE" sz="2800" i="1" dirty="0">
+                <a:ln>
+                  <a:solidFill>
+                    <a:schemeClr val="bg1">
+                      <a:lumMod val="75000"/>
+                      <a:lumOff val="25000"/>
+                      <a:alpha val="10000"/>
+                    </a:schemeClr>
+                  </a:solidFill>
+                </a:ln>
+                <a:solidFill>
+                  <a:schemeClr val="tx2"/>
+                </a:solidFill>
+                <a:effectLst>
+                  <a:outerShdw blurRad="9525" dist="25400" dir="14640000" algn="tl" rotWithShape="0">
+                    <a:schemeClr val="bg1">
+                      <a:alpha val="30000"/>
+                    </a:schemeClr>
+                  </a:outerShdw>
+                </a:effectLst>
+              </a:rPr>
               <a:t>Template Method</a:t>
             </a:r>
           </a:p>
           <a:p>
-            <a:pPr marL="0" indent="0">
-              <a:buFont typeface="Arial" pitchFamily="34" charset="0"/>
+            <a:pPr marL="0" indent="0" defTabSz="457200">
+              <a:spcAft>
+                <a:spcPts val="600"/>
+              </a:spcAft>
+              <a:buClr>
+                <a:schemeClr val="tx2"/>
+              </a:buClr>
+              <a:buSzPct val="70000"/>
               <a:buNone/>
             </a:pPr>
             <a:r>
-              <a:rPr lang="nl-BE" i="1" dirty="0"/>
+              <a:rPr lang="nl-BE" sz="2800" i="1" dirty="0">
+                <a:ln>
+                  <a:solidFill>
+                    <a:schemeClr val="bg1">
+                      <a:lumMod val="75000"/>
+                      <a:lumOff val="25000"/>
+                      <a:alpha val="10000"/>
+                    </a:schemeClr>
+                  </a:solidFill>
+                </a:ln>
+                <a:solidFill>
+                  <a:schemeClr val="tx2"/>
+                </a:solidFill>
+                <a:effectLst>
+                  <a:outerShdw blurRad="9525" dist="25400" dir="14640000" algn="tl" rotWithShape="0">
+                    <a:schemeClr val="bg1">
+                      <a:alpha val="30000"/>
+                    </a:schemeClr>
+                  </a:outerShdw>
+                </a:effectLst>
+              </a:rPr>
               <a:t>Singleton</a:t>
             </a:r>
           </a:p>
           <a:p>
-            <a:pPr marL="0" indent="0">
-              <a:buFont typeface="Arial" pitchFamily="34" charset="0"/>
+            <a:pPr marL="0" indent="0" defTabSz="457200">
+              <a:spcAft>
+                <a:spcPts val="600"/>
+              </a:spcAft>
+              <a:buClr>
+                <a:schemeClr val="tx2"/>
+              </a:buClr>
+              <a:buSzPct val="70000"/>
               <a:buNone/>
             </a:pPr>
             <a:r>
-              <a:rPr lang="nl-BE" i="1" dirty="0"/>
+              <a:rPr lang="nl-BE" sz="2800" i="1" dirty="0">
+                <a:ln>
+                  <a:solidFill>
+                    <a:schemeClr val="bg1">
+                      <a:lumMod val="75000"/>
+                      <a:lumOff val="25000"/>
+                      <a:alpha val="10000"/>
+                    </a:schemeClr>
+                  </a:solidFill>
+                </a:ln>
+                <a:solidFill>
+                  <a:schemeClr val="tx2"/>
+                </a:solidFill>
+                <a:effectLst>
+                  <a:outerShdw blurRad="9525" dist="25400" dir="14640000" algn="tl" rotWithShape="0">
+                    <a:schemeClr val="bg1">
+                      <a:alpha val="30000"/>
+                    </a:schemeClr>
+                  </a:outerShdw>
+                </a:effectLst>
+              </a:rPr>
               <a:t>Command</a:t>
             </a:r>
           </a:p>
           <a:p>
-            <a:pPr marL="0" indent="0">
-              <a:buFont typeface="Arial" pitchFamily="34" charset="0"/>
+            <a:pPr marL="0" indent="0" defTabSz="457200">
+              <a:spcAft>
+                <a:spcPts val="600"/>
+              </a:spcAft>
+              <a:buClr>
+                <a:schemeClr val="tx2"/>
+              </a:buClr>
+              <a:buSzPct val="70000"/>
               <a:buNone/>
             </a:pPr>
             <a:r>
-              <a:rPr lang="nl-BE" i="1" dirty="0"/>
+              <a:rPr lang="nl-BE" sz="2800" i="1" dirty="0">
+                <a:ln>
+                  <a:solidFill>
+                    <a:schemeClr val="bg1">
+                      <a:lumMod val="75000"/>
+                      <a:lumOff val="25000"/>
+                      <a:alpha val="10000"/>
+                    </a:schemeClr>
+                  </a:solidFill>
+                </a:ln>
+                <a:solidFill>
+                  <a:schemeClr val="tx2"/>
+                </a:solidFill>
+                <a:effectLst>
+                  <a:outerShdw blurRad="9525" dist="25400" dir="14640000" algn="tl" rotWithShape="0">
+                    <a:schemeClr val="bg1">
+                      <a:alpha val="30000"/>
+                    </a:schemeClr>
+                  </a:outerShdw>
+                </a:effectLst>
+              </a:rPr>
               <a:t>State</a:t>
             </a:r>
           </a:p>
           <a:p>
-            <a:pPr marL="0" indent="0">
-              <a:buFont typeface="Arial" pitchFamily="34" charset="0"/>
+            <a:pPr marL="0" indent="0" defTabSz="457200">
+              <a:spcAft>
+                <a:spcPts val="600"/>
+              </a:spcAft>
+              <a:buClr>
+                <a:schemeClr val="tx2"/>
+              </a:buClr>
+              <a:buSzPct val="70000"/>
               <a:buNone/>
             </a:pPr>
             <a:r>
-              <a:rPr lang="nl-BE" i="1" dirty="0"/>
+              <a:rPr lang="nl-BE" sz="2800" i="1" dirty="0">
+                <a:ln>
+                  <a:solidFill>
+                    <a:schemeClr val="bg1">
+                      <a:lumMod val="75000"/>
+                      <a:lumOff val="25000"/>
+                      <a:alpha val="10000"/>
+                    </a:schemeClr>
+                  </a:solidFill>
+                </a:ln>
+                <a:solidFill>
+                  <a:schemeClr val="tx2"/>
+                </a:solidFill>
+                <a:effectLst>
+                  <a:outerShdw blurRad="9525" dist="25400" dir="14640000" algn="tl" rotWithShape="0">
+                    <a:schemeClr val="bg1">
+                      <a:alpha val="30000"/>
+                    </a:schemeClr>
+                  </a:outerShdw>
+                </a:effectLst>
+              </a:rPr>
               <a:t>Visitor</a:t>
             </a:r>
           </a:p>
           <a:p>
-            <a:pPr marL="0" indent="0">
-              <a:buFont typeface="Arial" pitchFamily="34" charset="0"/>
+            <a:pPr marL="0" indent="0" defTabSz="457200">
+              <a:spcAft>
+                <a:spcPts val="600"/>
+              </a:spcAft>
+              <a:buClr>
+                <a:schemeClr val="tx2"/>
+              </a:buClr>
+              <a:buSzPct val="70000"/>
               <a:buNone/>
             </a:pPr>
             <a:r>
-              <a:rPr lang="nl-BE" i="1" dirty="0"/>
+              <a:rPr lang="nl-BE" sz="2800" i="1" dirty="0">
+                <a:ln>
+                  <a:solidFill>
+                    <a:schemeClr val="bg1">
+                      <a:lumMod val="75000"/>
+                      <a:lumOff val="25000"/>
+                      <a:alpha val="10000"/>
+                    </a:schemeClr>
+                  </a:solidFill>
+                </a:ln>
+                <a:solidFill>
+                  <a:schemeClr val="tx2"/>
+                </a:solidFill>
+                <a:effectLst>
+                  <a:outerShdw blurRad="9525" dist="25400" dir="14640000" algn="tl" rotWithShape="0">
+                    <a:schemeClr val="bg1">
+                      <a:alpha val="30000"/>
+                    </a:schemeClr>
+                  </a:outerShdw>
+                </a:effectLst>
+              </a:rPr>
               <a:t>Bridge</a:t>
             </a:r>
+            <a:endParaRPr lang="nl-BE" sz="2000" i="1" dirty="0">
+              <a:ln>
+                <a:solidFill>
+                  <a:schemeClr val="bg1">
+                    <a:lumMod val="75000"/>
+                    <a:lumOff val="25000"/>
+                    <a:alpha val="10000"/>
+                  </a:schemeClr>
+                </a:solidFill>
+              </a:ln>
+              <a:solidFill>
+                <a:schemeClr val="tx2"/>
+              </a:solidFill>
+              <a:effectLst>
+                <a:outerShdw blurRad="9525" dist="25400" dir="14640000" algn="tl" rotWithShape="0">
+                  <a:schemeClr val="bg1">
+                    <a:alpha val="30000"/>
+                  </a:schemeClr>
+                </a:outerShdw>
+              </a:effectLst>
+            </a:endParaRPr>
           </a:p>
         </p:txBody>
       </p:sp>
@@ -15347,7 +16046,7 @@
         </p:spPr>
         <p:txBody>
           <a:bodyPr vert="horz" lIns="91440" tIns="45720" rIns="91440" bIns="45720" rtlCol="0">
-            <a:normAutofit/>
+            <a:normAutofit fontScale="92500"/>
           </a:bodyPr>
           <a:lstStyle>
             <a:lvl1pPr marL="342900" indent="-342900" algn="l" defTabSz="914400" rtl="0" eaLnBrk="1" latinLnBrk="0" hangingPunct="1">
@@ -15491,7 +16190,29 @@
               <a:buNone/>
             </a:pPr>
             <a:r>
-              <a:rPr lang="nl-BE" i="1" dirty="0"/>
+              <a:rPr lang="nl-BE" sz="4000" dirty="0">
+                <a:ln>
+                  <a:solidFill>
+                    <a:schemeClr val="bg1">
+                      <a:lumMod val="75000"/>
+                      <a:lumOff val="25000"/>
+                      <a:alpha val="10000"/>
+                    </a:schemeClr>
+                  </a:solidFill>
+                </a:ln>
+                <a:solidFill>
+                  <a:schemeClr val="tx2"/>
+                </a:solidFill>
+                <a:effectLst>
+                  <a:outerShdw blurRad="9525" dist="25400" dir="14640000" algn="tl" rotWithShape="0">
+                    <a:schemeClr val="bg1">
+                      <a:alpha val="30000"/>
+                    </a:schemeClr>
+                  </a:outerShdw>
+                </a:effectLst>
+                <a:latin typeface="+mj-lt"/>
+                <a:ea typeface="+mj-ea"/>
+              </a:rPr>
               <a:t>“Specify the kinds of objects to create using a prototypical instance, and create new objects by copying this prototype”</a:t>
             </a:r>
           </a:p>
@@ -15499,14 +16220,58 @@
             <a:pPr marL="0" indent="0">
               <a:buNone/>
             </a:pPr>
-            <a:endParaRPr lang="nl-BE" dirty="0"/>
+            <a:endParaRPr lang="nl-BE" sz="4000" dirty="0">
+              <a:ln>
+                <a:solidFill>
+                  <a:schemeClr val="bg1">
+                    <a:lumMod val="75000"/>
+                    <a:lumOff val="25000"/>
+                    <a:alpha val="10000"/>
+                  </a:schemeClr>
+                </a:solidFill>
+              </a:ln>
+              <a:solidFill>
+                <a:schemeClr val="tx2"/>
+              </a:solidFill>
+              <a:effectLst>
+                <a:outerShdw blurRad="9525" dist="25400" dir="14640000" algn="tl" rotWithShape="0">
+                  <a:schemeClr val="bg1">
+                    <a:alpha val="30000"/>
+                  </a:schemeClr>
+                </a:outerShdw>
+              </a:effectLst>
+              <a:latin typeface="+mj-lt"/>
+              <a:ea typeface="+mj-ea"/>
+            </a:endParaRPr>
           </a:p>
           <a:p>
             <a:pPr marL="0" indent="0" algn="ctr">
               <a:buNone/>
             </a:pPr>
             <a:r>
-              <a:rPr lang="nl-BE" dirty="0"/>
+              <a:rPr lang="nl-BE" sz="4000" dirty="0">
+                <a:ln>
+                  <a:solidFill>
+                    <a:schemeClr val="bg1">
+                      <a:lumMod val="75000"/>
+                      <a:lumOff val="25000"/>
+                      <a:alpha val="10000"/>
+                    </a:schemeClr>
+                  </a:solidFill>
+                </a:ln>
+                <a:solidFill>
+                  <a:schemeClr val="tx2"/>
+                </a:solidFill>
+                <a:effectLst>
+                  <a:outerShdw blurRad="9525" dist="25400" dir="14640000" algn="tl" rotWithShape="0">
+                    <a:schemeClr val="bg1">
+                      <a:alpha val="30000"/>
+                    </a:schemeClr>
+                  </a:outerShdw>
+                </a:effectLst>
+                <a:latin typeface="+mj-lt"/>
+                <a:ea typeface="+mj-ea"/>
+              </a:rPr>
               <a:t>JavaScript uses prototype </a:t>
             </a:r>
           </a:p>
@@ -15515,7 +16280,29 @@
               <a:buNone/>
             </a:pPr>
             <a:r>
-              <a:rPr lang="nl-BE" dirty="0"/>
+              <a:rPr lang="nl-BE" sz="4000" dirty="0">
+                <a:ln>
+                  <a:solidFill>
+                    <a:schemeClr val="bg1">
+                      <a:lumMod val="75000"/>
+                      <a:lumOff val="25000"/>
+                      <a:alpha val="10000"/>
+                    </a:schemeClr>
+                  </a:solidFill>
+                </a:ln>
+                <a:solidFill>
+                  <a:schemeClr val="tx2"/>
+                </a:solidFill>
+                <a:effectLst>
+                  <a:outerShdw blurRad="9525" dist="25400" dir="14640000" algn="tl" rotWithShape="0">
+                    <a:schemeClr val="bg1">
+                      <a:alpha val="30000"/>
+                    </a:schemeClr>
+                  </a:outerShdw>
+                </a:effectLst>
+                <a:latin typeface="+mj-lt"/>
+                <a:ea typeface="+mj-ea"/>
+              </a:rPr>
               <a:t>&lt;&gt; </a:t>
             </a:r>
           </a:p>
@@ -15524,7 +16311,29 @@
               <a:buNone/>
             </a:pPr>
             <a:r>
-              <a:rPr lang="nl-BE" dirty="0"/>
+              <a:rPr lang="nl-BE" sz="4000" dirty="0">
+                <a:ln>
+                  <a:solidFill>
+                    <a:schemeClr val="bg1">
+                      <a:lumMod val="75000"/>
+                      <a:lumOff val="25000"/>
+                      <a:alpha val="10000"/>
+                    </a:schemeClr>
+                  </a:solidFill>
+                </a:ln>
+                <a:solidFill>
+                  <a:schemeClr val="tx2"/>
+                </a:solidFill>
+                <a:effectLst>
+                  <a:outerShdw blurRad="9525" dist="25400" dir="14640000" algn="tl" rotWithShape="0">
+                    <a:schemeClr val="bg1">
+                      <a:alpha val="30000"/>
+                    </a:schemeClr>
+                  </a:outerShdw>
+                </a:effectLst>
+                <a:latin typeface="+mj-lt"/>
+                <a:ea typeface="+mj-ea"/>
+              </a:rPr>
               <a:t>.NET uses inheritance</a:t>
             </a:r>
           </a:p>
@@ -19121,7 +19930,12 @@
             <p:ph idx="1"/>
           </p:nvPr>
         </p:nvSpPr>
-        <p:spPr/>
+        <p:spPr>
+          <a:xfrm>
+            <a:off x="457200" y="1732450"/>
+            <a:ext cx="7993468" cy="4058751"/>
+          </a:xfrm>
+        </p:spPr>
         <p:txBody>
           <a:bodyPr>
             <a:normAutofit/>
@@ -19132,37 +19946,37 @@
               <a:buNone/>
             </a:pPr>
             <a:r>
-              <a:rPr lang="nl-BE" dirty="0"/>
+              <a:rPr lang="nl-BE" sz="2800" dirty="0"/>
               <a:t>The GoF patterns are divided into 3 categories</a:t>
             </a:r>
           </a:p>
           <a:p>
             <a:r>
-              <a:rPr lang="nl-BE" b="1" dirty="0"/>
+              <a:rPr lang="nl-BE" sz="2800" b="1" dirty="0"/>
               <a:t>Creational</a:t>
             </a:r>
             <a:r>
-              <a:rPr lang="nl-BE" dirty="0"/>
+              <a:rPr lang="nl-BE" sz="2800" dirty="0"/>
               <a:t>: The process of object creation</a:t>
             </a:r>
           </a:p>
           <a:p>
             <a:r>
-              <a:rPr lang="nl-BE" b="1" dirty="0"/>
+              <a:rPr lang="nl-BE" sz="2800" b="1" dirty="0"/>
               <a:t>Structural</a:t>
             </a:r>
             <a:r>
-              <a:rPr lang="nl-BE" dirty="0"/>
+              <a:rPr lang="nl-BE" sz="2800" dirty="0"/>
               <a:t>: The composition of classes or objects</a:t>
             </a:r>
           </a:p>
           <a:p>
             <a:r>
-              <a:rPr lang="nl-BE" b="1" dirty="0"/>
+              <a:rPr lang="nl-BE" sz="2800" b="1" dirty="0"/>
               <a:t>Behavioral</a:t>
             </a:r>
             <a:r>
-              <a:rPr lang="nl-BE" dirty="0"/>
+              <a:rPr lang="nl-BE" sz="2800" dirty="0"/>
               <a:t>: The ways classes or objects interact</a:t>
             </a:r>
           </a:p>
@@ -19301,7 +20115,7 @@
               <a:buChar char="-"/>
             </a:pPr>
             <a:r>
-              <a:rPr lang="nl-BE" dirty="0"/>
+              <a:rPr lang="nl-BE" sz="2400" dirty="0"/>
               <a:t>Proven (!) solutions to common design problems</a:t>
             </a:r>
           </a:p>
@@ -19311,7 +20125,7 @@
               <a:buChar char="-"/>
             </a:pPr>
             <a:r>
-              <a:rPr lang="nl-BE" dirty="0"/>
+              <a:rPr lang="nl-BE" sz="2400" dirty="0"/>
               <a:t>Leverage the experience of skilled architects</a:t>
             </a:r>
           </a:p>
@@ -19321,7 +20135,7 @@
               <a:buChar char="-"/>
             </a:pPr>
             <a:r>
-              <a:rPr lang="nl-BE" dirty="0"/>
+              <a:rPr lang="nl-BE" sz="2400" dirty="0"/>
               <a:t>Provide design alternatives for greater flexibility</a:t>
             </a:r>
           </a:p>
@@ -19331,7 +20145,7 @@
               <a:buChar char="-"/>
             </a:pPr>
             <a:r>
-              <a:rPr lang="nl-BE" dirty="0"/>
+              <a:rPr lang="nl-BE" sz="2400" dirty="0"/>
               <a:t>Increase our design vocabulary</a:t>
             </a:r>
           </a:p>
@@ -19341,7 +20155,7 @@
               <a:buChar char="-"/>
             </a:pPr>
             <a:r>
-              <a:rPr lang="nl-BE" dirty="0"/>
+              <a:rPr lang="nl-BE" sz="2400" dirty="0"/>
               <a:t>Patterns play well together</a:t>
             </a:r>
           </a:p>
@@ -19351,7 +20165,7 @@
               <a:buChar char="-"/>
             </a:pPr>
             <a:r>
-              <a:rPr lang="nl-BE" dirty="0"/>
+              <a:rPr lang="nl-BE" sz="2400" dirty="0"/>
               <a:t>Are often “Pure Fabrications”</a:t>
             </a:r>
           </a:p>
@@ -19361,7 +20175,7 @@
               <a:buChar char="-"/>
             </a:pPr>
             <a:r>
-              <a:rPr lang="nl-BE" dirty="0"/>
+              <a:rPr lang="nl-BE" sz="2400" dirty="0"/>
               <a:t>Often decrease performance</a:t>
             </a:r>
           </a:p>
@@ -19371,7 +20185,7 @@
               <a:buChar char="-"/>
             </a:pPr>
             <a:r>
-              <a:rPr lang="nl-BE" dirty="0"/>
+              <a:rPr lang="nl-BE" sz="2400" dirty="0"/>
               <a:t>May hurt code readability for those unfamiliar with the pattern</a:t>
             </a:r>
           </a:p>
@@ -19504,7 +20318,7 @@
         </p:spPr>
         <p:txBody>
           <a:bodyPr>
-            <a:normAutofit/>
+            <a:normAutofit lnSpcReduction="10000"/>
           </a:bodyPr>
           <a:lstStyle/>
           <a:p>
@@ -19513,7 +20327,11 @@
             </a:pPr>
             <a:r>
               <a:rPr lang="nl-BE" i="1" dirty="0"/>
-              <a:t>Abstract Factory</a:t>
+              <a:t>A</a:t>
+            </a:r>
+            <a:r>
+              <a:rPr lang="nl-BE" sz="2800" i="1" dirty="0"/>
+              <a:t>bstract Factory</a:t>
             </a:r>
           </a:p>
           <a:p>
@@ -19521,7 +20339,7 @@
               <a:buNone/>
             </a:pPr>
             <a:r>
-              <a:rPr lang="nl-BE" b="1" i="1" dirty="0"/>
+              <a:rPr lang="nl-BE" sz="2800" b="1" i="1" dirty="0"/>
               <a:t>Adapter</a:t>
             </a:r>
           </a:p>
@@ -19530,7 +20348,7 @@
               <a:buNone/>
             </a:pPr>
             <a:r>
-              <a:rPr lang="nl-BE" b="1" i="1" dirty="0"/>
+              <a:rPr lang="nl-BE" sz="2800" b="1" i="1" dirty="0"/>
               <a:t>Composite</a:t>
             </a:r>
           </a:p>
@@ -19539,7 +20357,7 @@
               <a:buNone/>
             </a:pPr>
             <a:r>
-              <a:rPr lang="nl-BE" b="1" i="1" dirty="0"/>
+              <a:rPr lang="nl-BE" sz="2800" b="1" i="1" dirty="0"/>
               <a:t>Decorator</a:t>
             </a:r>
           </a:p>
@@ -19548,7 +20366,7 @@
               <a:buNone/>
             </a:pPr>
             <a:r>
-              <a:rPr lang="nl-BE" i="1" dirty="0"/>
+              <a:rPr lang="nl-BE" sz="2800" i="1" dirty="0"/>
               <a:t>Prototype</a:t>
             </a:r>
           </a:p>
@@ -19557,7 +20375,7 @@
               <a:buNone/>
             </a:pPr>
             <a:r>
-              <a:rPr lang="nl-BE" i="1" dirty="0"/>
+              <a:rPr lang="nl-BE" sz="2800" i="1" dirty="0"/>
               <a:t>Facade</a:t>
             </a:r>
           </a:p>
@@ -19566,7 +20384,7 @@
               <a:buNone/>
             </a:pPr>
             <a:r>
-              <a:rPr lang="nl-BE" i="1" dirty="0"/>
+              <a:rPr lang="nl-BE" sz="2800" i="1" dirty="0"/>
               <a:t>Proxy</a:t>
             </a:r>
           </a:p>
@@ -19575,7 +20393,7 @@
               <a:buNone/>
             </a:pPr>
             <a:r>
-              <a:rPr lang="nl-BE" b="1" i="1" dirty="0"/>
+              <a:rPr lang="nl-BE" sz="2800" b="1" i="1" dirty="0"/>
               <a:t>Iterator</a:t>
             </a:r>
           </a:p>
@@ -19584,9 +20402,10 @@
               <a:buNone/>
             </a:pPr>
             <a:r>
-              <a:rPr lang="nl-BE" i="1" dirty="0"/>
+              <a:rPr lang="nl-BE" sz="2800" i="1" dirty="0"/>
               <a:t>Memento</a:t>
             </a:r>
+            <a:endParaRPr lang="nl-BE" i="1" dirty="0"/>
           </a:p>
         </p:txBody>
       </p:sp>
@@ -19609,7 +20428,7 @@
         </p:spPr>
         <p:txBody>
           <a:bodyPr vert="horz" lIns="91440" tIns="45720" rIns="91440" bIns="45720" rtlCol="0">
-            <a:normAutofit lnSpcReduction="10000"/>
+            <a:normAutofit fontScale="92500" lnSpcReduction="20000"/>
           </a:bodyPr>
           <a:lstStyle>
             <a:lvl1pPr marL="342900" indent="-342900" algn="l" defTabSz="914400" rtl="0" eaLnBrk="1" latinLnBrk="0" hangingPunct="1">
@@ -19754,7 +20573,29 @@
               <a:buNone/>
             </a:pPr>
             <a:r>
-              <a:rPr lang="nl-BE" b="1" dirty="0"/>
+              <a:rPr lang="nl-BE" sz="4000" dirty="0">
+                <a:ln>
+                  <a:solidFill>
+                    <a:schemeClr val="bg1">
+                      <a:lumMod val="75000"/>
+                      <a:lumOff val="25000"/>
+                      <a:alpha val="10000"/>
+                    </a:schemeClr>
+                  </a:solidFill>
+                </a:ln>
+                <a:solidFill>
+                  <a:schemeClr val="tx2"/>
+                </a:solidFill>
+                <a:effectLst>
+                  <a:outerShdw blurRad="9525" dist="25400" dir="14640000" algn="tl" rotWithShape="0">
+                    <a:schemeClr val="bg1">
+                      <a:alpha val="30000"/>
+                    </a:schemeClr>
+                  </a:outerShdw>
+                </a:effectLst>
+                <a:latin typeface="+mj-lt"/>
+                <a:ea typeface="+mj-ea"/>
+              </a:rPr>
               <a:t>Factory Method</a:t>
             </a:r>
           </a:p>
@@ -19764,7 +20605,29 @@
               <a:buNone/>
             </a:pPr>
             <a:r>
-              <a:rPr lang="nl-BE" b="1" dirty="0"/>
+              <a:rPr lang="nl-BE" sz="4000" dirty="0">
+                <a:ln>
+                  <a:solidFill>
+                    <a:schemeClr val="bg1">
+                      <a:lumMod val="75000"/>
+                      <a:lumOff val="25000"/>
+                      <a:alpha val="10000"/>
+                    </a:schemeClr>
+                  </a:solidFill>
+                </a:ln>
+                <a:solidFill>
+                  <a:schemeClr val="tx2"/>
+                </a:solidFill>
+                <a:effectLst>
+                  <a:outerShdw blurRad="9525" dist="25400" dir="14640000" algn="tl" rotWithShape="0">
+                    <a:schemeClr val="bg1">
+                      <a:alpha val="30000"/>
+                    </a:schemeClr>
+                  </a:outerShdw>
+                </a:effectLst>
+                <a:latin typeface="+mj-lt"/>
+                <a:ea typeface="+mj-ea"/>
+              </a:rPr>
               <a:t>Observer</a:t>
             </a:r>
           </a:p>
@@ -19774,7 +20637,29 @@
               <a:buNone/>
             </a:pPr>
             <a:r>
-              <a:rPr lang="nl-BE" b="1" dirty="0"/>
+              <a:rPr lang="nl-BE" sz="4000" dirty="0">
+                <a:ln>
+                  <a:solidFill>
+                    <a:schemeClr val="bg1">
+                      <a:lumMod val="75000"/>
+                      <a:lumOff val="25000"/>
+                      <a:alpha val="10000"/>
+                    </a:schemeClr>
+                  </a:solidFill>
+                </a:ln>
+                <a:solidFill>
+                  <a:schemeClr val="tx2"/>
+                </a:solidFill>
+                <a:effectLst>
+                  <a:outerShdw blurRad="9525" dist="25400" dir="14640000" algn="tl" rotWithShape="0">
+                    <a:schemeClr val="bg1">
+                      <a:alpha val="30000"/>
+                    </a:schemeClr>
+                  </a:outerShdw>
+                </a:effectLst>
+                <a:latin typeface="+mj-lt"/>
+                <a:ea typeface="+mj-ea"/>
+              </a:rPr>
               <a:t>Strategy</a:t>
             </a:r>
           </a:p>
@@ -19784,7 +20669,29 @@
               <a:buNone/>
             </a:pPr>
             <a:r>
-              <a:rPr lang="nl-BE" b="1" dirty="0"/>
+              <a:rPr lang="nl-BE" sz="4000" dirty="0">
+                <a:ln>
+                  <a:solidFill>
+                    <a:schemeClr val="bg1">
+                      <a:lumMod val="75000"/>
+                      <a:lumOff val="25000"/>
+                      <a:alpha val="10000"/>
+                    </a:schemeClr>
+                  </a:solidFill>
+                </a:ln>
+                <a:solidFill>
+                  <a:schemeClr val="tx2"/>
+                </a:solidFill>
+                <a:effectLst>
+                  <a:outerShdw blurRad="9525" dist="25400" dir="14640000" algn="tl" rotWithShape="0">
+                    <a:schemeClr val="bg1">
+                      <a:alpha val="30000"/>
+                    </a:schemeClr>
+                  </a:outerShdw>
+                </a:effectLst>
+                <a:latin typeface="+mj-lt"/>
+                <a:ea typeface="+mj-ea"/>
+              </a:rPr>
               <a:t>Template Method</a:t>
             </a:r>
           </a:p>
@@ -19794,7 +20701,29 @@
               <a:buNone/>
             </a:pPr>
             <a:r>
-              <a:rPr lang="nl-BE" i="1" dirty="0"/>
+              <a:rPr lang="nl-BE" sz="4000" dirty="0">
+                <a:ln>
+                  <a:solidFill>
+                    <a:schemeClr val="bg1">
+                      <a:lumMod val="75000"/>
+                      <a:lumOff val="25000"/>
+                      <a:alpha val="10000"/>
+                    </a:schemeClr>
+                  </a:solidFill>
+                </a:ln>
+                <a:solidFill>
+                  <a:schemeClr val="tx2"/>
+                </a:solidFill>
+                <a:effectLst>
+                  <a:outerShdw blurRad="9525" dist="25400" dir="14640000" algn="tl" rotWithShape="0">
+                    <a:schemeClr val="bg1">
+                      <a:alpha val="30000"/>
+                    </a:schemeClr>
+                  </a:outerShdw>
+                </a:effectLst>
+                <a:latin typeface="+mj-lt"/>
+                <a:ea typeface="+mj-ea"/>
+              </a:rPr>
               <a:t>Singleton</a:t>
             </a:r>
           </a:p>
@@ -19804,7 +20733,29 @@
               <a:buNone/>
             </a:pPr>
             <a:r>
-              <a:rPr lang="nl-BE" i="1" dirty="0"/>
+              <a:rPr lang="nl-BE" sz="4000" dirty="0">
+                <a:ln>
+                  <a:solidFill>
+                    <a:schemeClr val="bg1">
+                      <a:lumMod val="75000"/>
+                      <a:lumOff val="25000"/>
+                      <a:alpha val="10000"/>
+                    </a:schemeClr>
+                  </a:solidFill>
+                </a:ln>
+                <a:solidFill>
+                  <a:schemeClr val="tx2"/>
+                </a:solidFill>
+                <a:effectLst>
+                  <a:outerShdw blurRad="9525" dist="25400" dir="14640000" algn="tl" rotWithShape="0">
+                    <a:schemeClr val="bg1">
+                      <a:alpha val="30000"/>
+                    </a:schemeClr>
+                  </a:outerShdw>
+                </a:effectLst>
+                <a:latin typeface="+mj-lt"/>
+                <a:ea typeface="+mj-ea"/>
+              </a:rPr>
               <a:t>Command</a:t>
             </a:r>
           </a:p>
@@ -19814,7 +20765,29 @@
               <a:buNone/>
             </a:pPr>
             <a:r>
-              <a:rPr lang="nl-BE" i="1" dirty="0"/>
+              <a:rPr lang="nl-BE" sz="4000" dirty="0">
+                <a:ln>
+                  <a:solidFill>
+                    <a:schemeClr val="bg1">
+                      <a:lumMod val="75000"/>
+                      <a:lumOff val="25000"/>
+                      <a:alpha val="10000"/>
+                    </a:schemeClr>
+                  </a:solidFill>
+                </a:ln>
+                <a:solidFill>
+                  <a:schemeClr val="tx2"/>
+                </a:solidFill>
+                <a:effectLst>
+                  <a:outerShdw blurRad="9525" dist="25400" dir="14640000" algn="tl" rotWithShape="0">
+                    <a:schemeClr val="bg1">
+                      <a:alpha val="30000"/>
+                    </a:schemeClr>
+                  </a:outerShdw>
+                </a:effectLst>
+                <a:latin typeface="+mj-lt"/>
+                <a:ea typeface="+mj-ea"/>
+              </a:rPr>
               <a:t>State</a:t>
             </a:r>
           </a:p>
@@ -19824,7 +20797,29 @@
               <a:buNone/>
             </a:pPr>
             <a:r>
-              <a:rPr lang="nl-BE" i="1" dirty="0"/>
+              <a:rPr lang="nl-BE" sz="4000" dirty="0">
+                <a:ln>
+                  <a:solidFill>
+                    <a:schemeClr val="bg1">
+                      <a:lumMod val="75000"/>
+                      <a:lumOff val="25000"/>
+                      <a:alpha val="10000"/>
+                    </a:schemeClr>
+                  </a:solidFill>
+                </a:ln>
+                <a:solidFill>
+                  <a:schemeClr val="tx2"/>
+                </a:solidFill>
+                <a:effectLst>
+                  <a:outerShdw blurRad="9525" dist="25400" dir="14640000" algn="tl" rotWithShape="0">
+                    <a:schemeClr val="bg1">
+                      <a:alpha val="30000"/>
+                    </a:schemeClr>
+                  </a:outerShdw>
+                </a:effectLst>
+                <a:latin typeface="+mj-lt"/>
+                <a:ea typeface="+mj-ea"/>
+              </a:rPr>
               <a:t>Visitor</a:t>
             </a:r>
           </a:p>
@@ -19834,7 +20829,29 @@
               <a:buNone/>
             </a:pPr>
             <a:r>
-              <a:rPr lang="nl-BE" i="1" dirty="0"/>
+              <a:rPr lang="nl-BE" sz="4000" dirty="0">
+                <a:ln>
+                  <a:solidFill>
+                    <a:schemeClr val="bg1">
+                      <a:lumMod val="75000"/>
+                      <a:lumOff val="25000"/>
+                      <a:alpha val="10000"/>
+                    </a:schemeClr>
+                  </a:solidFill>
+                </a:ln>
+                <a:solidFill>
+                  <a:schemeClr val="tx2"/>
+                </a:solidFill>
+                <a:effectLst>
+                  <a:outerShdw blurRad="9525" dist="25400" dir="14640000" algn="tl" rotWithShape="0">
+                    <a:schemeClr val="bg1">
+                      <a:alpha val="30000"/>
+                    </a:schemeClr>
+                  </a:outerShdw>
+                </a:effectLst>
+                <a:latin typeface="+mj-lt"/>
+                <a:ea typeface="+mj-ea"/>
+              </a:rPr>
               <a:t>Bridge</a:t>
             </a:r>
           </a:p>
@@ -19848,7 +20865,7 @@
         </p:nvCxnSpPr>
         <p:spPr>
           <a:xfrm>
-            <a:off x="228600" y="3657600"/>
+            <a:off x="228600" y="3733800"/>
             <a:ext cx="8686800" cy="1"/>
           </a:xfrm>
           <a:prstGeom prst="line">
@@ -19946,7 +20963,12 @@
             <p:ph type="title"/>
           </p:nvPr>
         </p:nvSpPr>
-        <p:spPr/>
+        <p:spPr>
+          <a:xfrm>
+            <a:off x="689339" y="213360"/>
+            <a:ext cx="7765322" cy="970450"/>
+          </a:xfrm>
+        </p:spPr>
         <p:txBody>
           <a:bodyPr/>
           <a:lstStyle/>
@@ -19981,8 +21003,8 @@
         </p:blipFill>
         <p:spPr bwMode="auto">
           <a:xfrm>
-            <a:off x="1066800" y="1295400"/>
-            <a:ext cx="6686550" cy="5349240"/>
+            <a:off x="1237170" y="1431696"/>
+            <a:ext cx="6516179" cy="5212943"/>
           </a:xfrm>
           <a:prstGeom prst="rect">
             <a:avLst/>
@@ -19997,6 +21019,42 @@
               </a14:hiddenFill>
             </a:ext>
           </a:extLst>
+        </p:spPr>
+      </p:pic>
+      <p:pic>
+        <p:nvPicPr>
+          <p:cNvPr id="5" name="Picture 4">
+            <a:extLst>
+              <a:ext uri="{FF2B5EF4-FFF2-40B4-BE49-F238E27FC236}">
+                <a16:creationId xmlns:a16="http://schemas.microsoft.com/office/drawing/2014/main" id="{7EB1B6FE-0B29-4983-BEED-984CD14B7B4B}"/>
+              </a:ext>
+            </a:extLst>
+          </p:cNvPr>
+          <p:cNvPicPr>
+            <a:picLocks noChangeAspect="1"/>
+          </p:cNvPicPr>
+          <p:nvPr/>
+        </p:nvPicPr>
+        <p:blipFill>
+          <a:blip r:embed="rId4" cstate="print">
+            <a:extLst>
+              <a:ext uri="{28A0092B-C50C-407E-A947-70E740481C1C}">
+                <a14:useLocalDpi xmlns:a14="http://schemas.microsoft.com/office/drawing/2010/main" val="0"/>
+              </a:ext>
+            </a:extLst>
+          </a:blip>
+          <a:stretch>
+            <a:fillRect/>
+          </a:stretch>
+        </p:blipFill>
+        <p:spPr>
+          <a:xfrm>
+            <a:off x="7239000" y="-34527"/>
+            <a:ext cx="1905000" cy="1905000"/>
+          </a:xfrm>
+          <a:prstGeom prst="rect">
+            <a:avLst/>
+          </a:prstGeom>
         </p:spPr>
       </p:pic>
     </p:spTree>

--- a/patterns.pptx
+++ b/patterns.pptx
@@ -645,202 +645,14 @@
           <a:bodyPr/>
           <a:lstStyle/>
           <a:p>
-            <a:pPr marL="0" marR="0" lvl="2" indent="0" algn="l" defTabSz="914400" rtl="0" eaLnBrk="1" fontAlgn="auto" latinLnBrk="0" hangingPunct="1">
-              <a:lnSpc>
-                <a:spcPct val="100000"/>
-              </a:lnSpc>
-              <a:spcBef>
-                <a:spcPts val="0"/>
-              </a:spcBef>
-              <a:spcAft>
-                <a:spcPts val="0"/>
-              </a:spcAft>
-              <a:buClrTx/>
-              <a:buSzTx/>
-              <a:buFontTx/>
-              <a:buNone/>
-              <a:tabLst/>
-              <a:defRPr/>
-            </a:pPr>
             <a:r>
               <a:rPr lang="nl-BE" dirty="0"/>
-              <a:t>Also described as Cohesion (Tom DeMarco)</a:t>
-            </a:r>
-          </a:p>
-          <a:p>
-            <a:pPr marL="0" marR="0" lvl="2" indent="0" algn="l" defTabSz="914400" rtl="0" eaLnBrk="1" fontAlgn="auto" latinLnBrk="0" hangingPunct="1">
-              <a:lnSpc>
-                <a:spcPct val="100000"/>
-              </a:lnSpc>
-              <a:spcBef>
-                <a:spcPts val="0"/>
-              </a:spcBef>
-              <a:spcAft>
-                <a:spcPts val="0"/>
-              </a:spcAft>
-              <a:buClrTx/>
-              <a:buSzTx/>
-              <a:buFontTx/>
-              <a:buNone/>
-              <a:tabLst/>
-              <a:defRPr/>
-            </a:pPr>
-            <a:endParaRPr lang="nl-BE" dirty="0"/>
-          </a:p>
-          <a:p>
-            <a:pPr marL="0" marR="0" lvl="2" indent="0" algn="l" defTabSz="914400" rtl="0" eaLnBrk="1" fontAlgn="auto" latinLnBrk="0" hangingPunct="1">
-              <a:lnSpc>
-                <a:spcPct val="100000"/>
-              </a:lnSpc>
-              <a:spcBef>
-                <a:spcPts val="0"/>
-              </a:spcBef>
-              <a:spcAft>
-                <a:spcPts val="0"/>
-              </a:spcAft>
-              <a:buClrTx/>
-              <a:buSzTx/>
-              <a:buFontTx/>
-              <a:buNone/>
-              <a:tabLst/>
-              <a:defRPr/>
-            </a:pPr>
-            <a:r>
-              <a:rPr lang="nl-BE" dirty="0"/>
-              <a:t>A</a:t>
+              <a:t>Robert C. Martin (Uncle Bob) – Agile Principles,</a:t>
             </a:r>
             <a:r>
               <a:rPr lang="nl-BE" baseline="0" dirty="0"/>
-              <a:t> class or method that does computations AND display</a:t>
-            </a:r>
-          </a:p>
-          <a:p>
-            <a:pPr marL="171450" marR="0" lvl="2" indent="-171450" algn="l" defTabSz="914400" rtl="0" eaLnBrk="1" fontAlgn="auto" latinLnBrk="0" hangingPunct="1">
-              <a:lnSpc>
-                <a:spcPct val="100000"/>
-              </a:lnSpc>
-              <a:spcBef>
-                <a:spcPts val="0"/>
-              </a:spcBef>
-              <a:spcAft>
-                <a:spcPts val="0"/>
-              </a:spcAft>
-              <a:buClrTx/>
-              <a:buSzTx/>
-              <a:buFont typeface="Wingdings"/>
-              <a:buChar char="à"/>
-              <a:tabLst/>
-              <a:defRPr/>
-            </a:pPr>
-            <a:r>
-              <a:rPr lang="nl-BE" baseline="0" dirty="0">
-                <a:sym typeface="Wingdings" pitchFamily="2" charset="2"/>
-              </a:rPr>
-              <a:t>The computation and display gets mixed</a:t>
-            </a:r>
-          </a:p>
-          <a:p>
-            <a:pPr marL="171450" marR="0" lvl="2" indent="-171450" algn="l" defTabSz="914400" rtl="0" eaLnBrk="1" fontAlgn="auto" latinLnBrk="0" hangingPunct="1">
-              <a:lnSpc>
-                <a:spcPct val="100000"/>
-              </a:lnSpc>
-              <a:spcBef>
-                <a:spcPts val="0"/>
-              </a:spcBef>
-              <a:spcAft>
-                <a:spcPts val="0"/>
-              </a:spcAft>
-              <a:buClrTx/>
-              <a:buSzTx/>
-              <a:buFont typeface="Wingdings"/>
-              <a:buChar char="à"/>
-              <a:tabLst/>
-              <a:defRPr/>
-            </a:pPr>
-            <a:r>
-              <a:rPr lang="nl-BE" baseline="0" dirty="0">
-                <a:sym typeface="Wingdings" pitchFamily="2" charset="2"/>
-              </a:rPr>
-              <a:t>When a change to the computation is required  We need to also alter the display code (since it’s mixed)  We will need to retest the display AND the new computation</a:t>
-            </a:r>
-          </a:p>
-          <a:p>
-            <a:pPr marL="171450" marR="0" lvl="2" indent="-171450" algn="l" defTabSz="914400" rtl="0" eaLnBrk="1" fontAlgn="auto" latinLnBrk="0" hangingPunct="1">
-              <a:lnSpc>
-                <a:spcPct val="100000"/>
-              </a:lnSpc>
-              <a:spcBef>
-                <a:spcPts val="0"/>
-              </a:spcBef>
-              <a:spcAft>
-                <a:spcPts val="0"/>
-              </a:spcAft>
-              <a:buClrTx/>
-              <a:buSzTx/>
-              <a:buFont typeface="Wingdings"/>
-              <a:buChar char="à"/>
-              <a:tabLst/>
-              <a:defRPr/>
-            </a:pPr>
-            <a:r>
-              <a:rPr lang="nl-BE" baseline="0" dirty="0">
-                <a:sym typeface="Wingdings" pitchFamily="2" charset="2"/>
-              </a:rPr>
-              <a:t>It becomes difficult to add a new display (GUI, Report, Export, Graph, ...)</a:t>
-            </a:r>
-            <a:endParaRPr lang="nl-BE" dirty="0"/>
-          </a:p>
-          <a:p>
-            <a:pPr marL="0" marR="0" lvl="2" indent="0" algn="l" defTabSz="914400" rtl="0" eaLnBrk="1" fontAlgn="auto" latinLnBrk="0" hangingPunct="1">
-              <a:lnSpc>
-                <a:spcPct val="100000"/>
-              </a:lnSpc>
-              <a:spcBef>
-                <a:spcPts val="0"/>
-              </a:spcBef>
-              <a:spcAft>
-                <a:spcPts val="0"/>
-              </a:spcAft>
-              <a:buClrTx/>
-              <a:buSzTx/>
-              <a:buFontTx/>
-              <a:buNone/>
-              <a:tabLst/>
-              <a:defRPr/>
-            </a:pPr>
-            <a:endParaRPr lang="nl-BE" dirty="0"/>
-          </a:p>
-          <a:p>
-            <a:pPr marL="0" marR="0" lvl="2" indent="0" algn="l" defTabSz="914400" rtl="0" eaLnBrk="1" fontAlgn="auto" latinLnBrk="0" hangingPunct="1">
-              <a:lnSpc>
-                <a:spcPct val="100000"/>
-              </a:lnSpc>
-              <a:spcBef>
-                <a:spcPts val="0"/>
-              </a:spcBef>
-              <a:spcAft>
-                <a:spcPts val="0"/>
-              </a:spcAft>
-              <a:buClrTx/>
-              <a:buSzTx/>
-              <a:buFontTx/>
-              <a:buNone/>
-              <a:tabLst/>
-              <a:defRPr/>
-            </a:pPr>
-            <a:r>
-              <a:rPr lang="nl-BE" dirty="0"/>
-              <a:t>Persistance is often mixed with model </a:t>
-            </a:r>
-            <a:r>
-              <a:rPr lang="nl-BE" dirty="0">
-                <a:sym typeface="Wingdings" pitchFamily="2" charset="2"/>
-              </a:rPr>
-              <a:t> Persistance code is scattered everywhere. Domain Model &amp; DAL together. Use a Repository instead?</a:t>
-            </a:r>
-            <a:endParaRPr lang="nl-BE" dirty="0"/>
-          </a:p>
-          <a:p>
+              <a:t> Patterns and Practices</a:t>
+            </a:r>
             <a:endParaRPr lang="nl-BE" dirty="0"/>
           </a:p>
         </p:txBody>
@@ -862,7 +674,7 @@
           <a:p>
             <a:fld id="{8AAD598C-A564-4773-9938-73F095713663}" type="slidenum">
               <a:rPr lang="nl-BE" smtClean="0"/>
-              <a:t>11</a:t>
+              <a:t>10</a:t>
             </a:fld>
             <a:endParaRPr lang="nl-BE"/>
           </a:p>
@@ -871,7 +683,7 @@
     </p:spTree>
     <p:extLst>
       <p:ext uri="{BB962C8B-B14F-4D97-AF65-F5344CB8AC3E}">
-        <p14:creationId xmlns:p14="http://schemas.microsoft.com/office/powerpoint/2010/main" val="3522447314"/>
+        <p14:creationId xmlns:p14="http://schemas.microsoft.com/office/powerpoint/2010/main" val="3951032796"/>
       </p:ext>
     </p:extLst>
   </p:cSld>
@@ -1142,7 +954,7 @@
           <a:p>
             <a:fld id="{8AAD598C-A564-4773-9938-73F095713663}" type="slidenum">
               <a:rPr lang="nl-BE" smtClean="0"/>
-              <a:t>12</a:t>
+              <a:t>11</a:t>
             </a:fld>
             <a:endParaRPr lang="nl-BE"/>
           </a:p>
@@ -1205,23 +1017,202 @@
           <a:bodyPr/>
           <a:lstStyle/>
           <a:p>
+            <a:pPr marL="0" marR="0" lvl="2" indent="0" algn="l" defTabSz="914400" rtl="0" eaLnBrk="1" fontAlgn="auto" latinLnBrk="0" hangingPunct="1">
+              <a:lnSpc>
+                <a:spcPct val="100000"/>
+              </a:lnSpc>
+              <a:spcBef>
+                <a:spcPts val="0"/>
+              </a:spcBef>
+              <a:spcAft>
+                <a:spcPts val="0"/>
+              </a:spcAft>
+              <a:buClrTx/>
+              <a:buSzTx/>
+              <a:buFontTx/>
+              <a:buNone/>
+              <a:tabLst/>
+              <a:defRPr/>
+            </a:pPr>
             <a:r>
               <a:rPr lang="nl-BE" dirty="0"/>
-              <a:t>Coined by Bertrand</a:t>
+              <a:t>Also described as Cohesion (Tom DeMarco)</a:t>
+            </a:r>
+          </a:p>
+          <a:p>
+            <a:pPr marL="0" marR="0" lvl="2" indent="0" algn="l" defTabSz="914400" rtl="0" eaLnBrk="1" fontAlgn="auto" latinLnBrk="0" hangingPunct="1">
+              <a:lnSpc>
+                <a:spcPct val="100000"/>
+              </a:lnSpc>
+              <a:spcBef>
+                <a:spcPts val="0"/>
+              </a:spcBef>
+              <a:spcAft>
+                <a:spcPts val="0"/>
+              </a:spcAft>
+              <a:buClrTx/>
+              <a:buSzTx/>
+              <a:buFontTx/>
+              <a:buNone/>
+              <a:tabLst/>
+              <a:defRPr/>
+            </a:pPr>
+            <a:endParaRPr lang="nl-BE" dirty="0"/>
+          </a:p>
+          <a:p>
+            <a:pPr marL="0" marR="0" lvl="2" indent="0" algn="l" defTabSz="914400" rtl="0" eaLnBrk="1" fontAlgn="auto" latinLnBrk="0" hangingPunct="1">
+              <a:lnSpc>
+                <a:spcPct val="100000"/>
+              </a:lnSpc>
+              <a:spcBef>
+                <a:spcPts val="0"/>
+              </a:spcBef>
+              <a:spcAft>
+                <a:spcPts val="0"/>
+              </a:spcAft>
+              <a:buClrTx/>
+              <a:buSzTx/>
+              <a:buFontTx/>
+              <a:buNone/>
+              <a:tabLst/>
+              <a:defRPr/>
+            </a:pPr>
+            <a:r>
+              <a:rPr lang="nl-BE" dirty="0"/>
+              <a:t>A</a:t>
             </a:r>
             <a:r>
               <a:rPr lang="nl-BE" baseline="0" dirty="0"/>
-              <a:t> Meyer</a:t>
-            </a:r>
-          </a:p>
-          <a:p>
-            <a:endParaRPr lang="nl-BE" baseline="0" dirty="0"/>
-          </a:p>
-          <a:p>
-            <a:r>
-              <a:rPr lang="nl-BE" baseline="0" dirty="0"/>
-              <a:t>YAGNI: You Ain’t Gonna Need It – Be very careful when designing for the Open/Closed Principle. Not everything is going to change! Know your customer or the Domain to anticipate axis of change.</a:t>
-            </a:r>
+              <a:t> class or method that does computations AND display</a:t>
+            </a:r>
+          </a:p>
+          <a:p>
+            <a:pPr marL="171450" marR="0" lvl="2" indent="-171450" algn="l" defTabSz="914400" rtl="0" eaLnBrk="1" fontAlgn="auto" latinLnBrk="0" hangingPunct="1">
+              <a:lnSpc>
+                <a:spcPct val="100000"/>
+              </a:lnSpc>
+              <a:spcBef>
+                <a:spcPts val="0"/>
+              </a:spcBef>
+              <a:spcAft>
+                <a:spcPts val="0"/>
+              </a:spcAft>
+              <a:buClrTx/>
+              <a:buSzTx/>
+              <a:buFont typeface="Wingdings"/>
+              <a:buChar char="à"/>
+              <a:tabLst/>
+              <a:defRPr/>
+            </a:pPr>
+            <a:r>
+              <a:rPr lang="nl-BE" baseline="0" dirty="0">
+                <a:sym typeface="Wingdings" pitchFamily="2" charset="2"/>
+              </a:rPr>
+              <a:t>The computation and display gets mixed</a:t>
+            </a:r>
+          </a:p>
+          <a:p>
+            <a:pPr marL="171450" marR="0" lvl="2" indent="-171450" algn="l" defTabSz="914400" rtl="0" eaLnBrk="1" fontAlgn="auto" latinLnBrk="0" hangingPunct="1">
+              <a:lnSpc>
+                <a:spcPct val="100000"/>
+              </a:lnSpc>
+              <a:spcBef>
+                <a:spcPts val="0"/>
+              </a:spcBef>
+              <a:spcAft>
+                <a:spcPts val="0"/>
+              </a:spcAft>
+              <a:buClrTx/>
+              <a:buSzTx/>
+              <a:buFont typeface="Wingdings"/>
+              <a:buChar char="à"/>
+              <a:tabLst/>
+              <a:defRPr/>
+            </a:pPr>
+            <a:r>
+              <a:rPr lang="nl-BE" baseline="0" dirty="0">
+                <a:sym typeface="Wingdings" pitchFamily="2" charset="2"/>
+              </a:rPr>
+              <a:t>When a change to the computation is required  We need to also alter the display code (since it’s mixed)  We will need to retest the display AND the new computation</a:t>
+            </a:r>
+          </a:p>
+          <a:p>
+            <a:pPr marL="171450" marR="0" lvl="2" indent="-171450" algn="l" defTabSz="914400" rtl="0" eaLnBrk="1" fontAlgn="auto" latinLnBrk="0" hangingPunct="1">
+              <a:lnSpc>
+                <a:spcPct val="100000"/>
+              </a:lnSpc>
+              <a:spcBef>
+                <a:spcPts val="0"/>
+              </a:spcBef>
+              <a:spcAft>
+                <a:spcPts val="0"/>
+              </a:spcAft>
+              <a:buClrTx/>
+              <a:buSzTx/>
+              <a:buFont typeface="Wingdings"/>
+              <a:buChar char="à"/>
+              <a:tabLst/>
+              <a:defRPr/>
+            </a:pPr>
+            <a:r>
+              <a:rPr lang="nl-BE" baseline="0" dirty="0">
+                <a:sym typeface="Wingdings" pitchFamily="2" charset="2"/>
+              </a:rPr>
+              <a:t>It becomes difficult to add a new display (GUI, Report, Export, Graph, ...)</a:t>
+            </a:r>
+            <a:endParaRPr lang="nl-BE" dirty="0"/>
+          </a:p>
+          <a:p>
+            <a:pPr marL="0" marR="0" lvl="2" indent="0" algn="l" defTabSz="914400" rtl="0" eaLnBrk="1" fontAlgn="auto" latinLnBrk="0" hangingPunct="1">
+              <a:lnSpc>
+                <a:spcPct val="100000"/>
+              </a:lnSpc>
+              <a:spcBef>
+                <a:spcPts val="0"/>
+              </a:spcBef>
+              <a:spcAft>
+                <a:spcPts val="0"/>
+              </a:spcAft>
+              <a:buClrTx/>
+              <a:buSzTx/>
+              <a:buFontTx/>
+              <a:buNone/>
+              <a:tabLst/>
+              <a:defRPr/>
+            </a:pPr>
+            <a:endParaRPr lang="nl-BE" dirty="0"/>
+          </a:p>
+          <a:p>
+            <a:pPr marL="0" marR="0" lvl="2" indent="0" algn="l" defTabSz="914400" rtl="0" eaLnBrk="1" fontAlgn="auto" latinLnBrk="0" hangingPunct="1">
+              <a:lnSpc>
+                <a:spcPct val="100000"/>
+              </a:lnSpc>
+              <a:spcBef>
+                <a:spcPts val="0"/>
+              </a:spcBef>
+              <a:spcAft>
+                <a:spcPts val="0"/>
+              </a:spcAft>
+              <a:buClrTx/>
+              <a:buSzTx/>
+              <a:buFontTx/>
+              <a:buNone/>
+              <a:tabLst/>
+              <a:defRPr/>
+            </a:pPr>
+            <a:r>
+              <a:rPr lang="nl-BE" dirty="0"/>
+              <a:t>Persistance is often mixed with model </a:t>
+            </a:r>
+            <a:r>
+              <a:rPr lang="nl-BE" dirty="0">
+                <a:sym typeface="Wingdings" pitchFamily="2" charset="2"/>
+              </a:rPr>
+              <a:t> Persistance code is scattered everywhere. Domain Model &amp; DAL together. Use a Repository instead?</a:t>
+            </a:r>
+            <a:endParaRPr lang="nl-BE" dirty="0"/>
+          </a:p>
+          <a:p>
             <a:endParaRPr lang="nl-BE" dirty="0"/>
           </a:p>
         </p:txBody>
@@ -1243,7 +1234,7 @@
           <a:p>
             <a:fld id="{8AAD598C-A564-4773-9938-73F095713663}" type="slidenum">
               <a:rPr lang="nl-BE" smtClean="0"/>
-              <a:t>13</a:t>
+              <a:t>12</a:t>
             </a:fld>
             <a:endParaRPr lang="nl-BE"/>
           </a:p>
@@ -1252,7 +1243,7 @@
     </p:spTree>
     <p:extLst>
       <p:ext uri="{BB962C8B-B14F-4D97-AF65-F5344CB8AC3E}">
-        <p14:creationId xmlns:p14="http://schemas.microsoft.com/office/powerpoint/2010/main" val="2530303709"/>
+        <p14:creationId xmlns:p14="http://schemas.microsoft.com/office/powerpoint/2010/main" val="3522447314"/>
       </p:ext>
     </p:extLst>
   </p:cSld>
@@ -1321,7 +1312,7 @@
           <a:p>
             <a:r>
               <a:rPr lang="nl-BE" baseline="0" dirty="0"/>
-              <a:t>YAGNI: You Ain’t Gonna Need It – Be very careful when designing for the Open/Closed Principle. Not everything is going to change! Know your customer or the Domain to anticipate the axis of change.</a:t>
+              <a:t>YAGNI: You Ain’t Gonna Need It – Be very careful when designing for the Open/Closed Principle. Not everything is going to change! Know your customer or the Domain to anticipate axis of change.</a:t>
             </a:r>
             <a:endParaRPr lang="nl-BE" dirty="0"/>
           </a:p>
@@ -1344,7 +1335,7 @@
           <a:p>
             <a:fld id="{8AAD598C-A564-4773-9938-73F095713663}" type="slidenum">
               <a:rPr lang="nl-BE" smtClean="0"/>
-              <a:t>14</a:t>
+              <a:t>13</a:t>
             </a:fld>
             <a:endParaRPr lang="nl-BE"/>
           </a:p>
@@ -1409,56 +1400,21 @@
           <a:p>
             <a:r>
               <a:rPr lang="nl-BE" dirty="0"/>
-              <a:t>Class Behavioral GoF Pattern</a:t>
-            </a:r>
-          </a:p>
-          <a:p>
-            <a:endParaRPr lang="nl-BE" dirty="0"/>
-          </a:p>
-          <a:p>
-            <a:r>
-              <a:rPr lang="nl-BE" dirty="0"/>
-              <a:t>Applicability: Implement the invariant parts</a:t>
+              <a:t>Coined by Bertrand</a:t>
             </a:r>
             <a:r>
               <a:rPr lang="nl-BE" baseline="0" dirty="0"/>
-              <a:t> of an algorithm once and leave it up to subclasses to implement the behavior that can vary.</a:t>
-            </a:r>
-            <a:endParaRPr lang="nl-BE" dirty="0"/>
-          </a:p>
-          <a:p>
-            <a:endParaRPr lang="nl-BE" dirty="0"/>
-          </a:p>
-          <a:p>
-            <a:r>
-              <a:rPr lang="nl-BE" dirty="0"/>
-              <a:t>Consequences: The Hollywoord</a:t>
-            </a:r>
+              <a:t> Meyer</a:t>
+            </a:r>
+          </a:p>
+          <a:p>
+            <a:endParaRPr lang="nl-BE" baseline="0" dirty="0"/>
+          </a:p>
+          <a:p>
             <a:r>
               <a:rPr lang="nl-BE" baseline="0" dirty="0"/>
-              <a:t> Principle: “Don’t call us, we’ll call you” </a:t>
-            </a:r>
-            <a:r>
-              <a:rPr lang="nl-BE" baseline="0" dirty="0">
-                <a:sym typeface="Wingdings" pitchFamily="2" charset="2"/>
-              </a:rPr>
-              <a:t> The Parent class calls the methods defines in the subclass and not the other way around.</a:t>
-            </a:r>
-          </a:p>
-          <a:p>
-            <a:endParaRPr lang="nl-BE" baseline="0" dirty="0">
-              <a:sym typeface="Wingdings" pitchFamily="2" charset="2"/>
-            </a:endParaRPr>
-          </a:p>
-          <a:p>
-            <a:r>
-              <a:rPr lang="nl-BE" baseline="0" dirty="0">
-                <a:sym typeface="Wingdings" pitchFamily="2" charset="2"/>
-              </a:rPr>
-              <a:t>.NET Guideline: Add “Core” to the name of the protected virtual method. (Framework Design Guidelines)</a:t>
-            </a:r>
-          </a:p>
-          <a:p>
+              <a:t>YAGNI: You Ain’t Gonna Need It – Be very careful when designing for the Open/Closed Principle. Not everything is going to change! Know your customer or the Domain to anticipate the axis of change.</a:t>
+            </a:r>
             <a:endParaRPr lang="nl-BE" dirty="0"/>
           </a:p>
         </p:txBody>
@@ -1480,7 +1436,7 @@
           <a:p>
             <a:fld id="{8AAD598C-A564-4773-9938-73F095713663}" type="slidenum">
               <a:rPr lang="nl-BE" smtClean="0"/>
-              <a:t>15</a:t>
+              <a:t>14</a:t>
             </a:fld>
             <a:endParaRPr lang="nl-BE"/>
           </a:p>
@@ -1489,7 +1445,7 @@
     </p:spTree>
     <p:extLst>
       <p:ext uri="{BB962C8B-B14F-4D97-AF65-F5344CB8AC3E}">
-        <p14:creationId xmlns:p14="http://schemas.microsoft.com/office/powerpoint/2010/main" val="3651330409"/>
+        <p14:creationId xmlns:p14="http://schemas.microsoft.com/office/powerpoint/2010/main" val="2530303709"/>
       </p:ext>
     </p:extLst>
   </p:cSld>
@@ -1543,28 +1499,58 @@
           <a:bodyPr/>
           <a:lstStyle/>
           <a:p>
-            <a:pPr marL="171450" indent="-171450">
-              <a:buFontTx/>
-              <a:buChar char="-"/>
-            </a:pPr>
             <a:r>
               <a:rPr lang="nl-BE" dirty="0"/>
-              <a:t>Rule of three (Refactoring – Martin Fowler)</a:t>
-            </a:r>
-          </a:p>
-          <a:p>
-            <a:pPr marL="171450" indent="-171450">
-              <a:buFontTx/>
-              <a:buChar char="-"/>
-            </a:pPr>
+              <a:t>Class Behavioral GoF Pattern</a:t>
+            </a:r>
+          </a:p>
+          <a:p>
+            <a:endParaRPr lang="nl-BE" dirty="0"/>
+          </a:p>
+          <a:p>
             <a:r>
               <a:rPr lang="nl-BE" dirty="0"/>
-              <a:t>Single Source of</a:t>
+              <a:t>Applicability: Implement the invariant parts</a:t>
             </a:r>
             <a:r>
               <a:rPr lang="nl-BE" baseline="0" dirty="0"/>
-              <a:t> Truth</a:t>
-            </a:r>
+              <a:t> of an algorithm once and leave it up to subclasses to implement the behavior that can vary.</a:t>
+            </a:r>
+            <a:endParaRPr lang="nl-BE" dirty="0"/>
+          </a:p>
+          <a:p>
+            <a:endParaRPr lang="nl-BE" dirty="0"/>
+          </a:p>
+          <a:p>
+            <a:r>
+              <a:rPr lang="nl-BE" dirty="0"/>
+              <a:t>Consequences: The Hollywoord</a:t>
+            </a:r>
+            <a:r>
+              <a:rPr lang="nl-BE" baseline="0" dirty="0"/>
+              <a:t> Principle: “Don’t call us, we’ll call you” </a:t>
+            </a:r>
+            <a:r>
+              <a:rPr lang="nl-BE" baseline="0" dirty="0">
+                <a:sym typeface="Wingdings" pitchFamily="2" charset="2"/>
+              </a:rPr>
+              <a:t> The Parent class calls the methods defines in the subclass and not the other way around.</a:t>
+            </a:r>
+          </a:p>
+          <a:p>
+            <a:endParaRPr lang="nl-BE" baseline="0" dirty="0">
+              <a:sym typeface="Wingdings" pitchFamily="2" charset="2"/>
+            </a:endParaRPr>
+          </a:p>
+          <a:p>
+            <a:r>
+              <a:rPr lang="nl-BE" baseline="0" dirty="0">
+                <a:sym typeface="Wingdings" pitchFamily="2" charset="2"/>
+              </a:rPr>
+              <a:t>.NET Guideline: Add “Core” to the name of the protected virtual method. (Framework Design Guidelines)</a:t>
+            </a:r>
+          </a:p>
+          <a:p>
             <a:endParaRPr lang="nl-BE" dirty="0"/>
           </a:p>
         </p:txBody>
@@ -1586,7 +1572,7 @@
           <a:p>
             <a:fld id="{8AAD598C-A564-4773-9938-73F095713663}" type="slidenum">
               <a:rPr lang="nl-BE" smtClean="0"/>
-              <a:t>16</a:t>
+              <a:t>15</a:t>
             </a:fld>
             <a:endParaRPr lang="nl-BE"/>
           </a:p>
@@ -1595,7 +1581,7 @@
     </p:spTree>
     <p:extLst>
       <p:ext uri="{BB962C8B-B14F-4D97-AF65-F5344CB8AC3E}">
-        <p14:creationId xmlns:p14="http://schemas.microsoft.com/office/powerpoint/2010/main" val="344695248"/>
+        <p14:creationId xmlns:p14="http://schemas.microsoft.com/office/powerpoint/2010/main" val="3651330409"/>
       </p:ext>
     </p:extLst>
   </p:cSld>
@@ -1649,41 +1635,13 @@
           <a:bodyPr/>
           <a:lstStyle/>
           <a:p>
-            <a:r>
-              <a:rPr lang="nl-BE" dirty="0"/>
-              <a:t>Class Creational GoF</a:t>
-            </a:r>
-            <a:r>
-              <a:rPr lang="nl-BE" baseline="0" dirty="0"/>
-              <a:t> Pattern</a:t>
-            </a:r>
-          </a:p>
-          <a:p>
-            <a:endParaRPr lang="nl-BE" baseline="0" dirty="0"/>
-          </a:p>
-          <a:p>
-            <a:r>
-              <a:rPr lang="nl-BE" baseline="0" dirty="0"/>
-              <a:t>Also known as: Virtual Constructor</a:t>
-            </a:r>
-          </a:p>
-          <a:p>
-            <a:endParaRPr lang="nl-BE" baseline="0" dirty="0"/>
-          </a:p>
-          <a:p>
-            <a:r>
-              <a:rPr lang="nl-BE" baseline="0" dirty="0"/>
-              <a:t>Consequences:</a:t>
-            </a:r>
-          </a:p>
-          <a:p>
             <a:pPr marL="171450" indent="-171450">
               <a:buFontTx/>
               <a:buChar char="-"/>
             </a:pPr>
             <a:r>
-              <a:rPr lang="nl-BE" baseline="0" dirty="0"/>
-              <a:t>Provides hooks for subclasses</a:t>
+              <a:rPr lang="nl-BE" dirty="0"/>
+              <a:t>Rule of three (Refactoring – Martin Fowler)</a:t>
             </a:r>
           </a:p>
           <a:p>
@@ -1692,16 +1650,14 @@
               <a:buChar char="-"/>
             </a:pPr>
             <a:r>
+              <a:rPr lang="nl-BE" dirty="0"/>
+              <a:t>Single Source of</a:t>
+            </a:r>
+            <a:r>
               <a:rPr lang="nl-BE" baseline="0" dirty="0"/>
-              <a:t>Connects parallel class hierarchies</a:t>
-            </a:r>
-          </a:p>
-          <a:p>
-            <a:pPr marL="171450" indent="-171450">
-              <a:buFontTx/>
-              <a:buChar char="-"/>
-            </a:pPr>
-            <a:endParaRPr lang="nl-BE" baseline="0" dirty="0"/>
+              <a:t> Truth</a:t>
+            </a:r>
+            <a:endParaRPr lang="nl-BE" dirty="0"/>
           </a:p>
         </p:txBody>
       </p:sp>
@@ -1722,7 +1678,7 @@
           <a:p>
             <a:fld id="{8AAD598C-A564-4773-9938-73F095713663}" type="slidenum">
               <a:rPr lang="nl-BE" smtClean="0"/>
-              <a:t>17</a:t>
+              <a:t>16</a:t>
             </a:fld>
             <a:endParaRPr lang="nl-BE"/>
           </a:p>
@@ -1731,7 +1687,7 @@
     </p:spTree>
     <p:extLst>
       <p:ext uri="{BB962C8B-B14F-4D97-AF65-F5344CB8AC3E}">
-        <p14:creationId xmlns:p14="http://schemas.microsoft.com/office/powerpoint/2010/main" val="3369678398"/>
+        <p14:creationId xmlns:p14="http://schemas.microsoft.com/office/powerpoint/2010/main" val="344695248"/>
       </p:ext>
     </p:extLst>
   </p:cSld>
@@ -1787,11 +1743,11 @@
           <a:p>
             <a:r>
               <a:rPr lang="nl-BE" dirty="0"/>
-              <a:t>Object Behavioral</a:t>
+              <a:t>Class Creational GoF</a:t>
             </a:r>
             <a:r>
               <a:rPr lang="nl-BE" baseline="0" dirty="0"/>
-              <a:t> GoF Pattern</a:t>
+              <a:t> Pattern</a:t>
             </a:r>
           </a:p>
           <a:p>
@@ -1800,33 +1756,44 @@
           <a:p>
             <a:r>
               <a:rPr lang="nl-BE" baseline="0" dirty="0"/>
-              <a:t>Also known as: Policy</a:t>
-            </a:r>
-            <a:endParaRPr lang="nl-BE" dirty="0"/>
-          </a:p>
-          <a:p>
-            <a:endParaRPr lang="nl-BE" dirty="0"/>
-          </a:p>
-          <a:p>
-            <a:r>
-              <a:rPr lang="nl-BE" dirty="0"/>
-              <a:t>Discount example (UML&amp;Patterns)</a:t>
-            </a:r>
-          </a:p>
-          <a:p>
-            <a:r>
-              <a:rPr lang="nl-BE" dirty="0"/>
-              <a:t>Command: Een actie als Strategy. Different intent!</a:t>
-            </a:r>
-          </a:p>
-          <a:p>
-            <a:r>
-              <a:rPr lang="nl-BE" dirty="0"/>
-              <a:t>Composite: Groep stratgies (meerdere commands, ook bij discount)</a:t>
-            </a:r>
-          </a:p>
-          <a:p>
-            <a:endParaRPr lang="nl-BE" dirty="0"/>
+              <a:t>Also known as: Virtual Constructor</a:t>
+            </a:r>
+          </a:p>
+          <a:p>
+            <a:endParaRPr lang="nl-BE" baseline="0" dirty="0"/>
+          </a:p>
+          <a:p>
+            <a:r>
+              <a:rPr lang="nl-BE" baseline="0" dirty="0"/>
+              <a:t>Consequences:</a:t>
+            </a:r>
+          </a:p>
+          <a:p>
+            <a:pPr marL="171450" indent="-171450">
+              <a:buFontTx/>
+              <a:buChar char="-"/>
+            </a:pPr>
+            <a:r>
+              <a:rPr lang="nl-BE" baseline="0" dirty="0"/>
+              <a:t>Provides hooks for subclasses</a:t>
+            </a:r>
+          </a:p>
+          <a:p>
+            <a:pPr marL="171450" indent="-171450">
+              <a:buFontTx/>
+              <a:buChar char="-"/>
+            </a:pPr>
+            <a:r>
+              <a:rPr lang="nl-BE" baseline="0" dirty="0"/>
+              <a:t>Connects parallel class hierarchies</a:t>
+            </a:r>
+          </a:p>
+          <a:p>
+            <a:pPr marL="171450" indent="-171450">
+              <a:buFontTx/>
+              <a:buChar char="-"/>
+            </a:pPr>
+            <a:endParaRPr lang="nl-BE" baseline="0" dirty="0"/>
           </a:p>
         </p:txBody>
       </p:sp>
@@ -1847,7 +1814,7 @@
           <a:p>
             <a:fld id="{8AAD598C-A564-4773-9938-73F095713663}" type="slidenum">
               <a:rPr lang="nl-BE" smtClean="0"/>
-              <a:t>18</a:t>
+              <a:t>17</a:t>
             </a:fld>
             <a:endParaRPr lang="nl-BE"/>
           </a:p>
@@ -1856,7 +1823,7 @@
     </p:spTree>
     <p:extLst>
       <p:ext uri="{BB962C8B-B14F-4D97-AF65-F5344CB8AC3E}">
-        <p14:creationId xmlns:p14="http://schemas.microsoft.com/office/powerpoint/2010/main" val="2111665257"/>
+        <p14:creationId xmlns:p14="http://schemas.microsoft.com/office/powerpoint/2010/main" val="3369678398"/>
       </p:ext>
     </p:extLst>
   </p:cSld>
@@ -1912,11 +1879,11 @@
           <a:p>
             <a:r>
               <a:rPr lang="nl-BE" dirty="0"/>
-              <a:t>Object</a:t>
+              <a:t>Object Behavioral</a:t>
             </a:r>
             <a:r>
               <a:rPr lang="nl-BE" baseline="0" dirty="0"/>
-              <a:t> Behavioral GoF Pattern</a:t>
+              <a:t> GoF Pattern</a:t>
             </a:r>
           </a:p>
           <a:p>
@@ -1925,8 +1892,32 @@
           <a:p>
             <a:r>
               <a:rPr lang="nl-BE" baseline="0" dirty="0"/>
-              <a:t>Also known as: Publish/Subscribe, Dependents</a:t>
-            </a:r>
+              <a:t>Also known as: Policy</a:t>
+            </a:r>
+            <a:endParaRPr lang="nl-BE" dirty="0"/>
+          </a:p>
+          <a:p>
+            <a:endParaRPr lang="nl-BE" dirty="0"/>
+          </a:p>
+          <a:p>
+            <a:r>
+              <a:rPr lang="nl-BE" dirty="0"/>
+              <a:t>Discount example (UML&amp;Patterns)</a:t>
+            </a:r>
+          </a:p>
+          <a:p>
+            <a:r>
+              <a:rPr lang="nl-BE" dirty="0"/>
+              <a:t>Command: Een actie als Strategy. Different intent!</a:t>
+            </a:r>
+          </a:p>
+          <a:p>
+            <a:r>
+              <a:rPr lang="nl-BE" dirty="0"/>
+              <a:t>Composite: Groep stratgies (meerdere commands, ook bij discount)</a:t>
+            </a:r>
+          </a:p>
+          <a:p>
             <a:endParaRPr lang="nl-BE" dirty="0"/>
           </a:p>
         </p:txBody>
@@ -1948,7 +1939,7 @@
           <a:p>
             <a:fld id="{8AAD598C-A564-4773-9938-73F095713663}" type="slidenum">
               <a:rPr lang="nl-BE" smtClean="0"/>
-              <a:t>21</a:t>
+              <a:t>18</a:t>
             </a:fld>
             <a:endParaRPr lang="nl-BE"/>
           </a:p>
@@ -1957,7 +1948,7 @@
     </p:spTree>
     <p:extLst>
       <p:ext uri="{BB962C8B-B14F-4D97-AF65-F5344CB8AC3E}">
-        <p14:creationId xmlns:p14="http://schemas.microsoft.com/office/powerpoint/2010/main" val="1289770877"/>
+        <p14:creationId xmlns:p14="http://schemas.microsoft.com/office/powerpoint/2010/main" val="2111665257"/>
       </p:ext>
     </p:extLst>
   </p:cSld>
@@ -2011,143 +2002,23 @@
           <a:bodyPr/>
           <a:lstStyle/>
           <a:p>
-            <a:pPr marL="0" marR="0" indent="0" algn="l" defTabSz="914400" rtl="0" eaLnBrk="1" fontAlgn="auto" latinLnBrk="0" hangingPunct="1">
-              <a:lnSpc>
-                <a:spcPct val="100000"/>
-              </a:lnSpc>
-              <a:spcBef>
-                <a:spcPts val="0"/>
-              </a:spcBef>
-              <a:spcAft>
-                <a:spcPts val="0"/>
-              </a:spcAft>
-              <a:buClrTx/>
-              <a:buSzTx/>
-              <a:buFontTx/>
-              <a:buNone/>
-              <a:tabLst/>
-              <a:defRPr/>
-            </a:pPr>
             <a:r>
               <a:rPr lang="nl-BE" dirty="0"/>
-              <a:t>Object Structural GoF Pattern</a:t>
-            </a:r>
-          </a:p>
-          <a:p>
-            <a:pPr marL="0" marR="0" indent="0" algn="l" defTabSz="914400" rtl="0" eaLnBrk="1" fontAlgn="auto" latinLnBrk="0" hangingPunct="1">
-              <a:lnSpc>
-                <a:spcPct val="100000"/>
-              </a:lnSpc>
-              <a:spcBef>
-                <a:spcPts val="0"/>
-              </a:spcBef>
-              <a:spcAft>
-                <a:spcPts val="0"/>
-              </a:spcAft>
-              <a:buClrTx/>
-              <a:buSzTx/>
-              <a:buFontTx/>
-              <a:buNone/>
-              <a:tabLst/>
-              <a:defRPr/>
-            </a:pPr>
-            <a:endParaRPr lang="nl-BE" dirty="0"/>
-          </a:p>
-          <a:p>
-            <a:pPr marL="0" marR="0" indent="0" algn="l" defTabSz="914400" rtl="0" eaLnBrk="1" fontAlgn="auto" latinLnBrk="0" hangingPunct="1">
-              <a:lnSpc>
-                <a:spcPct val="100000"/>
-              </a:lnSpc>
-              <a:spcBef>
-                <a:spcPts val="0"/>
-              </a:spcBef>
-              <a:spcAft>
-                <a:spcPts val="0"/>
-              </a:spcAft>
-              <a:buClrTx/>
-              <a:buSzTx/>
-              <a:buFontTx/>
-              <a:buNone/>
-              <a:tabLst/>
-              <a:defRPr/>
-            </a:pPr>
-            <a:r>
-              <a:rPr lang="nl-BE" dirty="0"/>
-              <a:t>Also known</a:t>
+              <a:t>Object</a:t>
             </a:r>
             <a:r>
               <a:rPr lang="nl-BE" baseline="0" dirty="0"/>
-              <a:t> as: Wrapper</a:t>
-            </a:r>
-            <a:endParaRPr lang="nl-BE" dirty="0"/>
-          </a:p>
-          <a:p>
-            <a:pPr marL="0" marR="0" indent="0" algn="l" defTabSz="914400" rtl="0" eaLnBrk="1" fontAlgn="auto" latinLnBrk="0" hangingPunct="1">
-              <a:lnSpc>
-                <a:spcPct val="100000"/>
-              </a:lnSpc>
-              <a:spcBef>
-                <a:spcPts val="0"/>
-              </a:spcBef>
-              <a:spcAft>
-                <a:spcPts val="0"/>
-              </a:spcAft>
-              <a:buClrTx/>
-              <a:buSzTx/>
-              <a:buFontTx/>
-              <a:buNone/>
-              <a:tabLst/>
-              <a:defRPr/>
-            </a:pPr>
-            <a:endParaRPr lang="nl-BE" dirty="0"/>
-          </a:p>
-          <a:p>
-            <a:pPr marL="0" marR="0" indent="0" algn="l" defTabSz="914400" rtl="0" eaLnBrk="1" fontAlgn="auto" latinLnBrk="0" hangingPunct="1">
-              <a:lnSpc>
-                <a:spcPct val="100000"/>
-              </a:lnSpc>
-              <a:spcBef>
-                <a:spcPts val="0"/>
-              </a:spcBef>
-              <a:spcAft>
-                <a:spcPts val="0"/>
-              </a:spcAft>
-              <a:buClrTx/>
-              <a:buSzTx/>
-              <a:buFontTx/>
-              <a:buNone/>
-              <a:tabLst/>
-              <a:defRPr/>
-            </a:pPr>
-            <a:r>
-              <a:rPr lang="nl-BE" dirty="0"/>
-              <a:t>WarTowers: ShieldTower, GunTower, BazookaTower, ShieldGunTower, ShieldGunBazookaTower, ...</a:t>
-            </a:r>
-          </a:p>
-          <a:p>
-            <a:pPr marL="0" marR="0" indent="0" algn="l" defTabSz="914400" rtl="0" eaLnBrk="1" fontAlgn="auto" latinLnBrk="0" hangingPunct="1">
-              <a:lnSpc>
-                <a:spcPct val="100000"/>
-              </a:lnSpc>
-              <a:spcBef>
-                <a:spcPts val="0"/>
-              </a:spcBef>
-              <a:spcAft>
-                <a:spcPts val="0"/>
-              </a:spcAft>
-              <a:buClrTx/>
-              <a:buSzTx/>
-              <a:buFontTx/>
-              <a:buNone/>
-              <a:tabLst/>
-              <a:defRPr/>
-            </a:pPr>
-            <a:r>
-              <a:rPr lang="nl-BE" dirty="0"/>
-              <a:t>Decorator is an adapter!</a:t>
-            </a:r>
-          </a:p>
-          <a:p>
+              <a:t> Behavioral GoF Pattern</a:t>
+            </a:r>
+          </a:p>
+          <a:p>
+            <a:endParaRPr lang="nl-BE" baseline="0" dirty="0"/>
+          </a:p>
+          <a:p>
+            <a:r>
+              <a:rPr lang="nl-BE" baseline="0" dirty="0"/>
+              <a:t>Also known as: Publish/Subscribe, Dependents</a:t>
+            </a:r>
             <a:endParaRPr lang="nl-BE" dirty="0"/>
           </a:p>
         </p:txBody>
@@ -2169,7 +2040,7 @@
           <a:p>
             <a:fld id="{8AAD598C-A564-4773-9938-73F095713663}" type="slidenum">
               <a:rPr lang="nl-BE" smtClean="0"/>
-              <a:t>22</a:t>
+              <a:t>21</a:t>
             </a:fld>
             <a:endParaRPr lang="nl-BE"/>
           </a:p>
@@ -2178,7 +2049,7 @@
     </p:spTree>
     <p:extLst>
       <p:ext uri="{BB962C8B-B14F-4D97-AF65-F5344CB8AC3E}">
-        <p14:creationId xmlns:p14="http://schemas.microsoft.com/office/powerpoint/2010/main" val="1283684276"/>
+        <p14:creationId xmlns:p14="http://schemas.microsoft.com/office/powerpoint/2010/main" val="1289770877"/>
       </p:ext>
     </p:extLst>
   </p:cSld>
@@ -2232,11 +2103,16 @@
           <a:bodyPr/>
           <a:lstStyle/>
           <a:p>
-            <a:pPr marL="0" indent="0">
-              <a:buFontTx/>
-              <a:buNone/>
-            </a:pPr>
-            <a:endParaRPr lang="nl-BE" dirty="0"/>
+            <a:r>
+              <a:rPr lang="nl-BE" dirty="0"/>
+              <a:t>GoF (2014): Erich Gamma, Richard Helm, Ralph Johnson, John Vlissides</a:t>
+            </a:r>
+          </a:p>
+          <a:p>
+            <a:r>
+              <a:rPr lang="nl-BE" dirty="0"/>
+              <a:t>23 patterns.</a:t>
+            </a:r>
           </a:p>
         </p:txBody>
       </p:sp>
@@ -2247,7 +2123,7 @@
             <a:spLocks noGrp="1"/>
           </p:cNvSpPr>
           <p:nvPr>
-            <p:ph type="sldNum" sz="quarter" idx="10"/>
+            <p:ph type="sldNum" sz="quarter" idx="5"/>
           </p:nvPr>
         </p:nvSpPr>
         <p:spPr/>
@@ -2257,7 +2133,7 @@
           <a:p>
             <a:fld id="{8AAD598C-A564-4773-9938-73F095713663}" type="slidenum">
               <a:rPr lang="nl-BE" smtClean="0"/>
-              <a:t>3</a:t>
+              <a:t>2</a:t>
             </a:fld>
             <a:endParaRPr lang="nl-BE"/>
           </a:p>
@@ -2266,7 +2142,7 @@
     </p:spTree>
     <p:extLst>
       <p:ext uri="{BB962C8B-B14F-4D97-AF65-F5344CB8AC3E}">
-        <p14:creationId xmlns:p14="http://schemas.microsoft.com/office/powerpoint/2010/main" val="4219407294"/>
+        <p14:creationId xmlns:p14="http://schemas.microsoft.com/office/powerpoint/2010/main" val="4272177117"/>
       </p:ext>
     </p:extLst>
   </p:cSld>
@@ -2320,19 +2196,144 @@
           <a:bodyPr/>
           <a:lstStyle/>
           <a:p>
+            <a:pPr marL="0" marR="0" indent="0" algn="l" defTabSz="914400" rtl="0" eaLnBrk="1" fontAlgn="auto" latinLnBrk="0" hangingPunct="1">
+              <a:lnSpc>
+                <a:spcPct val="100000"/>
+              </a:lnSpc>
+              <a:spcBef>
+                <a:spcPts val="0"/>
+              </a:spcBef>
+              <a:spcAft>
+                <a:spcPts val="0"/>
+              </a:spcAft>
+              <a:buClrTx/>
+              <a:buSzTx/>
+              <a:buFontTx/>
+              <a:buNone/>
+              <a:tabLst/>
+              <a:defRPr/>
+            </a:pPr>
             <a:r>
               <a:rPr lang="nl-BE" dirty="0"/>
-              <a:t>Object Behavioral GoF Pattern</a:t>
-            </a:r>
-          </a:p>
-          <a:p>
+              <a:t>Object Structural GoF Pattern</a:t>
+            </a:r>
+          </a:p>
+          <a:p>
+            <a:pPr marL="0" marR="0" indent="0" algn="l" defTabSz="914400" rtl="0" eaLnBrk="1" fontAlgn="auto" latinLnBrk="0" hangingPunct="1">
+              <a:lnSpc>
+                <a:spcPct val="100000"/>
+              </a:lnSpc>
+              <a:spcBef>
+                <a:spcPts val="0"/>
+              </a:spcBef>
+              <a:spcAft>
+                <a:spcPts val="0"/>
+              </a:spcAft>
+              <a:buClrTx/>
+              <a:buSzTx/>
+              <a:buFontTx/>
+              <a:buNone/>
+              <a:tabLst/>
+              <a:defRPr/>
+            </a:pPr>
             <a:endParaRPr lang="nl-BE" dirty="0"/>
           </a:p>
           <a:p>
+            <a:pPr marL="0" marR="0" indent="0" algn="l" defTabSz="914400" rtl="0" eaLnBrk="1" fontAlgn="auto" latinLnBrk="0" hangingPunct="1">
+              <a:lnSpc>
+                <a:spcPct val="100000"/>
+              </a:lnSpc>
+              <a:spcBef>
+                <a:spcPts val="0"/>
+              </a:spcBef>
+              <a:spcAft>
+                <a:spcPts val="0"/>
+              </a:spcAft>
+              <a:buClrTx/>
+              <a:buSzTx/>
+              <a:buFontTx/>
+              <a:buNone/>
+              <a:tabLst/>
+              <a:defRPr/>
+            </a:pPr>
             <a:r>
               <a:rPr lang="nl-BE" dirty="0"/>
-              <a:t>Also known as: Cursor</a:t>
-            </a:r>
+              <a:t>Also known</a:t>
+            </a:r>
+            <a:r>
+              <a:rPr lang="nl-BE" baseline="0" dirty="0"/>
+              <a:t> as: Wrapper</a:t>
+            </a:r>
+            <a:endParaRPr lang="nl-BE" dirty="0"/>
+          </a:p>
+          <a:p>
+            <a:pPr marL="0" marR="0" indent="0" algn="l" defTabSz="914400" rtl="0" eaLnBrk="1" fontAlgn="auto" latinLnBrk="0" hangingPunct="1">
+              <a:lnSpc>
+                <a:spcPct val="100000"/>
+              </a:lnSpc>
+              <a:spcBef>
+                <a:spcPts val="0"/>
+              </a:spcBef>
+              <a:spcAft>
+                <a:spcPts val="0"/>
+              </a:spcAft>
+              <a:buClrTx/>
+              <a:buSzTx/>
+              <a:buFontTx/>
+              <a:buNone/>
+              <a:tabLst/>
+              <a:defRPr/>
+            </a:pPr>
+            <a:endParaRPr lang="nl-BE" dirty="0"/>
+          </a:p>
+          <a:p>
+            <a:pPr marL="0" marR="0" indent="0" algn="l" defTabSz="914400" rtl="0" eaLnBrk="1" fontAlgn="auto" latinLnBrk="0" hangingPunct="1">
+              <a:lnSpc>
+                <a:spcPct val="100000"/>
+              </a:lnSpc>
+              <a:spcBef>
+                <a:spcPts val="0"/>
+              </a:spcBef>
+              <a:spcAft>
+                <a:spcPts val="0"/>
+              </a:spcAft>
+              <a:buClrTx/>
+              <a:buSzTx/>
+              <a:buFontTx/>
+              <a:buNone/>
+              <a:tabLst/>
+              <a:defRPr/>
+            </a:pPr>
+            <a:r>
+              <a:rPr lang="nl-BE" dirty="0"/>
+              <a:t>WarTowers: ShieldTower, GunTower, BazookaTower, ShieldGunTower, ShieldGunBazookaTower, ...</a:t>
+            </a:r>
+          </a:p>
+          <a:p>
+            <a:pPr marL="0" marR="0" indent="0" algn="l" defTabSz="914400" rtl="0" eaLnBrk="1" fontAlgn="auto" latinLnBrk="0" hangingPunct="1">
+              <a:lnSpc>
+                <a:spcPct val="100000"/>
+              </a:lnSpc>
+              <a:spcBef>
+                <a:spcPts val="0"/>
+              </a:spcBef>
+              <a:spcAft>
+                <a:spcPts val="0"/>
+              </a:spcAft>
+              <a:buClrTx/>
+              <a:buSzTx/>
+              <a:buFontTx/>
+              <a:buNone/>
+              <a:tabLst/>
+              <a:defRPr/>
+            </a:pPr>
+            <a:r>
+              <a:rPr lang="nl-BE" dirty="0"/>
+              <a:t>Decorator is an adapter!</a:t>
+            </a:r>
+          </a:p>
+          <a:p>
+            <a:endParaRPr lang="nl-BE" dirty="0"/>
           </a:p>
         </p:txBody>
       </p:sp>
@@ -2353,7 +2354,7 @@
           <a:p>
             <a:fld id="{8AAD598C-A564-4773-9938-73F095713663}" type="slidenum">
               <a:rPr lang="nl-BE" smtClean="0"/>
-              <a:t>23</a:t>
+              <a:t>22</a:t>
             </a:fld>
             <a:endParaRPr lang="nl-BE"/>
           </a:p>
@@ -2362,7 +2363,7 @@
     </p:spTree>
     <p:extLst>
       <p:ext uri="{BB962C8B-B14F-4D97-AF65-F5344CB8AC3E}">
-        <p14:creationId xmlns:p14="http://schemas.microsoft.com/office/powerpoint/2010/main" val="3959557267"/>
+        <p14:creationId xmlns:p14="http://schemas.microsoft.com/office/powerpoint/2010/main" val="1283684276"/>
       </p:ext>
     </p:extLst>
   </p:cSld>
@@ -2418,18 +2419,17 @@
           <a:p>
             <a:r>
               <a:rPr lang="nl-BE" dirty="0"/>
-              <a:t>Object Structural</a:t>
-            </a:r>
-            <a:r>
-              <a:rPr lang="nl-BE" baseline="0" dirty="0"/>
-              <a:t> GoF</a:t>
-            </a:r>
-          </a:p>
-          <a:p>
-            <a:endParaRPr lang="nl-BE" baseline="0" dirty="0"/>
+              <a:t>Object Behavioral GoF Pattern</a:t>
+            </a:r>
           </a:p>
           <a:p>
             <a:endParaRPr lang="nl-BE" dirty="0"/>
+          </a:p>
+          <a:p>
+            <a:r>
+              <a:rPr lang="nl-BE" dirty="0"/>
+              <a:t>Also known as: Cursor</a:t>
+            </a:r>
           </a:p>
         </p:txBody>
       </p:sp>
@@ -2450,7 +2450,7 @@
           <a:p>
             <a:fld id="{8AAD598C-A564-4773-9938-73F095713663}" type="slidenum">
               <a:rPr lang="nl-BE" smtClean="0"/>
-              <a:t>24</a:t>
+              <a:t>23</a:t>
             </a:fld>
             <a:endParaRPr lang="nl-BE"/>
           </a:p>
@@ -2459,7 +2459,7 @@
     </p:spTree>
     <p:extLst>
       <p:ext uri="{BB962C8B-B14F-4D97-AF65-F5344CB8AC3E}">
-        <p14:creationId xmlns:p14="http://schemas.microsoft.com/office/powerpoint/2010/main" val="2692460306"/>
+        <p14:creationId xmlns:p14="http://schemas.microsoft.com/office/powerpoint/2010/main" val="3959557267"/>
       </p:ext>
     </p:extLst>
   </p:cSld>
@@ -2514,58 +2514,19 @@
           <a:lstStyle/>
           <a:p>
             <a:r>
-              <a:rPr lang="en-US" sz="1200" b="0" i="0" kern="1200" dirty="0">
-                <a:solidFill>
-                  <a:schemeClr val="tx1"/>
-                </a:solidFill>
-                <a:effectLst/>
-                <a:latin typeface="+mn-lt"/>
-                <a:ea typeface="+mn-ea"/>
-                <a:cs typeface="+mn-cs"/>
-              </a:rPr>
-              <a:t>Add a reference to the COM via the Add Reference dialog in Visual Studio .NET. Behind the scenes, Visual Studio® .NET invokes the tlbimp.exe tool to create a Runtime Callable Wrapper (RCW) class, contained in an </a:t>
-            </a:r>
-            <a:r>
-              <a:rPr lang="en-US" sz="1200" b="0" i="0" kern="1200" dirty="0" err="1">
-                <a:solidFill>
-                  <a:schemeClr val="tx1"/>
-                </a:solidFill>
-                <a:effectLst/>
-                <a:latin typeface="+mn-lt"/>
-                <a:ea typeface="+mn-ea"/>
-                <a:cs typeface="+mn-cs"/>
-              </a:rPr>
-              <a:t>interop</a:t>
-            </a:r>
-            <a:r>
-              <a:rPr lang="en-US" sz="1200" b="0" i="0" kern="1200" dirty="0">
-                <a:solidFill>
-                  <a:schemeClr val="tx1"/>
-                </a:solidFill>
-                <a:effectLst/>
-                <a:latin typeface="+mn-lt"/>
-                <a:ea typeface="+mn-ea"/>
-                <a:cs typeface="+mn-cs"/>
-              </a:rPr>
-              <a:t> assembly.</a:t>
-            </a:r>
-          </a:p>
-          <a:p>
-            <a:endParaRPr lang="en-US" sz="1200" b="0" i="0" kern="1200" dirty="0">
-              <a:solidFill>
-                <a:schemeClr val="tx1"/>
-              </a:solidFill>
-              <a:effectLst/>
-              <a:latin typeface="+mn-lt"/>
-              <a:ea typeface="+mn-ea"/>
-              <a:cs typeface="+mn-cs"/>
-            </a:endParaRPr>
-          </a:p>
-          <a:p>
-            <a:r>
               <a:rPr lang="nl-BE" dirty="0"/>
-              <a:t>http://msdn.microsoft.com/en-us/magazine/cc188707.aspx#S4</a:t>
-            </a:r>
+              <a:t>Object Structural</a:t>
+            </a:r>
+            <a:r>
+              <a:rPr lang="nl-BE" baseline="0" dirty="0"/>
+              <a:t> GoF</a:t>
+            </a:r>
+          </a:p>
+          <a:p>
+            <a:endParaRPr lang="nl-BE" baseline="0" dirty="0"/>
+          </a:p>
+          <a:p>
+            <a:endParaRPr lang="nl-BE" dirty="0"/>
           </a:p>
         </p:txBody>
       </p:sp>
@@ -2586,7 +2547,7 @@
           <a:p>
             <a:fld id="{8AAD598C-A564-4773-9938-73F095713663}" type="slidenum">
               <a:rPr lang="nl-BE" smtClean="0"/>
-              <a:t>25</a:t>
+              <a:t>24</a:t>
             </a:fld>
             <a:endParaRPr lang="nl-BE"/>
           </a:p>
@@ -2595,7 +2556,7 @@
     </p:spTree>
     <p:extLst>
       <p:ext uri="{BB962C8B-B14F-4D97-AF65-F5344CB8AC3E}">
-        <p14:creationId xmlns:p14="http://schemas.microsoft.com/office/powerpoint/2010/main" val="1195904989"/>
+        <p14:creationId xmlns:p14="http://schemas.microsoft.com/office/powerpoint/2010/main" val="2692460306"/>
       </p:ext>
     </p:extLst>
   </p:cSld>
@@ -2650,24 +2611,58 @@
           <a:lstStyle/>
           <a:p>
             <a:r>
+              <a:rPr lang="en-US" sz="1200" b="0" i="0" kern="1200" dirty="0">
+                <a:solidFill>
+                  <a:schemeClr val="tx1"/>
+                </a:solidFill>
+                <a:effectLst/>
+                <a:latin typeface="+mn-lt"/>
+                <a:ea typeface="+mn-ea"/>
+                <a:cs typeface="+mn-cs"/>
+              </a:rPr>
+              <a:t>Add a reference to the COM via the Add Reference dialog in Visual Studio .NET. Behind the scenes, Visual Studio® .NET invokes the tlbimp.exe tool to create a Runtime Callable Wrapper (RCW) class, contained in an </a:t>
+            </a:r>
+            <a:r>
+              <a:rPr lang="en-US" sz="1200" b="0" i="0" kern="1200" dirty="0" err="1">
+                <a:solidFill>
+                  <a:schemeClr val="tx1"/>
+                </a:solidFill>
+                <a:effectLst/>
+                <a:latin typeface="+mn-lt"/>
+                <a:ea typeface="+mn-ea"/>
+                <a:cs typeface="+mn-cs"/>
+              </a:rPr>
+              <a:t>interop</a:t>
+            </a:r>
+            <a:r>
+              <a:rPr lang="en-US" sz="1200" b="0" i="0" kern="1200" dirty="0">
+                <a:solidFill>
+                  <a:schemeClr val="tx1"/>
+                </a:solidFill>
+                <a:effectLst/>
+                <a:latin typeface="+mn-lt"/>
+                <a:ea typeface="+mn-ea"/>
+                <a:cs typeface="+mn-cs"/>
+              </a:rPr>
+              <a:t> assembly.</a:t>
+            </a:r>
+          </a:p>
+          <a:p>
+            <a:endParaRPr lang="en-US" sz="1200" b="0" i="0" kern="1200" dirty="0">
+              <a:solidFill>
+                <a:schemeClr val="tx1"/>
+              </a:solidFill>
+              <a:effectLst/>
+              <a:latin typeface="+mn-lt"/>
+              <a:ea typeface="+mn-ea"/>
+              <a:cs typeface="+mn-cs"/>
+            </a:endParaRPr>
+          </a:p>
+          <a:p>
+            <a:r>
               <a:rPr lang="nl-BE" dirty="0"/>
-              <a:t>Creditkaarten voor online betalingen:</a:t>
-            </a:r>
-          </a:p>
-          <a:p>
-            <a:r>
-              <a:rPr lang="nl-BE" dirty="0"/>
-              <a:t>VisaAdapter</a:t>
-            </a:r>
-          </a:p>
-          <a:p>
-            <a:r>
-              <a:rPr lang="nl-BE" dirty="0"/>
-              <a:t>MasterCardAdapter</a:t>
-            </a:r>
-          </a:p>
-          <a:p>
-            <a:endParaRPr lang="nl-BE" dirty="0"/>
+              <a:t>http://msdn.microsoft.com/en-us/magazine/cc188707.aspx#S4</a:t>
+            </a:r>
           </a:p>
         </p:txBody>
       </p:sp>
@@ -2688,7 +2683,7 @@
           <a:p>
             <a:fld id="{8AAD598C-A564-4773-9938-73F095713663}" type="slidenum">
               <a:rPr lang="nl-BE" smtClean="0"/>
-              <a:t>26</a:t>
+              <a:t>25</a:t>
             </a:fld>
             <a:endParaRPr lang="nl-BE"/>
           </a:p>
@@ -2697,7 +2692,7 @@
     </p:spTree>
     <p:extLst>
       <p:ext uri="{BB962C8B-B14F-4D97-AF65-F5344CB8AC3E}">
-        <p14:creationId xmlns:p14="http://schemas.microsoft.com/office/powerpoint/2010/main" val="1396305169"/>
+        <p14:creationId xmlns:p14="http://schemas.microsoft.com/office/powerpoint/2010/main" val="1195904989"/>
       </p:ext>
     </p:extLst>
   </p:cSld>
@@ -2751,23 +2746,21 @@
           <a:bodyPr/>
           <a:lstStyle/>
           <a:p>
-            <a:pPr>
-              <a:buFontTx/>
-              <a:buChar char="-"/>
-            </a:pPr>
             <a:r>
               <a:rPr lang="nl-BE" dirty="0"/>
-              <a:t>Overuse</a:t>
-            </a:r>
-          </a:p>
-          <a:p>
-            <a:pPr>
-              <a:buFontTx/>
-              <a:buChar char="-"/>
-            </a:pPr>
+              <a:t>Creditkaarten voor online betalingen:</a:t>
+            </a:r>
+          </a:p>
+          <a:p>
             <a:r>
               <a:rPr lang="nl-BE" dirty="0"/>
-              <a:t>Misuse</a:t>
+              <a:t>VisaAdapter</a:t>
+            </a:r>
+          </a:p>
+          <a:p>
+            <a:r>
+              <a:rPr lang="nl-BE" dirty="0"/>
+              <a:t>MasterCardAdapter</a:t>
             </a:r>
           </a:p>
           <a:p>
@@ -2792,7 +2785,7 @@
           <a:p>
             <a:fld id="{8AAD598C-A564-4773-9938-73F095713663}" type="slidenum">
               <a:rPr lang="nl-BE" smtClean="0"/>
-              <a:t>27</a:t>
+              <a:t>26</a:t>
             </a:fld>
             <a:endParaRPr lang="nl-BE"/>
           </a:p>
@@ -2801,7 +2794,7 @@
     </p:spTree>
     <p:extLst>
       <p:ext uri="{BB962C8B-B14F-4D97-AF65-F5344CB8AC3E}">
-        <p14:creationId xmlns:p14="http://schemas.microsoft.com/office/powerpoint/2010/main" val="876647275"/>
+        <p14:creationId xmlns:p14="http://schemas.microsoft.com/office/powerpoint/2010/main" val="1396305169"/>
       </p:ext>
     </p:extLst>
   </p:cSld>
@@ -2855,6 +2848,26 @@
           <a:bodyPr/>
           <a:lstStyle/>
           <a:p>
+            <a:pPr>
+              <a:buFontTx/>
+              <a:buChar char="-"/>
+            </a:pPr>
+            <a:r>
+              <a:rPr lang="nl-BE" dirty="0"/>
+              <a:t>Overuse</a:t>
+            </a:r>
+          </a:p>
+          <a:p>
+            <a:pPr>
+              <a:buFontTx/>
+              <a:buChar char="-"/>
+            </a:pPr>
+            <a:r>
+              <a:rPr lang="nl-BE" dirty="0"/>
+              <a:t>Misuse</a:t>
+            </a:r>
+          </a:p>
+          <a:p>
             <a:endParaRPr lang="nl-BE" dirty="0"/>
           </a:p>
         </p:txBody>
@@ -2876,7 +2889,7 @@
           <a:p>
             <a:fld id="{8AAD598C-A564-4773-9938-73F095713663}" type="slidenum">
               <a:rPr lang="nl-BE" smtClean="0"/>
-              <a:t>28</a:t>
+              <a:t>27</a:t>
             </a:fld>
             <a:endParaRPr lang="nl-BE"/>
           </a:p>
@@ -2885,7 +2898,7 @@
     </p:spTree>
     <p:extLst>
       <p:ext uri="{BB962C8B-B14F-4D97-AF65-F5344CB8AC3E}">
-        <p14:creationId xmlns:p14="http://schemas.microsoft.com/office/powerpoint/2010/main" val="2649400970"/>
+        <p14:creationId xmlns:p14="http://schemas.microsoft.com/office/powerpoint/2010/main" val="876647275"/>
       </p:ext>
     </p:extLst>
   </p:cSld>
@@ -2939,10 +2952,7 @@
           <a:bodyPr/>
           <a:lstStyle/>
           <a:p>
-            <a:r>
-              <a:rPr lang="nl-BE" dirty="0"/>
-              <a:t>Which patterns have you already implemented in your designs?</a:t>
-            </a:r>
+            <a:endParaRPr lang="nl-BE" dirty="0"/>
           </a:p>
         </p:txBody>
       </p:sp>
@@ -2963,7 +2973,7 @@
           <a:p>
             <a:fld id="{8AAD598C-A564-4773-9938-73F095713663}" type="slidenum">
               <a:rPr lang="nl-BE" smtClean="0"/>
-              <a:t>30</a:t>
+              <a:t>28</a:t>
             </a:fld>
             <a:endParaRPr lang="nl-BE"/>
           </a:p>
@@ -2972,7 +2982,7 @@
     </p:spTree>
     <p:extLst>
       <p:ext uri="{BB962C8B-B14F-4D97-AF65-F5344CB8AC3E}">
-        <p14:creationId xmlns:p14="http://schemas.microsoft.com/office/powerpoint/2010/main" val="995890192"/>
+        <p14:creationId xmlns:p14="http://schemas.microsoft.com/office/powerpoint/2010/main" val="2649400970"/>
       </p:ext>
     </p:extLst>
   </p:cSld>
@@ -3028,7 +3038,7 @@
           <a:p>
             <a:r>
               <a:rPr lang="nl-BE" dirty="0"/>
-              <a:t>Object Creational GoF Pattern</a:t>
+              <a:t>Which patterns have you already implemented in your designs?</a:t>
             </a:r>
           </a:p>
         </p:txBody>
@@ -3050,7 +3060,7 @@
           <a:p>
             <a:fld id="{8AAD598C-A564-4773-9938-73F095713663}" type="slidenum">
               <a:rPr lang="nl-BE" smtClean="0"/>
-              <a:t>31</a:t>
+              <a:t>30</a:t>
             </a:fld>
             <a:endParaRPr lang="nl-BE"/>
           </a:p>
@@ -3059,7 +3069,7 @@
     </p:spTree>
     <p:extLst>
       <p:ext uri="{BB962C8B-B14F-4D97-AF65-F5344CB8AC3E}">
-        <p14:creationId xmlns:p14="http://schemas.microsoft.com/office/powerpoint/2010/main" val="1233954531"/>
+        <p14:creationId xmlns:p14="http://schemas.microsoft.com/office/powerpoint/2010/main" val="995890192"/>
       </p:ext>
     </p:extLst>
   </p:cSld>
@@ -3115,7 +3125,7 @@
           <a:p>
             <a:r>
               <a:rPr lang="nl-BE" dirty="0"/>
-              <a:t>Object Structural GoF Pattern</a:t>
+              <a:t>Object Creational GoF Pattern</a:t>
             </a:r>
           </a:p>
         </p:txBody>
@@ -3137,7 +3147,7 @@
           <a:p>
             <a:fld id="{8AAD598C-A564-4773-9938-73F095713663}" type="slidenum">
               <a:rPr lang="nl-BE" smtClean="0"/>
-              <a:t>33</a:t>
+              <a:t>31</a:t>
             </a:fld>
             <a:endParaRPr lang="nl-BE"/>
           </a:p>
@@ -3146,7 +3156,7 @@
     </p:spTree>
     <p:extLst>
       <p:ext uri="{BB962C8B-B14F-4D97-AF65-F5344CB8AC3E}">
-        <p14:creationId xmlns:p14="http://schemas.microsoft.com/office/powerpoint/2010/main" val="1980581622"/>
+        <p14:creationId xmlns:p14="http://schemas.microsoft.com/office/powerpoint/2010/main" val="1233954531"/>
       </p:ext>
     </p:extLst>
   </p:cSld>
@@ -3200,7 +3210,10 @@
           <a:bodyPr/>
           <a:lstStyle/>
           <a:p>
-            <a:endParaRPr lang="nl-BE" dirty="0"/>
+            <a:r>
+              <a:rPr lang="nl-BE" dirty="0"/>
+              <a:t>Object Structural GoF Pattern</a:t>
+            </a:r>
           </a:p>
         </p:txBody>
       </p:sp>
@@ -3211,7 +3224,7 @@
             <a:spLocks noGrp="1"/>
           </p:cNvSpPr>
           <p:nvPr>
-            <p:ph type="sldNum" sz="quarter" idx="5"/>
+            <p:ph type="sldNum" sz="quarter" idx="10"/>
           </p:nvPr>
         </p:nvSpPr>
         <p:spPr/>
@@ -3221,7 +3234,7 @@
           <a:p>
             <a:fld id="{8AAD598C-A564-4773-9938-73F095713663}" type="slidenum">
               <a:rPr lang="nl-BE" smtClean="0"/>
-              <a:t>36</a:t>
+              <a:t>33</a:t>
             </a:fld>
             <a:endParaRPr lang="nl-BE"/>
           </a:p>
@@ -3230,7 +3243,7 @@
     </p:spTree>
     <p:extLst>
       <p:ext uri="{BB962C8B-B14F-4D97-AF65-F5344CB8AC3E}">
-        <p14:creationId xmlns:p14="http://schemas.microsoft.com/office/powerpoint/2010/main" val="3552032083"/>
+        <p14:creationId xmlns:p14="http://schemas.microsoft.com/office/powerpoint/2010/main" val="1980581622"/>
       </p:ext>
     </p:extLst>
   </p:cSld>
@@ -3284,80 +3297,14 @@
           <a:bodyPr/>
           <a:lstStyle/>
           <a:p>
+            <a:pPr marL="0" indent="0">
+              <a:buFontTx/>
+              <a:buNone/>
+            </a:pPr>
             <a:r>
               <a:rPr lang="nl-BE" dirty="0"/>
-              <a:t>UML &amp; Patterns: Most simply, a good </a:t>
-            </a:r>
-            <a:r>
-              <a:rPr lang="nl-BE" b="1" dirty="0"/>
-              <a:t>pattern</a:t>
-            </a:r>
-            <a:r>
-              <a:rPr lang="nl-BE" dirty="0"/>
-              <a:t> is a </a:t>
-            </a:r>
-            <a:r>
-              <a:rPr lang="nl-BE" i="1" dirty="0"/>
-              <a:t>named</a:t>
-            </a:r>
-            <a:r>
-              <a:rPr lang="nl-BE" dirty="0"/>
-              <a:t> and </a:t>
-            </a:r>
-            <a:r>
-              <a:rPr lang="nl-BE" i="1" dirty="0"/>
-              <a:t>well-known</a:t>
-            </a:r>
-            <a:r>
-              <a:rPr lang="nl-BE" dirty="0"/>
-              <a:t> problem/solution pair that can be applied in new contexts, with advice on how to apply it in novel situations and</a:t>
-            </a:r>
-            <a:r>
-              <a:rPr lang="nl-BE" baseline="0" dirty="0"/>
-              <a:t> discussion of its trade-offs, implementations, variations, and so forth.</a:t>
-            </a:r>
-          </a:p>
-          <a:p>
-            <a:endParaRPr lang="nl-BE" baseline="0" dirty="0"/>
-          </a:p>
-          <a:p>
-            <a:r>
-              <a:rPr lang="nl-BE" baseline="0" dirty="0"/>
-              <a:t>It facilitates communication: “Hey Jack, for the persistence subsystem, let’s expose the services with a </a:t>
-            </a:r>
-            <a:r>
-              <a:rPr lang="nl-BE" i="1" baseline="0" dirty="0"/>
-              <a:t>Facade</a:t>
-            </a:r>
-            <a:r>
-              <a:rPr lang="nl-BE" baseline="0" dirty="0"/>
-              <a:t>. We’ll use an </a:t>
-            </a:r>
-            <a:r>
-              <a:rPr lang="nl-BE" i="1" baseline="0" dirty="0"/>
-              <a:t>Abstract Factory </a:t>
-            </a:r>
-            <a:r>
-              <a:rPr lang="nl-BE" baseline="0" dirty="0"/>
-              <a:t>for </a:t>
-            </a:r>
-            <a:r>
-              <a:rPr lang="nl-BE" i="1" baseline="0" dirty="0"/>
-              <a:t>Mappers</a:t>
-            </a:r>
-            <a:r>
-              <a:rPr lang="nl-BE" baseline="0" dirty="0"/>
-              <a:t>, and </a:t>
-            </a:r>
-            <a:r>
-              <a:rPr lang="nl-BE" i="1" baseline="0" dirty="0"/>
-              <a:t>Proxies</a:t>
-            </a:r>
-            <a:r>
-              <a:rPr lang="nl-BE" baseline="0" dirty="0"/>
-              <a:t> for lazy materialization.”</a:t>
-            </a:r>
-            <a:endParaRPr lang="nl-BE" dirty="0"/>
+              <a:t>Book: A Pattern Language (1977)</a:t>
+            </a:r>
           </a:p>
         </p:txBody>
       </p:sp>
@@ -3378,7 +3325,7 @@
           <a:p>
             <a:fld id="{8AAD598C-A564-4773-9938-73F095713663}" type="slidenum">
               <a:rPr lang="nl-BE" smtClean="0"/>
-              <a:t>4</a:t>
+              <a:t>3</a:t>
             </a:fld>
             <a:endParaRPr lang="nl-BE"/>
           </a:p>
@@ -3387,7 +3334,7 @@
     </p:spTree>
     <p:extLst>
       <p:ext uri="{BB962C8B-B14F-4D97-AF65-F5344CB8AC3E}">
-        <p14:creationId xmlns:p14="http://schemas.microsoft.com/office/powerpoint/2010/main" val="4129481424"/>
+        <p14:creationId xmlns:p14="http://schemas.microsoft.com/office/powerpoint/2010/main" val="4219407294"/>
       </p:ext>
     </p:extLst>
   </p:cSld>
@@ -3441,121 +3388,8 @@
           <a:bodyPr/>
           <a:lstStyle/>
           <a:p>
-            <a:pPr marL="0" marR="0" lvl="1" indent="0" algn="l" defTabSz="914400" rtl="0" eaLnBrk="1" fontAlgn="auto" latinLnBrk="0" hangingPunct="1">
-              <a:lnSpc>
-                <a:spcPct val="100000"/>
-              </a:lnSpc>
-              <a:spcBef>
-                <a:spcPts val="0"/>
-              </a:spcBef>
-              <a:spcAft>
-                <a:spcPts val="0"/>
-              </a:spcAft>
-              <a:buClrTx/>
-              <a:buSzTx/>
-              <a:buFontTx/>
-              <a:buNone/>
-              <a:tabLst/>
-              <a:defRPr/>
-            </a:pPr>
-            <a:r>
-              <a:rPr lang="nl-BE" dirty="0"/>
-              <a:t>Program to an interface:</a:t>
-            </a:r>
-          </a:p>
-          <a:p>
-            <a:pPr marL="0" marR="0" lvl="1" indent="0" algn="l" defTabSz="914400" rtl="0" eaLnBrk="1" fontAlgn="auto" latinLnBrk="0" hangingPunct="1">
-              <a:lnSpc>
-                <a:spcPct val="100000"/>
-              </a:lnSpc>
-              <a:spcBef>
-                <a:spcPts val="0"/>
-              </a:spcBef>
-              <a:spcAft>
-                <a:spcPts val="0"/>
-              </a:spcAft>
-              <a:buClrTx/>
-              <a:buSzTx/>
-              <a:buFontTx/>
-              <a:buNone/>
-              <a:tabLst/>
-              <a:defRPr/>
-            </a:pPr>
-            <a:r>
-              <a:rPr lang="nl-BE" dirty="0"/>
-              <a:t>Loosely coupled system: Clients remain unaware of the specific types of objects they use, as long as the objects adhere to the</a:t>
-            </a:r>
-            <a:r>
-              <a:rPr lang="nl-BE" baseline="0" dirty="0"/>
-              <a:t> interface that clients expect.</a:t>
-            </a:r>
-          </a:p>
-          <a:p>
-            <a:pPr marL="0" marR="0" lvl="1" indent="0" algn="l" defTabSz="914400" rtl="0" eaLnBrk="1" fontAlgn="auto" latinLnBrk="0" hangingPunct="1">
-              <a:lnSpc>
-                <a:spcPct val="100000"/>
-              </a:lnSpc>
-              <a:spcBef>
-                <a:spcPts val="0"/>
-              </a:spcBef>
-              <a:spcAft>
-                <a:spcPts val="0"/>
-              </a:spcAft>
-              <a:buClrTx/>
-              <a:buSzTx/>
-              <a:buFontTx/>
-              <a:buNone/>
-              <a:tabLst/>
-              <a:defRPr/>
-            </a:pPr>
-            <a:r>
-              <a:rPr lang="nl-BE" baseline="0" dirty="0"/>
-              <a:t>Creational patterns can be used to instantiate the concrete classes</a:t>
-            </a:r>
-          </a:p>
-          <a:p>
-            <a:pPr marL="0" marR="0" lvl="1" indent="0" algn="l" defTabSz="914400" rtl="0" eaLnBrk="1" fontAlgn="auto" latinLnBrk="0" hangingPunct="1">
-              <a:lnSpc>
-                <a:spcPct val="100000"/>
-              </a:lnSpc>
-              <a:spcBef>
-                <a:spcPts val="0"/>
-              </a:spcBef>
-              <a:spcAft>
-                <a:spcPts val="0"/>
-              </a:spcAft>
-              <a:buClrTx/>
-              <a:buSzTx/>
-              <a:buFontTx/>
-              <a:buNone/>
-              <a:tabLst/>
-              <a:defRPr/>
-            </a:pPr>
-            <a:endParaRPr lang="nl-BE" baseline="0" dirty="0"/>
-          </a:p>
-          <a:p>
-            <a:pPr marL="0" marR="0" lvl="1" indent="0" algn="l" defTabSz="914400" rtl="0" eaLnBrk="1" fontAlgn="auto" latinLnBrk="0" hangingPunct="1">
-              <a:lnSpc>
-                <a:spcPct val="100000"/>
-              </a:lnSpc>
-              <a:spcBef>
-                <a:spcPts val="0"/>
-              </a:spcBef>
-              <a:spcAft>
-                <a:spcPts val="0"/>
-              </a:spcAft>
-              <a:buClrTx/>
-              <a:buSzTx/>
-              <a:buFontTx/>
-              <a:buNone/>
-              <a:tabLst/>
-              <a:defRPr/>
-            </a:pPr>
             <a:endParaRPr lang="nl-BE" dirty="0"/>
           </a:p>
-          <a:p>
-            <a:endParaRPr lang="nl-BE" dirty="0"/>
-          </a:p>
         </p:txBody>
       </p:sp>
       <p:sp>
@@ -3565,7 +3399,7 @@
             <a:spLocks noGrp="1"/>
           </p:cNvSpPr>
           <p:nvPr>
-            <p:ph type="sldNum" sz="quarter" idx="10"/>
+            <p:ph type="sldNum" sz="quarter" idx="5"/>
           </p:nvPr>
         </p:nvSpPr>
         <p:spPr/>
@@ -3575,7 +3409,7 @@
           <a:p>
             <a:fld id="{8AAD598C-A564-4773-9938-73F095713663}" type="slidenum">
               <a:rPr lang="nl-BE" smtClean="0"/>
-              <a:t>38</a:t>
+              <a:t>36</a:t>
             </a:fld>
             <a:endParaRPr lang="nl-BE"/>
           </a:p>
@@ -3584,7 +3418,7 @@
     </p:spTree>
     <p:extLst>
       <p:ext uri="{BB962C8B-B14F-4D97-AF65-F5344CB8AC3E}">
-        <p14:creationId xmlns:p14="http://schemas.microsoft.com/office/powerpoint/2010/main" val="3421036260"/>
+        <p14:creationId xmlns:p14="http://schemas.microsoft.com/office/powerpoint/2010/main" val="3552032083"/>
       </p:ext>
     </p:extLst>
   </p:cSld>
@@ -3638,6 +3472,203 @@
           <a:bodyPr/>
           <a:lstStyle/>
           <a:p>
+            <a:pPr marL="0" marR="0" lvl="1" indent="0" algn="l" defTabSz="914400" rtl="0" eaLnBrk="1" fontAlgn="auto" latinLnBrk="0" hangingPunct="1">
+              <a:lnSpc>
+                <a:spcPct val="100000"/>
+              </a:lnSpc>
+              <a:spcBef>
+                <a:spcPts val="0"/>
+              </a:spcBef>
+              <a:spcAft>
+                <a:spcPts val="0"/>
+              </a:spcAft>
+              <a:buClrTx/>
+              <a:buSzTx/>
+              <a:buFontTx/>
+              <a:buNone/>
+              <a:tabLst/>
+              <a:defRPr/>
+            </a:pPr>
+            <a:r>
+              <a:rPr lang="nl-BE" dirty="0"/>
+              <a:t>Program to an interface:</a:t>
+            </a:r>
+          </a:p>
+          <a:p>
+            <a:pPr marL="0" marR="0" lvl="1" indent="0" algn="l" defTabSz="914400" rtl="0" eaLnBrk="1" fontAlgn="auto" latinLnBrk="0" hangingPunct="1">
+              <a:lnSpc>
+                <a:spcPct val="100000"/>
+              </a:lnSpc>
+              <a:spcBef>
+                <a:spcPts val="0"/>
+              </a:spcBef>
+              <a:spcAft>
+                <a:spcPts val="0"/>
+              </a:spcAft>
+              <a:buClrTx/>
+              <a:buSzTx/>
+              <a:buFontTx/>
+              <a:buNone/>
+              <a:tabLst/>
+              <a:defRPr/>
+            </a:pPr>
+            <a:r>
+              <a:rPr lang="nl-BE" dirty="0"/>
+              <a:t>Loosely coupled system: Clients remain unaware of the specific types of objects they use, as long as the objects adhere to the</a:t>
+            </a:r>
+            <a:r>
+              <a:rPr lang="nl-BE" baseline="0" dirty="0"/>
+              <a:t> interface that clients expect.</a:t>
+            </a:r>
+          </a:p>
+          <a:p>
+            <a:pPr marL="0" marR="0" lvl="1" indent="0" algn="l" defTabSz="914400" rtl="0" eaLnBrk="1" fontAlgn="auto" latinLnBrk="0" hangingPunct="1">
+              <a:lnSpc>
+                <a:spcPct val="100000"/>
+              </a:lnSpc>
+              <a:spcBef>
+                <a:spcPts val="0"/>
+              </a:spcBef>
+              <a:spcAft>
+                <a:spcPts val="0"/>
+              </a:spcAft>
+              <a:buClrTx/>
+              <a:buSzTx/>
+              <a:buFontTx/>
+              <a:buNone/>
+              <a:tabLst/>
+              <a:defRPr/>
+            </a:pPr>
+            <a:r>
+              <a:rPr lang="nl-BE" baseline="0" dirty="0"/>
+              <a:t>Creational patterns can be used to instantiate the concrete classes</a:t>
+            </a:r>
+          </a:p>
+          <a:p>
+            <a:pPr marL="0" marR="0" lvl="1" indent="0" algn="l" defTabSz="914400" rtl="0" eaLnBrk="1" fontAlgn="auto" latinLnBrk="0" hangingPunct="1">
+              <a:lnSpc>
+                <a:spcPct val="100000"/>
+              </a:lnSpc>
+              <a:spcBef>
+                <a:spcPts val="0"/>
+              </a:spcBef>
+              <a:spcAft>
+                <a:spcPts val="0"/>
+              </a:spcAft>
+              <a:buClrTx/>
+              <a:buSzTx/>
+              <a:buFontTx/>
+              <a:buNone/>
+              <a:tabLst/>
+              <a:defRPr/>
+            </a:pPr>
+            <a:endParaRPr lang="nl-BE" baseline="0" dirty="0"/>
+          </a:p>
+          <a:p>
+            <a:pPr marL="0" marR="0" lvl="1" indent="0" algn="l" defTabSz="914400" rtl="0" eaLnBrk="1" fontAlgn="auto" latinLnBrk="0" hangingPunct="1">
+              <a:lnSpc>
+                <a:spcPct val="100000"/>
+              </a:lnSpc>
+              <a:spcBef>
+                <a:spcPts val="0"/>
+              </a:spcBef>
+              <a:spcAft>
+                <a:spcPts val="0"/>
+              </a:spcAft>
+              <a:buClrTx/>
+              <a:buSzTx/>
+              <a:buFontTx/>
+              <a:buNone/>
+              <a:tabLst/>
+              <a:defRPr/>
+            </a:pPr>
+            <a:endParaRPr lang="nl-BE" dirty="0"/>
+          </a:p>
+          <a:p>
+            <a:endParaRPr lang="nl-BE" dirty="0"/>
+          </a:p>
+        </p:txBody>
+      </p:sp>
+      <p:sp>
+        <p:nvSpPr>
+          <p:cNvPr id="4" name="Slide Number Placeholder 3"/>
+          <p:cNvSpPr>
+            <a:spLocks noGrp="1"/>
+          </p:cNvSpPr>
+          <p:nvPr>
+            <p:ph type="sldNum" sz="quarter" idx="10"/>
+          </p:nvPr>
+        </p:nvSpPr>
+        <p:spPr/>
+        <p:txBody>
+          <a:bodyPr/>
+          <a:lstStyle/>
+          <a:p>
+            <a:fld id="{8AAD598C-A564-4773-9938-73F095713663}" type="slidenum">
+              <a:rPr lang="nl-BE" smtClean="0"/>
+              <a:t>38</a:t>
+            </a:fld>
+            <a:endParaRPr lang="nl-BE"/>
+          </a:p>
+        </p:txBody>
+      </p:sp>
+    </p:spTree>
+    <p:extLst>
+      <p:ext uri="{BB962C8B-B14F-4D97-AF65-F5344CB8AC3E}">
+        <p14:creationId xmlns:p14="http://schemas.microsoft.com/office/powerpoint/2010/main" val="3421036260"/>
+      </p:ext>
+    </p:extLst>
+  </p:cSld>
+  <p:clrMapOvr>
+    <a:masterClrMapping/>
+  </p:clrMapOvr>
+</p:notes>
+</file>
+
+<file path=ppt/notesSlides/notesSlide32.xml><?xml version="1.0" encoding="utf-8"?>
+<p:notes xmlns:a="http://schemas.openxmlformats.org/drawingml/2006/main" xmlns:r="http://schemas.openxmlformats.org/officeDocument/2006/relationships" xmlns:p="http://schemas.openxmlformats.org/presentationml/2006/main">
+  <p:cSld>
+    <p:spTree>
+      <p:nvGrpSpPr>
+        <p:cNvPr id="1" name=""/>
+        <p:cNvGrpSpPr/>
+        <p:nvPr/>
+      </p:nvGrpSpPr>
+      <p:grpSpPr>
+        <a:xfrm>
+          <a:off x="0" y="0"/>
+          <a:ext cx="0" cy="0"/>
+          <a:chOff x="0" y="0"/>
+          <a:chExt cx="0" cy="0"/>
+        </a:xfrm>
+      </p:grpSpPr>
+      <p:sp>
+        <p:nvSpPr>
+          <p:cNvPr id="2" name="Slide Image Placeholder 1"/>
+          <p:cNvSpPr>
+            <a:spLocks noGrp="1" noRot="1" noChangeAspect="1"/>
+          </p:cNvSpPr>
+          <p:nvPr>
+            <p:ph type="sldImg"/>
+          </p:nvPr>
+        </p:nvSpPr>
+        <p:spPr/>
+      </p:sp>
+      <p:sp>
+        <p:nvSpPr>
+          <p:cNvPr id="3" name="Notes Placeholder 2"/>
+          <p:cNvSpPr>
+            <a:spLocks noGrp="1"/>
+          </p:cNvSpPr>
+          <p:nvPr>
+            <p:ph type="body" idx="1"/>
+          </p:nvPr>
+        </p:nvSpPr>
+        <p:spPr/>
+        <p:txBody>
+          <a:bodyPr/>
+          <a:lstStyle/>
+          <a:p>
             <a:r>
               <a:rPr lang="nl-BE" dirty="0"/>
               <a:t>void g(Rectangle</a:t>
@@ -3710,7 +3741,7 @@
 </p:notes>
 </file>
 
-<file path=ppt/notesSlides/notesSlide32.xml><?xml version="1.0" encoding="utf-8"?>
+<file path=ppt/notesSlides/notesSlide33.xml><?xml version="1.0" encoding="utf-8"?>
 <p:notes xmlns:a="http://schemas.openxmlformats.org/drawingml/2006/main" xmlns:r="http://schemas.openxmlformats.org/officeDocument/2006/relationships" xmlns:p="http://schemas.openxmlformats.org/presentationml/2006/main">
   <p:cSld>
     <p:spTree>
@@ -3870,56 +3901,85 @@
           <a:bodyPr/>
           <a:lstStyle/>
           <a:p>
-            <a:pPr marL="0" marR="0" indent="0" algn="l" defTabSz="914400" rtl="0" eaLnBrk="1" fontAlgn="auto" latinLnBrk="0" hangingPunct="1">
-              <a:lnSpc>
-                <a:spcPct val="100000"/>
-              </a:lnSpc>
-              <a:spcBef>
-                <a:spcPts val="0"/>
-              </a:spcBef>
-              <a:spcAft>
-                <a:spcPts val="0"/>
-              </a:spcAft>
-              <a:buClrTx/>
-              <a:buSzTx/>
-              <a:buFontTx/>
-              <a:buNone/>
-              <a:tabLst/>
-              <a:defRPr/>
-            </a:pPr>
             <a:r>
               <a:rPr lang="nl-BE" dirty="0"/>
-              <a:t>Name:</a:t>
+              <a:t>UML &amp; Patterns: Most simply, a good </a:t>
+            </a:r>
+            <a:r>
+              <a:rPr lang="nl-BE" b="1" dirty="0"/>
+              <a:t>pattern</a:t>
+            </a:r>
+            <a:r>
+              <a:rPr lang="nl-BE" dirty="0"/>
+              <a:t> is a </a:t>
+            </a:r>
+            <a:r>
+              <a:rPr lang="nl-BE" i="1" dirty="0"/>
+              <a:t>named</a:t>
+            </a:r>
+            <a:r>
+              <a:rPr lang="nl-BE" dirty="0"/>
+              <a:t> and </a:t>
+            </a:r>
+            <a:r>
+              <a:rPr lang="nl-BE" i="1" dirty="0"/>
+              <a:t>well-known</a:t>
+            </a:r>
+            <a:r>
+              <a:rPr lang="nl-BE" dirty="0"/>
+              <a:t> problem/solution pair that can be applied in new contexts, with advice on how to apply it in novel situations and</a:t>
             </a:r>
             <a:r>
               <a:rPr lang="nl-BE" baseline="0" dirty="0"/>
-              <a:t> Allow us to communicate (colleagues, documentation, ourselves) at a higher level of abstraction. </a:t>
-            </a:r>
-            <a:r>
-              <a:rPr lang="en-US" dirty="0"/>
-              <a:t>Good names communicate. Poor names obfuscate.</a:t>
-            </a:r>
+              <a:t> discussion of its trade-offs, implementations, variations, and so forth.</a:t>
+            </a:r>
+          </a:p>
+          <a:p>
+            <a:endParaRPr lang="nl-BE" baseline="0" dirty="0"/>
           </a:p>
           <a:p>
             <a:r>
               <a:rPr lang="nl-BE" baseline="0" dirty="0"/>
-              <a:t>Problem: When to apply the pattern. </a:t>
-            </a:r>
-          </a:p>
-          <a:p>
+              <a:t>It facilitates communication: “Hey Jack, for the persistence subsystem, let’s expose the services with a </a:t>
+            </a:r>
+            <a:r>
+              <a:rPr lang="nl-BE" i="1" baseline="0" dirty="0"/>
+              <a:t>Facade</a:t>
+            </a:r>
             <a:r>
               <a:rPr lang="nl-BE" baseline="0" dirty="0"/>
-              <a:t>Solution: The elements that make up the design, their relationships, responsibilities, and collaborations.</a:t>
-            </a:r>
-          </a:p>
-          <a:p>
+              <a:t>. We’ll use an </a:t>
+            </a:r>
+            <a:r>
+              <a:rPr lang="nl-BE" i="1" baseline="0" dirty="0"/>
+              <a:t>Abstract Factory </a:t>
+            </a:r>
             <a:r>
               <a:rPr lang="nl-BE" baseline="0" dirty="0"/>
-              <a:t>Consequences: The results AND the trade-offs of applying the pattern. Critical for evaluating design alternatives and for understanding the costs and benefits of applying the pattern.</a:t>
+              <a:t>for </a:t>
+            </a:r>
+            <a:r>
+              <a:rPr lang="nl-BE" i="1" baseline="0" dirty="0"/>
+              <a:t>Mappers</a:t>
+            </a:r>
+            <a:r>
+              <a:rPr lang="nl-BE" baseline="0" dirty="0"/>
+              <a:t>, and </a:t>
+            </a:r>
+            <a:r>
+              <a:rPr lang="nl-BE" i="1" baseline="0" dirty="0"/>
+              <a:t>Proxies</a:t>
+            </a:r>
+            <a:r>
+              <a:rPr lang="nl-BE" baseline="0" dirty="0"/>
+              <a:t> for lazy materialization.”</a:t>
             </a:r>
           </a:p>
           <a:p>
             <a:endParaRPr lang="nl-BE" baseline="0" dirty="0"/>
+          </a:p>
+          <a:p>
+            <a:endParaRPr lang="nl-BE" dirty="0"/>
           </a:p>
         </p:txBody>
       </p:sp>
@@ -3940,7 +4000,7 @@
           <a:p>
             <a:fld id="{8AAD598C-A564-4773-9938-73F095713663}" type="slidenum">
               <a:rPr lang="nl-BE" smtClean="0"/>
-              <a:t>5</a:t>
+              <a:t>4</a:t>
             </a:fld>
             <a:endParaRPr lang="nl-BE"/>
           </a:p>
@@ -3949,7 +4009,7 @@
     </p:spTree>
     <p:extLst>
       <p:ext uri="{BB962C8B-B14F-4D97-AF65-F5344CB8AC3E}">
-        <p14:creationId xmlns:p14="http://schemas.microsoft.com/office/powerpoint/2010/main" val="794758796"/>
+        <p14:creationId xmlns:p14="http://schemas.microsoft.com/office/powerpoint/2010/main" val="4129481424"/>
       </p:ext>
     </p:extLst>
   </p:cSld>
@@ -4003,48 +4063,56 @@
           <a:bodyPr/>
           <a:lstStyle/>
           <a:p>
+            <a:pPr marL="0" marR="0" indent="0" algn="l" defTabSz="914400" rtl="0" eaLnBrk="1" fontAlgn="auto" latinLnBrk="0" hangingPunct="1">
+              <a:lnSpc>
+                <a:spcPct val="100000"/>
+              </a:lnSpc>
+              <a:spcBef>
+                <a:spcPts val="0"/>
+              </a:spcBef>
+              <a:spcAft>
+                <a:spcPts val="0"/>
+              </a:spcAft>
+              <a:buClrTx/>
+              <a:buSzTx/>
+              <a:buFontTx/>
+              <a:buNone/>
+              <a:tabLst/>
+              <a:defRPr/>
+            </a:pPr>
             <a:r>
               <a:rPr lang="nl-BE" dirty="0"/>
-              <a:t>Creational: Factory method, Builder, Abstract factory, Prototype, Singleton/Multiton</a:t>
-            </a:r>
-          </a:p>
-          <a:p>
-            <a:r>
-              <a:rPr lang="nl-BE" dirty="0"/>
-              <a:t>Structural: Adapter/Wrapper, Composite, Facade, Proxy, Flyweight</a:t>
-            </a:r>
-          </a:p>
-          <a:p>
-            <a:r>
-              <a:rPr lang="nl-BE" dirty="0"/>
-              <a:t>Behavioral: Command, Iterator, Memento, Mediator, Observer, Null Object, State, Strategy, Template Method, Visitor</a:t>
-            </a:r>
-          </a:p>
-          <a:p>
-            <a:endParaRPr lang="nl-BE" dirty="0"/>
-          </a:p>
-          <a:p>
-            <a:r>
-              <a:rPr lang="nl-BE" dirty="0"/>
-              <a:t>Not covered</a:t>
+              <a:t>Name:</a:t>
             </a:r>
             <a:r>
               <a:rPr lang="nl-BE" baseline="0" dirty="0"/>
-              <a:t> by GoF:</a:t>
-            </a:r>
-            <a:endParaRPr lang="nl-BE" dirty="0"/>
-          </a:p>
-          <a:p>
-            <a:r>
-              <a:rPr lang="nl-BE" dirty="0"/>
-              <a:t>GUI: MVC, MVVM, MVP, ...</a:t>
-            </a:r>
-          </a:p>
-          <a:p>
-            <a:r>
-              <a:rPr lang="nl-BE" dirty="0"/>
-              <a:t>Concurrency: ReadWrite lock, Monitor, ThreadPool</a:t>
-            </a:r>
+              <a:t> Allow us to communicate (colleagues, documentation, ourselves) at a higher level of abstraction. </a:t>
+            </a:r>
+            <a:r>
+              <a:rPr lang="en-US" dirty="0"/>
+              <a:t>Good names communicate. Poor names obfuscate.</a:t>
+            </a:r>
+          </a:p>
+          <a:p>
+            <a:r>
+              <a:rPr lang="nl-BE" baseline="0" dirty="0"/>
+              <a:t>Problem: When to apply the pattern. </a:t>
+            </a:r>
+          </a:p>
+          <a:p>
+            <a:r>
+              <a:rPr lang="nl-BE" baseline="0" dirty="0"/>
+              <a:t>Solution: The elements that make up the design, their relationships, responsibilities, and collaborations.</a:t>
+            </a:r>
+          </a:p>
+          <a:p>
+            <a:r>
+              <a:rPr lang="nl-BE" baseline="0" dirty="0"/>
+              <a:t>Consequences: The results AND the trade-offs of applying the pattern. Critical for evaluating design alternatives and for understanding the costs and benefits of applying the pattern.</a:t>
+            </a:r>
+          </a:p>
+          <a:p>
+            <a:endParaRPr lang="nl-BE" baseline="0" dirty="0"/>
           </a:p>
         </p:txBody>
       </p:sp>
@@ -4065,7 +4133,7 @@
           <a:p>
             <a:fld id="{8AAD598C-A564-4773-9938-73F095713663}" type="slidenum">
               <a:rPr lang="nl-BE" smtClean="0"/>
-              <a:t>6</a:t>
+              <a:t>5</a:t>
             </a:fld>
             <a:endParaRPr lang="nl-BE"/>
           </a:p>
@@ -4074,7 +4142,7 @@
     </p:spTree>
     <p:extLst>
       <p:ext uri="{BB962C8B-B14F-4D97-AF65-F5344CB8AC3E}">
-        <p14:creationId xmlns:p14="http://schemas.microsoft.com/office/powerpoint/2010/main" val="1197248579"/>
+        <p14:creationId xmlns:p14="http://schemas.microsoft.com/office/powerpoint/2010/main" val="794758796"/>
       </p:ext>
     </p:extLst>
   </p:cSld>
@@ -4128,100 +4196,48 @@
           <a:bodyPr/>
           <a:lstStyle/>
           <a:p>
-            <a:pPr marL="0" marR="0" indent="0" algn="l" defTabSz="914400" rtl="0" eaLnBrk="1" fontAlgn="auto" latinLnBrk="0" hangingPunct="1">
-              <a:lnSpc>
-                <a:spcPct val="100000"/>
-              </a:lnSpc>
-              <a:spcBef>
-                <a:spcPts val="0"/>
-              </a:spcBef>
-              <a:spcAft>
-                <a:spcPts val="0"/>
-              </a:spcAft>
-              <a:buClrTx/>
-              <a:buSzTx/>
-              <a:buFontTx/>
-              <a:buNone/>
-              <a:tabLst/>
-              <a:defRPr/>
-            </a:pPr>
             <a:r>
               <a:rPr lang="nl-BE" dirty="0"/>
-              <a:t>One person’s pattern can be another person’s primitive building</a:t>
+              <a:t>Creational: Factory method, Builder, Abstract factory, Prototype, Singleton/Multiton</a:t>
+            </a:r>
+          </a:p>
+          <a:p>
+            <a:r>
+              <a:rPr lang="nl-BE" dirty="0"/>
+              <a:t>Structural: Adapter/Wrapper, Composite, Facade, Proxy, Flyweight</a:t>
+            </a:r>
+          </a:p>
+          <a:p>
+            <a:r>
+              <a:rPr lang="nl-BE" dirty="0"/>
+              <a:t>Behavioral: Command, Iterator, Memento, Mediator, Observer, Null Object, State, Strategy, Template Method, Visitor</a:t>
+            </a:r>
+          </a:p>
+          <a:p>
+            <a:endParaRPr lang="nl-BE" dirty="0"/>
+          </a:p>
+          <a:p>
+            <a:r>
+              <a:rPr lang="nl-BE" dirty="0"/>
+              <a:t>Not covered</a:t>
             </a:r>
             <a:r>
               <a:rPr lang="nl-BE" baseline="0" dirty="0"/>
-              <a:t> block.</a:t>
+              <a:t> by GoF:</a:t>
             </a:r>
             <a:endParaRPr lang="nl-BE" dirty="0"/>
           </a:p>
           <a:p>
-            <a:endParaRPr lang="nl-BE" dirty="0"/>
-          </a:p>
-          <a:p>
-            <a:pPr marL="0" marR="0" lvl="1" indent="0" algn="l" defTabSz="914400" rtl="0" eaLnBrk="1" fontAlgn="auto" latinLnBrk="0" hangingPunct="1">
-              <a:lnSpc>
-                <a:spcPct val="100000"/>
-              </a:lnSpc>
-              <a:spcBef>
-                <a:spcPts val="0"/>
-              </a:spcBef>
-              <a:spcAft>
-                <a:spcPts val="0"/>
-              </a:spcAft>
-              <a:buClrTx/>
-              <a:buSzTx/>
-              <a:buFontTx/>
-              <a:buNone/>
-              <a:tabLst/>
-              <a:defRPr/>
-            </a:pPr>
-            <a:r>
-              <a:rPr lang="en-US" dirty="0"/>
-              <a:t>Patterns are often implemented in the same way but have different </a:t>
-            </a:r>
-            <a:r>
-              <a:rPr lang="en-US" b="1" dirty="0"/>
-              <a:t>intent </a:t>
-            </a:r>
-            <a:r>
-              <a:rPr lang="en-US" dirty="0"/>
-              <a:t>(</a:t>
-            </a:r>
             <a:r>
               <a:rPr lang="nl-BE" dirty="0"/>
-              <a:t>vb: Adapter &amp; Decorator.)</a:t>
-            </a:r>
-          </a:p>
-          <a:p>
-            <a:endParaRPr lang="nl-BE" dirty="0"/>
-          </a:p>
-          <a:p>
-            <a:pPr marL="0" marR="0" indent="0" algn="l" defTabSz="914400" rtl="0" eaLnBrk="1" fontAlgn="auto" latinLnBrk="0" hangingPunct="1">
-              <a:lnSpc>
-                <a:spcPct val="100000"/>
-              </a:lnSpc>
-              <a:spcBef>
-                <a:spcPts val="0"/>
-              </a:spcBef>
-              <a:spcAft>
-                <a:spcPts val="0"/>
-              </a:spcAft>
-              <a:buClrTx/>
-              <a:buSzTx/>
-              <a:buFontTx/>
-              <a:buNone/>
-              <a:tabLst/>
-              <a:defRPr/>
-            </a:pPr>
-            <a:r>
-              <a:rPr lang="en-US" dirty="0"/>
-              <a:t>In order to achieve flexibility, design patterns usually introduce additional levels of indirection, which in some cases may complicate the resulting designs and hurt application performance.</a:t>
-            </a:r>
-            <a:endParaRPr lang="nl-BE" dirty="0"/>
-          </a:p>
-          <a:p>
-            <a:endParaRPr lang="nl-BE" dirty="0"/>
+              <a:t>GUI: MVC, MVVM, MVP, ...</a:t>
+            </a:r>
+          </a:p>
+          <a:p>
+            <a:r>
+              <a:rPr lang="nl-BE" dirty="0"/>
+              <a:t>Concurrency: ReadWrite lock, Monitor, ThreadPool</a:t>
+            </a:r>
           </a:p>
         </p:txBody>
       </p:sp>
@@ -4242,7 +4258,7 @@
           <a:p>
             <a:fld id="{8AAD598C-A564-4773-9938-73F095713663}" type="slidenum">
               <a:rPr lang="nl-BE" smtClean="0"/>
-              <a:t>7</a:t>
+              <a:t>6</a:t>
             </a:fld>
             <a:endParaRPr lang="nl-BE"/>
           </a:p>
@@ -4251,7 +4267,7 @@
     </p:spTree>
     <p:extLst>
       <p:ext uri="{BB962C8B-B14F-4D97-AF65-F5344CB8AC3E}">
-        <p14:creationId xmlns:p14="http://schemas.microsoft.com/office/powerpoint/2010/main" val="3771801301"/>
+        <p14:creationId xmlns:p14="http://schemas.microsoft.com/office/powerpoint/2010/main" val="1197248579"/>
       </p:ext>
     </p:extLst>
   </p:cSld>
@@ -4305,10 +4321,100 @@
           <a:bodyPr/>
           <a:lstStyle/>
           <a:p>
+            <a:pPr marL="0" marR="0" indent="0" algn="l" defTabSz="914400" rtl="0" eaLnBrk="1" fontAlgn="auto" latinLnBrk="0" hangingPunct="1">
+              <a:lnSpc>
+                <a:spcPct val="100000"/>
+              </a:lnSpc>
+              <a:spcBef>
+                <a:spcPts val="0"/>
+              </a:spcBef>
+              <a:spcAft>
+                <a:spcPts val="0"/>
+              </a:spcAft>
+              <a:buClrTx/>
+              <a:buSzTx/>
+              <a:buFontTx/>
+              <a:buNone/>
+              <a:tabLst/>
+              <a:defRPr/>
+            </a:pPr>
             <a:r>
               <a:rPr lang="nl-BE" dirty="0"/>
-              <a:t>Which patterns have you already implemented in your designs?</a:t>
-            </a:r>
+              <a:t>One person’s pattern can be another person’s primitive building</a:t>
+            </a:r>
+            <a:r>
+              <a:rPr lang="nl-BE" baseline="0" dirty="0"/>
+              <a:t> block.</a:t>
+            </a:r>
+            <a:endParaRPr lang="nl-BE" dirty="0"/>
+          </a:p>
+          <a:p>
+            <a:endParaRPr lang="nl-BE" dirty="0"/>
+          </a:p>
+          <a:p>
+            <a:pPr marL="0" marR="0" lvl="1" indent="0" algn="l" defTabSz="914400" rtl="0" eaLnBrk="1" fontAlgn="auto" latinLnBrk="0" hangingPunct="1">
+              <a:lnSpc>
+                <a:spcPct val="100000"/>
+              </a:lnSpc>
+              <a:spcBef>
+                <a:spcPts val="0"/>
+              </a:spcBef>
+              <a:spcAft>
+                <a:spcPts val="0"/>
+              </a:spcAft>
+              <a:buClrTx/>
+              <a:buSzTx/>
+              <a:buFontTx/>
+              <a:buNone/>
+              <a:tabLst/>
+              <a:defRPr/>
+            </a:pPr>
+            <a:r>
+              <a:rPr lang="en-US" dirty="0"/>
+              <a:t>Patterns are often implemented in the same way but have different </a:t>
+            </a:r>
+            <a:r>
+              <a:rPr lang="en-US" b="1" dirty="0"/>
+              <a:t>intent </a:t>
+            </a:r>
+            <a:r>
+              <a:rPr lang="en-US" dirty="0"/>
+              <a:t>(</a:t>
+            </a:r>
+            <a:r>
+              <a:rPr lang="nl-BE" dirty="0"/>
+              <a:t>vb: Adapter &amp; Decorator.)</a:t>
+            </a:r>
+          </a:p>
+          <a:p>
+            <a:endParaRPr lang="nl-BE" dirty="0"/>
+          </a:p>
+          <a:p>
+            <a:pPr marL="0" marR="0" indent="0" algn="l" defTabSz="914400" rtl="0" eaLnBrk="1" fontAlgn="auto" latinLnBrk="0" hangingPunct="1">
+              <a:lnSpc>
+                <a:spcPct val="100000"/>
+              </a:lnSpc>
+              <a:spcBef>
+                <a:spcPts val="0"/>
+              </a:spcBef>
+              <a:spcAft>
+                <a:spcPts val="0"/>
+              </a:spcAft>
+              <a:buClrTx/>
+              <a:buSzTx/>
+              <a:buFontTx/>
+              <a:buNone/>
+              <a:tabLst/>
+              <a:defRPr/>
+            </a:pPr>
+            <a:r>
+              <a:rPr lang="en-US" dirty="0"/>
+              <a:t>In order to achieve flexibility, design patterns usually introduce additional levels of indirection, which in some cases may complicate the resulting designs and hurt application performance.</a:t>
+            </a:r>
+            <a:endParaRPr lang="nl-BE" dirty="0"/>
+          </a:p>
+          <a:p>
+            <a:endParaRPr lang="nl-BE" dirty="0"/>
           </a:p>
         </p:txBody>
       </p:sp>
@@ -4329,7 +4435,7 @@
           <a:p>
             <a:fld id="{8AAD598C-A564-4773-9938-73F095713663}" type="slidenum">
               <a:rPr lang="nl-BE" smtClean="0"/>
-              <a:t>8</a:t>
+              <a:t>7</a:t>
             </a:fld>
             <a:endParaRPr lang="nl-BE"/>
           </a:p>
@@ -4338,7 +4444,7 @@
     </p:spTree>
     <p:extLst>
       <p:ext uri="{BB962C8B-B14F-4D97-AF65-F5344CB8AC3E}">
-        <p14:creationId xmlns:p14="http://schemas.microsoft.com/office/powerpoint/2010/main" val="995890192"/>
+        <p14:creationId xmlns:p14="http://schemas.microsoft.com/office/powerpoint/2010/main" val="3771801301"/>
       </p:ext>
     </p:extLst>
   </p:cSld>
@@ -4394,13 +4500,8 @@
           <a:p>
             <a:r>
               <a:rPr lang="nl-BE" dirty="0"/>
-              <a:t>Robert C. Martin (Uncle Bob) – Agile Principles,</a:t>
-            </a:r>
-            <a:r>
-              <a:rPr lang="nl-BE" baseline="0" dirty="0"/>
-              <a:t> Patterns and Practices</a:t>
-            </a:r>
-            <a:endParaRPr lang="nl-BE" dirty="0"/>
+              <a:t>Which patterns have you already implemented in your designs?</a:t>
+            </a:r>
           </a:p>
         </p:txBody>
       </p:sp>
@@ -4421,7 +4522,7 @@
           <a:p>
             <a:fld id="{8AAD598C-A564-4773-9938-73F095713663}" type="slidenum">
               <a:rPr lang="nl-BE" smtClean="0"/>
-              <a:t>9</a:t>
+              <a:t>8</a:t>
             </a:fld>
             <a:endParaRPr lang="nl-BE"/>
           </a:p>
@@ -4430,7 +4531,7 @@
     </p:spTree>
     <p:extLst>
       <p:ext uri="{BB962C8B-B14F-4D97-AF65-F5344CB8AC3E}">
-        <p14:creationId xmlns:p14="http://schemas.microsoft.com/office/powerpoint/2010/main" val="3951032796"/>
+        <p14:creationId xmlns:p14="http://schemas.microsoft.com/office/powerpoint/2010/main" val="995890192"/>
       </p:ext>
     </p:extLst>
   </p:cSld>
@@ -4513,7 +4614,7 @@
           <a:p>
             <a:fld id="{8AAD598C-A564-4773-9938-73F095713663}" type="slidenum">
               <a:rPr lang="nl-BE" smtClean="0"/>
-              <a:t>10</a:t>
+              <a:t>9</a:t>
             </a:fld>
             <a:endParaRPr lang="nl-BE"/>
           </a:p>
@@ -12455,7 +12556,7 @@
           <p:nvPr/>
         </p:nvPicPr>
         <p:blipFill>
-          <a:blip r:embed="rId2">
+          <a:blip r:embed="rId3">
             <a:extLst>
               <a:ext uri="{28A0092B-C50C-407E-A947-70E740481C1C}">
                 <a14:useLocalDpi xmlns:a14="http://schemas.microsoft.com/office/drawing/2010/main" val="0"/>
@@ -12502,7 +12603,7 @@
           <p:nvPr/>
         </p:nvPicPr>
         <p:blipFill>
-          <a:blip r:embed="rId3" cstate="print">
+          <a:blip r:embed="rId4" cstate="print">
             <a:extLst>
               <a:ext uri="{28A0092B-C50C-407E-A947-70E740481C1C}">
                 <a14:useLocalDpi xmlns:a14="http://schemas.microsoft.com/office/drawing/2010/main" val="0"/>
@@ -13451,15 +13552,6 @@
                 <a:headEnd/>
                 <a:tailEnd/>
               </a14:hiddenLine>
-            </a:ext>
-            <a:ext uri="{AF507438-7753-43E0-B8FC-AC1667EBCBE1}">
-              <a14:hiddenEffects xmlns:a14="http://schemas.microsoft.com/office/drawing/2010/main">
-                <a:effectLst>
-                  <a:outerShdw dist="35921" dir="2700000" algn="ctr" rotWithShape="0">
-                    <a:schemeClr val="bg2"/>
-                  </a:outerShdw>
-                </a:effectLst>
-              </a14:hiddenEffects>
             </a:ext>
           </a:extLst>
         </p:spPr>
@@ -19143,7 +19235,7 @@
               <a:buNone/>
             </a:pPr>
             <a:r>
-              <a:rPr lang="nl-BE" i="1" dirty="0"/>
+              <a:rPr lang="nl-BE" sz="2800" i="1" dirty="0"/>
               <a:t>“A simple and elegant solution to a specific problem in Object Oriented Design.”</a:t>
             </a:r>
           </a:p>
@@ -19151,20 +19243,20 @@
             <a:pPr marL="0" indent="0" algn="ctr">
               <a:buNone/>
             </a:pPr>
-            <a:endParaRPr lang="nl-BE" dirty="0"/>
+            <a:endParaRPr lang="nl-BE" sz="2800" dirty="0"/>
           </a:p>
           <a:p>
             <a:pPr marL="0" indent="0" algn="ctr">
               <a:buNone/>
             </a:pPr>
-            <a:endParaRPr lang="nl-BE" dirty="0"/>
+            <a:endParaRPr lang="nl-BE" sz="2800" dirty="0"/>
           </a:p>
           <a:p>
             <a:pPr marL="0" indent="0" algn="ctr">
               <a:buNone/>
             </a:pPr>
             <a:r>
-              <a:rPr lang="nl-BE" i="1" dirty="0"/>
+              <a:rPr lang="nl-BE" sz="2800" i="1" dirty="0"/>
               <a:t>“A description of communicating objects and classes that are customized to solve a general design problem in a particular context.” - GoF</a:t>
             </a:r>
           </a:p>
@@ -19796,31 +19888,31 @@
               <a:buNone/>
             </a:pPr>
             <a:r>
-              <a:rPr lang="nl-BE" dirty="0"/>
+              <a:rPr lang="nl-BE" sz="3200" dirty="0"/>
               <a:t>A pattern has 4 essential elements</a:t>
             </a:r>
           </a:p>
           <a:p>
             <a:r>
-              <a:rPr lang="nl-BE" dirty="0"/>
+              <a:rPr lang="nl-BE" sz="3200" dirty="0"/>
               <a:t>The name</a:t>
             </a:r>
           </a:p>
           <a:p>
             <a:r>
-              <a:rPr lang="nl-BE" dirty="0"/>
+              <a:rPr lang="nl-BE" sz="3200" dirty="0"/>
               <a:t>The problem</a:t>
             </a:r>
           </a:p>
           <a:p>
             <a:r>
-              <a:rPr lang="nl-BE" dirty="0"/>
+              <a:rPr lang="nl-BE" sz="3200" dirty="0"/>
               <a:t>The solution</a:t>
             </a:r>
           </a:p>
           <a:p>
             <a:r>
-              <a:rPr lang="nl-BE" dirty="0"/>
+              <a:rPr lang="nl-BE" sz="3200" dirty="0"/>
               <a:t>The consequences</a:t>
             </a:r>
           </a:p>

--- a/patterns.pptx
+++ b/patterns.pptx
@@ -5,51 +5,50 @@
     <p:sldMasterId id="2147483672" r:id="rId1"/>
   </p:sldMasterIdLst>
   <p:notesMasterIdLst>
-    <p:notesMasterId r:id="rId44"/>
+    <p:notesMasterId r:id="rId43"/>
   </p:notesMasterIdLst>
   <p:sldIdLst>
     <p:sldId id="256" r:id="rId2"/>
     <p:sldId id="257" r:id="rId3"/>
-    <p:sldId id="277" r:id="rId4"/>
-    <p:sldId id="282" r:id="rId5"/>
-    <p:sldId id="280" r:id="rId6"/>
-    <p:sldId id="260" r:id="rId7"/>
-    <p:sldId id="279" r:id="rId8"/>
-    <p:sldId id="286" r:id="rId9"/>
-    <p:sldId id="300" r:id="rId10"/>
-    <p:sldId id="258" r:id="rId11"/>
-    <p:sldId id="295" r:id="rId12"/>
-    <p:sldId id="271" r:id="rId13"/>
-    <p:sldId id="296" r:id="rId14"/>
-    <p:sldId id="284" r:id="rId15"/>
-    <p:sldId id="285" r:id="rId16"/>
-    <p:sldId id="301" r:id="rId17"/>
-    <p:sldId id="287" r:id="rId18"/>
-    <p:sldId id="270" r:id="rId19"/>
-    <p:sldId id="297" r:id="rId20"/>
-    <p:sldId id="288" r:id="rId21"/>
-    <p:sldId id="291" r:id="rId22"/>
-    <p:sldId id="272" r:id="rId23"/>
-    <p:sldId id="292" r:id="rId24"/>
-    <p:sldId id="269" r:id="rId25"/>
-    <p:sldId id="263" r:id="rId26"/>
-    <p:sldId id="294" r:id="rId27"/>
-    <p:sldId id="265" r:id="rId28"/>
-    <p:sldId id="278" r:id="rId29"/>
-    <p:sldId id="281" r:id="rId30"/>
-    <p:sldId id="302" r:id="rId31"/>
-    <p:sldId id="266" r:id="rId32"/>
-    <p:sldId id="293" r:id="rId33"/>
-    <p:sldId id="267" r:id="rId34"/>
-    <p:sldId id="303" r:id="rId35"/>
-    <p:sldId id="304" r:id="rId36"/>
-    <p:sldId id="306" r:id="rId37"/>
-    <p:sldId id="305" r:id="rId38"/>
-    <p:sldId id="283" r:id="rId39"/>
-    <p:sldId id="298" r:id="rId40"/>
-    <p:sldId id="289" r:id="rId41"/>
-    <p:sldId id="299" r:id="rId42"/>
-    <p:sldId id="290" r:id="rId43"/>
+    <p:sldId id="283" r:id="rId4"/>
+    <p:sldId id="277" r:id="rId5"/>
+    <p:sldId id="282" r:id="rId6"/>
+    <p:sldId id="280" r:id="rId7"/>
+    <p:sldId id="260" r:id="rId8"/>
+    <p:sldId id="279" r:id="rId9"/>
+    <p:sldId id="286" r:id="rId10"/>
+    <p:sldId id="265" r:id="rId11"/>
+    <p:sldId id="285" r:id="rId12"/>
+    <p:sldId id="301" r:id="rId13"/>
+    <p:sldId id="287" r:id="rId14"/>
+    <p:sldId id="270" r:id="rId15"/>
+    <p:sldId id="300" r:id="rId16"/>
+    <p:sldId id="258" r:id="rId17"/>
+    <p:sldId id="295" r:id="rId18"/>
+    <p:sldId id="271" r:id="rId19"/>
+    <p:sldId id="296" r:id="rId20"/>
+    <p:sldId id="284" r:id="rId21"/>
+    <p:sldId id="297" r:id="rId22"/>
+    <p:sldId id="288" r:id="rId23"/>
+    <p:sldId id="298" r:id="rId24"/>
+    <p:sldId id="289" r:id="rId25"/>
+    <p:sldId id="299" r:id="rId26"/>
+    <p:sldId id="290" r:id="rId27"/>
+    <p:sldId id="291" r:id="rId28"/>
+    <p:sldId id="272" r:id="rId29"/>
+    <p:sldId id="292" r:id="rId30"/>
+    <p:sldId id="269" r:id="rId31"/>
+    <p:sldId id="263" r:id="rId32"/>
+    <p:sldId id="294" r:id="rId33"/>
+    <p:sldId id="278" r:id="rId34"/>
+    <p:sldId id="281" r:id="rId35"/>
+    <p:sldId id="266" r:id="rId36"/>
+    <p:sldId id="293" r:id="rId37"/>
+    <p:sldId id="267" r:id="rId38"/>
+    <p:sldId id="303" r:id="rId39"/>
+    <p:sldId id="304" r:id="rId40"/>
+    <p:sldId id="306" r:id="rId41"/>
+    <p:sldId id="305" r:id="rId42"/>
   </p:sldIdLst>
   <p:sldSz cx="9144000" cy="6858000" type="screen4x3"/>
   <p:notesSz cx="6858000" cy="9144000"/>
@@ -149,6 +148,71 @@
     </a:lvl9pPr>
   </p:defaultTextStyle>
   <p:extLst>
+    <p:ext uri="{521415D9-36F7-43E2-AB2F-B90AF26B5E84}">
+      <p14:sectionLst xmlns:p14="http://schemas.microsoft.com/office/powerpoint/2010/main">
+        <p14:section name="Default Section" id="{7FEA2F00-5813-493E-9F23-E4682E0B5940}">
+          <p14:sldIdLst>
+            <p14:sldId id="256"/>
+            <p14:sldId id="257"/>
+            <p14:sldId id="283"/>
+          </p14:sldIdLst>
+        </p14:section>
+        <p14:section name="Pattern Definition" id="{3D860DC2-9C02-46EB-944F-C1C04681E4FF}">
+          <p14:sldIdLst>
+            <p14:sldId id="277"/>
+            <p14:sldId id="282"/>
+            <p14:sldId id="280"/>
+            <p14:sldId id="260"/>
+            <p14:sldId id="279"/>
+            <p14:sldId id="286"/>
+            <p14:sldId id="265"/>
+          </p14:sldIdLst>
+        </p14:section>
+        <p14:section name="Patterns with ex" id="{BFF1B479-2E16-4C59-87EA-20E6C96BE232}">
+          <p14:sldIdLst>
+            <p14:sldId id="285"/>
+            <p14:sldId id="301"/>
+            <p14:sldId id="287"/>
+            <p14:sldId id="270"/>
+          </p14:sldIdLst>
+        </p14:section>
+        <p14:section name="SOLID" id="{142C7582-A132-4302-BBD9-08B948EE975D}">
+          <p14:sldIdLst>
+            <p14:sldId id="300"/>
+            <p14:sldId id="258"/>
+            <p14:sldId id="295"/>
+            <p14:sldId id="271"/>
+            <p14:sldId id="296"/>
+            <p14:sldId id="284"/>
+            <p14:sldId id="297"/>
+            <p14:sldId id="288"/>
+            <p14:sldId id="298"/>
+            <p14:sldId id="289"/>
+            <p14:sldId id="299"/>
+            <p14:sldId id="290"/>
+          </p14:sldIdLst>
+        </p14:section>
+        <p14:section name="Extra Patterns" id="{B83BCF37-CED9-4B91-956C-DC481B9EC232}">
+          <p14:sldIdLst>
+            <p14:sldId id="291"/>
+            <p14:sldId id="272"/>
+            <p14:sldId id="292"/>
+            <p14:sldId id="269"/>
+            <p14:sldId id="263"/>
+            <p14:sldId id="294"/>
+            <p14:sldId id="278"/>
+            <p14:sldId id="281"/>
+            <p14:sldId id="266"/>
+            <p14:sldId id="293"/>
+            <p14:sldId id="267"/>
+            <p14:sldId id="303"/>
+            <p14:sldId id="304"/>
+            <p14:sldId id="306"/>
+            <p14:sldId id="305"/>
+          </p14:sldIdLst>
+        </p14:section>
+      </p14:sectionLst>
+    </p:ext>
     <p:ext uri="{EFAFB233-063F-42B5-8137-9DF3F51BA10A}">
       <p15:sldGuideLst xmlns:p15="http://schemas.microsoft.com/office/powerpoint/2012/main">
         <p15:guide id="1" orient="horz" pos="2160">
@@ -249,7 +313,7 @@
           <a:p>
             <a:fld id="{43E17C24-FDB9-4F3A-B106-45DFAE875522}" type="datetimeFigureOut">
               <a:rPr lang="nl-BE" smtClean="0"/>
-              <a:t>28/01/2019</a:t>
+              <a:t>29/01/2019</a:t>
             </a:fld>
             <a:endParaRPr lang="nl-BE"/>
           </a:p>
@@ -645,14 +709,26 @@
           <a:bodyPr/>
           <a:lstStyle/>
           <a:p>
+            <a:pPr>
+              <a:buFontTx/>
+              <a:buChar char="-"/>
+            </a:pPr>
             <a:r>
               <a:rPr lang="nl-BE" dirty="0"/>
-              <a:t>Robert C. Martin (Uncle Bob) – Agile Principles,</a:t>
-            </a:r>
-            <a:r>
-              <a:rPr lang="nl-BE" baseline="0" dirty="0"/>
-              <a:t> Patterns and Practices</a:t>
-            </a:r>
+              <a:t>Overuse</a:t>
+            </a:r>
+          </a:p>
+          <a:p>
+            <a:pPr>
+              <a:buFontTx/>
+              <a:buChar char="-"/>
+            </a:pPr>
+            <a:r>
+              <a:rPr lang="nl-BE" dirty="0"/>
+              <a:t>Misuse</a:t>
+            </a:r>
+          </a:p>
+          <a:p>
             <a:endParaRPr lang="nl-BE" dirty="0"/>
           </a:p>
         </p:txBody>
@@ -683,7 +759,7 @@
     </p:spTree>
     <p:extLst>
       <p:ext uri="{BB962C8B-B14F-4D97-AF65-F5344CB8AC3E}">
-        <p14:creationId xmlns:p14="http://schemas.microsoft.com/office/powerpoint/2010/main" val="3951032796"/>
+        <p14:creationId xmlns:p14="http://schemas.microsoft.com/office/powerpoint/2010/main" val="876647275"/>
       </p:ext>
     </p:extLst>
   </p:cSld>
@@ -737,200 +813,56 @@
           <a:bodyPr/>
           <a:lstStyle/>
           <a:p>
-            <a:pPr marL="0" marR="0" lvl="2" indent="0" algn="l" defTabSz="914400" rtl="0" eaLnBrk="1" fontAlgn="auto" latinLnBrk="0" hangingPunct="1">
-              <a:lnSpc>
-                <a:spcPct val="100000"/>
-              </a:lnSpc>
-              <a:spcBef>
-                <a:spcPts val="0"/>
-              </a:spcBef>
-              <a:spcAft>
-                <a:spcPts val="0"/>
-              </a:spcAft>
-              <a:buClrTx/>
-              <a:buSzTx/>
-              <a:buFontTx/>
-              <a:buNone/>
-              <a:tabLst/>
-              <a:defRPr/>
-            </a:pPr>
             <a:r>
               <a:rPr lang="nl-BE" dirty="0"/>
-              <a:t>Also described as Cohesion (Tom DeMarco)</a:t>
-            </a:r>
-          </a:p>
-          <a:p>
-            <a:pPr marL="0" marR="0" lvl="2" indent="0" algn="l" defTabSz="914400" rtl="0" eaLnBrk="1" fontAlgn="auto" latinLnBrk="0" hangingPunct="1">
-              <a:lnSpc>
-                <a:spcPct val="100000"/>
-              </a:lnSpc>
-              <a:spcBef>
-                <a:spcPts val="0"/>
-              </a:spcBef>
-              <a:spcAft>
-                <a:spcPts val="0"/>
-              </a:spcAft>
-              <a:buClrTx/>
-              <a:buSzTx/>
-              <a:buFontTx/>
-              <a:buNone/>
-              <a:tabLst/>
-              <a:defRPr/>
-            </a:pPr>
+              <a:t>Class Behavioral GoF Pattern</a:t>
+            </a:r>
+          </a:p>
+          <a:p>
             <a:endParaRPr lang="nl-BE" dirty="0"/>
           </a:p>
           <a:p>
-            <a:pPr marL="0" marR="0" lvl="2" indent="0" algn="l" defTabSz="914400" rtl="0" eaLnBrk="1" fontAlgn="auto" latinLnBrk="0" hangingPunct="1">
-              <a:lnSpc>
-                <a:spcPct val="100000"/>
-              </a:lnSpc>
-              <a:spcBef>
-                <a:spcPts val="0"/>
-              </a:spcBef>
-              <a:spcAft>
-                <a:spcPts val="0"/>
-              </a:spcAft>
-              <a:buClrTx/>
-              <a:buSzTx/>
-              <a:buFontTx/>
-              <a:buNone/>
-              <a:tabLst/>
-              <a:defRPr/>
-            </a:pPr>
             <a:r>
               <a:rPr lang="nl-BE" dirty="0"/>
-              <a:t>A</a:t>
+              <a:t>Applicability: Implement the invariant parts</a:t>
             </a:r>
             <a:r>
               <a:rPr lang="nl-BE" baseline="0" dirty="0"/>
-              <a:t> class or method that does computations AND display</a:t>
-            </a:r>
-          </a:p>
-          <a:p>
-            <a:pPr marL="171450" marR="0" lvl="2" indent="-171450" algn="l" defTabSz="914400" rtl="0" eaLnBrk="1" fontAlgn="auto" latinLnBrk="0" hangingPunct="1">
-              <a:lnSpc>
-                <a:spcPct val="100000"/>
-              </a:lnSpc>
-              <a:spcBef>
-                <a:spcPts val="0"/>
-              </a:spcBef>
-              <a:spcAft>
-                <a:spcPts val="0"/>
-              </a:spcAft>
-              <a:buClrTx/>
-              <a:buSzTx/>
-              <a:buFont typeface="Wingdings"/>
-              <a:buChar char="à"/>
-              <a:tabLst/>
-              <a:defRPr/>
-            </a:pPr>
+              <a:t> of an algorithm once and leave it up to subclasses to implement the behavior that can vary.</a:t>
+            </a:r>
+            <a:endParaRPr lang="nl-BE" dirty="0"/>
+          </a:p>
+          <a:p>
+            <a:endParaRPr lang="nl-BE" dirty="0"/>
+          </a:p>
+          <a:p>
+            <a:r>
+              <a:rPr lang="nl-BE" dirty="0"/>
+              <a:t>Consequences: The Hollywoord</a:t>
+            </a:r>
+            <a:r>
+              <a:rPr lang="nl-BE" baseline="0" dirty="0"/>
+              <a:t> Principle: “Don’t call us, we’ll call you” </a:t>
+            </a:r>
             <a:r>
               <a:rPr lang="nl-BE" baseline="0" dirty="0">
                 <a:sym typeface="Wingdings" pitchFamily="2" charset="2"/>
               </a:rPr>
-              <a:t>The computation and display gets mixed</a:t>
-            </a:r>
-          </a:p>
-          <a:p>
-            <a:pPr marL="171450" marR="0" lvl="2" indent="-171450" algn="l" defTabSz="914400" rtl="0" eaLnBrk="1" fontAlgn="auto" latinLnBrk="0" hangingPunct="1">
-              <a:lnSpc>
-                <a:spcPct val="100000"/>
-              </a:lnSpc>
-              <a:spcBef>
-                <a:spcPts val="0"/>
-              </a:spcBef>
-              <a:spcAft>
-                <a:spcPts val="0"/>
-              </a:spcAft>
-              <a:buClrTx/>
-              <a:buSzTx/>
-              <a:buFont typeface="Wingdings"/>
-              <a:buChar char="à"/>
-              <a:tabLst/>
-              <a:defRPr/>
-            </a:pPr>
+              <a:t> The Parent class calls the methods defines in the subclass and not the other way around.</a:t>
+            </a:r>
+          </a:p>
+          <a:p>
+            <a:endParaRPr lang="nl-BE" baseline="0" dirty="0">
+              <a:sym typeface="Wingdings" pitchFamily="2" charset="2"/>
+            </a:endParaRPr>
+          </a:p>
+          <a:p>
             <a:r>
               <a:rPr lang="nl-BE" baseline="0" dirty="0">
                 <a:sym typeface="Wingdings" pitchFamily="2" charset="2"/>
               </a:rPr>
-              <a:t>When a change to the computation is required  We need to also alter the display code (since it’s mixed)  We will need to retest the display AND the new computation</a:t>
-            </a:r>
-          </a:p>
-          <a:p>
-            <a:pPr marL="171450" marR="0" lvl="2" indent="-171450" algn="l" defTabSz="914400" rtl="0" eaLnBrk="1" fontAlgn="auto" latinLnBrk="0" hangingPunct="1">
-              <a:lnSpc>
-                <a:spcPct val="100000"/>
-              </a:lnSpc>
-              <a:spcBef>
-                <a:spcPts val="0"/>
-              </a:spcBef>
-              <a:spcAft>
-                <a:spcPts val="0"/>
-              </a:spcAft>
-              <a:buClrTx/>
-              <a:buSzTx/>
-              <a:buFont typeface="Wingdings"/>
-              <a:buChar char="à"/>
-              <a:tabLst/>
-              <a:defRPr/>
-            </a:pPr>
-            <a:r>
-              <a:rPr lang="nl-BE" baseline="0" dirty="0">
-                <a:sym typeface="Wingdings" pitchFamily="2" charset="2"/>
-              </a:rPr>
-              <a:t>It becomes difficult to add a new display (GUI, Report, Export, Graph, ...)</a:t>
-            </a:r>
-            <a:endParaRPr lang="nl-BE" dirty="0"/>
-          </a:p>
-          <a:p>
-            <a:pPr marL="0" marR="0" lvl="2" indent="0" algn="l" defTabSz="914400" rtl="0" eaLnBrk="1" fontAlgn="auto" latinLnBrk="0" hangingPunct="1">
-              <a:lnSpc>
-                <a:spcPct val="100000"/>
-              </a:lnSpc>
-              <a:spcBef>
-                <a:spcPts val="0"/>
-              </a:spcBef>
-              <a:spcAft>
-                <a:spcPts val="0"/>
-              </a:spcAft>
-              <a:buClrTx/>
-              <a:buSzTx/>
-              <a:buFontTx/>
-              <a:buNone/>
-              <a:tabLst/>
-              <a:defRPr/>
-            </a:pPr>
-            <a:endParaRPr lang="nl-BE" dirty="0"/>
-          </a:p>
-          <a:p>
-            <a:pPr marL="0" marR="0" lvl="2" indent="0" algn="l" defTabSz="914400" rtl="0" eaLnBrk="1" fontAlgn="auto" latinLnBrk="0" hangingPunct="1">
-              <a:lnSpc>
-                <a:spcPct val="100000"/>
-              </a:lnSpc>
-              <a:spcBef>
-                <a:spcPts val="0"/>
-              </a:spcBef>
-              <a:spcAft>
-                <a:spcPts val="0"/>
-              </a:spcAft>
-              <a:buClrTx/>
-              <a:buSzTx/>
-              <a:buFontTx/>
-              <a:buNone/>
-              <a:tabLst/>
-              <a:defRPr/>
-            </a:pPr>
-            <a:r>
-              <a:rPr lang="nl-BE" dirty="0"/>
-              <a:t>Persistance is often mixed with model </a:t>
-            </a:r>
-            <a:r>
-              <a:rPr lang="nl-BE" dirty="0">
-                <a:sym typeface="Wingdings" pitchFamily="2" charset="2"/>
-              </a:rPr>
-              <a:t> Persistance code is scattered everywhere. Domain Model &amp; DAL together. Use a Repository instead?</a:t>
-            </a:r>
-            <a:endParaRPr lang="nl-BE" dirty="0"/>
+              <a:t>.NET Guideline: Add “Core” to the name of the protected virtual method. (Framework Design Guidelines)</a:t>
+            </a:r>
           </a:p>
           <a:p>
             <a:endParaRPr lang="nl-BE" dirty="0"/>
@@ -963,7 +895,7 @@
     </p:spTree>
     <p:extLst>
       <p:ext uri="{BB962C8B-B14F-4D97-AF65-F5344CB8AC3E}">
-        <p14:creationId xmlns:p14="http://schemas.microsoft.com/office/powerpoint/2010/main" val="3522447314"/>
+        <p14:creationId xmlns:p14="http://schemas.microsoft.com/office/powerpoint/2010/main" val="3651330409"/>
       </p:ext>
     </p:extLst>
   </p:cSld>
@@ -1017,202 +949,28 @@
           <a:bodyPr/>
           <a:lstStyle/>
           <a:p>
-            <a:pPr marL="0" marR="0" lvl="2" indent="0" algn="l" defTabSz="914400" rtl="0" eaLnBrk="1" fontAlgn="auto" latinLnBrk="0" hangingPunct="1">
-              <a:lnSpc>
-                <a:spcPct val="100000"/>
-              </a:lnSpc>
-              <a:spcBef>
-                <a:spcPts val="0"/>
-              </a:spcBef>
-              <a:spcAft>
-                <a:spcPts val="0"/>
-              </a:spcAft>
-              <a:buClrTx/>
-              <a:buSzTx/>
+            <a:pPr marL="171450" indent="-171450">
               <a:buFontTx/>
-              <a:buNone/>
-              <a:tabLst/>
-              <a:defRPr/>
+              <a:buChar char="-"/>
             </a:pPr>
             <a:r>
               <a:rPr lang="nl-BE" dirty="0"/>
-              <a:t>Also described as Cohesion (Tom DeMarco)</a:t>
-            </a:r>
-          </a:p>
-          <a:p>
-            <a:pPr marL="0" marR="0" lvl="2" indent="0" algn="l" defTabSz="914400" rtl="0" eaLnBrk="1" fontAlgn="auto" latinLnBrk="0" hangingPunct="1">
-              <a:lnSpc>
-                <a:spcPct val="100000"/>
-              </a:lnSpc>
-              <a:spcBef>
-                <a:spcPts val="0"/>
-              </a:spcBef>
-              <a:spcAft>
-                <a:spcPts val="0"/>
-              </a:spcAft>
-              <a:buClrTx/>
-              <a:buSzTx/>
+              <a:t>Rule of three (Refactoring – Martin Fowler)</a:t>
+            </a:r>
+          </a:p>
+          <a:p>
+            <a:pPr marL="171450" indent="-171450">
               <a:buFontTx/>
-              <a:buNone/>
-              <a:tabLst/>
-              <a:defRPr/>
+              <a:buChar char="-"/>
             </a:pPr>
-            <a:endParaRPr lang="nl-BE" dirty="0"/>
-          </a:p>
-          <a:p>
-            <a:pPr marL="0" marR="0" lvl="2" indent="0" algn="l" defTabSz="914400" rtl="0" eaLnBrk="1" fontAlgn="auto" latinLnBrk="0" hangingPunct="1">
-              <a:lnSpc>
-                <a:spcPct val="100000"/>
-              </a:lnSpc>
-              <a:spcBef>
-                <a:spcPts val="0"/>
-              </a:spcBef>
-              <a:spcAft>
-                <a:spcPts val="0"/>
-              </a:spcAft>
-              <a:buClrTx/>
-              <a:buSzTx/>
-              <a:buFontTx/>
-              <a:buNone/>
-              <a:tabLst/>
-              <a:defRPr/>
-            </a:pPr>
             <a:r>
               <a:rPr lang="nl-BE" dirty="0"/>
-              <a:t>A</a:t>
+              <a:t>Single Source of</a:t>
             </a:r>
             <a:r>
               <a:rPr lang="nl-BE" baseline="0" dirty="0"/>
-              <a:t> class or method that does computations AND display</a:t>
-            </a:r>
-          </a:p>
-          <a:p>
-            <a:pPr marL="171450" marR="0" lvl="2" indent="-171450" algn="l" defTabSz="914400" rtl="0" eaLnBrk="1" fontAlgn="auto" latinLnBrk="0" hangingPunct="1">
-              <a:lnSpc>
-                <a:spcPct val="100000"/>
-              </a:lnSpc>
-              <a:spcBef>
-                <a:spcPts val="0"/>
-              </a:spcBef>
-              <a:spcAft>
-                <a:spcPts val="0"/>
-              </a:spcAft>
-              <a:buClrTx/>
-              <a:buSzTx/>
-              <a:buFont typeface="Wingdings"/>
-              <a:buChar char="à"/>
-              <a:tabLst/>
-              <a:defRPr/>
-            </a:pPr>
-            <a:r>
-              <a:rPr lang="nl-BE" baseline="0" dirty="0">
-                <a:sym typeface="Wingdings" pitchFamily="2" charset="2"/>
-              </a:rPr>
-              <a:t>The computation and display gets mixed</a:t>
-            </a:r>
-          </a:p>
-          <a:p>
-            <a:pPr marL="171450" marR="0" lvl="2" indent="-171450" algn="l" defTabSz="914400" rtl="0" eaLnBrk="1" fontAlgn="auto" latinLnBrk="0" hangingPunct="1">
-              <a:lnSpc>
-                <a:spcPct val="100000"/>
-              </a:lnSpc>
-              <a:spcBef>
-                <a:spcPts val="0"/>
-              </a:spcBef>
-              <a:spcAft>
-                <a:spcPts val="0"/>
-              </a:spcAft>
-              <a:buClrTx/>
-              <a:buSzTx/>
-              <a:buFont typeface="Wingdings"/>
-              <a:buChar char="à"/>
-              <a:tabLst/>
-              <a:defRPr/>
-            </a:pPr>
-            <a:r>
-              <a:rPr lang="nl-BE" baseline="0" dirty="0">
-                <a:sym typeface="Wingdings" pitchFamily="2" charset="2"/>
-              </a:rPr>
-              <a:t>When a change to the computation is required  We need to also alter the display code (since it’s mixed)  We will need to retest the display AND the new computation</a:t>
-            </a:r>
-          </a:p>
-          <a:p>
-            <a:pPr marL="171450" marR="0" lvl="2" indent="-171450" algn="l" defTabSz="914400" rtl="0" eaLnBrk="1" fontAlgn="auto" latinLnBrk="0" hangingPunct="1">
-              <a:lnSpc>
-                <a:spcPct val="100000"/>
-              </a:lnSpc>
-              <a:spcBef>
-                <a:spcPts val="0"/>
-              </a:spcBef>
-              <a:spcAft>
-                <a:spcPts val="0"/>
-              </a:spcAft>
-              <a:buClrTx/>
-              <a:buSzTx/>
-              <a:buFont typeface="Wingdings"/>
-              <a:buChar char="à"/>
-              <a:tabLst/>
-              <a:defRPr/>
-            </a:pPr>
-            <a:r>
-              <a:rPr lang="nl-BE" baseline="0" dirty="0">
-                <a:sym typeface="Wingdings" pitchFamily="2" charset="2"/>
-              </a:rPr>
-              <a:t>It becomes difficult to add a new display (GUI, Report, Export, Graph, ...)</a:t>
-            </a:r>
-            <a:endParaRPr lang="nl-BE" dirty="0"/>
-          </a:p>
-          <a:p>
-            <a:pPr marL="0" marR="0" lvl="2" indent="0" algn="l" defTabSz="914400" rtl="0" eaLnBrk="1" fontAlgn="auto" latinLnBrk="0" hangingPunct="1">
-              <a:lnSpc>
-                <a:spcPct val="100000"/>
-              </a:lnSpc>
-              <a:spcBef>
-                <a:spcPts val="0"/>
-              </a:spcBef>
-              <a:spcAft>
-                <a:spcPts val="0"/>
-              </a:spcAft>
-              <a:buClrTx/>
-              <a:buSzTx/>
-              <a:buFontTx/>
-              <a:buNone/>
-              <a:tabLst/>
-              <a:defRPr/>
-            </a:pPr>
-            <a:endParaRPr lang="nl-BE" dirty="0"/>
-          </a:p>
-          <a:p>
-            <a:pPr marL="0" marR="0" lvl="2" indent="0" algn="l" defTabSz="914400" rtl="0" eaLnBrk="1" fontAlgn="auto" latinLnBrk="0" hangingPunct="1">
-              <a:lnSpc>
-                <a:spcPct val="100000"/>
-              </a:lnSpc>
-              <a:spcBef>
-                <a:spcPts val="0"/>
-              </a:spcBef>
-              <a:spcAft>
-                <a:spcPts val="0"/>
-              </a:spcAft>
-              <a:buClrTx/>
-              <a:buSzTx/>
-              <a:buFontTx/>
-              <a:buNone/>
-              <a:tabLst/>
-              <a:defRPr/>
-            </a:pPr>
-            <a:r>
-              <a:rPr lang="nl-BE" dirty="0"/>
-              <a:t>Persistance is often mixed with model </a:t>
-            </a:r>
-            <a:r>
-              <a:rPr lang="nl-BE" dirty="0">
-                <a:sym typeface="Wingdings" pitchFamily="2" charset="2"/>
-              </a:rPr>
-              <a:t> Persistance code is scattered everywhere. Domain Model &amp; DAL together. Use a Repository instead?</a:t>
-            </a:r>
-            <a:endParaRPr lang="nl-BE" dirty="0"/>
-          </a:p>
-          <a:p>
+              <a:t> Truth</a:t>
+            </a:r>
             <a:endParaRPr lang="nl-BE" dirty="0"/>
           </a:p>
         </p:txBody>
@@ -1243,7 +1001,7 @@
     </p:spTree>
     <p:extLst>
       <p:ext uri="{BB962C8B-B14F-4D97-AF65-F5344CB8AC3E}">
-        <p14:creationId xmlns:p14="http://schemas.microsoft.com/office/powerpoint/2010/main" val="3522447314"/>
+        <p14:creationId xmlns:p14="http://schemas.microsoft.com/office/powerpoint/2010/main" val="344695248"/>
       </p:ext>
     </p:extLst>
   </p:cSld>
@@ -1299,11 +1057,11 @@
           <a:p>
             <a:r>
               <a:rPr lang="nl-BE" dirty="0"/>
-              <a:t>Coined by Bertrand</a:t>
+              <a:t>Class Creational GoF</a:t>
             </a:r>
             <a:r>
               <a:rPr lang="nl-BE" baseline="0" dirty="0"/>
-              <a:t> Meyer</a:t>
+              <a:t> Pattern</a:t>
             </a:r>
           </a:p>
           <a:p>
@@ -1312,9 +1070,44 @@
           <a:p>
             <a:r>
               <a:rPr lang="nl-BE" baseline="0" dirty="0"/>
-              <a:t>YAGNI: You Ain’t Gonna Need It – Be very careful when designing for the Open/Closed Principle. Not everything is going to change! Know your customer or the Domain to anticipate axis of change.</a:t>
-            </a:r>
-            <a:endParaRPr lang="nl-BE" dirty="0"/>
+              <a:t>Also known as: Virtual Constructor</a:t>
+            </a:r>
+          </a:p>
+          <a:p>
+            <a:endParaRPr lang="nl-BE" baseline="0" dirty="0"/>
+          </a:p>
+          <a:p>
+            <a:r>
+              <a:rPr lang="nl-BE" baseline="0" dirty="0"/>
+              <a:t>Consequences:</a:t>
+            </a:r>
+          </a:p>
+          <a:p>
+            <a:pPr marL="171450" indent="-171450">
+              <a:buFontTx/>
+              <a:buChar char="-"/>
+            </a:pPr>
+            <a:r>
+              <a:rPr lang="nl-BE" baseline="0" dirty="0"/>
+              <a:t>Provides hooks for subclasses</a:t>
+            </a:r>
+          </a:p>
+          <a:p>
+            <a:pPr marL="171450" indent="-171450">
+              <a:buFontTx/>
+              <a:buChar char="-"/>
+            </a:pPr>
+            <a:r>
+              <a:rPr lang="nl-BE" baseline="0" dirty="0"/>
+              <a:t>Connects parallel class hierarchies</a:t>
+            </a:r>
+          </a:p>
+          <a:p>
+            <a:pPr marL="171450" indent="-171450">
+              <a:buFontTx/>
+              <a:buChar char="-"/>
+            </a:pPr>
+            <a:endParaRPr lang="nl-BE" baseline="0" dirty="0"/>
           </a:p>
         </p:txBody>
       </p:sp>
@@ -1344,7 +1137,7 @@
     </p:spTree>
     <p:extLst>
       <p:ext uri="{BB962C8B-B14F-4D97-AF65-F5344CB8AC3E}">
-        <p14:creationId xmlns:p14="http://schemas.microsoft.com/office/powerpoint/2010/main" val="2530303709"/>
+        <p14:creationId xmlns:p14="http://schemas.microsoft.com/office/powerpoint/2010/main" val="3369678398"/>
       </p:ext>
     </p:extLst>
   </p:cSld>
@@ -1400,11 +1193,11 @@
           <a:p>
             <a:r>
               <a:rPr lang="nl-BE" dirty="0"/>
-              <a:t>Coined by Bertrand</a:t>
+              <a:t>Object Behavioral</a:t>
             </a:r>
             <a:r>
               <a:rPr lang="nl-BE" baseline="0" dirty="0"/>
-              <a:t> Meyer</a:t>
+              <a:t> GoF Pattern</a:t>
             </a:r>
           </a:p>
           <a:p>
@@ -1413,8 +1206,32 @@
           <a:p>
             <a:r>
               <a:rPr lang="nl-BE" baseline="0" dirty="0"/>
-              <a:t>YAGNI: You Ain’t Gonna Need It – Be very careful when designing for the Open/Closed Principle. Not everything is going to change! Know your customer or the Domain to anticipate the axis of change.</a:t>
-            </a:r>
+              <a:t>Also known as: Policy</a:t>
+            </a:r>
+            <a:endParaRPr lang="nl-BE" dirty="0"/>
+          </a:p>
+          <a:p>
+            <a:endParaRPr lang="nl-BE" dirty="0"/>
+          </a:p>
+          <a:p>
+            <a:r>
+              <a:rPr lang="nl-BE" dirty="0"/>
+              <a:t>Discount example (UML&amp;Patterns)</a:t>
+            </a:r>
+          </a:p>
+          <a:p>
+            <a:r>
+              <a:rPr lang="nl-BE" dirty="0"/>
+              <a:t>Command: Een actie als Strategy. Different intent!</a:t>
+            </a:r>
+          </a:p>
+          <a:p>
+            <a:r>
+              <a:rPr lang="nl-BE" dirty="0"/>
+              <a:t>Composite: Groep stratgies (meerdere commands, ook bij discount)</a:t>
+            </a:r>
+          </a:p>
+          <a:p>
             <a:endParaRPr lang="nl-BE" dirty="0"/>
           </a:p>
         </p:txBody>
@@ -1445,7 +1262,7 @@
     </p:spTree>
     <p:extLst>
       <p:ext uri="{BB962C8B-B14F-4D97-AF65-F5344CB8AC3E}">
-        <p14:creationId xmlns:p14="http://schemas.microsoft.com/office/powerpoint/2010/main" val="2530303709"/>
+        <p14:creationId xmlns:p14="http://schemas.microsoft.com/office/powerpoint/2010/main" val="2111665257"/>
       </p:ext>
     </p:extLst>
   </p:cSld>
@@ -1501,56 +1318,12 @@
           <a:p>
             <a:r>
               <a:rPr lang="nl-BE" dirty="0"/>
-              <a:t>Class Behavioral GoF Pattern</a:t>
-            </a:r>
-          </a:p>
-          <a:p>
-            <a:endParaRPr lang="nl-BE" dirty="0"/>
-          </a:p>
-          <a:p>
-            <a:r>
-              <a:rPr lang="nl-BE" dirty="0"/>
-              <a:t>Applicability: Implement the invariant parts</a:t>
+              <a:t>Robert C. Martin (Uncle Bob) – Agile Principles,</a:t>
             </a:r>
             <a:r>
               <a:rPr lang="nl-BE" baseline="0" dirty="0"/>
-              <a:t> of an algorithm once and leave it up to subclasses to implement the behavior that can vary.</a:t>
-            </a:r>
-            <a:endParaRPr lang="nl-BE" dirty="0"/>
-          </a:p>
-          <a:p>
-            <a:endParaRPr lang="nl-BE" dirty="0"/>
-          </a:p>
-          <a:p>
-            <a:r>
-              <a:rPr lang="nl-BE" dirty="0"/>
-              <a:t>Consequences: The Hollywoord</a:t>
-            </a:r>
-            <a:r>
-              <a:rPr lang="nl-BE" baseline="0" dirty="0"/>
-              <a:t> Principle: “Don’t call us, we’ll call you” </a:t>
-            </a:r>
-            <a:r>
-              <a:rPr lang="nl-BE" baseline="0" dirty="0">
-                <a:sym typeface="Wingdings" pitchFamily="2" charset="2"/>
-              </a:rPr>
-              <a:t> The Parent class calls the methods defines in the subclass and not the other way around.</a:t>
-            </a:r>
-          </a:p>
-          <a:p>
-            <a:endParaRPr lang="nl-BE" baseline="0" dirty="0">
-              <a:sym typeface="Wingdings" pitchFamily="2" charset="2"/>
-            </a:endParaRPr>
-          </a:p>
-          <a:p>
-            <a:r>
-              <a:rPr lang="nl-BE" baseline="0" dirty="0">
-                <a:sym typeface="Wingdings" pitchFamily="2" charset="2"/>
-              </a:rPr>
-              <a:t>.NET Guideline: Add “Core” to the name of the protected virtual method. (Framework Design Guidelines)</a:t>
-            </a:r>
-          </a:p>
-          <a:p>
+              <a:t> Patterns and Practices</a:t>
+            </a:r>
             <a:endParaRPr lang="nl-BE" dirty="0"/>
           </a:p>
         </p:txBody>
@@ -1581,7 +1354,7 @@
     </p:spTree>
     <p:extLst>
       <p:ext uri="{BB962C8B-B14F-4D97-AF65-F5344CB8AC3E}">
-        <p14:creationId xmlns:p14="http://schemas.microsoft.com/office/powerpoint/2010/main" val="3651330409"/>
+        <p14:creationId xmlns:p14="http://schemas.microsoft.com/office/powerpoint/2010/main" val="3951032796"/>
       </p:ext>
     </p:extLst>
   </p:cSld>
@@ -1635,27 +1408,13 @@
           <a:bodyPr/>
           <a:lstStyle/>
           <a:p>
-            <a:pPr marL="171450" indent="-171450">
-              <a:buFontTx/>
-              <a:buChar char="-"/>
-            </a:pPr>
             <a:r>
               <a:rPr lang="nl-BE" dirty="0"/>
-              <a:t>Rule of three (Refactoring – Martin Fowler)</a:t>
-            </a:r>
-          </a:p>
-          <a:p>
-            <a:pPr marL="171450" indent="-171450">
-              <a:buFontTx/>
-              <a:buChar char="-"/>
-            </a:pPr>
-            <a:r>
-              <a:rPr lang="nl-BE" dirty="0"/>
-              <a:t>Single Source of</a:t>
+              <a:t>Robert C. Martin (Uncle Bob) – Agile Principles,</a:t>
             </a:r>
             <a:r>
               <a:rPr lang="nl-BE" baseline="0" dirty="0"/>
-              <a:t> Truth</a:t>
+              <a:t> Patterns and Practices</a:t>
             </a:r>
             <a:endParaRPr lang="nl-BE" dirty="0"/>
           </a:p>
@@ -1687,7 +1446,7 @@
     </p:spTree>
     <p:extLst>
       <p:ext uri="{BB962C8B-B14F-4D97-AF65-F5344CB8AC3E}">
-        <p14:creationId xmlns:p14="http://schemas.microsoft.com/office/powerpoint/2010/main" val="344695248"/>
+        <p14:creationId xmlns:p14="http://schemas.microsoft.com/office/powerpoint/2010/main" val="3951032796"/>
       </p:ext>
     </p:extLst>
   </p:cSld>
@@ -1741,59 +1500,203 @@
           <a:bodyPr/>
           <a:lstStyle/>
           <a:p>
+            <a:pPr marL="0" marR="0" lvl="2" indent="0" algn="l" defTabSz="914400" rtl="0" eaLnBrk="1" fontAlgn="auto" latinLnBrk="0" hangingPunct="1">
+              <a:lnSpc>
+                <a:spcPct val="100000"/>
+              </a:lnSpc>
+              <a:spcBef>
+                <a:spcPts val="0"/>
+              </a:spcBef>
+              <a:spcAft>
+                <a:spcPts val="0"/>
+              </a:spcAft>
+              <a:buClrTx/>
+              <a:buSzTx/>
+              <a:buFontTx/>
+              <a:buNone/>
+              <a:tabLst/>
+              <a:defRPr/>
+            </a:pPr>
             <a:r>
               <a:rPr lang="nl-BE" dirty="0"/>
-              <a:t>Class Creational GoF</a:t>
+              <a:t>Also described as Cohesion (Tom DeMarco)</a:t>
+            </a:r>
+          </a:p>
+          <a:p>
+            <a:pPr marL="0" marR="0" lvl="2" indent="0" algn="l" defTabSz="914400" rtl="0" eaLnBrk="1" fontAlgn="auto" latinLnBrk="0" hangingPunct="1">
+              <a:lnSpc>
+                <a:spcPct val="100000"/>
+              </a:lnSpc>
+              <a:spcBef>
+                <a:spcPts val="0"/>
+              </a:spcBef>
+              <a:spcAft>
+                <a:spcPts val="0"/>
+              </a:spcAft>
+              <a:buClrTx/>
+              <a:buSzTx/>
+              <a:buFontTx/>
+              <a:buNone/>
+              <a:tabLst/>
+              <a:defRPr/>
+            </a:pPr>
+            <a:endParaRPr lang="nl-BE" dirty="0"/>
+          </a:p>
+          <a:p>
+            <a:pPr marL="0" marR="0" lvl="2" indent="0" algn="l" defTabSz="914400" rtl="0" eaLnBrk="1" fontAlgn="auto" latinLnBrk="0" hangingPunct="1">
+              <a:lnSpc>
+                <a:spcPct val="100000"/>
+              </a:lnSpc>
+              <a:spcBef>
+                <a:spcPts val="0"/>
+              </a:spcBef>
+              <a:spcAft>
+                <a:spcPts val="0"/>
+              </a:spcAft>
+              <a:buClrTx/>
+              <a:buSzTx/>
+              <a:buFontTx/>
+              <a:buNone/>
+              <a:tabLst/>
+              <a:defRPr/>
+            </a:pPr>
+            <a:r>
+              <a:rPr lang="nl-BE" dirty="0"/>
+              <a:t>A</a:t>
             </a:r>
             <a:r>
               <a:rPr lang="nl-BE" baseline="0" dirty="0"/>
-              <a:t> Pattern</a:t>
-            </a:r>
-          </a:p>
-          <a:p>
-            <a:endParaRPr lang="nl-BE" baseline="0" dirty="0"/>
-          </a:p>
-          <a:p>
-            <a:r>
-              <a:rPr lang="nl-BE" baseline="0" dirty="0"/>
-              <a:t>Also known as: Virtual Constructor</a:t>
-            </a:r>
-          </a:p>
-          <a:p>
-            <a:endParaRPr lang="nl-BE" baseline="0" dirty="0"/>
-          </a:p>
-          <a:p>
-            <a:r>
-              <a:rPr lang="nl-BE" baseline="0" dirty="0"/>
-              <a:t>Consequences:</a:t>
-            </a:r>
-          </a:p>
-          <a:p>
-            <a:pPr marL="171450" indent="-171450">
+              <a:t> class or method that does computations AND display</a:t>
+            </a:r>
+          </a:p>
+          <a:p>
+            <a:pPr marL="171450" marR="0" lvl="2" indent="-171450" algn="l" defTabSz="914400" rtl="0" eaLnBrk="1" fontAlgn="auto" latinLnBrk="0" hangingPunct="1">
+              <a:lnSpc>
+                <a:spcPct val="100000"/>
+              </a:lnSpc>
+              <a:spcBef>
+                <a:spcPts val="0"/>
+              </a:spcBef>
+              <a:spcAft>
+                <a:spcPts val="0"/>
+              </a:spcAft>
+              <a:buClrTx/>
+              <a:buSzTx/>
+              <a:buFont typeface="Wingdings"/>
+              <a:buChar char="à"/>
+              <a:tabLst/>
+              <a:defRPr/>
+            </a:pPr>
+            <a:r>
+              <a:rPr lang="nl-BE" baseline="0" dirty="0">
+                <a:sym typeface="Wingdings" pitchFamily="2" charset="2"/>
+              </a:rPr>
+              <a:t>The computation and display gets mixed</a:t>
+            </a:r>
+          </a:p>
+          <a:p>
+            <a:pPr marL="171450" marR="0" lvl="2" indent="-171450" algn="l" defTabSz="914400" rtl="0" eaLnBrk="1" fontAlgn="auto" latinLnBrk="0" hangingPunct="1">
+              <a:lnSpc>
+                <a:spcPct val="100000"/>
+              </a:lnSpc>
+              <a:spcBef>
+                <a:spcPts val="0"/>
+              </a:spcBef>
+              <a:spcAft>
+                <a:spcPts val="0"/>
+              </a:spcAft>
+              <a:buClrTx/>
+              <a:buSzTx/>
+              <a:buFont typeface="Wingdings"/>
+              <a:buChar char="à"/>
+              <a:tabLst/>
+              <a:defRPr/>
+            </a:pPr>
+            <a:r>
+              <a:rPr lang="nl-BE" baseline="0" dirty="0">
+                <a:sym typeface="Wingdings" pitchFamily="2" charset="2"/>
+              </a:rPr>
+              <a:t>When a change to the computation is required  We need to also alter the display code (since it’s mixed)  We will need to retest the display AND the new computation</a:t>
+            </a:r>
+          </a:p>
+          <a:p>
+            <a:pPr marL="171450" marR="0" lvl="2" indent="-171450" algn="l" defTabSz="914400" rtl="0" eaLnBrk="1" fontAlgn="auto" latinLnBrk="0" hangingPunct="1">
+              <a:lnSpc>
+                <a:spcPct val="100000"/>
+              </a:lnSpc>
+              <a:spcBef>
+                <a:spcPts val="0"/>
+              </a:spcBef>
+              <a:spcAft>
+                <a:spcPts val="0"/>
+              </a:spcAft>
+              <a:buClrTx/>
+              <a:buSzTx/>
+              <a:buFont typeface="Wingdings"/>
+              <a:buChar char="à"/>
+              <a:tabLst/>
+              <a:defRPr/>
+            </a:pPr>
+            <a:r>
+              <a:rPr lang="nl-BE" baseline="0" dirty="0">
+                <a:sym typeface="Wingdings" pitchFamily="2" charset="2"/>
+              </a:rPr>
+              <a:t>It becomes difficult to add a new display (GUI, Report, Export, Graph, ...)</a:t>
+            </a:r>
+            <a:endParaRPr lang="nl-BE" dirty="0"/>
+          </a:p>
+          <a:p>
+            <a:pPr marL="0" marR="0" lvl="2" indent="0" algn="l" defTabSz="914400" rtl="0" eaLnBrk="1" fontAlgn="auto" latinLnBrk="0" hangingPunct="1">
+              <a:lnSpc>
+                <a:spcPct val="100000"/>
+              </a:lnSpc>
+              <a:spcBef>
+                <a:spcPts val="0"/>
+              </a:spcBef>
+              <a:spcAft>
+                <a:spcPts val="0"/>
+              </a:spcAft>
+              <a:buClrTx/>
+              <a:buSzTx/>
               <a:buFontTx/>
-              <a:buChar char="-"/>
+              <a:buNone/>
+              <a:tabLst/>
+              <a:defRPr/>
             </a:pPr>
-            <a:r>
-              <a:rPr lang="nl-BE" baseline="0" dirty="0"/>
-              <a:t>Provides hooks for subclasses</a:t>
-            </a:r>
-          </a:p>
-          <a:p>
-            <a:pPr marL="171450" indent="-171450">
+            <a:endParaRPr lang="nl-BE" dirty="0"/>
+          </a:p>
+          <a:p>
+            <a:pPr marL="0" marR="0" lvl="2" indent="0" algn="l" defTabSz="914400" rtl="0" eaLnBrk="1" fontAlgn="auto" latinLnBrk="0" hangingPunct="1">
+              <a:lnSpc>
+                <a:spcPct val="100000"/>
+              </a:lnSpc>
+              <a:spcBef>
+                <a:spcPts val="0"/>
+              </a:spcBef>
+              <a:spcAft>
+                <a:spcPts val="0"/>
+              </a:spcAft>
+              <a:buClrTx/>
+              <a:buSzTx/>
               <a:buFontTx/>
-              <a:buChar char="-"/>
+              <a:buNone/>
+              <a:tabLst/>
+              <a:defRPr/>
             </a:pPr>
             <a:r>
-              <a:rPr lang="nl-BE" baseline="0" dirty="0"/>
-              <a:t>Connects parallel class hierarchies</a:t>
-            </a:r>
-          </a:p>
-          <a:p>
-            <a:pPr marL="171450" indent="-171450">
-              <a:buFontTx/>
-              <a:buChar char="-"/>
-            </a:pPr>
-            <a:endParaRPr lang="nl-BE" baseline="0" dirty="0"/>
+              <a:rPr lang="nl-BE" dirty="0"/>
+              <a:t>Persistance is often mixed with model </a:t>
+            </a:r>
+            <a:r>
+              <a:rPr lang="nl-BE" dirty="0">
+                <a:sym typeface="Wingdings" pitchFamily="2" charset="2"/>
+              </a:rPr>
+              <a:t> Persistance code is scattered everywhere. Domain Model &amp; DAL together. Use a Repository instead?</a:t>
+            </a:r>
+            <a:endParaRPr lang="nl-BE" dirty="0"/>
+          </a:p>
+          <a:p>
+            <a:endParaRPr lang="nl-BE" dirty="0"/>
           </a:p>
         </p:txBody>
       </p:sp>
@@ -1823,7 +1726,7 @@
     </p:spTree>
     <p:extLst>
       <p:ext uri="{BB962C8B-B14F-4D97-AF65-F5344CB8AC3E}">
-        <p14:creationId xmlns:p14="http://schemas.microsoft.com/office/powerpoint/2010/main" val="3369678398"/>
+        <p14:creationId xmlns:p14="http://schemas.microsoft.com/office/powerpoint/2010/main" val="3522447314"/>
       </p:ext>
     </p:extLst>
   </p:cSld>
@@ -1877,45 +1780,200 @@
           <a:bodyPr/>
           <a:lstStyle/>
           <a:p>
+            <a:pPr marL="0" marR="0" lvl="2" indent="0" algn="l" defTabSz="914400" rtl="0" eaLnBrk="1" fontAlgn="auto" latinLnBrk="0" hangingPunct="1">
+              <a:lnSpc>
+                <a:spcPct val="100000"/>
+              </a:lnSpc>
+              <a:spcBef>
+                <a:spcPts val="0"/>
+              </a:spcBef>
+              <a:spcAft>
+                <a:spcPts val="0"/>
+              </a:spcAft>
+              <a:buClrTx/>
+              <a:buSzTx/>
+              <a:buFontTx/>
+              <a:buNone/>
+              <a:tabLst/>
+              <a:defRPr/>
+            </a:pPr>
             <a:r>
               <a:rPr lang="nl-BE" dirty="0"/>
-              <a:t>Object Behavioral</a:t>
+              <a:t>Also described as Cohesion (Tom DeMarco)</a:t>
+            </a:r>
+          </a:p>
+          <a:p>
+            <a:pPr marL="0" marR="0" lvl="2" indent="0" algn="l" defTabSz="914400" rtl="0" eaLnBrk="1" fontAlgn="auto" latinLnBrk="0" hangingPunct="1">
+              <a:lnSpc>
+                <a:spcPct val="100000"/>
+              </a:lnSpc>
+              <a:spcBef>
+                <a:spcPts val="0"/>
+              </a:spcBef>
+              <a:spcAft>
+                <a:spcPts val="0"/>
+              </a:spcAft>
+              <a:buClrTx/>
+              <a:buSzTx/>
+              <a:buFontTx/>
+              <a:buNone/>
+              <a:tabLst/>
+              <a:defRPr/>
+            </a:pPr>
+            <a:endParaRPr lang="nl-BE" dirty="0"/>
+          </a:p>
+          <a:p>
+            <a:pPr marL="0" marR="0" lvl="2" indent="0" algn="l" defTabSz="914400" rtl="0" eaLnBrk="1" fontAlgn="auto" latinLnBrk="0" hangingPunct="1">
+              <a:lnSpc>
+                <a:spcPct val="100000"/>
+              </a:lnSpc>
+              <a:spcBef>
+                <a:spcPts val="0"/>
+              </a:spcBef>
+              <a:spcAft>
+                <a:spcPts val="0"/>
+              </a:spcAft>
+              <a:buClrTx/>
+              <a:buSzTx/>
+              <a:buFontTx/>
+              <a:buNone/>
+              <a:tabLst/>
+              <a:defRPr/>
+            </a:pPr>
+            <a:r>
+              <a:rPr lang="nl-BE" dirty="0"/>
+              <a:t>A</a:t>
             </a:r>
             <a:r>
               <a:rPr lang="nl-BE" baseline="0" dirty="0"/>
-              <a:t> GoF Pattern</a:t>
-            </a:r>
-          </a:p>
-          <a:p>
-            <a:endParaRPr lang="nl-BE" baseline="0" dirty="0"/>
-          </a:p>
-          <a:p>
-            <a:r>
-              <a:rPr lang="nl-BE" baseline="0" dirty="0"/>
-              <a:t>Also known as: Policy</a:t>
+              <a:t> class or method that does computations AND display</a:t>
+            </a:r>
+          </a:p>
+          <a:p>
+            <a:pPr marL="171450" marR="0" lvl="2" indent="-171450" algn="l" defTabSz="914400" rtl="0" eaLnBrk="1" fontAlgn="auto" latinLnBrk="0" hangingPunct="1">
+              <a:lnSpc>
+                <a:spcPct val="100000"/>
+              </a:lnSpc>
+              <a:spcBef>
+                <a:spcPts val="0"/>
+              </a:spcBef>
+              <a:spcAft>
+                <a:spcPts val="0"/>
+              </a:spcAft>
+              <a:buClrTx/>
+              <a:buSzTx/>
+              <a:buFont typeface="Wingdings"/>
+              <a:buChar char="à"/>
+              <a:tabLst/>
+              <a:defRPr/>
+            </a:pPr>
+            <a:r>
+              <a:rPr lang="nl-BE" baseline="0" dirty="0">
+                <a:sym typeface="Wingdings" pitchFamily="2" charset="2"/>
+              </a:rPr>
+              <a:t>The computation and display gets mixed</a:t>
+            </a:r>
+          </a:p>
+          <a:p>
+            <a:pPr marL="171450" marR="0" lvl="2" indent="-171450" algn="l" defTabSz="914400" rtl="0" eaLnBrk="1" fontAlgn="auto" latinLnBrk="0" hangingPunct="1">
+              <a:lnSpc>
+                <a:spcPct val="100000"/>
+              </a:lnSpc>
+              <a:spcBef>
+                <a:spcPts val="0"/>
+              </a:spcBef>
+              <a:spcAft>
+                <a:spcPts val="0"/>
+              </a:spcAft>
+              <a:buClrTx/>
+              <a:buSzTx/>
+              <a:buFont typeface="Wingdings"/>
+              <a:buChar char="à"/>
+              <a:tabLst/>
+              <a:defRPr/>
+            </a:pPr>
+            <a:r>
+              <a:rPr lang="nl-BE" baseline="0" dirty="0">
+                <a:sym typeface="Wingdings" pitchFamily="2" charset="2"/>
+              </a:rPr>
+              <a:t>When a change to the computation is required  We need to also alter the display code (since it’s mixed)  We will need to retest the display AND the new computation</a:t>
+            </a:r>
+          </a:p>
+          <a:p>
+            <a:pPr marL="171450" marR="0" lvl="2" indent="-171450" algn="l" defTabSz="914400" rtl="0" eaLnBrk="1" fontAlgn="auto" latinLnBrk="0" hangingPunct="1">
+              <a:lnSpc>
+                <a:spcPct val="100000"/>
+              </a:lnSpc>
+              <a:spcBef>
+                <a:spcPts val="0"/>
+              </a:spcBef>
+              <a:spcAft>
+                <a:spcPts val="0"/>
+              </a:spcAft>
+              <a:buClrTx/>
+              <a:buSzTx/>
+              <a:buFont typeface="Wingdings"/>
+              <a:buChar char="à"/>
+              <a:tabLst/>
+              <a:defRPr/>
+            </a:pPr>
+            <a:r>
+              <a:rPr lang="nl-BE" baseline="0" dirty="0">
+                <a:sym typeface="Wingdings" pitchFamily="2" charset="2"/>
+              </a:rPr>
+              <a:t>It becomes difficult to add a new display (GUI, Report, Export, Graph, ...)</a:t>
             </a:r>
             <a:endParaRPr lang="nl-BE" dirty="0"/>
           </a:p>
           <a:p>
+            <a:pPr marL="0" marR="0" lvl="2" indent="0" algn="l" defTabSz="914400" rtl="0" eaLnBrk="1" fontAlgn="auto" latinLnBrk="0" hangingPunct="1">
+              <a:lnSpc>
+                <a:spcPct val="100000"/>
+              </a:lnSpc>
+              <a:spcBef>
+                <a:spcPts val="0"/>
+              </a:spcBef>
+              <a:spcAft>
+                <a:spcPts val="0"/>
+              </a:spcAft>
+              <a:buClrTx/>
+              <a:buSzTx/>
+              <a:buFontTx/>
+              <a:buNone/>
+              <a:tabLst/>
+              <a:defRPr/>
+            </a:pPr>
             <a:endParaRPr lang="nl-BE" dirty="0"/>
           </a:p>
           <a:p>
+            <a:pPr marL="0" marR="0" lvl="2" indent="0" algn="l" defTabSz="914400" rtl="0" eaLnBrk="1" fontAlgn="auto" latinLnBrk="0" hangingPunct="1">
+              <a:lnSpc>
+                <a:spcPct val="100000"/>
+              </a:lnSpc>
+              <a:spcBef>
+                <a:spcPts val="0"/>
+              </a:spcBef>
+              <a:spcAft>
+                <a:spcPts val="0"/>
+              </a:spcAft>
+              <a:buClrTx/>
+              <a:buSzTx/>
+              <a:buFontTx/>
+              <a:buNone/>
+              <a:tabLst/>
+              <a:defRPr/>
+            </a:pPr>
             <a:r>
               <a:rPr lang="nl-BE" dirty="0"/>
-              <a:t>Discount example (UML&amp;Patterns)</a:t>
-            </a:r>
-          </a:p>
-          <a:p>
-            <a:r>
-              <a:rPr lang="nl-BE" dirty="0"/>
-              <a:t>Command: Een actie als Strategy. Different intent!</a:t>
-            </a:r>
-          </a:p>
-          <a:p>
-            <a:r>
-              <a:rPr lang="nl-BE" dirty="0"/>
-              <a:t>Composite: Groep stratgies (meerdere commands, ook bij discount)</a:t>
-            </a:r>
+              <a:t>Persistance is often mixed with model </a:t>
+            </a:r>
+            <a:r>
+              <a:rPr lang="nl-BE" dirty="0">
+                <a:sym typeface="Wingdings" pitchFamily="2" charset="2"/>
+              </a:rPr>
+              <a:t> Persistance code is scattered everywhere. Domain Model &amp; DAL together. Use a Repository instead?</a:t>
+            </a:r>
+            <a:endParaRPr lang="nl-BE" dirty="0"/>
           </a:p>
           <a:p>
             <a:endParaRPr lang="nl-BE" dirty="0"/>
@@ -1948,7 +2006,7 @@
     </p:spTree>
     <p:extLst>
       <p:ext uri="{BB962C8B-B14F-4D97-AF65-F5344CB8AC3E}">
-        <p14:creationId xmlns:p14="http://schemas.microsoft.com/office/powerpoint/2010/main" val="2111665257"/>
+        <p14:creationId xmlns:p14="http://schemas.microsoft.com/office/powerpoint/2010/main" val="3522447314"/>
       </p:ext>
     </p:extLst>
   </p:cSld>
@@ -2004,11 +2062,11 @@
           <a:p>
             <a:r>
               <a:rPr lang="nl-BE" dirty="0"/>
-              <a:t>Object</a:t>
+              <a:t>Coined by Bertrand</a:t>
             </a:r>
             <a:r>
               <a:rPr lang="nl-BE" baseline="0" dirty="0"/>
-              <a:t> Behavioral GoF Pattern</a:t>
+              <a:t> Meyer</a:t>
             </a:r>
           </a:p>
           <a:p>
@@ -2017,7 +2075,7 @@
           <a:p>
             <a:r>
               <a:rPr lang="nl-BE" baseline="0" dirty="0"/>
-              <a:t>Also known as: Publish/Subscribe, Dependents</a:t>
+              <a:t>YAGNI: You Ain’t Gonna Need It – Be very careful when designing for the Open/Closed Principle. Not everything is going to change! Know your customer or the Domain to anticipate axis of change.</a:t>
             </a:r>
             <a:endParaRPr lang="nl-BE" dirty="0"/>
           </a:p>
@@ -2040,7 +2098,7 @@
           <a:p>
             <a:fld id="{8AAD598C-A564-4773-9938-73F095713663}" type="slidenum">
               <a:rPr lang="nl-BE" smtClean="0"/>
-              <a:t>21</a:t>
+              <a:t>19</a:t>
             </a:fld>
             <a:endParaRPr lang="nl-BE"/>
           </a:p>
@@ -2049,7 +2107,7 @@
     </p:spTree>
     <p:extLst>
       <p:ext uri="{BB962C8B-B14F-4D97-AF65-F5344CB8AC3E}">
-        <p14:creationId xmlns:p14="http://schemas.microsoft.com/office/powerpoint/2010/main" val="1289770877"/>
+        <p14:creationId xmlns:p14="http://schemas.microsoft.com/office/powerpoint/2010/main" val="2530303709"/>
       </p:ext>
     </p:extLst>
   </p:cSld>
@@ -2196,143 +2254,23 @@
           <a:bodyPr/>
           <a:lstStyle/>
           <a:p>
-            <a:pPr marL="0" marR="0" indent="0" algn="l" defTabSz="914400" rtl="0" eaLnBrk="1" fontAlgn="auto" latinLnBrk="0" hangingPunct="1">
-              <a:lnSpc>
-                <a:spcPct val="100000"/>
-              </a:lnSpc>
-              <a:spcBef>
-                <a:spcPts val="0"/>
-              </a:spcBef>
-              <a:spcAft>
-                <a:spcPts val="0"/>
-              </a:spcAft>
-              <a:buClrTx/>
-              <a:buSzTx/>
-              <a:buFontTx/>
-              <a:buNone/>
-              <a:tabLst/>
-              <a:defRPr/>
-            </a:pPr>
             <a:r>
               <a:rPr lang="nl-BE" dirty="0"/>
-              <a:t>Object Structural GoF Pattern</a:t>
-            </a:r>
-          </a:p>
-          <a:p>
-            <a:pPr marL="0" marR="0" indent="0" algn="l" defTabSz="914400" rtl="0" eaLnBrk="1" fontAlgn="auto" latinLnBrk="0" hangingPunct="1">
-              <a:lnSpc>
-                <a:spcPct val="100000"/>
-              </a:lnSpc>
-              <a:spcBef>
-                <a:spcPts val="0"/>
-              </a:spcBef>
-              <a:spcAft>
-                <a:spcPts val="0"/>
-              </a:spcAft>
-              <a:buClrTx/>
-              <a:buSzTx/>
-              <a:buFontTx/>
-              <a:buNone/>
-              <a:tabLst/>
-              <a:defRPr/>
-            </a:pPr>
-            <a:endParaRPr lang="nl-BE" dirty="0"/>
-          </a:p>
-          <a:p>
-            <a:pPr marL="0" marR="0" indent="0" algn="l" defTabSz="914400" rtl="0" eaLnBrk="1" fontAlgn="auto" latinLnBrk="0" hangingPunct="1">
-              <a:lnSpc>
-                <a:spcPct val="100000"/>
-              </a:lnSpc>
-              <a:spcBef>
-                <a:spcPts val="0"/>
-              </a:spcBef>
-              <a:spcAft>
-                <a:spcPts val="0"/>
-              </a:spcAft>
-              <a:buClrTx/>
-              <a:buSzTx/>
-              <a:buFontTx/>
-              <a:buNone/>
-              <a:tabLst/>
-              <a:defRPr/>
-            </a:pPr>
-            <a:r>
-              <a:rPr lang="nl-BE" dirty="0"/>
-              <a:t>Also known</a:t>
+              <a:t>Coined by Bertrand</a:t>
             </a:r>
             <a:r>
               <a:rPr lang="nl-BE" baseline="0" dirty="0"/>
-              <a:t> as: Wrapper</a:t>
-            </a:r>
-            <a:endParaRPr lang="nl-BE" dirty="0"/>
-          </a:p>
-          <a:p>
-            <a:pPr marL="0" marR="0" indent="0" algn="l" defTabSz="914400" rtl="0" eaLnBrk="1" fontAlgn="auto" latinLnBrk="0" hangingPunct="1">
-              <a:lnSpc>
-                <a:spcPct val="100000"/>
-              </a:lnSpc>
-              <a:spcBef>
-                <a:spcPts val="0"/>
-              </a:spcBef>
-              <a:spcAft>
-                <a:spcPts val="0"/>
-              </a:spcAft>
-              <a:buClrTx/>
-              <a:buSzTx/>
-              <a:buFontTx/>
-              <a:buNone/>
-              <a:tabLst/>
-              <a:defRPr/>
-            </a:pPr>
-            <a:endParaRPr lang="nl-BE" dirty="0"/>
-          </a:p>
-          <a:p>
-            <a:pPr marL="0" marR="0" indent="0" algn="l" defTabSz="914400" rtl="0" eaLnBrk="1" fontAlgn="auto" latinLnBrk="0" hangingPunct="1">
-              <a:lnSpc>
-                <a:spcPct val="100000"/>
-              </a:lnSpc>
-              <a:spcBef>
-                <a:spcPts val="0"/>
-              </a:spcBef>
-              <a:spcAft>
-                <a:spcPts val="0"/>
-              </a:spcAft>
-              <a:buClrTx/>
-              <a:buSzTx/>
-              <a:buFontTx/>
-              <a:buNone/>
-              <a:tabLst/>
-              <a:defRPr/>
-            </a:pPr>
-            <a:r>
-              <a:rPr lang="nl-BE" dirty="0"/>
-              <a:t>WarTowers: ShieldTower, GunTower, BazookaTower, ShieldGunTower, ShieldGunBazookaTower, ...</a:t>
-            </a:r>
-          </a:p>
-          <a:p>
-            <a:pPr marL="0" marR="0" indent="0" algn="l" defTabSz="914400" rtl="0" eaLnBrk="1" fontAlgn="auto" latinLnBrk="0" hangingPunct="1">
-              <a:lnSpc>
-                <a:spcPct val="100000"/>
-              </a:lnSpc>
-              <a:spcBef>
-                <a:spcPts val="0"/>
-              </a:spcBef>
-              <a:spcAft>
-                <a:spcPts val="0"/>
-              </a:spcAft>
-              <a:buClrTx/>
-              <a:buSzTx/>
-              <a:buFontTx/>
-              <a:buNone/>
-              <a:tabLst/>
-              <a:defRPr/>
-            </a:pPr>
-            <a:r>
-              <a:rPr lang="nl-BE" dirty="0"/>
-              <a:t>Decorator is an adapter!</a:t>
-            </a:r>
-          </a:p>
-          <a:p>
+              <a:t> Meyer</a:t>
+            </a:r>
+          </a:p>
+          <a:p>
+            <a:endParaRPr lang="nl-BE" baseline="0" dirty="0"/>
+          </a:p>
+          <a:p>
+            <a:r>
+              <a:rPr lang="nl-BE" baseline="0" dirty="0"/>
+              <a:t>YAGNI: You Ain’t Gonna Need It – Be very careful when designing for the Open/Closed Principle. Not everything is going to change! Know your customer or the Domain to anticipate the axis of change.</a:t>
+            </a:r>
             <a:endParaRPr lang="nl-BE" dirty="0"/>
           </a:p>
         </p:txBody>
@@ -2354,7 +2292,7 @@
           <a:p>
             <a:fld id="{8AAD598C-A564-4773-9938-73F095713663}" type="slidenum">
               <a:rPr lang="nl-BE" smtClean="0"/>
-              <a:t>22</a:t>
+              <a:t>20</a:t>
             </a:fld>
             <a:endParaRPr lang="nl-BE"/>
           </a:p>
@@ -2363,7 +2301,7 @@
     </p:spTree>
     <p:extLst>
       <p:ext uri="{BB962C8B-B14F-4D97-AF65-F5344CB8AC3E}">
-        <p14:creationId xmlns:p14="http://schemas.microsoft.com/office/powerpoint/2010/main" val="1283684276"/>
+        <p14:creationId xmlns:p14="http://schemas.microsoft.com/office/powerpoint/2010/main" val="2530303709"/>
       </p:ext>
     </p:extLst>
   </p:cSld>
@@ -2419,17 +2357,37 @@
           <a:p>
             <a:r>
               <a:rPr lang="nl-BE" dirty="0"/>
-              <a:t>Object Behavioral GoF Pattern</a:t>
-            </a:r>
-          </a:p>
-          <a:p>
+              <a:t>void g(Rectangle</a:t>
+            </a:r>
+            <a:r>
+              <a:rPr lang="nl-BE" baseline="0" dirty="0"/>
+              <a:t> r) {</a:t>
+            </a:r>
+          </a:p>
+          <a:p>
+            <a:r>
+              <a:rPr lang="nl-BE" baseline="0" dirty="0"/>
+              <a:t>	r.Width= 5;</a:t>
+            </a:r>
+          </a:p>
+          <a:p>
+            <a:r>
+              <a:rPr lang="nl-BE" baseline="0" dirty="0"/>
+              <a:t>	r.Height = 4;</a:t>
+            </a:r>
+          </a:p>
+          <a:p>
+            <a:r>
+              <a:rPr lang="nl-BE" baseline="0" dirty="0"/>
+              <a:t>	if (r.Area() != 20)</a:t>
+            </a:r>
+          </a:p>
+          <a:p>
+            <a:r>
+              <a:rPr lang="nl-BE" baseline="0" dirty="0"/>
+              <a:t>		throw new Exception(“Bad Area”);</a:t>
+            </a:r>
             <a:endParaRPr lang="nl-BE" dirty="0"/>
-          </a:p>
-          <a:p>
-            <a:r>
-              <a:rPr lang="nl-BE" dirty="0"/>
-              <a:t>Also known as: Cursor</a:t>
-            </a:r>
           </a:p>
         </p:txBody>
       </p:sp>
@@ -2459,7 +2417,7 @@
     </p:spTree>
     <p:extLst>
       <p:ext uri="{BB962C8B-B14F-4D97-AF65-F5344CB8AC3E}">
-        <p14:creationId xmlns:p14="http://schemas.microsoft.com/office/powerpoint/2010/main" val="3959557267"/>
+        <p14:creationId xmlns:p14="http://schemas.microsoft.com/office/powerpoint/2010/main" val="205436096"/>
       </p:ext>
     </p:extLst>
   </p:cSld>
@@ -2515,17 +2473,36 @@
           <a:p>
             <a:r>
               <a:rPr lang="nl-BE" dirty="0"/>
-              <a:t>Object Structural</a:t>
+              <a:t>void g(Rectangle</a:t>
             </a:r>
             <a:r>
               <a:rPr lang="nl-BE" baseline="0" dirty="0"/>
-              <a:t> GoF</a:t>
-            </a:r>
-          </a:p>
-          <a:p>
-            <a:endParaRPr lang="nl-BE" baseline="0" dirty="0"/>
-          </a:p>
-          <a:p>
+              <a:t> r) {</a:t>
+            </a:r>
+          </a:p>
+          <a:p>
+            <a:r>
+              <a:rPr lang="nl-BE" baseline="0" dirty="0"/>
+              <a:t>	r.Width= 5;</a:t>
+            </a:r>
+          </a:p>
+          <a:p>
+            <a:r>
+              <a:rPr lang="nl-BE" baseline="0" dirty="0"/>
+              <a:t>	r.Height = 4;</a:t>
+            </a:r>
+          </a:p>
+          <a:p>
+            <a:r>
+              <a:rPr lang="nl-BE" baseline="0" dirty="0"/>
+              <a:t>	if (r.Area() != 20)</a:t>
+            </a:r>
+          </a:p>
+          <a:p>
+            <a:r>
+              <a:rPr lang="nl-BE" baseline="0" dirty="0"/>
+              <a:t>		throw new Exception(“Bad Area”);</a:t>
+            </a:r>
             <a:endParaRPr lang="nl-BE" dirty="0"/>
           </a:p>
         </p:txBody>
@@ -2556,7 +2533,7 @@
     </p:spTree>
     <p:extLst>
       <p:ext uri="{BB962C8B-B14F-4D97-AF65-F5344CB8AC3E}">
-        <p14:creationId xmlns:p14="http://schemas.microsoft.com/office/powerpoint/2010/main" val="2692460306"/>
+        <p14:creationId xmlns:p14="http://schemas.microsoft.com/office/powerpoint/2010/main" val="205436096"/>
       </p:ext>
     </p:extLst>
   </p:cSld>
@@ -2611,58 +2588,23 @@
           <a:lstStyle/>
           <a:p>
             <a:r>
-              <a:rPr lang="en-US" sz="1200" b="0" i="0" kern="1200" dirty="0">
-                <a:solidFill>
-                  <a:schemeClr val="tx1"/>
-                </a:solidFill>
-                <a:effectLst/>
-                <a:latin typeface="+mn-lt"/>
-                <a:ea typeface="+mn-ea"/>
-                <a:cs typeface="+mn-cs"/>
-              </a:rPr>
-              <a:t>Add a reference to the COM via the Add Reference dialog in Visual Studio .NET. Behind the scenes, Visual Studio® .NET invokes the tlbimp.exe tool to create a Runtime Callable Wrapper (RCW) class, contained in an </a:t>
-            </a:r>
-            <a:r>
-              <a:rPr lang="en-US" sz="1200" b="0" i="0" kern="1200" dirty="0" err="1">
-                <a:solidFill>
-                  <a:schemeClr val="tx1"/>
-                </a:solidFill>
-                <a:effectLst/>
-                <a:latin typeface="+mn-lt"/>
-                <a:ea typeface="+mn-ea"/>
-                <a:cs typeface="+mn-cs"/>
-              </a:rPr>
-              <a:t>interop</a:t>
-            </a:r>
-            <a:r>
-              <a:rPr lang="en-US" sz="1200" b="0" i="0" kern="1200" dirty="0">
-                <a:solidFill>
-                  <a:schemeClr val="tx1"/>
-                </a:solidFill>
-                <a:effectLst/>
-                <a:latin typeface="+mn-lt"/>
-                <a:ea typeface="+mn-ea"/>
-                <a:cs typeface="+mn-cs"/>
-              </a:rPr>
-              <a:t> assembly.</a:t>
-            </a:r>
-          </a:p>
-          <a:p>
-            <a:endParaRPr lang="en-US" sz="1200" b="0" i="0" kern="1200" dirty="0">
-              <a:solidFill>
-                <a:schemeClr val="tx1"/>
-              </a:solidFill>
-              <a:effectLst/>
-              <a:latin typeface="+mn-lt"/>
-              <a:ea typeface="+mn-ea"/>
-              <a:cs typeface="+mn-cs"/>
-            </a:endParaRPr>
-          </a:p>
-          <a:p>
-            <a:r>
               <a:rPr lang="nl-BE" dirty="0"/>
-              <a:t>http://msdn.microsoft.com/en-us/magazine/cc188707.aspx#S4</a:t>
-            </a:r>
+              <a:t>Object</a:t>
+            </a:r>
+            <a:r>
+              <a:rPr lang="nl-BE" baseline="0" dirty="0"/>
+              <a:t> Behavioral GoF Pattern</a:t>
+            </a:r>
+          </a:p>
+          <a:p>
+            <a:endParaRPr lang="nl-BE" baseline="0" dirty="0"/>
+          </a:p>
+          <a:p>
+            <a:r>
+              <a:rPr lang="nl-BE" baseline="0" dirty="0"/>
+              <a:t>Also known as: Publish/Subscribe, Dependents</a:t>
+            </a:r>
+            <a:endParaRPr lang="nl-BE" dirty="0"/>
           </a:p>
         </p:txBody>
       </p:sp>
@@ -2683,7 +2625,7 @@
           <a:p>
             <a:fld id="{8AAD598C-A564-4773-9938-73F095713663}" type="slidenum">
               <a:rPr lang="nl-BE" smtClean="0"/>
-              <a:t>25</a:t>
+              <a:t>27</a:t>
             </a:fld>
             <a:endParaRPr lang="nl-BE"/>
           </a:p>
@@ -2692,7 +2634,7 @@
     </p:spTree>
     <p:extLst>
       <p:ext uri="{BB962C8B-B14F-4D97-AF65-F5344CB8AC3E}">
-        <p14:creationId xmlns:p14="http://schemas.microsoft.com/office/powerpoint/2010/main" val="1195904989"/>
+        <p14:creationId xmlns:p14="http://schemas.microsoft.com/office/powerpoint/2010/main" val="1289770877"/>
       </p:ext>
     </p:extLst>
   </p:cSld>
@@ -2746,21 +2688,140 @@
           <a:bodyPr/>
           <a:lstStyle/>
           <a:p>
+            <a:pPr marL="0" marR="0" indent="0" algn="l" defTabSz="914400" rtl="0" eaLnBrk="1" fontAlgn="auto" latinLnBrk="0" hangingPunct="1">
+              <a:lnSpc>
+                <a:spcPct val="100000"/>
+              </a:lnSpc>
+              <a:spcBef>
+                <a:spcPts val="0"/>
+              </a:spcBef>
+              <a:spcAft>
+                <a:spcPts val="0"/>
+              </a:spcAft>
+              <a:buClrTx/>
+              <a:buSzTx/>
+              <a:buFontTx/>
+              <a:buNone/>
+              <a:tabLst/>
+              <a:defRPr/>
+            </a:pPr>
             <a:r>
               <a:rPr lang="nl-BE" dirty="0"/>
-              <a:t>Creditkaarten voor online betalingen:</a:t>
-            </a:r>
-          </a:p>
-          <a:p>
+              <a:t>Object Structural GoF Pattern</a:t>
+            </a:r>
+          </a:p>
+          <a:p>
+            <a:pPr marL="0" marR="0" indent="0" algn="l" defTabSz="914400" rtl="0" eaLnBrk="1" fontAlgn="auto" latinLnBrk="0" hangingPunct="1">
+              <a:lnSpc>
+                <a:spcPct val="100000"/>
+              </a:lnSpc>
+              <a:spcBef>
+                <a:spcPts val="0"/>
+              </a:spcBef>
+              <a:spcAft>
+                <a:spcPts val="0"/>
+              </a:spcAft>
+              <a:buClrTx/>
+              <a:buSzTx/>
+              <a:buFontTx/>
+              <a:buNone/>
+              <a:tabLst/>
+              <a:defRPr/>
+            </a:pPr>
+            <a:endParaRPr lang="nl-BE" dirty="0"/>
+          </a:p>
+          <a:p>
+            <a:pPr marL="0" marR="0" indent="0" algn="l" defTabSz="914400" rtl="0" eaLnBrk="1" fontAlgn="auto" latinLnBrk="0" hangingPunct="1">
+              <a:lnSpc>
+                <a:spcPct val="100000"/>
+              </a:lnSpc>
+              <a:spcBef>
+                <a:spcPts val="0"/>
+              </a:spcBef>
+              <a:spcAft>
+                <a:spcPts val="0"/>
+              </a:spcAft>
+              <a:buClrTx/>
+              <a:buSzTx/>
+              <a:buFontTx/>
+              <a:buNone/>
+              <a:tabLst/>
+              <a:defRPr/>
+            </a:pPr>
             <a:r>
               <a:rPr lang="nl-BE" dirty="0"/>
-              <a:t>VisaAdapter</a:t>
-            </a:r>
-          </a:p>
-          <a:p>
+              <a:t>Also known</a:t>
+            </a:r>
+            <a:r>
+              <a:rPr lang="nl-BE" baseline="0" dirty="0"/>
+              <a:t> as: Wrapper</a:t>
+            </a:r>
+            <a:endParaRPr lang="nl-BE" dirty="0"/>
+          </a:p>
+          <a:p>
+            <a:pPr marL="0" marR="0" indent="0" algn="l" defTabSz="914400" rtl="0" eaLnBrk="1" fontAlgn="auto" latinLnBrk="0" hangingPunct="1">
+              <a:lnSpc>
+                <a:spcPct val="100000"/>
+              </a:lnSpc>
+              <a:spcBef>
+                <a:spcPts val="0"/>
+              </a:spcBef>
+              <a:spcAft>
+                <a:spcPts val="0"/>
+              </a:spcAft>
+              <a:buClrTx/>
+              <a:buSzTx/>
+              <a:buFontTx/>
+              <a:buNone/>
+              <a:tabLst/>
+              <a:defRPr/>
+            </a:pPr>
+            <a:endParaRPr lang="nl-BE" dirty="0"/>
+          </a:p>
+          <a:p>
+            <a:pPr marL="0" marR="0" indent="0" algn="l" defTabSz="914400" rtl="0" eaLnBrk="1" fontAlgn="auto" latinLnBrk="0" hangingPunct="1">
+              <a:lnSpc>
+                <a:spcPct val="100000"/>
+              </a:lnSpc>
+              <a:spcBef>
+                <a:spcPts val="0"/>
+              </a:spcBef>
+              <a:spcAft>
+                <a:spcPts val="0"/>
+              </a:spcAft>
+              <a:buClrTx/>
+              <a:buSzTx/>
+              <a:buFontTx/>
+              <a:buNone/>
+              <a:tabLst/>
+              <a:defRPr/>
+            </a:pPr>
             <a:r>
               <a:rPr lang="nl-BE" dirty="0"/>
-              <a:t>MasterCardAdapter</a:t>
+              <a:t>WarTowers: ShieldTower, GunTower, BazookaTower, ShieldGunTower, ShieldGunBazookaTower, ...</a:t>
+            </a:r>
+          </a:p>
+          <a:p>
+            <a:pPr marL="0" marR="0" indent="0" algn="l" defTabSz="914400" rtl="0" eaLnBrk="1" fontAlgn="auto" latinLnBrk="0" hangingPunct="1">
+              <a:lnSpc>
+                <a:spcPct val="100000"/>
+              </a:lnSpc>
+              <a:spcBef>
+                <a:spcPts val="0"/>
+              </a:spcBef>
+              <a:spcAft>
+                <a:spcPts val="0"/>
+              </a:spcAft>
+              <a:buClrTx/>
+              <a:buSzTx/>
+              <a:buFontTx/>
+              <a:buNone/>
+              <a:tabLst/>
+              <a:defRPr/>
+            </a:pPr>
+            <a:r>
+              <a:rPr lang="nl-BE" dirty="0"/>
+              <a:t>Decorator is an adapter!</a:t>
             </a:r>
           </a:p>
           <a:p>
@@ -2785,7 +2846,7 @@
           <a:p>
             <a:fld id="{8AAD598C-A564-4773-9938-73F095713663}" type="slidenum">
               <a:rPr lang="nl-BE" smtClean="0"/>
-              <a:t>26</a:t>
+              <a:t>28</a:t>
             </a:fld>
             <a:endParaRPr lang="nl-BE"/>
           </a:p>
@@ -2794,7 +2855,7 @@
     </p:spTree>
     <p:extLst>
       <p:ext uri="{BB962C8B-B14F-4D97-AF65-F5344CB8AC3E}">
-        <p14:creationId xmlns:p14="http://schemas.microsoft.com/office/powerpoint/2010/main" val="1396305169"/>
+        <p14:creationId xmlns:p14="http://schemas.microsoft.com/office/powerpoint/2010/main" val="1283684276"/>
       </p:ext>
     </p:extLst>
   </p:cSld>
@@ -2848,27 +2909,19 @@
           <a:bodyPr/>
           <a:lstStyle/>
           <a:p>
-            <a:pPr>
-              <a:buFontTx/>
-              <a:buChar char="-"/>
-            </a:pPr>
             <a:r>
               <a:rPr lang="nl-BE" dirty="0"/>
-              <a:t>Overuse</a:t>
-            </a:r>
-          </a:p>
-          <a:p>
-            <a:pPr>
-              <a:buFontTx/>
-              <a:buChar char="-"/>
-            </a:pPr>
+              <a:t>Object Behavioral GoF Pattern</a:t>
+            </a:r>
+          </a:p>
+          <a:p>
+            <a:endParaRPr lang="nl-BE" dirty="0"/>
+          </a:p>
+          <a:p>
             <a:r>
               <a:rPr lang="nl-BE" dirty="0"/>
-              <a:t>Misuse</a:t>
-            </a:r>
-          </a:p>
-          <a:p>
-            <a:endParaRPr lang="nl-BE" dirty="0"/>
+              <a:t>Also known as: Cursor</a:t>
+            </a:r>
           </a:p>
         </p:txBody>
       </p:sp>
@@ -2889,7 +2942,7 @@
           <a:p>
             <a:fld id="{8AAD598C-A564-4773-9938-73F095713663}" type="slidenum">
               <a:rPr lang="nl-BE" smtClean="0"/>
-              <a:t>27</a:t>
+              <a:t>29</a:t>
             </a:fld>
             <a:endParaRPr lang="nl-BE"/>
           </a:p>
@@ -2898,7 +2951,7 @@
     </p:spTree>
     <p:extLst>
       <p:ext uri="{BB962C8B-B14F-4D97-AF65-F5344CB8AC3E}">
-        <p14:creationId xmlns:p14="http://schemas.microsoft.com/office/powerpoint/2010/main" val="876647275"/>
+        <p14:creationId xmlns:p14="http://schemas.microsoft.com/office/powerpoint/2010/main" val="3959557267"/>
       </p:ext>
     </p:extLst>
   </p:cSld>
@@ -2952,6 +3005,19 @@
           <a:bodyPr/>
           <a:lstStyle/>
           <a:p>
+            <a:r>
+              <a:rPr lang="nl-BE" dirty="0"/>
+              <a:t>Object Structural</a:t>
+            </a:r>
+            <a:r>
+              <a:rPr lang="nl-BE" baseline="0" dirty="0"/>
+              <a:t> GoF</a:t>
+            </a:r>
+          </a:p>
+          <a:p>
+            <a:endParaRPr lang="nl-BE" baseline="0" dirty="0"/>
+          </a:p>
+          <a:p>
             <a:endParaRPr lang="nl-BE" dirty="0"/>
           </a:p>
         </p:txBody>
@@ -2973,7 +3039,7 @@
           <a:p>
             <a:fld id="{8AAD598C-A564-4773-9938-73F095713663}" type="slidenum">
               <a:rPr lang="nl-BE" smtClean="0"/>
-              <a:t>28</a:t>
+              <a:t>30</a:t>
             </a:fld>
             <a:endParaRPr lang="nl-BE"/>
           </a:p>
@@ -2982,7 +3048,7 @@
     </p:spTree>
     <p:extLst>
       <p:ext uri="{BB962C8B-B14F-4D97-AF65-F5344CB8AC3E}">
-        <p14:creationId xmlns:p14="http://schemas.microsoft.com/office/powerpoint/2010/main" val="2649400970"/>
+        <p14:creationId xmlns:p14="http://schemas.microsoft.com/office/powerpoint/2010/main" val="2692460306"/>
       </p:ext>
     </p:extLst>
   </p:cSld>
@@ -3037,8 +3103,57 @@
           <a:lstStyle/>
           <a:p>
             <a:r>
+              <a:rPr lang="en-US" sz="1200" b="0" i="0" kern="1200" dirty="0">
+                <a:solidFill>
+                  <a:schemeClr val="tx1"/>
+                </a:solidFill>
+                <a:effectLst/>
+                <a:latin typeface="+mn-lt"/>
+                <a:ea typeface="+mn-ea"/>
+                <a:cs typeface="+mn-cs"/>
+              </a:rPr>
+              <a:t>Add a reference to the COM via the Add Reference dialog in Visual Studio .NET. Behind the scenes, Visual Studio® .NET invokes the tlbimp.exe tool to create a Runtime Callable Wrapper (RCW) class, contained in an </a:t>
+            </a:r>
+            <a:r>
+              <a:rPr lang="en-US" sz="1200" b="0" i="0" kern="1200" dirty="0" err="1">
+                <a:solidFill>
+                  <a:schemeClr val="tx1"/>
+                </a:solidFill>
+                <a:effectLst/>
+                <a:latin typeface="+mn-lt"/>
+                <a:ea typeface="+mn-ea"/>
+                <a:cs typeface="+mn-cs"/>
+              </a:rPr>
+              <a:t>interop</a:t>
+            </a:r>
+            <a:r>
+              <a:rPr lang="en-US" sz="1200" b="0" i="0" kern="1200" dirty="0">
+                <a:solidFill>
+                  <a:schemeClr val="tx1"/>
+                </a:solidFill>
+                <a:effectLst/>
+                <a:latin typeface="+mn-lt"/>
+                <a:ea typeface="+mn-ea"/>
+                <a:cs typeface="+mn-cs"/>
+              </a:rPr>
+              <a:t> assembly.</a:t>
+            </a:r>
+          </a:p>
+          <a:p>
+            <a:endParaRPr lang="en-US" sz="1200" b="0" i="0" kern="1200" dirty="0">
+              <a:solidFill>
+                <a:schemeClr val="tx1"/>
+              </a:solidFill>
+              <a:effectLst/>
+              <a:latin typeface="+mn-lt"/>
+              <a:ea typeface="+mn-ea"/>
+              <a:cs typeface="+mn-cs"/>
+            </a:endParaRPr>
+          </a:p>
+          <a:p>
+            <a:r>
               <a:rPr lang="nl-BE" dirty="0"/>
-              <a:t>Which patterns have you already implemented in your designs?</a:t>
+              <a:t>http://msdn.microsoft.com/en-us/magazine/cc188707.aspx#S4</a:t>
             </a:r>
           </a:p>
         </p:txBody>
@@ -3060,7 +3175,7 @@
           <a:p>
             <a:fld id="{8AAD598C-A564-4773-9938-73F095713663}" type="slidenum">
               <a:rPr lang="nl-BE" smtClean="0"/>
-              <a:t>30</a:t>
+              <a:t>31</a:t>
             </a:fld>
             <a:endParaRPr lang="nl-BE"/>
           </a:p>
@@ -3069,7 +3184,7 @@
     </p:spTree>
     <p:extLst>
       <p:ext uri="{BB962C8B-B14F-4D97-AF65-F5344CB8AC3E}">
-        <p14:creationId xmlns:p14="http://schemas.microsoft.com/office/powerpoint/2010/main" val="995890192"/>
+        <p14:creationId xmlns:p14="http://schemas.microsoft.com/office/powerpoint/2010/main" val="1195904989"/>
       </p:ext>
     </p:extLst>
   </p:cSld>
@@ -3125,8 +3240,23 @@
           <a:p>
             <a:r>
               <a:rPr lang="nl-BE" dirty="0"/>
-              <a:t>Object Creational GoF Pattern</a:t>
-            </a:r>
+              <a:t>Creditkaarten voor online betalingen:</a:t>
+            </a:r>
+          </a:p>
+          <a:p>
+            <a:r>
+              <a:rPr lang="nl-BE" dirty="0"/>
+              <a:t>VisaAdapter</a:t>
+            </a:r>
+          </a:p>
+          <a:p>
+            <a:r>
+              <a:rPr lang="nl-BE" dirty="0"/>
+              <a:t>MasterCardAdapter</a:t>
+            </a:r>
+          </a:p>
+          <a:p>
+            <a:endParaRPr lang="nl-BE" dirty="0"/>
           </a:p>
         </p:txBody>
       </p:sp>
@@ -3147,7 +3277,7 @@
           <a:p>
             <a:fld id="{8AAD598C-A564-4773-9938-73F095713663}" type="slidenum">
               <a:rPr lang="nl-BE" smtClean="0"/>
-              <a:t>31</a:t>
+              <a:t>32</a:t>
             </a:fld>
             <a:endParaRPr lang="nl-BE"/>
           </a:p>
@@ -3156,7 +3286,7 @@
     </p:spTree>
     <p:extLst>
       <p:ext uri="{BB962C8B-B14F-4D97-AF65-F5344CB8AC3E}">
-        <p14:creationId xmlns:p14="http://schemas.microsoft.com/office/powerpoint/2010/main" val="1233954531"/>
+        <p14:creationId xmlns:p14="http://schemas.microsoft.com/office/powerpoint/2010/main" val="1396305169"/>
       </p:ext>
     </p:extLst>
   </p:cSld>
@@ -3210,10 +3340,7 @@
           <a:bodyPr/>
           <a:lstStyle/>
           <a:p>
-            <a:r>
-              <a:rPr lang="nl-BE" dirty="0"/>
-              <a:t>Object Structural GoF Pattern</a:t>
-            </a:r>
+            <a:endParaRPr lang="nl-BE" dirty="0"/>
           </a:p>
         </p:txBody>
       </p:sp>
@@ -3243,7 +3370,7 @@
     </p:spTree>
     <p:extLst>
       <p:ext uri="{BB962C8B-B14F-4D97-AF65-F5344CB8AC3E}">
-        <p14:creationId xmlns:p14="http://schemas.microsoft.com/office/powerpoint/2010/main" val="1980581622"/>
+        <p14:creationId xmlns:p14="http://schemas.microsoft.com/office/powerpoint/2010/main" val="2649400970"/>
       </p:ext>
     </p:extLst>
   </p:cSld>
@@ -3297,14 +3424,120 @@
           <a:bodyPr/>
           <a:lstStyle/>
           <a:p>
-            <a:pPr marL="0" indent="0">
+            <a:pPr marL="0" marR="0" lvl="1" indent="0" algn="l" defTabSz="914400" rtl="0" eaLnBrk="1" fontAlgn="auto" latinLnBrk="0" hangingPunct="1">
+              <a:lnSpc>
+                <a:spcPct val="100000"/>
+              </a:lnSpc>
+              <a:spcBef>
+                <a:spcPts val="0"/>
+              </a:spcBef>
+              <a:spcAft>
+                <a:spcPts val="0"/>
+              </a:spcAft>
+              <a:buClrTx/>
+              <a:buSzTx/>
               <a:buFontTx/>
               <a:buNone/>
+              <a:tabLst/>
+              <a:defRPr/>
             </a:pPr>
             <a:r>
               <a:rPr lang="nl-BE" dirty="0"/>
-              <a:t>Book: A Pattern Language (1977)</a:t>
-            </a:r>
+              <a:t>Program to an interface:</a:t>
+            </a:r>
+          </a:p>
+          <a:p>
+            <a:pPr marL="0" marR="0" lvl="1" indent="0" algn="l" defTabSz="914400" rtl="0" eaLnBrk="1" fontAlgn="auto" latinLnBrk="0" hangingPunct="1">
+              <a:lnSpc>
+                <a:spcPct val="100000"/>
+              </a:lnSpc>
+              <a:spcBef>
+                <a:spcPts val="0"/>
+              </a:spcBef>
+              <a:spcAft>
+                <a:spcPts val="0"/>
+              </a:spcAft>
+              <a:buClrTx/>
+              <a:buSzTx/>
+              <a:buFontTx/>
+              <a:buNone/>
+              <a:tabLst/>
+              <a:defRPr/>
+            </a:pPr>
+            <a:r>
+              <a:rPr lang="nl-BE" dirty="0"/>
+              <a:t>Loosely coupled system: Clients remain unaware of the specific types of objects they use, as long as the objects adhere to the</a:t>
+            </a:r>
+            <a:r>
+              <a:rPr lang="nl-BE" baseline="0" dirty="0"/>
+              <a:t> interface that clients expect.</a:t>
+            </a:r>
+          </a:p>
+          <a:p>
+            <a:pPr marL="0" marR="0" lvl="1" indent="0" algn="l" defTabSz="914400" rtl="0" eaLnBrk="1" fontAlgn="auto" latinLnBrk="0" hangingPunct="1">
+              <a:lnSpc>
+                <a:spcPct val="100000"/>
+              </a:lnSpc>
+              <a:spcBef>
+                <a:spcPts val="0"/>
+              </a:spcBef>
+              <a:spcAft>
+                <a:spcPts val="0"/>
+              </a:spcAft>
+              <a:buClrTx/>
+              <a:buSzTx/>
+              <a:buFontTx/>
+              <a:buNone/>
+              <a:tabLst/>
+              <a:defRPr/>
+            </a:pPr>
+            <a:r>
+              <a:rPr lang="nl-BE" baseline="0" dirty="0"/>
+              <a:t>Creational patterns can be used to instantiate the concrete classes</a:t>
+            </a:r>
+          </a:p>
+          <a:p>
+            <a:pPr marL="0" marR="0" lvl="1" indent="0" algn="l" defTabSz="914400" rtl="0" eaLnBrk="1" fontAlgn="auto" latinLnBrk="0" hangingPunct="1">
+              <a:lnSpc>
+                <a:spcPct val="100000"/>
+              </a:lnSpc>
+              <a:spcBef>
+                <a:spcPts val="0"/>
+              </a:spcBef>
+              <a:spcAft>
+                <a:spcPts val="0"/>
+              </a:spcAft>
+              <a:buClrTx/>
+              <a:buSzTx/>
+              <a:buFontTx/>
+              <a:buNone/>
+              <a:tabLst/>
+              <a:defRPr/>
+            </a:pPr>
+            <a:endParaRPr lang="nl-BE" baseline="0" dirty="0"/>
+          </a:p>
+          <a:p>
+            <a:pPr marL="0" marR="0" lvl="1" indent="0" algn="l" defTabSz="914400" rtl="0" eaLnBrk="1" fontAlgn="auto" latinLnBrk="0" hangingPunct="1">
+              <a:lnSpc>
+                <a:spcPct val="100000"/>
+              </a:lnSpc>
+              <a:spcBef>
+                <a:spcPts val="0"/>
+              </a:spcBef>
+              <a:spcAft>
+                <a:spcPts val="0"/>
+              </a:spcAft>
+              <a:buClrTx/>
+              <a:buSzTx/>
+              <a:buFontTx/>
+              <a:buNone/>
+              <a:tabLst/>
+              <a:defRPr/>
+            </a:pPr>
+            <a:endParaRPr lang="nl-BE" dirty="0"/>
+          </a:p>
+          <a:p>
+            <a:endParaRPr lang="nl-BE" dirty="0"/>
           </a:p>
         </p:txBody>
       </p:sp>
@@ -3334,7 +3567,7 @@
     </p:spTree>
     <p:extLst>
       <p:ext uri="{BB962C8B-B14F-4D97-AF65-F5344CB8AC3E}">
-        <p14:creationId xmlns:p14="http://schemas.microsoft.com/office/powerpoint/2010/main" val="4219407294"/>
+        <p14:creationId xmlns:p14="http://schemas.microsoft.com/office/powerpoint/2010/main" val="3421036260"/>
       </p:ext>
     </p:extLst>
   </p:cSld>
@@ -3388,7 +3621,10 @@
           <a:bodyPr/>
           <a:lstStyle/>
           <a:p>
-            <a:endParaRPr lang="nl-BE" dirty="0"/>
+            <a:r>
+              <a:rPr lang="nl-BE" dirty="0"/>
+              <a:t>Object Creational GoF Pattern</a:t>
+            </a:r>
           </a:p>
         </p:txBody>
       </p:sp>
@@ -3399,7 +3635,7 @@
             <a:spLocks noGrp="1"/>
           </p:cNvSpPr>
           <p:nvPr>
-            <p:ph type="sldNum" sz="quarter" idx="5"/>
+            <p:ph type="sldNum" sz="quarter" idx="10"/>
           </p:nvPr>
         </p:nvSpPr>
         <p:spPr/>
@@ -3409,7 +3645,7 @@
           <a:p>
             <a:fld id="{8AAD598C-A564-4773-9938-73F095713663}" type="slidenum">
               <a:rPr lang="nl-BE" smtClean="0"/>
-              <a:t>36</a:t>
+              <a:t>35</a:t>
             </a:fld>
             <a:endParaRPr lang="nl-BE"/>
           </a:p>
@@ -3418,7 +3654,7 @@
     </p:spTree>
     <p:extLst>
       <p:ext uri="{BB962C8B-B14F-4D97-AF65-F5344CB8AC3E}">
-        <p14:creationId xmlns:p14="http://schemas.microsoft.com/office/powerpoint/2010/main" val="3552032083"/>
+        <p14:creationId xmlns:p14="http://schemas.microsoft.com/office/powerpoint/2010/main" val="1233954531"/>
       </p:ext>
     </p:extLst>
   </p:cSld>
@@ -3472,120 +3708,10 @@
           <a:bodyPr/>
           <a:lstStyle/>
           <a:p>
-            <a:pPr marL="0" marR="0" lvl="1" indent="0" algn="l" defTabSz="914400" rtl="0" eaLnBrk="1" fontAlgn="auto" latinLnBrk="0" hangingPunct="1">
-              <a:lnSpc>
-                <a:spcPct val="100000"/>
-              </a:lnSpc>
-              <a:spcBef>
-                <a:spcPts val="0"/>
-              </a:spcBef>
-              <a:spcAft>
-                <a:spcPts val="0"/>
-              </a:spcAft>
-              <a:buClrTx/>
-              <a:buSzTx/>
-              <a:buFontTx/>
-              <a:buNone/>
-              <a:tabLst/>
-              <a:defRPr/>
-            </a:pPr>
             <a:r>
               <a:rPr lang="nl-BE" dirty="0"/>
-              <a:t>Program to an interface:</a:t>
-            </a:r>
-          </a:p>
-          <a:p>
-            <a:pPr marL="0" marR="0" lvl="1" indent="0" algn="l" defTabSz="914400" rtl="0" eaLnBrk="1" fontAlgn="auto" latinLnBrk="0" hangingPunct="1">
-              <a:lnSpc>
-                <a:spcPct val="100000"/>
-              </a:lnSpc>
-              <a:spcBef>
-                <a:spcPts val="0"/>
-              </a:spcBef>
-              <a:spcAft>
-                <a:spcPts val="0"/>
-              </a:spcAft>
-              <a:buClrTx/>
-              <a:buSzTx/>
-              <a:buFontTx/>
-              <a:buNone/>
-              <a:tabLst/>
-              <a:defRPr/>
-            </a:pPr>
-            <a:r>
-              <a:rPr lang="nl-BE" dirty="0"/>
-              <a:t>Loosely coupled system: Clients remain unaware of the specific types of objects they use, as long as the objects adhere to the</a:t>
-            </a:r>
-            <a:r>
-              <a:rPr lang="nl-BE" baseline="0" dirty="0"/>
-              <a:t> interface that clients expect.</a:t>
-            </a:r>
-          </a:p>
-          <a:p>
-            <a:pPr marL="0" marR="0" lvl="1" indent="0" algn="l" defTabSz="914400" rtl="0" eaLnBrk="1" fontAlgn="auto" latinLnBrk="0" hangingPunct="1">
-              <a:lnSpc>
-                <a:spcPct val="100000"/>
-              </a:lnSpc>
-              <a:spcBef>
-                <a:spcPts val="0"/>
-              </a:spcBef>
-              <a:spcAft>
-                <a:spcPts val="0"/>
-              </a:spcAft>
-              <a:buClrTx/>
-              <a:buSzTx/>
-              <a:buFontTx/>
-              <a:buNone/>
-              <a:tabLst/>
-              <a:defRPr/>
-            </a:pPr>
-            <a:r>
-              <a:rPr lang="nl-BE" baseline="0" dirty="0"/>
-              <a:t>Creational patterns can be used to instantiate the concrete classes</a:t>
-            </a:r>
-          </a:p>
-          <a:p>
-            <a:pPr marL="0" marR="0" lvl="1" indent="0" algn="l" defTabSz="914400" rtl="0" eaLnBrk="1" fontAlgn="auto" latinLnBrk="0" hangingPunct="1">
-              <a:lnSpc>
-                <a:spcPct val="100000"/>
-              </a:lnSpc>
-              <a:spcBef>
-                <a:spcPts val="0"/>
-              </a:spcBef>
-              <a:spcAft>
-                <a:spcPts val="0"/>
-              </a:spcAft>
-              <a:buClrTx/>
-              <a:buSzTx/>
-              <a:buFontTx/>
-              <a:buNone/>
-              <a:tabLst/>
-              <a:defRPr/>
-            </a:pPr>
-            <a:endParaRPr lang="nl-BE" baseline="0" dirty="0"/>
-          </a:p>
-          <a:p>
-            <a:pPr marL="0" marR="0" lvl="1" indent="0" algn="l" defTabSz="914400" rtl="0" eaLnBrk="1" fontAlgn="auto" latinLnBrk="0" hangingPunct="1">
-              <a:lnSpc>
-                <a:spcPct val="100000"/>
-              </a:lnSpc>
-              <a:spcBef>
-                <a:spcPts val="0"/>
-              </a:spcBef>
-              <a:spcAft>
-                <a:spcPts val="0"/>
-              </a:spcAft>
-              <a:buClrTx/>
-              <a:buSzTx/>
-              <a:buFontTx/>
-              <a:buNone/>
-              <a:tabLst/>
-              <a:defRPr/>
-            </a:pPr>
-            <a:endParaRPr lang="nl-BE" dirty="0"/>
-          </a:p>
-          <a:p>
-            <a:endParaRPr lang="nl-BE" dirty="0"/>
+              <a:t>Object Structural GoF Pattern</a:t>
+            </a:r>
           </a:p>
         </p:txBody>
       </p:sp>
@@ -3606,7 +3732,7 @@
           <a:p>
             <a:fld id="{8AAD598C-A564-4773-9938-73F095713663}" type="slidenum">
               <a:rPr lang="nl-BE" smtClean="0"/>
-              <a:t>38</a:t>
+              <a:t>37</a:t>
             </a:fld>
             <a:endParaRPr lang="nl-BE"/>
           </a:p>
@@ -3615,7 +3741,7 @@
     </p:spTree>
     <p:extLst>
       <p:ext uri="{BB962C8B-B14F-4D97-AF65-F5344CB8AC3E}">
-        <p14:creationId xmlns:p14="http://schemas.microsoft.com/office/powerpoint/2010/main" val="3421036260"/>
+        <p14:creationId xmlns:p14="http://schemas.microsoft.com/office/powerpoint/2010/main" val="1980581622"/>
       </p:ext>
     </p:extLst>
   </p:cSld>
@@ -3669,38 +3795,6 @@
           <a:bodyPr/>
           <a:lstStyle/>
           <a:p>
-            <a:r>
-              <a:rPr lang="nl-BE" dirty="0"/>
-              <a:t>void g(Rectangle</a:t>
-            </a:r>
-            <a:r>
-              <a:rPr lang="nl-BE" baseline="0" dirty="0"/>
-              <a:t> r) {</a:t>
-            </a:r>
-          </a:p>
-          <a:p>
-            <a:r>
-              <a:rPr lang="nl-BE" baseline="0" dirty="0"/>
-              <a:t>	r.Width= 5;</a:t>
-            </a:r>
-          </a:p>
-          <a:p>
-            <a:r>
-              <a:rPr lang="nl-BE" baseline="0" dirty="0"/>
-              <a:t>	r.Height = 4;</a:t>
-            </a:r>
-          </a:p>
-          <a:p>
-            <a:r>
-              <a:rPr lang="nl-BE" baseline="0" dirty="0"/>
-              <a:t>	if (r.Area() != 20)</a:t>
-            </a:r>
-          </a:p>
-          <a:p>
-            <a:r>
-              <a:rPr lang="nl-BE" baseline="0" dirty="0"/>
-              <a:t>		throw new Exception(“Bad Area”);</a:t>
-            </a:r>
             <a:endParaRPr lang="nl-BE" dirty="0"/>
           </a:p>
         </p:txBody>
@@ -3712,123 +3806,7 @@
             <a:spLocks noGrp="1"/>
           </p:cNvSpPr>
           <p:nvPr>
-            <p:ph type="sldNum" sz="quarter" idx="10"/>
-          </p:nvPr>
-        </p:nvSpPr>
-        <p:spPr/>
-        <p:txBody>
-          <a:bodyPr/>
-          <a:lstStyle/>
-          <a:p>
-            <a:fld id="{8AAD598C-A564-4773-9938-73F095713663}" type="slidenum">
-              <a:rPr lang="nl-BE" smtClean="0"/>
-              <a:t>39</a:t>
-            </a:fld>
-            <a:endParaRPr lang="nl-BE"/>
-          </a:p>
-        </p:txBody>
-      </p:sp>
-    </p:spTree>
-    <p:extLst>
-      <p:ext uri="{BB962C8B-B14F-4D97-AF65-F5344CB8AC3E}">
-        <p14:creationId xmlns:p14="http://schemas.microsoft.com/office/powerpoint/2010/main" val="205436096"/>
-      </p:ext>
-    </p:extLst>
-  </p:cSld>
-  <p:clrMapOvr>
-    <a:masterClrMapping/>
-  </p:clrMapOvr>
-</p:notes>
-</file>
-
-<file path=ppt/notesSlides/notesSlide33.xml><?xml version="1.0" encoding="utf-8"?>
-<p:notes xmlns:a="http://schemas.openxmlformats.org/drawingml/2006/main" xmlns:r="http://schemas.openxmlformats.org/officeDocument/2006/relationships" xmlns:p="http://schemas.openxmlformats.org/presentationml/2006/main">
-  <p:cSld>
-    <p:spTree>
-      <p:nvGrpSpPr>
-        <p:cNvPr id="1" name=""/>
-        <p:cNvGrpSpPr/>
-        <p:nvPr/>
-      </p:nvGrpSpPr>
-      <p:grpSpPr>
-        <a:xfrm>
-          <a:off x="0" y="0"/>
-          <a:ext cx="0" cy="0"/>
-          <a:chOff x="0" y="0"/>
-          <a:chExt cx="0" cy="0"/>
-        </a:xfrm>
-      </p:grpSpPr>
-      <p:sp>
-        <p:nvSpPr>
-          <p:cNvPr id="2" name="Slide Image Placeholder 1"/>
-          <p:cNvSpPr>
-            <a:spLocks noGrp="1" noRot="1" noChangeAspect="1"/>
-          </p:cNvSpPr>
-          <p:nvPr>
-            <p:ph type="sldImg"/>
-          </p:nvPr>
-        </p:nvSpPr>
-        <p:spPr/>
-      </p:sp>
-      <p:sp>
-        <p:nvSpPr>
-          <p:cNvPr id="3" name="Notes Placeholder 2"/>
-          <p:cNvSpPr>
-            <a:spLocks noGrp="1"/>
-          </p:cNvSpPr>
-          <p:nvPr>
-            <p:ph type="body" idx="1"/>
-          </p:nvPr>
-        </p:nvSpPr>
-        <p:spPr/>
-        <p:txBody>
-          <a:bodyPr/>
-          <a:lstStyle/>
-          <a:p>
-            <a:r>
-              <a:rPr lang="nl-BE" dirty="0"/>
-              <a:t>void g(Rectangle</a:t>
-            </a:r>
-            <a:r>
-              <a:rPr lang="nl-BE" baseline="0" dirty="0"/>
-              <a:t> r) {</a:t>
-            </a:r>
-          </a:p>
-          <a:p>
-            <a:r>
-              <a:rPr lang="nl-BE" baseline="0" dirty="0"/>
-              <a:t>	r.Width= 5;</a:t>
-            </a:r>
-          </a:p>
-          <a:p>
-            <a:r>
-              <a:rPr lang="nl-BE" baseline="0" dirty="0"/>
-              <a:t>	r.Height = 4;</a:t>
-            </a:r>
-          </a:p>
-          <a:p>
-            <a:r>
-              <a:rPr lang="nl-BE" baseline="0" dirty="0"/>
-              <a:t>	if (r.Area() != 20)</a:t>
-            </a:r>
-          </a:p>
-          <a:p>
-            <a:r>
-              <a:rPr lang="nl-BE" baseline="0" dirty="0"/>
-              <a:t>		throw new Exception(“Bad Area”);</a:t>
-            </a:r>
-            <a:endParaRPr lang="nl-BE" dirty="0"/>
-          </a:p>
-        </p:txBody>
-      </p:sp>
-      <p:sp>
-        <p:nvSpPr>
-          <p:cNvPr id="4" name="Slide Number Placeholder 3"/>
-          <p:cNvSpPr>
-            <a:spLocks noGrp="1"/>
-          </p:cNvSpPr>
-          <p:nvPr>
-            <p:ph type="sldNum" sz="quarter" idx="10"/>
+            <p:ph type="sldNum" sz="quarter" idx="5"/>
           </p:nvPr>
         </p:nvSpPr>
         <p:spPr/>
@@ -3847,7 +3825,7 @@
     </p:spTree>
     <p:extLst>
       <p:ext uri="{BB962C8B-B14F-4D97-AF65-F5344CB8AC3E}">
-        <p14:creationId xmlns:p14="http://schemas.microsoft.com/office/powerpoint/2010/main" val="205436096"/>
+        <p14:creationId xmlns:p14="http://schemas.microsoft.com/office/powerpoint/2010/main" val="3552032083"/>
       </p:ext>
     </p:extLst>
   </p:cSld>
@@ -3901,85 +3879,14 @@
           <a:bodyPr/>
           <a:lstStyle/>
           <a:p>
+            <a:pPr marL="0" indent="0">
+              <a:buFontTx/>
+              <a:buNone/>
+            </a:pPr>
             <a:r>
               <a:rPr lang="nl-BE" dirty="0"/>
-              <a:t>UML &amp; Patterns: Most simply, a good </a:t>
-            </a:r>
-            <a:r>
-              <a:rPr lang="nl-BE" b="1" dirty="0"/>
-              <a:t>pattern</a:t>
-            </a:r>
-            <a:r>
-              <a:rPr lang="nl-BE" dirty="0"/>
-              <a:t> is a </a:t>
-            </a:r>
-            <a:r>
-              <a:rPr lang="nl-BE" i="1" dirty="0"/>
-              <a:t>named</a:t>
-            </a:r>
-            <a:r>
-              <a:rPr lang="nl-BE" dirty="0"/>
-              <a:t> and </a:t>
-            </a:r>
-            <a:r>
-              <a:rPr lang="nl-BE" i="1" dirty="0"/>
-              <a:t>well-known</a:t>
-            </a:r>
-            <a:r>
-              <a:rPr lang="nl-BE" dirty="0"/>
-              <a:t> problem/solution pair that can be applied in new contexts, with advice on how to apply it in novel situations and</a:t>
-            </a:r>
-            <a:r>
-              <a:rPr lang="nl-BE" baseline="0" dirty="0"/>
-              <a:t> discussion of its trade-offs, implementations, variations, and so forth.</a:t>
-            </a:r>
-          </a:p>
-          <a:p>
-            <a:endParaRPr lang="nl-BE" baseline="0" dirty="0"/>
-          </a:p>
-          <a:p>
-            <a:r>
-              <a:rPr lang="nl-BE" baseline="0" dirty="0"/>
-              <a:t>It facilitates communication: “Hey Jack, for the persistence subsystem, let’s expose the services with a </a:t>
-            </a:r>
-            <a:r>
-              <a:rPr lang="nl-BE" i="1" baseline="0" dirty="0"/>
-              <a:t>Facade</a:t>
-            </a:r>
-            <a:r>
-              <a:rPr lang="nl-BE" baseline="0" dirty="0"/>
-              <a:t>. We’ll use an </a:t>
-            </a:r>
-            <a:r>
-              <a:rPr lang="nl-BE" i="1" baseline="0" dirty="0"/>
-              <a:t>Abstract Factory </a:t>
-            </a:r>
-            <a:r>
-              <a:rPr lang="nl-BE" baseline="0" dirty="0"/>
-              <a:t>for </a:t>
-            </a:r>
-            <a:r>
-              <a:rPr lang="nl-BE" i="1" baseline="0" dirty="0"/>
-              <a:t>Mappers</a:t>
-            </a:r>
-            <a:r>
-              <a:rPr lang="nl-BE" baseline="0" dirty="0"/>
-              <a:t>, and </a:t>
-            </a:r>
-            <a:r>
-              <a:rPr lang="nl-BE" i="1" baseline="0" dirty="0"/>
-              <a:t>Proxies</a:t>
-            </a:r>
-            <a:r>
-              <a:rPr lang="nl-BE" baseline="0" dirty="0"/>
-              <a:t> for lazy materialization.”</a:t>
-            </a:r>
-          </a:p>
-          <a:p>
-            <a:endParaRPr lang="nl-BE" baseline="0" dirty="0"/>
-          </a:p>
-          <a:p>
-            <a:endParaRPr lang="nl-BE" dirty="0"/>
+              <a:t>Book: A Pattern Language (1977)</a:t>
+            </a:r>
           </a:p>
         </p:txBody>
       </p:sp>
@@ -4009,7 +3916,7 @@
     </p:spTree>
     <p:extLst>
       <p:ext uri="{BB962C8B-B14F-4D97-AF65-F5344CB8AC3E}">
-        <p14:creationId xmlns:p14="http://schemas.microsoft.com/office/powerpoint/2010/main" val="4129481424"/>
+        <p14:creationId xmlns:p14="http://schemas.microsoft.com/office/powerpoint/2010/main" val="4219407294"/>
       </p:ext>
     </p:extLst>
   </p:cSld>
@@ -4063,56 +3970,85 @@
           <a:bodyPr/>
           <a:lstStyle/>
           <a:p>
-            <a:pPr marL="0" marR="0" indent="0" algn="l" defTabSz="914400" rtl="0" eaLnBrk="1" fontAlgn="auto" latinLnBrk="0" hangingPunct="1">
-              <a:lnSpc>
-                <a:spcPct val="100000"/>
-              </a:lnSpc>
-              <a:spcBef>
-                <a:spcPts val="0"/>
-              </a:spcBef>
-              <a:spcAft>
-                <a:spcPts val="0"/>
-              </a:spcAft>
-              <a:buClrTx/>
-              <a:buSzTx/>
-              <a:buFontTx/>
-              <a:buNone/>
-              <a:tabLst/>
-              <a:defRPr/>
-            </a:pPr>
             <a:r>
               <a:rPr lang="nl-BE" dirty="0"/>
-              <a:t>Name:</a:t>
+              <a:t>UML &amp; Patterns: Most simply, a good </a:t>
+            </a:r>
+            <a:r>
+              <a:rPr lang="nl-BE" b="1" dirty="0"/>
+              <a:t>pattern</a:t>
+            </a:r>
+            <a:r>
+              <a:rPr lang="nl-BE" dirty="0"/>
+              <a:t> is a </a:t>
+            </a:r>
+            <a:r>
+              <a:rPr lang="nl-BE" i="1" dirty="0"/>
+              <a:t>named</a:t>
+            </a:r>
+            <a:r>
+              <a:rPr lang="nl-BE" dirty="0"/>
+              <a:t> and </a:t>
+            </a:r>
+            <a:r>
+              <a:rPr lang="nl-BE" i="1" dirty="0"/>
+              <a:t>well-known</a:t>
+            </a:r>
+            <a:r>
+              <a:rPr lang="nl-BE" dirty="0"/>
+              <a:t> problem/solution pair that can be applied in new contexts, with advice on how to apply it in novel situations and</a:t>
             </a:r>
             <a:r>
               <a:rPr lang="nl-BE" baseline="0" dirty="0"/>
-              <a:t> Allow us to communicate (colleagues, documentation, ourselves) at a higher level of abstraction. </a:t>
-            </a:r>
-            <a:r>
-              <a:rPr lang="en-US" dirty="0"/>
-              <a:t>Good names communicate. Poor names obfuscate.</a:t>
-            </a:r>
+              <a:t> discussion of its trade-offs, implementations, variations, and so forth.</a:t>
+            </a:r>
+          </a:p>
+          <a:p>
+            <a:endParaRPr lang="nl-BE" baseline="0" dirty="0"/>
           </a:p>
           <a:p>
             <a:r>
               <a:rPr lang="nl-BE" baseline="0" dirty="0"/>
-              <a:t>Problem: When to apply the pattern. </a:t>
-            </a:r>
-          </a:p>
-          <a:p>
+              <a:t>It facilitates communication: “Hey Jack, for the persistence subsystem, let’s expose the services with a </a:t>
+            </a:r>
+            <a:r>
+              <a:rPr lang="nl-BE" i="1" baseline="0" dirty="0"/>
+              <a:t>Facade</a:t>
+            </a:r>
             <a:r>
               <a:rPr lang="nl-BE" baseline="0" dirty="0"/>
-              <a:t>Solution: The elements that make up the design, their relationships, responsibilities, and collaborations.</a:t>
-            </a:r>
-          </a:p>
-          <a:p>
+              <a:t>. We’ll use an </a:t>
+            </a:r>
+            <a:r>
+              <a:rPr lang="nl-BE" i="1" baseline="0" dirty="0"/>
+              <a:t>Abstract Factory </a:t>
+            </a:r>
             <a:r>
               <a:rPr lang="nl-BE" baseline="0" dirty="0"/>
-              <a:t>Consequences: The results AND the trade-offs of applying the pattern. Critical for evaluating design alternatives and for understanding the costs and benefits of applying the pattern.</a:t>
+              <a:t>for </a:t>
+            </a:r>
+            <a:r>
+              <a:rPr lang="nl-BE" i="1" baseline="0" dirty="0"/>
+              <a:t>Mappers</a:t>
+            </a:r>
+            <a:r>
+              <a:rPr lang="nl-BE" baseline="0" dirty="0"/>
+              <a:t>, and </a:t>
+            </a:r>
+            <a:r>
+              <a:rPr lang="nl-BE" i="1" baseline="0" dirty="0"/>
+              <a:t>Proxies</a:t>
+            </a:r>
+            <a:r>
+              <a:rPr lang="nl-BE" baseline="0" dirty="0"/>
+              <a:t> for lazy materialization.”</a:t>
             </a:r>
           </a:p>
           <a:p>
             <a:endParaRPr lang="nl-BE" baseline="0" dirty="0"/>
+          </a:p>
+          <a:p>
+            <a:endParaRPr lang="nl-BE" dirty="0"/>
           </a:p>
         </p:txBody>
       </p:sp>
@@ -4142,7 +4078,7 @@
     </p:spTree>
     <p:extLst>
       <p:ext uri="{BB962C8B-B14F-4D97-AF65-F5344CB8AC3E}">
-        <p14:creationId xmlns:p14="http://schemas.microsoft.com/office/powerpoint/2010/main" val="794758796"/>
+        <p14:creationId xmlns:p14="http://schemas.microsoft.com/office/powerpoint/2010/main" val="4129481424"/>
       </p:ext>
     </p:extLst>
   </p:cSld>
@@ -4196,48 +4132,56 @@
           <a:bodyPr/>
           <a:lstStyle/>
           <a:p>
+            <a:pPr marL="0" marR="0" indent="0" algn="l" defTabSz="914400" rtl="0" eaLnBrk="1" fontAlgn="auto" latinLnBrk="0" hangingPunct="1">
+              <a:lnSpc>
+                <a:spcPct val="100000"/>
+              </a:lnSpc>
+              <a:spcBef>
+                <a:spcPts val="0"/>
+              </a:spcBef>
+              <a:spcAft>
+                <a:spcPts val="0"/>
+              </a:spcAft>
+              <a:buClrTx/>
+              <a:buSzTx/>
+              <a:buFontTx/>
+              <a:buNone/>
+              <a:tabLst/>
+              <a:defRPr/>
+            </a:pPr>
             <a:r>
               <a:rPr lang="nl-BE" dirty="0"/>
-              <a:t>Creational: Factory method, Builder, Abstract factory, Prototype, Singleton/Multiton</a:t>
-            </a:r>
-          </a:p>
-          <a:p>
-            <a:r>
-              <a:rPr lang="nl-BE" dirty="0"/>
-              <a:t>Structural: Adapter/Wrapper, Composite, Facade, Proxy, Flyweight</a:t>
-            </a:r>
-          </a:p>
-          <a:p>
-            <a:r>
-              <a:rPr lang="nl-BE" dirty="0"/>
-              <a:t>Behavioral: Command, Iterator, Memento, Mediator, Observer, Null Object, State, Strategy, Template Method, Visitor</a:t>
-            </a:r>
-          </a:p>
-          <a:p>
-            <a:endParaRPr lang="nl-BE" dirty="0"/>
-          </a:p>
-          <a:p>
-            <a:r>
-              <a:rPr lang="nl-BE" dirty="0"/>
-              <a:t>Not covered</a:t>
+              <a:t>Name:</a:t>
             </a:r>
             <a:r>
               <a:rPr lang="nl-BE" baseline="0" dirty="0"/>
-              <a:t> by GoF:</a:t>
-            </a:r>
-            <a:endParaRPr lang="nl-BE" dirty="0"/>
-          </a:p>
-          <a:p>
-            <a:r>
-              <a:rPr lang="nl-BE" dirty="0"/>
-              <a:t>GUI: MVC, MVVM, MVP, ...</a:t>
-            </a:r>
-          </a:p>
-          <a:p>
-            <a:r>
-              <a:rPr lang="nl-BE" dirty="0"/>
-              <a:t>Concurrency: ReadWrite lock, Monitor, ThreadPool</a:t>
-            </a:r>
+              <a:t> Allow us to communicate (colleagues, documentation, ourselves) at a higher level of abstraction. </a:t>
+            </a:r>
+            <a:r>
+              <a:rPr lang="en-US" dirty="0"/>
+              <a:t>Good names communicate. Poor names obfuscate.</a:t>
+            </a:r>
+          </a:p>
+          <a:p>
+            <a:r>
+              <a:rPr lang="nl-BE" baseline="0" dirty="0"/>
+              <a:t>Problem: When to apply the pattern. </a:t>
+            </a:r>
+          </a:p>
+          <a:p>
+            <a:r>
+              <a:rPr lang="nl-BE" baseline="0" dirty="0"/>
+              <a:t>Solution: The elements that make up the design, their relationships, responsibilities, and collaborations.</a:t>
+            </a:r>
+          </a:p>
+          <a:p>
+            <a:r>
+              <a:rPr lang="nl-BE" baseline="0" dirty="0"/>
+              <a:t>Consequences: The results AND the trade-offs of applying the pattern. Critical for evaluating design alternatives and for understanding the costs and benefits of applying the pattern.</a:t>
+            </a:r>
+          </a:p>
+          <a:p>
+            <a:endParaRPr lang="nl-BE" baseline="0" dirty="0"/>
           </a:p>
         </p:txBody>
       </p:sp>
@@ -4267,7 +4211,7 @@
     </p:spTree>
     <p:extLst>
       <p:ext uri="{BB962C8B-B14F-4D97-AF65-F5344CB8AC3E}">
-        <p14:creationId xmlns:p14="http://schemas.microsoft.com/office/powerpoint/2010/main" val="1197248579"/>
+        <p14:creationId xmlns:p14="http://schemas.microsoft.com/office/powerpoint/2010/main" val="794758796"/>
       </p:ext>
     </p:extLst>
   </p:cSld>
@@ -4321,100 +4265,48 @@
           <a:bodyPr/>
           <a:lstStyle/>
           <a:p>
-            <a:pPr marL="0" marR="0" indent="0" algn="l" defTabSz="914400" rtl="0" eaLnBrk="1" fontAlgn="auto" latinLnBrk="0" hangingPunct="1">
-              <a:lnSpc>
-                <a:spcPct val="100000"/>
-              </a:lnSpc>
-              <a:spcBef>
-                <a:spcPts val="0"/>
-              </a:spcBef>
-              <a:spcAft>
-                <a:spcPts val="0"/>
-              </a:spcAft>
-              <a:buClrTx/>
-              <a:buSzTx/>
-              <a:buFontTx/>
-              <a:buNone/>
-              <a:tabLst/>
-              <a:defRPr/>
-            </a:pPr>
             <a:r>
               <a:rPr lang="nl-BE" dirty="0"/>
-              <a:t>One person’s pattern can be another person’s primitive building</a:t>
+              <a:t>Creational: Factory method, Builder, Abstract factory, Prototype, Singleton/Multiton</a:t>
+            </a:r>
+          </a:p>
+          <a:p>
+            <a:r>
+              <a:rPr lang="nl-BE" dirty="0"/>
+              <a:t>Structural: Adapter/Wrapper, Composite, Facade, Proxy, Flyweight</a:t>
+            </a:r>
+          </a:p>
+          <a:p>
+            <a:r>
+              <a:rPr lang="nl-BE" dirty="0"/>
+              <a:t>Behavioral: Command, Iterator, Memento, Mediator, Observer, Null Object, State, Strategy, Template Method, Visitor</a:t>
+            </a:r>
+          </a:p>
+          <a:p>
+            <a:endParaRPr lang="nl-BE" dirty="0"/>
+          </a:p>
+          <a:p>
+            <a:r>
+              <a:rPr lang="nl-BE" dirty="0"/>
+              <a:t>Not covered</a:t>
             </a:r>
             <a:r>
               <a:rPr lang="nl-BE" baseline="0" dirty="0"/>
-              <a:t> block.</a:t>
+              <a:t> by GoF:</a:t>
             </a:r>
             <a:endParaRPr lang="nl-BE" dirty="0"/>
           </a:p>
           <a:p>
-            <a:endParaRPr lang="nl-BE" dirty="0"/>
-          </a:p>
-          <a:p>
-            <a:pPr marL="0" marR="0" lvl="1" indent="0" algn="l" defTabSz="914400" rtl="0" eaLnBrk="1" fontAlgn="auto" latinLnBrk="0" hangingPunct="1">
-              <a:lnSpc>
-                <a:spcPct val="100000"/>
-              </a:lnSpc>
-              <a:spcBef>
-                <a:spcPts val="0"/>
-              </a:spcBef>
-              <a:spcAft>
-                <a:spcPts val="0"/>
-              </a:spcAft>
-              <a:buClrTx/>
-              <a:buSzTx/>
-              <a:buFontTx/>
-              <a:buNone/>
-              <a:tabLst/>
-              <a:defRPr/>
-            </a:pPr>
-            <a:r>
-              <a:rPr lang="en-US" dirty="0"/>
-              <a:t>Patterns are often implemented in the same way but have different </a:t>
-            </a:r>
-            <a:r>
-              <a:rPr lang="en-US" b="1" dirty="0"/>
-              <a:t>intent </a:t>
-            </a:r>
-            <a:r>
-              <a:rPr lang="en-US" dirty="0"/>
-              <a:t>(</a:t>
-            </a:r>
             <a:r>
               <a:rPr lang="nl-BE" dirty="0"/>
-              <a:t>vb: Adapter &amp; Decorator.)</a:t>
-            </a:r>
-          </a:p>
-          <a:p>
-            <a:endParaRPr lang="nl-BE" dirty="0"/>
-          </a:p>
-          <a:p>
-            <a:pPr marL="0" marR="0" indent="0" algn="l" defTabSz="914400" rtl="0" eaLnBrk="1" fontAlgn="auto" latinLnBrk="0" hangingPunct="1">
-              <a:lnSpc>
-                <a:spcPct val="100000"/>
-              </a:lnSpc>
-              <a:spcBef>
-                <a:spcPts val="0"/>
-              </a:spcBef>
-              <a:spcAft>
-                <a:spcPts val="0"/>
-              </a:spcAft>
-              <a:buClrTx/>
-              <a:buSzTx/>
-              <a:buFontTx/>
-              <a:buNone/>
-              <a:tabLst/>
-              <a:defRPr/>
-            </a:pPr>
-            <a:r>
-              <a:rPr lang="en-US" dirty="0"/>
-              <a:t>In order to achieve flexibility, design patterns usually introduce additional levels of indirection, which in some cases may complicate the resulting designs and hurt application performance.</a:t>
-            </a:r>
-            <a:endParaRPr lang="nl-BE" dirty="0"/>
-          </a:p>
-          <a:p>
-            <a:endParaRPr lang="nl-BE" dirty="0"/>
+              <a:t>GUI: MVC, MVVM, MVP, ...</a:t>
+            </a:r>
+          </a:p>
+          <a:p>
+            <a:r>
+              <a:rPr lang="nl-BE" dirty="0"/>
+              <a:t>Concurrency: ReadWrite lock, Monitor, ThreadPool</a:t>
+            </a:r>
           </a:p>
         </p:txBody>
       </p:sp>
@@ -4444,7 +4336,7 @@
     </p:spTree>
     <p:extLst>
       <p:ext uri="{BB962C8B-B14F-4D97-AF65-F5344CB8AC3E}">
-        <p14:creationId xmlns:p14="http://schemas.microsoft.com/office/powerpoint/2010/main" val="3771801301"/>
+        <p14:creationId xmlns:p14="http://schemas.microsoft.com/office/powerpoint/2010/main" val="1197248579"/>
       </p:ext>
     </p:extLst>
   </p:cSld>
@@ -4498,10 +4390,100 @@
           <a:bodyPr/>
           <a:lstStyle/>
           <a:p>
+            <a:pPr marL="0" marR="0" indent="0" algn="l" defTabSz="914400" rtl="0" eaLnBrk="1" fontAlgn="auto" latinLnBrk="0" hangingPunct="1">
+              <a:lnSpc>
+                <a:spcPct val="100000"/>
+              </a:lnSpc>
+              <a:spcBef>
+                <a:spcPts val="0"/>
+              </a:spcBef>
+              <a:spcAft>
+                <a:spcPts val="0"/>
+              </a:spcAft>
+              <a:buClrTx/>
+              <a:buSzTx/>
+              <a:buFontTx/>
+              <a:buNone/>
+              <a:tabLst/>
+              <a:defRPr/>
+            </a:pPr>
             <a:r>
               <a:rPr lang="nl-BE" dirty="0"/>
-              <a:t>Which patterns have you already implemented in your designs?</a:t>
-            </a:r>
+              <a:t>One person’s pattern can be another person’s primitive building</a:t>
+            </a:r>
+            <a:r>
+              <a:rPr lang="nl-BE" baseline="0" dirty="0"/>
+              <a:t> block.</a:t>
+            </a:r>
+            <a:endParaRPr lang="nl-BE" dirty="0"/>
+          </a:p>
+          <a:p>
+            <a:endParaRPr lang="nl-BE" dirty="0"/>
+          </a:p>
+          <a:p>
+            <a:pPr marL="0" marR="0" lvl="1" indent="0" algn="l" defTabSz="914400" rtl="0" eaLnBrk="1" fontAlgn="auto" latinLnBrk="0" hangingPunct="1">
+              <a:lnSpc>
+                <a:spcPct val="100000"/>
+              </a:lnSpc>
+              <a:spcBef>
+                <a:spcPts val="0"/>
+              </a:spcBef>
+              <a:spcAft>
+                <a:spcPts val="0"/>
+              </a:spcAft>
+              <a:buClrTx/>
+              <a:buSzTx/>
+              <a:buFontTx/>
+              <a:buNone/>
+              <a:tabLst/>
+              <a:defRPr/>
+            </a:pPr>
+            <a:r>
+              <a:rPr lang="en-US" dirty="0"/>
+              <a:t>Patterns are often implemented in the same way but have different </a:t>
+            </a:r>
+            <a:r>
+              <a:rPr lang="en-US" b="1" dirty="0"/>
+              <a:t>intent </a:t>
+            </a:r>
+            <a:r>
+              <a:rPr lang="en-US" dirty="0"/>
+              <a:t>(</a:t>
+            </a:r>
+            <a:r>
+              <a:rPr lang="nl-BE" dirty="0"/>
+              <a:t>vb: Adapter &amp; Decorator.)</a:t>
+            </a:r>
+          </a:p>
+          <a:p>
+            <a:endParaRPr lang="nl-BE" dirty="0"/>
+          </a:p>
+          <a:p>
+            <a:pPr marL="0" marR="0" indent="0" algn="l" defTabSz="914400" rtl="0" eaLnBrk="1" fontAlgn="auto" latinLnBrk="0" hangingPunct="1">
+              <a:lnSpc>
+                <a:spcPct val="100000"/>
+              </a:lnSpc>
+              <a:spcBef>
+                <a:spcPts val="0"/>
+              </a:spcBef>
+              <a:spcAft>
+                <a:spcPts val="0"/>
+              </a:spcAft>
+              <a:buClrTx/>
+              <a:buSzTx/>
+              <a:buFontTx/>
+              <a:buNone/>
+              <a:tabLst/>
+              <a:defRPr/>
+            </a:pPr>
+            <a:r>
+              <a:rPr lang="en-US" dirty="0"/>
+              <a:t>In order to achieve flexibility, design patterns usually introduce additional levels of indirection, which in some cases may complicate the resulting designs and hurt application performance.</a:t>
+            </a:r>
+            <a:endParaRPr lang="nl-BE" dirty="0"/>
+          </a:p>
+          <a:p>
+            <a:endParaRPr lang="nl-BE" dirty="0"/>
           </a:p>
         </p:txBody>
       </p:sp>
@@ -4531,7 +4513,7 @@
     </p:spTree>
     <p:extLst>
       <p:ext uri="{BB962C8B-B14F-4D97-AF65-F5344CB8AC3E}">
-        <p14:creationId xmlns:p14="http://schemas.microsoft.com/office/powerpoint/2010/main" val="995890192"/>
+        <p14:creationId xmlns:p14="http://schemas.microsoft.com/office/powerpoint/2010/main" val="3771801301"/>
       </p:ext>
     </p:extLst>
   </p:cSld>
@@ -4587,13 +4569,8 @@
           <a:p>
             <a:r>
               <a:rPr lang="nl-BE" dirty="0"/>
-              <a:t>Robert C. Martin (Uncle Bob) – Agile Principles,</a:t>
-            </a:r>
-            <a:r>
-              <a:rPr lang="nl-BE" baseline="0" dirty="0"/>
-              <a:t> Patterns and Practices</a:t>
-            </a:r>
-            <a:endParaRPr lang="nl-BE" dirty="0"/>
+              <a:t>Which patterns have you already implemented in your designs?</a:t>
+            </a:r>
           </a:p>
         </p:txBody>
       </p:sp>
@@ -4623,7 +4600,7 @@
     </p:spTree>
     <p:extLst>
       <p:ext uri="{BB962C8B-B14F-4D97-AF65-F5344CB8AC3E}">
-        <p14:creationId xmlns:p14="http://schemas.microsoft.com/office/powerpoint/2010/main" val="3951032796"/>
+        <p14:creationId xmlns:p14="http://schemas.microsoft.com/office/powerpoint/2010/main" val="995890192"/>
       </p:ext>
     </p:extLst>
   </p:cSld>
@@ -4819,7 +4796,7 @@
             <a:fld id="{1D8BD707-D9CF-40AE-B4C6-C98DA3205C09}" type="datetimeFigureOut">
               <a:rPr lang="en-US" smtClean="0"/>
               <a:pPr/>
-              <a:t>1/28/2019</a:t>
+              <a:t>1/29/2019</a:t>
             </a:fld>
             <a:endParaRPr lang="en-US"/>
           </a:p>
@@ -5119,7 +5096,7 @@
             <a:fld id="{1D8BD707-D9CF-40AE-B4C6-C98DA3205C09}" type="datetimeFigureOut">
               <a:rPr lang="en-US" smtClean="0"/>
               <a:pPr/>
-              <a:t>1/28/2019</a:t>
+              <a:t>1/29/2019</a:t>
             </a:fld>
             <a:endParaRPr lang="en-US"/>
           </a:p>
@@ -5313,7 +5290,7 @@
             <a:fld id="{1D8BD707-D9CF-40AE-B4C6-C98DA3205C09}" type="datetimeFigureOut">
               <a:rPr lang="en-US" smtClean="0"/>
               <a:pPr/>
-              <a:t>1/28/2019</a:t>
+              <a:t>1/29/2019</a:t>
             </a:fld>
             <a:endParaRPr lang="en-US"/>
           </a:p>
@@ -5576,7 +5553,7 @@
             <a:fld id="{1D8BD707-D9CF-40AE-B4C6-C98DA3205C09}" type="datetimeFigureOut">
               <a:rPr lang="en-US" smtClean="0"/>
               <a:pPr/>
-              <a:t>1/28/2019</a:t>
+              <a:t>1/29/2019</a:t>
             </a:fld>
             <a:endParaRPr lang="en-US"/>
           </a:p>
@@ -6002,7 +5979,7 @@
             <a:fld id="{1D8BD707-D9CF-40AE-B4C6-C98DA3205C09}" type="datetimeFigureOut">
               <a:rPr lang="en-US" smtClean="0"/>
               <a:pPr/>
-              <a:t>1/28/2019</a:t>
+              <a:t>1/29/2019</a:t>
             </a:fld>
             <a:endParaRPr lang="en-US"/>
           </a:p>
@@ -6541,7 +6518,7 @@
             <a:fld id="{1D8BD707-D9CF-40AE-B4C6-C98DA3205C09}" type="datetimeFigureOut">
               <a:rPr lang="en-US" smtClean="0"/>
               <a:pPr/>
-              <a:t>1/28/2019</a:t>
+              <a:t>1/29/2019</a:t>
             </a:fld>
             <a:endParaRPr lang="en-US"/>
           </a:p>
@@ -7407,7 +7384,7 @@
             <a:fld id="{1D8BD707-D9CF-40AE-B4C6-C98DA3205C09}" type="datetimeFigureOut">
               <a:rPr lang="en-US" smtClean="0"/>
               <a:pPr/>
-              <a:t>1/28/2019</a:t>
+              <a:t>1/29/2019</a:t>
             </a:fld>
             <a:endParaRPr lang="en-US"/>
           </a:p>
@@ -7579,7 +7556,7 @@
             <a:fld id="{1D8BD707-D9CF-40AE-B4C6-C98DA3205C09}" type="datetimeFigureOut">
               <a:rPr lang="en-US" smtClean="0"/>
               <a:pPr/>
-              <a:t>1/28/2019</a:t>
+              <a:t>1/29/2019</a:t>
             </a:fld>
             <a:endParaRPr lang="en-US"/>
           </a:p>
@@ -7765,7 +7742,7 @@
             <a:fld id="{1D8BD707-D9CF-40AE-B4C6-C98DA3205C09}" type="datetimeFigureOut">
               <a:rPr lang="en-US" smtClean="0"/>
               <a:pPr/>
-              <a:t>1/28/2019</a:t>
+              <a:t>1/29/2019</a:t>
             </a:fld>
             <a:endParaRPr lang="en-US"/>
           </a:p>
@@ -7937,7 +7914,7 @@
             <a:fld id="{1D8BD707-D9CF-40AE-B4C6-C98DA3205C09}" type="datetimeFigureOut">
               <a:rPr lang="en-US" smtClean="0"/>
               <a:pPr/>
-              <a:t>1/28/2019</a:t>
+              <a:t>1/29/2019</a:t>
             </a:fld>
             <a:endParaRPr lang="en-US"/>
           </a:p>
@@ -8183,7 +8160,7 @@
             <a:fld id="{1D8BD707-D9CF-40AE-B4C6-C98DA3205C09}" type="datetimeFigureOut">
               <a:rPr lang="en-US" smtClean="0"/>
               <a:pPr/>
-              <a:t>1/28/2019</a:t>
+              <a:t>1/29/2019</a:t>
             </a:fld>
             <a:endParaRPr lang="en-US"/>
           </a:p>
@@ -8421,7 +8398,7 @@
             <a:fld id="{1D8BD707-D9CF-40AE-B4C6-C98DA3205C09}" type="datetimeFigureOut">
               <a:rPr lang="en-US" smtClean="0"/>
               <a:pPr/>
-              <a:t>1/28/2019</a:t>
+              <a:t>1/29/2019</a:t>
             </a:fld>
             <a:endParaRPr lang="en-US"/>
           </a:p>
@@ -8889,7 +8866,7 @@
             <a:fld id="{1D8BD707-D9CF-40AE-B4C6-C98DA3205C09}" type="datetimeFigureOut">
               <a:rPr lang="en-US" smtClean="0"/>
               <a:pPr/>
-              <a:t>1/28/2019</a:t>
+              <a:t>1/29/2019</a:t>
             </a:fld>
             <a:endParaRPr lang="en-US"/>
           </a:p>
@@ -9009,7 +8986,7 @@
             <a:fld id="{1D8BD707-D9CF-40AE-B4C6-C98DA3205C09}" type="datetimeFigureOut">
               <a:rPr lang="en-US" smtClean="0"/>
               <a:pPr/>
-              <a:t>1/28/2019</a:t>
+              <a:t>1/29/2019</a:t>
             </a:fld>
             <a:endParaRPr lang="en-US"/>
           </a:p>
@@ -9106,7 +9083,7 @@
             <a:fld id="{1D8BD707-D9CF-40AE-B4C6-C98DA3205C09}" type="datetimeFigureOut">
               <a:rPr lang="en-US" smtClean="0"/>
               <a:pPr/>
-              <a:t>1/28/2019</a:t>
+              <a:t>1/29/2019</a:t>
             </a:fld>
             <a:endParaRPr lang="en-US"/>
           </a:p>
@@ -9363,7 +9340,7 @@
             <a:fld id="{1D8BD707-D9CF-40AE-B4C6-C98DA3205C09}" type="datetimeFigureOut">
               <a:rPr lang="en-US" smtClean="0"/>
               <a:pPr/>
-              <a:t>1/28/2019</a:t>
+              <a:t>1/29/2019</a:t>
             </a:fld>
             <a:endParaRPr lang="en-US"/>
           </a:p>
@@ -9665,7 +9642,7 @@
             <a:fld id="{1D8BD707-D9CF-40AE-B4C6-C98DA3205C09}" type="datetimeFigureOut">
               <a:rPr lang="en-US" smtClean="0"/>
               <a:pPr/>
-              <a:t>1/28/2019</a:t>
+              <a:t>1/29/2019</a:t>
             </a:fld>
             <a:endParaRPr lang="en-US"/>
           </a:p>
@@ -9901,7 +9878,7 @@
             <a:fld id="{1D8BD707-D9CF-40AE-B4C6-C98DA3205C09}" type="datetimeFigureOut">
               <a:rPr lang="en-US" smtClean="0"/>
               <a:pPr/>
-              <a:t>1/28/2019</a:t>
+              <a:t>1/29/2019</a:t>
             </a:fld>
             <a:endParaRPr lang="en-US"/>
           </a:p>
@@ -10700,6 +10677,1007 @@
           <a:p>
             <a:r>
               <a:rPr lang="nl-BE" dirty="0"/>
+              <a:t>Pattern Pitfalls</a:t>
+            </a:r>
+          </a:p>
+        </p:txBody>
+      </p:sp>
+      <p:sp>
+        <p:nvSpPr>
+          <p:cNvPr id="3" name="Content Placeholder 2"/>
+          <p:cNvSpPr>
+            <a:spLocks noGrp="1"/>
+          </p:cNvSpPr>
+          <p:nvPr>
+            <p:ph idx="1"/>
+          </p:nvPr>
+        </p:nvSpPr>
+        <p:spPr/>
+        <p:txBody>
+          <a:bodyPr>
+            <a:normAutofit/>
+          </a:bodyPr>
+          <a:lstStyle/>
+          <a:p>
+            <a:pPr marL="0" indent="0">
+              <a:buNone/>
+            </a:pPr>
+            <a:r>
+              <a:rPr lang="nl-BE" sz="2800" i="1" dirty="0"/>
+              <a:t>“When all you have is a hammer, everything looks like a nail.” - </a:t>
+            </a:r>
+            <a:r>
+              <a:rPr lang="nl-BE" sz="2800" dirty="0"/>
+              <a:t>Maslow's hammer</a:t>
+            </a:r>
+            <a:endParaRPr lang="nl-BE" sz="2800" i="1" dirty="0"/>
+          </a:p>
+          <a:p>
+            <a:pPr marL="0" indent="0">
+              <a:buNone/>
+            </a:pPr>
+            <a:endParaRPr lang="nl-BE" dirty="0"/>
+          </a:p>
+          <a:p>
+            <a:pPr marL="0" indent="0">
+              <a:buNone/>
+            </a:pPr>
+            <a:r>
+              <a:rPr lang="nl-BE" dirty="0"/>
+              <a:t>- Molding the problem to fit a pattern.</a:t>
+            </a:r>
+          </a:p>
+          <a:p>
+            <a:pPr marL="0" indent="0">
+              <a:buNone/>
+            </a:pPr>
+            <a:endParaRPr lang="nl-BE" dirty="0"/>
+          </a:p>
+          <a:p>
+            <a:pPr marL="0" indent="0">
+              <a:buNone/>
+            </a:pPr>
+            <a:r>
+              <a:rPr lang="nl-BE" dirty="0"/>
+              <a:t>“</a:t>
+            </a:r>
+            <a:r>
+              <a:rPr lang="en-US" dirty="0"/>
+              <a:t>When one is designing the successor to a relatively small, elegant, and successful system, there is a tendency to become grandiose in one's success and design an </a:t>
+            </a:r>
+            <a:r>
+              <a:rPr lang="en-US" i="1" dirty="0"/>
+              <a:t>elephantine</a:t>
+            </a:r>
+            <a:r>
+              <a:rPr lang="en-US" dirty="0"/>
+              <a:t> feature-laden monstrosity.</a:t>
+            </a:r>
+            <a:r>
+              <a:rPr lang="nl-BE" dirty="0"/>
+              <a:t>” – Fred Brooks (The Second System Effect)</a:t>
+            </a:r>
+          </a:p>
+        </p:txBody>
+      </p:sp>
+      <p:pic>
+        <p:nvPicPr>
+          <p:cNvPr id="4" name="Picture 3">
+            <a:extLst>
+              <a:ext uri="{FF2B5EF4-FFF2-40B4-BE49-F238E27FC236}">
+                <a16:creationId xmlns:a16="http://schemas.microsoft.com/office/drawing/2014/main" id="{BE235E9E-8CE0-45E5-A7A1-EAB2A04A5A80}"/>
+              </a:ext>
+            </a:extLst>
+          </p:cNvPr>
+          <p:cNvPicPr>
+            <a:picLocks noChangeAspect="1"/>
+          </p:cNvPicPr>
+          <p:nvPr/>
+        </p:nvPicPr>
+        <p:blipFill>
+          <a:blip r:embed="rId3" cstate="print">
+            <a:extLst>
+              <a:ext uri="{28A0092B-C50C-407E-A947-70E740481C1C}">
+                <a14:useLocalDpi xmlns:a14="http://schemas.microsoft.com/office/drawing/2010/main" val="0"/>
+              </a:ext>
+            </a:extLst>
+          </a:blip>
+          <a:stretch>
+            <a:fillRect/>
+          </a:stretch>
+        </p:blipFill>
+        <p:spPr>
+          <a:xfrm>
+            <a:off x="7239000" y="-34527"/>
+            <a:ext cx="1905000" cy="1905000"/>
+          </a:xfrm>
+          <a:prstGeom prst="rect">
+            <a:avLst/>
+          </a:prstGeom>
+        </p:spPr>
+      </p:pic>
+    </p:spTree>
+    <p:extLst>
+      <p:ext uri="{BB962C8B-B14F-4D97-AF65-F5344CB8AC3E}">
+        <p14:creationId xmlns:p14="http://schemas.microsoft.com/office/powerpoint/2010/main" val="2566132796"/>
+      </p:ext>
+    </p:extLst>
+  </p:cSld>
+  <p:clrMapOvr>
+    <a:masterClrMapping/>
+  </p:clrMapOvr>
+</p:sld>
+</file>
+
+<file path=ppt/slides/slide11.xml><?xml version="1.0" encoding="utf-8"?>
+<p:sld xmlns:a="http://schemas.openxmlformats.org/drawingml/2006/main" xmlns:r="http://schemas.openxmlformats.org/officeDocument/2006/relationships" xmlns:p="http://schemas.openxmlformats.org/presentationml/2006/main">
+  <p:cSld>
+    <p:spTree>
+      <p:nvGrpSpPr>
+        <p:cNvPr id="1" name=""/>
+        <p:cNvGrpSpPr/>
+        <p:nvPr/>
+      </p:nvGrpSpPr>
+      <p:grpSpPr>
+        <a:xfrm>
+          <a:off x="0" y="0"/>
+          <a:ext cx="0" cy="0"/>
+          <a:chOff x="0" y="0"/>
+          <a:chExt cx="0" cy="0"/>
+        </a:xfrm>
+      </p:grpSpPr>
+      <p:sp>
+        <p:nvSpPr>
+          <p:cNvPr id="2" name="Title 1"/>
+          <p:cNvSpPr>
+            <a:spLocks noGrp="1"/>
+          </p:cNvSpPr>
+          <p:nvPr>
+            <p:ph type="title"/>
+          </p:nvPr>
+        </p:nvSpPr>
+        <p:spPr/>
+        <p:txBody>
+          <a:bodyPr/>
+          <a:lstStyle/>
+          <a:p>
+            <a:r>
+              <a:rPr lang="nl-BE"/>
+              <a:t>Pattern: Template Method</a:t>
+            </a:r>
+          </a:p>
+        </p:txBody>
+      </p:sp>
+      <p:sp>
+        <p:nvSpPr>
+          <p:cNvPr id="3" name="Content Placeholder 2"/>
+          <p:cNvSpPr>
+            <a:spLocks noGrp="1"/>
+          </p:cNvSpPr>
+          <p:nvPr>
+            <p:ph idx="1"/>
+          </p:nvPr>
+        </p:nvSpPr>
+        <p:spPr>
+          <a:xfrm>
+            <a:off x="304800" y="1732450"/>
+            <a:ext cx="8534400" cy="4820750"/>
+          </a:xfrm>
+        </p:spPr>
+        <p:txBody>
+          <a:bodyPr>
+            <a:normAutofit/>
+          </a:bodyPr>
+          <a:lstStyle/>
+          <a:p>
+            <a:pPr marL="0" indent="0" algn="ctr">
+              <a:buNone/>
+            </a:pPr>
+            <a:r>
+              <a:rPr lang="nl-BE" sz="2800" i="1" dirty="0"/>
+              <a:t>“Define the skeleton of an algorithm in an operation,  deferring some steps to subclasses. Template Method lets subclasses redefine certain steps of an algorithm without changing the algorithm’s structure.”</a:t>
+            </a:r>
+          </a:p>
+          <a:p>
+            <a:pPr marL="0" indent="0">
+              <a:buNone/>
+            </a:pPr>
+            <a:endParaRPr lang="nl-BE" sz="2800" i="1" dirty="0"/>
+          </a:p>
+          <a:p>
+            <a:pPr marL="0" indent="0">
+              <a:buNone/>
+            </a:pPr>
+            <a:r>
+              <a:rPr lang="nl-BE" sz="2800" dirty="0"/>
+              <a:t>.NET: Everywhere in the framework</a:t>
+            </a:r>
+          </a:p>
+          <a:p>
+            <a:pPr marL="0" indent="0">
+              <a:buNone/>
+            </a:pPr>
+            <a:endParaRPr lang="nl-BE" sz="2800" dirty="0"/>
+          </a:p>
+          <a:p>
+            <a:pPr marL="0" indent="0">
+              <a:buNone/>
+            </a:pPr>
+            <a:r>
+              <a:rPr lang="nl-BE" sz="2800" dirty="0"/>
+              <a:t>Example: Saving a file</a:t>
+            </a:r>
+          </a:p>
+        </p:txBody>
+      </p:sp>
+      <p:pic>
+        <p:nvPicPr>
+          <p:cNvPr id="4" name="Picture 3">
+            <a:extLst>
+              <a:ext uri="{FF2B5EF4-FFF2-40B4-BE49-F238E27FC236}">
+                <a16:creationId xmlns:a16="http://schemas.microsoft.com/office/drawing/2014/main" id="{F116E261-87E9-4BA3-931F-FD9E706C33D1}"/>
+              </a:ext>
+            </a:extLst>
+          </p:cNvPr>
+          <p:cNvPicPr>
+            <a:picLocks noChangeAspect="1"/>
+          </p:cNvPicPr>
+          <p:nvPr/>
+        </p:nvPicPr>
+        <p:blipFill>
+          <a:blip r:embed="rId3" cstate="print">
+            <a:extLst>
+              <a:ext uri="{28A0092B-C50C-407E-A947-70E740481C1C}">
+                <a14:useLocalDpi xmlns:a14="http://schemas.microsoft.com/office/drawing/2010/main" val="0"/>
+              </a:ext>
+            </a:extLst>
+          </a:blip>
+          <a:stretch>
+            <a:fillRect/>
+          </a:stretch>
+        </p:blipFill>
+        <p:spPr>
+          <a:xfrm>
+            <a:off x="7239000" y="-34527"/>
+            <a:ext cx="1905000" cy="1905000"/>
+          </a:xfrm>
+          <a:prstGeom prst="rect">
+            <a:avLst/>
+          </a:prstGeom>
+        </p:spPr>
+      </p:pic>
+    </p:spTree>
+    <p:extLst>
+      <p:ext uri="{BB962C8B-B14F-4D97-AF65-F5344CB8AC3E}">
+        <p14:creationId xmlns:p14="http://schemas.microsoft.com/office/powerpoint/2010/main" val="803161189"/>
+      </p:ext>
+    </p:extLst>
+  </p:cSld>
+  <p:clrMapOvr>
+    <a:masterClrMapping/>
+  </p:clrMapOvr>
+</p:sld>
+</file>
+
+<file path=ppt/slides/slide12.xml><?xml version="1.0" encoding="utf-8"?>
+<p:sld xmlns:a="http://schemas.openxmlformats.org/drawingml/2006/main" xmlns:r="http://schemas.openxmlformats.org/officeDocument/2006/relationships" xmlns:p="http://schemas.openxmlformats.org/presentationml/2006/main">
+  <p:cSld>
+    <p:spTree>
+      <p:nvGrpSpPr>
+        <p:cNvPr id="1" name=""/>
+        <p:cNvGrpSpPr/>
+        <p:nvPr/>
+      </p:nvGrpSpPr>
+      <p:grpSpPr>
+        <a:xfrm>
+          <a:off x="0" y="0"/>
+          <a:ext cx="0" cy="0"/>
+          <a:chOff x="0" y="0"/>
+          <a:chExt cx="0" cy="0"/>
+        </a:xfrm>
+      </p:grpSpPr>
+      <p:sp>
+        <p:nvSpPr>
+          <p:cNvPr id="2" name="Title 1"/>
+          <p:cNvSpPr>
+            <a:spLocks noGrp="1"/>
+          </p:cNvSpPr>
+          <p:nvPr>
+            <p:ph type="title"/>
+          </p:nvPr>
+        </p:nvSpPr>
+        <p:spPr>
+          <a:xfrm>
+            <a:off x="228600" y="132799"/>
+            <a:ext cx="7765322" cy="970450"/>
+          </a:xfrm>
+        </p:spPr>
+        <p:txBody>
+          <a:bodyPr>
+            <a:normAutofit fontScale="90000"/>
+          </a:bodyPr>
+          <a:lstStyle/>
+          <a:p>
+            <a:r>
+              <a:rPr lang="nl-BE" dirty="0"/>
+              <a:t>DRY</a:t>
+            </a:r>
+            <a:br>
+              <a:rPr lang="nl-BE" dirty="0"/>
+            </a:br>
+            <a:r>
+              <a:rPr lang="nl-BE" dirty="0"/>
+              <a:t>Don’t Repeat Yourself</a:t>
+            </a:r>
+          </a:p>
+        </p:txBody>
+      </p:sp>
+      <p:pic>
+        <p:nvPicPr>
+          <p:cNvPr id="10242" name="Picture 2" descr="http://stevesmithblog.com/files/media/image/WindowsLiveWriter/DRYDontRepeatYourselfMotivator_BA85/dontrepeatyourself_motivator_2.jpg"/>
+          <p:cNvPicPr>
+            <a:picLocks noChangeAspect="1" noChangeArrowheads="1"/>
+          </p:cNvPicPr>
+          <p:nvPr/>
+        </p:nvPicPr>
+        <p:blipFill>
+          <a:blip r:embed="rId3">
+            <a:extLst>
+              <a:ext uri="{28A0092B-C50C-407E-A947-70E740481C1C}">
+                <a14:useLocalDpi xmlns:a14="http://schemas.microsoft.com/office/drawing/2010/main" val="0"/>
+              </a:ext>
+            </a:extLst>
+          </a:blip>
+          <a:srcRect/>
+          <a:stretch>
+            <a:fillRect/>
+          </a:stretch>
+        </p:blipFill>
+        <p:spPr bwMode="auto">
+          <a:xfrm>
+            <a:off x="1752600" y="2647653"/>
+            <a:ext cx="5096935" cy="4077548"/>
+          </a:xfrm>
+          <a:prstGeom prst="rect">
+            <a:avLst/>
+          </a:prstGeom>
+          <a:noFill/>
+          <a:extLst>
+            <a:ext uri="{909E8E84-426E-40DD-AFC4-6F175D3DCCD1}">
+              <a14:hiddenFill xmlns:a14="http://schemas.microsoft.com/office/drawing/2010/main">
+                <a:solidFill>
+                  <a:srgbClr val="FFFFFF"/>
+                </a:solidFill>
+              </a14:hiddenFill>
+            </a:ext>
+          </a:extLst>
+        </p:spPr>
+      </p:pic>
+      <p:sp>
+        <p:nvSpPr>
+          <p:cNvPr id="4" name="Rectangle 3"/>
+          <p:cNvSpPr/>
+          <p:nvPr/>
+        </p:nvSpPr>
+        <p:spPr>
+          <a:xfrm>
+            <a:off x="228600" y="1262658"/>
+            <a:ext cx="7765322" cy="1384995"/>
+          </a:xfrm>
+          <a:prstGeom prst="rect">
+            <a:avLst/>
+          </a:prstGeom>
+        </p:spPr>
+        <p:txBody>
+          <a:bodyPr wrap="square">
+            <a:spAutoFit/>
+          </a:bodyPr>
+          <a:lstStyle/>
+          <a:p>
+            <a:r>
+              <a:rPr lang="en-US" sz="2800" i="1" dirty="0">
+                <a:ln>
+                  <a:solidFill>
+                    <a:schemeClr val="bg1">
+                      <a:lumMod val="75000"/>
+                      <a:lumOff val="25000"/>
+                      <a:alpha val="10000"/>
+                    </a:schemeClr>
+                  </a:solidFill>
+                </a:ln>
+                <a:solidFill>
+                  <a:schemeClr val="tx2"/>
+                </a:solidFill>
+                <a:effectLst>
+                  <a:outerShdw blurRad="9525" dist="25400" dir="14640000" algn="tl" rotWithShape="0">
+                    <a:schemeClr val="bg1">
+                      <a:alpha val="30000"/>
+                    </a:schemeClr>
+                  </a:outerShdw>
+                </a:effectLst>
+                <a:latin typeface="+mj-lt"/>
+                <a:ea typeface="+mj-ea"/>
+              </a:rPr>
+              <a:t>“Every piece of knowledge must have a single, unambiguous, authoritative representation within a system.“</a:t>
+            </a:r>
+            <a:r>
+              <a:rPr lang="en-US" sz="2800" dirty="0">
+                <a:ln>
+                  <a:solidFill>
+                    <a:schemeClr val="bg1">
+                      <a:lumMod val="75000"/>
+                      <a:lumOff val="25000"/>
+                      <a:alpha val="10000"/>
+                    </a:schemeClr>
+                  </a:solidFill>
+                </a:ln>
+                <a:solidFill>
+                  <a:schemeClr val="tx2"/>
+                </a:solidFill>
+                <a:effectLst>
+                  <a:outerShdw blurRad="9525" dist="25400" dir="14640000" algn="tl" rotWithShape="0">
+                    <a:schemeClr val="bg1">
+                      <a:alpha val="30000"/>
+                    </a:schemeClr>
+                  </a:outerShdw>
+                </a:effectLst>
+                <a:latin typeface="+mj-lt"/>
+                <a:ea typeface="+mj-ea"/>
+              </a:rPr>
+              <a:t>  – The Pragmatic Programmers</a:t>
+            </a:r>
+            <a:endParaRPr lang="nl-BE" sz="3600" dirty="0">
+              <a:ln>
+                <a:solidFill>
+                  <a:schemeClr val="bg1">
+                    <a:lumMod val="75000"/>
+                    <a:lumOff val="25000"/>
+                    <a:alpha val="10000"/>
+                  </a:schemeClr>
+                </a:solidFill>
+              </a:ln>
+              <a:solidFill>
+                <a:schemeClr val="tx2"/>
+              </a:solidFill>
+              <a:effectLst>
+                <a:outerShdw blurRad="9525" dist="25400" dir="14640000" algn="tl" rotWithShape="0">
+                  <a:schemeClr val="bg1">
+                    <a:alpha val="30000"/>
+                  </a:schemeClr>
+                </a:outerShdw>
+              </a:effectLst>
+              <a:latin typeface="+mj-lt"/>
+              <a:ea typeface="+mj-ea"/>
+            </a:endParaRPr>
+          </a:p>
+        </p:txBody>
+      </p:sp>
+      <p:pic>
+        <p:nvPicPr>
+          <p:cNvPr id="5" name="Picture 4">
+            <a:extLst>
+              <a:ext uri="{FF2B5EF4-FFF2-40B4-BE49-F238E27FC236}">
+                <a16:creationId xmlns:a16="http://schemas.microsoft.com/office/drawing/2014/main" id="{B8894A48-3CD5-4068-B17D-BC83433C94AA}"/>
+              </a:ext>
+            </a:extLst>
+          </p:cNvPr>
+          <p:cNvPicPr>
+            <a:picLocks noChangeAspect="1"/>
+          </p:cNvPicPr>
+          <p:nvPr/>
+        </p:nvPicPr>
+        <p:blipFill>
+          <a:blip r:embed="rId4" cstate="print">
+            <a:extLst>
+              <a:ext uri="{28A0092B-C50C-407E-A947-70E740481C1C}">
+                <a14:useLocalDpi xmlns:a14="http://schemas.microsoft.com/office/drawing/2010/main" val="0"/>
+              </a:ext>
+            </a:extLst>
+          </a:blip>
+          <a:stretch>
+            <a:fillRect/>
+          </a:stretch>
+        </p:blipFill>
+        <p:spPr>
+          <a:xfrm>
+            <a:off x="7239000" y="-34527"/>
+            <a:ext cx="1905000" cy="1905000"/>
+          </a:xfrm>
+          <a:prstGeom prst="rect">
+            <a:avLst/>
+          </a:prstGeom>
+        </p:spPr>
+      </p:pic>
+    </p:spTree>
+    <p:extLst>
+      <p:ext uri="{BB962C8B-B14F-4D97-AF65-F5344CB8AC3E}">
+        <p14:creationId xmlns:p14="http://schemas.microsoft.com/office/powerpoint/2010/main" val="289789149"/>
+      </p:ext>
+    </p:extLst>
+  </p:cSld>
+  <p:clrMapOvr>
+    <a:masterClrMapping/>
+  </p:clrMapOvr>
+</p:sld>
+</file>
+
+<file path=ppt/slides/slide13.xml><?xml version="1.0" encoding="utf-8"?>
+<p:sld xmlns:a="http://schemas.openxmlformats.org/drawingml/2006/main" xmlns:r="http://schemas.openxmlformats.org/officeDocument/2006/relationships" xmlns:p="http://schemas.openxmlformats.org/presentationml/2006/main">
+  <p:cSld>
+    <p:spTree>
+      <p:nvGrpSpPr>
+        <p:cNvPr id="1" name=""/>
+        <p:cNvGrpSpPr/>
+        <p:nvPr/>
+      </p:nvGrpSpPr>
+      <p:grpSpPr>
+        <a:xfrm>
+          <a:off x="0" y="0"/>
+          <a:ext cx="0" cy="0"/>
+          <a:chOff x="0" y="0"/>
+          <a:chExt cx="0" cy="0"/>
+        </a:xfrm>
+      </p:grpSpPr>
+      <p:sp>
+        <p:nvSpPr>
+          <p:cNvPr id="2" name="Title 1"/>
+          <p:cNvSpPr>
+            <a:spLocks noGrp="1"/>
+          </p:cNvSpPr>
+          <p:nvPr>
+            <p:ph type="title"/>
+          </p:nvPr>
+        </p:nvSpPr>
+        <p:spPr/>
+        <p:txBody>
+          <a:bodyPr/>
+          <a:lstStyle/>
+          <a:p>
+            <a:r>
+              <a:rPr lang="nl-BE" dirty="0"/>
+              <a:t>Pattern: Factory Method</a:t>
+            </a:r>
+          </a:p>
+        </p:txBody>
+      </p:sp>
+      <p:sp>
+        <p:nvSpPr>
+          <p:cNvPr id="3" name="Content Placeholder 2"/>
+          <p:cNvSpPr>
+            <a:spLocks noGrp="1"/>
+          </p:cNvSpPr>
+          <p:nvPr>
+            <p:ph idx="1"/>
+          </p:nvPr>
+        </p:nvSpPr>
+        <p:spPr/>
+        <p:txBody>
+          <a:bodyPr>
+            <a:normAutofit/>
+          </a:bodyPr>
+          <a:lstStyle/>
+          <a:p>
+            <a:pPr marL="0" indent="0" algn="ctr">
+              <a:buNone/>
+            </a:pPr>
+            <a:r>
+              <a:rPr lang="nl-BE" sz="2400" i="1" dirty="0"/>
+              <a:t>“Define an interface for creating an object, but let subclasses decide which class to instantiate. Factory Method lets a class defer instantiation to subclasses.”</a:t>
+            </a:r>
+          </a:p>
+          <a:p>
+            <a:pPr marL="0" indent="0" algn="ctr">
+              <a:buNone/>
+            </a:pPr>
+            <a:endParaRPr lang="nl-BE" sz="2400" i="1" dirty="0"/>
+          </a:p>
+          <a:p>
+            <a:pPr marL="0" indent="0">
+              <a:buNone/>
+            </a:pPr>
+            <a:r>
+              <a:rPr lang="nl-BE" sz="3200" dirty="0"/>
+              <a:t>.NET: Consider using generics to avoid subclassing.</a:t>
+            </a:r>
+          </a:p>
+          <a:p>
+            <a:pPr marL="0" indent="0">
+              <a:buNone/>
+            </a:pPr>
+            <a:endParaRPr lang="nl-BE" sz="2400" dirty="0"/>
+          </a:p>
+          <a:p>
+            <a:pPr marL="0" indent="0">
+              <a:buNone/>
+            </a:pPr>
+            <a:r>
+              <a:rPr lang="nl-BE" sz="2400" dirty="0"/>
+              <a:t>Example: Uploading a file</a:t>
+            </a:r>
+          </a:p>
+        </p:txBody>
+      </p:sp>
+      <p:pic>
+        <p:nvPicPr>
+          <p:cNvPr id="4" name="Picture 3">
+            <a:extLst>
+              <a:ext uri="{FF2B5EF4-FFF2-40B4-BE49-F238E27FC236}">
+                <a16:creationId xmlns:a16="http://schemas.microsoft.com/office/drawing/2014/main" id="{734CA1D9-BE0C-495B-947D-F6CE2B4015B4}"/>
+              </a:ext>
+            </a:extLst>
+          </p:cNvPr>
+          <p:cNvPicPr>
+            <a:picLocks noChangeAspect="1"/>
+          </p:cNvPicPr>
+          <p:nvPr/>
+        </p:nvPicPr>
+        <p:blipFill>
+          <a:blip r:embed="rId3" cstate="print">
+            <a:extLst>
+              <a:ext uri="{28A0092B-C50C-407E-A947-70E740481C1C}">
+                <a14:useLocalDpi xmlns:a14="http://schemas.microsoft.com/office/drawing/2010/main" val="0"/>
+              </a:ext>
+            </a:extLst>
+          </a:blip>
+          <a:stretch>
+            <a:fillRect/>
+          </a:stretch>
+        </p:blipFill>
+        <p:spPr>
+          <a:xfrm>
+            <a:off x="7239000" y="-34527"/>
+            <a:ext cx="1905000" cy="1905000"/>
+          </a:xfrm>
+          <a:prstGeom prst="rect">
+            <a:avLst/>
+          </a:prstGeom>
+        </p:spPr>
+      </p:pic>
+    </p:spTree>
+    <p:extLst>
+      <p:ext uri="{BB962C8B-B14F-4D97-AF65-F5344CB8AC3E}">
+        <p14:creationId xmlns:p14="http://schemas.microsoft.com/office/powerpoint/2010/main" val="2518428883"/>
+      </p:ext>
+    </p:extLst>
+  </p:cSld>
+  <p:clrMapOvr>
+    <a:masterClrMapping/>
+  </p:clrMapOvr>
+</p:sld>
+</file>
+
+<file path=ppt/slides/slide14.xml><?xml version="1.0" encoding="utf-8"?>
+<p:sld xmlns:a="http://schemas.openxmlformats.org/drawingml/2006/main" xmlns:r="http://schemas.openxmlformats.org/officeDocument/2006/relationships" xmlns:p="http://schemas.openxmlformats.org/presentationml/2006/main">
+  <p:cSld>
+    <p:spTree>
+      <p:nvGrpSpPr>
+        <p:cNvPr id="1" name=""/>
+        <p:cNvGrpSpPr/>
+        <p:nvPr/>
+      </p:nvGrpSpPr>
+      <p:grpSpPr>
+        <a:xfrm>
+          <a:off x="0" y="0"/>
+          <a:ext cx="0" cy="0"/>
+          <a:chOff x="0" y="0"/>
+          <a:chExt cx="0" cy="0"/>
+        </a:xfrm>
+      </p:grpSpPr>
+      <p:sp>
+        <p:nvSpPr>
+          <p:cNvPr id="2" name="Title 1"/>
+          <p:cNvSpPr>
+            <a:spLocks noGrp="1"/>
+          </p:cNvSpPr>
+          <p:nvPr>
+            <p:ph type="title"/>
+          </p:nvPr>
+        </p:nvSpPr>
+        <p:spPr/>
+        <p:txBody>
+          <a:bodyPr/>
+          <a:lstStyle/>
+          <a:p>
+            <a:r>
+              <a:rPr lang="nl-BE" dirty="0"/>
+              <a:t>Pattern: Strategy</a:t>
+            </a:r>
+          </a:p>
+        </p:txBody>
+      </p:sp>
+      <p:sp>
+        <p:nvSpPr>
+          <p:cNvPr id="3" name="Content Placeholder 2"/>
+          <p:cNvSpPr>
+            <a:spLocks noGrp="1"/>
+          </p:cNvSpPr>
+          <p:nvPr>
+            <p:ph idx="1"/>
+          </p:nvPr>
+        </p:nvSpPr>
+        <p:spPr>
+          <a:xfrm>
+            <a:off x="457200" y="1600200"/>
+            <a:ext cx="8229600" cy="4876800"/>
+          </a:xfrm>
+        </p:spPr>
+        <p:txBody>
+          <a:bodyPr>
+            <a:normAutofit fontScale="77500" lnSpcReduction="20000"/>
+          </a:bodyPr>
+          <a:lstStyle/>
+          <a:p>
+            <a:pPr marL="0" indent="0" algn="ctr">
+              <a:buNone/>
+            </a:pPr>
+            <a:r>
+              <a:rPr lang="nl-BE" sz="5800" i="1" dirty="0"/>
+              <a:t>“Define a family of algorithms, encapsulate each one, and make them interchangeable. It lets the algorithm vary independently from clients that use it.”</a:t>
+            </a:r>
+          </a:p>
+          <a:p>
+            <a:pPr marL="0" indent="0">
+              <a:buNone/>
+            </a:pPr>
+            <a:endParaRPr lang="nl-BE" dirty="0"/>
+          </a:p>
+          <a:p>
+            <a:pPr marL="0" indent="0">
+              <a:buNone/>
+            </a:pPr>
+            <a:endParaRPr lang="nl-BE" dirty="0"/>
+          </a:p>
+          <a:p>
+            <a:pPr marL="0" indent="0">
+              <a:buNone/>
+            </a:pPr>
+            <a:r>
+              <a:rPr lang="nl-BE" sz="2600" dirty="0"/>
+              <a:t>.NET</a:t>
+            </a:r>
+            <a:r>
+              <a:rPr lang="nl-BE" sz="3100" dirty="0"/>
+              <a:t>: new </a:t>
+            </a:r>
+            <a:r>
+              <a:rPr lang="nl-BE" sz="2600" dirty="0"/>
+              <a:t>SortedDictionary(IComparer&lt;TKey&gt; comparer)</a:t>
+            </a:r>
+          </a:p>
+          <a:p>
+            <a:pPr marL="0" indent="0">
+              <a:buNone/>
+            </a:pPr>
+            <a:endParaRPr lang="nl-BE" sz="2600" dirty="0"/>
+          </a:p>
+          <a:p>
+            <a:pPr marL="0" indent="0">
+              <a:buNone/>
+            </a:pPr>
+            <a:r>
+              <a:rPr lang="nl-BE" sz="2600" dirty="0"/>
+              <a:t>Example: Uploading a file</a:t>
+            </a:r>
+          </a:p>
+        </p:txBody>
+      </p:sp>
+      <p:pic>
+        <p:nvPicPr>
+          <p:cNvPr id="4" name="Picture 3">
+            <a:extLst>
+              <a:ext uri="{FF2B5EF4-FFF2-40B4-BE49-F238E27FC236}">
+                <a16:creationId xmlns:a16="http://schemas.microsoft.com/office/drawing/2014/main" id="{FAA2A300-76C1-4A11-AE5C-FE6D1D847414}"/>
+              </a:ext>
+            </a:extLst>
+          </p:cNvPr>
+          <p:cNvPicPr>
+            <a:picLocks noChangeAspect="1"/>
+          </p:cNvPicPr>
+          <p:nvPr/>
+        </p:nvPicPr>
+        <p:blipFill>
+          <a:blip r:embed="rId3" cstate="print">
+            <a:extLst>
+              <a:ext uri="{28A0092B-C50C-407E-A947-70E740481C1C}">
+                <a14:useLocalDpi xmlns:a14="http://schemas.microsoft.com/office/drawing/2010/main" val="0"/>
+              </a:ext>
+            </a:extLst>
+          </a:blip>
+          <a:stretch>
+            <a:fillRect/>
+          </a:stretch>
+        </p:blipFill>
+        <p:spPr>
+          <a:xfrm>
+            <a:off x="7239000" y="-34527"/>
+            <a:ext cx="1905000" cy="1905000"/>
+          </a:xfrm>
+          <a:prstGeom prst="rect">
+            <a:avLst/>
+          </a:prstGeom>
+        </p:spPr>
+      </p:pic>
+    </p:spTree>
+    <p:extLst>
+      <p:ext uri="{BB962C8B-B14F-4D97-AF65-F5344CB8AC3E}">
+        <p14:creationId xmlns:p14="http://schemas.microsoft.com/office/powerpoint/2010/main" val="328113985"/>
+      </p:ext>
+    </p:extLst>
+  </p:cSld>
+  <p:clrMapOvr>
+    <a:masterClrMapping/>
+  </p:clrMapOvr>
+</p:sld>
+</file>
+
+<file path=ppt/slides/slide15.xml><?xml version="1.0" encoding="utf-8"?>
+<p:sld xmlns:a="http://schemas.openxmlformats.org/drawingml/2006/main" xmlns:r="http://schemas.openxmlformats.org/officeDocument/2006/relationships" xmlns:p="http://schemas.openxmlformats.org/presentationml/2006/main">
+  <p:cSld>
+    <p:spTree>
+      <p:nvGrpSpPr>
+        <p:cNvPr id="1" name=""/>
+        <p:cNvGrpSpPr/>
+        <p:nvPr/>
+      </p:nvGrpSpPr>
+      <p:grpSpPr>
+        <a:xfrm>
+          <a:off x="0" y="0"/>
+          <a:ext cx="0" cy="0"/>
+          <a:chOff x="0" y="0"/>
+          <a:chExt cx="0" cy="0"/>
+        </a:xfrm>
+      </p:grpSpPr>
+      <p:sp>
+        <p:nvSpPr>
+          <p:cNvPr id="2" name="Title 1"/>
+          <p:cNvSpPr>
+            <a:spLocks noGrp="1"/>
+          </p:cNvSpPr>
+          <p:nvPr>
+            <p:ph type="title"/>
+          </p:nvPr>
+        </p:nvSpPr>
+        <p:spPr>
+          <a:xfrm>
+            <a:off x="689339" y="213360"/>
+            <a:ext cx="7765322" cy="970450"/>
+          </a:xfrm>
+        </p:spPr>
+        <p:txBody>
+          <a:bodyPr/>
+          <a:lstStyle/>
+          <a:p>
+            <a:r>
+              <a:rPr lang="nl-BE" dirty="0"/>
+              <a:t>SOLID</a:t>
+            </a:r>
+          </a:p>
+        </p:txBody>
+      </p:sp>
+      <p:pic>
+        <p:nvPicPr>
+          <p:cNvPr id="9218" name="Picture 2" descr="http://4.bp.blogspot.com/-eSoKFfjjVaA/UG21xxGwpqI/AAAAAAAAHdw/Yyh4cLbNGmE/s1600/SOLID+Responsibility+Principles.jpeg"/>
+          <p:cNvPicPr>
+            <a:picLocks noChangeAspect="1" noChangeArrowheads="1"/>
+          </p:cNvPicPr>
+          <p:nvPr/>
+        </p:nvPicPr>
+        <p:blipFill>
+          <a:blip r:embed="rId3">
+            <a:extLst>
+              <a:ext uri="{28A0092B-C50C-407E-A947-70E740481C1C}">
+                <a14:useLocalDpi xmlns:a14="http://schemas.microsoft.com/office/drawing/2010/main" val="0"/>
+              </a:ext>
+            </a:extLst>
+          </a:blip>
+          <a:srcRect/>
+          <a:stretch>
+            <a:fillRect/>
+          </a:stretch>
+        </p:blipFill>
+        <p:spPr bwMode="auto">
+          <a:xfrm>
+            <a:off x="1237170" y="1431696"/>
+            <a:ext cx="6516179" cy="5212943"/>
+          </a:xfrm>
+          <a:prstGeom prst="rect">
+            <a:avLst/>
+          </a:prstGeom>
+          <a:noFill/>
+          <a:extLst>
+            <a:ext uri="{909E8E84-426E-40DD-AFC4-6F175D3DCCD1}">
+              <a14:hiddenFill xmlns:a14="http://schemas.microsoft.com/office/drawing/2010/main">
+                <a:solidFill>
+                  <a:srgbClr val="FFFFFF"/>
+                </a:solidFill>
+              </a14:hiddenFill>
+            </a:ext>
+          </a:extLst>
+        </p:spPr>
+      </p:pic>
+      <p:pic>
+        <p:nvPicPr>
+          <p:cNvPr id="5" name="Picture 4">
+            <a:extLst>
+              <a:ext uri="{FF2B5EF4-FFF2-40B4-BE49-F238E27FC236}">
+                <a16:creationId xmlns:a16="http://schemas.microsoft.com/office/drawing/2014/main" id="{7EB1B6FE-0B29-4983-BEED-984CD14B7B4B}"/>
+              </a:ext>
+            </a:extLst>
+          </p:cNvPr>
+          <p:cNvPicPr>
+            <a:picLocks noChangeAspect="1"/>
+          </p:cNvPicPr>
+          <p:nvPr/>
+        </p:nvPicPr>
+        <p:blipFill>
+          <a:blip r:embed="rId4" cstate="print">
+            <a:extLst>
+              <a:ext uri="{28A0092B-C50C-407E-A947-70E740481C1C}">
+                <a14:useLocalDpi xmlns:a14="http://schemas.microsoft.com/office/drawing/2010/main" val="0"/>
+              </a:ext>
+            </a:extLst>
+          </a:blip>
+          <a:stretch>
+            <a:fillRect/>
+          </a:stretch>
+        </p:blipFill>
+        <p:spPr>
+          <a:xfrm>
+            <a:off x="7239000" y="-34527"/>
+            <a:ext cx="1905000" cy="1905000"/>
+          </a:xfrm>
+          <a:prstGeom prst="rect">
+            <a:avLst/>
+          </a:prstGeom>
+        </p:spPr>
+      </p:pic>
+    </p:spTree>
+    <p:extLst>
+      <p:ext uri="{BB962C8B-B14F-4D97-AF65-F5344CB8AC3E}">
+        <p14:creationId xmlns:p14="http://schemas.microsoft.com/office/powerpoint/2010/main" val="3723638274"/>
+      </p:ext>
+    </p:extLst>
+  </p:cSld>
+  <p:clrMapOvr>
+    <a:masterClrMapping/>
+  </p:clrMapOvr>
+</p:sld>
+</file>
+
+<file path=ppt/slides/slide16.xml><?xml version="1.0" encoding="utf-8"?>
+<p:sld xmlns:a="http://schemas.openxmlformats.org/drawingml/2006/main" xmlns:r="http://schemas.openxmlformats.org/officeDocument/2006/relationships" xmlns:p="http://schemas.openxmlformats.org/presentationml/2006/main" show="0">
+  <p:cSld>
+    <p:spTree>
+      <p:nvGrpSpPr>
+        <p:cNvPr id="1" name=""/>
+        <p:cNvGrpSpPr/>
+        <p:nvPr/>
+      </p:nvGrpSpPr>
+      <p:grpSpPr>
+        <a:xfrm>
+          <a:off x="0" y="0"/>
+          <a:ext cx="0" cy="0"/>
+          <a:chOff x="0" y="0"/>
+          <a:chExt cx="0" cy="0"/>
+        </a:xfrm>
+      </p:grpSpPr>
+      <p:sp>
+        <p:nvSpPr>
+          <p:cNvPr id="2" name="Title 1"/>
+          <p:cNvSpPr>
+            <a:spLocks noGrp="1"/>
+          </p:cNvSpPr>
+          <p:nvPr>
+            <p:ph type="title"/>
+          </p:nvPr>
+        </p:nvSpPr>
+        <p:spPr/>
+        <p:txBody>
+          <a:bodyPr/>
+          <a:lstStyle/>
+          <a:p>
+            <a:r>
+              <a:rPr lang="nl-BE" dirty="0"/>
               <a:t>SOLID</a:t>
             </a:r>
           </a:p>
@@ -10837,7 +11815,7 @@
 </p:sld>
 </file>
 
-<file path=ppt/slides/slide11.xml><?xml version="1.0" encoding="utf-8"?>
+<file path=ppt/slides/slide17.xml><?xml version="1.0" encoding="utf-8"?>
 <p:sld xmlns:a="http://schemas.openxmlformats.org/drawingml/2006/main" xmlns:r="http://schemas.openxmlformats.org/officeDocument/2006/relationships" xmlns:p="http://schemas.openxmlformats.org/presentationml/2006/main">
   <p:cSld>
     <p:spTree>
@@ -11004,8 +11982,8 @@
 </p:sld>
 </file>
 
-<file path=ppt/slides/slide12.xml><?xml version="1.0" encoding="utf-8"?>
-<p:sld xmlns:a="http://schemas.openxmlformats.org/drawingml/2006/main" xmlns:r="http://schemas.openxmlformats.org/officeDocument/2006/relationships" xmlns:p="http://schemas.openxmlformats.org/presentationml/2006/main">
+<file path=ppt/slides/slide18.xml><?xml version="1.0" encoding="utf-8"?>
+<p:sld xmlns:a="http://schemas.openxmlformats.org/drawingml/2006/main" xmlns:r="http://schemas.openxmlformats.org/officeDocument/2006/relationships" xmlns:p="http://schemas.openxmlformats.org/presentationml/2006/main" show="0">
   <p:cSld>
     <p:spTree>
       <p:nvGrpSpPr>
@@ -11193,7 +12171,7 @@
 </p:sld>
 </file>
 
-<file path=ppt/slides/slide13.xml><?xml version="1.0" encoding="utf-8"?>
+<file path=ppt/slides/slide19.xml><?xml version="1.0" encoding="utf-8"?>
 <p:sld xmlns:a="http://schemas.openxmlformats.org/drawingml/2006/main" xmlns:r="http://schemas.openxmlformats.org/officeDocument/2006/relationships" xmlns:p="http://schemas.openxmlformats.org/presentationml/2006/main">
   <p:cSld>
     <p:spTree>
@@ -11365,1078 +12343,6 @@
 </p:sld>
 </file>
 
-<file path=ppt/slides/slide14.xml><?xml version="1.0" encoding="utf-8"?>
-<p:sld xmlns:a="http://schemas.openxmlformats.org/drawingml/2006/main" xmlns:r="http://schemas.openxmlformats.org/officeDocument/2006/relationships" xmlns:p="http://schemas.openxmlformats.org/presentationml/2006/main">
-  <p:cSld>
-    <p:spTree>
-      <p:nvGrpSpPr>
-        <p:cNvPr id="1" name=""/>
-        <p:cNvGrpSpPr/>
-        <p:nvPr/>
-      </p:nvGrpSpPr>
-      <p:grpSpPr>
-        <a:xfrm>
-          <a:off x="0" y="0"/>
-          <a:ext cx="0" cy="0"/>
-          <a:chOff x="0" y="0"/>
-          <a:chExt cx="0" cy="0"/>
-        </a:xfrm>
-      </p:grpSpPr>
-      <p:sp>
-        <p:nvSpPr>
-          <p:cNvPr id="2" name="Title 1"/>
-          <p:cNvSpPr>
-            <a:spLocks noGrp="1"/>
-          </p:cNvSpPr>
-          <p:nvPr>
-            <p:ph type="title"/>
-          </p:nvPr>
-        </p:nvSpPr>
-        <p:spPr/>
-        <p:txBody>
-          <a:bodyPr>
-            <a:normAutofit fontScale="90000"/>
-          </a:bodyPr>
-          <a:lstStyle/>
-          <a:p>
-            <a:r>
-              <a:rPr lang="nl-BE" dirty="0"/>
-              <a:t>OCP</a:t>
-            </a:r>
-            <a:br>
-              <a:rPr lang="nl-BE" dirty="0"/>
-            </a:br>
-            <a:r>
-              <a:rPr lang="nl-BE" dirty="0"/>
-              <a:t>Open/Closed Principle</a:t>
-            </a:r>
-          </a:p>
-        </p:txBody>
-      </p:sp>
-      <p:sp>
-        <p:nvSpPr>
-          <p:cNvPr id="3" name="Content Placeholder 2"/>
-          <p:cNvSpPr>
-            <a:spLocks noGrp="1"/>
-          </p:cNvSpPr>
-          <p:nvPr>
-            <p:ph idx="1"/>
-          </p:nvPr>
-        </p:nvSpPr>
-        <p:spPr/>
-        <p:txBody>
-          <a:bodyPr>
-            <a:normAutofit/>
-          </a:bodyPr>
-          <a:lstStyle/>
-          <a:p>
-            <a:pPr marL="57150" indent="0" algn="ctr">
-              <a:buNone/>
-            </a:pPr>
-            <a:r>
-              <a:rPr lang="nl-BE" i="1" dirty="0"/>
-              <a:t>“Software entities (classes, modules, functions, etc) should be open for extension but closed for modification”</a:t>
-            </a:r>
-          </a:p>
-          <a:p>
-            <a:pPr marL="457200" lvl="1" indent="0">
-              <a:buNone/>
-            </a:pPr>
-            <a:endParaRPr lang="nl-BE" dirty="0"/>
-          </a:p>
-          <a:p>
-            <a:pPr marL="57150" indent="0">
-              <a:buNone/>
-            </a:pPr>
-            <a:r>
-              <a:rPr lang="nl-BE" sz="2800" dirty="0"/>
-              <a:t>Modifications should be achieved by writing new code, not by changing existing code</a:t>
-            </a:r>
-            <a:endParaRPr lang="nl-BE" dirty="0"/>
-          </a:p>
-          <a:p>
-            <a:pPr marL="57150" indent="0">
-              <a:buNone/>
-            </a:pPr>
-            <a:endParaRPr lang="nl-BE" dirty="0"/>
-          </a:p>
-          <a:p>
-            <a:pPr marL="57150" indent="0">
-              <a:buNone/>
-            </a:pPr>
-            <a:r>
-              <a:rPr lang="nl-BE" dirty="0"/>
-              <a:t>.NET: Extension Methods, MEF</a:t>
-            </a:r>
-          </a:p>
-          <a:p>
-            <a:pPr marL="57150" indent="0">
-              <a:buNone/>
-            </a:pPr>
-            <a:endParaRPr lang="nl-BE" dirty="0"/>
-          </a:p>
-          <a:p>
-            <a:pPr marL="57150" indent="0">
-              <a:buNone/>
-            </a:pPr>
-            <a:r>
-              <a:rPr lang="nl-BE" sz="2800" dirty="0"/>
-              <a:t>Example: Shapes – calculating area</a:t>
-            </a:r>
-          </a:p>
-        </p:txBody>
-      </p:sp>
-      <p:sp>
-        <p:nvSpPr>
-          <p:cNvPr id="4" name="TextBox 3"/>
-          <p:cNvSpPr txBox="1"/>
-          <p:nvPr/>
-        </p:nvSpPr>
-        <p:spPr>
-          <a:xfrm>
-            <a:off x="8001000" y="6324600"/>
-            <a:ext cx="990600" cy="369332"/>
-          </a:xfrm>
-          <a:prstGeom prst="rect">
-            <a:avLst/>
-          </a:prstGeom>
-          <a:noFill/>
-        </p:spPr>
-        <p:txBody>
-          <a:bodyPr wrap="square" rtlCol="0">
-            <a:spAutoFit/>
-          </a:bodyPr>
-          <a:lstStyle/>
-          <a:p>
-            <a:r>
-              <a:rPr lang="nl-BE" b="1" dirty="0"/>
-              <a:t>SOLID</a:t>
-            </a:r>
-          </a:p>
-        </p:txBody>
-      </p:sp>
-      <p:pic>
-        <p:nvPicPr>
-          <p:cNvPr id="5" name="Picture 4">
-            <a:extLst>
-              <a:ext uri="{FF2B5EF4-FFF2-40B4-BE49-F238E27FC236}">
-                <a16:creationId xmlns:a16="http://schemas.microsoft.com/office/drawing/2014/main" id="{9C0485FC-AA10-4959-8CB2-6D14E51712D3}"/>
-              </a:ext>
-            </a:extLst>
-          </p:cNvPr>
-          <p:cNvPicPr>
-            <a:picLocks noChangeAspect="1"/>
-          </p:cNvPicPr>
-          <p:nvPr/>
-        </p:nvPicPr>
-        <p:blipFill>
-          <a:blip r:embed="rId3" cstate="print">
-            <a:extLst>
-              <a:ext uri="{28A0092B-C50C-407E-A947-70E740481C1C}">
-                <a14:useLocalDpi xmlns:a14="http://schemas.microsoft.com/office/drawing/2010/main" val="0"/>
-              </a:ext>
-            </a:extLst>
-          </a:blip>
-          <a:stretch>
-            <a:fillRect/>
-          </a:stretch>
-        </p:blipFill>
-        <p:spPr>
-          <a:xfrm>
-            <a:off x="7239000" y="-34527"/>
-            <a:ext cx="1905000" cy="1905000"/>
-          </a:xfrm>
-          <a:prstGeom prst="rect">
-            <a:avLst/>
-          </a:prstGeom>
-        </p:spPr>
-      </p:pic>
-    </p:spTree>
-    <p:extLst>
-      <p:ext uri="{BB962C8B-B14F-4D97-AF65-F5344CB8AC3E}">
-        <p14:creationId xmlns:p14="http://schemas.microsoft.com/office/powerpoint/2010/main" val="933339138"/>
-      </p:ext>
-    </p:extLst>
-  </p:cSld>
-  <p:clrMapOvr>
-    <a:masterClrMapping/>
-  </p:clrMapOvr>
-</p:sld>
-</file>
-
-<file path=ppt/slides/slide15.xml><?xml version="1.0" encoding="utf-8"?>
-<p:sld xmlns:a="http://schemas.openxmlformats.org/drawingml/2006/main" xmlns:r="http://schemas.openxmlformats.org/officeDocument/2006/relationships" xmlns:p="http://schemas.openxmlformats.org/presentationml/2006/main">
-  <p:cSld>
-    <p:spTree>
-      <p:nvGrpSpPr>
-        <p:cNvPr id="1" name=""/>
-        <p:cNvGrpSpPr/>
-        <p:nvPr/>
-      </p:nvGrpSpPr>
-      <p:grpSpPr>
-        <a:xfrm>
-          <a:off x="0" y="0"/>
-          <a:ext cx="0" cy="0"/>
-          <a:chOff x="0" y="0"/>
-          <a:chExt cx="0" cy="0"/>
-        </a:xfrm>
-      </p:grpSpPr>
-      <p:sp>
-        <p:nvSpPr>
-          <p:cNvPr id="2" name="Title 1"/>
-          <p:cNvSpPr>
-            <a:spLocks noGrp="1"/>
-          </p:cNvSpPr>
-          <p:nvPr>
-            <p:ph type="title"/>
-          </p:nvPr>
-        </p:nvSpPr>
-        <p:spPr/>
-        <p:txBody>
-          <a:bodyPr/>
-          <a:lstStyle/>
-          <a:p>
-            <a:r>
-              <a:rPr lang="nl-BE"/>
-              <a:t>Pattern: Template Method</a:t>
-            </a:r>
-          </a:p>
-        </p:txBody>
-      </p:sp>
-      <p:sp>
-        <p:nvSpPr>
-          <p:cNvPr id="3" name="Content Placeholder 2"/>
-          <p:cNvSpPr>
-            <a:spLocks noGrp="1"/>
-          </p:cNvSpPr>
-          <p:nvPr>
-            <p:ph idx="1"/>
-          </p:nvPr>
-        </p:nvSpPr>
-        <p:spPr>
-          <a:xfrm>
-            <a:off x="304800" y="1732450"/>
-            <a:ext cx="8534400" cy="4820750"/>
-          </a:xfrm>
-        </p:spPr>
-        <p:txBody>
-          <a:bodyPr>
-            <a:normAutofit/>
-          </a:bodyPr>
-          <a:lstStyle/>
-          <a:p>
-            <a:pPr marL="0" indent="0" algn="ctr">
-              <a:buNone/>
-            </a:pPr>
-            <a:r>
-              <a:rPr lang="nl-BE" sz="2800" i="1" dirty="0"/>
-              <a:t>“Define the skeleton of an algorithm in an operation,  deferring some steps to subclasses. Template Method lets subclasses redefine certain steps of an algorithm without changing the algorithm’s structure.”</a:t>
-            </a:r>
-          </a:p>
-          <a:p>
-            <a:pPr marL="0" indent="0">
-              <a:buNone/>
-            </a:pPr>
-            <a:endParaRPr lang="nl-BE" sz="2800" i="1" dirty="0"/>
-          </a:p>
-          <a:p>
-            <a:pPr marL="0" indent="0">
-              <a:buNone/>
-            </a:pPr>
-            <a:r>
-              <a:rPr lang="nl-BE" sz="2800" dirty="0"/>
-              <a:t>.NET: Everywhere in the framework</a:t>
-            </a:r>
-          </a:p>
-          <a:p>
-            <a:pPr marL="0" indent="0">
-              <a:buNone/>
-            </a:pPr>
-            <a:endParaRPr lang="nl-BE" sz="2800" dirty="0"/>
-          </a:p>
-          <a:p>
-            <a:pPr marL="0" indent="0">
-              <a:buNone/>
-            </a:pPr>
-            <a:r>
-              <a:rPr lang="nl-BE" sz="2800" dirty="0"/>
-              <a:t>Example: Uploading a file</a:t>
-            </a:r>
-          </a:p>
-        </p:txBody>
-      </p:sp>
-      <p:pic>
-        <p:nvPicPr>
-          <p:cNvPr id="4" name="Picture 3">
-            <a:extLst>
-              <a:ext uri="{FF2B5EF4-FFF2-40B4-BE49-F238E27FC236}">
-                <a16:creationId xmlns:a16="http://schemas.microsoft.com/office/drawing/2014/main" id="{F116E261-87E9-4BA3-931F-FD9E706C33D1}"/>
-              </a:ext>
-            </a:extLst>
-          </p:cNvPr>
-          <p:cNvPicPr>
-            <a:picLocks noChangeAspect="1"/>
-          </p:cNvPicPr>
-          <p:nvPr/>
-        </p:nvPicPr>
-        <p:blipFill>
-          <a:blip r:embed="rId3" cstate="print">
-            <a:extLst>
-              <a:ext uri="{28A0092B-C50C-407E-A947-70E740481C1C}">
-                <a14:useLocalDpi xmlns:a14="http://schemas.microsoft.com/office/drawing/2010/main" val="0"/>
-              </a:ext>
-            </a:extLst>
-          </a:blip>
-          <a:stretch>
-            <a:fillRect/>
-          </a:stretch>
-        </p:blipFill>
-        <p:spPr>
-          <a:xfrm>
-            <a:off x="7239000" y="-34527"/>
-            <a:ext cx="1905000" cy="1905000"/>
-          </a:xfrm>
-          <a:prstGeom prst="rect">
-            <a:avLst/>
-          </a:prstGeom>
-        </p:spPr>
-      </p:pic>
-    </p:spTree>
-    <p:extLst>
-      <p:ext uri="{BB962C8B-B14F-4D97-AF65-F5344CB8AC3E}">
-        <p14:creationId xmlns:p14="http://schemas.microsoft.com/office/powerpoint/2010/main" val="803161189"/>
-      </p:ext>
-    </p:extLst>
-  </p:cSld>
-  <p:clrMapOvr>
-    <a:masterClrMapping/>
-  </p:clrMapOvr>
-</p:sld>
-</file>
-
-<file path=ppt/slides/slide16.xml><?xml version="1.0" encoding="utf-8"?>
-<p:sld xmlns:a="http://schemas.openxmlformats.org/drawingml/2006/main" xmlns:r="http://schemas.openxmlformats.org/officeDocument/2006/relationships" xmlns:p="http://schemas.openxmlformats.org/presentationml/2006/main">
-  <p:cSld>
-    <p:spTree>
-      <p:nvGrpSpPr>
-        <p:cNvPr id="1" name=""/>
-        <p:cNvGrpSpPr/>
-        <p:nvPr/>
-      </p:nvGrpSpPr>
-      <p:grpSpPr>
-        <a:xfrm>
-          <a:off x="0" y="0"/>
-          <a:ext cx="0" cy="0"/>
-          <a:chOff x="0" y="0"/>
-          <a:chExt cx="0" cy="0"/>
-        </a:xfrm>
-      </p:grpSpPr>
-      <p:sp>
-        <p:nvSpPr>
-          <p:cNvPr id="2" name="Title 1"/>
-          <p:cNvSpPr>
-            <a:spLocks noGrp="1"/>
-          </p:cNvSpPr>
-          <p:nvPr>
-            <p:ph type="title"/>
-          </p:nvPr>
-        </p:nvSpPr>
-        <p:spPr>
-          <a:xfrm>
-            <a:off x="228600" y="132799"/>
-            <a:ext cx="7765322" cy="970450"/>
-          </a:xfrm>
-        </p:spPr>
-        <p:txBody>
-          <a:bodyPr>
-            <a:normAutofit fontScale="90000"/>
-          </a:bodyPr>
-          <a:lstStyle/>
-          <a:p>
-            <a:r>
-              <a:rPr lang="nl-BE" dirty="0"/>
-              <a:t>DRY</a:t>
-            </a:r>
-            <a:br>
-              <a:rPr lang="nl-BE" dirty="0"/>
-            </a:br>
-            <a:r>
-              <a:rPr lang="nl-BE" dirty="0"/>
-              <a:t>Don’t Repeat Yourself</a:t>
-            </a:r>
-          </a:p>
-        </p:txBody>
-      </p:sp>
-      <p:pic>
-        <p:nvPicPr>
-          <p:cNvPr id="10242" name="Picture 2" descr="http://stevesmithblog.com/files/media/image/WindowsLiveWriter/DRYDontRepeatYourselfMotivator_BA85/dontrepeatyourself_motivator_2.jpg"/>
-          <p:cNvPicPr>
-            <a:picLocks noChangeAspect="1" noChangeArrowheads="1"/>
-          </p:cNvPicPr>
-          <p:nvPr/>
-        </p:nvPicPr>
-        <p:blipFill>
-          <a:blip r:embed="rId3">
-            <a:extLst>
-              <a:ext uri="{28A0092B-C50C-407E-A947-70E740481C1C}">
-                <a14:useLocalDpi xmlns:a14="http://schemas.microsoft.com/office/drawing/2010/main" val="0"/>
-              </a:ext>
-            </a:extLst>
-          </a:blip>
-          <a:srcRect/>
-          <a:stretch>
-            <a:fillRect/>
-          </a:stretch>
-        </p:blipFill>
-        <p:spPr bwMode="auto">
-          <a:xfrm>
-            <a:off x="1752600" y="2647653"/>
-            <a:ext cx="5096935" cy="4077548"/>
-          </a:xfrm>
-          <a:prstGeom prst="rect">
-            <a:avLst/>
-          </a:prstGeom>
-          <a:noFill/>
-          <a:extLst>
-            <a:ext uri="{909E8E84-426E-40DD-AFC4-6F175D3DCCD1}">
-              <a14:hiddenFill xmlns:a14="http://schemas.microsoft.com/office/drawing/2010/main">
-                <a:solidFill>
-                  <a:srgbClr val="FFFFFF"/>
-                </a:solidFill>
-              </a14:hiddenFill>
-            </a:ext>
-          </a:extLst>
-        </p:spPr>
-      </p:pic>
-      <p:sp>
-        <p:nvSpPr>
-          <p:cNvPr id="4" name="Rectangle 3"/>
-          <p:cNvSpPr/>
-          <p:nvPr/>
-        </p:nvSpPr>
-        <p:spPr>
-          <a:xfrm>
-            <a:off x="228600" y="1262658"/>
-            <a:ext cx="7765322" cy="1384995"/>
-          </a:xfrm>
-          <a:prstGeom prst="rect">
-            <a:avLst/>
-          </a:prstGeom>
-        </p:spPr>
-        <p:txBody>
-          <a:bodyPr wrap="square">
-            <a:spAutoFit/>
-          </a:bodyPr>
-          <a:lstStyle/>
-          <a:p>
-            <a:r>
-              <a:rPr lang="en-US" sz="2800" i="1" dirty="0">
-                <a:ln>
-                  <a:solidFill>
-                    <a:schemeClr val="bg1">
-                      <a:lumMod val="75000"/>
-                      <a:lumOff val="25000"/>
-                      <a:alpha val="10000"/>
-                    </a:schemeClr>
-                  </a:solidFill>
-                </a:ln>
-                <a:solidFill>
-                  <a:schemeClr val="tx2"/>
-                </a:solidFill>
-                <a:effectLst>
-                  <a:outerShdw blurRad="9525" dist="25400" dir="14640000" algn="tl" rotWithShape="0">
-                    <a:schemeClr val="bg1">
-                      <a:alpha val="30000"/>
-                    </a:schemeClr>
-                  </a:outerShdw>
-                </a:effectLst>
-                <a:latin typeface="+mj-lt"/>
-                <a:ea typeface="+mj-ea"/>
-              </a:rPr>
-              <a:t>“Every piece of knowledge must have a single, unambiguous, authoritative representation within a system.“</a:t>
-            </a:r>
-            <a:r>
-              <a:rPr lang="en-US" sz="2800" dirty="0">
-                <a:ln>
-                  <a:solidFill>
-                    <a:schemeClr val="bg1">
-                      <a:lumMod val="75000"/>
-                      <a:lumOff val="25000"/>
-                      <a:alpha val="10000"/>
-                    </a:schemeClr>
-                  </a:solidFill>
-                </a:ln>
-                <a:solidFill>
-                  <a:schemeClr val="tx2"/>
-                </a:solidFill>
-                <a:effectLst>
-                  <a:outerShdw blurRad="9525" dist="25400" dir="14640000" algn="tl" rotWithShape="0">
-                    <a:schemeClr val="bg1">
-                      <a:alpha val="30000"/>
-                    </a:schemeClr>
-                  </a:outerShdw>
-                </a:effectLst>
-                <a:latin typeface="+mj-lt"/>
-                <a:ea typeface="+mj-ea"/>
-              </a:rPr>
-              <a:t>  – The Pragmatic Programmer</a:t>
-            </a:r>
-            <a:endParaRPr lang="nl-BE" sz="3600" dirty="0">
-              <a:ln>
-                <a:solidFill>
-                  <a:schemeClr val="bg1">
-                    <a:lumMod val="75000"/>
-                    <a:lumOff val="25000"/>
-                    <a:alpha val="10000"/>
-                  </a:schemeClr>
-                </a:solidFill>
-              </a:ln>
-              <a:solidFill>
-                <a:schemeClr val="tx2"/>
-              </a:solidFill>
-              <a:effectLst>
-                <a:outerShdw blurRad="9525" dist="25400" dir="14640000" algn="tl" rotWithShape="0">
-                  <a:schemeClr val="bg1">
-                    <a:alpha val="30000"/>
-                  </a:schemeClr>
-                </a:outerShdw>
-              </a:effectLst>
-              <a:latin typeface="+mj-lt"/>
-              <a:ea typeface="+mj-ea"/>
-            </a:endParaRPr>
-          </a:p>
-        </p:txBody>
-      </p:sp>
-      <p:pic>
-        <p:nvPicPr>
-          <p:cNvPr id="5" name="Picture 4">
-            <a:extLst>
-              <a:ext uri="{FF2B5EF4-FFF2-40B4-BE49-F238E27FC236}">
-                <a16:creationId xmlns:a16="http://schemas.microsoft.com/office/drawing/2014/main" id="{B8894A48-3CD5-4068-B17D-BC83433C94AA}"/>
-              </a:ext>
-            </a:extLst>
-          </p:cNvPr>
-          <p:cNvPicPr>
-            <a:picLocks noChangeAspect="1"/>
-          </p:cNvPicPr>
-          <p:nvPr/>
-        </p:nvPicPr>
-        <p:blipFill>
-          <a:blip r:embed="rId4" cstate="print">
-            <a:extLst>
-              <a:ext uri="{28A0092B-C50C-407E-A947-70E740481C1C}">
-                <a14:useLocalDpi xmlns:a14="http://schemas.microsoft.com/office/drawing/2010/main" val="0"/>
-              </a:ext>
-            </a:extLst>
-          </a:blip>
-          <a:stretch>
-            <a:fillRect/>
-          </a:stretch>
-        </p:blipFill>
-        <p:spPr>
-          <a:xfrm>
-            <a:off x="7239000" y="-34527"/>
-            <a:ext cx="1905000" cy="1905000"/>
-          </a:xfrm>
-          <a:prstGeom prst="rect">
-            <a:avLst/>
-          </a:prstGeom>
-        </p:spPr>
-      </p:pic>
-    </p:spTree>
-    <p:extLst>
-      <p:ext uri="{BB962C8B-B14F-4D97-AF65-F5344CB8AC3E}">
-        <p14:creationId xmlns:p14="http://schemas.microsoft.com/office/powerpoint/2010/main" val="289789149"/>
-      </p:ext>
-    </p:extLst>
-  </p:cSld>
-  <p:clrMapOvr>
-    <a:masterClrMapping/>
-  </p:clrMapOvr>
-</p:sld>
-</file>
-
-<file path=ppt/slides/slide17.xml><?xml version="1.0" encoding="utf-8"?>
-<p:sld xmlns:a="http://schemas.openxmlformats.org/drawingml/2006/main" xmlns:r="http://schemas.openxmlformats.org/officeDocument/2006/relationships" xmlns:p="http://schemas.openxmlformats.org/presentationml/2006/main">
-  <p:cSld>
-    <p:spTree>
-      <p:nvGrpSpPr>
-        <p:cNvPr id="1" name=""/>
-        <p:cNvGrpSpPr/>
-        <p:nvPr/>
-      </p:nvGrpSpPr>
-      <p:grpSpPr>
-        <a:xfrm>
-          <a:off x="0" y="0"/>
-          <a:ext cx="0" cy="0"/>
-          <a:chOff x="0" y="0"/>
-          <a:chExt cx="0" cy="0"/>
-        </a:xfrm>
-      </p:grpSpPr>
-      <p:sp>
-        <p:nvSpPr>
-          <p:cNvPr id="2" name="Title 1"/>
-          <p:cNvSpPr>
-            <a:spLocks noGrp="1"/>
-          </p:cNvSpPr>
-          <p:nvPr>
-            <p:ph type="title"/>
-          </p:nvPr>
-        </p:nvSpPr>
-        <p:spPr/>
-        <p:txBody>
-          <a:bodyPr/>
-          <a:lstStyle/>
-          <a:p>
-            <a:r>
-              <a:rPr lang="nl-BE" dirty="0"/>
-              <a:t>Pattern: Factory Method</a:t>
-            </a:r>
-          </a:p>
-        </p:txBody>
-      </p:sp>
-      <p:sp>
-        <p:nvSpPr>
-          <p:cNvPr id="3" name="Content Placeholder 2"/>
-          <p:cNvSpPr>
-            <a:spLocks noGrp="1"/>
-          </p:cNvSpPr>
-          <p:nvPr>
-            <p:ph idx="1"/>
-          </p:nvPr>
-        </p:nvSpPr>
-        <p:spPr/>
-        <p:txBody>
-          <a:bodyPr>
-            <a:normAutofit/>
-          </a:bodyPr>
-          <a:lstStyle/>
-          <a:p>
-            <a:pPr marL="0" indent="0" algn="ctr">
-              <a:buNone/>
-            </a:pPr>
-            <a:r>
-              <a:rPr lang="nl-BE" sz="2400" i="1" dirty="0"/>
-              <a:t>“Define an interface for creating an object, but let subclasses decide which class to instantiate. Factory Method lets a class defer instantiation to subclasses.”</a:t>
-            </a:r>
-          </a:p>
-          <a:p>
-            <a:pPr marL="0" indent="0" algn="ctr">
-              <a:buNone/>
-            </a:pPr>
-            <a:endParaRPr lang="nl-BE" sz="2400" i="1" dirty="0"/>
-          </a:p>
-          <a:p>
-            <a:pPr marL="0" indent="0">
-              <a:buNone/>
-            </a:pPr>
-            <a:r>
-              <a:rPr lang="nl-BE" sz="3200" dirty="0"/>
-              <a:t>.NET: Consider using generics to avoid subclassing.</a:t>
-            </a:r>
-          </a:p>
-          <a:p>
-            <a:pPr marL="0" indent="0">
-              <a:buNone/>
-            </a:pPr>
-            <a:endParaRPr lang="nl-BE" sz="2400" dirty="0"/>
-          </a:p>
-          <a:p>
-            <a:pPr marL="0" indent="0">
-              <a:buNone/>
-            </a:pPr>
-            <a:r>
-              <a:rPr lang="nl-BE" sz="2400" dirty="0"/>
-              <a:t>Example: Uploading a file</a:t>
-            </a:r>
-          </a:p>
-        </p:txBody>
-      </p:sp>
-      <p:pic>
-        <p:nvPicPr>
-          <p:cNvPr id="4" name="Picture 3">
-            <a:extLst>
-              <a:ext uri="{FF2B5EF4-FFF2-40B4-BE49-F238E27FC236}">
-                <a16:creationId xmlns:a16="http://schemas.microsoft.com/office/drawing/2014/main" id="{734CA1D9-BE0C-495B-947D-F6CE2B4015B4}"/>
-              </a:ext>
-            </a:extLst>
-          </p:cNvPr>
-          <p:cNvPicPr>
-            <a:picLocks noChangeAspect="1"/>
-          </p:cNvPicPr>
-          <p:nvPr/>
-        </p:nvPicPr>
-        <p:blipFill>
-          <a:blip r:embed="rId3" cstate="print">
-            <a:extLst>
-              <a:ext uri="{28A0092B-C50C-407E-A947-70E740481C1C}">
-                <a14:useLocalDpi xmlns:a14="http://schemas.microsoft.com/office/drawing/2010/main" val="0"/>
-              </a:ext>
-            </a:extLst>
-          </a:blip>
-          <a:stretch>
-            <a:fillRect/>
-          </a:stretch>
-        </p:blipFill>
-        <p:spPr>
-          <a:xfrm>
-            <a:off x="7239000" y="-34527"/>
-            <a:ext cx="1905000" cy="1905000"/>
-          </a:xfrm>
-          <a:prstGeom prst="rect">
-            <a:avLst/>
-          </a:prstGeom>
-        </p:spPr>
-      </p:pic>
-    </p:spTree>
-    <p:extLst>
-      <p:ext uri="{BB962C8B-B14F-4D97-AF65-F5344CB8AC3E}">
-        <p14:creationId xmlns:p14="http://schemas.microsoft.com/office/powerpoint/2010/main" val="2518428883"/>
-      </p:ext>
-    </p:extLst>
-  </p:cSld>
-  <p:clrMapOvr>
-    <a:masterClrMapping/>
-  </p:clrMapOvr>
-</p:sld>
-</file>
-
-<file path=ppt/slides/slide18.xml><?xml version="1.0" encoding="utf-8"?>
-<p:sld xmlns:a="http://schemas.openxmlformats.org/drawingml/2006/main" xmlns:r="http://schemas.openxmlformats.org/officeDocument/2006/relationships" xmlns:p="http://schemas.openxmlformats.org/presentationml/2006/main">
-  <p:cSld>
-    <p:spTree>
-      <p:nvGrpSpPr>
-        <p:cNvPr id="1" name=""/>
-        <p:cNvGrpSpPr/>
-        <p:nvPr/>
-      </p:nvGrpSpPr>
-      <p:grpSpPr>
-        <a:xfrm>
-          <a:off x="0" y="0"/>
-          <a:ext cx="0" cy="0"/>
-          <a:chOff x="0" y="0"/>
-          <a:chExt cx="0" cy="0"/>
-        </a:xfrm>
-      </p:grpSpPr>
-      <p:sp>
-        <p:nvSpPr>
-          <p:cNvPr id="2" name="Title 1"/>
-          <p:cNvSpPr>
-            <a:spLocks noGrp="1"/>
-          </p:cNvSpPr>
-          <p:nvPr>
-            <p:ph type="title"/>
-          </p:nvPr>
-        </p:nvSpPr>
-        <p:spPr/>
-        <p:txBody>
-          <a:bodyPr/>
-          <a:lstStyle/>
-          <a:p>
-            <a:r>
-              <a:rPr lang="nl-BE" dirty="0"/>
-              <a:t>Pattern: Strategy</a:t>
-            </a:r>
-          </a:p>
-        </p:txBody>
-      </p:sp>
-      <p:sp>
-        <p:nvSpPr>
-          <p:cNvPr id="3" name="Content Placeholder 2"/>
-          <p:cNvSpPr>
-            <a:spLocks noGrp="1"/>
-          </p:cNvSpPr>
-          <p:nvPr>
-            <p:ph idx="1"/>
-          </p:nvPr>
-        </p:nvSpPr>
-        <p:spPr>
-          <a:xfrm>
-            <a:off x="457200" y="1600200"/>
-            <a:ext cx="8229600" cy="4876800"/>
-          </a:xfrm>
-        </p:spPr>
-        <p:txBody>
-          <a:bodyPr>
-            <a:normAutofit fontScale="85000" lnSpcReduction="20000"/>
-          </a:bodyPr>
-          <a:lstStyle/>
-          <a:p>
-            <a:pPr marL="0" indent="0" algn="ctr">
-              <a:buNone/>
-            </a:pPr>
-            <a:r>
-              <a:rPr lang="nl-BE" sz="5800" i="1" dirty="0"/>
-              <a:t>“Define a family of algorithms, encapsulate each one, and make them interchangeable. It lets the algorithm vary independently from clients that use it.”</a:t>
-            </a:r>
-          </a:p>
-          <a:p>
-            <a:pPr marL="0" indent="0">
-              <a:buNone/>
-            </a:pPr>
-            <a:endParaRPr lang="nl-BE" dirty="0"/>
-          </a:p>
-          <a:p>
-            <a:pPr marL="0" indent="0">
-              <a:buNone/>
-            </a:pPr>
-            <a:endParaRPr lang="nl-BE" dirty="0"/>
-          </a:p>
-          <a:p>
-            <a:pPr marL="0" indent="0">
-              <a:buNone/>
-            </a:pPr>
-            <a:r>
-              <a:rPr lang="nl-BE" dirty="0"/>
-              <a:t>.NET</a:t>
-            </a:r>
-            <a:r>
-              <a:rPr lang="nl-BE" sz="2100" dirty="0"/>
-              <a:t>: new </a:t>
-            </a:r>
-            <a:r>
-              <a:rPr lang="nl-BE" dirty="0"/>
-              <a:t>SortedDictionary(IComparer&lt;TKey&gt; comparer)</a:t>
-            </a:r>
-          </a:p>
-          <a:p>
-            <a:pPr marL="0" indent="0">
-              <a:buNone/>
-            </a:pPr>
-            <a:endParaRPr lang="nl-BE" dirty="0"/>
-          </a:p>
-          <a:p>
-            <a:pPr marL="0" indent="0">
-              <a:buNone/>
-            </a:pPr>
-            <a:r>
-              <a:rPr lang="nl-BE" dirty="0"/>
-              <a:t>Example: Uploading a file</a:t>
-            </a:r>
-          </a:p>
-        </p:txBody>
-      </p:sp>
-      <p:pic>
-        <p:nvPicPr>
-          <p:cNvPr id="4" name="Picture 3">
-            <a:extLst>
-              <a:ext uri="{FF2B5EF4-FFF2-40B4-BE49-F238E27FC236}">
-                <a16:creationId xmlns:a16="http://schemas.microsoft.com/office/drawing/2014/main" id="{FAA2A300-76C1-4A11-AE5C-FE6D1D847414}"/>
-              </a:ext>
-            </a:extLst>
-          </p:cNvPr>
-          <p:cNvPicPr>
-            <a:picLocks noChangeAspect="1"/>
-          </p:cNvPicPr>
-          <p:nvPr/>
-        </p:nvPicPr>
-        <p:blipFill>
-          <a:blip r:embed="rId3" cstate="print">
-            <a:extLst>
-              <a:ext uri="{28A0092B-C50C-407E-A947-70E740481C1C}">
-                <a14:useLocalDpi xmlns:a14="http://schemas.microsoft.com/office/drawing/2010/main" val="0"/>
-              </a:ext>
-            </a:extLst>
-          </a:blip>
-          <a:stretch>
-            <a:fillRect/>
-          </a:stretch>
-        </p:blipFill>
-        <p:spPr>
-          <a:xfrm>
-            <a:off x="7239000" y="-34527"/>
-            <a:ext cx="1905000" cy="1905000"/>
-          </a:xfrm>
-          <a:prstGeom prst="rect">
-            <a:avLst/>
-          </a:prstGeom>
-        </p:spPr>
-      </p:pic>
-    </p:spTree>
-    <p:extLst>
-      <p:ext uri="{BB962C8B-B14F-4D97-AF65-F5344CB8AC3E}">
-        <p14:creationId xmlns:p14="http://schemas.microsoft.com/office/powerpoint/2010/main" val="328113985"/>
-      </p:ext>
-    </p:extLst>
-  </p:cSld>
-  <p:clrMapOvr>
-    <a:masterClrMapping/>
-  </p:clrMapOvr>
-</p:sld>
-</file>
-
-<file path=ppt/slides/slide19.xml><?xml version="1.0" encoding="utf-8"?>
-<p:sld xmlns:a="http://schemas.openxmlformats.org/drawingml/2006/main" xmlns:r="http://schemas.openxmlformats.org/officeDocument/2006/relationships" xmlns:p="http://schemas.openxmlformats.org/presentationml/2006/main">
-  <p:cSld>
-    <p:spTree>
-      <p:nvGrpSpPr>
-        <p:cNvPr id="1" name=""/>
-        <p:cNvGrpSpPr/>
-        <p:nvPr/>
-      </p:nvGrpSpPr>
-      <p:grpSpPr>
-        <a:xfrm>
-          <a:off x="0" y="0"/>
-          <a:ext cx="0" cy="0"/>
-          <a:chOff x="0" y="0"/>
-          <a:chExt cx="0" cy="0"/>
-        </a:xfrm>
-      </p:grpSpPr>
-      <p:sp>
-        <p:nvSpPr>
-          <p:cNvPr id="2" name="Title 1"/>
-          <p:cNvSpPr>
-            <a:spLocks noGrp="1"/>
-          </p:cNvSpPr>
-          <p:nvPr>
-            <p:ph type="title"/>
-          </p:nvPr>
-        </p:nvSpPr>
-        <p:spPr>
-          <a:xfrm>
-            <a:off x="203021" y="326963"/>
-            <a:ext cx="7765322" cy="970450"/>
-          </a:xfrm>
-        </p:spPr>
-        <p:txBody>
-          <a:bodyPr>
-            <a:normAutofit fontScale="90000"/>
-          </a:bodyPr>
-          <a:lstStyle/>
-          <a:p>
-            <a:r>
-              <a:rPr lang="nl-BE" dirty="0"/>
-              <a:t>DIP</a:t>
-            </a:r>
-            <a:br>
-              <a:rPr lang="nl-BE" dirty="0"/>
-            </a:br>
-            <a:r>
-              <a:rPr lang="nl-BE" dirty="0"/>
-              <a:t>Dependency-Inversion Principle</a:t>
-            </a:r>
-          </a:p>
-        </p:txBody>
-      </p:sp>
-      <p:sp>
-        <p:nvSpPr>
-          <p:cNvPr id="4" name="TextBox 3"/>
-          <p:cNvSpPr txBox="1"/>
-          <p:nvPr/>
-        </p:nvSpPr>
-        <p:spPr>
-          <a:xfrm>
-            <a:off x="8001000" y="6324600"/>
-            <a:ext cx="990600" cy="369332"/>
-          </a:xfrm>
-          <a:prstGeom prst="rect">
-            <a:avLst/>
-          </a:prstGeom>
-          <a:noFill/>
-        </p:spPr>
-        <p:txBody>
-          <a:bodyPr wrap="square" rtlCol="0">
-            <a:spAutoFit/>
-          </a:bodyPr>
-          <a:lstStyle/>
-          <a:p>
-            <a:r>
-              <a:rPr lang="nl-BE" b="1" dirty="0"/>
-              <a:t>SOLID</a:t>
-            </a:r>
-          </a:p>
-        </p:txBody>
-      </p:sp>
-      <p:pic>
-        <p:nvPicPr>
-          <p:cNvPr id="6146" name="Picture 2" descr="http://2.bp.blogspot.com/-55Kb5azAeVE/UG21vknR4iI/AAAAAAAAHdU/-FA_lJIe_tQ/s1600/Dependency+Inversion+Principle.jpeg"/>
-          <p:cNvPicPr>
-            <a:picLocks noChangeAspect="1" noChangeArrowheads="1"/>
-          </p:cNvPicPr>
-          <p:nvPr/>
-        </p:nvPicPr>
-        <p:blipFill>
-          <a:blip r:embed="rId2">
-            <a:extLst>
-              <a:ext uri="{28A0092B-C50C-407E-A947-70E740481C1C}">
-                <a14:useLocalDpi xmlns:a14="http://schemas.microsoft.com/office/drawing/2010/main" val="0"/>
-              </a:ext>
-            </a:extLst>
-          </a:blip>
-          <a:srcRect/>
-          <a:stretch>
-            <a:fillRect/>
-          </a:stretch>
-        </p:blipFill>
-        <p:spPr bwMode="auto">
-          <a:xfrm>
-            <a:off x="1659147" y="1870473"/>
-            <a:ext cx="5825705" cy="4660564"/>
-          </a:xfrm>
-          <a:prstGeom prst="rect">
-            <a:avLst/>
-          </a:prstGeom>
-          <a:noFill/>
-          <a:extLst>
-            <a:ext uri="{909E8E84-426E-40DD-AFC4-6F175D3DCCD1}">
-              <a14:hiddenFill xmlns:a14="http://schemas.microsoft.com/office/drawing/2010/main">
-                <a:solidFill>
-                  <a:srgbClr val="FFFFFF"/>
-                </a:solidFill>
-              </a14:hiddenFill>
-            </a:ext>
-          </a:extLst>
-        </p:spPr>
-      </p:pic>
-      <p:pic>
-        <p:nvPicPr>
-          <p:cNvPr id="5" name="Picture 4">
-            <a:extLst>
-              <a:ext uri="{FF2B5EF4-FFF2-40B4-BE49-F238E27FC236}">
-                <a16:creationId xmlns:a16="http://schemas.microsoft.com/office/drawing/2014/main" id="{6DBF7EEE-1980-4B11-8218-467110999A9F}"/>
-              </a:ext>
-            </a:extLst>
-          </p:cNvPr>
-          <p:cNvPicPr>
-            <a:picLocks noChangeAspect="1"/>
-          </p:cNvPicPr>
-          <p:nvPr/>
-        </p:nvPicPr>
-        <p:blipFill>
-          <a:blip r:embed="rId3" cstate="print">
-            <a:extLst>
-              <a:ext uri="{28A0092B-C50C-407E-A947-70E740481C1C}">
-                <a14:useLocalDpi xmlns:a14="http://schemas.microsoft.com/office/drawing/2010/main" val="0"/>
-              </a:ext>
-            </a:extLst>
-          </a:blip>
-          <a:stretch>
-            <a:fillRect/>
-          </a:stretch>
-        </p:blipFill>
-        <p:spPr>
-          <a:xfrm>
-            <a:off x="7239000" y="-34527"/>
-            <a:ext cx="1905000" cy="1905000"/>
-          </a:xfrm>
-          <a:prstGeom prst="rect">
-            <a:avLst/>
-          </a:prstGeom>
-        </p:spPr>
-      </p:pic>
-    </p:spTree>
-    <p:extLst>
-      <p:ext uri="{BB962C8B-B14F-4D97-AF65-F5344CB8AC3E}">
-        <p14:creationId xmlns:p14="http://schemas.microsoft.com/office/powerpoint/2010/main" val="3757174069"/>
-      </p:ext>
-    </p:extLst>
-  </p:cSld>
-  <p:clrMapOvr>
-    <a:masterClrMapping/>
-  </p:clrMapOvr>
-</p:sld>
-</file>
-
 <file path=ppt/slides/slide2.xml><?xml version="1.0" encoding="utf-8"?>
 <p:sld xmlns:a="http://schemas.openxmlformats.org/drawingml/2006/main" xmlns:r="http://schemas.openxmlformats.org/officeDocument/2006/relationships" xmlns:p="http://schemas.openxmlformats.org/presentationml/2006/main">
   <p:cSld>
@@ -12518,19 +12424,13 @@
           <a:p>
             <a:r>
               <a:rPr lang="nl-BE" sz="2400" dirty="0"/>
-              <a:t>Patterns and SOLID</a:t>
+              <a:t>Pattern pitfalls</a:t>
             </a:r>
           </a:p>
           <a:p>
             <a:r>
               <a:rPr lang="nl-BE" sz="2400" dirty="0"/>
-              <a:t>More GoF Patterns</a:t>
-            </a:r>
-          </a:p>
-          <a:p>
-            <a:r>
-              <a:rPr lang="nl-BE" sz="2400" dirty="0"/>
-              <a:t>Pattern pitfalls</a:t>
+              <a:t>Some Actual Patterns</a:t>
             </a:r>
           </a:p>
           <a:p>
@@ -12638,7 +12538,367 @@
 </file>
 
 <file path=ppt/slides/slide20.xml><?xml version="1.0" encoding="utf-8"?>
+<p:sld xmlns:a="http://schemas.openxmlformats.org/drawingml/2006/main" xmlns:r="http://schemas.openxmlformats.org/officeDocument/2006/relationships" xmlns:p="http://schemas.openxmlformats.org/presentationml/2006/main" show="0">
+  <p:cSld>
+    <p:spTree>
+      <p:nvGrpSpPr>
+        <p:cNvPr id="1" name=""/>
+        <p:cNvGrpSpPr/>
+        <p:nvPr/>
+      </p:nvGrpSpPr>
+      <p:grpSpPr>
+        <a:xfrm>
+          <a:off x="0" y="0"/>
+          <a:ext cx="0" cy="0"/>
+          <a:chOff x="0" y="0"/>
+          <a:chExt cx="0" cy="0"/>
+        </a:xfrm>
+      </p:grpSpPr>
+      <p:sp>
+        <p:nvSpPr>
+          <p:cNvPr id="2" name="Title 1"/>
+          <p:cNvSpPr>
+            <a:spLocks noGrp="1"/>
+          </p:cNvSpPr>
+          <p:nvPr>
+            <p:ph type="title"/>
+          </p:nvPr>
+        </p:nvSpPr>
+        <p:spPr/>
+        <p:txBody>
+          <a:bodyPr>
+            <a:normAutofit fontScale="90000"/>
+          </a:bodyPr>
+          <a:lstStyle/>
+          <a:p>
+            <a:r>
+              <a:rPr lang="nl-BE" dirty="0"/>
+              <a:t>OCP</a:t>
+            </a:r>
+            <a:br>
+              <a:rPr lang="nl-BE" dirty="0"/>
+            </a:br>
+            <a:r>
+              <a:rPr lang="nl-BE" dirty="0"/>
+              <a:t>Open/Closed Principle</a:t>
+            </a:r>
+          </a:p>
+        </p:txBody>
+      </p:sp>
+      <p:sp>
+        <p:nvSpPr>
+          <p:cNvPr id="3" name="Content Placeholder 2"/>
+          <p:cNvSpPr>
+            <a:spLocks noGrp="1"/>
+          </p:cNvSpPr>
+          <p:nvPr>
+            <p:ph idx="1"/>
+          </p:nvPr>
+        </p:nvSpPr>
+        <p:spPr>
+          <a:xfrm>
+            <a:off x="415107" y="1965530"/>
+            <a:ext cx="8305800" cy="4058751"/>
+          </a:xfrm>
+        </p:spPr>
+        <p:txBody>
+          <a:bodyPr>
+            <a:normAutofit/>
+          </a:bodyPr>
+          <a:lstStyle/>
+          <a:p>
+            <a:pPr marL="57150" indent="0" algn="ctr">
+              <a:buNone/>
+            </a:pPr>
+            <a:r>
+              <a:rPr lang="nl-BE" sz="2800" i="1" dirty="0"/>
+              <a:t>“Software entities (classes, modules, functions, etc) should be open for extension but closed for modification”</a:t>
+            </a:r>
+          </a:p>
+          <a:p>
+            <a:pPr marL="457200" lvl="1" indent="0">
+              <a:buNone/>
+            </a:pPr>
+            <a:endParaRPr lang="nl-BE" dirty="0"/>
+          </a:p>
+          <a:p>
+            <a:pPr marL="57150" indent="0">
+              <a:buNone/>
+            </a:pPr>
+            <a:r>
+              <a:rPr lang="nl-BE" sz="2800" dirty="0"/>
+              <a:t>Modifications should be achieved by writing new code, not by changing existing code</a:t>
+            </a:r>
+          </a:p>
+          <a:p>
+            <a:pPr marL="57150" indent="0">
+              <a:buNone/>
+            </a:pPr>
+            <a:endParaRPr lang="nl-BE" dirty="0"/>
+          </a:p>
+          <a:p>
+            <a:pPr marL="57150" indent="0">
+              <a:buNone/>
+            </a:pPr>
+            <a:r>
+              <a:rPr lang="nl-BE" sz="2800" dirty="0"/>
+              <a:t>Example: Shapes – calculating area</a:t>
+            </a:r>
+          </a:p>
+        </p:txBody>
+      </p:sp>
+      <p:sp>
+        <p:nvSpPr>
+          <p:cNvPr id="4" name="TextBox 3"/>
+          <p:cNvSpPr txBox="1"/>
+          <p:nvPr/>
+        </p:nvSpPr>
+        <p:spPr>
+          <a:xfrm>
+            <a:off x="8001000" y="6324600"/>
+            <a:ext cx="990600" cy="369332"/>
+          </a:xfrm>
+          <a:prstGeom prst="rect">
+            <a:avLst/>
+          </a:prstGeom>
+          <a:noFill/>
+        </p:spPr>
+        <p:txBody>
+          <a:bodyPr wrap="square" rtlCol="0">
+            <a:spAutoFit/>
+          </a:bodyPr>
+          <a:lstStyle/>
+          <a:p>
+            <a:r>
+              <a:rPr lang="nl-BE" b="1" dirty="0"/>
+              <a:t>SOLID</a:t>
+            </a:r>
+          </a:p>
+        </p:txBody>
+      </p:sp>
+      <p:pic>
+        <p:nvPicPr>
+          <p:cNvPr id="5" name="Picture 4">
+            <a:extLst>
+              <a:ext uri="{FF2B5EF4-FFF2-40B4-BE49-F238E27FC236}">
+                <a16:creationId xmlns:a16="http://schemas.microsoft.com/office/drawing/2014/main" id="{9C0485FC-AA10-4959-8CB2-6D14E51712D3}"/>
+              </a:ext>
+            </a:extLst>
+          </p:cNvPr>
+          <p:cNvPicPr>
+            <a:picLocks noChangeAspect="1"/>
+          </p:cNvPicPr>
+          <p:nvPr/>
+        </p:nvPicPr>
+        <p:blipFill>
+          <a:blip r:embed="rId3" cstate="print">
+            <a:extLst>
+              <a:ext uri="{28A0092B-C50C-407E-A947-70E740481C1C}">
+                <a14:useLocalDpi xmlns:a14="http://schemas.microsoft.com/office/drawing/2010/main" val="0"/>
+              </a:ext>
+            </a:extLst>
+          </a:blip>
+          <a:stretch>
+            <a:fillRect/>
+          </a:stretch>
+        </p:blipFill>
+        <p:spPr>
+          <a:xfrm>
+            <a:off x="7239000" y="-34527"/>
+            <a:ext cx="1905000" cy="1905000"/>
+          </a:xfrm>
+          <a:prstGeom prst="rect">
+            <a:avLst/>
+          </a:prstGeom>
+        </p:spPr>
+      </p:pic>
+    </p:spTree>
+    <p:extLst>
+      <p:ext uri="{BB962C8B-B14F-4D97-AF65-F5344CB8AC3E}">
+        <p14:creationId xmlns:p14="http://schemas.microsoft.com/office/powerpoint/2010/main" val="933339138"/>
+      </p:ext>
+    </p:extLst>
+  </p:cSld>
+  <p:clrMapOvr>
+    <a:masterClrMapping/>
+  </p:clrMapOvr>
+</p:sld>
+</file>
+
+<file path=ppt/slides/slide21.xml><?xml version="1.0" encoding="utf-8"?>
 <p:sld xmlns:a="http://schemas.openxmlformats.org/drawingml/2006/main" xmlns:r="http://schemas.openxmlformats.org/officeDocument/2006/relationships" xmlns:p="http://schemas.openxmlformats.org/presentationml/2006/main">
+  <p:cSld>
+    <p:spTree>
+      <p:nvGrpSpPr>
+        <p:cNvPr id="1" name=""/>
+        <p:cNvGrpSpPr/>
+        <p:nvPr/>
+      </p:nvGrpSpPr>
+      <p:grpSpPr>
+        <a:xfrm>
+          <a:off x="0" y="0"/>
+          <a:ext cx="0" cy="0"/>
+          <a:chOff x="0" y="0"/>
+          <a:chExt cx="0" cy="0"/>
+        </a:xfrm>
+      </p:grpSpPr>
+      <p:sp>
+        <p:nvSpPr>
+          <p:cNvPr id="2" name="Title 1"/>
+          <p:cNvSpPr>
+            <a:spLocks noGrp="1"/>
+          </p:cNvSpPr>
+          <p:nvPr>
+            <p:ph type="title"/>
+          </p:nvPr>
+        </p:nvSpPr>
+        <p:spPr>
+          <a:xfrm>
+            <a:off x="203021" y="326963"/>
+            <a:ext cx="7765322" cy="970450"/>
+          </a:xfrm>
+        </p:spPr>
+        <p:txBody>
+          <a:bodyPr>
+            <a:normAutofit fontScale="90000"/>
+          </a:bodyPr>
+          <a:lstStyle/>
+          <a:p>
+            <a:r>
+              <a:rPr lang="nl-BE" dirty="0"/>
+              <a:t>DIP</a:t>
+            </a:r>
+            <a:br>
+              <a:rPr lang="nl-BE" dirty="0"/>
+            </a:br>
+            <a:r>
+              <a:rPr lang="nl-BE" dirty="0"/>
+              <a:t>Dependency-Inversion Principle</a:t>
+            </a:r>
+          </a:p>
+        </p:txBody>
+      </p:sp>
+      <p:sp>
+        <p:nvSpPr>
+          <p:cNvPr id="4" name="TextBox 3"/>
+          <p:cNvSpPr txBox="1"/>
+          <p:nvPr/>
+        </p:nvSpPr>
+        <p:spPr>
+          <a:xfrm>
+            <a:off x="8001000" y="6324600"/>
+            <a:ext cx="990600" cy="369332"/>
+          </a:xfrm>
+          <a:prstGeom prst="rect">
+            <a:avLst/>
+          </a:prstGeom>
+          <a:noFill/>
+        </p:spPr>
+        <p:txBody>
+          <a:bodyPr wrap="square" rtlCol="0">
+            <a:spAutoFit/>
+          </a:bodyPr>
+          <a:lstStyle/>
+          <a:p>
+            <a:r>
+              <a:rPr lang="nl-BE" b="1" dirty="0"/>
+              <a:t>SOLID</a:t>
+            </a:r>
+          </a:p>
+        </p:txBody>
+      </p:sp>
+      <p:pic>
+        <p:nvPicPr>
+          <p:cNvPr id="6146" name="Picture 2" descr="http://2.bp.blogspot.com/-55Kb5azAeVE/UG21vknR4iI/AAAAAAAAHdU/-FA_lJIe_tQ/s1600/Dependency+Inversion+Principle.jpeg"/>
+          <p:cNvPicPr>
+            <a:picLocks noChangeAspect="1" noChangeArrowheads="1"/>
+          </p:cNvPicPr>
+          <p:nvPr/>
+        </p:nvPicPr>
+        <p:blipFill>
+          <a:blip r:embed="rId2">
+            <a:extLst>
+              <a:ext uri="{28A0092B-C50C-407E-A947-70E740481C1C}">
+                <a14:useLocalDpi xmlns:a14="http://schemas.microsoft.com/office/drawing/2010/main" val="0"/>
+              </a:ext>
+            </a:extLst>
+          </a:blip>
+          <a:srcRect/>
+          <a:stretch>
+            <a:fillRect/>
+          </a:stretch>
+        </p:blipFill>
+        <p:spPr bwMode="auto">
+          <a:xfrm>
+            <a:off x="1659147" y="1870473"/>
+            <a:ext cx="5825705" cy="4660564"/>
+          </a:xfrm>
+          <a:prstGeom prst="rect">
+            <a:avLst/>
+          </a:prstGeom>
+          <a:noFill/>
+          <a:extLst>
+            <a:ext uri="{909E8E84-426E-40DD-AFC4-6F175D3DCCD1}">
+              <a14:hiddenFill xmlns:a14="http://schemas.microsoft.com/office/drawing/2010/main">
+                <a:solidFill>
+                  <a:srgbClr val="FFFFFF"/>
+                </a:solidFill>
+              </a14:hiddenFill>
+            </a:ext>
+          </a:extLst>
+        </p:spPr>
+      </p:pic>
+      <p:pic>
+        <p:nvPicPr>
+          <p:cNvPr id="5" name="Picture 4">
+            <a:extLst>
+              <a:ext uri="{FF2B5EF4-FFF2-40B4-BE49-F238E27FC236}">
+                <a16:creationId xmlns:a16="http://schemas.microsoft.com/office/drawing/2014/main" id="{6DBF7EEE-1980-4B11-8218-467110999A9F}"/>
+              </a:ext>
+            </a:extLst>
+          </p:cNvPr>
+          <p:cNvPicPr>
+            <a:picLocks noChangeAspect="1"/>
+          </p:cNvPicPr>
+          <p:nvPr/>
+        </p:nvPicPr>
+        <p:blipFill>
+          <a:blip r:embed="rId3" cstate="print">
+            <a:extLst>
+              <a:ext uri="{28A0092B-C50C-407E-A947-70E740481C1C}">
+                <a14:useLocalDpi xmlns:a14="http://schemas.microsoft.com/office/drawing/2010/main" val="0"/>
+              </a:ext>
+            </a:extLst>
+          </a:blip>
+          <a:stretch>
+            <a:fillRect/>
+          </a:stretch>
+        </p:blipFill>
+        <p:spPr>
+          <a:xfrm>
+            <a:off x="7239000" y="-34527"/>
+            <a:ext cx="1905000" cy="1905000"/>
+          </a:xfrm>
+          <a:prstGeom prst="rect">
+            <a:avLst/>
+          </a:prstGeom>
+        </p:spPr>
+      </p:pic>
+    </p:spTree>
+    <p:extLst>
+      <p:ext uri="{BB962C8B-B14F-4D97-AF65-F5344CB8AC3E}">
+        <p14:creationId xmlns:p14="http://schemas.microsoft.com/office/powerpoint/2010/main" val="3757174069"/>
+      </p:ext>
+    </p:extLst>
+  </p:cSld>
+  <p:clrMapOvr>
+    <a:masterClrMapping/>
+  </p:clrMapOvr>
+</p:sld>
+</file>
+
+<file path=ppt/slides/slide22.xml><?xml version="1.0" encoding="utf-8"?>
+<p:sld xmlns:a="http://schemas.openxmlformats.org/drawingml/2006/main" xmlns:r="http://schemas.openxmlformats.org/officeDocument/2006/relationships" xmlns:p="http://schemas.openxmlformats.org/presentationml/2006/main" show="0">
   <p:cSld>
     <p:spTree>
       <p:nvGrpSpPr>
@@ -12837,7 +13097,679 @@
 </p:sld>
 </file>
 
-<file path=ppt/slides/slide21.xml><?xml version="1.0" encoding="utf-8"?>
+<file path=ppt/slides/slide23.xml><?xml version="1.0" encoding="utf-8"?>
+<p:sld xmlns:a="http://schemas.openxmlformats.org/drawingml/2006/main" xmlns:r="http://schemas.openxmlformats.org/officeDocument/2006/relationships" xmlns:p="http://schemas.openxmlformats.org/presentationml/2006/main">
+  <p:cSld>
+    <p:spTree>
+      <p:nvGrpSpPr>
+        <p:cNvPr id="1" name=""/>
+        <p:cNvGrpSpPr/>
+        <p:nvPr/>
+      </p:nvGrpSpPr>
+      <p:grpSpPr>
+        <a:xfrm>
+          <a:off x="0" y="0"/>
+          <a:ext cx="0" cy="0"/>
+          <a:chOff x="0" y="0"/>
+          <a:chExt cx="0" cy="0"/>
+        </a:xfrm>
+      </p:grpSpPr>
+      <p:sp>
+        <p:nvSpPr>
+          <p:cNvPr id="2" name="Title 1"/>
+          <p:cNvSpPr>
+            <a:spLocks noGrp="1"/>
+          </p:cNvSpPr>
+          <p:nvPr>
+            <p:ph type="title"/>
+          </p:nvPr>
+        </p:nvSpPr>
+        <p:spPr/>
+        <p:txBody>
+          <a:bodyPr>
+            <a:normAutofit fontScale="90000"/>
+          </a:bodyPr>
+          <a:lstStyle/>
+          <a:p>
+            <a:r>
+              <a:rPr lang="nl-BE" dirty="0"/>
+              <a:t>LSP</a:t>
+            </a:r>
+            <a:br>
+              <a:rPr lang="nl-BE" dirty="0"/>
+            </a:br>
+            <a:r>
+              <a:rPr lang="nl-BE" dirty="0"/>
+              <a:t>Liskov Substitution Principle</a:t>
+            </a:r>
+          </a:p>
+        </p:txBody>
+      </p:sp>
+      <p:sp>
+        <p:nvSpPr>
+          <p:cNvPr id="4" name="TextBox 3"/>
+          <p:cNvSpPr txBox="1"/>
+          <p:nvPr/>
+        </p:nvSpPr>
+        <p:spPr>
+          <a:xfrm>
+            <a:off x="8024112" y="6324600"/>
+            <a:ext cx="967488" cy="369332"/>
+          </a:xfrm>
+          <a:prstGeom prst="rect">
+            <a:avLst/>
+          </a:prstGeom>
+          <a:noFill/>
+        </p:spPr>
+        <p:txBody>
+          <a:bodyPr wrap="square" rtlCol="0">
+            <a:spAutoFit/>
+          </a:bodyPr>
+          <a:lstStyle/>
+          <a:p>
+            <a:r>
+              <a:rPr lang="nl-BE" b="1" dirty="0"/>
+              <a:t>SOLID</a:t>
+            </a:r>
+          </a:p>
+        </p:txBody>
+      </p:sp>
+      <p:pic>
+        <p:nvPicPr>
+          <p:cNvPr id="8194" name="Picture 2" descr="http://1.bp.blogspot.com/-dLQXdTyGhzU/UG21xEJ8c7I/AAAAAAAAHdk/4rTquUtA-rg/s1600/Liskov+Subtitution+Principle.jpeg"/>
+          <p:cNvPicPr>
+            <a:picLocks noChangeAspect="1" noChangeArrowheads="1"/>
+          </p:cNvPicPr>
+          <p:nvPr/>
+        </p:nvPicPr>
+        <p:blipFill>
+          <a:blip r:embed="rId3">
+            <a:extLst>
+              <a:ext uri="{28A0092B-C50C-407E-A947-70E740481C1C}">
+                <a14:useLocalDpi xmlns:a14="http://schemas.microsoft.com/office/drawing/2010/main" val="0"/>
+              </a:ext>
+            </a:extLst>
+          </a:blip>
+          <a:srcRect/>
+          <a:stretch>
+            <a:fillRect/>
+          </a:stretch>
+        </p:blipFill>
+        <p:spPr bwMode="auto">
+          <a:xfrm>
+            <a:off x="1669368" y="1752599"/>
+            <a:ext cx="5744689" cy="4595751"/>
+          </a:xfrm>
+          <a:prstGeom prst="rect">
+            <a:avLst/>
+          </a:prstGeom>
+          <a:noFill/>
+          <a:extLst>
+            <a:ext uri="{909E8E84-426E-40DD-AFC4-6F175D3DCCD1}">
+              <a14:hiddenFill xmlns:a14="http://schemas.microsoft.com/office/drawing/2010/main">
+                <a:solidFill>
+                  <a:srgbClr val="FFFFFF"/>
+                </a:solidFill>
+              </a14:hiddenFill>
+            </a:ext>
+          </a:extLst>
+        </p:spPr>
+      </p:pic>
+      <p:pic>
+        <p:nvPicPr>
+          <p:cNvPr id="5" name="Picture 4">
+            <a:extLst>
+              <a:ext uri="{FF2B5EF4-FFF2-40B4-BE49-F238E27FC236}">
+                <a16:creationId xmlns:a16="http://schemas.microsoft.com/office/drawing/2014/main" id="{C1C859EF-9D72-4BD4-A32A-EFF99A276826}"/>
+              </a:ext>
+            </a:extLst>
+          </p:cNvPr>
+          <p:cNvPicPr>
+            <a:picLocks noChangeAspect="1"/>
+          </p:cNvPicPr>
+          <p:nvPr/>
+        </p:nvPicPr>
+        <p:blipFill>
+          <a:blip r:embed="rId4" cstate="print">
+            <a:extLst>
+              <a:ext uri="{28A0092B-C50C-407E-A947-70E740481C1C}">
+                <a14:useLocalDpi xmlns:a14="http://schemas.microsoft.com/office/drawing/2010/main" val="0"/>
+              </a:ext>
+            </a:extLst>
+          </a:blip>
+          <a:stretch>
+            <a:fillRect/>
+          </a:stretch>
+        </p:blipFill>
+        <p:spPr>
+          <a:xfrm>
+            <a:off x="7239000" y="-34527"/>
+            <a:ext cx="1905000" cy="1905000"/>
+          </a:xfrm>
+          <a:prstGeom prst="rect">
+            <a:avLst/>
+          </a:prstGeom>
+        </p:spPr>
+      </p:pic>
+    </p:spTree>
+    <p:extLst>
+      <p:ext uri="{BB962C8B-B14F-4D97-AF65-F5344CB8AC3E}">
+        <p14:creationId xmlns:p14="http://schemas.microsoft.com/office/powerpoint/2010/main" val="2196881925"/>
+      </p:ext>
+    </p:extLst>
+  </p:cSld>
+  <p:clrMapOvr>
+    <a:masterClrMapping/>
+  </p:clrMapOvr>
+</p:sld>
+</file>
+
+<file path=ppt/slides/slide24.xml><?xml version="1.0" encoding="utf-8"?>
+<p:sld xmlns:a="http://schemas.openxmlformats.org/drawingml/2006/main" xmlns:r="http://schemas.openxmlformats.org/officeDocument/2006/relationships" xmlns:p="http://schemas.openxmlformats.org/presentationml/2006/main" show="0">
+  <p:cSld>
+    <p:spTree>
+      <p:nvGrpSpPr>
+        <p:cNvPr id="1" name=""/>
+        <p:cNvGrpSpPr/>
+        <p:nvPr/>
+      </p:nvGrpSpPr>
+      <p:grpSpPr>
+        <a:xfrm>
+          <a:off x="0" y="0"/>
+          <a:ext cx="0" cy="0"/>
+          <a:chOff x="0" y="0"/>
+          <a:chExt cx="0" cy="0"/>
+        </a:xfrm>
+      </p:grpSpPr>
+      <p:sp>
+        <p:nvSpPr>
+          <p:cNvPr id="2" name="Title 1"/>
+          <p:cNvSpPr>
+            <a:spLocks noGrp="1"/>
+          </p:cNvSpPr>
+          <p:nvPr>
+            <p:ph type="title"/>
+          </p:nvPr>
+        </p:nvSpPr>
+        <p:spPr/>
+        <p:txBody>
+          <a:bodyPr>
+            <a:normAutofit fontScale="90000"/>
+          </a:bodyPr>
+          <a:lstStyle/>
+          <a:p>
+            <a:r>
+              <a:rPr lang="nl-BE" dirty="0"/>
+              <a:t>LSP</a:t>
+            </a:r>
+            <a:br>
+              <a:rPr lang="nl-BE" dirty="0"/>
+            </a:br>
+            <a:r>
+              <a:rPr lang="nl-BE" dirty="0"/>
+              <a:t>Liskov Substitution Principle</a:t>
+            </a:r>
+          </a:p>
+        </p:txBody>
+      </p:sp>
+      <p:sp>
+        <p:nvSpPr>
+          <p:cNvPr id="3" name="Content Placeholder 2"/>
+          <p:cNvSpPr>
+            <a:spLocks noGrp="1"/>
+          </p:cNvSpPr>
+          <p:nvPr>
+            <p:ph idx="1"/>
+          </p:nvPr>
+        </p:nvSpPr>
+        <p:spPr/>
+        <p:txBody>
+          <a:bodyPr/>
+          <a:lstStyle/>
+          <a:p>
+            <a:pPr marL="0" indent="0" algn="ctr">
+              <a:buNone/>
+            </a:pPr>
+            <a:r>
+              <a:rPr lang="nl-BE" i="1" dirty="0"/>
+              <a:t>“Subtypes must be substitutable for their subtypes.”</a:t>
+            </a:r>
+          </a:p>
+          <a:p>
+            <a:pPr marL="0" indent="0" algn="ctr">
+              <a:buNone/>
+            </a:pPr>
+            <a:endParaRPr lang="nl-BE" i="1" dirty="0"/>
+          </a:p>
+          <a:p>
+            <a:pPr marL="0" indent="0">
+              <a:buNone/>
+            </a:pPr>
+            <a:r>
+              <a:rPr lang="nl-BE" dirty="0"/>
+              <a:t>Rectangle with Height/Width</a:t>
+            </a:r>
+          </a:p>
+          <a:p>
+            <a:pPr marL="0" indent="0">
+              <a:buNone/>
+            </a:pPr>
+            <a:r>
+              <a:rPr lang="nl-BE" dirty="0"/>
+              <a:t>Square cannot inherit from Rectangle</a:t>
+            </a:r>
+          </a:p>
+        </p:txBody>
+      </p:sp>
+      <p:sp>
+        <p:nvSpPr>
+          <p:cNvPr id="4" name="TextBox 3"/>
+          <p:cNvSpPr txBox="1"/>
+          <p:nvPr/>
+        </p:nvSpPr>
+        <p:spPr>
+          <a:xfrm>
+            <a:off x="8001000" y="6324600"/>
+            <a:ext cx="990600" cy="369332"/>
+          </a:xfrm>
+          <a:prstGeom prst="rect">
+            <a:avLst/>
+          </a:prstGeom>
+          <a:noFill/>
+        </p:spPr>
+        <p:txBody>
+          <a:bodyPr wrap="square" rtlCol="0">
+            <a:spAutoFit/>
+          </a:bodyPr>
+          <a:lstStyle/>
+          <a:p>
+            <a:r>
+              <a:rPr lang="nl-BE" b="1" dirty="0"/>
+              <a:t>SOLID</a:t>
+            </a:r>
+          </a:p>
+        </p:txBody>
+      </p:sp>
+      <p:pic>
+        <p:nvPicPr>
+          <p:cNvPr id="5" name="Picture 4">
+            <a:extLst>
+              <a:ext uri="{FF2B5EF4-FFF2-40B4-BE49-F238E27FC236}">
+                <a16:creationId xmlns:a16="http://schemas.microsoft.com/office/drawing/2014/main" id="{BF012A0C-CD09-4971-B9DC-9E5D2E0CA4A5}"/>
+              </a:ext>
+            </a:extLst>
+          </p:cNvPr>
+          <p:cNvPicPr>
+            <a:picLocks noChangeAspect="1"/>
+          </p:cNvPicPr>
+          <p:nvPr/>
+        </p:nvPicPr>
+        <p:blipFill>
+          <a:blip r:embed="rId3" cstate="print">
+            <a:extLst>
+              <a:ext uri="{28A0092B-C50C-407E-A947-70E740481C1C}">
+                <a14:useLocalDpi xmlns:a14="http://schemas.microsoft.com/office/drawing/2010/main" val="0"/>
+              </a:ext>
+            </a:extLst>
+          </a:blip>
+          <a:stretch>
+            <a:fillRect/>
+          </a:stretch>
+        </p:blipFill>
+        <p:spPr>
+          <a:xfrm>
+            <a:off x="7239000" y="-34527"/>
+            <a:ext cx="1905000" cy="1905000"/>
+          </a:xfrm>
+          <a:prstGeom prst="rect">
+            <a:avLst/>
+          </a:prstGeom>
+        </p:spPr>
+      </p:pic>
+    </p:spTree>
+    <p:extLst>
+      <p:ext uri="{BB962C8B-B14F-4D97-AF65-F5344CB8AC3E}">
+        <p14:creationId xmlns:p14="http://schemas.microsoft.com/office/powerpoint/2010/main" val="1142016710"/>
+      </p:ext>
+    </p:extLst>
+  </p:cSld>
+  <p:clrMapOvr>
+    <a:masterClrMapping/>
+  </p:clrMapOvr>
+</p:sld>
+</file>
+
+<file path=ppt/slides/slide25.xml><?xml version="1.0" encoding="utf-8"?>
+<p:sld xmlns:a="http://schemas.openxmlformats.org/drawingml/2006/main" xmlns:r="http://schemas.openxmlformats.org/officeDocument/2006/relationships" xmlns:p="http://schemas.openxmlformats.org/presentationml/2006/main">
+  <p:cSld>
+    <p:spTree>
+      <p:nvGrpSpPr>
+        <p:cNvPr id="1" name=""/>
+        <p:cNvGrpSpPr/>
+        <p:nvPr/>
+      </p:nvGrpSpPr>
+      <p:grpSpPr>
+        <a:xfrm>
+          <a:off x="0" y="0"/>
+          <a:ext cx="0" cy="0"/>
+          <a:chOff x="0" y="0"/>
+          <a:chExt cx="0" cy="0"/>
+        </a:xfrm>
+      </p:grpSpPr>
+      <p:sp>
+        <p:nvSpPr>
+          <p:cNvPr id="2" name="Title 1"/>
+          <p:cNvSpPr>
+            <a:spLocks noGrp="1"/>
+          </p:cNvSpPr>
+          <p:nvPr>
+            <p:ph type="title"/>
+          </p:nvPr>
+        </p:nvSpPr>
+        <p:spPr/>
+        <p:txBody>
+          <a:bodyPr>
+            <a:normAutofit fontScale="90000"/>
+          </a:bodyPr>
+          <a:lstStyle/>
+          <a:p>
+            <a:r>
+              <a:rPr lang="nl-BE" dirty="0"/>
+              <a:t>SRP</a:t>
+            </a:r>
+            <a:br>
+              <a:rPr lang="nl-BE" dirty="0"/>
+            </a:br>
+            <a:r>
+              <a:rPr lang="nl-BE" dirty="0"/>
+              <a:t>Interface Segregation Principle</a:t>
+            </a:r>
+          </a:p>
+        </p:txBody>
+      </p:sp>
+      <p:sp>
+        <p:nvSpPr>
+          <p:cNvPr id="4" name="TextBox 3"/>
+          <p:cNvSpPr txBox="1"/>
+          <p:nvPr/>
+        </p:nvSpPr>
+        <p:spPr>
+          <a:xfrm>
+            <a:off x="8001000" y="6324600"/>
+            <a:ext cx="990600" cy="369332"/>
+          </a:xfrm>
+          <a:prstGeom prst="rect">
+            <a:avLst/>
+          </a:prstGeom>
+          <a:noFill/>
+        </p:spPr>
+        <p:txBody>
+          <a:bodyPr wrap="square" rtlCol="0">
+            <a:spAutoFit/>
+          </a:bodyPr>
+          <a:lstStyle/>
+          <a:p>
+            <a:r>
+              <a:rPr lang="nl-BE" b="1" dirty="0"/>
+              <a:t>SOLID</a:t>
+            </a:r>
+          </a:p>
+        </p:txBody>
+      </p:sp>
+      <p:pic>
+        <p:nvPicPr>
+          <p:cNvPr id="7170" name="Picture 2" descr="http://3.bp.blogspot.com/-hHtkBeja6MA/UG21wX6wUEI/AAAAAAAAHdc/xIdOWfYrw4I/s1600/Interface+Segregation+Principle.jpeg"/>
+          <p:cNvPicPr>
+            <a:picLocks noChangeAspect="1" noChangeArrowheads="1"/>
+          </p:cNvPicPr>
+          <p:nvPr/>
+        </p:nvPicPr>
+        <p:blipFill>
+          <a:blip r:embed="rId2">
+            <a:extLst>
+              <a:ext uri="{28A0092B-C50C-407E-A947-70E740481C1C}">
+                <a14:useLocalDpi xmlns:a14="http://schemas.microsoft.com/office/drawing/2010/main" val="0"/>
+              </a:ext>
+            </a:extLst>
+          </a:blip>
+          <a:srcRect/>
+          <a:stretch>
+            <a:fillRect/>
+          </a:stretch>
+        </p:blipFill>
+        <p:spPr bwMode="auto">
+          <a:xfrm>
+            <a:off x="1600200" y="1676400"/>
+            <a:ext cx="6000750" cy="4800600"/>
+          </a:xfrm>
+          <a:prstGeom prst="rect">
+            <a:avLst/>
+          </a:prstGeom>
+          <a:noFill/>
+          <a:extLst>
+            <a:ext uri="{909E8E84-426E-40DD-AFC4-6F175D3DCCD1}">
+              <a14:hiddenFill xmlns:a14="http://schemas.microsoft.com/office/drawing/2010/main">
+                <a:solidFill>
+                  <a:srgbClr val="FFFFFF"/>
+                </a:solidFill>
+              </a14:hiddenFill>
+            </a:ext>
+          </a:extLst>
+        </p:spPr>
+      </p:pic>
+      <p:pic>
+        <p:nvPicPr>
+          <p:cNvPr id="5" name="Picture 4">
+            <a:extLst>
+              <a:ext uri="{FF2B5EF4-FFF2-40B4-BE49-F238E27FC236}">
+                <a16:creationId xmlns:a16="http://schemas.microsoft.com/office/drawing/2014/main" id="{317C7913-FE44-422A-8108-9F34FF4A98F3}"/>
+              </a:ext>
+            </a:extLst>
+          </p:cNvPr>
+          <p:cNvPicPr>
+            <a:picLocks noChangeAspect="1"/>
+          </p:cNvPicPr>
+          <p:nvPr/>
+        </p:nvPicPr>
+        <p:blipFill>
+          <a:blip r:embed="rId3" cstate="print">
+            <a:extLst>
+              <a:ext uri="{28A0092B-C50C-407E-A947-70E740481C1C}">
+                <a14:useLocalDpi xmlns:a14="http://schemas.microsoft.com/office/drawing/2010/main" val="0"/>
+              </a:ext>
+            </a:extLst>
+          </a:blip>
+          <a:stretch>
+            <a:fillRect/>
+          </a:stretch>
+        </p:blipFill>
+        <p:spPr>
+          <a:xfrm>
+            <a:off x="7239000" y="-34527"/>
+            <a:ext cx="1905000" cy="1905000"/>
+          </a:xfrm>
+          <a:prstGeom prst="rect">
+            <a:avLst/>
+          </a:prstGeom>
+        </p:spPr>
+      </p:pic>
+    </p:spTree>
+    <p:extLst>
+      <p:ext uri="{BB962C8B-B14F-4D97-AF65-F5344CB8AC3E}">
+        <p14:creationId xmlns:p14="http://schemas.microsoft.com/office/powerpoint/2010/main" val="3597776231"/>
+      </p:ext>
+    </p:extLst>
+  </p:cSld>
+  <p:clrMapOvr>
+    <a:masterClrMapping/>
+  </p:clrMapOvr>
+</p:sld>
+</file>
+
+<file path=ppt/slides/slide26.xml><?xml version="1.0" encoding="utf-8"?>
+<p:sld xmlns:a="http://schemas.openxmlformats.org/drawingml/2006/main" xmlns:r="http://schemas.openxmlformats.org/officeDocument/2006/relationships" xmlns:p="http://schemas.openxmlformats.org/presentationml/2006/main" show="0">
+  <p:cSld>
+    <p:spTree>
+      <p:nvGrpSpPr>
+        <p:cNvPr id="1" name=""/>
+        <p:cNvGrpSpPr/>
+        <p:nvPr/>
+      </p:nvGrpSpPr>
+      <p:grpSpPr>
+        <a:xfrm>
+          <a:off x="0" y="0"/>
+          <a:ext cx="0" cy="0"/>
+          <a:chOff x="0" y="0"/>
+          <a:chExt cx="0" cy="0"/>
+        </a:xfrm>
+      </p:grpSpPr>
+      <p:sp>
+        <p:nvSpPr>
+          <p:cNvPr id="2" name="Title 1"/>
+          <p:cNvSpPr>
+            <a:spLocks noGrp="1"/>
+          </p:cNvSpPr>
+          <p:nvPr>
+            <p:ph type="title"/>
+          </p:nvPr>
+        </p:nvSpPr>
+        <p:spPr/>
+        <p:txBody>
+          <a:bodyPr>
+            <a:normAutofit fontScale="90000"/>
+          </a:bodyPr>
+          <a:lstStyle/>
+          <a:p>
+            <a:r>
+              <a:rPr lang="nl-BE" dirty="0"/>
+              <a:t>SRP</a:t>
+            </a:r>
+            <a:br>
+              <a:rPr lang="nl-BE" dirty="0"/>
+            </a:br>
+            <a:r>
+              <a:rPr lang="nl-BE" dirty="0"/>
+              <a:t>Interface Segregation Principle</a:t>
+            </a:r>
+          </a:p>
+        </p:txBody>
+      </p:sp>
+      <p:sp>
+        <p:nvSpPr>
+          <p:cNvPr id="3" name="Content Placeholder 2"/>
+          <p:cNvSpPr>
+            <a:spLocks noGrp="1"/>
+          </p:cNvSpPr>
+          <p:nvPr>
+            <p:ph idx="1"/>
+          </p:nvPr>
+        </p:nvSpPr>
+        <p:spPr/>
+        <p:txBody>
+          <a:bodyPr/>
+          <a:lstStyle/>
+          <a:p>
+            <a:pPr marL="0" indent="0" algn="ctr">
+              <a:buNone/>
+            </a:pPr>
+            <a:r>
+              <a:rPr lang="nl-BE" i="1" dirty="0"/>
+              <a:t>“Clients should not be forced to depend on methods they do not use.”</a:t>
+            </a:r>
+          </a:p>
+          <a:p>
+            <a:pPr marL="0" indent="0" algn="ctr">
+              <a:buNone/>
+            </a:pPr>
+            <a:endParaRPr lang="nl-BE" i="1" dirty="0"/>
+          </a:p>
+          <a:p>
+            <a:pPr marL="0" indent="0">
+              <a:buNone/>
+            </a:pPr>
+            <a:endParaRPr lang="nl-BE" dirty="0"/>
+          </a:p>
+        </p:txBody>
+      </p:sp>
+      <p:sp>
+        <p:nvSpPr>
+          <p:cNvPr id="4" name="TextBox 3"/>
+          <p:cNvSpPr txBox="1"/>
+          <p:nvPr/>
+        </p:nvSpPr>
+        <p:spPr>
+          <a:xfrm>
+            <a:off x="8001000" y="6324600"/>
+            <a:ext cx="990600" cy="369332"/>
+          </a:xfrm>
+          <a:prstGeom prst="rect">
+            <a:avLst/>
+          </a:prstGeom>
+          <a:noFill/>
+        </p:spPr>
+        <p:txBody>
+          <a:bodyPr wrap="square" rtlCol="0">
+            <a:spAutoFit/>
+          </a:bodyPr>
+          <a:lstStyle/>
+          <a:p>
+            <a:r>
+              <a:rPr lang="nl-BE" b="1" dirty="0"/>
+              <a:t>SOLID</a:t>
+            </a:r>
+          </a:p>
+        </p:txBody>
+      </p:sp>
+      <p:pic>
+        <p:nvPicPr>
+          <p:cNvPr id="5" name="Picture 4">
+            <a:extLst>
+              <a:ext uri="{FF2B5EF4-FFF2-40B4-BE49-F238E27FC236}">
+                <a16:creationId xmlns:a16="http://schemas.microsoft.com/office/drawing/2014/main" id="{DBAB554D-9146-4173-8D61-C5A55B2CDA10}"/>
+              </a:ext>
+            </a:extLst>
+          </p:cNvPr>
+          <p:cNvPicPr>
+            <a:picLocks noChangeAspect="1"/>
+          </p:cNvPicPr>
+          <p:nvPr/>
+        </p:nvPicPr>
+        <p:blipFill>
+          <a:blip r:embed="rId2" cstate="print">
+            <a:extLst>
+              <a:ext uri="{28A0092B-C50C-407E-A947-70E740481C1C}">
+                <a14:useLocalDpi xmlns:a14="http://schemas.microsoft.com/office/drawing/2010/main" val="0"/>
+              </a:ext>
+            </a:extLst>
+          </a:blip>
+          <a:stretch>
+            <a:fillRect/>
+          </a:stretch>
+        </p:blipFill>
+        <p:spPr>
+          <a:xfrm>
+            <a:off x="7239000" y="-34527"/>
+            <a:ext cx="1905000" cy="1905000"/>
+          </a:xfrm>
+          <a:prstGeom prst="rect">
+            <a:avLst/>
+          </a:prstGeom>
+        </p:spPr>
+      </p:pic>
+    </p:spTree>
+    <p:extLst>
+      <p:ext uri="{BB962C8B-B14F-4D97-AF65-F5344CB8AC3E}">
+        <p14:creationId xmlns:p14="http://schemas.microsoft.com/office/powerpoint/2010/main" val="4186263527"/>
+      </p:ext>
+    </p:extLst>
+  </p:cSld>
+  <p:clrMapOvr>
+    <a:masterClrMapping/>
+  </p:clrMapOvr>
+</p:sld>
+</file>
+
+<file path=ppt/slides/slide27.xml><?xml version="1.0" encoding="utf-8"?>
 <p:sld xmlns:a="http://schemas.openxmlformats.org/drawingml/2006/main" xmlns:r="http://schemas.openxmlformats.org/officeDocument/2006/relationships" xmlns:p="http://schemas.openxmlformats.org/presentationml/2006/main">
   <p:cSld>
     <p:spTree>
@@ -12974,7 +13906,7 @@
 </p:sld>
 </file>
 
-<file path=ppt/slides/slide22.xml><?xml version="1.0" encoding="utf-8"?>
+<file path=ppt/slides/slide28.xml><?xml version="1.0" encoding="utf-8"?>
 <p:sld xmlns:a="http://schemas.openxmlformats.org/drawingml/2006/main" xmlns:r="http://schemas.openxmlformats.org/officeDocument/2006/relationships" xmlns:p="http://schemas.openxmlformats.org/presentationml/2006/main">
   <p:cSld>
     <p:spTree>
@@ -13150,7 +14082,7 @@
 </p:sld>
 </file>
 
-<file path=ppt/slides/slide23.xml><?xml version="1.0" encoding="utf-8"?>
+<file path=ppt/slides/slide29.xml><?xml version="1.0" encoding="utf-8"?>
 <p:sld xmlns:a="http://schemas.openxmlformats.org/drawingml/2006/main" xmlns:r="http://schemas.openxmlformats.org/officeDocument/2006/relationships" xmlns:p="http://schemas.openxmlformats.org/presentationml/2006/main">
   <p:cSld>
     <p:spTree>
@@ -13301,7 +14233,157 @@
 </p:sld>
 </file>
 
-<file path=ppt/slides/slide24.xml><?xml version="1.0" encoding="utf-8"?>
+<file path=ppt/slides/slide3.xml><?xml version="1.0" encoding="utf-8"?>
+<p:sld xmlns:a="http://schemas.openxmlformats.org/drawingml/2006/main" xmlns:r="http://schemas.openxmlformats.org/officeDocument/2006/relationships" xmlns:p="http://schemas.openxmlformats.org/presentationml/2006/main" show="0">
+  <p:cSld>
+    <p:spTree>
+      <p:nvGrpSpPr>
+        <p:cNvPr id="1" name=""/>
+        <p:cNvGrpSpPr/>
+        <p:nvPr/>
+      </p:nvGrpSpPr>
+      <p:grpSpPr>
+        <a:xfrm>
+          <a:off x="0" y="0"/>
+          <a:ext cx="0" cy="0"/>
+          <a:chOff x="0" y="0"/>
+          <a:chExt cx="0" cy="0"/>
+        </a:xfrm>
+      </p:grpSpPr>
+      <p:sp>
+        <p:nvSpPr>
+          <p:cNvPr id="2" name="Title 1"/>
+          <p:cNvSpPr>
+            <a:spLocks noGrp="1"/>
+          </p:cNvSpPr>
+          <p:nvPr>
+            <p:ph type="title"/>
+          </p:nvPr>
+        </p:nvSpPr>
+        <p:spPr/>
+        <p:txBody>
+          <a:bodyPr/>
+          <a:lstStyle/>
+          <a:p>
+            <a:r>
+              <a:rPr lang="nl-BE" dirty="0"/>
+              <a:t>GoF Patterns</a:t>
+            </a:r>
+          </a:p>
+        </p:txBody>
+      </p:sp>
+      <p:sp>
+        <p:nvSpPr>
+          <p:cNvPr id="3" name="Content Placeholder 2"/>
+          <p:cNvSpPr>
+            <a:spLocks noGrp="1"/>
+          </p:cNvSpPr>
+          <p:nvPr>
+            <p:ph idx="1"/>
+          </p:nvPr>
+        </p:nvSpPr>
+        <p:spPr>
+          <a:xfrm>
+            <a:off x="228600" y="1981200"/>
+            <a:ext cx="8763000" cy="4144963"/>
+          </a:xfrm>
+        </p:spPr>
+        <p:txBody>
+          <a:bodyPr>
+            <a:normAutofit/>
+          </a:bodyPr>
+          <a:lstStyle/>
+          <a:p>
+            <a:pPr marL="0" indent="0" algn="ctr">
+              <a:buNone/>
+            </a:pPr>
+            <a:r>
+              <a:rPr lang="nl-BE" sz="3200" dirty="0"/>
+              <a:t>Principles of reusable object-oriented design</a:t>
+            </a:r>
+          </a:p>
+          <a:p>
+            <a:pPr marL="0" indent="0">
+              <a:buNone/>
+            </a:pPr>
+            <a:endParaRPr lang="nl-BE" sz="3200" dirty="0"/>
+          </a:p>
+          <a:p>
+            <a:pPr marL="0" indent="0">
+              <a:buNone/>
+            </a:pPr>
+            <a:r>
+              <a:rPr lang="nl-BE" sz="3200" b="1" dirty="0"/>
+              <a:t>Program to an interface, not an implementation</a:t>
+            </a:r>
+          </a:p>
+          <a:p>
+            <a:pPr marL="457200" lvl="1" indent="0">
+              <a:buNone/>
+            </a:pPr>
+            <a:endParaRPr lang="nl-BE" sz="2800" b="1" dirty="0"/>
+          </a:p>
+          <a:p>
+            <a:pPr marL="57150" indent="0">
+              <a:buNone/>
+            </a:pPr>
+            <a:r>
+              <a:rPr lang="nl-BE" sz="3200" b="1" dirty="0"/>
+              <a:t>Favor object composition over class inheritance </a:t>
+            </a:r>
+          </a:p>
+        </p:txBody>
+      </p:sp>
+      <p:pic>
+        <p:nvPicPr>
+          <p:cNvPr id="4" name="Picture 3">
+            <a:extLst>
+              <a:ext uri="{FF2B5EF4-FFF2-40B4-BE49-F238E27FC236}">
+                <a16:creationId xmlns:a16="http://schemas.microsoft.com/office/drawing/2014/main" id="{99F3FC21-BBC5-4619-AE55-3D269F56BA53}"/>
+              </a:ext>
+            </a:extLst>
+          </p:cNvPr>
+          <p:cNvPicPr>
+            <a:picLocks noChangeAspect="1"/>
+          </p:cNvPicPr>
+          <p:nvPr/>
+        </p:nvPicPr>
+        <p:blipFill>
+          <a:blip r:embed="rId3" cstate="print">
+            <a:extLst>
+              <a:ext uri="{28A0092B-C50C-407E-A947-70E740481C1C}">
+                <a14:useLocalDpi xmlns:a14="http://schemas.microsoft.com/office/drawing/2010/main" val="0"/>
+              </a:ext>
+            </a:extLst>
+          </a:blip>
+          <a:stretch>
+            <a:fillRect/>
+          </a:stretch>
+        </p:blipFill>
+        <p:spPr>
+          <a:xfrm>
+            <a:off x="7239000" y="-34527"/>
+            <a:ext cx="1905000" cy="1905000"/>
+          </a:xfrm>
+          <a:prstGeom prst="rect">
+            <a:avLst/>
+          </a:prstGeom>
+        </p:spPr>
+      </p:pic>
+    </p:spTree>
+    <p:extLst>
+      <p:ext uri="{BB962C8B-B14F-4D97-AF65-F5344CB8AC3E}">
+        <p14:creationId xmlns:p14="http://schemas.microsoft.com/office/powerpoint/2010/main" val="766423586"/>
+      </p:ext>
+    </p:extLst>
+  </p:cSld>
+  <p:clrMapOvr>
+    <a:masterClrMapping/>
+  </p:clrMapOvr>
+</p:sld>
+</file>
+
+<file path=ppt/slides/slide30.xml><?xml version="1.0" encoding="utf-8"?>
 <p:sld xmlns:a="http://schemas.openxmlformats.org/drawingml/2006/main" xmlns:r="http://schemas.openxmlformats.org/officeDocument/2006/relationships" xmlns:p="http://schemas.openxmlformats.org/presentationml/2006/main">
   <p:cSld>
     <p:spTree>
@@ -13468,7 +14550,7 @@
 </p:sld>
 </file>
 
-<file path=ppt/slides/slide25.xml><?xml version="1.0" encoding="utf-8"?>
+<file path=ppt/slides/slide31.xml><?xml version="1.0" encoding="utf-8"?>
 <p:sld xmlns:a="http://schemas.openxmlformats.org/drawingml/2006/main" xmlns:r="http://schemas.openxmlformats.org/officeDocument/2006/relationships" xmlns:p="http://schemas.openxmlformats.org/presentationml/2006/main">
   <p:cSld>
     <p:spTree>
@@ -14377,7 +15459,7 @@
 </p:sld>
 </file>
 
-<file path=ppt/slides/slide26.xml><?xml version="1.0" encoding="utf-8"?>
+<file path=ppt/slides/slide32.xml><?xml version="1.0" encoding="utf-8"?>
 <p:sld xmlns:a="http://schemas.openxmlformats.org/drawingml/2006/main" xmlns:r="http://schemas.openxmlformats.org/officeDocument/2006/relationships" xmlns:p="http://schemas.openxmlformats.org/presentationml/2006/main">
   <p:cSld>
     <p:spTree>
@@ -14529,173 +15611,7 @@
 </p:sld>
 </file>
 
-<file path=ppt/slides/slide27.xml><?xml version="1.0" encoding="utf-8"?>
-<p:sld xmlns:a="http://schemas.openxmlformats.org/drawingml/2006/main" xmlns:r="http://schemas.openxmlformats.org/officeDocument/2006/relationships" xmlns:p="http://schemas.openxmlformats.org/presentationml/2006/main">
-  <p:cSld>
-    <p:spTree>
-      <p:nvGrpSpPr>
-        <p:cNvPr id="1" name=""/>
-        <p:cNvGrpSpPr/>
-        <p:nvPr/>
-      </p:nvGrpSpPr>
-      <p:grpSpPr>
-        <a:xfrm>
-          <a:off x="0" y="0"/>
-          <a:ext cx="0" cy="0"/>
-          <a:chOff x="0" y="0"/>
-          <a:chExt cx="0" cy="0"/>
-        </a:xfrm>
-      </p:grpSpPr>
-      <p:sp>
-        <p:nvSpPr>
-          <p:cNvPr id="2" name="Title 1"/>
-          <p:cNvSpPr>
-            <a:spLocks noGrp="1"/>
-          </p:cNvSpPr>
-          <p:nvPr>
-            <p:ph type="title"/>
-          </p:nvPr>
-        </p:nvSpPr>
-        <p:spPr/>
-        <p:txBody>
-          <a:bodyPr/>
-          <a:lstStyle/>
-          <a:p>
-            <a:r>
-              <a:rPr lang="nl-BE" dirty="0"/>
-              <a:t>Pattern Pitfalls</a:t>
-            </a:r>
-          </a:p>
-        </p:txBody>
-      </p:sp>
-      <p:sp>
-        <p:nvSpPr>
-          <p:cNvPr id="3" name="Content Placeholder 2"/>
-          <p:cNvSpPr>
-            <a:spLocks noGrp="1"/>
-          </p:cNvSpPr>
-          <p:nvPr>
-            <p:ph idx="1"/>
-          </p:nvPr>
-        </p:nvSpPr>
-        <p:spPr/>
-        <p:txBody>
-          <a:bodyPr>
-            <a:normAutofit/>
-          </a:bodyPr>
-          <a:lstStyle/>
-          <a:p>
-            <a:pPr marL="0" indent="0">
-              <a:buNone/>
-            </a:pPr>
-            <a:r>
-              <a:rPr lang="nl-BE" sz="2800" i="1" dirty="0"/>
-              <a:t>“When all you have is a hammer, everything looks like a nail.” - </a:t>
-            </a:r>
-            <a:r>
-              <a:rPr lang="nl-BE" sz="2800" dirty="0"/>
-              <a:t>Maslow's hammer</a:t>
-            </a:r>
-            <a:endParaRPr lang="nl-BE" sz="2800" i="1" dirty="0"/>
-          </a:p>
-          <a:p>
-            <a:pPr marL="0" indent="0">
-              <a:buNone/>
-            </a:pPr>
-            <a:endParaRPr lang="nl-BE" dirty="0"/>
-          </a:p>
-          <a:p>
-            <a:pPr marL="0" indent="0">
-              <a:buNone/>
-            </a:pPr>
-            <a:r>
-              <a:rPr lang="nl-BE" dirty="0"/>
-              <a:t>- Molding the problem to fit a pattern.</a:t>
-            </a:r>
-          </a:p>
-          <a:p>
-            <a:pPr marL="0" indent="0">
-              <a:buNone/>
-            </a:pPr>
-            <a:endParaRPr lang="nl-BE" dirty="0"/>
-          </a:p>
-          <a:p>
-            <a:pPr marL="0" indent="0">
-              <a:buNone/>
-            </a:pPr>
-            <a:r>
-              <a:rPr lang="nl-BE" dirty="0"/>
-              <a:t>“</a:t>
-            </a:r>
-            <a:r>
-              <a:rPr lang="en-US" dirty="0"/>
-              <a:t>When one is designing the successor to a relatively small, elegant, and successful system, there is a tendency to become grandiose in one's success and design an </a:t>
-            </a:r>
-            <a:r>
-              <a:rPr lang="en-US" i="1" dirty="0"/>
-              <a:t>elephantine</a:t>
-            </a:r>
-            <a:r>
-              <a:rPr lang="en-US" dirty="0"/>
-              <a:t> feature-laden monstrosity.</a:t>
-            </a:r>
-            <a:r>
-              <a:rPr lang="nl-BE" dirty="0"/>
-              <a:t>” – Fred Brooks (The Second System Effect)</a:t>
-            </a:r>
-          </a:p>
-        </p:txBody>
-      </p:sp>
-      <p:pic>
-        <p:nvPicPr>
-          <p:cNvPr id="4" name="Picture 3">
-            <a:extLst>
-              <a:ext uri="{FF2B5EF4-FFF2-40B4-BE49-F238E27FC236}">
-                <a16:creationId xmlns:a16="http://schemas.microsoft.com/office/drawing/2014/main" id="{BE235E9E-8CE0-45E5-A7A1-EAB2A04A5A80}"/>
-              </a:ext>
-            </a:extLst>
-          </p:cNvPr>
-          <p:cNvPicPr>
-            <a:picLocks noChangeAspect="1"/>
-          </p:cNvPicPr>
-          <p:nvPr/>
-        </p:nvPicPr>
-        <p:blipFill>
-          <a:blip r:embed="rId3" cstate="print">
-            <a:extLst>
-              <a:ext uri="{28A0092B-C50C-407E-A947-70E740481C1C}">
-                <a14:useLocalDpi xmlns:a14="http://schemas.microsoft.com/office/drawing/2010/main" val="0"/>
-              </a:ext>
-            </a:extLst>
-          </a:blip>
-          <a:stretch>
-            <a:fillRect/>
-          </a:stretch>
-        </p:blipFill>
-        <p:spPr>
-          <a:xfrm>
-            <a:off x="7239000" y="-34527"/>
-            <a:ext cx="1905000" cy="1905000"/>
-          </a:xfrm>
-          <a:prstGeom prst="rect">
-            <a:avLst/>
-          </a:prstGeom>
-        </p:spPr>
-      </p:pic>
-    </p:spTree>
-    <p:extLst>
-      <p:ext uri="{BB962C8B-B14F-4D97-AF65-F5344CB8AC3E}">
-        <p14:creationId xmlns:p14="http://schemas.microsoft.com/office/powerpoint/2010/main" val="2566132796"/>
-      </p:ext>
-    </p:extLst>
-  </p:cSld>
-  <p:clrMapOvr>
-    <a:masterClrMapping/>
-  </p:clrMapOvr>
-</p:sld>
-</file>
-
-<file path=ppt/slides/slide28.xml><?xml version="1.0" encoding="utf-8"?>
+<file path=ppt/slides/slide33.xml><?xml version="1.0" encoding="utf-8"?>
 <p:sld xmlns:a="http://schemas.openxmlformats.org/drawingml/2006/main" xmlns:r="http://schemas.openxmlformats.org/officeDocument/2006/relationships" xmlns:p="http://schemas.openxmlformats.org/presentationml/2006/main">
   <p:cSld>
     <p:spTree>
@@ -15090,7 +16006,7 @@
 </p:sld>
 </file>
 
-<file path=ppt/slides/slide29.xml><?xml version="1.0" encoding="utf-8"?>
+<file path=ppt/slides/slide34.xml><?xml version="1.0" encoding="utf-8"?>
 <p:sld xmlns:a="http://schemas.openxmlformats.org/drawingml/2006/main" xmlns:r="http://schemas.openxmlformats.org/officeDocument/2006/relationships" xmlns:p="http://schemas.openxmlformats.org/presentationml/2006/main">
   <p:cSld>
     <p:spTree>
@@ -15200,859 +16116,7 @@
 </p:sld>
 </file>
 
-<file path=ppt/slides/slide3.xml><?xml version="1.0" encoding="utf-8"?>
-<p:sld xmlns:a="http://schemas.openxmlformats.org/drawingml/2006/main" xmlns:r="http://schemas.openxmlformats.org/officeDocument/2006/relationships" xmlns:p="http://schemas.openxmlformats.org/presentationml/2006/main">
-  <p:cSld>
-    <p:spTree>
-      <p:nvGrpSpPr>
-        <p:cNvPr id="1" name=""/>
-        <p:cNvGrpSpPr/>
-        <p:nvPr/>
-      </p:nvGrpSpPr>
-      <p:grpSpPr>
-        <a:xfrm>
-          <a:off x="0" y="0"/>
-          <a:ext cx="0" cy="0"/>
-          <a:chOff x="0" y="0"/>
-          <a:chExt cx="0" cy="0"/>
-        </a:xfrm>
-      </p:grpSpPr>
-      <p:sp>
-        <p:nvSpPr>
-          <p:cNvPr id="2" name="Title 1"/>
-          <p:cNvSpPr>
-            <a:spLocks noGrp="1"/>
-          </p:cNvSpPr>
-          <p:nvPr>
-            <p:ph type="title"/>
-          </p:nvPr>
-        </p:nvSpPr>
-        <p:spPr/>
-        <p:txBody>
-          <a:bodyPr/>
-          <a:lstStyle/>
-          <a:p>
-            <a:r>
-              <a:rPr lang="nl-BE" dirty="0"/>
-              <a:t>What - Definition</a:t>
-            </a:r>
-          </a:p>
-        </p:txBody>
-      </p:sp>
-      <p:sp>
-        <p:nvSpPr>
-          <p:cNvPr id="3" name="Content Placeholder 2"/>
-          <p:cNvSpPr>
-            <a:spLocks noGrp="1"/>
-          </p:cNvSpPr>
-          <p:nvPr>
-            <p:ph idx="1"/>
-          </p:nvPr>
-        </p:nvSpPr>
-        <p:spPr/>
-        <p:txBody>
-          <a:bodyPr>
-            <a:normAutofit/>
-          </a:bodyPr>
-          <a:lstStyle/>
-          <a:p>
-            <a:pPr marL="0" indent="0">
-              <a:buNone/>
-            </a:pPr>
-            <a:r>
-              <a:rPr lang="nl-BE" sz="3200" i="1" dirty="0"/>
-              <a:t>“Each pattern describes a problem which occurs over and over again in our environment, and then describes the core of the solution to that problem, in such a way that you can use this solution a million times over, without ever doing it the same way twice.”</a:t>
-            </a:r>
-            <a:br>
-              <a:rPr lang="nl-BE" sz="3200" i="1" dirty="0"/>
-            </a:br>
-            <a:br>
-              <a:rPr lang="nl-BE" sz="3200" i="1" dirty="0"/>
-            </a:br>
-            <a:r>
-              <a:rPr lang="nl-BE" sz="3200" dirty="0"/>
-              <a:t>– Christopher Alexander</a:t>
-            </a:r>
-          </a:p>
-        </p:txBody>
-      </p:sp>
-      <p:pic>
-        <p:nvPicPr>
-          <p:cNvPr id="4" name="Picture 3">
-            <a:extLst>
-              <a:ext uri="{FF2B5EF4-FFF2-40B4-BE49-F238E27FC236}">
-                <a16:creationId xmlns:a16="http://schemas.microsoft.com/office/drawing/2014/main" id="{3814D94F-A487-4849-A928-7AC6D7085A8E}"/>
-              </a:ext>
-            </a:extLst>
-          </p:cNvPr>
-          <p:cNvPicPr>
-            <a:picLocks noChangeAspect="1"/>
-          </p:cNvPicPr>
-          <p:nvPr/>
-        </p:nvPicPr>
-        <p:blipFill>
-          <a:blip r:embed="rId3" cstate="print">
-            <a:extLst>
-              <a:ext uri="{28A0092B-C50C-407E-A947-70E740481C1C}">
-                <a14:useLocalDpi xmlns:a14="http://schemas.microsoft.com/office/drawing/2010/main" val="0"/>
-              </a:ext>
-            </a:extLst>
-          </a:blip>
-          <a:stretch>
-            <a:fillRect/>
-          </a:stretch>
-        </p:blipFill>
-        <p:spPr>
-          <a:xfrm>
-            <a:off x="7239000" y="-34527"/>
-            <a:ext cx="1905000" cy="1905000"/>
-          </a:xfrm>
-          <a:prstGeom prst="rect">
-            <a:avLst/>
-          </a:prstGeom>
-        </p:spPr>
-      </p:pic>
-    </p:spTree>
-    <p:extLst>
-      <p:ext uri="{BB962C8B-B14F-4D97-AF65-F5344CB8AC3E}">
-        <p14:creationId xmlns:p14="http://schemas.microsoft.com/office/powerpoint/2010/main" val="1371928409"/>
-      </p:ext>
-    </p:extLst>
-  </p:cSld>
-  <p:clrMapOvr>
-    <a:masterClrMapping/>
-  </p:clrMapOvr>
-</p:sld>
-</file>
-
-<file path=ppt/slides/slide30.xml><?xml version="1.0" encoding="utf-8"?>
-<p:sld xmlns:a="http://schemas.openxmlformats.org/drawingml/2006/main" xmlns:r="http://schemas.openxmlformats.org/officeDocument/2006/relationships" xmlns:p="http://schemas.openxmlformats.org/presentationml/2006/main">
-  <p:cSld>
-    <p:spTree>
-      <p:nvGrpSpPr>
-        <p:cNvPr id="1" name=""/>
-        <p:cNvGrpSpPr/>
-        <p:nvPr/>
-      </p:nvGrpSpPr>
-      <p:grpSpPr>
-        <a:xfrm>
-          <a:off x="0" y="0"/>
-          <a:ext cx="0" cy="0"/>
-          <a:chOff x="0" y="0"/>
-          <a:chExt cx="0" cy="0"/>
-        </a:xfrm>
-      </p:grpSpPr>
-      <p:sp>
-        <p:nvSpPr>
-          <p:cNvPr id="2" name="Title 1"/>
-          <p:cNvSpPr>
-            <a:spLocks noGrp="1"/>
-          </p:cNvSpPr>
-          <p:nvPr>
-            <p:ph type="title"/>
-          </p:nvPr>
-        </p:nvSpPr>
-        <p:spPr/>
-        <p:txBody>
-          <a:bodyPr/>
-          <a:lstStyle/>
-          <a:p>
-            <a:r>
-              <a:rPr lang="nl-BE" dirty="0"/>
-              <a:t>Pattern Catalog</a:t>
-            </a:r>
-          </a:p>
-        </p:txBody>
-      </p:sp>
-      <p:sp>
-        <p:nvSpPr>
-          <p:cNvPr id="3" name="Content Placeholder 2"/>
-          <p:cNvSpPr>
-            <a:spLocks noGrp="1"/>
-          </p:cNvSpPr>
-          <p:nvPr>
-            <p:ph idx="1"/>
-          </p:nvPr>
-        </p:nvSpPr>
-        <p:spPr>
-          <a:xfrm>
-            <a:off x="457200" y="1524000"/>
-            <a:ext cx="4114800" cy="5105400"/>
-          </a:xfrm>
-        </p:spPr>
-        <p:txBody>
-          <a:bodyPr>
-            <a:normAutofit/>
-          </a:bodyPr>
-          <a:lstStyle/>
-          <a:p>
-            <a:pPr marL="0" indent="0">
-              <a:buNone/>
-            </a:pPr>
-            <a:r>
-              <a:rPr lang="nl-BE" i="1" dirty="0"/>
-              <a:t>Abstract Factory</a:t>
-            </a:r>
-          </a:p>
-          <a:p>
-            <a:pPr marL="0" indent="0">
-              <a:buNone/>
-            </a:pPr>
-            <a:r>
-              <a:rPr lang="nl-BE" i="1" dirty="0"/>
-              <a:t>Adapter</a:t>
-            </a:r>
-          </a:p>
-          <a:p>
-            <a:pPr marL="0" indent="0">
-              <a:buNone/>
-            </a:pPr>
-            <a:r>
-              <a:rPr lang="nl-BE" i="1" dirty="0"/>
-              <a:t>Composite</a:t>
-            </a:r>
-          </a:p>
-          <a:p>
-            <a:pPr marL="0" indent="0">
-              <a:buNone/>
-            </a:pPr>
-            <a:r>
-              <a:rPr lang="nl-BE" i="1" dirty="0"/>
-              <a:t>Decorator</a:t>
-            </a:r>
-          </a:p>
-          <a:p>
-            <a:pPr marL="0" indent="0">
-              <a:buNone/>
-            </a:pPr>
-            <a:r>
-              <a:rPr lang="nl-BE" i="1" u="sng" dirty="0"/>
-              <a:t>Prototype</a:t>
-            </a:r>
-          </a:p>
-          <a:p>
-            <a:pPr marL="0" indent="0">
-              <a:buNone/>
-            </a:pPr>
-            <a:r>
-              <a:rPr lang="nl-BE" i="1" u="sng" dirty="0"/>
-              <a:t>Facade</a:t>
-            </a:r>
-          </a:p>
-          <a:p>
-            <a:pPr marL="0" indent="0">
-              <a:buNone/>
-            </a:pPr>
-            <a:r>
-              <a:rPr lang="nl-BE" i="1" dirty="0"/>
-              <a:t>Proxy</a:t>
-            </a:r>
-          </a:p>
-          <a:p>
-            <a:pPr marL="0" indent="0">
-              <a:buNone/>
-            </a:pPr>
-            <a:r>
-              <a:rPr lang="nl-BE" i="1" dirty="0"/>
-              <a:t>Iterator</a:t>
-            </a:r>
-          </a:p>
-          <a:p>
-            <a:pPr marL="0" indent="0">
-              <a:buNone/>
-            </a:pPr>
-            <a:r>
-              <a:rPr lang="nl-BE" i="1" dirty="0"/>
-              <a:t>Memento</a:t>
-            </a:r>
-          </a:p>
-        </p:txBody>
-      </p:sp>
-      <p:sp>
-        <p:nvSpPr>
-          <p:cNvPr id="4" name="Content Placeholder 2"/>
-          <p:cNvSpPr txBox="1">
-            <a:spLocks/>
-          </p:cNvSpPr>
-          <p:nvPr/>
-        </p:nvSpPr>
-        <p:spPr>
-          <a:xfrm>
-            <a:off x="4800600" y="1524001"/>
-            <a:ext cx="4114800" cy="5105400"/>
-          </a:xfrm>
-          <a:prstGeom prst="rect">
-            <a:avLst/>
-          </a:prstGeom>
-        </p:spPr>
-        <p:txBody>
-          <a:bodyPr vert="horz" lIns="91440" tIns="45720" rIns="91440" bIns="45720" rtlCol="0">
-            <a:normAutofit lnSpcReduction="10000"/>
-          </a:bodyPr>
-          <a:lstStyle>
-            <a:lvl1pPr marL="342900" indent="-342900" algn="l" defTabSz="914400" rtl="0" eaLnBrk="1" latinLnBrk="0" hangingPunct="1">
-              <a:spcBef>
-                <a:spcPct val="20000"/>
-              </a:spcBef>
-              <a:buFont typeface="Arial" pitchFamily="34" charset="0"/>
-              <a:buChar char="•"/>
-              <a:defRPr sz="3200" kern="1200">
-                <a:solidFill>
-                  <a:schemeClr val="tx1"/>
-                </a:solidFill>
-                <a:latin typeface="+mn-lt"/>
-                <a:ea typeface="+mn-ea"/>
-                <a:cs typeface="+mn-cs"/>
-              </a:defRPr>
-            </a:lvl1pPr>
-            <a:lvl2pPr marL="742950" indent="-285750" algn="l" defTabSz="914400" rtl="0" eaLnBrk="1" latinLnBrk="0" hangingPunct="1">
-              <a:spcBef>
-                <a:spcPct val="20000"/>
-              </a:spcBef>
-              <a:buFont typeface="Arial" pitchFamily="34" charset="0"/>
-              <a:buChar char="–"/>
-              <a:defRPr sz="2800" kern="1200">
-                <a:solidFill>
-                  <a:schemeClr val="tx1"/>
-                </a:solidFill>
-                <a:latin typeface="+mn-lt"/>
-                <a:ea typeface="+mn-ea"/>
-                <a:cs typeface="+mn-cs"/>
-              </a:defRPr>
-            </a:lvl2pPr>
-            <a:lvl3pPr marL="1143000" indent="-228600" algn="l" defTabSz="914400" rtl="0" eaLnBrk="1" latinLnBrk="0" hangingPunct="1">
-              <a:spcBef>
-                <a:spcPct val="20000"/>
-              </a:spcBef>
-              <a:buFont typeface="Arial" pitchFamily="34" charset="0"/>
-              <a:buChar char="•"/>
-              <a:defRPr sz="2400" kern="1200">
-                <a:solidFill>
-                  <a:schemeClr val="tx1"/>
-                </a:solidFill>
-                <a:latin typeface="+mn-lt"/>
-                <a:ea typeface="+mn-ea"/>
-                <a:cs typeface="+mn-cs"/>
-              </a:defRPr>
-            </a:lvl3pPr>
-            <a:lvl4pPr marL="1600200" indent="-228600" algn="l" defTabSz="914400" rtl="0" eaLnBrk="1" latinLnBrk="0" hangingPunct="1">
-              <a:spcBef>
-                <a:spcPct val="20000"/>
-              </a:spcBef>
-              <a:buFont typeface="Arial" pitchFamily="34" charset="0"/>
-              <a:buChar char="–"/>
-              <a:defRPr sz="2000" kern="1200">
-                <a:solidFill>
-                  <a:schemeClr val="tx1"/>
-                </a:solidFill>
-                <a:latin typeface="+mn-lt"/>
-                <a:ea typeface="+mn-ea"/>
-                <a:cs typeface="+mn-cs"/>
-              </a:defRPr>
-            </a:lvl4pPr>
-            <a:lvl5pPr marL="2057400" indent="-228600" algn="l" defTabSz="914400" rtl="0" eaLnBrk="1" latinLnBrk="0" hangingPunct="1">
-              <a:spcBef>
-                <a:spcPct val="20000"/>
-              </a:spcBef>
-              <a:buFont typeface="Arial" pitchFamily="34" charset="0"/>
-              <a:buChar char="»"/>
-              <a:defRPr sz="2000" kern="1200">
-                <a:solidFill>
-                  <a:schemeClr val="tx1"/>
-                </a:solidFill>
-                <a:latin typeface="+mn-lt"/>
-                <a:ea typeface="+mn-ea"/>
-                <a:cs typeface="+mn-cs"/>
-              </a:defRPr>
-            </a:lvl5pPr>
-            <a:lvl6pPr marL="2514600" indent="-228600" algn="l" defTabSz="914400" rtl="0" eaLnBrk="1" latinLnBrk="0" hangingPunct="1">
-              <a:spcBef>
-                <a:spcPct val="20000"/>
-              </a:spcBef>
-              <a:buFont typeface="Arial" pitchFamily="34" charset="0"/>
-              <a:buChar char="•"/>
-              <a:defRPr sz="2000" kern="1200">
-                <a:solidFill>
-                  <a:schemeClr val="tx1"/>
-                </a:solidFill>
-                <a:latin typeface="+mn-lt"/>
-                <a:ea typeface="+mn-ea"/>
-                <a:cs typeface="+mn-cs"/>
-              </a:defRPr>
-            </a:lvl6pPr>
-            <a:lvl7pPr marL="2971800" indent="-228600" algn="l" defTabSz="914400" rtl="0" eaLnBrk="1" latinLnBrk="0" hangingPunct="1">
-              <a:spcBef>
-                <a:spcPct val="20000"/>
-              </a:spcBef>
-              <a:buFont typeface="Arial" pitchFamily="34" charset="0"/>
-              <a:buChar char="•"/>
-              <a:defRPr sz="2000" kern="1200">
-                <a:solidFill>
-                  <a:schemeClr val="tx1"/>
-                </a:solidFill>
-                <a:latin typeface="+mn-lt"/>
-                <a:ea typeface="+mn-ea"/>
-                <a:cs typeface="+mn-cs"/>
-              </a:defRPr>
-            </a:lvl7pPr>
-            <a:lvl8pPr marL="3429000" indent="-228600" algn="l" defTabSz="914400" rtl="0" eaLnBrk="1" latinLnBrk="0" hangingPunct="1">
-              <a:spcBef>
-                <a:spcPct val="20000"/>
-              </a:spcBef>
-              <a:buFont typeface="Arial" pitchFamily="34" charset="0"/>
-              <a:buChar char="•"/>
-              <a:defRPr sz="2000" kern="1200">
-                <a:solidFill>
-                  <a:schemeClr val="tx1"/>
-                </a:solidFill>
-                <a:latin typeface="+mn-lt"/>
-                <a:ea typeface="+mn-ea"/>
-                <a:cs typeface="+mn-cs"/>
-              </a:defRPr>
-            </a:lvl8pPr>
-            <a:lvl9pPr marL="3886200" indent="-228600" algn="l" defTabSz="914400" rtl="0" eaLnBrk="1" latinLnBrk="0" hangingPunct="1">
-              <a:spcBef>
-                <a:spcPct val="20000"/>
-              </a:spcBef>
-              <a:buFont typeface="Arial" pitchFamily="34" charset="0"/>
-              <a:buChar char="•"/>
-              <a:defRPr sz="2000" kern="1200">
-                <a:solidFill>
-                  <a:schemeClr val="tx1"/>
-                </a:solidFill>
-                <a:latin typeface="+mn-lt"/>
-                <a:ea typeface="+mn-ea"/>
-                <a:cs typeface="+mn-cs"/>
-              </a:defRPr>
-            </a:lvl9pPr>
-          </a:lstStyle>
-          <a:p>
-            <a:pPr marL="0" indent="0" defTabSz="457200">
-              <a:spcAft>
-                <a:spcPts val="600"/>
-              </a:spcAft>
-              <a:buClr>
-                <a:schemeClr val="tx2"/>
-              </a:buClr>
-              <a:buSzPct val="70000"/>
-              <a:buNone/>
-            </a:pPr>
-            <a:r>
-              <a:rPr lang="nl-BE" sz="2800" i="1" dirty="0">
-                <a:ln>
-                  <a:solidFill>
-                    <a:schemeClr val="bg1">
-                      <a:lumMod val="75000"/>
-                      <a:lumOff val="25000"/>
-                      <a:alpha val="10000"/>
-                    </a:schemeClr>
-                  </a:solidFill>
-                </a:ln>
-                <a:solidFill>
-                  <a:schemeClr val="tx2"/>
-                </a:solidFill>
-                <a:effectLst>
-                  <a:outerShdw blurRad="9525" dist="25400" dir="14640000" algn="tl" rotWithShape="0">
-                    <a:schemeClr val="bg1">
-                      <a:alpha val="30000"/>
-                    </a:schemeClr>
-                  </a:outerShdw>
-                </a:effectLst>
-              </a:rPr>
-              <a:t>Factory Method</a:t>
-            </a:r>
-          </a:p>
-          <a:p>
-            <a:pPr marL="0" indent="0" defTabSz="457200">
-              <a:spcAft>
-                <a:spcPts val="600"/>
-              </a:spcAft>
-              <a:buClr>
-                <a:schemeClr val="tx2"/>
-              </a:buClr>
-              <a:buSzPct val="70000"/>
-              <a:buNone/>
-            </a:pPr>
-            <a:r>
-              <a:rPr lang="nl-BE" sz="2800" i="1" dirty="0">
-                <a:ln>
-                  <a:solidFill>
-                    <a:schemeClr val="bg1">
-                      <a:lumMod val="75000"/>
-                      <a:lumOff val="25000"/>
-                      <a:alpha val="10000"/>
-                    </a:schemeClr>
-                  </a:solidFill>
-                </a:ln>
-                <a:solidFill>
-                  <a:schemeClr val="tx2"/>
-                </a:solidFill>
-                <a:effectLst>
-                  <a:outerShdw blurRad="9525" dist="25400" dir="14640000" algn="tl" rotWithShape="0">
-                    <a:schemeClr val="bg1">
-                      <a:alpha val="30000"/>
-                    </a:schemeClr>
-                  </a:outerShdw>
-                </a:effectLst>
-              </a:rPr>
-              <a:t>Observer</a:t>
-            </a:r>
-          </a:p>
-          <a:p>
-            <a:pPr marL="0" indent="0" defTabSz="457200">
-              <a:spcAft>
-                <a:spcPts val="600"/>
-              </a:spcAft>
-              <a:buClr>
-                <a:schemeClr val="tx2"/>
-              </a:buClr>
-              <a:buSzPct val="70000"/>
-              <a:buNone/>
-            </a:pPr>
-            <a:r>
-              <a:rPr lang="nl-BE" sz="2800" i="1" dirty="0">
-                <a:ln>
-                  <a:solidFill>
-                    <a:schemeClr val="bg1">
-                      <a:lumMod val="75000"/>
-                      <a:lumOff val="25000"/>
-                      <a:alpha val="10000"/>
-                    </a:schemeClr>
-                  </a:solidFill>
-                </a:ln>
-                <a:solidFill>
-                  <a:schemeClr val="tx2"/>
-                </a:solidFill>
-                <a:effectLst>
-                  <a:outerShdw blurRad="9525" dist="25400" dir="14640000" algn="tl" rotWithShape="0">
-                    <a:schemeClr val="bg1">
-                      <a:alpha val="30000"/>
-                    </a:schemeClr>
-                  </a:outerShdw>
-                </a:effectLst>
-              </a:rPr>
-              <a:t>Strategy</a:t>
-            </a:r>
-          </a:p>
-          <a:p>
-            <a:pPr marL="0" indent="0" defTabSz="457200">
-              <a:spcAft>
-                <a:spcPts val="600"/>
-              </a:spcAft>
-              <a:buClr>
-                <a:schemeClr val="tx2"/>
-              </a:buClr>
-              <a:buSzPct val="70000"/>
-              <a:buNone/>
-            </a:pPr>
-            <a:r>
-              <a:rPr lang="nl-BE" sz="2800" i="1" dirty="0">
-                <a:ln>
-                  <a:solidFill>
-                    <a:schemeClr val="bg1">
-                      <a:lumMod val="75000"/>
-                      <a:lumOff val="25000"/>
-                      <a:alpha val="10000"/>
-                    </a:schemeClr>
-                  </a:solidFill>
-                </a:ln>
-                <a:solidFill>
-                  <a:schemeClr val="tx2"/>
-                </a:solidFill>
-                <a:effectLst>
-                  <a:outerShdw blurRad="9525" dist="25400" dir="14640000" algn="tl" rotWithShape="0">
-                    <a:schemeClr val="bg1">
-                      <a:alpha val="30000"/>
-                    </a:schemeClr>
-                  </a:outerShdw>
-                </a:effectLst>
-              </a:rPr>
-              <a:t>Template Method</a:t>
-            </a:r>
-          </a:p>
-          <a:p>
-            <a:pPr marL="0" indent="0" defTabSz="457200">
-              <a:spcAft>
-                <a:spcPts val="600"/>
-              </a:spcAft>
-              <a:buClr>
-                <a:schemeClr val="tx2"/>
-              </a:buClr>
-              <a:buSzPct val="70000"/>
-              <a:buNone/>
-            </a:pPr>
-            <a:r>
-              <a:rPr lang="nl-BE" sz="2800" i="1" dirty="0">
-                <a:ln>
-                  <a:solidFill>
-                    <a:schemeClr val="bg1">
-                      <a:lumMod val="75000"/>
-                      <a:lumOff val="25000"/>
-                      <a:alpha val="10000"/>
-                    </a:schemeClr>
-                  </a:solidFill>
-                </a:ln>
-                <a:solidFill>
-                  <a:schemeClr val="tx2"/>
-                </a:solidFill>
-                <a:effectLst>
-                  <a:outerShdw blurRad="9525" dist="25400" dir="14640000" algn="tl" rotWithShape="0">
-                    <a:schemeClr val="bg1">
-                      <a:alpha val="30000"/>
-                    </a:schemeClr>
-                  </a:outerShdw>
-                </a:effectLst>
-              </a:rPr>
-              <a:t>Singleton</a:t>
-            </a:r>
-          </a:p>
-          <a:p>
-            <a:pPr marL="0" indent="0" defTabSz="457200">
-              <a:spcAft>
-                <a:spcPts val="600"/>
-              </a:spcAft>
-              <a:buClr>
-                <a:schemeClr val="tx2"/>
-              </a:buClr>
-              <a:buSzPct val="70000"/>
-              <a:buNone/>
-            </a:pPr>
-            <a:r>
-              <a:rPr lang="nl-BE" sz="2800" i="1" dirty="0">
-                <a:ln>
-                  <a:solidFill>
-                    <a:schemeClr val="bg1">
-                      <a:lumMod val="75000"/>
-                      <a:lumOff val="25000"/>
-                      <a:alpha val="10000"/>
-                    </a:schemeClr>
-                  </a:solidFill>
-                </a:ln>
-                <a:solidFill>
-                  <a:schemeClr val="tx2"/>
-                </a:solidFill>
-                <a:effectLst>
-                  <a:outerShdw blurRad="9525" dist="25400" dir="14640000" algn="tl" rotWithShape="0">
-                    <a:schemeClr val="bg1">
-                      <a:alpha val="30000"/>
-                    </a:schemeClr>
-                  </a:outerShdw>
-                </a:effectLst>
-              </a:rPr>
-              <a:t>Command</a:t>
-            </a:r>
-          </a:p>
-          <a:p>
-            <a:pPr marL="0" indent="0" defTabSz="457200">
-              <a:spcAft>
-                <a:spcPts val="600"/>
-              </a:spcAft>
-              <a:buClr>
-                <a:schemeClr val="tx2"/>
-              </a:buClr>
-              <a:buSzPct val="70000"/>
-              <a:buNone/>
-            </a:pPr>
-            <a:r>
-              <a:rPr lang="nl-BE" sz="2800" i="1" dirty="0">
-                <a:ln>
-                  <a:solidFill>
-                    <a:schemeClr val="bg1">
-                      <a:lumMod val="75000"/>
-                      <a:lumOff val="25000"/>
-                      <a:alpha val="10000"/>
-                    </a:schemeClr>
-                  </a:solidFill>
-                </a:ln>
-                <a:solidFill>
-                  <a:schemeClr val="tx2"/>
-                </a:solidFill>
-                <a:effectLst>
-                  <a:outerShdw blurRad="9525" dist="25400" dir="14640000" algn="tl" rotWithShape="0">
-                    <a:schemeClr val="bg1">
-                      <a:alpha val="30000"/>
-                    </a:schemeClr>
-                  </a:outerShdw>
-                </a:effectLst>
-              </a:rPr>
-              <a:t>State</a:t>
-            </a:r>
-          </a:p>
-          <a:p>
-            <a:pPr marL="0" indent="0" defTabSz="457200">
-              <a:spcAft>
-                <a:spcPts val="600"/>
-              </a:spcAft>
-              <a:buClr>
-                <a:schemeClr val="tx2"/>
-              </a:buClr>
-              <a:buSzPct val="70000"/>
-              <a:buNone/>
-            </a:pPr>
-            <a:r>
-              <a:rPr lang="nl-BE" sz="2800" i="1" dirty="0">
-                <a:ln>
-                  <a:solidFill>
-                    <a:schemeClr val="bg1">
-                      <a:lumMod val="75000"/>
-                      <a:lumOff val="25000"/>
-                      <a:alpha val="10000"/>
-                    </a:schemeClr>
-                  </a:solidFill>
-                </a:ln>
-                <a:solidFill>
-                  <a:schemeClr val="tx2"/>
-                </a:solidFill>
-                <a:effectLst>
-                  <a:outerShdw blurRad="9525" dist="25400" dir="14640000" algn="tl" rotWithShape="0">
-                    <a:schemeClr val="bg1">
-                      <a:alpha val="30000"/>
-                    </a:schemeClr>
-                  </a:outerShdw>
-                </a:effectLst>
-              </a:rPr>
-              <a:t>Visitor</a:t>
-            </a:r>
-          </a:p>
-          <a:p>
-            <a:pPr marL="0" indent="0" defTabSz="457200">
-              <a:spcAft>
-                <a:spcPts val="600"/>
-              </a:spcAft>
-              <a:buClr>
-                <a:schemeClr val="tx2"/>
-              </a:buClr>
-              <a:buSzPct val="70000"/>
-              <a:buNone/>
-            </a:pPr>
-            <a:r>
-              <a:rPr lang="nl-BE" sz="2800" i="1" dirty="0">
-                <a:ln>
-                  <a:solidFill>
-                    <a:schemeClr val="bg1">
-                      <a:lumMod val="75000"/>
-                      <a:lumOff val="25000"/>
-                      <a:alpha val="10000"/>
-                    </a:schemeClr>
-                  </a:solidFill>
-                </a:ln>
-                <a:solidFill>
-                  <a:schemeClr val="tx2"/>
-                </a:solidFill>
-                <a:effectLst>
-                  <a:outerShdw blurRad="9525" dist="25400" dir="14640000" algn="tl" rotWithShape="0">
-                    <a:schemeClr val="bg1">
-                      <a:alpha val="30000"/>
-                    </a:schemeClr>
-                  </a:outerShdw>
-                </a:effectLst>
-              </a:rPr>
-              <a:t>Bridge</a:t>
-            </a:r>
-            <a:endParaRPr lang="nl-BE" sz="2000" i="1" dirty="0">
-              <a:ln>
-                <a:solidFill>
-                  <a:schemeClr val="bg1">
-                    <a:lumMod val="75000"/>
-                    <a:lumOff val="25000"/>
-                    <a:alpha val="10000"/>
-                  </a:schemeClr>
-                </a:solidFill>
-              </a:ln>
-              <a:solidFill>
-                <a:schemeClr val="tx2"/>
-              </a:solidFill>
-              <a:effectLst>
-                <a:outerShdw blurRad="9525" dist="25400" dir="14640000" algn="tl" rotWithShape="0">
-                  <a:schemeClr val="bg1">
-                    <a:alpha val="30000"/>
-                  </a:schemeClr>
-                </a:outerShdw>
-              </a:effectLst>
-            </a:endParaRPr>
-          </a:p>
-        </p:txBody>
-      </p:sp>
-      <p:cxnSp>
-        <p:nvCxnSpPr>
-          <p:cNvPr id="6" name="Straight Connector 5"/>
-          <p:cNvCxnSpPr/>
-          <p:nvPr/>
-        </p:nvCxnSpPr>
-        <p:spPr>
-          <a:xfrm>
-            <a:off x="228600" y="3657600"/>
-            <a:ext cx="8686800" cy="1"/>
-          </a:xfrm>
-          <a:prstGeom prst="line">
-            <a:avLst/>
-          </a:prstGeom>
-        </p:spPr>
-        <p:style>
-          <a:lnRef idx="1">
-            <a:schemeClr val="accent1"/>
-          </a:lnRef>
-          <a:fillRef idx="0">
-            <a:schemeClr val="accent1"/>
-          </a:fillRef>
-          <a:effectRef idx="0">
-            <a:schemeClr val="accent1"/>
-          </a:effectRef>
-          <a:fontRef idx="minor">
-            <a:schemeClr val="tx1"/>
-          </a:fontRef>
-        </p:style>
-      </p:cxnSp>
-      <p:pic>
-        <p:nvPicPr>
-          <p:cNvPr id="7" name="Picture 6">
-            <a:extLst>
-              <a:ext uri="{FF2B5EF4-FFF2-40B4-BE49-F238E27FC236}">
-                <a16:creationId xmlns:a16="http://schemas.microsoft.com/office/drawing/2014/main" id="{BC35B0BD-DC4D-4648-99A2-66E9BCE85877}"/>
-              </a:ext>
-            </a:extLst>
-          </p:cNvPr>
-          <p:cNvPicPr>
-            <a:picLocks noChangeAspect="1"/>
-          </p:cNvPicPr>
-          <p:nvPr/>
-        </p:nvPicPr>
-        <p:blipFill>
-          <a:blip r:embed="rId3" cstate="print">
-            <a:extLst>
-              <a:ext uri="{28A0092B-C50C-407E-A947-70E740481C1C}">
-                <a14:useLocalDpi xmlns:a14="http://schemas.microsoft.com/office/drawing/2010/main" val="0"/>
-              </a:ext>
-            </a:extLst>
-          </a:blip>
-          <a:stretch>
-            <a:fillRect/>
-          </a:stretch>
-        </p:blipFill>
-        <p:spPr>
-          <a:xfrm>
-            <a:off x="7239000" y="-34527"/>
-            <a:ext cx="1905000" cy="1905000"/>
-          </a:xfrm>
-          <a:prstGeom prst="rect">
-            <a:avLst/>
-          </a:prstGeom>
-        </p:spPr>
-      </p:pic>
-    </p:spTree>
-    <p:extLst>
-      <p:ext uri="{BB962C8B-B14F-4D97-AF65-F5344CB8AC3E}">
-        <p14:creationId xmlns:p14="http://schemas.microsoft.com/office/powerpoint/2010/main" val="3309878891"/>
-      </p:ext>
-    </p:extLst>
-  </p:cSld>
-  <p:clrMapOvr>
-    <a:masterClrMapping/>
-  </p:clrMapOvr>
-</p:sld>
-</file>
-
-<file path=ppt/slides/slide31.xml><?xml version="1.0" encoding="utf-8"?>
+<file path=ppt/slides/slide35.xml><?xml version="1.0" encoding="utf-8"?>
 <p:sld xmlns:a="http://schemas.openxmlformats.org/drawingml/2006/main" xmlns:r="http://schemas.openxmlformats.org/officeDocument/2006/relationships" xmlns:p="http://schemas.openxmlformats.org/presentationml/2006/main">
   <p:cSld>
     <p:spTree>
@@ -16492,7 +16556,7 @@
 </p:sld>
 </file>
 
-<file path=ppt/slides/slide32.xml><?xml version="1.0" encoding="utf-8"?>
+<file path=ppt/slides/slide36.xml><?xml version="1.0" encoding="utf-8"?>
 <p:sld xmlns:a="http://schemas.openxmlformats.org/drawingml/2006/main" xmlns:r="http://schemas.openxmlformats.org/officeDocument/2006/relationships" xmlns:p="http://schemas.openxmlformats.org/presentationml/2006/main">
   <p:cSld>
     <p:spTree>
@@ -16673,7 +16737,7 @@
 </p:sld>
 </file>
 
-<file path=ppt/slides/slide33.xml><?xml version="1.0" encoding="utf-8"?>
+<file path=ppt/slides/slide37.xml><?xml version="1.0" encoding="utf-8"?>
 <p:sld xmlns:a="http://schemas.openxmlformats.org/drawingml/2006/main" xmlns:r="http://schemas.openxmlformats.org/officeDocument/2006/relationships" xmlns:p="http://schemas.openxmlformats.org/presentationml/2006/main">
   <p:cSld>
     <p:spTree>
@@ -16795,7 +16859,7 @@
 </p:sld>
 </file>
 
-<file path=ppt/slides/slide34.xml><?xml version="1.0" encoding="utf-8"?>
+<file path=ppt/slides/slide38.xml><?xml version="1.0" encoding="utf-8"?>
 <p:sld xmlns:a="http://schemas.openxmlformats.org/drawingml/2006/main" xmlns:r="http://schemas.openxmlformats.org/officeDocument/2006/relationships" xmlns:p="http://schemas.openxmlformats.org/presentationml/2006/main">
   <p:cSld>
     <p:spTree>
@@ -16942,7 +17006,7 @@
 </p:sld>
 </file>
 
-<file path=ppt/slides/slide35.xml><?xml version="1.0" encoding="utf-8"?>
+<file path=ppt/slides/slide39.xml><?xml version="1.0" encoding="utf-8"?>
 <p:sld xmlns:a="http://schemas.openxmlformats.org/drawingml/2006/main" xmlns:r="http://schemas.openxmlformats.org/officeDocument/2006/relationships" xmlns:p="http://schemas.openxmlformats.org/presentationml/2006/main">
   <p:cSld>
     <p:spTree>
@@ -17089,7 +17153,132 @@
 </p:sld>
 </file>
 
-<file path=ppt/slides/slide36.xml><?xml version="1.0" encoding="utf-8"?>
+<file path=ppt/slides/slide4.xml><?xml version="1.0" encoding="utf-8"?>
+<p:sld xmlns:a="http://schemas.openxmlformats.org/drawingml/2006/main" xmlns:r="http://schemas.openxmlformats.org/officeDocument/2006/relationships" xmlns:p="http://schemas.openxmlformats.org/presentationml/2006/main">
+  <p:cSld>
+    <p:spTree>
+      <p:nvGrpSpPr>
+        <p:cNvPr id="1" name=""/>
+        <p:cNvGrpSpPr/>
+        <p:nvPr/>
+      </p:nvGrpSpPr>
+      <p:grpSpPr>
+        <a:xfrm>
+          <a:off x="0" y="0"/>
+          <a:ext cx="0" cy="0"/>
+          <a:chOff x="0" y="0"/>
+          <a:chExt cx="0" cy="0"/>
+        </a:xfrm>
+      </p:grpSpPr>
+      <p:sp>
+        <p:nvSpPr>
+          <p:cNvPr id="2" name="Title 1"/>
+          <p:cNvSpPr>
+            <a:spLocks noGrp="1"/>
+          </p:cNvSpPr>
+          <p:nvPr>
+            <p:ph type="title"/>
+          </p:nvPr>
+        </p:nvSpPr>
+        <p:spPr/>
+        <p:txBody>
+          <a:bodyPr/>
+          <a:lstStyle/>
+          <a:p>
+            <a:r>
+              <a:rPr lang="nl-BE" dirty="0"/>
+              <a:t>What - Definition</a:t>
+            </a:r>
+          </a:p>
+        </p:txBody>
+      </p:sp>
+      <p:sp>
+        <p:nvSpPr>
+          <p:cNvPr id="3" name="Content Placeholder 2"/>
+          <p:cNvSpPr>
+            <a:spLocks noGrp="1"/>
+          </p:cNvSpPr>
+          <p:nvPr>
+            <p:ph idx="1"/>
+          </p:nvPr>
+        </p:nvSpPr>
+        <p:spPr/>
+        <p:txBody>
+          <a:bodyPr>
+            <a:normAutofit/>
+          </a:bodyPr>
+          <a:lstStyle/>
+          <a:p>
+            <a:pPr marL="0" indent="0">
+              <a:buNone/>
+            </a:pPr>
+            <a:r>
+              <a:rPr lang="nl-BE" sz="3200" i="1" dirty="0"/>
+              <a:t>“Each pattern describes a problem which occurs over and over again in our environment, and then describes the core of the solution to that problem, in such a way that you can use this solution a million times over, without ever doing it the same way twice.”</a:t>
+            </a:r>
+            <a:br>
+              <a:rPr lang="nl-BE" sz="3200" i="1" dirty="0"/>
+            </a:br>
+            <a:br>
+              <a:rPr lang="nl-BE" sz="3200" i="1" dirty="0"/>
+            </a:br>
+            <a:r>
+              <a:rPr lang="nl-BE" sz="3200" dirty="0"/>
+              <a:t>– Christopher Alexander</a:t>
+            </a:r>
+          </a:p>
+        </p:txBody>
+      </p:sp>
+      <p:pic>
+        <p:nvPicPr>
+          <p:cNvPr id="4" name="Picture 3">
+            <a:extLst>
+              <a:ext uri="{FF2B5EF4-FFF2-40B4-BE49-F238E27FC236}">
+                <a16:creationId xmlns:a16="http://schemas.microsoft.com/office/drawing/2014/main" id="{3814D94F-A487-4849-A928-7AC6D7085A8E}"/>
+              </a:ext>
+            </a:extLst>
+          </p:cNvPr>
+          <p:cNvPicPr>
+            <a:picLocks noChangeAspect="1"/>
+          </p:cNvPicPr>
+          <p:nvPr/>
+        </p:nvPicPr>
+        <p:blipFill>
+          <a:blip r:embed="rId3" cstate="print">
+            <a:extLst>
+              <a:ext uri="{28A0092B-C50C-407E-A947-70E740481C1C}">
+                <a14:useLocalDpi xmlns:a14="http://schemas.microsoft.com/office/drawing/2010/main" val="0"/>
+              </a:ext>
+            </a:extLst>
+          </a:blip>
+          <a:stretch>
+            <a:fillRect/>
+          </a:stretch>
+        </p:blipFill>
+        <p:spPr>
+          <a:xfrm>
+            <a:off x="7239000" y="-34527"/>
+            <a:ext cx="1905000" cy="1905000"/>
+          </a:xfrm>
+          <a:prstGeom prst="rect">
+            <a:avLst/>
+          </a:prstGeom>
+        </p:spPr>
+      </p:pic>
+    </p:spTree>
+    <p:extLst>
+      <p:ext uri="{BB962C8B-B14F-4D97-AF65-F5344CB8AC3E}">
+        <p14:creationId xmlns:p14="http://schemas.microsoft.com/office/powerpoint/2010/main" val="1371928409"/>
+      </p:ext>
+    </p:extLst>
+  </p:cSld>
+  <p:clrMapOvr>
+    <a:masterClrMapping/>
+  </p:clrMapOvr>
+</p:sld>
+</file>
+
+<file path=ppt/slides/slide40.xml><?xml version="1.0" encoding="utf-8"?>
 <p:sld xmlns:a="http://schemas.openxmlformats.org/drawingml/2006/main" xmlns:r="http://schemas.openxmlformats.org/officeDocument/2006/relationships" xmlns:p="http://schemas.openxmlformats.org/presentationml/2006/main">
   <p:cSld>
     <p:spTree>
@@ -17807,7 +17996,7 @@
 </p:sld>
 </file>
 
-<file path=ppt/slides/slide37.xml><?xml version="1.0" encoding="utf-8"?>
+<file path=ppt/slides/slide41.xml><?xml version="1.0" encoding="utf-8"?>
 <p:sld xmlns:a="http://schemas.openxmlformats.org/drawingml/2006/main" xmlns:r="http://schemas.openxmlformats.org/officeDocument/2006/relationships" xmlns:p="http://schemas.openxmlformats.org/presentationml/2006/main">
   <p:cSld>
     <p:spTree>
@@ -18862,322 +19051,7 @@
 </p:sld>
 </file>
 
-<file path=ppt/slides/slide38.xml><?xml version="1.0" encoding="utf-8"?>
-<p:sld xmlns:a="http://schemas.openxmlformats.org/drawingml/2006/main" xmlns:r="http://schemas.openxmlformats.org/officeDocument/2006/relationships" xmlns:p="http://schemas.openxmlformats.org/presentationml/2006/main">
-  <p:cSld>
-    <p:spTree>
-      <p:nvGrpSpPr>
-        <p:cNvPr id="1" name=""/>
-        <p:cNvGrpSpPr/>
-        <p:nvPr/>
-      </p:nvGrpSpPr>
-      <p:grpSpPr>
-        <a:xfrm>
-          <a:off x="0" y="0"/>
-          <a:ext cx="0" cy="0"/>
-          <a:chOff x="0" y="0"/>
-          <a:chExt cx="0" cy="0"/>
-        </a:xfrm>
-      </p:grpSpPr>
-      <p:sp>
-        <p:nvSpPr>
-          <p:cNvPr id="2" name="Title 1"/>
-          <p:cNvSpPr>
-            <a:spLocks noGrp="1"/>
-          </p:cNvSpPr>
-          <p:nvPr>
-            <p:ph type="title"/>
-          </p:nvPr>
-        </p:nvSpPr>
-        <p:spPr/>
-        <p:txBody>
-          <a:bodyPr/>
-          <a:lstStyle/>
-          <a:p>
-            <a:r>
-              <a:rPr lang="nl-BE" dirty="0"/>
-              <a:t>GoF Patterns</a:t>
-            </a:r>
-          </a:p>
-        </p:txBody>
-      </p:sp>
-      <p:sp>
-        <p:nvSpPr>
-          <p:cNvPr id="3" name="Content Placeholder 2"/>
-          <p:cNvSpPr>
-            <a:spLocks noGrp="1"/>
-          </p:cNvSpPr>
-          <p:nvPr>
-            <p:ph idx="1"/>
-          </p:nvPr>
-        </p:nvSpPr>
-        <p:spPr>
-          <a:xfrm>
-            <a:off x="228600" y="1600200"/>
-            <a:ext cx="8763000" cy="4525963"/>
-          </a:xfrm>
-        </p:spPr>
-        <p:txBody>
-          <a:bodyPr/>
-          <a:lstStyle/>
-          <a:p>
-            <a:pPr marL="0" indent="0" algn="ctr">
-              <a:buNone/>
-            </a:pPr>
-            <a:r>
-              <a:rPr lang="nl-BE" dirty="0"/>
-              <a:t>Principles of reusable object-oriented design</a:t>
-            </a:r>
-          </a:p>
-          <a:p>
-            <a:pPr marL="0" indent="0">
-              <a:buNone/>
-            </a:pPr>
-            <a:endParaRPr lang="nl-BE" dirty="0"/>
-          </a:p>
-          <a:p>
-            <a:pPr marL="0" indent="0">
-              <a:buNone/>
-            </a:pPr>
-            <a:r>
-              <a:rPr lang="nl-BE" b="1" dirty="0"/>
-              <a:t>Program to an interface, not an implementation</a:t>
-            </a:r>
-          </a:p>
-          <a:p>
-            <a:pPr marL="457200" lvl="1" indent="0">
-              <a:buNone/>
-            </a:pPr>
-            <a:endParaRPr lang="nl-BE" b="1" dirty="0"/>
-          </a:p>
-          <a:p>
-            <a:pPr marL="57150" indent="0">
-              <a:buNone/>
-            </a:pPr>
-            <a:r>
-              <a:rPr lang="nl-BE" b="1" dirty="0"/>
-              <a:t>Favor object composition over class inheritance </a:t>
-            </a:r>
-          </a:p>
-        </p:txBody>
-      </p:sp>
-      <p:pic>
-        <p:nvPicPr>
-          <p:cNvPr id="4" name="Picture 3">
-            <a:extLst>
-              <a:ext uri="{FF2B5EF4-FFF2-40B4-BE49-F238E27FC236}">
-                <a16:creationId xmlns:a16="http://schemas.microsoft.com/office/drawing/2014/main" id="{99F3FC21-BBC5-4619-AE55-3D269F56BA53}"/>
-              </a:ext>
-            </a:extLst>
-          </p:cNvPr>
-          <p:cNvPicPr>
-            <a:picLocks noChangeAspect="1"/>
-          </p:cNvPicPr>
-          <p:nvPr/>
-        </p:nvPicPr>
-        <p:blipFill>
-          <a:blip r:embed="rId3" cstate="print">
-            <a:extLst>
-              <a:ext uri="{28A0092B-C50C-407E-A947-70E740481C1C}">
-                <a14:useLocalDpi xmlns:a14="http://schemas.microsoft.com/office/drawing/2010/main" val="0"/>
-              </a:ext>
-            </a:extLst>
-          </a:blip>
-          <a:stretch>
-            <a:fillRect/>
-          </a:stretch>
-        </p:blipFill>
-        <p:spPr>
-          <a:xfrm>
-            <a:off x="7239000" y="-34527"/>
-            <a:ext cx="1905000" cy="1905000"/>
-          </a:xfrm>
-          <a:prstGeom prst="rect">
-            <a:avLst/>
-          </a:prstGeom>
-        </p:spPr>
-      </p:pic>
-    </p:spTree>
-    <p:extLst>
-      <p:ext uri="{BB962C8B-B14F-4D97-AF65-F5344CB8AC3E}">
-        <p14:creationId xmlns:p14="http://schemas.microsoft.com/office/powerpoint/2010/main" val="766423586"/>
-      </p:ext>
-    </p:extLst>
-  </p:cSld>
-  <p:clrMapOvr>
-    <a:masterClrMapping/>
-  </p:clrMapOvr>
-</p:sld>
-</file>
-
-<file path=ppt/slides/slide39.xml><?xml version="1.0" encoding="utf-8"?>
-<p:sld xmlns:a="http://schemas.openxmlformats.org/drawingml/2006/main" xmlns:r="http://schemas.openxmlformats.org/officeDocument/2006/relationships" xmlns:p="http://schemas.openxmlformats.org/presentationml/2006/main">
-  <p:cSld>
-    <p:spTree>
-      <p:nvGrpSpPr>
-        <p:cNvPr id="1" name=""/>
-        <p:cNvGrpSpPr/>
-        <p:nvPr/>
-      </p:nvGrpSpPr>
-      <p:grpSpPr>
-        <a:xfrm>
-          <a:off x="0" y="0"/>
-          <a:ext cx="0" cy="0"/>
-          <a:chOff x="0" y="0"/>
-          <a:chExt cx="0" cy="0"/>
-        </a:xfrm>
-      </p:grpSpPr>
-      <p:sp>
-        <p:nvSpPr>
-          <p:cNvPr id="2" name="Title 1"/>
-          <p:cNvSpPr>
-            <a:spLocks noGrp="1"/>
-          </p:cNvSpPr>
-          <p:nvPr>
-            <p:ph type="title"/>
-          </p:nvPr>
-        </p:nvSpPr>
-        <p:spPr/>
-        <p:txBody>
-          <a:bodyPr>
-            <a:normAutofit fontScale="90000"/>
-          </a:bodyPr>
-          <a:lstStyle/>
-          <a:p>
-            <a:r>
-              <a:rPr lang="nl-BE" dirty="0"/>
-              <a:t>LSP</a:t>
-            </a:r>
-            <a:br>
-              <a:rPr lang="nl-BE" dirty="0"/>
-            </a:br>
-            <a:r>
-              <a:rPr lang="nl-BE" dirty="0"/>
-              <a:t>Liskov Substitution Principle</a:t>
-            </a:r>
-          </a:p>
-        </p:txBody>
-      </p:sp>
-      <p:sp>
-        <p:nvSpPr>
-          <p:cNvPr id="4" name="TextBox 3"/>
-          <p:cNvSpPr txBox="1"/>
-          <p:nvPr/>
-        </p:nvSpPr>
-        <p:spPr>
-          <a:xfrm>
-            <a:off x="8024112" y="6324600"/>
-            <a:ext cx="967488" cy="369332"/>
-          </a:xfrm>
-          <a:prstGeom prst="rect">
-            <a:avLst/>
-          </a:prstGeom>
-          <a:noFill/>
-        </p:spPr>
-        <p:txBody>
-          <a:bodyPr wrap="square" rtlCol="0">
-            <a:spAutoFit/>
-          </a:bodyPr>
-          <a:lstStyle/>
-          <a:p>
-            <a:r>
-              <a:rPr lang="nl-BE" b="1" dirty="0"/>
-              <a:t>SOLID</a:t>
-            </a:r>
-          </a:p>
-        </p:txBody>
-      </p:sp>
-      <p:pic>
-        <p:nvPicPr>
-          <p:cNvPr id="8194" name="Picture 2" descr="http://1.bp.blogspot.com/-dLQXdTyGhzU/UG21xEJ8c7I/AAAAAAAAHdk/4rTquUtA-rg/s1600/Liskov+Subtitution+Principle.jpeg"/>
-          <p:cNvPicPr>
-            <a:picLocks noChangeAspect="1" noChangeArrowheads="1"/>
-          </p:cNvPicPr>
-          <p:nvPr/>
-        </p:nvPicPr>
-        <p:blipFill>
-          <a:blip r:embed="rId3">
-            <a:extLst>
-              <a:ext uri="{28A0092B-C50C-407E-A947-70E740481C1C}">
-                <a14:useLocalDpi xmlns:a14="http://schemas.microsoft.com/office/drawing/2010/main" val="0"/>
-              </a:ext>
-            </a:extLst>
-          </a:blip>
-          <a:srcRect/>
-          <a:stretch>
-            <a:fillRect/>
-          </a:stretch>
-        </p:blipFill>
-        <p:spPr bwMode="auto">
-          <a:xfrm>
-            <a:off x="1669368" y="1752599"/>
-            <a:ext cx="5744689" cy="4595751"/>
-          </a:xfrm>
-          <a:prstGeom prst="rect">
-            <a:avLst/>
-          </a:prstGeom>
-          <a:noFill/>
-          <a:extLst>
-            <a:ext uri="{909E8E84-426E-40DD-AFC4-6F175D3DCCD1}">
-              <a14:hiddenFill xmlns:a14="http://schemas.microsoft.com/office/drawing/2010/main">
-                <a:solidFill>
-                  <a:srgbClr val="FFFFFF"/>
-                </a:solidFill>
-              </a14:hiddenFill>
-            </a:ext>
-          </a:extLst>
-        </p:spPr>
-      </p:pic>
-      <p:pic>
-        <p:nvPicPr>
-          <p:cNvPr id="5" name="Picture 4">
-            <a:extLst>
-              <a:ext uri="{FF2B5EF4-FFF2-40B4-BE49-F238E27FC236}">
-                <a16:creationId xmlns:a16="http://schemas.microsoft.com/office/drawing/2014/main" id="{C1C859EF-9D72-4BD4-A32A-EFF99A276826}"/>
-              </a:ext>
-            </a:extLst>
-          </p:cNvPr>
-          <p:cNvPicPr>
-            <a:picLocks noChangeAspect="1"/>
-          </p:cNvPicPr>
-          <p:nvPr/>
-        </p:nvPicPr>
-        <p:blipFill>
-          <a:blip r:embed="rId4" cstate="print">
-            <a:extLst>
-              <a:ext uri="{28A0092B-C50C-407E-A947-70E740481C1C}">
-                <a14:useLocalDpi xmlns:a14="http://schemas.microsoft.com/office/drawing/2010/main" val="0"/>
-              </a:ext>
-            </a:extLst>
-          </a:blip>
-          <a:stretch>
-            <a:fillRect/>
-          </a:stretch>
-        </p:blipFill>
-        <p:spPr>
-          <a:xfrm>
-            <a:off x="7239000" y="-34527"/>
-            <a:ext cx="1905000" cy="1905000"/>
-          </a:xfrm>
-          <a:prstGeom prst="rect">
-            <a:avLst/>
-          </a:prstGeom>
-        </p:spPr>
-      </p:pic>
-    </p:spTree>
-    <p:extLst>
-      <p:ext uri="{BB962C8B-B14F-4D97-AF65-F5344CB8AC3E}">
-        <p14:creationId xmlns:p14="http://schemas.microsoft.com/office/powerpoint/2010/main" val="2196881925"/>
-      </p:ext>
-    </p:extLst>
-  </p:cSld>
-  <p:clrMapOvr>
-    <a:masterClrMapping/>
-  </p:clrMapOvr>
-</p:sld>
-</file>
-
-<file path=ppt/slides/slide4.xml><?xml version="1.0" encoding="utf-8"?>
+<file path=ppt/slides/slide5.xml><?xml version="1.0" encoding="utf-8"?>
 <p:sld xmlns:a="http://schemas.openxmlformats.org/drawingml/2006/main" xmlns:r="http://schemas.openxmlformats.org/officeDocument/2006/relationships" xmlns:p="http://schemas.openxmlformats.org/presentationml/2006/main">
   <p:cSld>
     <p:spTree>
@@ -19323,512 +19197,7 @@
 </p:sld>
 </file>
 
-<file path=ppt/slides/slide40.xml><?xml version="1.0" encoding="utf-8"?>
-<p:sld xmlns:a="http://schemas.openxmlformats.org/drawingml/2006/main" xmlns:r="http://schemas.openxmlformats.org/officeDocument/2006/relationships" xmlns:p="http://schemas.openxmlformats.org/presentationml/2006/main">
-  <p:cSld>
-    <p:spTree>
-      <p:nvGrpSpPr>
-        <p:cNvPr id="1" name=""/>
-        <p:cNvGrpSpPr/>
-        <p:nvPr/>
-      </p:nvGrpSpPr>
-      <p:grpSpPr>
-        <a:xfrm>
-          <a:off x="0" y="0"/>
-          <a:ext cx="0" cy="0"/>
-          <a:chOff x="0" y="0"/>
-          <a:chExt cx="0" cy="0"/>
-        </a:xfrm>
-      </p:grpSpPr>
-      <p:sp>
-        <p:nvSpPr>
-          <p:cNvPr id="2" name="Title 1"/>
-          <p:cNvSpPr>
-            <a:spLocks noGrp="1"/>
-          </p:cNvSpPr>
-          <p:nvPr>
-            <p:ph type="title"/>
-          </p:nvPr>
-        </p:nvSpPr>
-        <p:spPr/>
-        <p:txBody>
-          <a:bodyPr>
-            <a:normAutofit fontScale="90000"/>
-          </a:bodyPr>
-          <a:lstStyle/>
-          <a:p>
-            <a:r>
-              <a:rPr lang="nl-BE" dirty="0"/>
-              <a:t>LSP</a:t>
-            </a:r>
-            <a:br>
-              <a:rPr lang="nl-BE" dirty="0"/>
-            </a:br>
-            <a:r>
-              <a:rPr lang="nl-BE" dirty="0"/>
-              <a:t>Liskov Substitution Principle</a:t>
-            </a:r>
-          </a:p>
-        </p:txBody>
-      </p:sp>
-      <p:sp>
-        <p:nvSpPr>
-          <p:cNvPr id="3" name="Content Placeholder 2"/>
-          <p:cNvSpPr>
-            <a:spLocks noGrp="1"/>
-          </p:cNvSpPr>
-          <p:nvPr>
-            <p:ph idx="1"/>
-          </p:nvPr>
-        </p:nvSpPr>
-        <p:spPr/>
-        <p:txBody>
-          <a:bodyPr/>
-          <a:lstStyle/>
-          <a:p>
-            <a:pPr marL="0" indent="0" algn="ctr">
-              <a:buNone/>
-            </a:pPr>
-            <a:r>
-              <a:rPr lang="nl-BE" i="1" dirty="0"/>
-              <a:t>“Subtypes must be substitutable for their subtypes.”</a:t>
-            </a:r>
-          </a:p>
-          <a:p>
-            <a:pPr marL="0" indent="0" algn="ctr">
-              <a:buNone/>
-            </a:pPr>
-            <a:endParaRPr lang="nl-BE" i="1" dirty="0"/>
-          </a:p>
-          <a:p>
-            <a:pPr marL="0" indent="0">
-              <a:buNone/>
-            </a:pPr>
-            <a:r>
-              <a:rPr lang="nl-BE" dirty="0"/>
-              <a:t>Rectangle with Height/Width</a:t>
-            </a:r>
-          </a:p>
-          <a:p>
-            <a:pPr marL="0" indent="0">
-              <a:buNone/>
-            </a:pPr>
-            <a:r>
-              <a:rPr lang="nl-BE" dirty="0"/>
-              <a:t>Square cannot inherit from Rectangle</a:t>
-            </a:r>
-          </a:p>
-        </p:txBody>
-      </p:sp>
-      <p:sp>
-        <p:nvSpPr>
-          <p:cNvPr id="4" name="TextBox 3"/>
-          <p:cNvSpPr txBox="1"/>
-          <p:nvPr/>
-        </p:nvSpPr>
-        <p:spPr>
-          <a:xfrm>
-            <a:off x="8001000" y="6324600"/>
-            <a:ext cx="990600" cy="369332"/>
-          </a:xfrm>
-          <a:prstGeom prst="rect">
-            <a:avLst/>
-          </a:prstGeom>
-          <a:noFill/>
-        </p:spPr>
-        <p:txBody>
-          <a:bodyPr wrap="square" rtlCol="0">
-            <a:spAutoFit/>
-          </a:bodyPr>
-          <a:lstStyle/>
-          <a:p>
-            <a:r>
-              <a:rPr lang="nl-BE" b="1" dirty="0"/>
-              <a:t>SOLID</a:t>
-            </a:r>
-          </a:p>
-        </p:txBody>
-      </p:sp>
-      <p:pic>
-        <p:nvPicPr>
-          <p:cNvPr id="5" name="Picture 4">
-            <a:extLst>
-              <a:ext uri="{FF2B5EF4-FFF2-40B4-BE49-F238E27FC236}">
-                <a16:creationId xmlns:a16="http://schemas.microsoft.com/office/drawing/2014/main" id="{BF012A0C-CD09-4971-B9DC-9E5D2E0CA4A5}"/>
-              </a:ext>
-            </a:extLst>
-          </p:cNvPr>
-          <p:cNvPicPr>
-            <a:picLocks noChangeAspect="1"/>
-          </p:cNvPicPr>
-          <p:nvPr/>
-        </p:nvPicPr>
-        <p:blipFill>
-          <a:blip r:embed="rId3" cstate="print">
-            <a:extLst>
-              <a:ext uri="{28A0092B-C50C-407E-A947-70E740481C1C}">
-                <a14:useLocalDpi xmlns:a14="http://schemas.microsoft.com/office/drawing/2010/main" val="0"/>
-              </a:ext>
-            </a:extLst>
-          </a:blip>
-          <a:stretch>
-            <a:fillRect/>
-          </a:stretch>
-        </p:blipFill>
-        <p:spPr>
-          <a:xfrm>
-            <a:off x="7239000" y="-34527"/>
-            <a:ext cx="1905000" cy="1905000"/>
-          </a:xfrm>
-          <a:prstGeom prst="rect">
-            <a:avLst/>
-          </a:prstGeom>
-        </p:spPr>
-      </p:pic>
-    </p:spTree>
-    <p:extLst>
-      <p:ext uri="{BB962C8B-B14F-4D97-AF65-F5344CB8AC3E}">
-        <p14:creationId xmlns:p14="http://schemas.microsoft.com/office/powerpoint/2010/main" val="1142016710"/>
-      </p:ext>
-    </p:extLst>
-  </p:cSld>
-  <p:clrMapOvr>
-    <a:masterClrMapping/>
-  </p:clrMapOvr>
-</p:sld>
-</file>
-
-<file path=ppt/slides/slide41.xml><?xml version="1.0" encoding="utf-8"?>
-<p:sld xmlns:a="http://schemas.openxmlformats.org/drawingml/2006/main" xmlns:r="http://schemas.openxmlformats.org/officeDocument/2006/relationships" xmlns:p="http://schemas.openxmlformats.org/presentationml/2006/main">
-  <p:cSld>
-    <p:spTree>
-      <p:nvGrpSpPr>
-        <p:cNvPr id="1" name=""/>
-        <p:cNvGrpSpPr/>
-        <p:nvPr/>
-      </p:nvGrpSpPr>
-      <p:grpSpPr>
-        <a:xfrm>
-          <a:off x="0" y="0"/>
-          <a:ext cx="0" cy="0"/>
-          <a:chOff x="0" y="0"/>
-          <a:chExt cx="0" cy="0"/>
-        </a:xfrm>
-      </p:grpSpPr>
-      <p:sp>
-        <p:nvSpPr>
-          <p:cNvPr id="2" name="Title 1"/>
-          <p:cNvSpPr>
-            <a:spLocks noGrp="1"/>
-          </p:cNvSpPr>
-          <p:nvPr>
-            <p:ph type="title"/>
-          </p:nvPr>
-        </p:nvSpPr>
-        <p:spPr/>
-        <p:txBody>
-          <a:bodyPr>
-            <a:normAutofit fontScale="90000"/>
-          </a:bodyPr>
-          <a:lstStyle/>
-          <a:p>
-            <a:r>
-              <a:rPr lang="nl-BE" dirty="0"/>
-              <a:t>SRP</a:t>
-            </a:r>
-            <a:br>
-              <a:rPr lang="nl-BE" dirty="0"/>
-            </a:br>
-            <a:r>
-              <a:rPr lang="nl-BE" dirty="0"/>
-              <a:t>Interface Segregation Principle</a:t>
-            </a:r>
-          </a:p>
-        </p:txBody>
-      </p:sp>
-      <p:sp>
-        <p:nvSpPr>
-          <p:cNvPr id="4" name="TextBox 3"/>
-          <p:cNvSpPr txBox="1"/>
-          <p:nvPr/>
-        </p:nvSpPr>
-        <p:spPr>
-          <a:xfrm>
-            <a:off x="8001000" y="6324600"/>
-            <a:ext cx="990600" cy="369332"/>
-          </a:xfrm>
-          <a:prstGeom prst="rect">
-            <a:avLst/>
-          </a:prstGeom>
-          <a:noFill/>
-        </p:spPr>
-        <p:txBody>
-          <a:bodyPr wrap="square" rtlCol="0">
-            <a:spAutoFit/>
-          </a:bodyPr>
-          <a:lstStyle/>
-          <a:p>
-            <a:r>
-              <a:rPr lang="nl-BE" b="1" dirty="0"/>
-              <a:t>SOLID</a:t>
-            </a:r>
-          </a:p>
-        </p:txBody>
-      </p:sp>
-      <p:pic>
-        <p:nvPicPr>
-          <p:cNvPr id="7170" name="Picture 2" descr="http://3.bp.blogspot.com/-hHtkBeja6MA/UG21wX6wUEI/AAAAAAAAHdc/xIdOWfYrw4I/s1600/Interface+Segregation+Principle.jpeg"/>
-          <p:cNvPicPr>
-            <a:picLocks noChangeAspect="1" noChangeArrowheads="1"/>
-          </p:cNvPicPr>
-          <p:nvPr/>
-        </p:nvPicPr>
-        <p:blipFill>
-          <a:blip r:embed="rId2">
-            <a:extLst>
-              <a:ext uri="{28A0092B-C50C-407E-A947-70E740481C1C}">
-                <a14:useLocalDpi xmlns:a14="http://schemas.microsoft.com/office/drawing/2010/main" val="0"/>
-              </a:ext>
-            </a:extLst>
-          </a:blip>
-          <a:srcRect/>
-          <a:stretch>
-            <a:fillRect/>
-          </a:stretch>
-        </p:blipFill>
-        <p:spPr bwMode="auto">
-          <a:xfrm>
-            <a:off x="1600200" y="1676400"/>
-            <a:ext cx="6000750" cy="4800600"/>
-          </a:xfrm>
-          <a:prstGeom prst="rect">
-            <a:avLst/>
-          </a:prstGeom>
-          <a:noFill/>
-          <a:extLst>
-            <a:ext uri="{909E8E84-426E-40DD-AFC4-6F175D3DCCD1}">
-              <a14:hiddenFill xmlns:a14="http://schemas.microsoft.com/office/drawing/2010/main">
-                <a:solidFill>
-                  <a:srgbClr val="FFFFFF"/>
-                </a:solidFill>
-              </a14:hiddenFill>
-            </a:ext>
-          </a:extLst>
-        </p:spPr>
-      </p:pic>
-      <p:pic>
-        <p:nvPicPr>
-          <p:cNvPr id="5" name="Picture 4">
-            <a:extLst>
-              <a:ext uri="{FF2B5EF4-FFF2-40B4-BE49-F238E27FC236}">
-                <a16:creationId xmlns:a16="http://schemas.microsoft.com/office/drawing/2014/main" id="{317C7913-FE44-422A-8108-9F34FF4A98F3}"/>
-              </a:ext>
-            </a:extLst>
-          </p:cNvPr>
-          <p:cNvPicPr>
-            <a:picLocks noChangeAspect="1"/>
-          </p:cNvPicPr>
-          <p:nvPr/>
-        </p:nvPicPr>
-        <p:blipFill>
-          <a:blip r:embed="rId3" cstate="print">
-            <a:extLst>
-              <a:ext uri="{28A0092B-C50C-407E-A947-70E740481C1C}">
-                <a14:useLocalDpi xmlns:a14="http://schemas.microsoft.com/office/drawing/2010/main" val="0"/>
-              </a:ext>
-            </a:extLst>
-          </a:blip>
-          <a:stretch>
-            <a:fillRect/>
-          </a:stretch>
-        </p:blipFill>
-        <p:spPr>
-          <a:xfrm>
-            <a:off x="7239000" y="-34527"/>
-            <a:ext cx="1905000" cy="1905000"/>
-          </a:xfrm>
-          <a:prstGeom prst="rect">
-            <a:avLst/>
-          </a:prstGeom>
-        </p:spPr>
-      </p:pic>
-    </p:spTree>
-    <p:extLst>
-      <p:ext uri="{BB962C8B-B14F-4D97-AF65-F5344CB8AC3E}">
-        <p14:creationId xmlns:p14="http://schemas.microsoft.com/office/powerpoint/2010/main" val="3597776231"/>
-      </p:ext>
-    </p:extLst>
-  </p:cSld>
-  <p:clrMapOvr>
-    <a:masterClrMapping/>
-  </p:clrMapOvr>
-</p:sld>
-</file>
-
-<file path=ppt/slides/slide42.xml><?xml version="1.0" encoding="utf-8"?>
-<p:sld xmlns:a="http://schemas.openxmlformats.org/drawingml/2006/main" xmlns:r="http://schemas.openxmlformats.org/officeDocument/2006/relationships" xmlns:p="http://schemas.openxmlformats.org/presentationml/2006/main">
-  <p:cSld>
-    <p:spTree>
-      <p:nvGrpSpPr>
-        <p:cNvPr id="1" name=""/>
-        <p:cNvGrpSpPr/>
-        <p:nvPr/>
-      </p:nvGrpSpPr>
-      <p:grpSpPr>
-        <a:xfrm>
-          <a:off x="0" y="0"/>
-          <a:ext cx="0" cy="0"/>
-          <a:chOff x="0" y="0"/>
-          <a:chExt cx="0" cy="0"/>
-        </a:xfrm>
-      </p:grpSpPr>
-      <p:sp>
-        <p:nvSpPr>
-          <p:cNvPr id="2" name="Title 1"/>
-          <p:cNvSpPr>
-            <a:spLocks noGrp="1"/>
-          </p:cNvSpPr>
-          <p:nvPr>
-            <p:ph type="title"/>
-          </p:nvPr>
-        </p:nvSpPr>
-        <p:spPr/>
-        <p:txBody>
-          <a:bodyPr>
-            <a:normAutofit fontScale="90000"/>
-          </a:bodyPr>
-          <a:lstStyle/>
-          <a:p>
-            <a:r>
-              <a:rPr lang="nl-BE" dirty="0"/>
-              <a:t>SRP</a:t>
-            </a:r>
-            <a:br>
-              <a:rPr lang="nl-BE" dirty="0"/>
-            </a:br>
-            <a:r>
-              <a:rPr lang="nl-BE" dirty="0"/>
-              <a:t>Interface Segregation Principle</a:t>
-            </a:r>
-          </a:p>
-        </p:txBody>
-      </p:sp>
-      <p:sp>
-        <p:nvSpPr>
-          <p:cNvPr id="3" name="Content Placeholder 2"/>
-          <p:cNvSpPr>
-            <a:spLocks noGrp="1"/>
-          </p:cNvSpPr>
-          <p:nvPr>
-            <p:ph idx="1"/>
-          </p:nvPr>
-        </p:nvSpPr>
-        <p:spPr/>
-        <p:txBody>
-          <a:bodyPr/>
-          <a:lstStyle/>
-          <a:p>
-            <a:pPr marL="0" indent="0" algn="ctr">
-              <a:buNone/>
-            </a:pPr>
-            <a:r>
-              <a:rPr lang="nl-BE" i="1" dirty="0"/>
-              <a:t>“Clients should not be forced to depend on methods they do not use.”</a:t>
-            </a:r>
-          </a:p>
-          <a:p>
-            <a:pPr marL="0" indent="0" algn="ctr">
-              <a:buNone/>
-            </a:pPr>
-            <a:endParaRPr lang="nl-BE" i="1" dirty="0"/>
-          </a:p>
-          <a:p>
-            <a:pPr marL="0" indent="0">
-              <a:buNone/>
-            </a:pPr>
-            <a:endParaRPr lang="nl-BE" dirty="0"/>
-          </a:p>
-        </p:txBody>
-      </p:sp>
-      <p:sp>
-        <p:nvSpPr>
-          <p:cNvPr id="4" name="TextBox 3"/>
-          <p:cNvSpPr txBox="1"/>
-          <p:nvPr/>
-        </p:nvSpPr>
-        <p:spPr>
-          <a:xfrm>
-            <a:off x="8001000" y="6324600"/>
-            <a:ext cx="990600" cy="369332"/>
-          </a:xfrm>
-          <a:prstGeom prst="rect">
-            <a:avLst/>
-          </a:prstGeom>
-          <a:noFill/>
-        </p:spPr>
-        <p:txBody>
-          <a:bodyPr wrap="square" rtlCol="0">
-            <a:spAutoFit/>
-          </a:bodyPr>
-          <a:lstStyle/>
-          <a:p>
-            <a:r>
-              <a:rPr lang="nl-BE" b="1" dirty="0"/>
-              <a:t>SOLID</a:t>
-            </a:r>
-          </a:p>
-        </p:txBody>
-      </p:sp>
-      <p:pic>
-        <p:nvPicPr>
-          <p:cNvPr id="5" name="Picture 4">
-            <a:extLst>
-              <a:ext uri="{FF2B5EF4-FFF2-40B4-BE49-F238E27FC236}">
-                <a16:creationId xmlns:a16="http://schemas.microsoft.com/office/drawing/2014/main" id="{DBAB554D-9146-4173-8D61-C5A55B2CDA10}"/>
-              </a:ext>
-            </a:extLst>
-          </p:cNvPr>
-          <p:cNvPicPr>
-            <a:picLocks noChangeAspect="1"/>
-          </p:cNvPicPr>
-          <p:nvPr/>
-        </p:nvPicPr>
-        <p:blipFill>
-          <a:blip r:embed="rId2" cstate="print">
-            <a:extLst>
-              <a:ext uri="{28A0092B-C50C-407E-A947-70E740481C1C}">
-                <a14:useLocalDpi xmlns:a14="http://schemas.microsoft.com/office/drawing/2010/main" val="0"/>
-              </a:ext>
-            </a:extLst>
-          </a:blip>
-          <a:stretch>
-            <a:fillRect/>
-          </a:stretch>
-        </p:blipFill>
-        <p:spPr>
-          <a:xfrm>
-            <a:off x="7239000" y="-34527"/>
-            <a:ext cx="1905000" cy="1905000"/>
-          </a:xfrm>
-          <a:prstGeom prst="rect">
-            <a:avLst/>
-          </a:prstGeom>
-        </p:spPr>
-      </p:pic>
-    </p:spTree>
-    <p:extLst>
-      <p:ext uri="{BB962C8B-B14F-4D97-AF65-F5344CB8AC3E}">
-        <p14:creationId xmlns:p14="http://schemas.microsoft.com/office/powerpoint/2010/main" val="4186263527"/>
-      </p:ext>
-    </p:extLst>
-  </p:cSld>
-  <p:clrMapOvr>
-    <a:masterClrMapping/>
-  </p:clrMapOvr>
-</p:sld>
-</file>
-
-<file path=ppt/slides/slide5.xml><?xml version="1.0" encoding="utf-8"?>
+<file path=ppt/slides/slide6.xml><?xml version="1.0" encoding="utf-8"?>
 <p:sld xmlns:a="http://schemas.openxmlformats.org/drawingml/2006/main" xmlns:r="http://schemas.openxmlformats.org/officeDocument/2006/relationships" xmlns:p="http://schemas.openxmlformats.org/presentationml/2006/main">
   <p:cSld>
     <p:spTree>
@@ -19973,7 +19342,7 @@
 </p:sld>
 </file>
 
-<file path=ppt/slides/slide6.xml><?xml version="1.0" encoding="utf-8"?>
+<file path=ppt/slides/slide7.xml><?xml version="1.0" encoding="utf-8"?>
 <p:sld xmlns:a="http://schemas.openxmlformats.org/drawingml/2006/main" xmlns:r="http://schemas.openxmlformats.org/officeDocument/2006/relationships" xmlns:p="http://schemas.openxmlformats.org/presentationml/2006/main">
   <p:cSld>
     <p:spTree>
@@ -20141,7 +19510,7 @@
 </p:sld>
 </file>
 
-<file path=ppt/slides/slide7.xml><?xml version="1.0" encoding="utf-8"?>
+<file path=ppt/slides/slide8.xml><?xml version="1.0" encoding="utf-8"?>
 <p:sld xmlns:a="http://schemas.openxmlformats.org/drawingml/2006/main" xmlns:r="http://schemas.openxmlformats.org/officeDocument/2006/relationships" xmlns:p="http://schemas.openxmlformats.org/presentationml/2006/main">
   <p:cSld>
     <p:spTree>
@@ -20353,7 +19722,7 @@
 </p:sld>
 </file>
 
-<file path=ppt/slides/slide8.xml><?xml version="1.0" encoding="utf-8"?>
+<file path=ppt/slides/slide9.xml><?xml version="1.0" encoding="utf-8"?>
 <p:sld xmlns:a="http://schemas.openxmlformats.org/drawingml/2006/main" xmlns:r="http://schemas.openxmlformats.org/officeDocument/2006/relationships" xmlns:p="http://schemas.openxmlformats.org/presentationml/2006/main">
   <p:cSld>
     <p:spTree>
@@ -20405,7 +19774,7 @@
         <p:spPr>
           <a:xfrm>
             <a:off x="457200" y="1524000"/>
-            <a:ext cx="4114800" cy="5105400"/>
+            <a:ext cx="3733800" cy="5105400"/>
           </a:xfrm>
         </p:spPr>
         <p:txBody>
@@ -20418,11 +19787,11 @@
               <a:buNone/>
             </a:pPr>
             <a:r>
-              <a:rPr lang="nl-BE" i="1" dirty="0"/>
+              <a:rPr lang="nl-BE" dirty="0"/>
               <a:t>A</a:t>
             </a:r>
             <a:r>
-              <a:rPr lang="nl-BE" sz="2800" i="1" dirty="0"/>
+              <a:rPr lang="nl-BE" sz="2800" dirty="0"/>
               <a:t>bstract Factory</a:t>
             </a:r>
           </a:p>
@@ -20431,7 +19800,10 @@
               <a:buNone/>
             </a:pPr>
             <a:r>
-              <a:rPr lang="nl-BE" sz="2800" b="1" i="1" dirty="0"/>
+              <a:rPr lang="nl-BE" sz="2800" dirty="0">
+                <a:latin typeface="+mj-lt"/>
+                <a:ea typeface="+mj-ea"/>
+              </a:rPr>
               <a:t>Adapter</a:t>
             </a:r>
           </a:p>
@@ -20440,7 +19812,10 @@
               <a:buNone/>
             </a:pPr>
             <a:r>
-              <a:rPr lang="nl-BE" sz="2800" b="1" i="1" dirty="0"/>
+              <a:rPr lang="nl-BE" sz="2800" dirty="0">
+                <a:latin typeface="+mj-lt"/>
+                <a:ea typeface="+mj-ea"/>
+              </a:rPr>
               <a:t>Composite</a:t>
             </a:r>
           </a:p>
@@ -20449,7 +19824,10 @@
               <a:buNone/>
             </a:pPr>
             <a:r>
-              <a:rPr lang="nl-BE" sz="2800" b="1" i="1" dirty="0"/>
+              <a:rPr lang="nl-BE" sz="2800" dirty="0">
+                <a:latin typeface="+mj-lt"/>
+                <a:ea typeface="+mj-ea"/>
+              </a:rPr>
               <a:t>Decorator</a:t>
             </a:r>
           </a:p>
@@ -20458,7 +19836,10 @@
               <a:buNone/>
             </a:pPr>
             <a:r>
-              <a:rPr lang="nl-BE" sz="2800" i="1" dirty="0"/>
+              <a:rPr lang="nl-BE" sz="2800" dirty="0">
+                <a:latin typeface="+mj-lt"/>
+                <a:ea typeface="+mj-ea"/>
+              </a:rPr>
               <a:t>Prototype</a:t>
             </a:r>
           </a:p>
@@ -20467,7 +19848,10 @@
               <a:buNone/>
             </a:pPr>
             <a:r>
-              <a:rPr lang="nl-BE" sz="2800" i="1" dirty="0"/>
+              <a:rPr lang="nl-BE" sz="2800" dirty="0">
+                <a:latin typeface="+mj-lt"/>
+                <a:ea typeface="+mj-ea"/>
+              </a:rPr>
               <a:t>Facade</a:t>
             </a:r>
           </a:p>
@@ -20476,7 +19860,10 @@
               <a:buNone/>
             </a:pPr>
             <a:r>
-              <a:rPr lang="nl-BE" sz="2800" i="1" dirty="0"/>
+              <a:rPr lang="nl-BE" sz="2800" dirty="0">
+                <a:latin typeface="+mj-lt"/>
+                <a:ea typeface="+mj-ea"/>
+              </a:rPr>
               <a:t>Proxy</a:t>
             </a:r>
           </a:p>
@@ -20485,7 +19872,10 @@
               <a:buNone/>
             </a:pPr>
             <a:r>
-              <a:rPr lang="nl-BE" sz="2800" b="1" i="1" dirty="0"/>
+              <a:rPr lang="nl-BE" sz="2800" dirty="0">
+                <a:latin typeface="+mj-lt"/>
+                <a:ea typeface="+mj-ea"/>
+              </a:rPr>
               <a:t>Iterator</a:t>
             </a:r>
           </a:p>
@@ -20494,10 +19884,12 @@
               <a:buNone/>
             </a:pPr>
             <a:r>
-              <a:rPr lang="nl-BE" sz="2800" i="1" dirty="0"/>
+              <a:rPr lang="nl-BE" sz="2800" dirty="0">
+                <a:latin typeface="+mj-lt"/>
+                <a:ea typeface="+mj-ea"/>
+              </a:rPr>
               <a:t>Memento</a:t>
             </a:r>
-            <a:endParaRPr lang="nl-BE" i="1" dirty="0"/>
           </a:p>
         </p:txBody>
       </p:sp>
@@ -20511,7 +19903,7 @@
         </p:nvSpPr>
         <p:spPr>
           <a:xfrm>
-            <a:off x="4800600" y="1524001"/>
+            <a:off x="4204855" y="1524000"/>
             <a:ext cx="4114800" cy="5105400"/>
           </a:xfrm>
           <a:prstGeom prst="rect">
@@ -20520,7 +19912,7 @@
         </p:spPr>
         <p:txBody>
           <a:bodyPr vert="horz" lIns="91440" tIns="45720" rIns="91440" bIns="45720" rtlCol="0">
-            <a:normAutofit fontScale="92500" lnSpcReduction="20000"/>
+            <a:normAutofit/>
           </a:bodyPr>
           <a:lstStyle>
             <a:lvl1pPr marL="342900" indent="-342900" algn="l" defTabSz="914400" rtl="0" eaLnBrk="1" latinLnBrk="0" hangingPunct="1">
@@ -20665,7 +20057,7 @@
               <a:buNone/>
             </a:pPr>
             <a:r>
-              <a:rPr lang="nl-BE" sz="4000" dirty="0">
+              <a:rPr lang="nl-BE" sz="2800" dirty="0">
                 <a:ln>
                   <a:solidFill>
                     <a:schemeClr val="bg1">
@@ -20697,7 +20089,7 @@
               <a:buNone/>
             </a:pPr>
             <a:r>
-              <a:rPr lang="nl-BE" sz="4000" dirty="0">
+              <a:rPr lang="nl-BE" sz="2800" dirty="0">
                 <a:ln>
                   <a:solidFill>
                     <a:schemeClr val="bg1">
@@ -20729,7 +20121,7 @@
               <a:buNone/>
             </a:pPr>
             <a:r>
-              <a:rPr lang="nl-BE" sz="4000" dirty="0">
+              <a:rPr lang="nl-BE" sz="2800" dirty="0">
                 <a:ln>
                   <a:solidFill>
                     <a:schemeClr val="bg1">
@@ -20761,7 +20153,7 @@
               <a:buNone/>
             </a:pPr>
             <a:r>
-              <a:rPr lang="nl-BE" sz="4000" dirty="0">
+              <a:rPr lang="nl-BE" sz="2800" dirty="0">
                 <a:ln>
                   <a:solidFill>
                     <a:schemeClr val="bg1">
@@ -20793,7 +20185,7 @@
               <a:buNone/>
             </a:pPr>
             <a:r>
-              <a:rPr lang="nl-BE" sz="4000" dirty="0">
+              <a:rPr lang="nl-BE" sz="2800" dirty="0">
                 <a:ln>
                   <a:solidFill>
                     <a:schemeClr val="bg1">
@@ -20825,7 +20217,7 @@
               <a:buNone/>
             </a:pPr>
             <a:r>
-              <a:rPr lang="nl-BE" sz="4000" dirty="0">
+              <a:rPr lang="nl-BE" sz="2800" dirty="0">
                 <a:ln>
                   <a:solidFill>
                     <a:schemeClr val="bg1">
@@ -20857,7 +20249,7 @@
               <a:buNone/>
             </a:pPr>
             <a:r>
-              <a:rPr lang="nl-BE" sz="4000" dirty="0">
+              <a:rPr lang="nl-BE" sz="2800" dirty="0">
                 <a:ln>
                   <a:solidFill>
                     <a:schemeClr val="bg1">
@@ -20889,7 +20281,7 @@
               <a:buNone/>
             </a:pPr>
             <a:r>
-              <a:rPr lang="nl-BE" sz="4000" dirty="0">
+              <a:rPr lang="nl-BE" sz="2800" dirty="0">
                 <a:ln>
                   <a:solidFill>
                     <a:schemeClr val="bg1">
@@ -20921,7 +20313,7 @@
               <a:buNone/>
             </a:pPr>
             <a:r>
-              <a:rPr lang="nl-BE" sz="4000" dirty="0">
+              <a:rPr lang="nl-BE" sz="2800" dirty="0">
                 <a:ln>
                   <a:solidFill>
                     <a:schemeClr val="bg1">
@@ -20946,39 +20338,32 @@
               </a:rPr>
               <a:t>Bridge</a:t>
             </a:r>
-          </a:p>
-        </p:txBody>
-      </p:sp>
-      <p:cxnSp>
-        <p:nvCxnSpPr>
-          <p:cNvPr id="6" name="Straight Connector 5"/>
-          <p:cNvCxnSpPr/>
-          <p:nvPr/>
-        </p:nvCxnSpPr>
-        <p:spPr>
-          <a:xfrm>
-            <a:off x="228600" y="3733800"/>
-            <a:ext cx="8686800" cy="1"/>
-          </a:xfrm>
-          <a:prstGeom prst="line">
-            <a:avLst/>
-          </a:prstGeom>
-        </p:spPr>
-        <p:style>
-          <a:lnRef idx="1">
-            <a:schemeClr val="accent1"/>
-          </a:lnRef>
-          <a:fillRef idx="0">
-            <a:schemeClr val="accent1"/>
-          </a:fillRef>
-          <a:effectRef idx="0">
-            <a:schemeClr val="accent1"/>
-          </a:effectRef>
-          <a:fontRef idx="minor">
-            <a:schemeClr val="tx1"/>
-          </a:fontRef>
-        </p:style>
-      </p:cxnSp>
+            <a:endParaRPr lang="nl-BE" sz="4000" dirty="0">
+              <a:ln>
+                <a:solidFill>
+                  <a:schemeClr val="bg1">
+                    <a:lumMod val="75000"/>
+                    <a:lumOff val="25000"/>
+                    <a:alpha val="10000"/>
+                  </a:schemeClr>
+                </a:solidFill>
+              </a:ln>
+              <a:solidFill>
+                <a:schemeClr val="tx2"/>
+              </a:solidFill>
+              <a:effectLst>
+                <a:outerShdw blurRad="9525" dist="25400" dir="14640000" algn="tl" rotWithShape="0">
+                  <a:schemeClr val="bg1">
+                    <a:alpha val="30000"/>
+                  </a:schemeClr>
+                </a:outerShdw>
+              </a:effectLst>
+              <a:latin typeface="+mj-lt"/>
+              <a:ea typeface="+mj-ea"/>
+            </a:endParaRPr>
+          </a:p>
+        </p:txBody>
+      </p:sp>
       <p:pic>
         <p:nvPicPr>
           <p:cNvPr id="7" name="Picture 6">
@@ -21019,140 +20404,6 @@
     <p:extLst>
       <p:ext uri="{BB962C8B-B14F-4D97-AF65-F5344CB8AC3E}">
         <p14:creationId xmlns:p14="http://schemas.microsoft.com/office/powerpoint/2010/main" val="2983613703"/>
-      </p:ext>
-    </p:extLst>
-  </p:cSld>
-  <p:clrMapOvr>
-    <a:masterClrMapping/>
-  </p:clrMapOvr>
-</p:sld>
-</file>
-
-<file path=ppt/slides/slide9.xml><?xml version="1.0" encoding="utf-8"?>
-<p:sld xmlns:a="http://schemas.openxmlformats.org/drawingml/2006/main" xmlns:r="http://schemas.openxmlformats.org/officeDocument/2006/relationships" xmlns:p="http://schemas.openxmlformats.org/presentationml/2006/main">
-  <p:cSld>
-    <p:spTree>
-      <p:nvGrpSpPr>
-        <p:cNvPr id="1" name=""/>
-        <p:cNvGrpSpPr/>
-        <p:nvPr/>
-      </p:nvGrpSpPr>
-      <p:grpSpPr>
-        <a:xfrm>
-          <a:off x="0" y="0"/>
-          <a:ext cx="0" cy="0"/>
-          <a:chOff x="0" y="0"/>
-          <a:chExt cx="0" cy="0"/>
-        </a:xfrm>
-      </p:grpSpPr>
-      <p:sp>
-        <p:nvSpPr>
-          <p:cNvPr id="2" name="Title 1"/>
-          <p:cNvSpPr>
-            <a:spLocks noGrp="1"/>
-          </p:cNvSpPr>
-          <p:nvPr>
-            <p:ph type="title"/>
-          </p:nvPr>
-        </p:nvSpPr>
-        <p:spPr>
-          <a:xfrm>
-            <a:off x="689339" y="213360"/>
-            <a:ext cx="7765322" cy="970450"/>
-          </a:xfrm>
-        </p:spPr>
-        <p:txBody>
-          <a:bodyPr/>
-          <a:lstStyle/>
-          <a:p>
-            <a:r>
-              <a:rPr lang="nl-BE" dirty="0"/>
-              <a:t>SOLID</a:t>
-            </a:r>
-          </a:p>
-        </p:txBody>
-      </p:sp>
-      <p:pic>
-        <p:nvPicPr>
-          <p:cNvPr id="9218" name="Picture 2" descr="http://4.bp.blogspot.com/-eSoKFfjjVaA/UG21xxGwpqI/AAAAAAAAHdw/Yyh4cLbNGmE/s1600/SOLID+Responsibility+Principles.jpeg"/>
-          <p:cNvPicPr>
-            <a:picLocks noChangeAspect="1" noChangeArrowheads="1"/>
-          </p:cNvPicPr>
-          <p:nvPr/>
-        </p:nvPicPr>
-        <p:blipFill>
-          <a:blip r:embed="rId3">
-            <a:extLst>
-              <a:ext uri="{28A0092B-C50C-407E-A947-70E740481C1C}">
-                <a14:useLocalDpi xmlns:a14="http://schemas.microsoft.com/office/drawing/2010/main" val="0"/>
-              </a:ext>
-            </a:extLst>
-          </a:blip>
-          <a:srcRect/>
-          <a:stretch>
-            <a:fillRect/>
-          </a:stretch>
-        </p:blipFill>
-        <p:spPr bwMode="auto">
-          <a:xfrm>
-            <a:off x="1237170" y="1431696"/>
-            <a:ext cx="6516179" cy="5212943"/>
-          </a:xfrm>
-          <a:prstGeom prst="rect">
-            <a:avLst/>
-          </a:prstGeom>
-          <a:noFill/>
-          <a:extLst>
-            <a:ext uri="{909E8E84-426E-40DD-AFC4-6F175D3DCCD1}">
-              <a14:hiddenFill xmlns:a14="http://schemas.microsoft.com/office/drawing/2010/main">
-                <a:solidFill>
-                  <a:srgbClr val="FFFFFF"/>
-                </a:solidFill>
-              </a14:hiddenFill>
-            </a:ext>
-          </a:extLst>
-        </p:spPr>
-      </p:pic>
-      <p:pic>
-        <p:nvPicPr>
-          <p:cNvPr id="5" name="Picture 4">
-            <a:extLst>
-              <a:ext uri="{FF2B5EF4-FFF2-40B4-BE49-F238E27FC236}">
-                <a16:creationId xmlns:a16="http://schemas.microsoft.com/office/drawing/2014/main" id="{7EB1B6FE-0B29-4983-BEED-984CD14B7B4B}"/>
-              </a:ext>
-            </a:extLst>
-          </p:cNvPr>
-          <p:cNvPicPr>
-            <a:picLocks noChangeAspect="1"/>
-          </p:cNvPicPr>
-          <p:nvPr/>
-        </p:nvPicPr>
-        <p:blipFill>
-          <a:blip r:embed="rId4" cstate="print">
-            <a:extLst>
-              <a:ext uri="{28A0092B-C50C-407E-A947-70E740481C1C}">
-                <a14:useLocalDpi xmlns:a14="http://schemas.microsoft.com/office/drawing/2010/main" val="0"/>
-              </a:ext>
-            </a:extLst>
-          </a:blip>
-          <a:stretch>
-            <a:fillRect/>
-          </a:stretch>
-        </p:blipFill>
-        <p:spPr>
-          <a:xfrm>
-            <a:off x="7239000" y="-34527"/>
-            <a:ext cx="1905000" cy="1905000"/>
-          </a:xfrm>
-          <a:prstGeom prst="rect">
-            <a:avLst/>
-          </a:prstGeom>
-        </p:spPr>
-      </p:pic>
-    </p:spTree>
-    <p:extLst>
-      <p:ext uri="{BB962C8B-B14F-4D97-AF65-F5344CB8AC3E}">
-        <p14:creationId xmlns:p14="http://schemas.microsoft.com/office/powerpoint/2010/main" val="3723638274"/>
       </p:ext>
     </p:extLst>
   </p:cSld>

--- a/patterns.pptx
+++ b/patterns.pptx
@@ -16,8 +16,8 @@
     <p:sldId id="280" r:id="rId7"/>
     <p:sldId id="260" r:id="rId8"/>
     <p:sldId id="279" r:id="rId9"/>
-    <p:sldId id="286" r:id="rId10"/>
-    <p:sldId id="265" r:id="rId11"/>
+    <p:sldId id="265" r:id="rId10"/>
+    <p:sldId id="286" r:id="rId11"/>
     <p:sldId id="285" r:id="rId12"/>
     <p:sldId id="301" r:id="rId13"/>
     <p:sldId id="287" r:id="rId14"/>
@@ -164,8 +164,8 @@
             <p14:sldId id="280"/>
             <p14:sldId id="260"/>
             <p14:sldId id="279"/>
+            <p14:sldId id="265"/>
             <p14:sldId id="286"/>
-            <p14:sldId id="265"/>
           </p14:sldIdLst>
         </p14:section>
         <p14:section name="Patterns with ex" id="{BFF1B479-2E16-4C59-87EA-20E6C96BE232}">
@@ -313,7 +313,7 @@
           <a:p>
             <a:fld id="{43E17C24-FDB9-4F3A-B106-45DFAE875522}" type="datetimeFigureOut">
               <a:rPr lang="nl-BE" smtClean="0"/>
-              <a:t>29/01/2019</a:t>
+              <a:t>30/01/2019</a:t>
             </a:fld>
             <a:endParaRPr lang="nl-BE"/>
           </a:p>
@@ -709,27 +709,10 @@
           <a:bodyPr/>
           <a:lstStyle/>
           <a:p>
-            <a:pPr>
-              <a:buFontTx/>
-              <a:buChar char="-"/>
-            </a:pPr>
             <a:r>
               <a:rPr lang="nl-BE" dirty="0"/>
-              <a:t>Overuse</a:t>
-            </a:r>
-          </a:p>
-          <a:p>
-            <a:pPr>
-              <a:buFontTx/>
-              <a:buChar char="-"/>
-            </a:pPr>
-            <a:r>
-              <a:rPr lang="nl-BE" dirty="0"/>
-              <a:t>Misuse</a:t>
-            </a:r>
-          </a:p>
-          <a:p>
-            <a:endParaRPr lang="nl-BE" dirty="0"/>
+              <a:t>Which patterns have you already implemented in your designs?</a:t>
+            </a:r>
           </a:p>
         </p:txBody>
       </p:sp>
@@ -759,7 +742,7 @@
     </p:spTree>
     <p:extLst>
       <p:ext uri="{BB962C8B-B14F-4D97-AF65-F5344CB8AC3E}">
-        <p14:creationId xmlns:p14="http://schemas.microsoft.com/office/powerpoint/2010/main" val="876647275"/>
+        <p14:creationId xmlns:p14="http://schemas.microsoft.com/office/powerpoint/2010/main" val="995890192"/>
       </p:ext>
     </p:extLst>
   </p:cSld>
@@ -4567,10 +4550,27 @@
           <a:bodyPr/>
           <a:lstStyle/>
           <a:p>
+            <a:pPr>
+              <a:buFontTx/>
+              <a:buChar char="-"/>
+            </a:pPr>
             <a:r>
               <a:rPr lang="nl-BE" dirty="0"/>
-              <a:t>Which patterns have you already implemented in your designs?</a:t>
-            </a:r>
+              <a:t>Overuse</a:t>
+            </a:r>
+          </a:p>
+          <a:p>
+            <a:pPr>
+              <a:buFontTx/>
+              <a:buChar char="-"/>
+            </a:pPr>
+            <a:r>
+              <a:rPr lang="nl-BE" dirty="0"/>
+              <a:t>Misuse</a:t>
+            </a:r>
+          </a:p>
+          <a:p>
+            <a:endParaRPr lang="nl-BE" dirty="0"/>
           </a:p>
         </p:txBody>
       </p:sp>
@@ -4600,7 +4600,7 @@
     </p:spTree>
     <p:extLst>
       <p:ext uri="{BB962C8B-B14F-4D97-AF65-F5344CB8AC3E}">
-        <p14:creationId xmlns:p14="http://schemas.microsoft.com/office/powerpoint/2010/main" val="995890192"/>
+        <p14:creationId xmlns:p14="http://schemas.microsoft.com/office/powerpoint/2010/main" val="876647275"/>
       </p:ext>
     </p:extLst>
   </p:cSld>
@@ -4796,7 +4796,7 @@
             <a:fld id="{1D8BD707-D9CF-40AE-B4C6-C98DA3205C09}" type="datetimeFigureOut">
               <a:rPr lang="en-US" smtClean="0"/>
               <a:pPr/>
-              <a:t>1/29/2019</a:t>
+              <a:t>1/30/2019</a:t>
             </a:fld>
             <a:endParaRPr lang="en-US"/>
           </a:p>
@@ -5096,7 +5096,7 @@
             <a:fld id="{1D8BD707-D9CF-40AE-B4C6-C98DA3205C09}" type="datetimeFigureOut">
               <a:rPr lang="en-US" smtClean="0"/>
               <a:pPr/>
-              <a:t>1/29/2019</a:t>
+              <a:t>1/30/2019</a:t>
             </a:fld>
             <a:endParaRPr lang="en-US"/>
           </a:p>
@@ -5290,7 +5290,7 @@
             <a:fld id="{1D8BD707-D9CF-40AE-B4C6-C98DA3205C09}" type="datetimeFigureOut">
               <a:rPr lang="en-US" smtClean="0"/>
               <a:pPr/>
-              <a:t>1/29/2019</a:t>
+              <a:t>1/30/2019</a:t>
             </a:fld>
             <a:endParaRPr lang="en-US"/>
           </a:p>
@@ -5553,7 +5553,7 @@
             <a:fld id="{1D8BD707-D9CF-40AE-B4C6-C98DA3205C09}" type="datetimeFigureOut">
               <a:rPr lang="en-US" smtClean="0"/>
               <a:pPr/>
-              <a:t>1/29/2019</a:t>
+              <a:t>1/30/2019</a:t>
             </a:fld>
             <a:endParaRPr lang="en-US"/>
           </a:p>
@@ -5979,7 +5979,7 @@
             <a:fld id="{1D8BD707-D9CF-40AE-B4C6-C98DA3205C09}" type="datetimeFigureOut">
               <a:rPr lang="en-US" smtClean="0"/>
               <a:pPr/>
-              <a:t>1/29/2019</a:t>
+              <a:t>1/30/2019</a:t>
             </a:fld>
             <a:endParaRPr lang="en-US"/>
           </a:p>
@@ -6518,7 +6518,7 @@
             <a:fld id="{1D8BD707-D9CF-40AE-B4C6-C98DA3205C09}" type="datetimeFigureOut">
               <a:rPr lang="en-US" smtClean="0"/>
               <a:pPr/>
-              <a:t>1/29/2019</a:t>
+              <a:t>1/30/2019</a:t>
             </a:fld>
             <a:endParaRPr lang="en-US"/>
           </a:p>
@@ -7384,7 +7384,7 @@
             <a:fld id="{1D8BD707-D9CF-40AE-B4C6-C98DA3205C09}" type="datetimeFigureOut">
               <a:rPr lang="en-US" smtClean="0"/>
               <a:pPr/>
-              <a:t>1/29/2019</a:t>
+              <a:t>1/30/2019</a:t>
             </a:fld>
             <a:endParaRPr lang="en-US"/>
           </a:p>
@@ -7556,7 +7556,7 @@
             <a:fld id="{1D8BD707-D9CF-40AE-B4C6-C98DA3205C09}" type="datetimeFigureOut">
               <a:rPr lang="en-US" smtClean="0"/>
               <a:pPr/>
-              <a:t>1/29/2019</a:t>
+              <a:t>1/30/2019</a:t>
             </a:fld>
             <a:endParaRPr lang="en-US"/>
           </a:p>
@@ -7742,7 +7742,7 @@
             <a:fld id="{1D8BD707-D9CF-40AE-B4C6-C98DA3205C09}" type="datetimeFigureOut">
               <a:rPr lang="en-US" smtClean="0"/>
               <a:pPr/>
-              <a:t>1/29/2019</a:t>
+              <a:t>1/30/2019</a:t>
             </a:fld>
             <a:endParaRPr lang="en-US"/>
           </a:p>
@@ -7914,7 +7914,7 @@
             <a:fld id="{1D8BD707-D9CF-40AE-B4C6-C98DA3205C09}" type="datetimeFigureOut">
               <a:rPr lang="en-US" smtClean="0"/>
               <a:pPr/>
-              <a:t>1/29/2019</a:t>
+              <a:t>1/30/2019</a:t>
             </a:fld>
             <a:endParaRPr lang="en-US"/>
           </a:p>
@@ -8160,7 +8160,7 @@
             <a:fld id="{1D8BD707-D9CF-40AE-B4C6-C98DA3205C09}" type="datetimeFigureOut">
               <a:rPr lang="en-US" smtClean="0"/>
               <a:pPr/>
-              <a:t>1/29/2019</a:t>
+              <a:t>1/30/2019</a:t>
             </a:fld>
             <a:endParaRPr lang="en-US"/>
           </a:p>
@@ -8398,7 +8398,7 @@
             <a:fld id="{1D8BD707-D9CF-40AE-B4C6-C98DA3205C09}" type="datetimeFigureOut">
               <a:rPr lang="en-US" smtClean="0"/>
               <a:pPr/>
-              <a:t>1/29/2019</a:t>
+              <a:t>1/30/2019</a:t>
             </a:fld>
             <a:endParaRPr lang="en-US"/>
           </a:p>
@@ -8866,7 +8866,7 @@
             <a:fld id="{1D8BD707-D9CF-40AE-B4C6-C98DA3205C09}" type="datetimeFigureOut">
               <a:rPr lang="en-US" smtClean="0"/>
               <a:pPr/>
-              <a:t>1/29/2019</a:t>
+              <a:t>1/30/2019</a:t>
             </a:fld>
             <a:endParaRPr lang="en-US"/>
           </a:p>
@@ -8986,7 +8986,7 @@
             <a:fld id="{1D8BD707-D9CF-40AE-B4C6-C98DA3205C09}" type="datetimeFigureOut">
               <a:rPr lang="en-US" smtClean="0"/>
               <a:pPr/>
-              <a:t>1/29/2019</a:t>
+              <a:t>1/30/2019</a:t>
             </a:fld>
             <a:endParaRPr lang="en-US"/>
           </a:p>
@@ -9083,7 +9083,7 @@
             <a:fld id="{1D8BD707-D9CF-40AE-B4C6-C98DA3205C09}" type="datetimeFigureOut">
               <a:rPr lang="en-US" smtClean="0"/>
               <a:pPr/>
-              <a:t>1/29/2019</a:t>
+              <a:t>1/30/2019</a:t>
             </a:fld>
             <a:endParaRPr lang="en-US"/>
           </a:p>
@@ -9340,7 +9340,7 @@
             <a:fld id="{1D8BD707-D9CF-40AE-B4C6-C98DA3205C09}" type="datetimeFigureOut">
               <a:rPr lang="en-US" smtClean="0"/>
               <a:pPr/>
-              <a:t>1/29/2019</a:t>
+              <a:t>1/30/2019</a:t>
             </a:fld>
             <a:endParaRPr lang="en-US"/>
           </a:p>
@@ -9642,7 +9642,7 @@
             <a:fld id="{1D8BD707-D9CF-40AE-B4C6-C98DA3205C09}" type="datetimeFigureOut">
               <a:rPr lang="en-US" smtClean="0"/>
               <a:pPr/>
-              <a:t>1/29/2019</a:t>
+              <a:t>1/30/2019</a:t>
             </a:fld>
             <a:endParaRPr lang="en-US"/>
           </a:p>
@@ -9878,7 +9878,7 @@
             <a:fld id="{1D8BD707-D9CF-40AE-B4C6-C98DA3205C09}" type="datetimeFigureOut">
               <a:rPr lang="en-US" smtClean="0"/>
               <a:pPr/>
-              <a:t>1/29/2019</a:t>
+              <a:t>1/30/2019</a:t>
             </a:fld>
             <a:endParaRPr lang="en-US"/>
           </a:p>
@@ -10670,102 +10670,244 @@
             <p:ph type="title"/>
           </p:nvPr>
         </p:nvSpPr>
-        <p:spPr/>
+        <p:spPr>
+          <a:xfrm>
+            <a:off x="700154" y="407083"/>
+            <a:ext cx="7765322" cy="970450"/>
+          </a:xfrm>
+        </p:spPr>
         <p:txBody>
           <a:bodyPr/>
           <a:lstStyle/>
           <a:p>
             <a:r>
               <a:rPr lang="nl-BE" dirty="0"/>
-              <a:t>Pattern Pitfalls</a:t>
-            </a:r>
-          </a:p>
-        </p:txBody>
-      </p:sp>
-      <p:sp>
-        <p:nvSpPr>
-          <p:cNvPr id="3" name="Content Placeholder 2"/>
-          <p:cNvSpPr>
-            <a:spLocks noGrp="1"/>
-          </p:cNvSpPr>
-          <p:nvPr>
-            <p:ph idx="1"/>
-          </p:nvPr>
-        </p:nvSpPr>
-        <p:spPr/>
-        <p:txBody>
-          <a:bodyPr>
+              <a:t>Pattern Catalog</a:t>
+            </a:r>
+          </a:p>
+        </p:txBody>
+      </p:sp>
+      <p:sp>
+        <p:nvSpPr>
+          <p:cNvPr id="4" name="Content Placeholder 2"/>
+          <p:cNvSpPr txBox="1">
+            <a:spLocks/>
+          </p:cNvSpPr>
+          <p:nvPr/>
+        </p:nvSpPr>
+        <p:spPr>
+          <a:xfrm>
+            <a:off x="7002868" y="3852725"/>
+            <a:ext cx="1349695" cy="566875"/>
+          </a:xfrm>
+          <a:prstGeom prst="rect">
+            <a:avLst/>
+          </a:prstGeom>
+        </p:spPr>
+        <p:txBody>
+          <a:bodyPr vert="horz" lIns="91440" tIns="45720" rIns="91440" bIns="45720" rtlCol="0">
             <a:normAutofit/>
           </a:bodyPr>
-          <a:lstStyle/>
+          <a:lstStyle>
+            <a:lvl1pPr marL="342900" indent="-342900" algn="l" defTabSz="914400" rtl="0" eaLnBrk="1" latinLnBrk="0" hangingPunct="1">
+              <a:spcBef>
+                <a:spcPct val="20000"/>
+              </a:spcBef>
+              <a:buFont typeface="Arial" pitchFamily="34" charset="0"/>
+              <a:buChar char="•"/>
+              <a:defRPr sz="3200" kern="1200">
+                <a:solidFill>
+                  <a:schemeClr val="tx1"/>
+                </a:solidFill>
+                <a:latin typeface="+mn-lt"/>
+                <a:ea typeface="+mn-ea"/>
+                <a:cs typeface="+mn-cs"/>
+              </a:defRPr>
+            </a:lvl1pPr>
+            <a:lvl2pPr marL="742950" indent="-285750" algn="l" defTabSz="914400" rtl="0" eaLnBrk="1" latinLnBrk="0" hangingPunct="1">
+              <a:spcBef>
+                <a:spcPct val="20000"/>
+              </a:spcBef>
+              <a:buFont typeface="Arial" pitchFamily="34" charset="0"/>
+              <a:buChar char="–"/>
+              <a:defRPr sz="2800" kern="1200">
+                <a:solidFill>
+                  <a:schemeClr val="tx1"/>
+                </a:solidFill>
+                <a:latin typeface="+mn-lt"/>
+                <a:ea typeface="+mn-ea"/>
+                <a:cs typeface="+mn-cs"/>
+              </a:defRPr>
+            </a:lvl2pPr>
+            <a:lvl3pPr marL="1143000" indent="-228600" algn="l" defTabSz="914400" rtl="0" eaLnBrk="1" latinLnBrk="0" hangingPunct="1">
+              <a:spcBef>
+                <a:spcPct val="20000"/>
+              </a:spcBef>
+              <a:buFont typeface="Arial" pitchFamily="34" charset="0"/>
+              <a:buChar char="•"/>
+              <a:defRPr sz="2400" kern="1200">
+                <a:solidFill>
+                  <a:schemeClr val="tx1"/>
+                </a:solidFill>
+                <a:latin typeface="+mn-lt"/>
+                <a:ea typeface="+mn-ea"/>
+                <a:cs typeface="+mn-cs"/>
+              </a:defRPr>
+            </a:lvl3pPr>
+            <a:lvl4pPr marL="1600200" indent="-228600" algn="l" defTabSz="914400" rtl="0" eaLnBrk="1" latinLnBrk="0" hangingPunct="1">
+              <a:spcBef>
+                <a:spcPct val="20000"/>
+              </a:spcBef>
+              <a:buFont typeface="Arial" pitchFamily="34" charset="0"/>
+              <a:buChar char="–"/>
+              <a:defRPr sz="2000" kern="1200">
+                <a:solidFill>
+                  <a:schemeClr val="tx1"/>
+                </a:solidFill>
+                <a:latin typeface="+mn-lt"/>
+                <a:ea typeface="+mn-ea"/>
+                <a:cs typeface="+mn-cs"/>
+              </a:defRPr>
+            </a:lvl4pPr>
+            <a:lvl5pPr marL="2057400" indent="-228600" algn="l" defTabSz="914400" rtl="0" eaLnBrk="1" latinLnBrk="0" hangingPunct="1">
+              <a:spcBef>
+                <a:spcPct val="20000"/>
+              </a:spcBef>
+              <a:buFont typeface="Arial" pitchFamily="34" charset="0"/>
+              <a:buChar char="»"/>
+              <a:defRPr sz="2000" kern="1200">
+                <a:solidFill>
+                  <a:schemeClr val="tx1"/>
+                </a:solidFill>
+                <a:latin typeface="+mn-lt"/>
+                <a:ea typeface="+mn-ea"/>
+                <a:cs typeface="+mn-cs"/>
+              </a:defRPr>
+            </a:lvl5pPr>
+            <a:lvl6pPr marL="2514600" indent="-228600" algn="l" defTabSz="914400" rtl="0" eaLnBrk="1" latinLnBrk="0" hangingPunct="1">
+              <a:spcBef>
+                <a:spcPct val="20000"/>
+              </a:spcBef>
+              <a:buFont typeface="Arial" pitchFamily="34" charset="0"/>
+              <a:buChar char="•"/>
+              <a:defRPr sz="2000" kern="1200">
+                <a:solidFill>
+                  <a:schemeClr val="tx1"/>
+                </a:solidFill>
+                <a:latin typeface="+mn-lt"/>
+                <a:ea typeface="+mn-ea"/>
+                <a:cs typeface="+mn-cs"/>
+              </a:defRPr>
+            </a:lvl6pPr>
+            <a:lvl7pPr marL="2971800" indent="-228600" algn="l" defTabSz="914400" rtl="0" eaLnBrk="1" latinLnBrk="0" hangingPunct="1">
+              <a:spcBef>
+                <a:spcPct val="20000"/>
+              </a:spcBef>
+              <a:buFont typeface="Arial" pitchFamily="34" charset="0"/>
+              <a:buChar char="•"/>
+              <a:defRPr sz="2000" kern="1200">
+                <a:solidFill>
+                  <a:schemeClr val="tx1"/>
+                </a:solidFill>
+                <a:latin typeface="+mn-lt"/>
+                <a:ea typeface="+mn-ea"/>
+                <a:cs typeface="+mn-cs"/>
+              </a:defRPr>
+            </a:lvl7pPr>
+            <a:lvl8pPr marL="3429000" indent="-228600" algn="l" defTabSz="914400" rtl="0" eaLnBrk="1" latinLnBrk="0" hangingPunct="1">
+              <a:spcBef>
+                <a:spcPct val="20000"/>
+              </a:spcBef>
+              <a:buFont typeface="Arial" pitchFamily="34" charset="0"/>
+              <a:buChar char="•"/>
+              <a:defRPr sz="2000" kern="1200">
+                <a:solidFill>
+                  <a:schemeClr val="tx1"/>
+                </a:solidFill>
+                <a:latin typeface="+mn-lt"/>
+                <a:ea typeface="+mn-ea"/>
+                <a:cs typeface="+mn-cs"/>
+              </a:defRPr>
+            </a:lvl8pPr>
+            <a:lvl9pPr marL="3886200" indent="-228600" algn="l" defTabSz="914400" rtl="0" eaLnBrk="1" latinLnBrk="0" hangingPunct="1">
+              <a:spcBef>
+                <a:spcPct val="20000"/>
+              </a:spcBef>
+              <a:buFont typeface="Arial" pitchFamily="34" charset="0"/>
+              <a:buChar char="•"/>
+              <a:defRPr sz="2000" kern="1200">
+                <a:solidFill>
+                  <a:schemeClr val="tx1"/>
+                </a:solidFill>
+                <a:latin typeface="+mn-lt"/>
+                <a:ea typeface="+mn-ea"/>
+                <a:cs typeface="+mn-cs"/>
+              </a:defRPr>
+            </a:lvl9pPr>
+          </a:lstStyle>
           <a:p>
             <a:pPr marL="0" indent="0">
+              <a:buFont typeface="Arial" pitchFamily="34" charset="0"/>
               <a:buNone/>
             </a:pPr>
             <a:r>
-              <a:rPr lang="nl-BE" sz="2800" i="1" dirty="0"/>
-              <a:t>“When all you have is a hammer, everything looks like a nail.” - </a:t>
-            </a:r>
-            <a:r>
-              <a:rPr lang="nl-BE" sz="2800" dirty="0"/>
-              <a:t>Maslow's hammer</a:t>
-            </a:r>
-            <a:endParaRPr lang="nl-BE" sz="2800" i="1" dirty="0"/>
-          </a:p>
-          <a:p>
-            <a:pPr marL="0" indent="0">
-              <a:buNone/>
-            </a:pPr>
-            <a:endParaRPr lang="nl-BE" dirty="0"/>
-          </a:p>
-          <a:p>
-            <a:pPr marL="0" indent="0">
-              <a:buNone/>
-            </a:pPr>
-            <a:r>
-              <a:rPr lang="nl-BE" dirty="0"/>
-              <a:t>- Molding the problem to fit a pattern.</a:t>
-            </a:r>
-          </a:p>
-          <a:p>
-            <a:pPr marL="0" indent="0">
-              <a:buNone/>
-            </a:pPr>
-            <a:endParaRPr lang="nl-BE" dirty="0"/>
-          </a:p>
-          <a:p>
-            <a:pPr marL="0" indent="0">
-              <a:buNone/>
-            </a:pPr>
-            <a:r>
-              <a:rPr lang="nl-BE" dirty="0"/>
-              <a:t>“</a:t>
-            </a:r>
-            <a:r>
-              <a:rPr lang="en-US" dirty="0"/>
-              <a:t>When one is designing the successor to a relatively small, elegant, and successful system, there is a tendency to become grandiose in one's success and design an </a:t>
-            </a:r>
-            <a:r>
-              <a:rPr lang="en-US" i="1" dirty="0"/>
-              <a:t>elephantine</a:t>
-            </a:r>
-            <a:r>
-              <a:rPr lang="en-US" dirty="0"/>
-              <a:t> feature-laden monstrosity.</a:t>
-            </a:r>
-            <a:r>
-              <a:rPr lang="nl-BE" dirty="0"/>
-              <a:t>” – Fred Brooks (The Second System Effect)</a:t>
-            </a:r>
+              <a:rPr lang="nl-BE" sz="2400" dirty="0">
+                <a:ln>
+                  <a:solidFill>
+                    <a:schemeClr val="bg1">
+                      <a:lumMod val="75000"/>
+                      <a:lumOff val="25000"/>
+                      <a:alpha val="10000"/>
+                    </a:schemeClr>
+                  </a:solidFill>
+                </a:ln>
+                <a:solidFill>
+                  <a:schemeClr val="tx2"/>
+                </a:solidFill>
+                <a:effectLst>
+                  <a:outerShdw blurRad="9525" dist="25400" dir="14640000" algn="tl" rotWithShape="0">
+                    <a:schemeClr val="bg1">
+                      <a:alpha val="30000"/>
+                    </a:schemeClr>
+                  </a:outerShdw>
+                </a:effectLst>
+                <a:latin typeface="+mj-lt"/>
+                <a:ea typeface="+mj-ea"/>
+              </a:rPr>
+              <a:t>Bridge</a:t>
+            </a:r>
+            <a:endParaRPr lang="nl-BE" sz="4000" dirty="0">
+              <a:ln>
+                <a:solidFill>
+                  <a:schemeClr val="bg1">
+                    <a:lumMod val="75000"/>
+                    <a:lumOff val="25000"/>
+                    <a:alpha val="10000"/>
+                  </a:schemeClr>
+                </a:solidFill>
+              </a:ln>
+              <a:solidFill>
+                <a:schemeClr val="tx2"/>
+              </a:solidFill>
+              <a:effectLst>
+                <a:outerShdw blurRad="9525" dist="25400" dir="14640000" algn="tl" rotWithShape="0">
+                  <a:schemeClr val="bg1">
+                    <a:alpha val="30000"/>
+                  </a:schemeClr>
+                </a:outerShdw>
+              </a:effectLst>
+              <a:latin typeface="+mj-lt"/>
+              <a:ea typeface="+mj-ea"/>
+            </a:endParaRPr>
           </a:p>
         </p:txBody>
       </p:sp>
       <p:pic>
         <p:nvPicPr>
-          <p:cNvPr id="4" name="Picture 3">
+          <p:cNvPr id="7" name="Picture 6">
             <a:extLst>
               <a:ext uri="{FF2B5EF4-FFF2-40B4-BE49-F238E27FC236}">
-                <a16:creationId xmlns:a16="http://schemas.microsoft.com/office/drawing/2014/main" id="{BE235E9E-8CE0-45E5-A7A1-EAB2A04A5A80}"/>
+                <a16:creationId xmlns:a16="http://schemas.microsoft.com/office/drawing/2014/main" id="{FB1C21EF-522D-410A-A128-91689890D963}"/>
               </a:ext>
             </a:extLst>
           </p:cNvPr>
@@ -10796,16 +10938,2610 @@
           </a:prstGeom>
         </p:spPr>
       </p:pic>
+      <p:sp>
+        <p:nvSpPr>
+          <p:cNvPr id="5" name="Rectangle 4">
+            <a:extLst>
+              <a:ext uri="{FF2B5EF4-FFF2-40B4-BE49-F238E27FC236}">
+                <a16:creationId xmlns:a16="http://schemas.microsoft.com/office/drawing/2014/main" id="{9FB70B31-F73B-4B55-BFCD-BA84392E6EA9}"/>
+              </a:ext>
+            </a:extLst>
+          </p:cNvPr>
+          <p:cNvSpPr/>
+          <p:nvPr/>
+        </p:nvSpPr>
+        <p:spPr>
+          <a:xfrm>
+            <a:off x="584352" y="1506321"/>
+            <a:ext cx="1819472" cy="369332"/>
+          </a:xfrm>
+          <a:prstGeom prst="rect">
+            <a:avLst/>
+          </a:prstGeom>
+        </p:spPr>
+        <p:txBody>
+          <a:bodyPr wrap="none">
+            <a:spAutoFit/>
+          </a:bodyPr>
+          <a:lstStyle/>
+          <a:p>
+            <a:r>
+              <a:rPr lang="nl-BE" dirty="0">
+                <a:ln>
+                  <a:solidFill>
+                    <a:schemeClr val="bg1">
+                      <a:lumMod val="75000"/>
+                      <a:lumOff val="25000"/>
+                      <a:alpha val="10000"/>
+                    </a:schemeClr>
+                  </a:solidFill>
+                </a:ln>
+                <a:solidFill>
+                  <a:schemeClr val="tx2"/>
+                </a:solidFill>
+                <a:effectLst>
+                  <a:outerShdw blurRad="9525" dist="25400" dir="14640000" algn="tl" rotWithShape="0">
+                    <a:schemeClr val="bg1">
+                      <a:alpha val="30000"/>
+                    </a:schemeClr>
+                  </a:outerShdw>
+                </a:effectLst>
+                <a:latin typeface="+mj-lt"/>
+                <a:ea typeface="+mj-ea"/>
+              </a:rPr>
+              <a:t>Abstract Factory</a:t>
+            </a:r>
+          </a:p>
+        </p:txBody>
+      </p:sp>
+      <p:sp>
+        <p:nvSpPr>
+          <p:cNvPr id="6" name="Rectangle 5">
+            <a:extLst>
+              <a:ext uri="{FF2B5EF4-FFF2-40B4-BE49-F238E27FC236}">
+                <a16:creationId xmlns:a16="http://schemas.microsoft.com/office/drawing/2014/main" id="{4AB81D3E-F6CC-4189-AF46-E492508BED10}"/>
+              </a:ext>
+            </a:extLst>
+          </p:cNvPr>
+          <p:cNvSpPr/>
+          <p:nvPr/>
+        </p:nvSpPr>
+        <p:spPr>
+          <a:xfrm>
+            <a:off x="351612" y="2905780"/>
+            <a:ext cx="1245854" cy="461665"/>
+          </a:xfrm>
+          <a:prstGeom prst="rect">
+            <a:avLst/>
+          </a:prstGeom>
+        </p:spPr>
+        <p:txBody>
+          <a:bodyPr wrap="none">
+            <a:spAutoFit/>
+          </a:bodyPr>
+          <a:lstStyle/>
+          <a:p>
+            <a:r>
+              <a:rPr lang="nl-BE" sz="2400" dirty="0">
+                <a:ln>
+                  <a:solidFill>
+                    <a:schemeClr val="bg1">
+                      <a:lumMod val="75000"/>
+                      <a:lumOff val="25000"/>
+                      <a:alpha val="10000"/>
+                    </a:schemeClr>
+                  </a:solidFill>
+                </a:ln>
+                <a:solidFill>
+                  <a:schemeClr val="tx2"/>
+                </a:solidFill>
+                <a:effectLst>
+                  <a:outerShdw blurRad="9525" dist="25400" dir="14640000" algn="tl" rotWithShape="0">
+                    <a:schemeClr val="bg1">
+                      <a:alpha val="30000"/>
+                    </a:schemeClr>
+                  </a:outerShdw>
+                </a:effectLst>
+                <a:latin typeface="+mj-lt"/>
+                <a:ea typeface="+mj-ea"/>
+              </a:rPr>
+              <a:t>Adapter</a:t>
+            </a:r>
+            <a:endParaRPr lang="nl-BE" sz="2800" dirty="0">
+              <a:ln>
+                <a:solidFill>
+                  <a:schemeClr val="bg1">
+                    <a:lumMod val="75000"/>
+                    <a:lumOff val="25000"/>
+                    <a:alpha val="10000"/>
+                  </a:schemeClr>
+                </a:solidFill>
+              </a:ln>
+              <a:solidFill>
+                <a:schemeClr val="tx2"/>
+              </a:solidFill>
+              <a:effectLst>
+                <a:outerShdw blurRad="9525" dist="25400" dir="14640000" algn="tl" rotWithShape="0">
+                  <a:schemeClr val="bg1">
+                    <a:alpha val="30000"/>
+                  </a:schemeClr>
+                </a:outerShdw>
+              </a:effectLst>
+              <a:latin typeface="+mj-lt"/>
+              <a:ea typeface="+mj-ea"/>
+            </a:endParaRPr>
+          </a:p>
+        </p:txBody>
+      </p:sp>
+      <p:sp>
+        <p:nvSpPr>
+          <p:cNvPr id="8" name="Rectangle 7">
+            <a:extLst>
+              <a:ext uri="{FF2B5EF4-FFF2-40B4-BE49-F238E27FC236}">
+                <a16:creationId xmlns:a16="http://schemas.microsoft.com/office/drawing/2014/main" id="{281F7B8A-C041-4797-8B52-965FABC6011B}"/>
+              </a:ext>
+            </a:extLst>
+          </p:cNvPr>
+          <p:cNvSpPr/>
+          <p:nvPr/>
+        </p:nvSpPr>
+        <p:spPr>
+          <a:xfrm>
+            <a:off x="4261429" y="2750156"/>
+            <a:ext cx="1837362" cy="523220"/>
+          </a:xfrm>
+          <a:prstGeom prst="rect">
+            <a:avLst/>
+          </a:prstGeom>
+        </p:spPr>
+        <p:txBody>
+          <a:bodyPr wrap="none">
+            <a:spAutoFit/>
+          </a:bodyPr>
+          <a:lstStyle/>
+          <a:p>
+            <a:r>
+              <a:rPr lang="nl-BE" sz="2800" dirty="0">
+                <a:ln>
+                  <a:solidFill>
+                    <a:schemeClr val="bg1">
+                      <a:lumMod val="75000"/>
+                      <a:lumOff val="25000"/>
+                      <a:alpha val="10000"/>
+                    </a:schemeClr>
+                  </a:solidFill>
+                </a:ln>
+                <a:solidFill>
+                  <a:schemeClr val="tx2"/>
+                </a:solidFill>
+                <a:effectLst>
+                  <a:outerShdw blurRad="9525" dist="25400" dir="14640000" algn="tl" rotWithShape="0">
+                    <a:schemeClr val="bg1">
+                      <a:alpha val="30000"/>
+                    </a:schemeClr>
+                  </a:outerShdw>
+                </a:effectLst>
+                <a:latin typeface="+mj-lt"/>
+                <a:ea typeface="+mj-ea"/>
+              </a:rPr>
+              <a:t>Composite</a:t>
+            </a:r>
+          </a:p>
+        </p:txBody>
+      </p:sp>
+      <p:sp>
+        <p:nvSpPr>
+          <p:cNvPr id="9" name="Rectangle 8">
+            <a:extLst>
+              <a:ext uri="{FF2B5EF4-FFF2-40B4-BE49-F238E27FC236}">
+                <a16:creationId xmlns:a16="http://schemas.microsoft.com/office/drawing/2014/main" id="{1B2AFBCA-5638-4A94-96BF-FBCA284AC042}"/>
+              </a:ext>
+            </a:extLst>
+          </p:cNvPr>
+          <p:cNvSpPr/>
+          <p:nvPr/>
+        </p:nvSpPr>
+        <p:spPr>
+          <a:xfrm>
+            <a:off x="6813536" y="2239043"/>
+            <a:ext cx="1508746" cy="461665"/>
+          </a:xfrm>
+          <a:prstGeom prst="rect">
+            <a:avLst/>
+          </a:prstGeom>
+        </p:spPr>
+        <p:txBody>
+          <a:bodyPr wrap="none">
+            <a:spAutoFit/>
+          </a:bodyPr>
+          <a:lstStyle/>
+          <a:p>
+            <a:r>
+              <a:rPr lang="nl-BE" sz="2400" dirty="0">
+                <a:ln>
+                  <a:solidFill>
+                    <a:schemeClr val="bg1">
+                      <a:lumMod val="75000"/>
+                      <a:lumOff val="25000"/>
+                      <a:alpha val="10000"/>
+                    </a:schemeClr>
+                  </a:solidFill>
+                </a:ln>
+                <a:solidFill>
+                  <a:schemeClr val="tx2"/>
+                </a:solidFill>
+                <a:effectLst>
+                  <a:outerShdw blurRad="9525" dist="25400" dir="14640000" algn="tl" rotWithShape="0">
+                    <a:schemeClr val="bg1">
+                      <a:alpha val="30000"/>
+                    </a:schemeClr>
+                  </a:outerShdw>
+                </a:effectLst>
+                <a:latin typeface="+mj-lt"/>
+                <a:ea typeface="+mj-ea"/>
+              </a:rPr>
+              <a:t>Decorator</a:t>
+            </a:r>
+            <a:endParaRPr lang="nl-BE" sz="2800" dirty="0">
+              <a:ln>
+                <a:solidFill>
+                  <a:schemeClr val="bg1">
+                    <a:lumMod val="75000"/>
+                    <a:lumOff val="25000"/>
+                    <a:alpha val="10000"/>
+                  </a:schemeClr>
+                </a:solidFill>
+              </a:ln>
+              <a:solidFill>
+                <a:schemeClr val="tx2"/>
+              </a:solidFill>
+              <a:effectLst>
+                <a:outerShdw blurRad="9525" dist="25400" dir="14640000" algn="tl" rotWithShape="0">
+                  <a:schemeClr val="bg1">
+                    <a:alpha val="30000"/>
+                  </a:schemeClr>
+                </a:outerShdw>
+              </a:effectLst>
+              <a:latin typeface="+mj-lt"/>
+              <a:ea typeface="+mj-ea"/>
+            </a:endParaRPr>
+          </a:p>
+        </p:txBody>
+      </p:sp>
+      <p:sp>
+        <p:nvSpPr>
+          <p:cNvPr id="10" name="Rectangle 9">
+            <a:extLst>
+              <a:ext uri="{FF2B5EF4-FFF2-40B4-BE49-F238E27FC236}">
+                <a16:creationId xmlns:a16="http://schemas.microsoft.com/office/drawing/2014/main" id="{9D7B9852-4C44-4FFA-A8A0-056564CA7D5D}"/>
+              </a:ext>
+            </a:extLst>
+          </p:cNvPr>
+          <p:cNvSpPr/>
+          <p:nvPr/>
+        </p:nvSpPr>
+        <p:spPr>
+          <a:xfrm>
+            <a:off x="1047413" y="1022915"/>
+            <a:ext cx="1037463" cy="338554"/>
+          </a:xfrm>
+          <a:prstGeom prst="rect">
+            <a:avLst/>
+          </a:prstGeom>
+        </p:spPr>
+        <p:txBody>
+          <a:bodyPr wrap="none">
+            <a:spAutoFit/>
+          </a:bodyPr>
+          <a:lstStyle/>
+          <a:p>
+            <a:r>
+              <a:rPr lang="nl-BE" sz="1600" dirty="0">
+                <a:ln>
+                  <a:solidFill>
+                    <a:schemeClr val="bg1">
+                      <a:lumMod val="75000"/>
+                      <a:lumOff val="25000"/>
+                      <a:alpha val="10000"/>
+                    </a:schemeClr>
+                  </a:solidFill>
+                </a:ln>
+                <a:solidFill>
+                  <a:schemeClr val="tx2"/>
+                </a:solidFill>
+                <a:effectLst>
+                  <a:outerShdw blurRad="9525" dist="25400" dir="14640000" algn="tl" rotWithShape="0">
+                    <a:schemeClr val="bg1">
+                      <a:alpha val="30000"/>
+                    </a:schemeClr>
+                  </a:outerShdw>
+                </a:effectLst>
+                <a:latin typeface="+mj-lt"/>
+                <a:ea typeface="+mj-ea"/>
+              </a:rPr>
+              <a:t>Prototype</a:t>
+            </a:r>
+          </a:p>
+        </p:txBody>
+      </p:sp>
+      <p:sp>
+        <p:nvSpPr>
+          <p:cNvPr id="11" name="Rectangle 10">
+            <a:extLst>
+              <a:ext uri="{FF2B5EF4-FFF2-40B4-BE49-F238E27FC236}">
+                <a16:creationId xmlns:a16="http://schemas.microsoft.com/office/drawing/2014/main" id="{B37F2BEB-AE15-41F0-87A0-E87C99A49D43}"/>
+              </a:ext>
+            </a:extLst>
+          </p:cNvPr>
+          <p:cNvSpPr/>
+          <p:nvPr/>
+        </p:nvSpPr>
+        <p:spPr>
+          <a:xfrm>
+            <a:off x="3631166" y="4964892"/>
+            <a:ext cx="1115177" cy="461665"/>
+          </a:xfrm>
+          <a:prstGeom prst="rect">
+            <a:avLst/>
+          </a:prstGeom>
+        </p:spPr>
+        <p:txBody>
+          <a:bodyPr wrap="none">
+            <a:spAutoFit/>
+          </a:bodyPr>
+          <a:lstStyle/>
+          <a:p>
+            <a:r>
+              <a:rPr lang="nl-BE" sz="2400" dirty="0">
+                <a:ln>
+                  <a:solidFill>
+                    <a:schemeClr val="bg1">
+                      <a:lumMod val="75000"/>
+                      <a:lumOff val="25000"/>
+                      <a:alpha val="10000"/>
+                    </a:schemeClr>
+                  </a:solidFill>
+                </a:ln>
+                <a:solidFill>
+                  <a:schemeClr val="tx2"/>
+                </a:solidFill>
+                <a:effectLst>
+                  <a:outerShdw blurRad="9525" dist="25400" dir="14640000" algn="tl" rotWithShape="0">
+                    <a:schemeClr val="bg1">
+                      <a:alpha val="30000"/>
+                    </a:schemeClr>
+                  </a:outerShdw>
+                </a:effectLst>
+                <a:latin typeface="+mj-lt"/>
+                <a:ea typeface="+mj-ea"/>
+              </a:rPr>
+              <a:t>Facade</a:t>
+            </a:r>
+            <a:endParaRPr lang="nl-BE" sz="2800" dirty="0">
+              <a:ln>
+                <a:solidFill>
+                  <a:schemeClr val="bg1">
+                    <a:lumMod val="75000"/>
+                    <a:lumOff val="25000"/>
+                    <a:alpha val="10000"/>
+                  </a:schemeClr>
+                </a:solidFill>
+              </a:ln>
+              <a:solidFill>
+                <a:schemeClr val="tx2"/>
+              </a:solidFill>
+              <a:effectLst>
+                <a:outerShdw blurRad="9525" dist="25400" dir="14640000" algn="tl" rotWithShape="0">
+                  <a:schemeClr val="bg1">
+                    <a:alpha val="30000"/>
+                  </a:schemeClr>
+                </a:outerShdw>
+              </a:effectLst>
+              <a:latin typeface="+mj-lt"/>
+              <a:ea typeface="+mj-ea"/>
+            </a:endParaRPr>
+          </a:p>
+        </p:txBody>
+      </p:sp>
+      <p:sp>
+        <p:nvSpPr>
+          <p:cNvPr id="12" name="Rectangle 11">
+            <a:extLst>
+              <a:ext uri="{FF2B5EF4-FFF2-40B4-BE49-F238E27FC236}">
+                <a16:creationId xmlns:a16="http://schemas.microsoft.com/office/drawing/2014/main" id="{344F777A-1C3F-4D7F-93A7-1C5884B6CF24}"/>
+              </a:ext>
+            </a:extLst>
+          </p:cNvPr>
+          <p:cNvSpPr/>
+          <p:nvPr/>
+        </p:nvSpPr>
+        <p:spPr>
+          <a:xfrm>
+            <a:off x="5505242" y="4575328"/>
+            <a:ext cx="1086451" cy="523220"/>
+          </a:xfrm>
+          <a:prstGeom prst="rect">
+            <a:avLst/>
+          </a:prstGeom>
+        </p:spPr>
+        <p:txBody>
+          <a:bodyPr wrap="none">
+            <a:spAutoFit/>
+          </a:bodyPr>
+          <a:lstStyle/>
+          <a:p>
+            <a:r>
+              <a:rPr lang="nl-BE" sz="2800" dirty="0">
+                <a:ln>
+                  <a:solidFill>
+                    <a:schemeClr val="bg1">
+                      <a:lumMod val="75000"/>
+                      <a:lumOff val="25000"/>
+                      <a:alpha val="10000"/>
+                    </a:schemeClr>
+                  </a:solidFill>
+                </a:ln>
+                <a:solidFill>
+                  <a:schemeClr val="tx2"/>
+                </a:solidFill>
+                <a:effectLst>
+                  <a:outerShdw blurRad="9525" dist="25400" dir="14640000" algn="tl" rotWithShape="0">
+                    <a:schemeClr val="bg1">
+                      <a:alpha val="30000"/>
+                    </a:schemeClr>
+                  </a:outerShdw>
+                </a:effectLst>
+                <a:latin typeface="+mj-lt"/>
+                <a:ea typeface="+mj-ea"/>
+              </a:rPr>
+              <a:t>Proxy</a:t>
+            </a:r>
+          </a:p>
+        </p:txBody>
+      </p:sp>
+      <p:sp>
+        <p:nvSpPr>
+          <p:cNvPr id="13" name="Rectangle 12">
+            <a:extLst>
+              <a:ext uri="{FF2B5EF4-FFF2-40B4-BE49-F238E27FC236}">
+                <a16:creationId xmlns:a16="http://schemas.microsoft.com/office/drawing/2014/main" id="{CD2C43A2-5737-47B9-9EBF-9206C951D21E}"/>
+              </a:ext>
+            </a:extLst>
+          </p:cNvPr>
+          <p:cNvSpPr/>
+          <p:nvPr/>
+        </p:nvSpPr>
+        <p:spPr>
+          <a:xfrm>
+            <a:off x="4296827" y="3713664"/>
+            <a:ext cx="1159292" cy="461665"/>
+          </a:xfrm>
+          <a:prstGeom prst="rect">
+            <a:avLst/>
+          </a:prstGeom>
+        </p:spPr>
+        <p:txBody>
+          <a:bodyPr wrap="none">
+            <a:spAutoFit/>
+          </a:bodyPr>
+          <a:lstStyle/>
+          <a:p>
+            <a:r>
+              <a:rPr lang="nl-BE" sz="2400" dirty="0">
+                <a:ln>
+                  <a:solidFill>
+                    <a:schemeClr val="bg1">
+                      <a:lumMod val="75000"/>
+                      <a:lumOff val="25000"/>
+                      <a:alpha val="10000"/>
+                    </a:schemeClr>
+                  </a:solidFill>
+                </a:ln>
+                <a:solidFill>
+                  <a:schemeClr val="tx2"/>
+                </a:solidFill>
+                <a:effectLst>
+                  <a:outerShdw blurRad="9525" dist="25400" dir="14640000" algn="tl" rotWithShape="0">
+                    <a:schemeClr val="bg1">
+                      <a:alpha val="30000"/>
+                    </a:schemeClr>
+                  </a:outerShdw>
+                </a:effectLst>
+                <a:latin typeface="+mj-lt"/>
+                <a:ea typeface="+mj-ea"/>
+              </a:rPr>
+              <a:t>Iterator</a:t>
+            </a:r>
+            <a:endParaRPr lang="nl-BE" sz="2800" dirty="0">
+              <a:ln>
+                <a:solidFill>
+                  <a:schemeClr val="bg1">
+                    <a:lumMod val="75000"/>
+                    <a:lumOff val="25000"/>
+                    <a:alpha val="10000"/>
+                  </a:schemeClr>
+                </a:solidFill>
+              </a:ln>
+              <a:solidFill>
+                <a:schemeClr val="tx2"/>
+              </a:solidFill>
+              <a:effectLst>
+                <a:outerShdw blurRad="9525" dist="25400" dir="14640000" algn="tl" rotWithShape="0">
+                  <a:schemeClr val="bg1">
+                    <a:alpha val="30000"/>
+                  </a:schemeClr>
+                </a:outerShdw>
+              </a:effectLst>
+              <a:latin typeface="+mj-lt"/>
+              <a:ea typeface="+mj-ea"/>
+            </a:endParaRPr>
+          </a:p>
+        </p:txBody>
+      </p:sp>
+      <p:sp>
+        <p:nvSpPr>
+          <p:cNvPr id="14" name="Rectangle 13">
+            <a:extLst>
+              <a:ext uri="{FF2B5EF4-FFF2-40B4-BE49-F238E27FC236}">
+                <a16:creationId xmlns:a16="http://schemas.microsoft.com/office/drawing/2014/main" id="{82EE1845-72BF-472F-8398-40B43A3EB7C1}"/>
+              </a:ext>
+            </a:extLst>
+          </p:cNvPr>
+          <p:cNvSpPr/>
+          <p:nvPr/>
+        </p:nvSpPr>
+        <p:spPr>
+          <a:xfrm>
+            <a:off x="1923977" y="3773935"/>
+            <a:ext cx="1667444" cy="523220"/>
+          </a:xfrm>
+          <a:prstGeom prst="rect">
+            <a:avLst/>
+          </a:prstGeom>
+        </p:spPr>
+        <p:txBody>
+          <a:bodyPr vert="horz" lIns="91440" tIns="45720" rIns="91440" bIns="45720" rtlCol="0">
+            <a:normAutofit/>
+          </a:bodyPr>
+          <a:lstStyle/>
+          <a:p>
+            <a:pPr defTabSz="914400">
+              <a:spcBef>
+                <a:spcPct val="20000"/>
+              </a:spcBef>
+            </a:pPr>
+            <a:r>
+              <a:rPr lang="nl-BE" sz="2400" dirty="0">
+                <a:ln>
+                  <a:solidFill>
+                    <a:schemeClr val="bg1">
+                      <a:lumMod val="75000"/>
+                      <a:lumOff val="25000"/>
+                      <a:alpha val="10000"/>
+                    </a:schemeClr>
+                  </a:solidFill>
+                </a:ln>
+                <a:solidFill>
+                  <a:schemeClr val="tx2"/>
+                </a:solidFill>
+                <a:effectLst>
+                  <a:outerShdw blurRad="9525" dist="25400" dir="14640000" algn="tl" rotWithShape="0">
+                    <a:schemeClr val="bg1">
+                      <a:alpha val="30000"/>
+                    </a:schemeClr>
+                  </a:outerShdw>
+                </a:effectLst>
+                <a:latin typeface="+mj-lt"/>
+                <a:ea typeface="+mj-ea"/>
+              </a:rPr>
+              <a:t>Memento</a:t>
+            </a:r>
+            <a:endParaRPr lang="nl-BE" sz="2800" dirty="0">
+              <a:ln>
+                <a:solidFill>
+                  <a:schemeClr val="bg1">
+                    <a:lumMod val="75000"/>
+                    <a:lumOff val="25000"/>
+                    <a:alpha val="10000"/>
+                  </a:schemeClr>
+                </a:solidFill>
+              </a:ln>
+              <a:solidFill>
+                <a:schemeClr val="tx2"/>
+              </a:solidFill>
+              <a:effectLst>
+                <a:outerShdw blurRad="9525" dist="25400" dir="14640000" algn="tl" rotWithShape="0">
+                  <a:schemeClr val="bg1">
+                    <a:alpha val="30000"/>
+                  </a:schemeClr>
+                </a:outerShdw>
+              </a:effectLst>
+              <a:latin typeface="+mj-lt"/>
+              <a:ea typeface="+mj-ea"/>
+            </a:endParaRPr>
+          </a:p>
+        </p:txBody>
+      </p:sp>
+      <p:sp>
+        <p:nvSpPr>
+          <p:cNvPr id="17" name="Rectangle 16">
+            <a:extLst>
+              <a:ext uri="{FF2B5EF4-FFF2-40B4-BE49-F238E27FC236}">
+                <a16:creationId xmlns:a16="http://schemas.microsoft.com/office/drawing/2014/main" id="{08432533-FEEE-4FB2-A834-F1D216227434}"/>
+              </a:ext>
+            </a:extLst>
+          </p:cNvPr>
+          <p:cNvSpPr/>
+          <p:nvPr/>
+        </p:nvSpPr>
+        <p:spPr>
+          <a:xfrm>
+            <a:off x="1063506" y="2020505"/>
+            <a:ext cx="1753750" cy="369332"/>
+          </a:xfrm>
+          <a:prstGeom prst="rect">
+            <a:avLst/>
+          </a:prstGeom>
+        </p:spPr>
+        <p:txBody>
+          <a:bodyPr wrap="none">
+            <a:spAutoFit/>
+          </a:bodyPr>
+          <a:lstStyle/>
+          <a:p>
+            <a:r>
+              <a:rPr lang="nl-BE" dirty="0">
+                <a:ln>
+                  <a:solidFill>
+                    <a:schemeClr val="bg1">
+                      <a:lumMod val="75000"/>
+                      <a:lumOff val="25000"/>
+                      <a:alpha val="10000"/>
+                    </a:schemeClr>
+                  </a:solidFill>
+                </a:ln>
+                <a:solidFill>
+                  <a:schemeClr val="tx2"/>
+                </a:solidFill>
+                <a:effectLst>
+                  <a:outerShdw blurRad="9525" dist="25400" dir="14640000" algn="tl" rotWithShape="0">
+                    <a:schemeClr val="bg1">
+                      <a:alpha val="30000"/>
+                    </a:schemeClr>
+                  </a:outerShdw>
+                </a:effectLst>
+                <a:latin typeface="+mj-lt"/>
+                <a:ea typeface="+mj-ea"/>
+              </a:rPr>
+              <a:t>Factory</a:t>
+            </a:r>
+            <a:r>
+              <a:rPr lang="nl-BE" sz="1200" dirty="0">
+                <a:ln>
+                  <a:solidFill>
+                    <a:schemeClr val="bg1">
+                      <a:lumMod val="75000"/>
+                      <a:lumOff val="25000"/>
+                      <a:alpha val="10000"/>
+                    </a:schemeClr>
+                  </a:solidFill>
+                </a:ln>
+                <a:solidFill>
+                  <a:schemeClr val="tx2"/>
+                </a:solidFill>
+                <a:effectLst>
+                  <a:outerShdw blurRad="9525" dist="25400" dir="14640000" algn="tl" rotWithShape="0">
+                    <a:schemeClr val="bg1">
+                      <a:alpha val="30000"/>
+                    </a:schemeClr>
+                  </a:outerShdw>
+                </a:effectLst>
+              </a:rPr>
+              <a:t> </a:t>
+            </a:r>
+            <a:r>
+              <a:rPr lang="nl-BE" dirty="0">
+                <a:ln>
+                  <a:solidFill>
+                    <a:schemeClr val="bg1">
+                      <a:lumMod val="75000"/>
+                      <a:lumOff val="25000"/>
+                      <a:alpha val="10000"/>
+                    </a:schemeClr>
+                  </a:solidFill>
+                </a:ln>
+                <a:solidFill>
+                  <a:schemeClr val="tx2"/>
+                </a:solidFill>
+                <a:effectLst>
+                  <a:outerShdw blurRad="9525" dist="25400" dir="14640000" algn="tl" rotWithShape="0">
+                    <a:schemeClr val="bg1">
+                      <a:alpha val="30000"/>
+                    </a:schemeClr>
+                  </a:outerShdw>
+                </a:effectLst>
+                <a:latin typeface="+mj-lt"/>
+                <a:ea typeface="+mj-ea"/>
+              </a:rPr>
+              <a:t>Method</a:t>
+            </a:r>
+          </a:p>
+        </p:txBody>
+      </p:sp>
+      <p:sp>
+        <p:nvSpPr>
+          <p:cNvPr id="18" name="Rectangle 17">
+            <a:extLst>
+              <a:ext uri="{FF2B5EF4-FFF2-40B4-BE49-F238E27FC236}">
+                <a16:creationId xmlns:a16="http://schemas.microsoft.com/office/drawing/2014/main" id="{346614D6-3F67-4C98-BF99-A66A7D648B5B}"/>
+              </a:ext>
+            </a:extLst>
+          </p:cNvPr>
+          <p:cNvSpPr/>
+          <p:nvPr/>
+        </p:nvSpPr>
+        <p:spPr>
+          <a:xfrm>
+            <a:off x="6462986" y="5481356"/>
+            <a:ext cx="1552028" cy="523220"/>
+          </a:xfrm>
+          <a:prstGeom prst="rect">
+            <a:avLst/>
+          </a:prstGeom>
+        </p:spPr>
+        <p:txBody>
+          <a:bodyPr wrap="none">
+            <a:spAutoFit/>
+          </a:bodyPr>
+          <a:lstStyle/>
+          <a:p>
+            <a:r>
+              <a:rPr lang="nl-BE" sz="2800" dirty="0">
+                <a:ln>
+                  <a:solidFill>
+                    <a:schemeClr val="bg1">
+                      <a:lumMod val="75000"/>
+                      <a:lumOff val="25000"/>
+                      <a:alpha val="10000"/>
+                    </a:schemeClr>
+                  </a:solidFill>
+                </a:ln>
+                <a:solidFill>
+                  <a:schemeClr val="tx2"/>
+                </a:solidFill>
+                <a:effectLst>
+                  <a:outerShdw blurRad="9525" dist="25400" dir="14640000" algn="tl" rotWithShape="0">
+                    <a:schemeClr val="bg1">
+                      <a:alpha val="30000"/>
+                    </a:schemeClr>
+                  </a:outerShdw>
+                </a:effectLst>
+                <a:latin typeface="+mj-lt"/>
+                <a:ea typeface="+mj-ea"/>
+              </a:rPr>
+              <a:t>Observer</a:t>
+            </a:r>
+          </a:p>
+        </p:txBody>
+      </p:sp>
+      <p:sp>
+        <p:nvSpPr>
+          <p:cNvPr id="19" name="Rectangle 18">
+            <a:extLst>
+              <a:ext uri="{FF2B5EF4-FFF2-40B4-BE49-F238E27FC236}">
+                <a16:creationId xmlns:a16="http://schemas.microsoft.com/office/drawing/2014/main" id="{4543C3C6-B620-4AB0-A335-B91741E2288E}"/>
+              </a:ext>
+            </a:extLst>
+          </p:cNvPr>
+          <p:cNvSpPr/>
+          <p:nvPr/>
+        </p:nvSpPr>
+        <p:spPr>
+          <a:xfrm>
+            <a:off x="6167511" y="1347253"/>
+            <a:ext cx="1433662" cy="523220"/>
+          </a:xfrm>
+          <a:prstGeom prst="rect">
+            <a:avLst/>
+          </a:prstGeom>
+        </p:spPr>
+        <p:txBody>
+          <a:bodyPr wrap="none">
+            <a:spAutoFit/>
+          </a:bodyPr>
+          <a:lstStyle/>
+          <a:p>
+            <a:r>
+              <a:rPr lang="nl-BE" sz="2800" dirty="0">
+                <a:ln>
+                  <a:solidFill>
+                    <a:schemeClr val="bg1">
+                      <a:lumMod val="75000"/>
+                      <a:lumOff val="25000"/>
+                      <a:alpha val="10000"/>
+                    </a:schemeClr>
+                  </a:solidFill>
+                </a:ln>
+                <a:solidFill>
+                  <a:schemeClr val="tx2"/>
+                </a:solidFill>
+                <a:effectLst>
+                  <a:outerShdw blurRad="9525" dist="25400" dir="14640000" algn="tl" rotWithShape="0">
+                    <a:schemeClr val="bg1">
+                      <a:alpha val="30000"/>
+                    </a:schemeClr>
+                  </a:outerShdw>
+                </a:effectLst>
+                <a:latin typeface="+mj-lt"/>
+                <a:ea typeface="+mj-ea"/>
+              </a:rPr>
+              <a:t>Strategy</a:t>
+            </a:r>
+          </a:p>
+        </p:txBody>
+      </p:sp>
+      <p:sp>
+        <p:nvSpPr>
+          <p:cNvPr id="20" name="Rectangle 19">
+            <a:extLst>
+              <a:ext uri="{FF2B5EF4-FFF2-40B4-BE49-F238E27FC236}">
+                <a16:creationId xmlns:a16="http://schemas.microsoft.com/office/drawing/2014/main" id="{61274FCB-55C1-4A3D-B321-2CDC653A98C8}"/>
+              </a:ext>
+            </a:extLst>
+          </p:cNvPr>
+          <p:cNvSpPr/>
+          <p:nvPr/>
+        </p:nvSpPr>
+        <p:spPr>
+          <a:xfrm>
+            <a:off x="3041305" y="1586593"/>
+            <a:ext cx="2504532" cy="461665"/>
+          </a:xfrm>
+          <a:prstGeom prst="rect">
+            <a:avLst/>
+          </a:prstGeom>
+        </p:spPr>
+        <p:txBody>
+          <a:bodyPr wrap="none">
+            <a:spAutoFit/>
+          </a:bodyPr>
+          <a:lstStyle/>
+          <a:p>
+            <a:r>
+              <a:rPr lang="nl-BE" sz="2400" dirty="0">
+                <a:ln>
+                  <a:solidFill>
+                    <a:schemeClr val="bg1">
+                      <a:lumMod val="75000"/>
+                      <a:lumOff val="25000"/>
+                      <a:alpha val="10000"/>
+                    </a:schemeClr>
+                  </a:solidFill>
+                </a:ln>
+                <a:solidFill>
+                  <a:schemeClr val="tx2"/>
+                </a:solidFill>
+                <a:effectLst>
+                  <a:outerShdw blurRad="9525" dist="25400" dir="14640000" algn="tl" rotWithShape="0">
+                    <a:schemeClr val="bg1">
+                      <a:alpha val="30000"/>
+                    </a:schemeClr>
+                  </a:outerShdw>
+                </a:effectLst>
+                <a:latin typeface="+mj-lt"/>
+                <a:ea typeface="+mj-ea"/>
+              </a:rPr>
+              <a:t>Template Method</a:t>
+            </a:r>
+          </a:p>
+        </p:txBody>
+      </p:sp>
+      <p:sp>
+        <p:nvSpPr>
+          <p:cNvPr id="21" name="Rectangle 20">
+            <a:extLst>
+              <a:ext uri="{FF2B5EF4-FFF2-40B4-BE49-F238E27FC236}">
+                <a16:creationId xmlns:a16="http://schemas.microsoft.com/office/drawing/2014/main" id="{B735504D-82DE-45D0-B47A-DBF98C6E68D0}"/>
+              </a:ext>
+            </a:extLst>
+          </p:cNvPr>
+          <p:cNvSpPr/>
+          <p:nvPr/>
+        </p:nvSpPr>
+        <p:spPr>
+          <a:xfrm>
+            <a:off x="183110" y="1094461"/>
+            <a:ext cx="902811" cy="307777"/>
+          </a:xfrm>
+          <a:prstGeom prst="rect">
+            <a:avLst/>
+          </a:prstGeom>
+        </p:spPr>
+        <p:txBody>
+          <a:bodyPr wrap="none">
+            <a:spAutoFit/>
+          </a:bodyPr>
+          <a:lstStyle/>
+          <a:p>
+            <a:r>
+              <a:rPr lang="nl-BE" sz="1400" dirty="0">
+                <a:ln>
+                  <a:solidFill>
+                    <a:schemeClr val="bg1">
+                      <a:lumMod val="75000"/>
+                      <a:lumOff val="25000"/>
+                      <a:alpha val="10000"/>
+                    </a:schemeClr>
+                  </a:solidFill>
+                </a:ln>
+                <a:solidFill>
+                  <a:schemeClr val="tx2"/>
+                </a:solidFill>
+                <a:effectLst>
+                  <a:outerShdw blurRad="9525" dist="25400" dir="14640000" algn="tl" rotWithShape="0">
+                    <a:schemeClr val="bg1">
+                      <a:alpha val="30000"/>
+                    </a:schemeClr>
+                  </a:outerShdw>
+                </a:effectLst>
+                <a:latin typeface="+mj-lt"/>
+                <a:ea typeface="+mj-ea"/>
+              </a:rPr>
+              <a:t>Singleton</a:t>
+            </a:r>
+          </a:p>
+        </p:txBody>
+      </p:sp>
+      <p:sp>
+        <p:nvSpPr>
+          <p:cNvPr id="22" name="Rectangle 21">
+            <a:extLst>
+              <a:ext uri="{FF2B5EF4-FFF2-40B4-BE49-F238E27FC236}">
+                <a16:creationId xmlns:a16="http://schemas.microsoft.com/office/drawing/2014/main" id="{95D04BC1-C12E-4C51-BB70-92CC57C76ADC}"/>
+              </a:ext>
+            </a:extLst>
+          </p:cNvPr>
+          <p:cNvSpPr/>
+          <p:nvPr/>
+        </p:nvSpPr>
+        <p:spPr>
+          <a:xfrm>
+            <a:off x="740595" y="4721327"/>
+            <a:ext cx="1233030" cy="369332"/>
+          </a:xfrm>
+          <a:prstGeom prst="rect">
+            <a:avLst/>
+          </a:prstGeom>
+        </p:spPr>
+        <p:txBody>
+          <a:bodyPr wrap="none">
+            <a:spAutoFit/>
+          </a:bodyPr>
+          <a:lstStyle/>
+          <a:p>
+            <a:r>
+              <a:rPr lang="nl-BE" dirty="0">
+                <a:ln>
+                  <a:solidFill>
+                    <a:schemeClr val="bg1">
+                      <a:lumMod val="75000"/>
+                      <a:lumOff val="25000"/>
+                      <a:alpha val="10000"/>
+                    </a:schemeClr>
+                  </a:solidFill>
+                </a:ln>
+                <a:solidFill>
+                  <a:schemeClr val="tx2"/>
+                </a:solidFill>
+                <a:effectLst>
+                  <a:outerShdw blurRad="9525" dist="25400" dir="14640000" algn="tl" rotWithShape="0">
+                    <a:schemeClr val="bg1">
+                      <a:alpha val="30000"/>
+                    </a:schemeClr>
+                  </a:outerShdw>
+                </a:effectLst>
+                <a:latin typeface="+mj-lt"/>
+                <a:ea typeface="+mj-ea"/>
+              </a:rPr>
+              <a:t>Command</a:t>
+            </a:r>
+            <a:endParaRPr lang="nl-BE" sz="2800" dirty="0">
+              <a:ln>
+                <a:solidFill>
+                  <a:schemeClr val="bg1">
+                    <a:lumMod val="75000"/>
+                    <a:lumOff val="25000"/>
+                    <a:alpha val="10000"/>
+                  </a:schemeClr>
+                </a:solidFill>
+              </a:ln>
+              <a:solidFill>
+                <a:schemeClr val="tx2"/>
+              </a:solidFill>
+              <a:effectLst>
+                <a:outerShdw blurRad="9525" dist="25400" dir="14640000" algn="tl" rotWithShape="0">
+                  <a:schemeClr val="bg1">
+                    <a:alpha val="30000"/>
+                  </a:schemeClr>
+                </a:outerShdw>
+              </a:effectLst>
+              <a:latin typeface="+mj-lt"/>
+              <a:ea typeface="+mj-ea"/>
+            </a:endParaRPr>
+          </a:p>
+        </p:txBody>
+      </p:sp>
+      <p:sp>
+        <p:nvSpPr>
+          <p:cNvPr id="23" name="Rectangle 22">
+            <a:extLst>
+              <a:ext uri="{FF2B5EF4-FFF2-40B4-BE49-F238E27FC236}">
+                <a16:creationId xmlns:a16="http://schemas.microsoft.com/office/drawing/2014/main" id="{3600C605-813D-4BF7-995D-5AE777CFCA2C}"/>
+              </a:ext>
+            </a:extLst>
+          </p:cNvPr>
+          <p:cNvSpPr/>
+          <p:nvPr/>
+        </p:nvSpPr>
+        <p:spPr>
+          <a:xfrm>
+            <a:off x="7720056" y="3045884"/>
+            <a:ext cx="942887" cy="523220"/>
+          </a:xfrm>
+          <a:prstGeom prst="rect">
+            <a:avLst/>
+          </a:prstGeom>
+        </p:spPr>
+        <p:txBody>
+          <a:bodyPr wrap="none">
+            <a:spAutoFit/>
+          </a:bodyPr>
+          <a:lstStyle/>
+          <a:p>
+            <a:r>
+              <a:rPr lang="nl-BE" sz="2800" dirty="0">
+                <a:ln>
+                  <a:solidFill>
+                    <a:schemeClr val="bg1">
+                      <a:lumMod val="75000"/>
+                      <a:lumOff val="25000"/>
+                      <a:alpha val="10000"/>
+                    </a:schemeClr>
+                  </a:solidFill>
+                </a:ln>
+                <a:solidFill>
+                  <a:schemeClr val="tx2"/>
+                </a:solidFill>
+                <a:effectLst>
+                  <a:outerShdw blurRad="9525" dist="25400" dir="14640000" algn="tl" rotWithShape="0">
+                    <a:schemeClr val="bg1">
+                      <a:alpha val="30000"/>
+                    </a:schemeClr>
+                  </a:outerShdw>
+                </a:effectLst>
+                <a:latin typeface="+mj-lt"/>
+                <a:ea typeface="+mj-ea"/>
+              </a:rPr>
+              <a:t>State</a:t>
+            </a:r>
+          </a:p>
+        </p:txBody>
+      </p:sp>
+      <p:sp>
+        <p:nvSpPr>
+          <p:cNvPr id="24" name="Rectangle 23">
+            <a:extLst>
+              <a:ext uri="{FF2B5EF4-FFF2-40B4-BE49-F238E27FC236}">
+                <a16:creationId xmlns:a16="http://schemas.microsoft.com/office/drawing/2014/main" id="{1D06EAC4-3B1B-4F36-8CE2-86AAF3098AC0}"/>
+              </a:ext>
+            </a:extLst>
+          </p:cNvPr>
+          <p:cNvSpPr/>
+          <p:nvPr/>
+        </p:nvSpPr>
+        <p:spPr>
+          <a:xfrm>
+            <a:off x="6286037" y="3273376"/>
+            <a:ext cx="1196610" cy="523220"/>
+          </a:xfrm>
+          <a:prstGeom prst="rect">
+            <a:avLst/>
+          </a:prstGeom>
+        </p:spPr>
+        <p:txBody>
+          <a:bodyPr wrap="none">
+            <a:spAutoFit/>
+          </a:bodyPr>
+          <a:lstStyle/>
+          <a:p>
+            <a:r>
+              <a:rPr lang="nl-BE" sz="2800" dirty="0">
+                <a:ln>
+                  <a:solidFill>
+                    <a:schemeClr val="bg1">
+                      <a:lumMod val="75000"/>
+                      <a:lumOff val="25000"/>
+                      <a:alpha val="10000"/>
+                    </a:schemeClr>
+                  </a:solidFill>
+                </a:ln>
+                <a:solidFill>
+                  <a:schemeClr val="tx2"/>
+                </a:solidFill>
+                <a:effectLst>
+                  <a:outerShdw blurRad="9525" dist="25400" dir="14640000" algn="tl" rotWithShape="0">
+                    <a:schemeClr val="bg1">
+                      <a:alpha val="30000"/>
+                    </a:schemeClr>
+                  </a:outerShdw>
+                </a:effectLst>
+                <a:latin typeface="+mj-lt"/>
+                <a:ea typeface="+mj-ea"/>
+              </a:rPr>
+              <a:t>Visitor</a:t>
+            </a:r>
+          </a:p>
+        </p:txBody>
+      </p:sp>
+      <p:sp>
+        <p:nvSpPr>
+          <p:cNvPr id="25" name="Rectangle 24">
+            <a:extLst>
+              <a:ext uri="{FF2B5EF4-FFF2-40B4-BE49-F238E27FC236}">
+                <a16:creationId xmlns:a16="http://schemas.microsoft.com/office/drawing/2014/main" id="{70F72080-AFE6-41D8-A80A-D5A324EEE639}"/>
+              </a:ext>
+            </a:extLst>
+          </p:cNvPr>
+          <p:cNvSpPr/>
+          <p:nvPr/>
+        </p:nvSpPr>
+        <p:spPr>
+          <a:xfrm>
+            <a:off x="2439490" y="2605522"/>
+            <a:ext cx="979755" cy="400110"/>
+          </a:xfrm>
+          <a:prstGeom prst="rect">
+            <a:avLst/>
+          </a:prstGeom>
+        </p:spPr>
+        <p:txBody>
+          <a:bodyPr wrap="none">
+            <a:spAutoFit/>
+          </a:bodyPr>
+          <a:lstStyle/>
+          <a:p>
+            <a:r>
+              <a:rPr lang="nl-BE" sz="2000" dirty="0">
+                <a:ln>
+                  <a:solidFill>
+                    <a:schemeClr val="bg1">
+                      <a:lumMod val="75000"/>
+                      <a:lumOff val="25000"/>
+                      <a:alpha val="10000"/>
+                    </a:schemeClr>
+                  </a:solidFill>
+                </a:ln>
+                <a:solidFill>
+                  <a:schemeClr val="tx2"/>
+                </a:solidFill>
+                <a:effectLst>
+                  <a:outerShdw blurRad="9525" dist="25400" dir="14640000" algn="tl" rotWithShape="0">
+                    <a:schemeClr val="bg1">
+                      <a:alpha val="30000"/>
+                    </a:schemeClr>
+                  </a:outerShdw>
+                </a:effectLst>
+                <a:latin typeface="+mj-lt"/>
+                <a:ea typeface="+mj-ea"/>
+              </a:rPr>
+              <a:t>Builder</a:t>
+            </a:r>
+            <a:endParaRPr lang="nl-BE" sz="2800" dirty="0">
+              <a:ln>
+                <a:solidFill>
+                  <a:schemeClr val="bg1">
+                    <a:lumMod val="75000"/>
+                    <a:lumOff val="25000"/>
+                    <a:alpha val="10000"/>
+                  </a:schemeClr>
+                </a:solidFill>
+              </a:ln>
+              <a:solidFill>
+                <a:schemeClr val="tx2"/>
+              </a:solidFill>
+              <a:effectLst>
+                <a:outerShdw blurRad="9525" dist="25400" dir="14640000" algn="tl" rotWithShape="0">
+                  <a:schemeClr val="bg1">
+                    <a:alpha val="30000"/>
+                  </a:schemeClr>
+                </a:outerShdw>
+              </a:effectLst>
+              <a:latin typeface="+mj-lt"/>
+              <a:ea typeface="+mj-ea"/>
+            </a:endParaRPr>
+          </a:p>
+        </p:txBody>
+      </p:sp>
     </p:spTree>
     <p:extLst>
       <p:ext uri="{BB962C8B-B14F-4D97-AF65-F5344CB8AC3E}">
-        <p14:creationId xmlns:p14="http://schemas.microsoft.com/office/powerpoint/2010/main" val="2566132796"/>
+        <p14:creationId xmlns:p14="http://schemas.microsoft.com/office/powerpoint/2010/main" val="2983613703"/>
       </p:ext>
     </p:extLst>
   </p:cSld>
   <p:clrMapOvr>
     <a:masterClrMapping/>
   </p:clrMapOvr>
+  <p:timing>
+    <p:tnLst>
+      <p:par>
+        <p:cTn id="1" dur="indefinite" restart="never" nodeType="tmRoot">
+          <p:childTnLst>
+            <p:seq concurrent="1" nextAc="seek">
+              <p:cTn id="2" dur="indefinite" nodeType="mainSeq">
+                <p:childTnLst>
+                  <p:par>
+                    <p:cTn id="3" fill="hold">
+                      <p:stCondLst>
+                        <p:cond delay="indefinite"/>
+                      </p:stCondLst>
+                      <p:childTnLst>
+                        <p:par>
+                          <p:cTn id="4" fill="hold">
+                            <p:stCondLst>
+                              <p:cond delay="0"/>
+                            </p:stCondLst>
+                            <p:childTnLst>
+                              <p:par>
+                                <p:cTn id="5" presetID="1" presetClass="entr" presetSubtype="0" fill="hold" grpId="0" nodeType="clickEffect">
+                                  <p:stCondLst>
+                                    <p:cond delay="0"/>
+                                  </p:stCondLst>
+                                  <p:childTnLst>
+                                    <p:set>
+                                      <p:cBhvr>
+                                        <p:cTn id="6" dur="1" fill="hold">
+                                          <p:stCondLst>
+                                            <p:cond delay="0"/>
+                                          </p:stCondLst>
+                                        </p:cTn>
+                                        <p:tgtEl>
+                                          <p:spTgt spid="5"/>
+                                        </p:tgtEl>
+                                        <p:attrNameLst>
+                                          <p:attrName>style.visibility</p:attrName>
+                                        </p:attrNameLst>
+                                      </p:cBhvr>
+                                      <p:to>
+                                        <p:strVal val="visible"/>
+                                      </p:to>
+                                    </p:set>
+                                  </p:childTnLst>
+                                </p:cTn>
+                              </p:par>
+                              <p:par>
+                                <p:cTn id="7" presetID="10" presetClass="entr" presetSubtype="0" fill="hold" grpId="0" nodeType="withEffect">
+                                  <p:stCondLst>
+                                    <p:cond delay="0"/>
+                                  </p:stCondLst>
+                                  <p:childTnLst>
+                                    <p:set>
+                                      <p:cBhvr>
+                                        <p:cTn id="8" dur="1" fill="hold">
+                                          <p:stCondLst>
+                                            <p:cond delay="0"/>
+                                          </p:stCondLst>
+                                        </p:cTn>
+                                        <p:tgtEl>
+                                          <p:spTgt spid="17"/>
+                                        </p:tgtEl>
+                                        <p:attrNameLst>
+                                          <p:attrName>style.visibility</p:attrName>
+                                        </p:attrNameLst>
+                                      </p:cBhvr>
+                                      <p:to>
+                                        <p:strVal val="visible"/>
+                                      </p:to>
+                                    </p:set>
+                                    <p:animEffect transition="in" filter="fade">
+                                      <p:cBhvr>
+                                        <p:cTn id="9" dur="500"/>
+                                        <p:tgtEl>
+                                          <p:spTgt spid="17"/>
+                                        </p:tgtEl>
+                                      </p:cBhvr>
+                                    </p:animEffect>
+                                  </p:childTnLst>
+                                </p:cTn>
+                              </p:par>
+                              <p:par>
+                                <p:cTn id="10" presetID="2" presetClass="entr" presetSubtype="4" fill="hold" grpId="0" nodeType="withEffect">
+                                  <p:stCondLst>
+                                    <p:cond delay="0"/>
+                                  </p:stCondLst>
+                                  <p:childTnLst>
+                                    <p:set>
+                                      <p:cBhvr>
+                                        <p:cTn id="11" dur="1" fill="hold">
+                                          <p:stCondLst>
+                                            <p:cond delay="0"/>
+                                          </p:stCondLst>
+                                        </p:cTn>
+                                        <p:tgtEl>
+                                          <p:spTgt spid="20"/>
+                                        </p:tgtEl>
+                                        <p:attrNameLst>
+                                          <p:attrName>style.visibility</p:attrName>
+                                        </p:attrNameLst>
+                                      </p:cBhvr>
+                                      <p:to>
+                                        <p:strVal val="visible"/>
+                                      </p:to>
+                                    </p:set>
+                                    <p:anim calcmode="lin" valueType="num">
+                                      <p:cBhvr additive="base">
+                                        <p:cTn id="12" dur="500" fill="hold"/>
+                                        <p:tgtEl>
+                                          <p:spTgt spid="20"/>
+                                        </p:tgtEl>
+                                        <p:attrNameLst>
+                                          <p:attrName>ppt_x</p:attrName>
+                                        </p:attrNameLst>
+                                      </p:cBhvr>
+                                      <p:tavLst>
+                                        <p:tav tm="0">
+                                          <p:val>
+                                            <p:strVal val="#ppt_x"/>
+                                          </p:val>
+                                        </p:tav>
+                                        <p:tav tm="100000">
+                                          <p:val>
+                                            <p:strVal val="#ppt_x"/>
+                                          </p:val>
+                                        </p:tav>
+                                      </p:tavLst>
+                                    </p:anim>
+                                    <p:anim calcmode="lin" valueType="num">
+                                      <p:cBhvr additive="base">
+                                        <p:cTn id="13" dur="500" fill="hold"/>
+                                        <p:tgtEl>
+                                          <p:spTgt spid="20"/>
+                                        </p:tgtEl>
+                                        <p:attrNameLst>
+                                          <p:attrName>ppt_y</p:attrName>
+                                        </p:attrNameLst>
+                                      </p:cBhvr>
+                                      <p:tavLst>
+                                        <p:tav tm="0">
+                                          <p:val>
+                                            <p:strVal val="1+#ppt_h/2"/>
+                                          </p:val>
+                                        </p:tav>
+                                        <p:tav tm="100000">
+                                          <p:val>
+                                            <p:strVal val="#ppt_y"/>
+                                          </p:val>
+                                        </p:tav>
+                                      </p:tavLst>
+                                    </p:anim>
+                                  </p:childTnLst>
+                                </p:cTn>
+                              </p:par>
+                              <p:par>
+                                <p:cTn id="14" presetID="31" presetClass="entr" presetSubtype="0" fill="hold" grpId="0" nodeType="withEffect">
+                                  <p:stCondLst>
+                                    <p:cond delay="0"/>
+                                  </p:stCondLst>
+                                  <p:childTnLst>
+                                    <p:set>
+                                      <p:cBhvr>
+                                        <p:cTn id="15" dur="1" fill="hold">
+                                          <p:stCondLst>
+                                            <p:cond delay="0"/>
+                                          </p:stCondLst>
+                                        </p:cTn>
+                                        <p:tgtEl>
+                                          <p:spTgt spid="19"/>
+                                        </p:tgtEl>
+                                        <p:attrNameLst>
+                                          <p:attrName>style.visibility</p:attrName>
+                                        </p:attrNameLst>
+                                      </p:cBhvr>
+                                      <p:to>
+                                        <p:strVal val="visible"/>
+                                      </p:to>
+                                    </p:set>
+                                    <p:anim calcmode="lin" valueType="num">
+                                      <p:cBhvr>
+                                        <p:cTn id="16" dur="1000" fill="hold"/>
+                                        <p:tgtEl>
+                                          <p:spTgt spid="19"/>
+                                        </p:tgtEl>
+                                        <p:attrNameLst>
+                                          <p:attrName>ppt_w</p:attrName>
+                                        </p:attrNameLst>
+                                      </p:cBhvr>
+                                      <p:tavLst>
+                                        <p:tav tm="0">
+                                          <p:val>
+                                            <p:fltVal val="0"/>
+                                          </p:val>
+                                        </p:tav>
+                                        <p:tav tm="100000">
+                                          <p:val>
+                                            <p:strVal val="#ppt_w"/>
+                                          </p:val>
+                                        </p:tav>
+                                      </p:tavLst>
+                                    </p:anim>
+                                    <p:anim calcmode="lin" valueType="num">
+                                      <p:cBhvr>
+                                        <p:cTn id="17" dur="1000" fill="hold"/>
+                                        <p:tgtEl>
+                                          <p:spTgt spid="19"/>
+                                        </p:tgtEl>
+                                        <p:attrNameLst>
+                                          <p:attrName>ppt_h</p:attrName>
+                                        </p:attrNameLst>
+                                      </p:cBhvr>
+                                      <p:tavLst>
+                                        <p:tav tm="0">
+                                          <p:val>
+                                            <p:fltVal val="0"/>
+                                          </p:val>
+                                        </p:tav>
+                                        <p:tav tm="100000">
+                                          <p:val>
+                                            <p:strVal val="#ppt_h"/>
+                                          </p:val>
+                                        </p:tav>
+                                      </p:tavLst>
+                                    </p:anim>
+                                    <p:anim calcmode="lin" valueType="num">
+                                      <p:cBhvr>
+                                        <p:cTn id="18" dur="1000" fill="hold"/>
+                                        <p:tgtEl>
+                                          <p:spTgt spid="19"/>
+                                        </p:tgtEl>
+                                        <p:attrNameLst>
+                                          <p:attrName>style.rotation</p:attrName>
+                                        </p:attrNameLst>
+                                      </p:cBhvr>
+                                      <p:tavLst>
+                                        <p:tav tm="0">
+                                          <p:val>
+                                            <p:fltVal val="90"/>
+                                          </p:val>
+                                        </p:tav>
+                                        <p:tav tm="100000">
+                                          <p:val>
+                                            <p:fltVal val="0"/>
+                                          </p:val>
+                                        </p:tav>
+                                      </p:tavLst>
+                                    </p:anim>
+                                    <p:animEffect transition="in" filter="fade">
+                                      <p:cBhvr>
+                                        <p:cTn id="19" dur="1000"/>
+                                        <p:tgtEl>
+                                          <p:spTgt spid="19"/>
+                                        </p:tgtEl>
+                                      </p:cBhvr>
+                                    </p:animEffect>
+                                  </p:childTnLst>
+                                </p:cTn>
+                              </p:par>
+                              <p:par>
+                                <p:cTn id="20" presetID="53" presetClass="entr" presetSubtype="16" fill="hold" grpId="0" nodeType="withEffect">
+                                  <p:stCondLst>
+                                    <p:cond delay="0"/>
+                                  </p:stCondLst>
+                                  <p:childTnLst>
+                                    <p:set>
+                                      <p:cBhvr>
+                                        <p:cTn id="21" dur="1" fill="hold">
+                                          <p:stCondLst>
+                                            <p:cond delay="0"/>
+                                          </p:stCondLst>
+                                        </p:cTn>
+                                        <p:tgtEl>
+                                          <p:spTgt spid="9"/>
+                                        </p:tgtEl>
+                                        <p:attrNameLst>
+                                          <p:attrName>style.visibility</p:attrName>
+                                        </p:attrNameLst>
+                                      </p:cBhvr>
+                                      <p:to>
+                                        <p:strVal val="visible"/>
+                                      </p:to>
+                                    </p:set>
+                                    <p:anim calcmode="lin" valueType="num">
+                                      <p:cBhvr>
+                                        <p:cTn id="22" dur="500" fill="hold"/>
+                                        <p:tgtEl>
+                                          <p:spTgt spid="9"/>
+                                        </p:tgtEl>
+                                        <p:attrNameLst>
+                                          <p:attrName>ppt_w</p:attrName>
+                                        </p:attrNameLst>
+                                      </p:cBhvr>
+                                      <p:tavLst>
+                                        <p:tav tm="0">
+                                          <p:val>
+                                            <p:fltVal val="0"/>
+                                          </p:val>
+                                        </p:tav>
+                                        <p:tav tm="100000">
+                                          <p:val>
+                                            <p:strVal val="#ppt_w"/>
+                                          </p:val>
+                                        </p:tav>
+                                      </p:tavLst>
+                                    </p:anim>
+                                    <p:anim calcmode="lin" valueType="num">
+                                      <p:cBhvr>
+                                        <p:cTn id="23" dur="500" fill="hold"/>
+                                        <p:tgtEl>
+                                          <p:spTgt spid="9"/>
+                                        </p:tgtEl>
+                                        <p:attrNameLst>
+                                          <p:attrName>ppt_h</p:attrName>
+                                        </p:attrNameLst>
+                                      </p:cBhvr>
+                                      <p:tavLst>
+                                        <p:tav tm="0">
+                                          <p:val>
+                                            <p:fltVal val="0"/>
+                                          </p:val>
+                                        </p:tav>
+                                        <p:tav tm="100000">
+                                          <p:val>
+                                            <p:strVal val="#ppt_h"/>
+                                          </p:val>
+                                        </p:tav>
+                                      </p:tavLst>
+                                    </p:anim>
+                                    <p:animEffect transition="in" filter="fade">
+                                      <p:cBhvr>
+                                        <p:cTn id="24" dur="500"/>
+                                        <p:tgtEl>
+                                          <p:spTgt spid="9"/>
+                                        </p:tgtEl>
+                                      </p:cBhvr>
+                                    </p:animEffect>
+                                  </p:childTnLst>
+                                </p:cTn>
+                              </p:par>
+                              <p:par>
+                                <p:cTn id="25" presetID="26" presetClass="path" presetSubtype="0" accel="50000" decel="50000" fill="hold" grpId="0" nodeType="withEffect">
+                                  <p:stCondLst>
+                                    <p:cond delay="0"/>
+                                  </p:stCondLst>
+                                  <p:childTnLst>
+                                    <p:animMotion origin="layout" path="M 0 0 C 0 0.033 0.027 0.06 0.06 0.06 C 0.099 0.06 0.113 0.03 0.119 0.012 L 0.125 -0.012 C 0.131 -0.03 0.146 -0.06 0.19 -0.06 C 0.218 -0.06 0.25 -0.033 0.25 0 C 0.25 0.033 0.218 0.06 0.19 0.06 C 0.146 0.06 0.131 0.03 0.125 0.012 L 0.119 -0.012 C 0.113 -0.03 0.099 -0.06 0.06 -0.06 C 0.027 -0.06 0 -0.033 0 0 Z" pathEditMode="relative" ptsTypes="">
+                                      <p:cBhvr>
+                                        <p:cTn id="26" dur="2000" fill="hold"/>
+                                        <p:tgtEl>
+                                          <p:spTgt spid="8"/>
+                                        </p:tgtEl>
+                                        <p:attrNameLst>
+                                          <p:attrName>ppt_x</p:attrName>
+                                          <p:attrName>ppt_y</p:attrName>
+                                        </p:attrNameLst>
+                                      </p:cBhvr>
+                                    </p:animMotion>
+                                  </p:childTnLst>
+                                </p:cTn>
+                              </p:par>
+                              <p:par>
+                                <p:cTn id="27" presetID="45" presetClass="entr" presetSubtype="0" fill="hold" grpId="0" nodeType="withEffect">
+                                  <p:stCondLst>
+                                    <p:cond delay="0"/>
+                                  </p:stCondLst>
+                                  <p:childTnLst>
+                                    <p:set>
+                                      <p:cBhvr>
+                                        <p:cTn id="28" dur="1" fill="hold">
+                                          <p:stCondLst>
+                                            <p:cond delay="0"/>
+                                          </p:stCondLst>
+                                        </p:cTn>
+                                        <p:tgtEl>
+                                          <p:spTgt spid="25"/>
+                                        </p:tgtEl>
+                                        <p:attrNameLst>
+                                          <p:attrName>style.visibility</p:attrName>
+                                        </p:attrNameLst>
+                                      </p:cBhvr>
+                                      <p:to>
+                                        <p:strVal val="visible"/>
+                                      </p:to>
+                                    </p:set>
+                                    <p:animEffect transition="in" filter="fade">
+                                      <p:cBhvr>
+                                        <p:cTn id="29" dur="2000"/>
+                                        <p:tgtEl>
+                                          <p:spTgt spid="25"/>
+                                        </p:tgtEl>
+                                      </p:cBhvr>
+                                    </p:animEffect>
+                                    <p:anim calcmode="lin" valueType="num">
+                                      <p:cBhvr>
+                                        <p:cTn id="30" dur="2000" fill="hold"/>
+                                        <p:tgtEl>
+                                          <p:spTgt spid="25"/>
+                                        </p:tgtEl>
+                                        <p:attrNameLst>
+                                          <p:attrName>ppt_w</p:attrName>
+                                        </p:attrNameLst>
+                                      </p:cBhvr>
+                                      <p:tavLst>
+                                        <p:tav tm="0" fmla="#ppt_w*sin(2.5*pi*$)">
+                                          <p:val>
+                                            <p:fltVal val="0"/>
+                                          </p:val>
+                                        </p:tav>
+                                        <p:tav tm="100000">
+                                          <p:val>
+                                            <p:fltVal val="1"/>
+                                          </p:val>
+                                        </p:tav>
+                                      </p:tavLst>
+                                    </p:anim>
+                                    <p:anim calcmode="lin" valueType="num">
+                                      <p:cBhvr>
+                                        <p:cTn id="31" dur="2000" fill="hold"/>
+                                        <p:tgtEl>
+                                          <p:spTgt spid="25"/>
+                                        </p:tgtEl>
+                                        <p:attrNameLst>
+                                          <p:attrName>ppt_h</p:attrName>
+                                        </p:attrNameLst>
+                                      </p:cBhvr>
+                                      <p:tavLst>
+                                        <p:tav tm="0">
+                                          <p:val>
+                                            <p:strVal val="#ppt_h"/>
+                                          </p:val>
+                                        </p:tav>
+                                        <p:tav tm="100000">
+                                          <p:val>
+                                            <p:strVal val="#ppt_h"/>
+                                          </p:val>
+                                        </p:tav>
+                                      </p:tavLst>
+                                    </p:anim>
+                                  </p:childTnLst>
+                                </p:cTn>
+                              </p:par>
+                              <p:par>
+                                <p:cTn id="32" presetID="8" presetClass="emph" presetSubtype="0" fill="hold" grpId="0" nodeType="withEffect">
+                                  <p:stCondLst>
+                                    <p:cond delay="0"/>
+                                  </p:stCondLst>
+                                  <p:childTnLst>
+                                    <p:animRot by="21600000">
+                                      <p:cBhvr>
+                                        <p:cTn id="33" dur="2000" fill="hold"/>
+                                        <p:tgtEl>
+                                          <p:spTgt spid="24"/>
+                                        </p:tgtEl>
+                                        <p:attrNameLst>
+                                          <p:attrName>r</p:attrName>
+                                        </p:attrNameLst>
+                                      </p:cBhvr>
+                                    </p:animRot>
+                                  </p:childTnLst>
+                                </p:cTn>
+                              </p:par>
+                              <p:par>
+                                <p:cTn id="34" presetID="1" presetClass="path" presetSubtype="0" accel="50000" decel="50000" fill="hold" grpId="0" nodeType="withEffect">
+                                  <p:stCondLst>
+                                    <p:cond delay="0"/>
+                                  </p:stCondLst>
+                                  <p:childTnLst>
+                                    <p:animMotion origin="layout" path="M 0 0 C 0.069 0 0.125 0.056 0.125 0.125 C 0.125 0.194 0.069 0.25 0 0.25 C -0.069 0.25 -0.125 0.194 -0.125 0.125 C -0.125 0.056 -0.069 0 0 0 Z" pathEditMode="relative" ptsTypes="">
+                                      <p:cBhvr>
+                                        <p:cTn id="35" dur="2000" fill="hold"/>
+                                        <p:tgtEl>
+                                          <p:spTgt spid="23"/>
+                                        </p:tgtEl>
+                                        <p:attrNameLst>
+                                          <p:attrName>ppt_x</p:attrName>
+                                          <p:attrName>ppt_y</p:attrName>
+                                        </p:attrNameLst>
+                                      </p:cBhvr>
+                                    </p:animMotion>
+                                  </p:childTnLst>
+                                </p:cTn>
+                              </p:par>
+                              <p:par>
+                                <p:cTn id="36" presetID="42" presetClass="entr" presetSubtype="0" fill="hold" grpId="0" nodeType="withEffect">
+                                  <p:stCondLst>
+                                    <p:cond delay="0"/>
+                                  </p:stCondLst>
+                                  <p:childTnLst>
+                                    <p:set>
+                                      <p:cBhvr>
+                                        <p:cTn id="37" dur="1" fill="hold">
+                                          <p:stCondLst>
+                                            <p:cond delay="0"/>
+                                          </p:stCondLst>
+                                        </p:cTn>
+                                        <p:tgtEl>
+                                          <p:spTgt spid="13"/>
+                                        </p:tgtEl>
+                                        <p:attrNameLst>
+                                          <p:attrName>style.visibility</p:attrName>
+                                        </p:attrNameLst>
+                                      </p:cBhvr>
+                                      <p:to>
+                                        <p:strVal val="visible"/>
+                                      </p:to>
+                                    </p:set>
+                                    <p:animEffect transition="in" filter="fade">
+                                      <p:cBhvr>
+                                        <p:cTn id="38" dur="1000"/>
+                                        <p:tgtEl>
+                                          <p:spTgt spid="13"/>
+                                        </p:tgtEl>
+                                      </p:cBhvr>
+                                    </p:animEffect>
+                                    <p:anim calcmode="lin" valueType="num">
+                                      <p:cBhvr>
+                                        <p:cTn id="39" dur="1000" fill="hold"/>
+                                        <p:tgtEl>
+                                          <p:spTgt spid="13"/>
+                                        </p:tgtEl>
+                                        <p:attrNameLst>
+                                          <p:attrName>ppt_x</p:attrName>
+                                        </p:attrNameLst>
+                                      </p:cBhvr>
+                                      <p:tavLst>
+                                        <p:tav tm="0">
+                                          <p:val>
+                                            <p:strVal val="#ppt_x"/>
+                                          </p:val>
+                                        </p:tav>
+                                        <p:tav tm="100000">
+                                          <p:val>
+                                            <p:strVal val="#ppt_x"/>
+                                          </p:val>
+                                        </p:tav>
+                                      </p:tavLst>
+                                    </p:anim>
+                                    <p:anim calcmode="lin" valueType="num">
+                                      <p:cBhvr>
+                                        <p:cTn id="40" dur="1000" fill="hold"/>
+                                        <p:tgtEl>
+                                          <p:spTgt spid="13"/>
+                                        </p:tgtEl>
+                                        <p:attrNameLst>
+                                          <p:attrName>ppt_y</p:attrName>
+                                        </p:attrNameLst>
+                                      </p:cBhvr>
+                                      <p:tavLst>
+                                        <p:tav tm="0">
+                                          <p:val>
+                                            <p:strVal val="#ppt_y+.1"/>
+                                          </p:val>
+                                        </p:tav>
+                                        <p:tav tm="100000">
+                                          <p:val>
+                                            <p:strVal val="#ppt_y"/>
+                                          </p:val>
+                                        </p:tav>
+                                      </p:tavLst>
+                                    </p:anim>
+                                  </p:childTnLst>
+                                </p:cTn>
+                              </p:par>
+                              <p:par>
+                                <p:cTn id="41" presetID="6" presetClass="entr" presetSubtype="16" fill="hold" grpId="0" nodeType="withEffect">
+                                  <p:stCondLst>
+                                    <p:cond delay="0"/>
+                                  </p:stCondLst>
+                                  <p:childTnLst>
+                                    <p:set>
+                                      <p:cBhvr>
+                                        <p:cTn id="42" dur="1" fill="hold">
+                                          <p:stCondLst>
+                                            <p:cond delay="0"/>
+                                          </p:stCondLst>
+                                        </p:cTn>
+                                        <p:tgtEl>
+                                          <p:spTgt spid="14"/>
+                                        </p:tgtEl>
+                                        <p:attrNameLst>
+                                          <p:attrName>style.visibility</p:attrName>
+                                        </p:attrNameLst>
+                                      </p:cBhvr>
+                                      <p:to>
+                                        <p:strVal val="visible"/>
+                                      </p:to>
+                                    </p:set>
+                                    <p:animEffect transition="in" filter="circle(in)">
+                                      <p:cBhvr>
+                                        <p:cTn id="43" dur="2000"/>
+                                        <p:tgtEl>
+                                          <p:spTgt spid="14"/>
+                                        </p:tgtEl>
+                                      </p:cBhvr>
+                                    </p:animEffect>
+                                  </p:childTnLst>
+                                </p:cTn>
+                              </p:par>
+                              <p:par>
+                                <p:cTn id="44" presetID="31" presetClass="entr" presetSubtype="0" fill="hold" grpId="0" nodeType="withEffect">
+                                  <p:stCondLst>
+                                    <p:cond delay="0"/>
+                                  </p:stCondLst>
+                                  <p:childTnLst>
+                                    <p:set>
+                                      <p:cBhvr>
+                                        <p:cTn id="45" dur="1" fill="hold">
+                                          <p:stCondLst>
+                                            <p:cond delay="0"/>
+                                          </p:stCondLst>
+                                        </p:cTn>
+                                        <p:tgtEl>
+                                          <p:spTgt spid="22"/>
+                                        </p:tgtEl>
+                                        <p:attrNameLst>
+                                          <p:attrName>style.visibility</p:attrName>
+                                        </p:attrNameLst>
+                                      </p:cBhvr>
+                                      <p:to>
+                                        <p:strVal val="visible"/>
+                                      </p:to>
+                                    </p:set>
+                                    <p:anim calcmode="lin" valueType="num">
+                                      <p:cBhvr>
+                                        <p:cTn id="46" dur="1000" fill="hold"/>
+                                        <p:tgtEl>
+                                          <p:spTgt spid="22"/>
+                                        </p:tgtEl>
+                                        <p:attrNameLst>
+                                          <p:attrName>ppt_w</p:attrName>
+                                        </p:attrNameLst>
+                                      </p:cBhvr>
+                                      <p:tavLst>
+                                        <p:tav tm="0">
+                                          <p:val>
+                                            <p:fltVal val="0"/>
+                                          </p:val>
+                                        </p:tav>
+                                        <p:tav tm="100000">
+                                          <p:val>
+                                            <p:strVal val="#ppt_w"/>
+                                          </p:val>
+                                        </p:tav>
+                                      </p:tavLst>
+                                    </p:anim>
+                                    <p:anim calcmode="lin" valueType="num">
+                                      <p:cBhvr>
+                                        <p:cTn id="47" dur="1000" fill="hold"/>
+                                        <p:tgtEl>
+                                          <p:spTgt spid="22"/>
+                                        </p:tgtEl>
+                                        <p:attrNameLst>
+                                          <p:attrName>ppt_h</p:attrName>
+                                        </p:attrNameLst>
+                                      </p:cBhvr>
+                                      <p:tavLst>
+                                        <p:tav tm="0">
+                                          <p:val>
+                                            <p:fltVal val="0"/>
+                                          </p:val>
+                                        </p:tav>
+                                        <p:tav tm="100000">
+                                          <p:val>
+                                            <p:strVal val="#ppt_h"/>
+                                          </p:val>
+                                        </p:tav>
+                                      </p:tavLst>
+                                    </p:anim>
+                                    <p:anim calcmode="lin" valueType="num">
+                                      <p:cBhvr>
+                                        <p:cTn id="48" dur="1000" fill="hold"/>
+                                        <p:tgtEl>
+                                          <p:spTgt spid="22"/>
+                                        </p:tgtEl>
+                                        <p:attrNameLst>
+                                          <p:attrName>style.rotation</p:attrName>
+                                        </p:attrNameLst>
+                                      </p:cBhvr>
+                                      <p:tavLst>
+                                        <p:tav tm="0">
+                                          <p:val>
+                                            <p:fltVal val="90"/>
+                                          </p:val>
+                                        </p:tav>
+                                        <p:tav tm="100000">
+                                          <p:val>
+                                            <p:fltVal val="0"/>
+                                          </p:val>
+                                        </p:tav>
+                                      </p:tavLst>
+                                    </p:anim>
+                                    <p:animEffect transition="in" filter="fade">
+                                      <p:cBhvr>
+                                        <p:cTn id="49" dur="1000"/>
+                                        <p:tgtEl>
+                                          <p:spTgt spid="22"/>
+                                        </p:tgtEl>
+                                      </p:cBhvr>
+                                    </p:animEffect>
+                                  </p:childTnLst>
+                                </p:cTn>
+                              </p:par>
+                              <p:par>
+                                <p:cTn id="50" presetID="16" presetClass="entr" presetSubtype="21" fill="hold" grpId="0" nodeType="withEffect">
+                                  <p:stCondLst>
+                                    <p:cond delay="0"/>
+                                  </p:stCondLst>
+                                  <p:childTnLst>
+                                    <p:set>
+                                      <p:cBhvr>
+                                        <p:cTn id="51" dur="1" fill="hold">
+                                          <p:stCondLst>
+                                            <p:cond delay="0"/>
+                                          </p:stCondLst>
+                                        </p:cTn>
+                                        <p:tgtEl>
+                                          <p:spTgt spid="6"/>
+                                        </p:tgtEl>
+                                        <p:attrNameLst>
+                                          <p:attrName>style.visibility</p:attrName>
+                                        </p:attrNameLst>
+                                      </p:cBhvr>
+                                      <p:to>
+                                        <p:strVal val="visible"/>
+                                      </p:to>
+                                    </p:set>
+                                    <p:animEffect transition="in" filter="barn(inVertical)">
+                                      <p:cBhvr>
+                                        <p:cTn id="52" dur="500"/>
+                                        <p:tgtEl>
+                                          <p:spTgt spid="6"/>
+                                        </p:tgtEl>
+                                      </p:cBhvr>
+                                    </p:animEffect>
+                                  </p:childTnLst>
+                                </p:cTn>
+                              </p:par>
+                              <p:par>
+                                <p:cTn id="53" presetID="2" presetClass="entr" presetSubtype="4" fill="hold" grpId="0" nodeType="withEffect">
+                                  <p:stCondLst>
+                                    <p:cond delay="0"/>
+                                  </p:stCondLst>
+                                  <p:childTnLst>
+                                    <p:set>
+                                      <p:cBhvr>
+                                        <p:cTn id="54" dur="1" fill="hold">
+                                          <p:stCondLst>
+                                            <p:cond delay="0"/>
+                                          </p:stCondLst>
+                                        </p:cTn>
+                                        <p:tgtEl>
+                                          <p:spTgt spid="21"/>
+                                        </p:tgtEl>
+                                        <p:attrNameLst>
+                                          <p:attrName>style.visibility</p:attrName>
+                                        </p:attrNameLst>
+                                      </p:cBhvr>
+                                      <p:to>
+                                        <p:strVal val="visible"/>
+                                      </p:to>
+                                    </p:set>
+                                    <p:anim calcmode="lin" valueType="num">
+                                      <p:cBhvr additive="base">
+                                        <p:cTn id="55" dur="500" fill="hold"/>
+                                        <p:tgtEl>
+                                          <p:spTgt spid="21"/>
+                                        </p:tgtEl>
+                                        <p:attrNameLst>
+                                          <p:attrName>ppt_x</p:attrName>
+                                        </p:attrNameLst>
+                                      </p:cBhvr>
+                                      <p:tavLst>
+                                        <p:tav tm="0">
+                                          <p:val>
+                                            <p:strVal val="#ppt_x"/>
+                                          </p:val>
+                                        </p:tav>
+                                        <p:tav tm="100000">
+                                          <p:val>
+                                            <p:strVal val="#ppt_x"/>
+                                          </p:val>
+                                        </p:tav>
+                                      </p:tavLst>
+                                    </p:anim>
+                                    <p:anim calcmode="lin" valueType="num">
+                                      <p:cBhvr additive="base">
+                                        <p:cTn id="56" dur="500" fill="hold"/>
+                                        <p:tgtEl>
+                                          <p:spTgt spid="21"/>
+                                        </p:tgtEl>
+                                        <p:attrNameLst>
+                                          <p:attrName>ppt_y</p:attrName>
+                                        </p:attrNameLst>
+                                      </p:cBhvr>
+                                      <p:tavLst>
+                                        <p:tav tm="0">
+                                          <p:val>
+                                            <p:strVal val="1+#ppt_h/2"/>
+                                          </p:val>
+                                        </p:tav>
+                                        <p:tav tm="100000">
+                                          <p:val>
+                                            <p:strVal val="#ppt_y"/>
+                                          </p:val>
+                                        </p:tav>
+                                      </p:tavLst>
+                                    </p:anim>
+                                  </p:childTnLst>
+                                </p:cTn>
+                              </p:par>
+                              <p:par>
+                                <p:cTn id="57" presetID="53" presetClass="entr" presetSubtype="16" fill="hold" grpId="0" nodeType="withEffect">
+                                  <p:stCondLst>
+                                    <p:cond delay="0"/>
+                                  </p:stCondLst>
+                                  <p:childTnLst>
+                                    <p:set>
+                                      <p:cBhvr>
+                                        <p:cTn id="58" dur="1" fill="hold">
+                                          <p:stCondLst>
+                                            <p:cond delay="0"/>
+                                          </p:stCondLst>
+                                        </p:cTn>
+                                        <p:tgtEl>
+                                          <p:spTgt spid="11"/>
+                                        </p:tgtEl>
+                                        <p:attrNameLst>
+                                          <p:attrName>style.visibility</p:attrName>
+                                        </p:attrNameLst>
+                                      </p:cBhvr>
+                                      <p:to>
+                                        <p:strVal val="visible"/>
+                                      </p:to>
+                                    </p:set>
+                                    <p:anim calcmode="lin" valueType="num">
+                                      <p:cBhvr>
+                                        <p:cTn id="59" dur="500" fill="hold"/>
+                                        <p:tgtEl>
+                                          <p:spTgt spid="11"/>
+                                        </p:tgtEl>
+                                        <p:attrNameLst>
+                                          <p:attrName>ppt_w</p:attrName>
+                                        </p:attrNameLst>
+                                      </p:cBhvr>
+                                      <p:tavLst>
+                                        <p:tav tm="0">
+                                          <p:val>
+                                            <p:fltVal val="0"/>
+                                          </p:val>
+                                        </p:tav>
+                                        <p:tav tm="100000">
+                                          <p:val>
+                                            <p:strVal val="#ppt_w"/>
+                                          </p:val>
+                                        </p:tav>
+                                      </p:tavLst>
+                                    </p:anim>
+                                    <p:anim calcmode="lin" valueType="num">
+                                      <p:cBhvr>
+                                        <p:cTn id="60" dur="500" fill="hold"/>
+                                        <p:tgtEl>
+                                          <p:spTgt spid="11"/>
+                                        </p:tgtEl>
+                                        <p:attrNameLst>
+                                          <p:attrName>ppt_h</p:attrName>
+                                        </p:attrNameLst>
+                                      </p:cBhvr>
+                                      <p:tavLst>
+                                        <p:tav tm="0">
+                                          <p:val>
+                                            <p:fltVal val="0"/>
+                                          </p:val>
+                                        </p:tav>
+                                        <p:tav tm="100000">
+                                          <p:val>
+                                            <p:strVal val="#ppt_h"/>
+                                          </p:val>
+                                        </p:tav>
+                                      </p:tavLst>
+                                    </p:anim>
+                                    <p:animEffect transition="in" filter="fade">
+                                      <p:cBhvr>
+                                        <p:cTn id="61" dur="500"/>
+                                        <p:tgtEl>
+                                          <p:spTgt spid="11"/>
+                                        </p:tgtEl>
+                                      </p:cBhvr>
+                                    </p:animEffect>
+                                  </p:childTnLst>
+                                </p:cTn>
+                              </p:par>
+                              <p:par>
+                                <p:cTn id="62" presetID="42" presetClass="entr" presetSubtype="0" fill="hold" grpId="0" nodeType="withEffect">
+                                  <p:stCondLst>
+                                    <p:cond delay="0"/>
+                                  </p:stCondLst>
+                                  <p:childTnLst>
+                                    <p:set>
+                                      <p:cBhvr>
+                                        <p:cTn id="63" dur="1" fill="hold">
+                                          <p:stCondLst>
+                                            <p:cond delay="0"/>
+                                          </p:stCondLst>
+                                        </p:cTn>
+                                        <p:tgtEl>
+                                          <p:spTgt spid="12"/>
+                                        </p:tgtEl>
+                                        <p:attrNameLst>
+                                          <p:attrName>style.visibility</p:attrName>
+                                        </p:attrNameLst>
+                                      </p:cBhvr>
+                                      <p:to>
+                                        <p:strVal val="visible"/>
+                                      </p:to>
+                                    </p:set>
+                                    <p:animEffect transition="in" filter="fade">
+                                      <p:cBhvr>
+                                        <p:cTn id="64" dur="1000"/>
+                                        <p:tgtEl>
+                                          <p:spTgt spid="12"/>
+                                        </p:tgtEl>
+                                      </p:cBhvr>
+                                    </p:animEffect>
+                                    <p:anim calcmode="lin" valueType="num">
+                                      <p:cBhvr>
+                                        <p:cTn id="65" dur="1000" fill="hold"/>
+                                        <p:tgtEl>
+                                          <p:spTgt spid="12"/>
+                                        </p:tgtEl>
+                                        <p:attrNameLst>
+                                          <p:attrName>ppt_x</p:attrName>
+                                        </p:attrNameLst>
+                                      </p:cBhvr>
+                                      <p:tavLst>
+                                        <p:tav tm="0">
+                                          <p:val>
+                                            <p:strVal val="#ppt_x"/>
+                                          </p:val>
+                                        </p:tav>
+                                        <p:tav tm="100000">
+                                          <p:val>
+                                            <p:strVal val="#ppt_x"/>
+                                          </p:val>
+                                        </p:tav>
+                                      </p:tavLst>
+                                    </p:anim>
+                                    <p:anim calcmode="lin" valueType="num">
+                                      <p:cBhvr>
+                                        <p:cTn id="66" dur="1000" fill="hold"/>
+                                        <p:tgtEl>
+                                          <p:spTgt spid="12"/>
+                                        </p:tgtEl>
+                                        <p:attrNameLst>
+                                          <p:attrName>ppt_y</p:attrName>
+                                        </p:attrNameLst>
+                                      </p:cBhvr>
+                                      <p:tavLst>
+                                        <p:tav tm="0">
+                                          <p:val>
+                                            <p:strVal val="#ppt_y+.1"/>
+                                          </p:val>
+                                        </p:tav>
+                                        <p:tav tm="100000">
+                                          <p:val>
+                                            <p:strVal val="#ppt_y"/>
+                                          </p:val>
+                                        </p:tav>
+                                      </p:tavLst>
+                                    </p:anim>
+                                  </p:childTnLst>
+                                </p:cTn>
+                              </p:par>
+                              <p:par>
+                                <p:cTn id="67" presetID="14" presetClass="exit" presetSubtype="10" fill="hold" grpId="0" nodeType="withEffect">
+                                  <p:stCondLst>
+                                    <p:cond delay="0"/>
+                                  </p:stCondLst>
+                                  <p:childTnLst>
+                                    <p:animEffect transition="out" filter="randombar(horizontal)">
+                                      <p:cBhvr>
+                                        <p:cTn id="68" dur="500"/>
+                                        <p:tgtEl>
+                                          <p:spTgt spid="18"/>
+                                        </p:tgtEl>
+                                      </p:cBhvr>
+                                    </p:animEffect>
+                                    <p:set>
+                                      <p:cBhvr>
+                                        <p:cTn id="69" dur="1" fill="hold">
+                                          <p:stCondLst>
+                                            <p:cond delay="499"/>
+                                          </p:stCondLst>
+                                        </p:cTn>
+                                        <p:tgtEl>
+                                          <p:spTgt spid="18"/>
+                                        </p:tgtEl>
+                                        <p:attrNameLst>
+                                          <p:attrName>style.visibility</p:attrName>
+                                        </p:attrNameLst>
+                                      </p:cBhvr>
+                                      <p:to>
+                                        <p:strVal val="hidden"/>
+                                      </p:to>
+                                    </p:set>
+                                  </p:childTnLst>
+                                </p:cTn>
+                              </p:par>
+                              <p:par>
+                                <p:cTn id="70" presetID="6" presetClass="entr" presetSubtype="16" fill="hold" grpId="0" nodeType="withEffect">
+                                  <p:stCondLst>
+                                    <p:cond delay="0"/>
+                                  </p:stCondLst>
+                                  <p:childTnLst>
+                                    <p:set>
+                                      <p:cBhvr>
+                                        <p:cTn id="71" dur="1" fill="hold">
+                                          <p:stCondLst>
+                                            <p:cond delay="0"/>
+                                          </p:stCondLst>
+                                        </p:cTn>
+                                        <p:tgtEl>
+                                          <p:spTgt spid="10"/>
+                                        </p:tgtEl>
+                                        <p:attrNameLst>
+                                          <p:attrName>style.visibility</p:attrName>
+                                        </p:attrNameLst>
+                                      </p:cBhvr>
+                                      <p:to>
+                                        <p:strVal val="visible"/>
+                                      </p:to>
+                                    </p:set>
+                                    <p:animEffect transition="in" filter="circle(in)">
+                                      <p:cBhvr>
+                                        <p:cTn id="72" dur="2000"/>
+                                        <p:tgtEl>
+                                          <p:spTgt spid="10"/>
+                                        </p:tgtEl>
+                                      </p:cBhvr>
+                                    </p:animEffect>
+                                  </p:childTnLst>
+                                </p:cTn>
+                              </p:par>
+                              <p:par>
+                                <p:cTn id="73" presetID="26" presetClass="entr" presetSubtype="0" fill="hold" grpId="0" nodeType="withEffect">
+                                  <p:stCondLst>
+                                    <p:cond delay="0"/>
+                                  </p:stCondLst>
+                                  <p:childTnLst>
+                                    <p:set>
+                                      <p:cBhvr>
+                                        <p:cTn id="74" dur="1" fill="hold">
+                                          <p:stCondLst>
+                                            <p:cond delay="0"/>
+                                          </p:stCondLst>
+                                        </p:cTn>
+                                        <p:tgtEl>
+                                          <p:spTgt spid="4"/>
+                                        </p:tgtEl>
+                                        <p:attrNameLst>
+                                          <p:attrName>style.visibility</p:attrName>
+                                        </p:attrNameLst>
+                                      </p:cBhvr>
+                                      <p:to>
+                                        <p:strVal val="visible"/>
+                                      </p:to>
+                                    </p:set>
+                                    <p:animEffect transition="in" filter="wipe(down)">
+                                      <p:cBhvr>
+                                        <p:cTn id="75" dur="580">
+                                          <p:stCondLst>
+                                            <p:cond delay="0"/>
+                                          </p:stCondLst>
+                                        </p:cTn>
+                                        <p:tgtEl>
+                                          <p:spTgt spid="4"/>
+                                        </p:tgtEl>
+                                      </p:cBhvr>
+                                    </p:animEffect>
+                                    <p:anim calcmode="lin" valueType="num">
+                                      <p:cBhvr>
+                                        <p:cTn id="76" dur="1822" tmFilter="0,0; 0.14,0.36; 0.43,0.73; 0.71,0.91; 1.0,1.0">
+                                          <p:stCondLst>
+                                            <p:cond delay="0"/>
+                                          </p:stCondLst>
+                                        </p:cTn>
+                                        <p:tgtEl>
+                                          <p:spTgt spid="4"/>
+                                        </p:tgtEl>
+                                        <p:attrNameLst>
+                                          <p:attrName>ppt_x</p:attrName>
+                                        </p:attrNameLst>
+                                      </p:cBhvr>
+                                      <p:tavLst>
+                                        <p:tav tm="0">
+                                          <p:val>
+                                            <p:strVal val="#ppt_x-0.25"/>
+                                          </p:val>
+                                        </p:tav>
+                                        <p:tav tm="100000">
+                                          <p:val>
+                                            <p:strVal val="#ppt_x"/>
+                                          </p:val>
+                                        </p:tav>
+                                      </p:tavLst>
+                                    </p:anim>
+                                    <p:anim calcmode="lin" valueType="num">
+                                      <p:cBhvr>
+                                        <p:cTn id="77" dur="664" tmFilter="0.0,0.0; 0.25,0.07; 0.50,0.2; 0.75,0.467; 1.0,1.0">
+                                          <p:stCondLst>
+                                            <p:cond delay="0"/>
+                                          </p:stCondLst>
+                                        </p:cTn>
+                                        <p:tgtEl>
+                                          <p:spTgt spid="4"/>
+                                        </p:tgtEl>
+                                        <p:attrNameLst>
+                                          <p:attrName>ppt_y</p:attrName>
+                                        </p:attrNameLst>
+                                      </p:cBhvr>
+                                      <p:tavLst>
+                                        <p:tav tm="0" fmla="#ppt_y-sin(pi*$)/3">
+                                          <p:val>
+                                            <p:fltVal val="0.5"/>
+                                          </p:val>
+                                        </p:tav>
+                                        <p:tav tm="100000">
+                                          <p:val>
+                                            <p:fltVal val="1"/>
+                                          </p:val>
+                                        </p:tav>
+                                      </p:tavLst>
+                                    </p:anim>
+                                    <p:anim calcmode="lin" valueType="num">
+                                      <p:cBhvr>
+                                        <p:cTn id="78" dur="664" tmFilter="0, 0; 0.125,0.2665; 0.25,0.4; 0.375,0.465; 0.5,0.5;  0.625,0.535; 0.75,0.6; 0.875,0.7335; 1,1">
+                                          <p:stCondLst>
+                                            <p:cond delay="664"/>
+                                          </p:stCondLst>
+                                        </p:cTn>
+                                        <p:tgtEl>
+                                          <p:spTgt spid="4"/>
+                                        </p:tgtEl>
+                                        <p:attrNameLst>
+                                          <p:attrName>ppt_y</p:attrName>
+                                        </p:attrNameLst>
+                                      </p:cBhvr>
+                                      <p:tavLst>
+                                        <p:tav tm="0" fmla="#ppt_y-sin(pi*$)/9">
+                                          <p:val>
+                                            <p:fltVal val="0"/>
+                                          </p:val>
+                                        </p:tav>
+                                        <p:tav tm="100000">
+                                          <p:val>
+                                            <p:fltVal val="1"/>
+                                          </p:val>
+                                        </p:tav>
+                                      </p:tavLst>
+                                    </p:anim>
+                                    <p:anim calcmode="lin" valueType="num">
+                                      <p:cBhvr>
+                                        <p:cTn id="79" dur="332" tmFilter="0, 0; 0.125,0.2665; 0.25,0.4; 0.375,0.465; 0.5,0.5;  0.625,0.535; 0.75,0.6; 0.875,0.7335; 1,1">
+                                          <p:stCondLst>
+                                            <p:cond delay="1324"/>
+                                          </p:stCondLst>
+                                        </p:cTn>
+                                        <p:tgtEl>
+                                          <p:spTgt spid="4"/>
+                                        </p:tgtEl>
+                                        <p:attrNameLst>
+                                          <p:attrName>ppt_y</p:attrName>
+                                        </p:attrNameLst>
+                                      </p:cBhvr>
+                                      <p:tavLst>
+                                        <p:tav tm="0" fmla="#ppt_y-sin(pi*$)/27">
+                                          <p:val>
+                                            <p:fltVal val="0"/>
+                                          </p:val>
+                                        </p:tav>
+                                        <p:tav tm="100000">
+                                          <p:val>
+                                            <p:fltVal val="1"/>
+                                          </p:val>
+                                        </p:tav>
+                                      </p:tavLst>
+                                    </p:anim>
+                                    <p:anim calcmode="lin" valueType="num">
+                                      <p:cBhvr>
+                                        <p:cTn id="80" dur="164" tmFilter="0, 0; 0.125,0.2665; 0.25,0.4; 0.375,0.465; 0.5,0.5;  0.625,0.535; 0.75,0.6; 0.875,0.7335; 1,1">
+                                          <p:stCondLst>
+                                            <p:cond delay="1656"/>
+                                          </p:stCondLst>
+                                        </p:cTn>
+                                        <p:tgtEl>
+                                          <p:spTgt spid="4"/>
+                                        </p:tgtEl>
+                                        <p:attrNameLst>
+                                          <p:attrName>ppt_y</p:attrName>
+                                        </p:attrNameLst>
+                                      </p:cBhvr>
+                                      <p:tavLst>
+                                        <p:tav tm="0" fmla="#ppt_y-sin(pi*$)/81">
+                                          <p:val>
+                                            <p:fltVal val="0"/>
+                                          </p:val>
+                                        </p:tav>
+                                        <p:tav tm="100000">
+                                          <p:val>
+                                            <p:fltVal val="1"/>
+                                          </p:val>
+                                        </p:tav>
+                                      </p:tavLst>
+                                    </p:anim>
+                                    <p:animScale>
+                                      <p:cBhvr>
+                                        <p:cTn id="81" dur="26">
+                                          <p:stCondLst>
+                                            <p:cond delay="650"/>
+                                          </p:stCondLst>
+                                        </p:cTn>
+                                        <p:tgtEl>
+                                          <p:spTgt spid="4"/>
+                                        </p:tgtEl>
+                                      </p:cBhvr>
+                                      <p:to x="100000" y="60000"/>
+                                    </p:animScale>
+                                    <p:animScale>
+                                      <p:cBhvr>
+                                        <p:cTn id="82" dur="166" decel="50000">
+                                          <p:stCondLst>
+                                            <p:cond delay="676"/>
+                                          </p:stCondLst>
+                                        </p:cTn>
+                                        <p:tgtEl>
+                                          <p:spTgt spid="4"/>
+                                        </p:tgtEl>
+                                      </p:cBhvr>
+                                      <p:to x="100000" y="100000"/>
+                                    </p:animScale>
+                                    <p:animScale>
+                                      <p:cBhvr>
+                                        <p:cTn id="83" dur="26">
+                                          <p:stCondLst>
+                                            <p:cond delay="1312"/>
+                                          </p:stCondLst>
+                                        </p:cTn>
+                                        <p:tgtEl>
+                                          <p:spTgt spid="4"/>
+                                        </p:tgtEl>
+                                      </p:cBhvr>
+                                      <p:to x="100000" y="80000"/>
+                                    </p:animScale>
+                                    <p:animScale>
+                                      <p:cBhvr>
+                                        <p:cTn id="84" dur="166" decel="50000">
+                                          <p:stCondLst>
+                                            <p:cond delay="1338"/>
+                                          </p:stCondLst>
+                                        </p:cTn>
+                                        <p:tgtEl>
+                                          <p:spTgt spid="4"/>
+                                        </p:tgtEl>
+                                      </p:cBhvr>
+                                      <p:to x="100000" y="100000"/>
+                                    </p:animScale>
+                                    <p:animScale>
+                                      <p:cBhvr>
+                                        <p:cTn id="85" dur="26">
+                                          <p:stCondLst>
+                                            <p:cond delay="1642"/>
+                                          </p:stCondLst>
+                                        </p:cTn>
+                                        <p:tgtEl>
+                                          <p:spTgt spid="4"/>
+                                        </p:tgtEl>
+                                      </p:cBhvr>
+                                      <p:to x="100000" y="90000"/>
+                                    </p:animScale>
+                                    <p:animScale>
+                                      <p:cBhvr>
+                                        <p:cTn id="86" dur="166" decel="50000">
+                                          <p:stCondLst>
+                                            <p:cond delay="1668"/>
+                                          </p:stCondLst>
+                                        </p:cTn>
+                                        <p:tgtEl>
+                                          <p:spTgt spid="4"/>
+                                        </p:tgtEl>
+                                      </p:cBhvr>
+                                      <p:to x="100000" y="100000"/>
+                                    </p:animScale>
+                                    <p:animScale>
+                                      <p:cBhvr>
+                                        <p:cTn id="87" dur="26">
+                                          <p:stCondLst>
+                                            <p:cond delay="1808"/>
+                                          </p:stCondLst>
+                                        </p:cTn>
+                                        <p:tgtEl>
+                                          <p:spTgt spid="4"/>
+                                        </p:tgtEl>
+                                      </p:cBhvr>
+                                      <p:to x="100000" y="95000"/>
+                                    </p:animScale>
+                                    <p:animScale>
+                                      <p:cBhvr>
+                                        <p:cTn id="88" dur="166" decel="50000">
+                                          <p:stCondLst>
+                                            <p:cond delay="1834"/>
+                                          </p:stCondLst>
+                                        </p:cTn>
+                                        <p:tgtEl>
+                                          <p:spTgt spid="4"/>
+                                        </p:tgtEl>
+                                      </p:cBhvr>
+                                      <p:to x="100000" y="100000"/>
+                                    </p:animScale>
+                                  </p:childTnLst>
+                                </p:cTn>
+                              </p:par>
+                            </p:childTnLst>
+                          </p:cTn>
+                        </p:par>
+                      </p:childTnLst>
+                    </p:cTn>
+                  </p:par>
+                </p:childTnLst>
+              </p:cTn>
+              <p:prevCondLst>
+                <p:cond evt="onPrev" delay="0">
+                  <p:tgtEl>
+                    <p:sldTgt/>
+                  </p:tgtEl>
+                </p:cond>
+              </p:prevCondLst>
+              <p:nextCondLst>
+                <p:cond evt="onNext" delay="0">
+                  <p:tgtEl>
+                    <p:sldTgt/>
+                  </p:tgtEl>
+                </p:cond>
+              </p:nextCondLst>
+            </p:seq>
+          </p:childTnLst>
+        </p:cTn>
+      </p:par>
+    </p:tnLst>
+    <p:bldLst>
+      <p:bldP spid="4" grpId="0"/>
+      <p:bldP spid="5" grpId="0"/>
+      <p:bldP spid="6" grpId="0"/>
+      <p:bldP spid="8" grpId="0"/>
+      <p:bldP spid="9" grpId="0"/>
+      <p:bldP spid="10" grpId="0"/>
+      <p:bldP spid="11" grpId="0"/>
+      <p:bldP spid="12" grpId="0"/>
+      <p:bldP spid="13" grpId="0"/>
+      <p:bldP spid="14" grpId="0"/>
+      <p:bldP spid="17" grpId="0"/>
+      <p:bldP spid="18" grpId="0"/>
+      <p:bldP spid="19" grpId="0"/>
+      <p:bldP spid="20" grpId="0"/>
+      <p:bldP spid="21" grpId="0"/>
+      <p:bldP spid="22" grpId="0"/>
+      <p:bldP spid="23" grpId="0"/>
+      <p:bldP spid="24" grpId="0"/>
+      <p:bldP spid="25" grpId="0"/>
+    </p:bldLst>
+  </p:timing>
 </p:sld>
 </file>
 
@@ -19756,7 +22492,7 @@
           <a:p>
             <a:r>
               <a:rPr lang="nl-BE" dirty="0"/>
-              <a:t>Pattern Catalog</a:t>
+              <a:t>Pattern Pitfalls</a:t>
             </a:r>
           </a:p>
         </p:txBody>
@@ -19771,15 +22507,10 @@
             <p:ph idx="1"/>
           </p:nvPr>
         </p:nvSpPr>
-        <p:spPr>
-          <a:xfrm>
-            <a:off x="457200" y="1524000"/>
-            <a:ext cx="3733800" cy="5105400"/>
-          </a:xfrm>
-        </p:spPr>
+        <p:spPr/>
         <p:txBody>
           <a:bodyPr>
-            <a:normAutofit lnSpcReduction="10000"/>
+            <a:normAutofit/>
           </a:bodyPr>
           <a:lstStyle/>
           <a:p>
@@ -19787,589 +22518,76 @@
               <a:buNone/>
             </a:pPr>
             <a:r>
+              <a:rPr lang="nl-BE" sz="2800" i="1" dirty="0"/>
+              <a:t>“When all you have is a hammer, everything looks like a nail.” - </a:t>
+            </a:r>
+            <a:r>
+              <a:rPr lang="nl-BE" sz="2800" dirty="0"/>
+              <a:t>Maslow's hammer</a:t>
+            </a:r>
+            <a:endParaRPr lang="nl-BE" sz="2800" i="1" dirty="0"/>
+          </a:p>
+          <a:p>
+            <a:pPr marL="0" indent="0">
+              <a:buNone/>
+            </a:pPr>
+            <a:endParaRPr lang="nl-BE" dirty="0"/>
+          </a:p>
+          <a:p>
+            <a:pPr marL="0" indent="0">
+              <a:buNone/>
+            </a:pPr>
+            <a:r>
               <a:rPr lang="nl-BE" dirty="0"/>
-              <a:t>A</a:t>
-            </a:r>
-            <a:r>
-              <a:rPr lang="nl-BE" sz="2800" dirty="0"/>
-              <a:t>bstract Factory</a:t>
+              <a:t>Molding the problem to fit a pattern.</a:t>
             </a:r>
           </a:p>
           <a:p>
             <a:pPr marL="0" indent="0">
               <a:buNone/>
             </a:pPr>
-            <a:r>
-              <a:rPr lang="nl-BE" sz="2800" dirty="0">
-                <a:latin typeface="+mj-lt"/>
-                <a:ea typeface="+mj-ea"/>
-              </a:rPr>
-              <a:t>Adapter</a:t>
-            </a:r>
+            <a:endParaRPr lang="nl-BE" dirty="0"/>
           </a:p>
           <a:p>
             <a:pPr marL="0" indent="0">
               <a:buNone/>
             </a:pPr>
             <a:r>
-              <a:rPr lang="nl-BE" sz="2800" dirty="0">
-                <a:latin typeface="+mj-lt"/>
-                <a:ea typeface="+mj-ea"/>
-              </a:rPr>
-              <a:t>Composite</a:t>
-            </a:r>
-          </a:p>
-          <a:p>
-            <a:pPr marL="0" indent="0">
-              <a:buNone/>
-            </a:pPr>
-            <a:r>
-              <a:rPr lang="nl-BE" sz="2800" dirty="0">
-                <a:latin typeface="+mj-lt"/>
-                <a:ea typeface="+mj-ea"/>
-              </a:rPr>
-              <a:t>Decorator</a:t>
-            </a:r>
-          </a:p>
-          <a:p>
-            <a:pPr marL="0" indent="0">
-              <a:buNone/>
-            </a:pPr>
-            <a:r>
-              <a:rPr lang="nl-BE" sz="2800" dirty="0">
-                <a:latin typeface="+mj-lt"/>
-                <a:ea typeface="+mj-ea"/>
-              </a:rPr>
-              <a:t>Prototype</a:t>
-            </a:r>
-          </a:p>
-          <a:p>
-            <a:pPr marL="0" indent="0">
-              <a:buNone/>
-            </a:pPr>
-            <a:r>
-              <a:rPr lang="nl-BE" sz="2800" dirty="0">
-                <a:latin typeface="+mj-lt"/>
-                <a:ea typeface="+mj-ea"/>
-              </a:rPr>
-              <a:t>Facade</a:t>
-            </a:r>
-          </a:p>
-          <a:p>
-            <a:pPr marL="0" indent="0">
-              <a:buNone/>
-            </a:pPr>
-            <a:r>
-              <a:rPr lang="nl-BE" sz="2800" dirty="0">
-                <a:latin typeface="+mj-lt"/>
-                <a:ea typeface="+mj-ea"/>
-              </a:rPr>
-              <a:t>Proxy</a:t>
-            </a:r>
-          </a:p>
-          <a:p>
-            <a:pPr marL="0" indent="0">
-              <a:buNone/>
-            </a:pPr>
-            <a:r>
-              <a:rPr lang="nl-BE" sz="2800" dirty="0">
-                <a:latin typeface="+mj-lt"/>
-                <a:ea typeface="+mj-ea"/>
-              </a:rPr>
-              <a:t>Iterator</a:t>
-            </a:r>
-          </a:p>
-          <a:p>
-            <a:pPr marL="0" indent="0">
-              <a:buNone/>
-            </a:pPr>
-            <a:r>
-              <a:rPr lang="nl-BE" sz="2800" dirty="0">
-                <a:latin typeface="+mj-lt"/>
-                <a:ea typeface="+mj-ea"/>
-              </a:rPr>
-              <a:t>Memento</a:t>
-            </a:r>
-          </a:p>
-        </p:txBody>
-      </p:sp>
-      <p:sp>
-        <p:nvSpPr>
-          <p:cNvPr id="4" name="Content Placeholder 2"/>
-          <p:cNvSpPr txBox="1">
-            <a:spLocks/>
-          </p:cNvSpPr>
-          <p:nvPr/>
-        </p:nvSpPr>
-        <p:spPr>
-          <a:xfrm>
-            <a:off x="4204855" y="1524000"/>
-            <a:ext cx="4114800" cy="5105400"/>
-          </a:xfrm>
-          <a:prstGeom prst="rect">
-            <a:avLst/>
-          </a:prstGeom>
-        </p:spPr>
-        <p:txBody>
-          <a:bodyPr vert="horz" lIns="91440" tIns="45720" rIns="91440" bIns="45720" rtlCol="0">
-            <a:normAutofit/>
-          </a:bodyPr>
-          <a:lstStyle>
-            <a:lvl1pPr marL="342900" indent="-342900" algn="l" defTabSz="914400" rtl="0" eaLnBrk="1" latinLnBrk="0" hangingPunct="1">
-              <a:spcBef>
-                <a:spcPct val="20000"/>
-              </a:spcBef>
-              <a:buFont typeface="Arial" pitchFamily="34" charset="0"/>
-              <a:buChar char="•"/>
-              <a:defRPr sz="3200" kern="1200">
-                <a:solidFill>
-                  <a:schemeClr val="tx1"/>
-                </a:solidFill>
-                <a:latin typeface="+mn-lt"/>
-                <a:ea typeface="+mn-ea"/>
-                <a:cs typeface="+mn-cs"/>
-              </a:defRPr>
-            </a:lvl1pPr>
-            <a:lvl2pPr marL="742950" indent="-285750" algn="l" defTabSz="914400" rtl="0" eaLnBrk="1" latinLnBrk="0" hangingPunct="1">
-              <a:spcBef>
-                <a:spcPct val="20000"/>
-              </a:spcBef>
-              <a:buFont typeface="Arial" pitchFamily="34" charset="0"/>
-              <a:buChar char="–"/>
-              <a:defRPr sz="2800" kern="1200">
-                <a:solidFill>
-                  <a:schemeClr val="tx1"/>
-                </a:solidFill>
-                <a:latin typeface="+mn-lt"/>
-                <a:ea typeface="+mn-ea"/>
-                <a:cs typeface="+mn-cs"/>
-              </a:defRPr>
-            </a:lvl2pPr>
-            <a:lvl3pPr marL="1143000" indent="-228600" algn="l" defTabSz="914400" rtl="0" eaLnBrk="1" latinLnBrk="0" hangingPunct="1">
-              <a:spcBef>
-                <a:spcPct val="20000"/>
-              </a:spcBef>
-              <a:buFont typeface="Arial" pitchFamily="34" charset="0"/>
-              <a:buChar char="•"/>
-              <a:defRPr sz="2400" kern="1200">
-                <a:solidFill>
-                  <a:schemeClr val="tx1"/>
-                </a:solidFill>
-                <a:latin typeface="+mn-lt"/>
-                <a:ea typeface="+mn-ea"/>
-                <a:cs typeface="+mn-cs"/>
-              </a:defRPr>
-            </a:lvl3pPr>
-            <a:lvl4pPr marL="1600200" indent="-228600" algn="l" defTabSz="914400" rtl="0" eaLnBrk="1" latinLnBrk="0" hangingPunct="1">
-              <a:spcBef>
-                <a:spcPct val="20000"/>
-              </a:spcBef>
-              <a:buFont typeface="Arial" pitchFamily="34" charset="0"/>
-              <a:buChar char="–"/>
-              <a:defRPr sz="2000" kern="1200">
-                <a:solidFill>
-                  <a:schemeClr val="tx1"/>
-                </a:solidFill>
-                <a:latin typeface="+mn-lt"/>
-                <a:ea typeface="+mn-ea"/>
-                <a:cs typeface="+mn-cs"/>
-              </a:defRPr>
-            </a:lvl4pPr>
-            <a:lvl5pPr marL="2057400" indent="-228600" algn="l" defTabSz="914400" rtl="0" eaLnBrk="1" latinLnBrk="0" hangingPunct="1">
-              <a:spcBef>
-                <a:spcPct val="20000"/>
-              </a:spcBef>
-              <a:buFont typeface="Arial" pitchFamily="34" charset="0"/>
-              <a:buChar char="»"/>
-              <a:defRPr sz="2000" kern="1200">
-                <a:solidFill>
-                  <a:schemeClr val="tx1"/>
-                </a:solidFill>
-                <a:latin typeface="+mn-lt"/>
-                <a:ea typeface="+mn-ea"/>
-                <a:cs typeface="+mn-cs"/>
-              </a:defRPr>
-            </a:lvl5pPr>
-            <a:lvl6pPr marL="2514600" indent="-228600" algn="l" defTabSz="914400" rtl="0" eaLnBrk="1" latinLnBrk="0" hangingPunct="1">
-              <a:spcBef>
-                <a:spcPct val="20000"/>
-              </a:spcBef>
-              <a:buFont typeface="Arial" pitchFamily="34" charset="0"/>
-              <a:buChar char="•"/>
-              <a:defRPr sz="2000" kern="1200">
-                <a:solidFill>
-                  <a:schemeClr val="tx1"/>
-                </a:solidFill>
-                <a:latin typeface="+mn-lt"/>
-                <a:ea typeface="+mn-ea"/>
-                <a:cs typeface="+mn-cs"/>
-              </a:defRPr>
-            </a:lvl6pPr>
-            <a:lvl7pPr marL="2971800" indent="-228600" algn="l" defTabSz="914400" rtl="0" eaLnBrk="1" latinLnBrk="0" hangingPunct="1">
-              <a:spcBef>
-                <a:spcPct val="20000"/>
-              </a:spcBef>
-              <a:buFont typeface="Arial" pitchFamily="34" charset="0"/>
-              <a:buChar char="•"/>
-              <a:defRPr sz="2000" kern="1200">
-                <a:solidFill>
-                  <a:schemeClr val="tx1"/>
-                </a:solidFill>
-                <a:latin typeface="+mn-lt"/>
-                <a:ea typeface="+mn-ea"/>
-                <a:cs typeface="+mn-cs"/>
-              </a:defRPr>
-            </a:lvl7pPr>
-            <a:lvl8pPr marL="3429000" indent="-228600" algn="l" defTabSz="914400" rtl="0" eaLnBrk="1" latinLnBrk="0" hangingPunct="1">
-              <a:spcBef>
-                <a:spcPct val="20000"/>
-              </a:spcBef>
-              <a:buFont typeface="Arial" pitchFamily="34" charset="0"/>
-              <a:buChar char="•"/>
-              <a:defRPr sz="2000" kern="1200">
-                <a:solidFill>
-                  <a:schemeClr val="tx1"/>
-                </a:solidFill>
-                <a:latin typeface="+mn-lt"/>
-                <a:ea typeface="+mn-ea"/>
-                <a:cs typeface="+mn-cs"/>
-              </a:defRPr>
-            </a:lvl8pPr>
-            <a:lvl9pPr marL="3886200" indent="-228600" algn="l" defTabSz="914400" rtl="0" eaLnBrk="1" latinLnBrk="0" hangingPunct="1">
-              <a:spcBef>
-                <a:spcPct val="20000"/>
-              </a:spcBef>
-              <a:buFont typeface="Arial" pitchFamily="34" charset="0"/>
-              <a:buChar char="•"/>
-              <a:defRPr sz="2000" kern="1200">
-                <a:solidFill>
-                  <a:schemeClr val="tx1"/>
-                </a:solidFill>
-                <a:latin typeface="+mn-lt"/>
-                <a:ea typeface="+mn-ea"/>
-                <a:cs typeface="+mn-cs"/>
-              </a:defRPr>
-            </a:lvl9pPr>
-          </a:lstStyle>
-          <a:p>
-            <a:pPr marL="0" indent="0">
-              <a:buFont typeface="Arial" pitchFamily="34" charset="0"/>
-              <a:buNone/>
-            </a:pPr>
-            <a:r>
-              <a:rPr lang="nl-BE" sz="2800" dirty="0">
-                <a:ln>
-                  <a:solidFill>
-                    <a:schemeClr val="bg1">
-                      <a:lumMod val="75000"/>
-                      <a:lumOff val="25000"/>
-                      <a:alpha val="10000"/>
-                    </a:schemeClr>
-                  </a:solidFill>
-                </a:ln>
-                <a:solidFill>
-                  <a:schemeClr val="tx2"/>
-                </a:solidFill>
-                <a:effectLst>
-                  <a:outerShdw blurRad="9525" dist="25400" dir="14640000" algn="tl" rotWithShape="0">
-                    <a:schemeClr val="bg1">
-                      <a:alpha val="30000"/>
-                    </a:schemeClr>
-                  </a:outerShdw>
-                </a:effectLst>
-                <a:latin typeface="+mj-lt"/>
-                <a:ea typeface="+mj-ea"/>
-              </a:rPr>
-              <a:t>Factory Method</a:t>
-            </a:r>
-          </a:p>
-          <a:p>
-            <a:pPr marL="0" indent="0">
-              <a:buFont typeface="Arial" pitchFamily="34" charset="0"/>
-              <a:buNone/>
-            </a:pPr>
-            <a:r>
-              <a:rPr lang="nl-BE" sz="2800" dirty="0">
-                <a:ln>
-                  <a:solidFill>
-                    <a:schemeClr val="bg1">
-                      <a:lumMod val="75000"/>
-                      <a:lumOff val="25000"/>
-                      <a:alpha val="10000"/>
-                    </a:schemeClr>
-                  </a:solidFill>
-                </a:ln>
-                <a:solidFill>
-                  <a:schemeClr val="tx2"/>
-                </a:solidFill>
-                <a:effectLst>
-                  <a:outerShdw blurRad="9525" dist="25400" dir="14640000" algn="tl" rotWithShape="0">
-                    <a:schemeClr val="bg1">
-                      <a:alpha val="30000"/>
-                    </a:schemeClr>
-                  </a:outerShdw>
-                </a:effectLst>
-                <a:latin typeface="+mj-lt"/>
-                <a:ea typeface="+mj-ea"/>
-              </a:rPr>
-              <a:t>Observer</a:t>
-            </a:r>
-          </a:p>
-          <a:p>
-            <a:pPr marL="0" indent="0">
-              <a:buFont typeface="Arial" pitchFamily="34" charset="0"/>
-              <a:buNone/>
-            </a:pPr>
-            <a:r>
-              <a:rPr lang="nl-BE" sz="2800" dirty="0">
-                <a:ln>
-                  <a:solidFill>
-                    <a:schemeClr val="bg1">
-                      <a:lumMod val="75000"/>
-                      <a:lumOff val="25000"/>
-                      <a:alpha val="10000"/>
-                    </a:schemeClr>
-                  </a:solidFill>
-                </a:ln>
-                <a:solidFill>
-                  <a:schemeClr val="tx2"/>
-                </a:solidFill>
-                <a:effectLst>
-                  <a:outerShdw blurRad="9525" dist="25400" dir="14640000" algn="tl" rotWithShape="0">
-                    <a:schemeClr val="bg1">
-                      <a:alpha val="30000"/>
-                    </a:schemeClr>
-                  </a:outerShdw>
-                </a:effectLst>
-                <a:latin typeface="+mj-lt"/>
-                <a:ea typeface="+mj-ea"/>
-              </a:rPr>
-              <a:t>Strategy</a:t>
-            </a:r>
-          </a:p>
-          <a:p>
-            <a:pPr marL="0" indent="0">
-              <a:buFont typeface="Arial" pitchFamily="34" charset="0"/>
-              <a:buNone/>
-            </a:pPr>
-            <a:r>
-              <a:rPr lang="nl-BE" sz="2800" dirty="0">
-                <a:ln>
-                  <a:solidFill>
-                    <a:schemeClr val="bg1">
-                      <a:lumMod val="75000"/>
-                      <a:lumOff val="25000"/>
-                      <a:alpha val="10000"/>
-                    </a:schemeClr>
-                  </a:solidFill>
-                </a:ln>
-                <a:solidFill>
-                  <a:schemeClr val="tx2"/>
-                </a:solidFill>
-                <a:effectLst>
-                  <a:outerShdw blurRad="9525" dist="25400" dir="14640000" algn="tl" rotWithShape="0">
-                    <a:schemeClr val="bg1">
-                      <a:alpha val="30000"/>
-                    </a:schemeClr>
-                  </a:outerShdw>
-                </a:effectLst>
-                <a:latin typeface="+mj-lt"/>
-                <a:ea typeface="+mj-ea"/>
-              </a:rPr>
-              <a:t>Template Method</a:t>
-            </a:r>
-          </a:p>
-          <a:p>
-            <a:pPr marL="0" indent="0">
-              <a:buFont typeface="Arial" pitchFamily="34" charset="0"/>
-              <a:buNone/>
-            </a:pPr>
-            <a:r>
-              <a:rPr lang="nl-BE" sz="2800" dirty="0">
-                <a:ln>
-                  <a:solidFill>
-                    <a:schemeClr val="bg1">
-                      <a:lumMod val="75000"/>
-                      <a:lumOff val="25000"/>
-                      <a:alpha val="10000"/>
-                    </a:schemeClr>
-                  </a:solidFill>
-                </a:ln>
-                <a:solidFill>
-                  <a:schemeClr val="tx2"/>
-                </a:solidFill>
-                <a:effectLst>
-                  <a:outerShdw blurRad="9525" dist="25400" dir="14640000" algn="tl" rotWithShape="0">
-                    <a:schemeClr val="bg1">
-                      <a:alpha val="30000"/>
-                    </a:schemeClr>
-                  </a:outerShdw>
-                </a:effectLst>
-                <a:latin typeface="+mj-lt"/>
-                <a:ea typeface="+mj-ea"/>
-              </a:rPr>
-              <a:t>Singleton</a:t>
-            </a:r>
-          </a:p>
-          <a:p>
-            <a:pPr marL="0" indent="0">
-              <a:buFont typeface="Arial" pitchFamily="34" charset="0"/>
-              <a:buNone/>
-            </a:pPr>
-            <a:r>
-              <a:rPr lang="nl-BE" sz="2800" dirty="0">
-                <a:ln>
-                  <a:solidFill>
-                    <a:schemeClr val="bg1">
-                      <a:lumMod val="75000"/>
-                      <a:lumOff val="25000"/>
-                      <a:alpha val="10000"/>
-                    </a:schemeClr>
-                  </a:solidFill>
-                </a:ln>
-                <a:solidFill>
-                  <a:schemeClr val="tx2"/>
-                </a:solidFill>
-                <a:effectLst>
-                  <a:outerShdw blurRad="9525" dist="25400" dir="14640000" algn="tl" rotWithShape="0">
-                    <a:schemeClr val="bg1">
-                      <a:alpha val="30000"/>
-                    </a:schemeClr>
-                  </a:outerShdw>
-                </a:effectLst>
-                <a:latin typeface="+mj-lt"/>
-                <a:ea typeface="+mj-ea"/>
-              </a:rPr>
-              <a:t>Command</a:t>
-            </a:r>
-          </a:p>
-          <a:p>
-            <a:pPr marL="0" indent="0">
-              <a:buFont typeface="Arial" pitchFamily="34" charset="0"/>
-              <a:buNone/>
-            </a:pPr>
-            <a:r>
-              <a:rPr lang="nl-BE" sz="2800" dirty="0">
-                <a:ln>
-                  <a:solidFill>
-                    <a:schemeClr val="bg1">
-                      <a:lumMod val="75000"/>
-                      <a:lumOff val="25000"/>
-                      <a:alpha val="10000"/>
-                    </a:schemeClr>
-                  </a:solidFill>
-                </a:ln>
-                <a:solidFill>
-                  <a:schemeClr val="tx2"/>
-                </a:solidFill>
-                <a:effectLst>
-                  <a:outerShdw blurRad="9525" dist="25400" dir="14640000" algn="tl" rotWithShape="0">
-                    <a:schemeClr val="bg1">
-                      <a:alpha val="30000"/>
-                    </a:schemeClr>
-                  </a:outerShdw>
-                </a:effectLst>
-                <a:latin typeface="+mj-lt"/>
-                <a:ea typeface="+mj-ea"/>
-              </a:rPr>
-              <a:t>State</a:t>
-            </a:r>
-          </a:p>
-          <a:p>
-            <a:pPr marL="0" indent="0">
-              <a:buFont typeface="Arial" pitchFamily="34" charset="0"/>
-              <a:buNone/>
-            </a:pPr>
-            <a:r>
-              <a:rPr lang="nl-BE" sz="2800" dirty="0">
-                <a:ln>
-                  <a:solidFill>
-                    <a:schemeClr val="bg1">
-                      <a:lumMod val="75000"/>
-                      <a:lumOff val="25000"/>
-                      <a:alpha val="10000"/>
-                    </a:schemeClr>
-                  </a:solidFill>
-                </a:ln>
-                <a:solidFill>
-                  <a:schemeClr val="tx2"/>
-                </a:solidFill>
-                <a:effectLst>
-                  <a:outerShdw blurRad="9525" dist="25400" dir="14640000" algn="tl" rotWithShape="0">
-                    <a:schemeClr val="bg1">
-                      <a:alpha val="30000"/>
-                    </a:schemeClr>
-                  </a:outerShdw>
-                </a:effectLst>
-                <a:latin typeface="+mj-lt"/>
-                <a:ea typeface="+mj-ea"/>
-              </a:rPr>
-              <a:t>Visitor</a:t>
-            </a:r>
-          </a:p>
-          <a:p>
-            <a:pPr marL="0" indent="0">
-              <a:buFont typeface="Arial" pitchFamily="34" charset="0"/>
-              <a:buNone/>
-            </a:pPr>
-            <a:r>
-              <a:rPr lang="nl-BE" sz="2800" dirty="0">
-                <a:ln>
-                  <a:solidFill>
-                    <a:schemeClr val="bg1">
-                      <a:lumMod val="75000"/>
-                      <a:lumOff val="25000"/>
-                      <a:alpha val="10000"/>
-                    </a:schemeClr>
-                  </a:solidFill>
-                </a:ln>
-                <a:solidFill>
-                  <a:schemeClr val="tx2"/>
-                </a:solidFill>
-                <a:effectLst>
-                  <a:outerShdw blurRad="9525" dist="25400" dir="14640000" algn="tl" rotWithShape="0">
-                    <a:schemeClr val="bg1">
-                      <a:alpha val="30000"/>
-                    </a:schemeClr>
-                  </a:outerShdw>
-                </a:effectLst>
-                <a:latin typeface="+mj-lt"/>
-                <a:ea typeface="+mj-ea"/>
-              </a:rPr>
-              <a:t>Bridge</a:t>
-            </a:r>
-            <a:endParaRPr lang="nl-BE" sz="4000" dirty="0">
-              <a:ln>
-                <a:solidFill>
-                  <a:schemeClr val="bg1">
-                    <a:lumMod val="75000"/>
-                    <a:lumOff val="25000"/>
-                    <a:alpha val="10000"/>
-                  </a:schemeClr>
-                </a:solidFill>
-              </a:ln>
-              <a:solidFill>
-                <a:schemeClr val="tx2"/>
-              </a:solidFill>
-              <a:effectLst>
-                <a:outerShdw blurRad="9525" dist="25400" dir="14640000" algn="tl" rotWithShape="0">
-                  <a:schemeClr val="bg1">
-                    <a:alpha val="30000"/>
-                  </a:schemeClr>
-                </a:outerShdw>
-              </a:effectLst>
-              <a:latin typeface="+mj-lt"/>
-              <a:ea typeface="+mj-ea"/>
-            </a:endParaRPr>
+              <a:rPr lang="nl-BE" dirty="0"/>
+              <a:t>“</a:t>
+            </a:r>
+            <a:r>
+              <a:rPr lang="en-US" dirty="0"/>
+              <a:t>When one is designing the successor to a relatively small, elegant, and successful system, there is a tendency to become grandiose in one's success and design an </a:t>
+            </a:r>
+            <a:r>
+              <a:rPr lang="en-US" i="1" dirty="0"/>
+              <a:t>elephantine</a:t>
+            </a:r>
+            <a:r>
+              <a:rPr lang="en-US" dirty="0"/>
+              <a:t> feature-laden monstrosity.</a:t>
+            </a:r>
+            <a:r>
+              <a:rPr lang="nl-BE" dirty="0"/>
+              <a:t>” </a:t>
+            </a:r>
+            <a:br>
+              <a:rPr lang="nl-BE" dirty="0"/>
+            </a:br>
+            <a:r>
+              <a:rPr lang="nl-BE" dirty="0"/>
+              <a:t>– Fred Brooks (The Second System Effect)</a:t>
+            </a:r>
           </a:p>
         </p:txBody>
       </p:sp>
       <p:pic>
         <p:nvPicPr>
-          <p:cNvPr id="7" name="Picture 6">
+          <p:cNvPr id="4" name="Picture 3">
             <a:extLst>
               <a:ext uri="{FF2B5EF4-FFF2-40B4-BE49-F238E27FC236}">
-                <a16:creationId xmlns:a16="http://schemas.microsoft.com/office/drawing/2014/main" id="{FB1C21EF-522D-410A-A128-91689890D963}"/>
+                <a16:creationId xmlns:a16="http://schemas.microsoft.com/office/drawing/2014/main" id="{BE235E9E-8CE0-45E5-A7A1-EAB2A04A5A80}"/>
               </a:ext>
             </a:extLst>
           </p:cNvPr>
@@ -20403,7 +22621,7 @@
     </p:spTree>
     <p:extLst>
       <p:ext uri="{BB962C8B-B14F-4D97-AF65-F5344CB8AC3E}">
-        <p14:creationId xmlns:p14="http://schemas.microsoft.com/office/powerpoint/2010/main" val="2983613703"/>
+        <p14:creationId xmlns:p14="http://schemas.microsoft.com/office/powerpoint/2010/main" val="2566132796"/>
       </p:ext>
     </p:extLst>
   </p:cSld>

--- a/patterns.pptx
+++ b/patterns.pptx
@@ -5,50 +5,56 @@
     <p:sldMasterId id="2147483672" r:id="rId1"/>
   </p:sldMasterIdLst>
   <p:notesMasterIdLst>
-    <p:notesMasterId r:id="rId43"/>
+    <p:notesMasterId r:id="rId49"/>
   </p:notesMasterIdLst>
   <p:sldIdLst>
-    <p:sldId id="256" r:id="rId2"/>
-    <p:sldId id="257" r:id="rId3"/>
-    <p:sldId id="283" r:id="rId4"/>
-    <p:sldId id="277" r:id="rId5"/>
-    <p:sldId id="282" r:id="rId6"/>
-    <p:sldId id="280" r:id="rId7"/>
+    <p:sldId id="308" r:id="rId2"/>
+    <p:sldId id="256" r:id="rId3"/>
+    <p:sldId id="257" r:id="rId4"/>
+    <p:sldId id="283" r:id="rId5"/>
+    <p:sldId id="277" r:id="rId6"/>
+    <p:sldId id="282" r:id="rId7"/>
     <p:sldId id="260" r:id="rId8"/>
-    <p:sldId id="279" r:id="rId9"/>
-    <p:sldId id="265" r:id="rId10"/>
-    <p:sldId id="286" r:id="rId11"/>
-    <p:sldId id="285" r:id="rId12"/>
-    <p:sldId id="301" r:id="rId13"/>
-    <p:sldId id="287" r:id="rId14"/>
-    <p:sldId id="270" r:id="rId15"/>
-    <p:sldId id="300" r:id="rId16"/>
-    <p:sldId id="258" r:id="rId17"/>
-    <p:sldId id="295" r:id="rId18"/>
-    <p:sldId id="271" r:id="rId19"/>
-    <p:sldId id="296" r:id="rId20"/>
-    <p:sldId id="284" r:id="rId21"/>
-    <p:sldId id="297" r:id="rId22"/>
-    <p:sldId id="288" r:id="rId23"/>
-    <p:sldId id="298" r:id="rId24"/>
-    <p:sldId id="289" r:id="rId25"/>
-    <p:sldId id="299" r:id="rId26"/>
-    <p:sldId id="290" r:id="rId27"/>
-    <p:sldId id="291" r:id="rId28"/>
-    <p:sldId id="272" r:id="rId29"/>
-    <p:sldId id="292" r:id="rId30"/>
-    <p:sldId id="269" r:id="rId31"/>
-    <p:sldId id="263" r:id="rId32"/>
-    <p:sldId id="294" r:id="rId33"/>
-    <p:sldId id="278" r:id="rId34"/>
-    <p:sldId id="281" r:id="rId35"/>
-    <p:sldId id="266" r:id="rId36"/>
-    <p:sldId id="293" r:id="rId37"/>
-    <p:sldId id="267" r:id="rId38"/>
-    <p:sldId id="303" r:id="rId39"/>
-    <p:sldId id="304" r:id="rId40"/>
-    <p:sldId id="306" r:id="rId41"/>
-    <p:sldId id="305" r:id="rId42"/>
+    <p:sldId id="280" r:id="rId9"/>
+    <p:sldId id="279" r:id="rId10"/>
+    <p:sldId id="265" r:id="rId11"/>
+    <p:sldId id="312" r:id="rId12"/>
+    <p:sldId id="286" r:id="rId13"/>
+    <p:sldId id="311" r:id="rId14"/>
+    <p:sldId id="278" r:id="rId15"/>
+    <p:sldId id="285" r:id="rId16"/>
+    <p:sldId id="287" r:id="rId17"/>
+    <p:sldId id="270" r:id="rId18"/>
+    <p:sldId id="307" r:id="rId19"/>
+    <p:sldId id="310" r:id="rId20"/>
+    <p:sldId id="309" r:id="rId21"/>
+    <p:sldId id="301" r:id="rId22"/>
+    <p:sldId id="300" r:id="rId23"/>
+    <p:sldId id="258" r:id="rId24"/>
+    <p:sldId id="295" r:id="rId25"/>
+    <p:sldId id="271" r:id="rId26"/>
+    <p:sldId id="296" r:id="rId27"/>
+    <p:sldId id="284" r:id="rId28"/>
+    <p:sldId id="297" r:id="rId29"/>
+    <p:sldId id="288" r:id="rId30"/>
+    <p:sldId id="298" r:id="rId31"/>
+    <p:sldId id="289" r:id="rId32"/>
+    <p:sldId id="299" r:id="rId33"/>
+    <p:sldId id="290" r:id="rId34"/>
+    <p:sldId id="291" r:id="rId35"/>
+    <p:sldId id="272" r:id="rId36"/>
+    <p:sldId id="292" r:id="rId37"/>
+    <p:sldId id="269" r:id="rId38"/>
+    <p:sldId id="263" r:id="rId39"/>
+    <p:sldId id="294" r:id="rId40"/>
+    <p:sldId id="281" r:id="rId41"/>
+    <p:sldId id="266" r:id="rId42"/>
+    <p:sldId id="293" r:id="rId43"/>
+    <p:sldId id="267" r:id="rId44"/>
+    <p:sldId id="303" r:id="rId45"/>
+    <p:sldId id="304" r:id="rId46"/>
+    <p:sldId id="306" r:id="rId47"/>
+    <p:sldId id="305" r:id="rId48"/>
   </p:sldIdLst>
   <p:sldSz cx="9144000" cy="6858000" type="screen4x3"/>
   <p:notesSz cx="6858000" cy="9144000"/>
@@ -152,6 +158,7 @@
       <p14:sectionLst xmlns:p14="http://schemas.microsoft.com/office/powerpoint/2010/main">
         <p14:section name="Default Section" id="{7FEA2F00-5813-493E-9F23-E4682E0B5940}">
           <p14:sldIdLst>
+            <p14:sldId id="308"/>
             <p14:sldId id="256"/>
             <p14:sldId id="257"/>
             <p14:sldId id="283"/>
@@ -161,19 +168,33 @@
           <p14:sldIdLst>
             <p14:sldId id="277"/>
             <p14:sldId id="282"/>
+            <p14:sldId id="260"/>
             <p14:sldId id="280"/>
-            <p14:sldId id="260"/>
             <p14:sldId id="279"/>
             <p14:sldId id="265"/>
+            <p14:sldId id="312"/>
             <p14:sldId id="286"/>
+            <p14:sldId id="311"/>
+            <p14:sldId id="278"/>
           </p14:sldIdLst>
         </p14:section>
-        <p14:section name="Patterns with ex" id="{BFF1B479-2E16-4C59-87EA-20E6C96BE232}">
+        <p14:section name=".NET Examples" id="{4B29D0B0-697A-487D-86B3-9417F172006D}">
           <p14:sldIdLst>
             <p14:sldId id="285"/>
-            <p14:sldId id="301"/>
             <p14:sldId id="287"/>
             <p14:sldId id="270"/>
+          </p14:sldIdLst>
+        </p14:section>
+        <p14:section name="JavaScript exercise" id="{74C643AD-47F3-4616-8BDB-06B0E9B67684}">
+          <p14:sldIdLst>
+            <p14:sldId id="307"/>
+            <p14:sldId id="310"/>
+            <p14:sldId id="309"/>
+          </p14:sldIdLst>
+        </p14:section>
+        <p14:section name="DRY" id="{BFF1B479-2E16-4C59-87EA-20E6C96BE232}">
+          <p14:sldIdLst>
+            <p14:sldId id="301"/>
           </p14:sldIdLst>
         </p14:section>
         <p14:section name="SOLID" id="{142C7582-A132-4302-BBD9-08B948EE975D}">
@@ -200,7 +221,6 @@
             <p14:sldId id="269"/>
             <p14:sldId id="263"/>
             <p14:sldId id="294"/>
-            <p14:sldId id="278"/>
             <p14:sldId id="281"/>
             <p14:sldId id="266"/>
             <p14:sldId id="293"/>
@@ -646,7 +666,7 @@
           <a:p>
             <a:fld id="{8AAD598C-A564-4773-9938-73F095713663}" type="slidenum">
               <a:rPr lang="nl-BE" smtClean="0"/>
-              <a:t>1</a:t>
+              <a:t>2</a:t>
             </a:fld>
             <a:endParaRPr lang="nl-BE"/>
           </a:p>
@@ -709,10 +729,64 @@
           <a:bodyPr/>
           <a:lstStyle/>
           <a:p>
+            <a:pPr marL="0" marR="0" lvl="0" indent="0" algn="l" defTabSz="914400" rtl="0" eaLnBrk="1" fontAlgn="auto" latinLnBrk="0" hangingPunct="1">
+              <a:lnSpc>
+                <a:spcPct val="100000"/>
+              </a:lnSpc>
+              <a:spcBef>
+                <a:spcPts val="0"/>
+              </a:spcBef>
+              <a:spcAft>
+                <a:spcPts val="0"/>
+              </a:spcAft>
+              <a:buClrTx/>
+              <a:buSzTx/>
+              <a:buFontTx/>
+              <a:buChar char="-"/>
+              <a:tabLst/>
+              <a:defRPr/>
+            </a:pPr>
             <a:r>
               <a:rPr lang="nl-BE" dirty="0"/>
-              <a:t>Which patterns have you already implemented in your designs?</a:t>
-            </a:r>
+              <a:t>Molding the problem to fit a pattern.</a:t>
+            </a:r>
+          </a:p>
+          <a:p>
+            <a:pPr>
+              <a:buFontTx/>
+              <a:buChar char="-"/>
+            </a:pPr>
+            <a:endParaRPr lang="nl-BE" dirty="0"/>
+          </a:p>
+          <a:p>
+            <a:pPr>
+              <a:buFontTx/>
+              <a:buChar char="-"/>
+            </a:pPr>
+            <a:endParaRPr lang="nl-BE" dirty="0"/>
+          </a:p>
+          <a:p>
+            <a:pPr>
+              <a:buFontTx/>
+              <a:buChar char="-"/>
+            </a:pPr>
+            <a:r>
+              <a:rPr lang="nl-BE" dirty="0"/>
+              <a:t>Overuse</a:t>
+            </a:r>
+          </a:p>
+          <a:p>
+            <a:pPr>
+              <a:buFontTx/>
+              <a:buChar char="-"/>
+            </a:pPr>
+            <a:r>
+              <a:rPr lang="nl-BE" dirty="0"/>
+              <a:t>Misuse</a:t>
+            </a:r>
+          </a:p>
+          <a:p>
+            <a:endParaRPr lang="nl-BE" dirty="0"/>
           </a:p>
         </p:txBody>
       </p:sp>
@@ -733,7 +807,7 @@
           <a:p>
             <a:fld id="{8AAD598C-A564-4773-9938-73F095713663}" type="slidenum">
               <a:rPr lang="nl-BE" smtClean="0"/>
-              <a:t>10</a:t>
+              <a:t>11</a:t>
             </a:fld>
             <a:endParaRPr lang="nl-BE"/>
           </a:p>
@@ -742,7 +816,7 @@
     </p:spTree>
     <p:extLst>
       <p:ext uri="{BB962C8B-B14F-4D97-AF65-F5344CB8AC3E}">
-        <p14:creationId xmlns:p14="http://schemas.microsoft.com/office/powerpoint/2010/main" val="995890192"/>
+        <p14:creationId xmlns:p14="http://schemas.microsoft.com/office/powerpoint/2010/main" val="1884259276"/>
       </p:ext>
     </p:extLst>
   </p:cSld>
@@ -798,57 +872,8 @@
           <a:p>
             <a:r>
               <a:rPr lang="nl-BE" dirty="0"/>
-              <a:t>Class Behavioral GoF Pattern</a:t>
-            </a:r>
-          </a:p>
-          <a:p>
-            <a:endParaRPr lang="nl-BE" dirty="0"/>
-          </a:p>
-          <a:p>
-            <a:r>
-              <a:rPr lang="nl-BE" dirty="0"/>
-              <a:t>Applicability: Implement the invariant parts</a:t>
-            </a:r>
-            <a:r>
-              <a:rPr lang="nl-BE" baseline="0" dirty="0"/>
-              <a:t> of an algorithm once and leave it up to subclasses to implement the behavior that can vary.</a:t>
-            </a:r>
-            <a:endParaRPr lang="nl-BE" dirty="0"/>
-          </a:p>
-          <a:p>
-            <a:endParaRPr lang="nl-BE" dirty="0"/>
-          </a:p>
-          <a:p>
-            <a:r>
-              <a:rPr lang="nl-BE" dirty="0"/>
-              <a:t>Consequences: The Hollywoord</a:t>
-            </a:r>
-            <a:r>
-              <a:rPr lang="nl-BE" baseline="0" dirty="0"/>
-              <a:t> Principle: “Don’t call us, we’ll call you” </a:t>
-            </a:r>
-            <a:r>
-              <a:rPr lang="nl-BE" baseline="0" dirty="0">
-                <a:sym typeface="Wingdings" pitchFamily="2" charset="2"/>
-              </a:rPr>
-              <a:t> The Parent class calls the methods defines in the subclass and not the other way around.</a:t>
-            </a:r>
-          </a:p>
-          <a:p>
-            <a:endParaRPr lang="nl-BE" baseline="0" dirty="0">
-              <a:sym typeface="Wingdings" pitchFamily="2" charset="2"/>
-            </a:endParaRPr>
-          </a:p>
-          <a:p>
-            <a:r>
-              <a:rPr lang="nl-BE" baseline="0" dirty="0">
-                <a:sym typeface="Wingdings" pitchFamily="2" charset="2"/>
-              </a:rPr>
-              <a:t>.NET Guideline: Add “Core” to the name of the protected virtual method. (Framework Design Guidelines)</a:t>
-            </a:r>
-          </a:p>
-          <a:p>
-            <a:endParaRPr lang="nl-BE" dirty="0"/>
+              <a:t>Which patterns have you already implemented in your designs?</a:t>
+            </a:r>
           </a:p>
         </p:txBody>
       </p:sp>
@@ -869,7 +894,7 @@
           <a:p>
             <a:fld id="{8AAD598C-A564-4773-9938-73F095713663}" type="slidenum">
               <a:rPr lang="nl-BE" smtClean="0"/>
-              <a:t>11</a:t>
+              <a:t>12</a:t>
             </a:fld>
             <a:endParaRPr lang="nl-BE"/>
           </a:p>
@@ -878,7 +903,7 @@
     </p:spTree>
     <p:extLst>
       <p:ext uri="{BB962C8B-B14F-4D97-AF65-F5344CB8AC3E}">
-        <p14:creationId xmlns:p14="http://schemas.microsoft.com/office/powerpoint/2010/main" val="3651330409"/>
+        <p14:creationId xmlns:p14="http://schemas.microsoft.com/office/powerpoint/2010/main" val="995890192"/>
       </p:ext>
     </p:extLst>
   </p:cSld>
@@ -932,28 +957,6 @@
           <a:bodyPr/>
           <a:lstStyle/>
           <a:p>
-            <a:pPr marL="171450" indent="-171450">
-              <a:buFontTx/>
-              <a:buChar char="-"/>
-            </a:pPr>
-            <a:r>
-              <a:rPr lang="nl-BE" dirty="0"/>
-              <a:t>Rule of three (Refactoring – Martin Fowler)</a:t>
-            </a:r>
-          </a:p>
-          <a:p>
-            <a:pPr marL="171450" indent="-171450">
-              <a:buFontTx/>
-              <a:buChar char="-"/>
-            </a:pPr>
-            <a:r>
-              <a:rPr lang="nl-BE" dirty="0"/>
-              <a:t>Single Source of</a:t>
-            </a:r>
-            <a:r>
-              <a:rPr lang="nl-BE" baseline="0" dirty="0"/>
-              <a:t> Truth</a:t>
-            </a:r>
             <a:endParaRPr lang="nl-BE" dirty="0"/>
           </a:p>
         </p:txBody>
@@ -975,7 +978,7 @@
           <a:p>
             <a:fld id="{8AAD598C-A564-4773-9938-73F095713663}" type="slidenum">
               <a:rPr lang="nl-BE" smtClean="0"/>
-              <a:t>12</a:t>
+              <a:t>13</a:t>
             </a:fld>
             <a:endParaRPr lang="nl-BE"/>
           </a:p>
@@ -984,7 +987,7 @@
     </p:spTree>
     <p:extLst>
       <p:ext uri="{BB962C8B-B14F-4D97-AF65-F5344CB8AC3E}">
-        <p14:creationId xmlns:p14="http://schemas.microsoft.com/office/powerpoint/2010/main" val="344695248"/>
+        <p14:creationId xmlns:p14="http://schemas.microsoft.com/office/powerpoint/2010/main" val="3476514057"/>
       </p:ext>
     </p:extLst>
   </p:cSld>
@@ -1038,59 +1041,7 @@
           <a:bodyPr/>
           <a:lstStyle/>
           <a:p>
-            <a:r>
-              <a:rPr lang="nl-BE" dirty="0"/>
-              <a:t>Class Creational GoF</a:t>
-            </a:r>
-            <a:r>
-              <a:rPr lang="nl-BE" baseline="0" dirty="0"/>
-              <a:t> Pattern</a:t>
-            </a:r>
-          </a:p>
-          <a:p>
-            <a:endParaRPr lang="nl-BE" baseline="0" dirty="0"/>
-          </a:p>
-          <a:p>
-            <a:r>
-              <a:rPr lang="nl-BE" baseline="0" dirty="0"/>
-              <a:t>Also known as: Virtual Constructor</a:t>
-            </a:r>
-          </a:p>
-          <a:p>
-            <a:endParaRPr lang="nl-BE" baseline="0" dirty="0"/>
-          </a:p>
-          <a:p>
-            <a:r>
-              <a:rPr lang="nl-BE" baseline="0" dirty="0"/>
-              <a:t>Consequences:</a:t>
-            </a:r>
-          </a:p>
-          <a:p>
-            <a:pPr marL="171450" indent="-171450">
-              <a:buFontTx/>
-              <a:buChar char="-"/>
-            </a:pPr>
-            <a:r>
-              <a:rPr lang="nl-BE" baseline="0" dirty="0"/>
-              <a:t>Provides hooks for subclasses</a:t>
-            </a:r>
-          </a:p>
-          <a:p>
-            <a:pPr marL="171450" indent="-171450">
-              <a:buFontTx/>
-              <a:buChar char="-"/>
-            </a:pPr>
-            <a:r>
-              <a:rPr lang="nl-BE" baseline="0" dirty="0"/>
-              <a:t>Connects parallel class hierarchies</a:t>
-            </a:r>
-          </a:p>
-          <a:p>
-            <a:pPr marL="171450" indent="-171450">
-              <a:buFontTx/>
-              <a:buChar char="-"/>
-            </a:pPr>
-            <a:endParaRPr lang="nl-BE" baseline="0" dirty="0"/>
+            <a:endParaRPr lang="nl-BE" dirty="0"/>
           </a:p>
         </p:txBody>
       </p:sp>
@@ -1111,7 +1062,7 @@
           <a:p>
             <a:fld id="{8AAD598C-A564-4773-9938-73F095713663}" type="slidenum">
               <a:rPr lang="nl-BE" smtClean="0"/>
-              <a:t>13</a:t>
+              <a:t>14</a:t>
             </a:fld>
             <a:endParaRPr lang="nl-BE"/>
           </a:p>
@@ -1120,7 +1071,7 @@
     </p:spTree>
     <p:extLst>
       <p:ext uri="{BB962C8B-B14F-4D97-AF65-F5344CB8AC3E}">
-        <p14:creationId xmlns:p14="http://schemas.microsoft.com/office/powerpoint/2010/main" val="3369678398"/>
+        <p14:creationId xmlns:p14="http://schemas.microsoft.com/office/powerpoint/2010/main" val="2649400970"/>
       </p:ext>
     </p:extLst>
   </p:cSld>
@@ -1176,42 +1127,53 @@
           <a:p>
             <a:r>
               <a:rPr lang="nl-BE" dirty="0"/>
-              <a:t>Object Behavioral</a:t>
+              <a:t>Class Behavioral GoF Pattern</a:t>
+            </a:r>
+          </a:p>
+          <a:p>
+            <a:endParaRPr lang="nl-BE" dirty="0"/>
+          </a:p>
+          <a:p>
+            <a:r>
+              <a:rPr lang="nl-BE" dirty="0"/>
+              <a:t>Applicability: Implement the invariant parts</a:t>
             </a:r>
             <a:r>
               <a:rPr lang="nl-BE" baseline="0" dirty="0"/>
-              <a:t> GoF Pattern</a:t>
-            </a:r>
-          </a:p>
-          <a:p>
-            <a:endParaRPr lang="nl-BE" baseline="0" dirty="0"/>
-          </a:p>
-          <a:p>
+              <a:t> of an algorithm once and leave it up to subclasses to implement the behavior that can vary.</a:t>
+            </a:r>
+            <a:endParaRPr lang="nl-BE" dirty="0"/>
+          </a:p>
+          <a:p>
+            <a:endParaRPr lang="nl-BE" dirty="0"/>
+          </a:p>
+          <a:p>
+            <a:r>
+              <a:rPr lang="nl-BE" dirty="0"/>
+              <a:t>Consequences: The Hollywoord</a:t>
+            </a:r>
             <a:r>
               <a:rPr lang="nl-BE" baseline="0" dirty="0"/>
-              <a:t>Also known as: Policy</a:t>
-            </a:r>
-            <a:endParaRPr lang="nl-BE" dirty="0"/>
-          </a:p>
-          <a:p>
-            <a:endParaRPr lang="nl-BE" dirty="0"/>
-          </a:p>
-          <a:p>
-            <a:r>
-              <a:rPr lang="nl-BE" dirty="0"/>
-              <a:t>Discount example (UML&amp;Patterns)</a:t>
-            </a:r>
-          </a:p>
-          <a:p>
-            <a:r>
-              <a:rPr lang="nl-BE" dirty="0"/>
-              <a:t>Command: Een actie als Strategy. Different intent!</a:t>
-            </a:r>
-          </a:p>
-          <a:p>
-            <a:r>
-              <a:rPr lang="nl-BE" dirty="0"/>
-              <a:t>Composite: Groep stratgies (meerdere commands, ook bij discount)</a:t>
+              <a:t> Principle: “Don’t call us, we’ll call you” </a:t>
+            </a:r>
+            <a:r>
+              <a:rPr lang="nl-BE" baseline="0" dirty="0">
+                <a:sym typeface="Wingdings" pitchFamily="2" charset="2"/>
+              </a:rPr>
+              <a:t> The Parent class calls the methods defined in the subclasses and not the other way around.</a:t>
+            </a:r>
+          </a:p>
+          <a:p>
+            <a:endParaRPr lang="nl-BE" baseline="0" dirty="0">
+              <a:sym typeface="Wingdings" pitchFamily="2" charset="2"/>
+            </a:endParaRPr>
+          </a:p>
+          <a:p>
+            <a:r>
+              <a:rPr lang="nl-BE" baseline="0" dirty="0">
+                <a:sym typeface="Wingdings" pitchFamily="2" charset="2"/>
+              </a:rPr>
+              <a:t>.NET Guideline: Add “Core” to the name of the protected virtual method. (Framework Design Guidelines)</a:t>
             </a:r>
           </a:p>
           <a:p>
@@ -1236,7 +1198,7 @@
           <a:p>
             <a:fld id="{8AAD598C-A564-4773-9938-73F095713663}" type="slidenum">
               <a:rPr lang="nl-BE" smtClean="0"/>
-              <a:t>14</a:t>
+              <a:t>15</a:t>
             </a:fld>
             <a:endParaRPr lang="nl-BE"/>
           </a:p>
@@ -1245,7 +1207,7 @@
     </p:spTree>
     <p:extLst>
       <p:ext uri="{BB962C8B-B14F-4D97-AF65-F5344CB8AC3E}">
-        <p14:creationId xmlns:p14="http://schemas.microsoft.com/office/powerpoint/2010/main" val="2111665257"/>
+        <p14:creationId xmlns:p14="http://schemas.microsoft.com/office/powerpoint/2010/main" val="3651330409"/>
       </p:ext>
     </p:extLst>
   </p:cSld>
@@ -1301,13 +1263,57 @@
           <a:p>
             <a:r>
               <a:rPr lang="nl-BE" dirty="0"/>
-              <a:t>Robert C. Martin (Uncle Bob) – Agile Principles,</a:t>
+              <a:t>Class Creational GoF</a:t>
             </a:r>
             <a:r>
               <a:rPr lang="nl-BE" baseline="0" dirty="0"/>
-              <a:t> Patterns and Practices</a:t>
-            </a:r>
-            <a:endParaRPr lang="nl-BE" dirty="0"/>
+              <a:t> Pattern</a:t>
+            </a:r>
+          </a:p>
+          <a:p>
+            <a:endParaRPr lang="nl-BE" baseline="0" dirty="0"/>
+          </a:p>
+          <a:p>
+            <a:r>
+              <a:rPr lang="nl-BE" baseline="0" dirty="0"/>
+              <a:t>Also known as: Virtual Constructor</a:t>
+            </a:r>
+          </a:p>
+          <a:p>
+            <a:endParaRPr lang="nl-BE" baseline="0" dirty="0"/>
+          </a:p>
+          <a:p>
+            <a:r>
+              <a:rPr lang="nl-BE" baseline="0" dirty="0"/>
+              <a:t>Consequences:</a:t>
+            </a:r>
+          </a:p>
+          <a:p>
+            <a:pPr marL="171450" indent="-171450">
+              <a:buFontTx/>
+              <a:buChar char="-"/>
+            </a:pPr>
+            <a:r>
+              <a:rPr lang="nl-BE" baseline="0" dirty="0"/>
+              <a:t>Provides hooks for subclasses</a:t>
+            </a:r>
+          </a:p>
+          <a:p>
+            <a:pPr marL="171450" indent="-171450">
+              <a:buFontTx/>
+              <a:buChar char="-"/>
+            </a:pPr>
+            <a:r>
+              <a:rPr lang="nl-BE" baseline="0" dirty="0"/>
+              <a:t>Connects parallel class hierarchies</a:t>
+            </a:r>
+          </a:p>
+          <a:p>
+            <a:pPr marL="171450" indent="-171450">
+              <a:buFontTx/>
+              <a:buChar char="-"/>
+            </a:pPr>
+            <a:endParaRPr lang="nl-BE" baseline="0" dirty="0"/>
           </a:p>
         </p:txBody>
       </p:sp>
@@ -1328,7 +1334,7 @@
           <a:p>
             <a:fld id="{8AAD598C-A564-4773-9938-73F095713663}" type="slidenum">
               <a:rPr lang="nl-BE" smtClean="0"/>
-              <a:t>15</a:t>
+              <a:t>16</a:t>
             </a:fld>
             <a:endParaRPr lang="nl-BE"/>
           </a:p>
@@ -1337,7 +1343,7 @@
     </p:spTree>
     <p:extLst>
       <p:ext uri="{BB962C8B-B14F-4D97-AF65-F5344CB8AC3E}">
-        <p14:creationId xmlns:p14="http://schemas.microsoft.com/office/powerpoint/2010/main" val="3951032796"/>
+        <p14:creationId xmlns:p14="http://schemas.microsoft.com/office/powerpoint/2010/main" val="3369678398"/>
       </p:ext>
     </p:extLst>
   </p:cSld>
@@ -1393,12 +1399,45 @@
           <a:p>
             <a:r>
               <a:rPr lang="nl-BE" dirty="0"/>
-              <a:t>Robert C. Martin (Uncle Bob) – Agile Principles,</a:t>
+              <a:t>Object Behavioral</a:t>
             </a:r>
             <a:r>
               <a:rPr lang="nl-BE" baseline="0" dirty="0"/>
-              <a:t> Patterns and Practices</a:t>
-            </a:r>
+              <a:t> GoF Pattern</a:t>
+            </a:r>
+          </a:p>
+          <a:p>
+            <a:endParaRPr lang="nl-BE" baseline="0" dirty="0"/>
+          </a:p>
+          <a:p>
+            <a:r>
+              <a:rPr lang="nl-BE" baseline="0" dirty="0"/>
+              <a:t>Also known as: Policy</a:t>
+            </a:r>
+            <a:endParaRPr lang="nl-BE" dirty="0"/>
+          </a:p>
+          <a:p>
+            <a:endParaRPr lang="nl-BE" dirty="0"/>
+          </a:p>
+          <a:p>
+            <a:r>
+              <a:rPr lang="nl-BE" dirty="0"/>
+              <a:t>Discount example (UML&amp;Patterns)</a:t>
+            </a:r>
+          </a:p>
+          <a:p>
+            <a:r>
+              <a:rPr lang="nl-BE" dirty="0"/>
+              <a:t>Command: Een actie als Strategy. Different intent!</a:t>
+            </a:r>
+          </a:p>
+          <a:p>
+            <a:r>
+              <a:rPr lang="nl-BE" dirty="0"/>
+              <a:t>Composite: Groep strategies (meerdere commands, ook bij discount)</a:t>
+            </a:r>
+          </a:p>
+          <a:p>
             <a:endParaRPr lang="nl-BE" dirty="0"/>
           </a:p>
         </p:txBody>
@@ -1420,7 +1459,7 @@
           <a:p>
             <a:fld id="{8AAD598C-A564-4773-9938-73F095713663}" type="slidenum">
               <a:rPr lang="nl-BE" smtClean="0"/>
-              <a:t>16</a:t>
+              <a:t>17</a:t>
             </a:fld>
             <a:endParaRPr lang="nl-BE"/>
           </a:p>
@@ -1429,7 +1468,7 @@
     </p:spTree>
     <p:extLst>
       <p:ext uri="{BB962C8B-B14F-4D97-AF65-F5344CB8AC3E}">
-        <p14:creationId xmlns:p14="http://schemas.microsoft.com/office/powerpoint/2010/main" val="3951032796"/>
+        <p14:creationId xmlns:p14="http://schemas.microsoft.com/office/powerpoint/2010/main" val="2111665257"/>
       </p:ext>
     </p:extLst>
   </p:cSld>
@@ -1483,202 +1522,28 @@
           <a:bodyPr/>
           <a:lstStyle/>
           <a:p>
-            <a:pPr marL="0" marR="0" lvl="2" indent="0" algn="l" defTabSz="914400" rtl="0" eaLnBrk="1" fontAlgn="auto" latinLnBrk="0" hangingPunct="1">
-              <a:lnSpc>
-                <a:spcPct val="100000"/>
-              </a:lnSpc>
-              <a:spcBef>
-                <a:spcPts val="0"/>
-              </a:spcBef>
-              <a:spcAft>
-                <a:spcPts val="0"/>
-              </a:spcAft>
-              <a:buClrTx/>
-              <a:buSzTx/>
+            <a:pPr marL="171450" indent="-171450">
               <a:buFontTx/>
-              <a:buNone/>
-              <a:tabLst/>
-              <a:defRPr/>
+              <a:buChar char="-"/>
             </a:pPr>
             <a:r>
               <a:rPr lang="nl-BE" dirty="0"/>
-              <a:t>Also described as Cohesion (Tom DeMarco)</a:t>
-            </a:r>
-          </a:p>
-          <a:p>
-            <a:pPr marL="0" marR="0" lvl="2" indent="0" algn="l" defTabSz="914400" rtl="0" eaLnBrk="1" fontAlgn="auto" latinLnBrk="0" hangingPunct="1">
-              <a:lnSpc>
-                <a:spcPct val="100000"/>
-              </a:lnSpc>
-              <a:spcBef>
-                <a:spcPts val="0"/>
-              </a:spcBef>
-              <a:spcAft>
-                <a:spcPts val="0"/>
-              </a:spcAft>
-              <a:buClrTx/>
-              <a:buSzTx/>
+              <a:t>Rule of three (Refactoring – Martin Fowler)</a:t>
+            </a:r>
+          </a:p>
+          <a:p>
+            <a:pPr marL="171450" indent="-171450">
               <a:buFontTx/>
-              <a:buNone/>
-              <a:tabLst/>
-              <a:defRPr/>
+              <a:buChar char="-"/>
             </a:pPr>
-            <a:endParaRPr lang="nl-BE" dirty="0"/>
-          </a:p>
-          <a:p>
-            <a:pPr marL="0" marR="0" lvl="2" indent="0" algn="l" defTabSz="914400" rtl="0" eaLnBrk="1" fontAlgn="auto" latinLnBrk="0" hangingPunct="1">
-              <a:lnSpc>
-                <a:spcPct val="100000"/>
-              </a:lnSpc>
-              <a:spcBef>
-                <a:spcPts val="0"/>
-              </a:spcBef>
-              <a:spcAft>
-                <a:spcPts val="0"/>
-              </a:spcAft>
-              <a:buClrTx/>
-              <a:buSzTx/>
-              <a:buFontTx/>
-              <a:buNone/>
-              <a:tabLst/>
-              <a:defRPr/>
-            </a:pPr>
             <a:r>
               <a:rPr lang="nl-BE" dirty="0"/>
-              <a:t>A</a:t>
+              <a:t>Single Source of</a:t>
             </a:r>
             <a:r>
               <a:rPr lang="nl-BE" baseline="0" dirty="0"/>
-              <a:t> class or method that does computations AND display</a:t>
-            </a:r>
-          </a:p>
-          <a:p>
-            <a:pPr marL="171450" marR="0" lvl="2" indent="-171450" algn="l" defTabSz="914400" rtl="0" eaLnBrk="1" fontAlgn="auto" latinLnBrk="0" hangingPunct="1">
-              <a:lnSpc>
-                <a:spcPct val="100000"/>
-              </a:lnSpc>
-              <a:spcBef>
-                <a:spcPts val="0"/>
-              </a:spcBef>
-              <a:spcAft>
-                <a:spcPts val="0"/>
-              </a:spcAft>
-              <a:buClrTx/>
-              <a:buSzTx/>
-              <a:buFont typeface="Wingdings"/>
-              <a:buChar char="à"/>
-              <a:tabLst/>
-              <a:defRPr/>
-            </a:pPr>
-            <a:r>
-              <a:rPr lang="nl-BE" baseline="0" dirty="0">
-                <a:sym typeface="Wingdings" pitchFamily="2" charset="2"/>
-              </a:rPr>
-              <a:t>The computation and display gets mixed</a:t>
-            </a:r>
-          </a:p>
-          <a:p>
-            <a:pPr marL="171450" marR="0" lvl="2" indent="-171450" algn="l" defTabSz="914400" rtl="0" eaLnBrk="1" fontAlgn="auto" latinLnBrk="0" hangingPunct="1">
-              <a:lnSpc>
-                <a:spcPct val="100000"/>
-              </a:lnSpc>
-              <a:spcBef>
-                <a:spcPts val="0"/>
-              </a:spcBef>
-              <a:spcAft>
-                <a:spcPts val="0"/>
-              </a:spcAft>
-              <a:buClrTx/>
-              <a:buSzTx/>
-              <a:buFont typeface="Wingdings"/>
-              <a:buChar char="à"/>
-              <a:tabLst/>
-              <a:defRPr/>
-            </a:pPr>
-            <a:r>
-              <a:rPr lang="nl-BE" baseline="0" dirty="0">
-                <a:sym typeface="Wingdings" pitchFamily="2" charset="2"/>
-              </a:rPr>
-              <a:t>When a change to the computation is required  We need to also alter the display code (since it’s mixed)  We will need to retest the display AND the new computation</a:t>
-            </a:r>
-          </a:p>
-          <a:p>
-            <a:pPr marL="171450" marR="0" lvl="2" indent="-171450" algn="l" defTabSz="914400" rtl="0" eaLnBrk="1" fontAlgn="auto" latinLnBrk="0" hangingPunct="1">
-              <a:lnSpc>
-                <a:spcPct val="100000"/>
-              </a:lnSpc>
-              <a:spcBef>
-                <a:spcPts val="0"/>
-              </a:spcBef>
-              <a:spcAft>
-                <a:spcPts val="0"/>
-              </a:spcAft>
-              <a:buClrTx/>
-              <a:buSzTx/>
-              <a:buFont typeface="Wingdings"/>
-              <a:buChar char="à"/>
-              <a:tabLst/>
-              <a:defRPr/>
-            </a:pPr>
-            <a:r>
-              <a:rPr lang="nl-BE" baseline="0" dirty="0">
-                <a:sym typeface="Wingdings" pitchFamily="2" charset="2"/>
-              </a:rPr>
-              <a:t>It becomes difficult to add a new display (GUI, Report, Export, Graph, ...)</a:t>
-            </a:r>
-            <a:endParaRPr lang="nl-BE" dirty="0"/>
-          </a:p>
-          <a:p>
-            <a:pPr marL="0" marR="0" lvl="2" indent="0" algn="l" defTabSz="914400" rtl="0" eaLnBrk="1" fontAlgn="auto" latinLnBrk="0" hangingPunct="1">
-              <a:lnSpc>
-                <a:spcPct val="100000"/>
-              </a:lnSpc>
-              <a:spcBef>
-                <a:spcPts val="0"/>
-              </a:spcBef>
-              <a:spcAft>
-                <a:spcPts val="0"/>
-              </a:spcAft>
-              <a:buClrTx/>
-              <a:buSzTx/>
-              <a:buFontTx/>
-              <a:buNone/>
-              <a:tabLst/>
-              <a:defRPr/>
-            </a:pPr>
-            <a:endParaRPr lang="nl-BE" dirty="0"/>
-          </a:p>
-          <a:p>
-            <a:pPr marL="0" marR="0" lvl="2" indent="0" algn="l" defTabSz="914400" rtl="0" eaLnBrk="1" fontAlgn="auto" latinLnBrk="0" hangingPunct="1">
-              <a:lnSpc>
-                <a:spcPct val="100000"/>
-              </a:lnSpc>
-              <a:spcBef>
-                <a:spcPts val="0"/>
-              </a:spcBef>
-              <a:spcAft>
-                <a:spcPts val="0"/>
-              </a:spcAft>
-              <a:buClrTx/>
-              <a:buSzTx/>
-              <a:buFontTx/>
-              <a:buNone/>
-              <a:tabLst/>
-              <a:defRPr/>
-            </a:pPr>
-            <a:r>
-              <a:rPr lang="nl-BE" dirty="0"/>
-              <a:t>Persistance is often mixed with model </a:t>
-            </a:r>
-            <a:r>
-              <a:rPr lang="nl-BE" dirty="0">
-                <a:sym typeface="Wingdings" pitchFamily="2" charset="2"/>
-              </a:rPr>
-              <a:t> Persistance code is scattered everywhere. Domain Model &amp; DAL together. Use a Repository instead?</a:t>
-            </a:r>
-            <a:endParaRPr lang="nl-BE" dirty="0"/>
-          </a:p>
-          <a:p>
+              <a:t> Truth</a:t>
+            </a:r>
             <a:endParaRPr lang="nl-BE" dirty="0"/>
           </a:p>
         </p:txBody>
@@ -1700,7 +1565,7 @@
           <a:p>
             <a:fld id="{8AAD598C-A564-4773-9938-73F095713663}" type="slidenum">
               <a:rPr lang="nl-BE" smtClean="0"/>
-              <a:t>17</a:t>
+              <a:t>21</a:t>
             </a:fld>
             <a:endParaRPr lang="nl-BE"/>
           </a:p>
@@ -1709,7 +1574,7 @@
     </p:spTree>
     <p:extLst>
       <p:ext uri="{BB962C8B-B14F-4D97-AF65-F5344CB8AC3E}">
-        <p14:creationId xmlns:p14="http://schemas.microsoft.com/office/powerpoint/2010/main" val="3522447314"/>
+        <p14:creationId xmlns:p14="http://schemas.microsoft.com/office/powerpoint/2010/main" val="344695248"/>
       </p:ext>
     </p:extLst>
   </p:cSld>
@@ -1763,202 +1628,14 @@
           <a:bodyPr/>
           <a:lstStyle/>
           <a:p>
-            <a:pPr marL="0" marR="0" lvl="2" indent="0" algn="l" defTabSz="914400" rtl="0" eaLnBrk="1" fontAlgn="auto" latinLnBrk="0" hangingPunct="1">
-              <a:lnSpc>
-                <a:spcPct val="100000"/>
-              </a:lnSpc>
-              <a:spcBef>
-                <a:spcPts val="0"/>
-              </a:spcBef>
-              <a:spcAft>
-                <a:spcPts val="0"/>
-              </a:spcAft>
-              <a:buClrTx/>
-              <a:buSzTx/>
-              <a:buFontTx/>
-              <a:buNone/>
-              <a:tabLst/>
-              <a:defRPr/>
-            </a:pPr>
             <a:r>
               <a:rPr lang="nl-BE" dirty="0"/>
-              <a:t>Also described as Cohesion (Tom DeMarco)</a:t>
-            </a:r>
-          </a:p>
-          <a:p>
-            <a:pPr marL="0" marR="0" lvl="2" indent="0" algn="l" defTabSz="914400" rtl="0" eaLnBrk="1" fontAlgn="auto" latinLnBrk="0" hangingPunct="1">
-              <a:lnSpc>
-                <a:spcPct val="100000"/>
-              </a:lnSpc>
-              <a:spcBef>
-                <a:spcPts val="0"/>
-              </a:spcBef>
-              <a:spcAft>
-                <a:spcPts val="0"/>
-              </a:spcAft>
-              <a:buClrTx/>
-              <a:buSzTx/>
-              <a:buFontTx/>
-              <a:buNone/>
-              <a:tabLst/>
-              <a:defRPr/>
-            </a:pPr>
-            <a:endParaRPr lang="nl-BE" dirty="0"/>
-          </a:p>
-          <a:p>
-            <a:pPr marL="0" marR="0" lvl="2" indent="0" algn="l" defTabSz="914400" rtl="0" eaLnBrk="1" fontAlgn="auto" latinLnBrk="0" hangingPunct="1">
-              <a:lnSpc>
-                <a:spcPct val="100000"/>
-              </a:lnSpc>
-              <a:spcBef>
-                <a:spcPts val="0"/>
-              </a:spcBef>
-              <a:spcAft>
-                <a:spcPts val="0"/>
-              </a:spcAft>
-              <a:buClrTx/>
-              <a:buSzTx/>
-              <a:buFontTx/>
-              <a:buNone/>
-              <a:tabLst/>
-              <a:defRPr/>
-            </a:pPr>
-            <a:r>
-              <a:rPr lang="nl-BE" dirty="0"/>
-              <a:t>A</a:t>
+              <a:t>Robert C. Martin (Uncle Bob) – Agile Principles,</a:t>
             </a:r>
             <a:r>
               <a:rPr lang="nl-BE" baseline="0" dirty="0"/>
-              <a:t> class or method that does computations AND display</a:t>
-            </a:r>
-          </a:p>
-          <a:p>
-            <a:pPr marL="171450" marR="0" lvl="2" indent="-171450" algn="l" defTabSz="914400" rtl="0" eaLnBrk="1" fontAlgn="auto" latinLnBrk="0" hangingPunct="1">
-              <a:lnSpc>
-                <a:spcPct val="100000"/>
-              </a:lnSpc>
-              <a:spcBef>
-                <a:spcPts val="0"/>
-              </a:spcBef>
-              <a:spcAft>
-                <a:spcPts val="0"/>
-              </a:spcAft>
-              <a:buClrTx/>
-              <a:buSzTx/>
-              <a:buFont typeface="Wingdings"/>
-              <a:buChar char="à"/>
-              <a:tabLst/>
-              <a:defRPr/>
-            </a:pPr>
-            <a:r>
-              <a:rPr lang="nl-BE" baseline="0" dirty="0">
-                <a:sym typeface="Wingdings" pitchFamily="2" charset="2"/>
-              </a:rPr>
-              <a:t>The computation and display gets mixed</a:t>
-            </a:r>
-          </a:p>
-          <a:p>
-            <a:pPr marL="171450" marR="0" lvl="2" indent="-171450" algn="l" defTabSz="914400" rtl="0" eaLnBrk="1" fontAlgn="auto" latinLnBrk="0" hangingPunct="1">
-              <a:lnSpc>
-                <a:spcPct val="100000"/>
-              </a:lnSpc>
-              <a:spcBef>
-                <a:spcPts val="0"/>
-              </a:spcBef>
-              <a:spcAft>
-                <a:spcPts val="0"/>
-              </a:spcAft>
-              <a:buClrTx/>
-              <a:buSzTx/>
-              <a:buFont typeface="Wingdings"/>
-              <a:buChar char="à"/>
-              <a:tabLst/>
-              <a:defRPr/>
-            </a:pPr>
-            <a:r>
-              <a:rPr lang="nl-BE" baseline="0" dirty="0">
-                <a:sym typeface="Wingdings" pitchFamily="2" charset="2"/>
-              </a:rPr>
-              <a:t>When a change to the computation is required  We need to also alter the display code (since it’s mixed)  We will need to retest the display AND the new computation</a:t>
-            </a:r>
-          </a:p>
-          <a:p>
-            <a:pPr marL="171450" marR="0" lvl="2" indent="-171450" algn="l" defTabSz="914400" rtl="0" eaLnBrk="1" fontAlgn="auto" latinLnBrk="0" hangingPunct="1">
-              <a:lnSpc>
-                <a:spcPct val="100000"/>
-              </a:lnSpc>
-              <a:spcBef>
-                <a:spcPts val="0"/>
-              </a:spcBef>
-              <a:spcAft>
-                <a:spcPts val="0"/>
-              </a:spcAft>
-              <a:buClrTx/>
-              <a:buSzTx/>
-              <a:buFont typeface="Wingdings"/>
-              <a:buChar char="à"/>
-              <a:tabLst/>
-              <a:defRPr/>
-            </a:pPr>
-            <a:r>
-              <a:rPr lang="nl-BE" baseline="0" dirty="0">
-                <a:sym typeface="Wingdings" pitchFamily="2" charset="2"/>
-              </a:rPr>
-              <a:t>It becomes difficult to add a new display (GUI, Report, Export, Graph, ...)</a:t>
-            </a:r>
-            <a:endParaRPr lang="nl-BE" dirty="0"/>
-          </a:p>
-          <a:p>
-            <a:pPr marL="0" marR="0" lvl="2" indent="0" algn="l" defTabSz="914400" rtl="0" eaLnBrk="1" fontAlgn="auto" latinLnBrk="0" hangingPunct="1">
-              <a:lnSpc>
-                <a:spcPct val="100000"/>
-              </a:lnSpc>
-              <a:spcBef>
-                <a:spcPts val="0"/>
-              </a:spcBef>
-              <a:spcAft>
-                <a:spcPts val="0"/>
-              </a:spcAft>
-              <a:buClrTx/>
-              <a:buSzTx/>
-              <a:buFontTx/>
-              <a:buNone/>
-              <a:tabLst/>
-              <a:defRPr/>
-            </a:pPr>
-            <a:endParaRPr lang="nl-BE" dirty="0"/>
-          </a:p>
-          <a:p>
-            <a:pPr marL="0" marR="0" lvl="2" indent="0" algn="l" defTabSz="914400" rtl="0" eaLnBrk="1" fontAlgn="auto" latinLnBrk="0" hangingPunct="1">
-              <a:lnSpc>
-                <a:spcPct val="100000"/>
-              </a:lnSpc>
-              <a:spcBef>
-                <a:spcPts val="0"/>
-              </a:spcBef>
-              <a:spcAft>
-                <a:spcPts val="0"/>
-              </a:spcAft>
-              <a:buClrTx/>
-              <a:buSzTx/>
-              <a:buFontTx/>
-              <a:buNone/>
-              <a:tabLst/>
-              <a:defRPr/>
-            </a:pPr>
-            <a:r>
-              <a:rPr lang="nl-BE" dirty="0"/>
-              <a:t>Persistance is often mixed with model </a:t>
-            </a:r>
-            <a:r>
-              <a:rPr lang="nl-BE" dirty="0">
-                <a:sym typeface="Wingdings" pitchFamily="2" charset="2"/>
-              </a:rPr>
-              <a:t> Persistance code is scattered everywhere. Domain Model &amp; DAL together. Use a Repository instead?</a:t>
-            </a:r>
-            <a:endParaRPr lang="nl-BE" dirty="0"/>
-          </a:p>
-          <a:p>
+              <a:t> Patterns and Practices</a:t>
+            </a:r>
             <a:endParaRPr lang="nl-BE" dirty="0"/>
           </a:p>
         </p:txBody>
@@ -1980,7 +1657,7 @@
           <a:p>
             <a:fld id="{8AAD598C-A564-4773-9938-73F095713663}" type="slidenum">
               <a:rPr lang="nl-BE" smtClean="0"/>
-              <a:t>18</a:t>
+              <a:t>22</a:t>
             </a:fld>
             <a:endParaRPr lang="nl-BE"/>
           </a:p>
@@ -1989,7 +1666,7 @@
     </p:spTree>
     <p:extLst>
       <p:ext uri="{BB962C8B-B14F-4D97-AF65-F5344CB8AC3E}">
-        <p14:creationId xmlns:p14="http://schemas.microsoft.com/office/powerpoint/2010/main" val="3522447314"/>
+        <p14:creationId xmlns:p14="http://schemas.microsoft.com/office/powerpoint/2010/main" val="3951032796"/>
       </p:ext>
     </p:extLst>
   </p:cSld>
@@ -2045,20 +1722,11 @@
           <a:p>
             <a:r>
               <a:rPr lang="nl-BE" dirty="0"/>
-              <a:t>Coined by Bertrand</a:t>
+              <a:t>Robert C. Martin (Uncle Bob) – Agile Principles,</a:t>
             </a:r>
             <a:r>
               <a:rPr lang="nl-BE" baseline="0" dirty="0"/>
-              <a:t> Meyer</a:t>
-            </a:r>
-          </a:p>
-          <a:p>
-            <a:endParaRPr lang="nl-BE" baseline="0" dirty="0"/>
-          </a:p>
-          <a:p>
-            <a:r>
-              <a:rPr lang="nl-BE" baseline="0" dirty="0"/>
-              <a:t>YAGNI: You Ain’t Gonna Need It – Be very careful when designing for the Open/Closed Principle. Not everything is going to change! Know your customer or the Domain to anticipate axis of change.</a:t>
+              <a:t> Patterns and Practices</a:t>
             </a:r>
             <a:endParaRPr lang="nl-BE" dirty="0"/>
           </a:p>
@@ -2081,7 +1749,7 @@
           <a:p>
             <a:fld id="{8AAD598C-A564-4773-9938-73F095713663}" type="slidenum">
               <a:rPr lang="nl-BE" smtClean="0"/>
-              <a:t>19</a:t>
+              <a:t>23</a:t>
             </a:fld>
             <a:endParaRPr lang="nl-BE"/>
           </a:p>
@@ -2090,7 +1758,7 @@
     </p:spTree>
     <p:extLst>
       <p:ext uri="{BB962C8B-B14F-4D97-AF65-F5344CB8AC3E}">
-        <p14:creationId xmlns:p14="http://schemas.microsoft.com/office/powerpoint/2010/main" val="2530303709"/>
+        <p14:creationId xmlns:p14="http://schemas.microsoft.com/office/powerpoint/2010/main" val="3951032796"/>
       </p:ext>
     </p:extLst>
   </p:cSld>
@@ -2174,7 +1842,7 @@
           <a:p>
             <a:fld id="{8AAD598C-A564-4773-9938-73F095713663}" type="slidenum">
               <a:rPr lang="nl-BE" smtClean="0"/>
-              <a:t>2</a:t>
+              <a:t>3</a:t>
             </a:fld>
             <a:endParaRPr lang="nl-BE"/>
           </a:p>
@@ -2237,23 +1905,202 @@
           <a:bodyPr/>
           <a:lstStyle/>
           <a:p>
+            <a:pPr marL="0" marR="0" lvl="2" indent="0" algn="l" defTabSz="914400" rtl="0" eaLnBrk="1" fontAlgn="auto" latinLnBrk="0" hangingPunct="1">
+              <a:lnSpc>
+                <a:spcPct val="100000"/>
+              </a:lnSpc>
+              <a:spcBef>
+                <a:spcPts val="0"/>
+              </a:spcBef>
+              <a:spcAft>
+                <a:spcPts val="0"/>
+              </a:spcAft>
+              <a:buClrTx/>
+              <a:buSzTx/>
+              <a:buFontTx/>
+              <a:buNone/>
+              <a:tabLst/>
+              <a:defRPr/>
+            </a:pPr>
             <a:r>
               <a:rPr lang="nl-BE" dirty="0"/>
-              <a:t>Coined by Bertrand</a:t>
+              <a:t>Also described as Cohesion (Tom DeMarco)</a:t>
+            </a:r>
+          </a:p>
+          <a:p>
+            <a:pPr marL="0" marR="0" lvl="2" indent="0" algn="l" defTabSz="914400" rtl="0" eaLnBrk="1" fontAlgn="auto" latinLnBrk="0" hangingPunct="1">
+              <a:lnSpc>
+                <a:spcPct val="100000"/>
+              </a:lnSpc>
+              <a:spcBef>
+                <a:spcPts val="0"/>
+              </a:spcBef>
+              <a:spcAft>
+                <a:spcPts val="0"/>
+              </a:spcAft>
+              <a:buClrTx/>
+              <a:buSzTx/>
+              <a:buFontTx/>
+              <a:buNone/>
+              <a:tabLst/>
+              <a:defRPr/>
+            </a:pPr>
+            <a:endParaRPr lang="nl-BE" dirty="0"/>
+          </a:p>
+          <a:p>
+            <a:pPr marL="0" marR="0" lvl="2" indent="0" algn="l" defTabSz="914400" rtl="0" eaLnBrk="1" fontAlgn="auto" latinLnBrk="0" hangingPunct="1">
+              <a:lnSpc>
+                <a:spcPct val="100000"/>
+              </a:lnSpc>
+              <a:spcBef>
+                <a:spcPts val="0"/>
+              </a:spcBef>
+              <a:spcAft>
+                <a:spcPts val="0"/>
+              </a:spcAft>
+              <a:buClrTx/>
+              <a:buSzTx/>
+              <a:buFontTx/>
+              <a:buNone/>
+              <a:tabLst/>
+              <a:defRPr/>
+            </a:pPr>
+            <a:r>
+              <a:rPr lang="nl-BE" dirty="0"/>
+              <a:t>A</a:t>
             </a:r>
             <a:r>
               <a:rPr lang="nl-BE" baseline="0" dirty="0"/>
-              <a:t> Meyer</a:t>
-            </a:r>
-          </a:p>
-          <a:p>
-            <a:endParaRPr lang="nl-BE" baseline="0" dirty="0"/>
-          </a:p>
-          <a:p>
-            <a:r>
-              <a:rPr lang="nl-BE" baseline="0" dirty="0"/>
-              <a:t>YAGNI: You Ain’t Gonna Need It – Be very careful when designing for the Open/Closed Principle. Not everything is going to change! Know your customer or the Domain to anticipate the axis of change.</a:t>
-            </a:r>
+              <a:t> class or method that does computations AND display</a:t>
+            </a:r>
+          </a:p>
+          <a:p>
+            <a:pPr marL="171450" marR="0" lvl="2" indent="-171450" algn="l" defTabSz="914400" rtl="0" eaLnBrk="1" fontAlgn="auto" latinLnBrk="0" hangingPunct="1">
+              <a:lnSpc>
+                <a:spcPct val="100000"/>
+              </a:lnSpc>
+              <a:spcBef>
+                <a:spcPts val="0"/>
+              </a:spcBef>
+              <a:spcAft>
+                <a:spcPts val="0"/>
+              </a:spcAft>
+              <a:buClrTx/>
+              <a:buSzTx/>
+              <a:buFont typeface="Wingdings"/>
+              <a:buChar char="à"/>
+              <a:tabLst/>
+              <a:defRPr/>
+            </a:pPr>
+            <a:r>
+              <a:rPr lang="nl-BE" baseline="0" dirty="0">
+                <a:sym typeface="Wingdings" pitchFamily="2" charset="2"/>
+              </a:rPr>
+              <a:t>The computation and display gets mixed</a:t>
+            </a:r>
+          </a:p>
+          <a:p>
+            <a:pPr marL="171450" marR="0" lvl="2" indent="-171450" algn="l" defTabSz="914400" rtl="0" eaLnBrk="1" fontAlgn="auto" latinLnBrk="0" hangingPunct="1">
+              <a:lnSpc>
+                <a:spcPct val="100000"/>
+              </a:lnSpc>
+              <a:spcBef>
+                <a:spcPts val="0"/>
+              </a:spcBef>
+              <a:spcAft>
+                <a:spcPts val="0"/>
+              </a:spcAft>
+              <a:buClrTx/>
+              <a:buSzTx/>
+              <a:buFont typeface="Wingdings"/>
+              <a:buChar char="à"/>
+              <a:tabLst/>
+              <a:defRPr/>
+            </a:pPr>
+            <a:r>
+              <a:rPr lang="nl-BE" baseline="0" dirty="0">
+                <a:sym typeface="Wingdings" pitchFamily="2" charset="2"/>
+              </a:rPr>
+              <a:t>When a change to the computation is required  We need to also alter the display code (since it’s mixed)  We will need to retest the display AND the new computation</a:t>
+            </a:r>
+          </a:p>
+          <a:p>
+            <a:pPr marL="171450" marR="0" lvl="2" indent="-171450" algn="l" defTabSz="914400" rtl="0" eaLnBrk="1" fontAlgn="auto" latinLnBrk="0" hangingPunct="1">
+              <a:lnSpc>
+                <a:spcPct val="100000"/>
+              </a:lnSpc>
+              <a:spcBef>
+                <a:spcPts val="0"/>
+              </a:spcBef>
+              <a:spcAft>
+                <a:spcPts val="0"/>
+              </a:spcAft>
+              <a:buClrTx/>
+              <a:buSzTx/>
+              <a:buFont typeface="Wingdings"/>
+              <a:buChar char="à"/>
+              <a:tabLst/>
+              <a:defRPr/>
+            </a:pPr>
+            <a:r>
+              <a:rPr lang="nl-BE" baseline="0" dirty="0">
+                <a:sym typeface="Wingdings" pitchFamily="2" charset="2"/>
+              </a:rPr>
+              <a:t>It becomes difficult to add a new display (GUI, Report, Export, Graph, ...)</a:t>
+            </a:r>
+            <a:endParaRPr lang="nl-BE" dirty="0"/>
+          </a:p>
+          <a:p>
+            <a:pPr marL="0" marR="0" lvl="2" indent="0" algn="l" defTabSz="914400" rtl="0" eaLnBrk="1" fontAlgn="auto" latinLnBrk="0" hangingPunct="1">
+              <a:lnSpc>
+                <a:spcPct val="100000"/>
+              </a:lnSpc>
+              <a:spcBef>
+                <a:spcPts val="0"/>
+              </a:spcBef>
+              <a:spcAft>
+                <a:spcPts val="0"/>
+              </a:spcAft>
+              <a:buClrTx/>
+              <a:buSzTx/>
+              <a:buFontTx/>
+              <a:buNone/>
+              <a:tabLst/>
+              <a:defRPr/>
+            </a:pPr>
+            <a:endParaRPr lang="nl-BE" dirty="0"/>
+          </a:p>
+          <a:p>
+            <a:pPr marL="0" marR="0" lvl="2" indent="0" algn="l" defTabSz="914400" rtl="0" eaLnBrk="1" fontAlgn="auto" latinLnBrk="0" hangingPunct="1">
+              <a:lnSpc>
+                <a:spcPct val="100000"/>
+              </a:lnSpc>
+              <a:spcBef>
+                <a:spcPts val="0"/>
+              </a:spcBef>
+              <a:spcAft>
+                <a:spcPts val="0"/>
+              </a:spcAft>
+              <a:buClrTx/>
+              <a:buSzTx/>
+              <a:buFontTx/>
+              <a:buNone/>
+              <a:tabLst/>
+              <a:defRPr/>
+            </a:pPr>
+            <a:r>
+              <a:rPr lang="nl-BE" dirty="0"/>
+              <a:t>Persistance is often mixed with model </a:t>
+            </a:r>
+            <a:r>
+              <a:rPr lang="nl-BE" dirty="0">
+                <a:sym typeface="Wingdings" pitchFamily="2" charset="2"/>
+              </a:rPr>
+              <a:t> Persistance code is scattered everywhere. Domain Model &amp; DAL together. Use a Repository instead?</a:t>
+            </a:r>
+            <a:endParaRPr lang="nl-BE" dirty="0"/>
+          </a:p>
+          <a:p>
             <a:endParaRPr lang="nl-BE" dirty="0"/>
           </a:p>
         </p:txBody>
@@ -2275,7 +2122,7 @@
           <a:p>
             <a:fld id="{8AAD598C-A564-4773-9938-73F095713663}" type="slidenum">
               <a:rPr lang="nl-BE" smtClean="0"/>
-              <a:t>20</a:t>
+              <a:t>24</a:t>
             </a:fld>
             <a:endParaRPr lang="nl-BE"/>
           </a:p>
@@ -2284,7 +2131,7 @@
     </p:spTree>
     <p:extLst>
       <p:ext uri="{BB962C8B-B14F-4D97-AF65-F5344CB8AC3E}">
-        <p14:creationId xmlns:p14="http://schemas.microsoft.com/office/powerpoint/2010/main" val="2530303709"/>
+        <p14:creationId xmlns:p14="http://schemas.microsoft.com/office/powerpoint/2010/main" val="3522447314"/>
       </p:ext>
     </p:extLst>
   </p:cSld>
@@ -2338,38 +2185,202 @@
           <a:bodyPr/>
           <a:lstStyle/>
           <a:p>
+            <a:pPr marL="0" marR="0" lvl="2" indent="0" algn="l" defTabSz="914400" rtl="0" eaLnBrk="1" fontAlgn="auto" latinLnBrk="0" hangingPunct="1">
+              <a:lnSpc>
+                <a:spcPct val="100000"/>
+              </a:lnSpc>
+              <a:spcBef>
+                <a:spcPts val="0"/>
+              </a:spcBef>
+              <a:spcAft>
+                <a:spcPts val="0"/>
+              </a:spcAft>
+              <a:buClrTx/>
+              <a:buSzTx/>
+              <a:buFontTx/>
+              <a:buNone/>
+              <a:tabLst/>
+              <a:defRPr/>
+            </a:pPr>
             <a:r>
               <a:rPr lang="nl-BE" dirty="0"/>
-              <a:t>void g(Rectangle</a:t>
+              <a:t>Also described as Cohesion (Tom DeMarco)</a:t>
+            </a:r>
+          </a:p>
+          <a:p>
+            <a:pPr marL="0" marR="0" lvl="2" indent="0" algn="l" defTabSz="914400" rtl="0" eaLnBrk="1" fontAlgn="auto" latinLnBrk="0" hangingPunct="1">
+              <a:lnSpc>
+                <a:spcPct val="100000"/>
+              </a:lnSpc>
+              <a:spcBef>
+                <a:spcPts val="0"/>
+              </a:spcBef>
+              <a:spcAft>
+                <a:spcPts val="0"/>
+              </a:spcAft>
+              <a:buClrTx/>
+              <a:buSzTx/>
+              <a:buFontTx/>
+              <a:buNone/>
+              <a:tabLst/>
+              <a:defRPr/>
+            </a:pPr>
+            <a:endParaRPr lang="nl-BE" dirty="0"/>
+          </a:p>
+          <a:p>
+            <a:pPr marL="0" marR="0" lvl="2" indent="0" algn="l" defTabSz="914400" rtl="0" eaLnBrk="1" fontAlgn="auto" latinLnBrk="0" hangingPunct="1">
+              <a:lnSpc>
+                <a:spcPct val="100000"/>
+              </a:lnSpc>
+              <a:spcBef>
+                <a:spcPts val="0"/>
+              </a:spcBef>
+              <a:spcAft>
+                <a:spcPts val="0"/>
+              </a:spcAft>
+              <a:buClrTx/>
+              <a:buSzTx/>
+              <a:buFontTx/>
+              <a:buNone/>
+              <a:tabLst/>
+              <a:defRPr/>
+            </a:pPr>
+            <a:r>
+              <a:rPr lang="nl-BE" dirty="0"/>
+              <a:t>A</a:t>
             </a:r>
             <a:r>
               <a:rPr lang="nl-BE" baseline="0" dirty="0"/>
-              <a:t> r) {</a:t>
-            </a:r>
-          </a:p>
-          <a:p>
-            <a:r>
-              <a:rPr lang="nl-BE" baseline="0" dirty="0"/>
-              <a:t>	r.Width= 5;</a:t>
-            </a:r>
-          </a:p>
-          <a:p>
-            <a:r>
-              <a:rPr lang="nl-BE" baseline="0" dirty="0"/>
-              <a:t>	r.Height = 4;</a:t>
-            </a:r>
-          </a:p>
-          <a:p>
-            <a:r>
-              <a:rPr lang="nl-BE" baseline="0" dirty="0"/>
-              <a:t>	if (r.Area() != 20)</a:t>
-            </a:r>
-          </a:p>
-          <a:p>
-            <a:r>
-              <a:rPr lang="nl-BE" baseline="0" dirty="0"/>
-              <a:t>		throw new Exception(“Bad Area”);</a:t>
-            </a:r>
+              <a:t> class or method that does computations AND display</a:t>
+            </a:r>
+          </a:p>
+          <a:p>
+            <a:pPr marL="171450" marR="0" lvl="2" indent="-171450" algn="l" defTabSz="914400" rtl="0" eaLnBrk="1" fontAlgn="auto" latinLnBrk="0" hangingPunct="1">
+              <a:lnSpc>
+                <a:spcPct val="100000"/>
+              </a:lnSpc>
+              <a:spcBef>
+                <a:spcPts val="0"/>
+              </a:spcBef>
+              <a:spcAft>
+                <a:spcPts val="0"/>
+              </a:spcAft>
+              <a:buClrTx/>
+              <a:buSzTx/>
+              <a:buFont typeface="Wingdings"/>
+              <a:buChar char="à"/>
+              <a:tabLst/>
+              <a:defRPr/>
+            </a:pPr>
+            <a:r>
+              <a:rPr lang="nl-BE" baseline="0" dirty="0">
+                <a:sym typeface="Wingdings" pitchFamily="2" charset="2"/>
+              </a:rPr>
+              <a:t>The computation and display gets mixed</a:t>
+            </a:r>
+          </a:p>
+          <a:p>
+            <a:pPr marL="171450" marR="0" lvl="2" indent="-171450" algn="l" defTabSz="914400" rtl="0" eaLnBrk="1" fontAlgn="auto" latinLnBrk="0" hangingPunct="1">
+              <a:lnSpc>
+                <a:spcPct val="100000"/>
+              </a:lnSpc>
+              <a:spcBef>
+                <a:spcPts val="0"/>
+              </a:spcBef>
+              <a:spcAft>
+                <a:spcPts val="0"/>
+              </a:spcAft>
+              <a:buClrTx/>
+              <a:buSzTx/>
+              <a:buFont typeface="Wingdings"/>
+              <a:buChar char="à"/>
+              <a:tabLst/>
+              <a:defRPr/>
+            </a:pPr>
+            <a:r>
+              <a:rPr lang="nl-BE" baseline="0" dirty="0">
+                <a:sym typeface="Wingdings" pitchFamily="2" charset="2"/>
+              </a:rPr>
+              <a:t>When a change to the computation is required  We need to also alter the display code (since it’s mixed)  We will need to retest the display AND the new computation</a:t>
+            </a:r>
+          </a:p>
+          <a:p>
+            <a:pPr marL="171450" marR="0" lvl="2" indent="-171450" algn="l" defTabSz="914400" rtl="0" eaLnBrk="1" fontAlgn="auto" latinLnBrk="0" hangingPunct="1">
+              <a:lnSpc>
+                <a:spcPct val="100000"/>
+              </a:lnSpc>
+              <a:spcBef>
+                <a:spcPts val="0"/>
+              </a:spcBef>
+              <a:spcAft>
+                <a:spcPts val="0"/>
+              </a:spcAft>
+              <a:buClrTx/>
+              <a:buSzTx/>
+              <a:buFont typeface="Wingdings"/>
+              <a:buChar char="à"/>
+              <a:tabLst/>
+              <a:defRPr/>
+            </a:pPr>
+            <a:r>
+              <a:rPr lang="nl-BE" baseline="0" dirty="0">
+                <a:sym typeface="Wingdings" pitchFamily="2" charset="2"/>
+              </a:rPr>
+              <a:t>It becomes difficult to add a new display (GUI, Report, Export, Graph, ...)</a:t>
+            </a:r>
+            <a:endParaRPr lang="nl-BE" dirty="0"/>
+          </a:p>
+          <a:p>
+            <a:pPr marL="0" marR="0" lvl="2" indent="0" algn="l" defTabSz="914400" rtl="0" eaLnBrk="1" fontAlgn="auto" latinLnBrk="0" hangingPunct="1">
+              <a:lnSpc>
+                <a:spcPct val="100000"/>
+              </a:lnSpc>
+              <a:spcBef>
+                <a:spcPts val="0"/>
+              </a:spcBef>
+              <a:spcAft>
+                <a:spcPts val="0"/>
+              </a:spcAft>
+              <a:buClrTx/>
+              <a:buSzTx/>
+              <a:buFontTx/>
+              <a:buNone/>
+              <a:tabLst/>
+              <a:defRPr/>
+            </a:pPr>
+            <a:endParaRPr lang="nl-BE" dirty="0"/>
+          </a:p>
+          <a:p>
+            <a:pPr marL="0" marR="0" lvl="2" indent="0" algn="l" defTabSz="914400" rtl="0" eaLnBrk="1" fontAlgn="auto" latinLnBrk="0" hangingPunct="1">
+              <a:lnSpc>
+                <a:spcPct val="100000"/>
+              </a:lnSpc>
+              <a:spcBef>
+                <a:spcPts val="0"/>
+              </a:spcBef>
+              <a:spcAft>
+                <a:spcPts val="0"/>
+              </a:spcAft>
+              <a:buClrTx/>
+              <a:buSzTx/>
+              <a:buFontTx/>
+              <a:buNone/>
+              <a:tabLst/>
+              <a:defRPr/>
+            </a:pPr>
+            <a:r>
+              <a:rPr lang="nl-BE" dirty="0"/>
+              <a:t>Persistance is often mixed with model </a:t>
+            </a:r>
+            <a:r>
+              <a:rPr lang="nl-BE" dirty="0">
+                <a:sym typeface="Wingdings" pitchFamily="2" charset="2"/>
+              </a:rPr>
+              <a:t> Persistance code is scattered everywhere. Domain Model &amp; DAL together. Use a Repository instead?</a:t>
+            </a:r>
+            <a:endParaRPr lang="nl-BE" dirty="0"/>
+          </a:p>
+          <a:p>
             <a:endParaRPr lang="nl-BE" dirty="0"/>
           </a:p>
         </p:txBody>
@@ -2391,7 +2402,7 @@
           <a:p>
             <a:fld id="{8AAD598C-A564-4773-9938-73F095713663}" type="slidenum">
               <a:rPr lang="nl-BE" smtClean="0"/>
-              <a:t>23</a:t>
+              <a:t>25</a:t>
             </a:fld>
             <a:endParaRPr lang="nl-BE"/>
           </a:p>
@@ -2400,7 +2411,7 @@
     </p:spTree>
     <p:extLst>
       <p:ext uri="{BB962C8B-B14F-4D97-AF65-F5344CB8AC3E}">
-        <p14:creationId xmlns:p14="http://schemas.microsoft.com/office/powerpoint/2010/main" val="205436096"/>
+        <p14:creationId xmlns:p14="http://schemas.microsoft.com/office/powerpoint/2010/main" val="3522447314"/>
       </p:ext>
     </p:extLst>
   </p:cSld>
@@ -2456,35 +2467,20 @@
           <a:p>
             <a:r>
               <a:rPr lang="nl-BE" dirty="0"/>
-              <a:t>void g(Rectangle</a:t>
+              <a:t>Coined by Bertrand</a:t>
             </a:r>
             <a:r>
               <a:rPr lang="nl-BE" baseline="0" dirty="0"/>
-              <a:t> r) {</a:t>
-            </a:r>
+              <a:t> Meyer</a:t>
+            </a:r>
+          </a:p>
+          <a:p>
+            <a:endParaRPr lang="nl-BE" baseline="0" dirty="0"/>
           </a:p>
           <a:p>
             <a:r>
               <a:rPr lang="nl-BE" baseline="0" dirty="0"/>
-              <a:t>	r.Width= 5;</a:t>
-            </a:r>
-          </a:p>
-          <a:p>
-            <a:r>
-              <a:rPr lang="nl-BE" baseline="0" dirty="0"/>
-              <a:t>	r.Height = 4;</a:t>
-            </a:r>
-          </a:p>
-          <a:p>
-            <a:r>
-              <a:rPr lang="nl-BE" baseline="0" dirty="0"/>
-              <a:t>	if (r.Area() != 20)</a:t>
-            </a:r>
-          </a:p>
-          <a:p>
-            <a:r>
-              <a:rPr lang="nl-BE" baseline="0" dirty="0"/>
-              <a:t>		throw new Exception(“Bad Area”);</a:t>
+              <a:t>YAGNI: You Ain’t Gonna Need It – Be very careful when designing for the Open/Closed Principle. Not everything is going to change! Know your customer or the Domain to anticipate axis of change.</a:t>
             </a:r>
             <a:endParaRPr lang="nl-BE" dirty="0"/>
           </a:p>
@@ -2507,7 +2503,7 @@
           <a:p>
             <a:fld id="{8AAD598C-A564-4773-9938-73F095713663}" type="slidenum">
               <a:rPr lang="nl-BE" smtClean="0"/>
-              <a:t>24</a:t>
+              <a:t>26</a:t>
             </a:fld>
             <a:endParaRPr lang="nl-BE"/>
           </a:p>
@@ -2516,7 +2512,7 @@
     </p:spTree>
     <p:extLst>
       <p:ext uri="{BB962C8B-B14F-4D97-AF65-F5344CB8AC3E}">
-        <p14:creationId xmlns:p14="http://schemas.microsoft.com/office/powerpoint/2010/main" val="205436096"/>
+        <p14:creationId xmlns:p14="http://schemas.microsoft.com/office/powerpoint/2010/main" val="2530303709"/>
       </p:ext>
     </p:extLst>
   </p:cSld>
@@ -2572,11 +2568,11 @@
           <a:p>
             <a:r>
               <a:rPr lang="nl-BE" dirty="0"/>
-              <a:t>Object</a:t>
+              <a:t>Coined by Bertrand</a:t>
             </a:r>
             <a:r>
               <a:rPr lang="nl-BE" baseline="0" dirty="0"/>
-              <a:t> Behavioral GoF Pattern</a:t>
+              <a:t> Meyer</a:t>
             </a:r>
           </a:p>
           <a:p>
@@ -2585,7 +2581,7 @@
           <a:p>
             <a:r>
               <a:rPr lang="nl-BE" baseline="0" dirty="0"/>
-              <a:t>Also known as: Publish/Subscribe, Dependents</a:t>
+              <a:t>YAGNI: You Ain’t Gonna Need It – Be very careful when designing for the Open/Closed Principle. Not everything is going to change! Know your customer or the Domain to anticipate the axis of change.</a:t>
             </a:r>
             <a:endParaRPr lang="nl-BE" dirty="0"/>
           </a:p>
@@ -2617,7 +2613,7 @@
     </p:spTree>
     <p:extLst>
       <p:ext uri="{BB962C8B-B14F-4D97-AF65-F5344CB8AC3E}">
-        <p14:creationId xmlns:p14="http://schemas.microsoft.com/office/powerpoint/2010/main" val="1289770877"/>
+        <p14:creationId xmlns:p14="http://schemas.microsoft.com/office/powerpoint/2010/main" val="2530303709"/>
       </p:ext>
     </p:extLst>
   </p:cSld>
@@ -2671,143 +2667,38 @@
           <a:bodyPr/>
           <a:lstStyle/>
           <a:p>
-            <a:pPr marL="0" marR="0" indent="0" algn="l" defTabSz="914400" rtl="0" eaLnBrk="1" fontAlgn="auto" latinLnBrk="0" hangingPunct="1">
-              <a:lnSpc>
-                <a:spcPct val="100000"/>
-              </a:lnSpc>
-              <a:spcBef>
-                <a:spcPts val="0"/>
-              </a:spcBef>
-              <a:spcAft>
-                <a:spcPts val="0"/>
-              </a:spcAft>
-              <a:buClrTx/>
-              <a:buSzTx/>
-              <a:buFontTx/>
-              <a:buNone/>
-              <a:tabLst/>
-              <a:defRPr/>
-            </a:pPr>
             <a:r>
               <a:rPr lang="nl-BE" dirty="0"/>
-              <a:t>Object Structural GoF Pattern</a:t>
-            </a:r>
-          </a:p>
-          <a:p>
-            <a:pPr marL="0" marR="0" indent="0" algn="l" defTabSz="914400" rtl="0" eaLnBrk="1" fontAlgn="auto" latinLnBrk="0" hangingPunct="1">
-              <a:lnSpc>
-                <a:spcPct val="100000"/>
-              </a:lnSpc>
-              <a:spcBef>
-                <a:spcPts val="0"/>
-              </a:spcBef>
-              <a:spcAft>
-                <a:spcPts val="0"/>
-              </a:spcAft>
-              <a:buClrTx/>
-              <a:buSzTx/>
-              <a:buFontTx/>
-              <a:buNone/>
-              <a:tabLst/>
-              <a:defRPr/>
-            </a:pPr>
-            <a:endParaRPr lang="nl-BE" dirty="0"/>
-          </a:p>
-          <a:p>
-            <a:pPr marL="0" marR="0" indent="0" algn="l" defTabSz="914400" rtl="0" eaLnBrk="1" fontAlgn="auto" latinLnBrk="0" hangingPunct="1">
-              <a:lnSpc>
-                <a:spcPct val="100000"/>
-              </a:lnSpc>
-              <a:spcBef>
-                <a:spcPts val="0"/>
-              </a:spcBef>
-              <a:spcAft>
-                <a:spcPts val="0"/>
-              </a:spcAft>
-              <a:buClrTx/>
-              <a:buSzTx/>
-              <a:buFontTx/>
-              <a:buNone/>
-              <a:tabLst/>
-              <a:defRPr/>
-            </a:pPr>
-            <a:r>
-              <a:rPr lang="nl-BE" dirty="0"/>
-              <a:t>Also known</a:t>
+              <a:t>void g(Rectangle</a:t>
             </a:r>
             <a:r>
               <a:rPr lang="nl-BE" baseline="0" dirty="0"/>
-              <a:t> as: Wrapper</a:t>
-            </a:r>
-            <a:endParaRPr lang="nl-BE" dirty="0"/>
-          </a:p>
-          <a:p>
-            <a:pPr marL="0" marR="0" indent="0" algn="l" defTabSz="914400" rtl="0" eaLnBrk="1" fontAlgn="auto" latinLnBrk="0" hangingPunct="1">
-              <a:lnSpc>
-                <a:spcPct val="100000"/>
-              </a:lnSpc>
-              <a:spcBef>
-                <a:spcPts val="0"/>
-              </a:spcBef>
-              <a:spcAft>
-                <a:spcPts val="0"/>
-              </a:spcAft>
-              <a:buClrTx/>
-              <a:buSzTx/>
-              <a:buFontTx/>
-              <a:buNone/>
-              <a:tabLst/>
-              <a:defRPr/>
-            </a:pPr>
-            <a:endParaRPr lang="nl-BE" dirty="0"/>
-          </a:p>
-          <a:p>
-            <a:pPr marL="0" marR="0" indent="0" algn="l" defTabSz="914400" rtl="0" eaLnBrk="1" fontAlgn="auto" latinLnBrk="0" hangingPunct="1">
-              <a:lnSpc>
-                <a:spcPct val="100000"/>
-              </a:lnSpc>
-              <a:spcBef>
-                <a:spcPts val="0"/>
-              </a:spcBef>
-              <a:spcAft>
-                <a:spcPts val="0"/>
-              </a:spcAft>
-              <a:buClrTx/>
-              <a:buSzTx/>
-              <a:buFontTx/>
-              <a:buNone/>
-              <a:tabLst/>
-              <a:defRPr/>
-            </a:pPr>
-            <a:r>
-              <a:rPr lang="nl-BE" dirty="0"/>
-              <a:t>WarTowers: ShieldTower, GunTower, BazookaTower, ShieldGunTower, ShieldGunBazookaTower, ...</a:t>
-            </a:r>
-          </a:p>
-          <a:p>
-            <a:pPr marL="0" marR="0" indent="0" algn="l" defTabSz="914400" rtl="0" eaLnBrk="1" fontAlgn="auto" latinLnBrk="0" hangingPunct="1">
-              <a:lnSpc>
-                <a:spcPct val="100000"/>
-              </a:lnSpc>
-              <a:spcBef>
-                <a:spcPts val="0"/>
-              </a:spcBef>
-              <a:spcAft>
-                <a:spcPts val="0"/>
-              </a:spcAft>
-              <a:buClrTx/>
-              <a:buSzTx/>
-              <a:buFontTx/>
-              <a:buNone/>
-              <a:tabLst/>
-              <a:defRPr/>
-            </a:pPr>
-            <a:r>
-              <a:rPr lang="nl-BE" dirty="0"/>
-              <a:t>Decorator is an adapter!</a:t>
-            </a:r>
-          </a:p>
-          <a:p>
+              <a:t> r) {</a:t>
+            </a:r>
+          </a:p>
+          <a:p>
+            <a:r>
+              <a:rPr lang="nl-BE" baseline="0" dirty="0"/>
+              <a:t>	r.Width= 5;</a:t>
+            </a:r>
+          </a:p>
+          <a:p>
+            <a:r>
+              <a:rPr lang="nl-BE" baseline="0" dirty="0"/>
+              <a:t>	r.Height = 4;</a:t>
+            </a:r>
+          </a:p>
+          <a:p>
+            <a:r>
+              <a:rPr lang="nl-BE" baseline="0" dirty="0"/>
+              <a:t>	if (r.Area() != 20)</a:t>
+            </a:r>
+          </a:p>
+          <a:p>
+            <a:r>
+              <a:rPr lang="nl-BE" baseline="0" dirty="0"/>
+              <a:t>		throw new Exception(“Bad Area”);</a:t>
+            </a:r>
             <a:endParaRPr lang="nl-BE" dirty="0"/>
           </a:p>
         </p:txBody>
@@ -2829,7 +2720,7 @@
           <a:p>
             <a:fld id="{8AAD598C-A564-4773-9938-73F095713663}" type="slidenum">
               <a:rPr lang="nl-BE" smtClean="0"/>
-              <a:t>28</a:t>
+              <a:t>30</a:t>
             </a:fld>
             <a:endParaRPr lang="nl-BE"/>
           </a:p>
@@ -2838,7 +2729,7 @@
     </p:spTree>
     <p:extLst>
       <p:ext uri="{BB962C8B-B14F-4D97-AF65-F5344CB8AC3E}">
-        <p14:creationId xmlns:p14="http://schemas.microsoft.com/office/powerpoint/2010/main" val="1283684276"/>
+        <p14:creationId xmlns:p14="http://schemas.microsoft.com/office/powerpoint/2010/main" val="205436096"/>
       </p:ext>
     </p:extLst>
   </p:cSld>
@@ -2894,17 +2785,37 @@
           <a:p>
             <a:r>
               <a:rPr lang="nl-BE" dirty="0"/>
-              <a:t>Object Behavioral GoF Pattern</a:t>
-            </a:r>
-          </a:p>
-          <a:p>
+              <a:t>void g(Rectangle</a:t>
+            </a:r>
+            <a:r>
+              <a:rPr lang="nl-BE" baseline="0" dirty="0"/>
+              <a:t> r) {</a:t>
+            </a:r>
+          </a:p>
+          <a:p>
+            <a:r>
+              <a:rPr lang="nl-BE" baseline="0" dirty="0"/>
+              <a:t>	r.Width= 5;</a:t>
+            </a:r>
+          </a:p>
+          <a:p>
+            <a:r>
+              <a:rPr lang="nl-BE" baseline="0" dirty="0"/>
+              <a:t>	r.Height = 4;</a:t>
+            </a:r>
+          </a:p>
+          <a:p>
+            <a:r>
+              <a:rPr lang="nl-BE" baseline="0" dirty="0"/>
+              <a:t>	if (r.Area() != 20)</a:t>
+            </a:r>
+          </a:p>
+          <a:p>
+            <a:r>
+              <a:rPr lang="nl-BE" baseline="0" dirty="0"/>
+              <a:t>		throw new Exception(“Bad Area”);</a:t>
+            </a:r>
             <a:endParaRPr lang="nl-BE" dirty="0"/>
-          </a:p>
-          <a:p>
-            <a:r>
-              <a:rPr lang="nl-BE" dirty="0"/>
-              <a:t>Also known as: Cursor</a:t>
-            </a:r>
           </a:p>
         </p:txBody>
       </p:sp>
@@ -2925,7 +2836,7 @@
           <a:p>
             <a:fld id="{8AAD598C-A564-4773-9938-73F095713663}" type="slidenum">
               <a:rPr lang="nl-BE" smtClean="0"/>
-              <a:t>29</a:t>
+              <a:t>31</a:t>
             </a:fld>
             <a:endParaRPr lang="nl-BE"/>
           </a:p>
@@ -2934,7 +2845,7 @@
     </p:spTree>
     <p:extLst>
       <p:ext uri="{BB962C8B-B14F-4D97-AF65-F5344CB8AC3E}">
-        <p14:creationId xmlns:p14="http://schemas.microsoft.com/office/powerpoint/2010/main" val="3959557267"/>
+        <p14:creationId xmlns:p14="http://schemas.microsoft.com/office/powerpoint/2010/main" val="205436096"/>
       </p:ext>
     </p:extLst>
   </p:cSld>
@@ -2990,17 +2901,21 @@
           <a:p>
             <a:r>
               <a:rPr lang="nl-BE" dirty="0"/>
-              <a:t>Object Structural</a:t>
+              <a:t>Object</a:t>
             </a:r>
             <a:r>
               <a:rPr lang="nl-BE" baseline="0" dirty="0"/>
-              <a:t> GoF</a:t>
+              <a:t> Behavioral GoF Pattern</a:t>
             </a:r>
           </a:p>
           <a:p>
             <a:endParaRPr lang="nl-BE" baseline="0" dirty="0"/>
           </a:p>
           <a:p>
+            <a:r>
+              <a:rPr lang="nl-BE" baseline="0" dirty="0"/>
+              <a:t>Also known as: Publish/Subscribe, Dependents</a:t>
+            </a:r>
             <a:endParaRPr lang="nl-BE" dirty="0"/>
           </a:p>
         </p:txBody>
@@ -3022,7 +2937,7 @@
           <a:p>
             <a:fld id="{8AAD598C-A564-4773-9938-73F095713663}" type="slidenum">
               <a:rPr lang="nl-BE" smtClean="0"/>
-              <a:t>30</a:t>
+              <a:t>34</a:t>
             </a:fld>
             <a:endParaRPr lang="nl-BE"/>
           </a:p>
@@ -3031,7 +2946,7 @@
     </p:spTree>
     <p:extLst>
       <p:ext uri="{BB962C8B-B14F-4D97-AF65-F5344CB8AC3E}">
-        <p14:creationId xmlns:p14="http://schemas.microsoft.com/office/powerpoint/2010/main" val="2692460306"/>
+        <p14:creationId xmlns:p14="http://schemas.microsoft.com/office/powerpoint/2010/main" val="1289770877"/>
       </p:ext>
     </p:extLst>
   </p:cSld>
@@ -3085,59 +3000,144 @@
           <a:bodyPr/>
           <a:lstStyle/>
           <a:p>
-            <a:r>
-              <a:rPr lang="en-US" sz="1200" b="0" i="0" kern="1200" dirty="0">
-                <a:solidFill>
-                  <a:schemeClr val="tx1"/>
-                </a:solidFill>
-                <a:effectLst/>
-                <a:latin typeface="+mn-lt"/>
-                <a:ea typeface="+mn-ea"/>
-                <a:cs typeface="+mn-cs"/>
-              </a:rPr>
-              <a:t>Add a reference to the COM via the Add Reference dialog in Visual Studio .NET. Behind the scenes, Visual Studio® .NET invokes the tlbimp.exe tool to create a Runtime Callable Wrapper (RCW) class, contained in an </a:t>
-            </a:r>
-            <a:r>
-              <a:rPr lang="en-US" sz="1200" b="0" i="0" kern="1200" dirty="0" err="1">
-                <a:solidFill>
-                  <a:schemeClr val="tx1"/>
-                </a:solidFill>
-                <a:effectLst/>
-                <a:latin typeface="+mn-lt"/>
-                <a:ea typeface="+mn-ea"/>
-                <a:cs typeface="+mn-cs"/>
-              </a:rPr>
-              <a:t>interop</a:t>
-            </a:r>
-            <a:r>
-              <a:rPr lang="en-US" sz="1200" b="0" i="0" kern="1200" dirty="0">
-                <a:solidFill>
-                  <a:schemeClr val="tx1"/>
-                </a:solidFill>
-                <a:effectLst/>
-                <a:latin typeface="+mn-lt"/>
-                <a:ea typeface="+mn-ea"/>
-                <a:cs typeface="+mn-cs"/>
-              </a:rPr>
-              <a:t> assembly.</a:t>
-            </a:r>
-          </a:p>
-          <a:p>
-            <a:endParaRPr lang="en-US" sz="1200" b="0" i="0" kern="1200" dirty="0">
-              <a:solidFill>
-                <a:schemeClr val="tx1"/>
-              </a:solidFill>
-              <a:effectLst/>
-              <a:latin typeface="+mn-lt"/>
-              <a:ea typeface="+mn-ea"/>
-              <a:cs typeface="+mn-cs"/>
-            </a:endParaRPr>
-          </a:p>
-          <a:p>
+            <a:pPr marL="0" marR="0" indent="0" algn="l" defTabSz="914400" rtl="0" eaLnBrk="1" fontAlgn="auto" latinLnBrk="0" hangingPunct="1">
+              <a:lnSpc>
+                <a:spcPct val="100000"/>
+              </a:lnSpc>
+              <a:spcBef>
+                <a:spcPts val="0"/>
+              </a:spcBef>
+              <a:spcAft>
+                <a:spcPts val="0"/>
+              </a:spcAft>
+              <a:buClrTx/>
+              <a:buSzTx/>
+              <a:buFontTx/>
+              <a:buNone/>
+              <a:tabLst/>
+              <a:defRPr/>
+            </a:pPr>
             <a:r>
               <a:rPr lang="nl-BE" dirty="0"/>
-              <a:t>http://msdn.microsoft.com/en-us/magazine/cc188707.aspx#S4</a:t>
-            </a:r>
+              <a:t>Object Structural GoF Pattern</a:t>
+            </a:r>
+          </a:p>
+          <a:p>
+            <a:pPr marL="0" marR="0" indent="0" algn="l" defTabSz="914400" rtl="0" eaLnBrk="1" fontAlgn="auto" latinLnBrk="0" hangingPunct="1">
+              <a:lnSpc>
+                <a:spcPct val="100000"/>
+              </a:lnSpc>
+              <a:spcBef>
+                <a:spcPts val="0"/>
+              </a:spcBef>
+              <a:spcAft>
+                <a:spcPts val="0"/>
+              </a:spcAft>
+              <a:buClrTx/>
+              <a:buSzTx/>
+              <a:buFontTx/>
+              <a:buNone/>
+              <a:tabLst/>
+              <a:defRPr/>
+            </a:pPr>
+            <a:endParaRPr lang="nl-BE" dirty="0"/>
+          </a:p>
+          <a:p>
+            <a:pPr marL="0" marR="0" indent="0" algn="l" defTabSz="914400" rtl="0" eaLnBrk="1" fontAlgn="auto" latinLnBrk="0" hangingPunct="1">
+              <a:lnSpc>
+                <a:spcPct val="100000"/>
+              </a:lnSpc>
+              <a:spcBef>
+                <a:spcPts val="0"/>
+              </a:spcBef>
+              <a:spcAft>
+                <a:spcPts val="0"/>
+              </a:spcAft>
+              <a:buClrTx/>
+              <a:buSzTx/>
+              <a:buFontTx/>
+              <a:buNone/>
+              <a:tabLst/>
+              <a:defRPr/>
+            </a:pPr>
+            <a:r>
+              <a:rPr lang="nl-BE" dirty="0"/>
+              <a:t>Also known</a:t>
+            </a:r>
+            <a:r>
+              <a:rPr lang="nl-BE" baseline="0" dirty="0"/>
+              <a:t> as: Wrapper</a:t>
+            </a:r>
+            <a:endParaRPr lang="nl-BE" dirty="0"/>
+          </a:p>
+          <a:p>
+            <a:pPr marL="0" marR="0" indent="0" algn="l" defTabSz="914400" rtl="0" eaLnBrk="1" fontAlgn="auto" latinLnBrk="0" hangingPunct="1">
+              <a:lnSpc>
+                <a:spcPct val="100000"/>
+              </a:lnSpc>
+              <a:spcBef>
+                <a:spcPts val="0"/>
+              </a:spcBef>
+              <a:spcAft>
+                <a:spcPts val="0"/>
+              </a:spcAft>
+              <a:buClrTx/>
+              <a:buSzTx/>
+              <a:buFontTx/>
+              <a:buNone/>
+              <a:tabLst/>
+              <a:defRPr/>
+            </a:pPr>
+            <a:endParaRPr lang="nl-BE" dirty="0"/>
+          </a:p>
+          <a:p>
+            <a:pPr marL="0" marR="0" indent="0" algn="l" defTabSz="914400" rtl="0" eaLnBrk="1" fontAlgn="auto" latinLnBrk="0" hangingPunct="1">
+              <a:lnSpc>
+                <a:spcPct val="100000"/>
+              </a:lnSpc>
+              <a:spcBef>
+                <a:spcPts val="0"/>
+              </a:spcBef>
+              <a:spcAft>
+                <a:spcPts val="0"/>
+              </a:spcAft>
+              <a:buClrTx/>
+              <a:buSzTx/>
+              <a:buFontTx/>
+              <a:buNone/>
+              <a:tabLst/>
+              <a:defRPr/>
+            </a:pPr>
+            <a:r>
+              <a:rPr lang="nl-BE" dirty="0"/>
+              <a:t>WarTowers: ShieldTower, GunTower, BazookaTower, ShieldGunTower, ShieldGunBazookaTower, ...</a:t>
+            </a:r>
+          </a:p>
+          <a:p>
+            <a:pPr marL="0" marR="0" indent="0" algn="l" defTabSz="914400" rtl="0" eaLnBrk="1" fontAlgn="auto" latinLnBrk="0" hangingPunct="1">
+              <a:lnSpc>
+                <a:spcPct val="100000"/>
+              </a:lnSpc>
+              <a:spcBef>
+                <a:spcPts val="0"/>
+              </a:spcBef>
+              <a:spcAft>
+                <a:spcPts val="0"/>
+              </a:spcAft>
+              <a:buClrTx/>
+              <a:buSzTx/>
+              <a:buFontTx/>
+              <a:buNone/>
+              <a:tabLst/>
+              <a:defRPr/>
+            </a:pPr>
+            <a:r>
+              <a:rPr lang="nl-BE" dirty="0"/>
+              <a:t>Decorator is an adapter!</a:t>
+            </a:r>
+          </a:p>
+          <a:p>
+            <a:endParaRPr lang="nl-BE" dirty="0"/>
           </a:p>
         </p:txBody>
       </p:sp>
@@ -3158,7 +3158,7 @@
           <a:p>
             <a:fld id="{8AAD598C-A564-4773-9938-73F095713663}" type="slidenum">
               <a:rPr lang="nl-BE" smtClean="0"/>
-              <a:t>31</a:t>
+              <a:t>35</a:t>
             </a:fld>
             <a:endParaRPr lang="nl-BE"/>
           </a:p>
@@ -3167,7 +3167,7 @@
     </p:spTree>
     <p:extLst>
       <p:ext uri="{BB962C8B-B14F-4D97-AF65-F5344CB8AC3E}">
-        <p14:creationId xmlns:p14="http://schemas.microsoft.com/office/powerpoint/2010/main" val="1195904989"/>
+        <p14:creationId xmlns:p14="http://schemas.microsoft.com/office/powerpoint/2010/main" val="1283684276"/>
       </p:ext>
     </p:extLst>
   </p:cSld>
@@ -3223,23 +3223,17 @@
           <a:p>
             <a:r>
               <a:rPr lang="nl-BE" dirty="0"/>
-              <a:t>Creditkaarten voor online betalingen:</a:t>
-            </a:r>
+              <a:t>Object Behavioral GoF Pattern</a:t>
+            </a:r>
+          </a:p>
+          <a:p>
+            <a:endParaRPr lang="nl-BE" dirty="0"/>
           </a:p>
           <a:p>
             <a:r>
               <a:rPr lang="nl-BE" dirty="0"/>
-              <a:t>VisaAdapter</a:t>
-            </a:r>
-          </a:p>
-          <a:p>
-            <a:r>
-              <a:rPr lang="nl-BE" dirty="0"/>
-              <a:t>MasterCardAdapter</a:t>
-            </a:r>
-          </a:p>
-          <a:p>
-            <a:endParaRPr lang="nl-BE" dirty="0"/>
+              <a:t>Also known as: Cursor</a:t>
+            </a:r>
           </a:p>
         </p:txBody>
       </p:sp>
@@ -3260,7 +3254,7 @@
           <a:p>
             <a:fld id="{8AAD598C-A564-4773-9938-73F095713663}" type="slidenum">
               <a:rPr lang="nl-BE" smtClean="0"/>
-              <a:t>32</a:t>
+              <a:t>36</a:t>
             </a:fld>
             <a:endParaRPr lang="nl-BE"/>
           </a:p>
@@ -3269,7 +3263,7 @@
     </p:spTree>
     <p:extLst>
       <p:ext uri="{BB962C8B-B14F-4D97-AF65-F5344CB8AC3E}">
-        <p14:creationId xmlns:p14="http://schemas.microsoft.com/office/powerpoint/2010/main" val="1396305169"/>
+        <p14:creationId xmlns:p14="http://schemas.microsoft.com/office/powerpoint/2010/main" val="3959557267"/>
       </p:ext>
     </p:extLst>
   </p:cSld>
@@ -3323,6 +3317,19 @@
           <a:bodyPr/>
           <a:lstStyle/>
           <a:p>
+            <a:r>
+              <a:rPr lang="nl-BE" dirty="0"/>
+              <a:t>Object Structural</a:t>
+            </a:r>
+            <a:r>
+              <a:rPr lang="nl-BE" baseline="0" dirty="0"/>
+              <a:t> GoF</a:t>
+            </a:r>
+          </a:p>
+          <a:p>
+            <a:endParaRPr lang="nl-BE" baseline="0" dirty="0"/>
+          </a:p>
+          <a:p>
             <a:endParaRPr lang="nl-BE" dirty="0"/>
           </a:p>
         </p:txBody>
@@ -3344,7 +3351,7 @@
           <a:p>
             <a:fld id="{8AAD598C-A564-4773-9938-73F095713663}" type="slidenum">
               <a:rPr lang="nl-BE" smtClean="0"/>
-              <a:t>33</a:t>
+              <a:t>37</a:t>
             </a:fld>
             <a:endParaRPr lang="nl-BE"/>
           </a:p>
@@ -3353,7 +3360,7 @@
     </p:spTree>
     <p:extLst>
       <p:ext uri="{BB962C8B-B14F-4D97-AF65-F5344CB8AC3E}">
-        <p14:creationId xmlns:p14="http://schemas.microsoft.com/office/powerpoint/2010/main" val="2649400970"/>
+        <p14:creationId xmlns:p14="http://schemas.microsoft.com/office/powerpoint/2010/main" val="2692460306"/>
       </p:ext>
     </p:extLst>
   </p:cSld>
@@ -3541,7 +3548,7 @@
           <a:p>
             <a:fld id="{8AAD598C-A564-4773-9938-73F095713663}" type="slidenum">
               <a:rPr lang="nl-BE" smtClean="0"/>
-              <a:t>3</a:t>
+              <a:t>4</a:t>
             </a:fld>
             <a:endParaRPr lang="nl-BE"/>
           </a:p>
@@ -3605,8 +3612,57 @@
           <a:lstStyle/>
           <a:p>
             <a:r>
+              <a:rPr lang="en-US" sz="1200" b="0" i="0" kern="1200" dirty="0">
+                <a:solidFill>
+                  <a:schemeClr val="tx1"/>
+                </a:solidFill>
+                <a:effectLst/>
+                <a:latin typeface="+mn-lt"/>
+                <a:ea typeface="+mn-ea"/>
+                <a:cs typeface="+mn-cs"/>
+              </a:rPr>
+              <a:t>Add a reference to the COM via the Add Reference dialog in Visual Studio .NET. Behind the scenes, Visual Studio® .NET invokes the tlbimp.exe tool to create a Runtime Callable Wrapper (RCW) class, contained in an </a:t>
+            </a:r>
+            <a:r>
+              <a:rPr lang="en-US" sz="1200" b="0" i="0" kern="1200" dirty="0" err="1">
+                <a:solidFill>
+                  <a:schemeClr val="tx1"/>
+                </a:solidFill>
+                <a:effectLst/>
+                <a:latin typeface="+mn-lt"/>
+                <a:ea typeface="+mn-ea"/>
+                <a:cs typeface="+mn-cs"/>
+              </a:rPr>
+              <a:t>interop</a:t>
+            </a:r>
+            <a:r>
+              <a:rPr lang="en-US" sz="1200" b="0" i="0" kern="1200" dirty="0">
+                <a:solidFill>
+                  <a:schemeClr val="tx1"/>
+                </a:solidFill>
+                <a:effectLst/>
+                <a:latin typeface="+mn-lt"/>
+                <a:ea typeface="+mn-ea"/>
+                <a:cs typeface="+mn-cs"/>
+              </a:rPr>
+              <a:t> assembly.</a:t>
+            </a:r>
+          </a:p>
+          <a:p>
+            <a:endParaRPr lang="en-US" sz="1200" b="0" i="0" kern="1200" dirty="0">
+              <a:solidFill>
+                <a:schemeClr val="tx1"/>
+              </a:solidFill>
+              <a:effectLst/>
+              <a:latin typeface="+mn-lt"/>
+              <a:ea typeface="+mn-ea"/>
+              <a:cs typeface="+mn-cs"/>
+            </a:endParaRPr>
+          </a:p>
+          <a:p>
+            <a:r>
               <a:rPr lang="nl-BE" dirty="0"/>
-              <a:t>Object Creational GoF Pattern</a:t>
+              <a:t>http://msdn.microsoft.com/en-us/magazine/cc188707.aspx#S4</a:t>
             </a:r>
           </a:p>
         </p:txBody>
@@ -3628,7 +3684,7 @@
           <a:p>
             <a:fld id="{8AAD598C-A564-4773-9938-73F095713663}" type="slidenum">
               <a:rPr lang="nl-BE" smtClean="0"/>
-              <a:t>35</a:t>
+              <a:t>38</a:t>
             </a:fld>
             <a:endParaRPr lang="nl-BE"/>
           </a:p>
@@ -3637,7 +3693,7 @@
     </p:spTree>
     <p:extLst>
       <p:ext uri="{BB962C8B-B14F-4D97-AF65-F5344CB8AC3E}">
-        <p14:creationId xmlns:p14="http://schemas.microsoft.com/office/powerpoint/2010/main" val="1233954531"/>
+        <p14:creationId xmlns:p14="http://schemas.microsoft.com/office/powerpoint/2010/main" val="1195904989"/>
       </p:ext>
     </p:extLst>
   </p:cSld>
@@ -3693,8 +3749,23 @@
           <a:p>
             <a:r>
               <a:rPr lang="nl-BE" dirty="0"/>
-              <a:t>Object Structural GoF Pattern</a:t>
-            </a:r>
+              <a:t>Creditkaarten voor online betalingen:</a:t>
+            </a:r>
+          </a:p>
+          <a:p>
+            <a:r>
+              <a:rPr lang="nl-BE" dirty="0"/>
+              <a:t>VisaAdapter</a:t>
+            </a:r>
+          </a:p>
+          <a:p>
+            <a:r>
+              <a:rPr lang="nl-BE" dirty="0"/>
+              <a:t>MasterCardAdapter</a:t>
+            </a:r>
+          </a:p>
+          <a:p>
+            <a:endParaRPr lang="nl-BE" dirty="0"/>
           </a:p>
         </p:txBody>
       </p:sp>
@@ -3715,7 +3786,7 @@
           <a:p>
             <a:fld id="{8AAD598C-A564-4773-9938-73F095713663}" type="slidenum">
               <a:rPr lang="nl-BE" smtClean="0"/>
-              <a:t>37</a:t>
+              <a:t>39</a:t>
             </a:fld>
             <a:endParaRPr lang="nl-BE"/>
           </a:p>
@@ -3724,7 +3795,7 @@
     </p:spTree>
     <p:extLst>
       <p:ext uri="{BB962C8B-B14F-4D97-AF65-F5344CB8AC3E}">
-        <p14:creationId xmlns:p14="http://schemas.microsoft.com/office/powerpoint/2010/main" val="1980581622"/>
+        <p14:creationId xmlns:p14="http://schemas.microsoft.com/office/powerpoint/2010/main" val="1396305169"/>
       </p:ext>
     </p:extLst>
   </p:cSld>
@@ -3778,7 +3849,10 @@
           <a:bodyPr/>
           <a:lstStyle/>
           <a:p>
-            <a:endParaRPr lang="nl-BE" dirty="0"/>
+            <a:r>
+              <a:rPr lang="nl-BE" dirty="0"/>
+              <a:t>Object Creational GoF Pattern</a:t>
+            </a:r>
           </a:p>
         </p:txBody>
       </p:sp>
@@ -3789,7 +3863,7 @@
             <a:spLocks noGrp="1"/>
           </p:cNvSpPr>
           <p:nvPr>
-            <p:ph type="sldNum" sz="quarter" idx="5"/>
+            <p:ph type="sldNum" sz="quarter" idx="10"/>
           </p:nvPr>
         </p:nvSpPr>
         <p:spPr/>
@@ -3799,7 +3873,178 @@
           <a:p>
             <a:fld id="{8AAD598C-A564-4773-9938-73F095713663}" type="slidenum">
               <a:rPr lang="nl-BE" smtClean="0"/>
-              <a:t>40</a:t>
+              <a:t>41</a:t>
+            </a:fld>
+            <a:endParaRPr lang="nl-BE"/>
+          </a:p>
+        </p:txBody>
+      </p:sp>
+    </p:spTree>
+    <p:extLst>
+      <p:ext uri="{BB962C8B-B14F-4D97-AF65-F5344CB8AC3E}">
+        <p14:creationId xmlns:p14="http://schemas.microsoft.com/office/powerpoint/2010/main" val="1233954531"/>
+      </p:ext>
+    </p:extLst>
+  </p:cSld>
+  <p:clrMapOvr>
+    <a:masterClrMapping/>
+  </p:clrMapOvr>
+</p:notes>
+</file>
+
+<file path=ppt/notesSlides/notesSlide33.xml><?xml version="1.0" encoding="utf-8"?>
+<p:notes xmlns:a="http://schemas.openxmlformats.org/drawingml/2006/main" xmlns:r="http://schemas.openxmlformats.org/officeDocument/2006/relationships" xmlns:p="http://schemas.openxmlformats.org/presentationml/2006/main">
+  <p:cSld>
+    <p:spTree>
+      <p:nvGrpSpPr>
+        <p:cNvPr id="1" name=""/>
+        <p:cNvGrpSpPr/>
+        <p:nvPr/>
+      </p:nvGrpSpPr>
+      <p:grpSpPr>
+        <a:xfrm>
+          <a:off x="0" y="0"/>
+          <a:ext cx="0" cy="0"/>
+          <a:chOff x="0" y="0"/>
+          <a:chExt cx="0" cy="0"/>
+        </a:xfrm>
+      </p:grpSpPr>
+      <p:sp>
+        <p:nvSpPr>
+          <p:cNvPr id="2" name="Slide Image Placeholder 1"/>
+          <p:cNvSpPr>
+            <a:spLocks noGrp="1" noRot="1" noChangeAspect="1"/>
+          </p:cNvSpPr>
+          <p:nvPr>
+            <p:ph type="sldImg"/>
+          </p:nvPr>
+        </p:nvSpPr>
+        <p:spPr/>
+      </p:sp>
+      <p:sp>
+        <p:nvSpPr>
+          <p:cNvPr id="3" name="Notes Placeholder 2"/>
+          <p:cNvSpPr>
+            <a:spLocks noGrp="1"/>
+          </p:cNvSpPr>
+          <p:nvPr>
+            <p:ph type="body" idx="1"/>
+          </p:nvPr>
+        </p:nvSpPr>
+        <p:spPr/>
+        <p:txBody>
+          <a:bodyPr/>
+          <a:lstStyle/>
+          <a:p>
+            <a:r>
+              <a:rPr lang="nl-BE" dirty="0"/>
+              <a:t>Object Structural GoF Pattern</a:t>
+            </a:r>
+          </a:p>
+        </p:txBody>
+      </p:sp>
+      <p:sp>
+        <p:nvSpPr>
+          <p:cNvPr id="4" name="Slide Number Placeholder 3"/>
+          <p:cNvSpPr>
+            <a:spLocks noGrp="1"/>
+          </p:cNvSpPr>
+          <p:nvPr>
+            <p:ph type="sldNum" sz="quarter" idx="10"/>
+          </p:nvPr>
+        </p:nvSpPr>
+        <p:spPr/>
+        <p:txBody>
+          <a:bodyPr/>
+          <a:lstStyle/>
+          <a:p>
+            <a:fld id="{8AAD598C-A564-4773-9938-73F095713663}" type="slidenum">
+              <a:rPr lang="nl-BE" smtClean="0"/>
+              <a:t>43</a:t>
+            </a:fld>
+            <a:endParaRPr lang="nl-BE"/>
+          </a:p>
+        </p:txBody>
+      </p:sp>
+    </p:spTree>
+    <p:extLst>
+      <p:ext uri="{BB962C8B-B14F-4D97-AF65-F5344CB8AC3E}">
+        <p14:creationId xmlns:p14="http://schemas.microsoft.com/office/powerpoint/2010/main" val="1980581622"/>
+      </p:ext>
+    </p:extLst>
+  </p:cSld>
+  <p:clrMapOvr>
+    <a:masterClrMapping/>
+  </p:clrMapOvr>
+</p:notes>
+</file>
+
+<file path=ppt/notesSlides/notesSlide34.xml><?xml version="1.0" encoding="utf-8"?>
+<p:notes xmlns:a="http://schemas.openxmlformats.org/drawingml/2006/main" xmlns:r="http://schemas.openxmlformats.org/officeDocument/2006/relationships" xmlns:p="http://schemas.openxmlformats.org/presentationml/2006/main">
+  <p:cSld>
+    <p:spTree>
+      <p:nvGrpSpPr>
+        <p:cNvPr id="1" name=""/>
+        <p:cNvGrpSpPr/>
+        <p:nvPr/>
+      </p:nvGrpSpPr>
+      <p:grpSpPr>
+        <a:xfrm>
+          <a:off x="0" y="0"/>
+          <a:ext cx="0" cy="0"/>
+          <a:chOff x="0" y="0"/>
+          <a:chExt cx="0" cy="0"/>
+        </a:xfrm>
+      </p:grpSpPr>
+      <p:sp>
+        <p:nvSpPr>
+          <p:cNvPr id="2" name="Slide Image Placeholder 1"/>
+          <p:cNvSpPr>
+            <a:spLocks noGrp="1" noRot="1" noChangeAspect="1"/>
+          </p:cNvSpPr>
+          <p:nvPr>
+            <p:ph type="sldImg"/>
+          </p:nvPr>
+        </p:nvSpPr>
+        <p:spPr/>
+      </p:sp>
+      <p:sp>
+        <p:nvSpPr>
+          <p:cNvPr id="3" name="Notes Placeholder 2"/>
+          <p:cNvSpPr>
+            <a:spLocks noGrp="1"/>
+          </p:cNvSpPr>
+          <p:nvPr>
+            <p:ph type="body" idx="1"/>
+          </p:nvPr>
+        </p:nvSpPr>
+        <p:spPr/>
+        <p:txBody>
+          <a:bodyPr/>
+          <a:lstStyle/>
+          <a:p>
+            <a:endParaRPr lang="nl-BE" dirty="0"/>
+          </a:p>
+        </p:txBody>
+      </p:sp>
+      <p:sp>
+        <p:nvSpPr>
+          <p:cNvPr id="4" name="Slide Number Placeholder 3"/>
+          <p:cNvSpPr>
+            <a:spLocks noGrp="1"/>
+          </p:cNvSpPr>
+          <p:nvPr>
+            <p:ph type="sldNum" sz="quarter" idx="5"/>
+          </p:nvPr>
+        </p:nvSpPr>
+        <p:spPr/>
+        <p:txBody>
+          <a:bodyPr/>
+          <a:lstStyle/>
+          <a:p>
+            <a:fld id="{8AAD598C-A564-4773-9938-73F095713663}" type="slidenum">
+              <a:rPr lang="nl-BE" smtClean="0"/>
+              <a:t>46</a:t>
             </a:fld>
             <a:endParaRPr lang="nl-BE"/>
           </a:p>
@@ -3890,7 +4135,7 @@
           <a:p>
             <a:fld id="{8AAD598C-A564-4773-9938-73F095713663}" type="slidenum">
               <a:rPr lang="nl-BE" smtClean="0"/>
-              <a:t>4</a:t>
+              <a:t>5</a:t>
             </a:fld>
             <a:endParaRPr lang="nl-BE"/>
           </a:p>
@@ -4031,6 +4276,29 @@
             <a:endParaRPr lang="nl-BE" baseline="0" dirty="0"/>
           </a:p>
           <a:p>
+            <a:pPr marL="0" marR="0" lvl="0" indent="0" algn="l" defTabSz="914400" rtl="0" eaLnBrk="1" fontAlgn="auto" latinLnBrk="0" hangingPunct="1">
+              <a:lnSpc>
+                <a:spcPct val="100000"/>
+              </a:lnSpc>
+              <a:spcBef>
+                <a:spcPts val="0"/>
+              </a:spcBef>
+              <a:spcAft>
+                <a:spcPts val="0"/>
+              </a:spcAft>
+              <a:buClrTx/>
+              <a:buSzTx/>
+              <a:buFontTx/>
+              <a:buNone/>
+              <a:tabLst/>
+              <a:defRPr/>
+            </a:pPr>
+            <a:r>
+              <a:rPr lang="nl-BE" sz="1200" i="1" dirty="0"/>
+              <a:t>“A simple and elegant solution to a specific problem in Object Oriented Design.”</a:t>
+            </a:r>
+          </a:p>
+          <a:p>
             <a:endParaRPr lang="nl-BE" dirty="0"/>
           </a:p>
         </p:txBody>
@@ -4052,7 +4320,7 @@
           <a:p>
             <a:fld id="{8AAD598C-A564-4773-9938-73F095713663}" type="slidenum">
               <a:rPr lang="nl-BE" smtClean="0"/>
-              <a:t>5</a:t>
+              <a:t>6</a:t>
             </a:fld>
             <a:endParaRPr lang="nl-BE"/>
           </a:p>
@@ -4115,56 +4383,48 @@
           <a:bodyPr/>
           <a:lstStyle/>
           <a:p>
-            <a:pPr marL="0" marR="0" indent="0" algn="l" defTabSz="914400" rtl="0" eaLnBrk="1" fontAlgn="auto" latinLnBrk="0" hangingPunct="1">
-              <a:lnSpc>
-                <a:spcPct val="100000"/>
-              </a:lnSpc>
-              <a:spcBef>
-                <a:spcPts val="0"/>
-              </a:spcBef>
-              <a:spcAft>
-                <a:spcPts val="0"/>
-              </a:spcAft>
-              <a:buClrTx/>
-              <a:buSzTx/>
-              <a:buFontTx/>
-              <a:buNone/>
-              <a:tabLst/>
-              <a:defRPr/>
-            </a:pPr>
             <a:r>
               <a:rPr lang="nl-BE" dirty="0"/>
-              <a:t>Name:</a:t>
+              <a:t>Creational: Factory method, Builder, Abstract factory, Prototype, Singleton/Multiton</a:t>
+            </a:r>
+          </a:p>
+          <a:p>
+            <a:r>
+              <a:rPr lang="nl-BE" dirty="0"/>
+              <a:t>Structural: Adapter/Wrapper, Composite, Facade, Proxy, Flyweight</a:t>
+            </a:r>
+          </a:p>
+          <a:p>
+            <a:r>
+              <a:rPr lang="nl-BE" dirty="0"/>
+              <a:t>Behavioral: Command, Iterator, Memento, Mediator, Observer, Null Object, State, Strategy, Template Method, Visitor</a:t>
+            </a:r>
+          </a:p>
+          <a:p>
+            <a:endParaRPr lang="nl-BE" dirty="0"/>
+          </a:p>
+          <a:p>
+            <a:r>
+              <a:rPr lang="nl-BE" dirty="0"/>
+              <a:t>Not covered</a:t>
             </a:r>
             <a:r>
               <a:rPr lang="nl-BE" baseline="0" dirty="0"/>
-              <a:t> Allow us to communicate (colleagues, documentation, ourselves) at a higher level of abstraction. </a:t>
-            </a:r>
-            <a:r>
-              <a:rPr lang="en-US" dirty="0"/>
-              <a:t>Good names communicate. Poor names obfuscate.</a:t>
-            </a:r>
-          </a:p>
-          <a:p>
-            <a:r>
-              <a:rPr lang="nl-BE" baseline="0" dirty="0"/>
-              <a:t>Problem: When to apply the pattern. </a:t>
-            </a:r>
-          </a:p>
-          <a:p>
-            <a:r>
-              <a:rPr lang="nl-BE" baseline="0" dirty="0"/>
-              <a:t>Solution: The elements that make up the design, their relationships, responsibilities, and collaborations.</a:t>
-            </a:r>
-          </a:p>
-          <a:p>
-            <a:r>
-              <a:rPr lang="nl-BE" baseline="0" dirty="0"/>
-              <a:t>Consequences: The results AND the trade-offs of applying the pattern. Critical for evaluating design alternatives and for understanding the costs and benefits of applying the pattern.</a:t>
-            </a:r>
-          </a:p>
-          <a:p>
-            <a:endParaRPr lang="nl-BE" baseline="0" dirty="0"/>
+              <a:t> by GoF:</a:t>
+            </a:r>
+            <a:endParaRPr lang="nl-BE" dirty="0"/>
+          </a:p>
+          <a:p>
+            <a:r>
+              <a:rPr lang="nl-BE" dirty="0"/>
+              <a:t>GUI: MVC, MVVM, MVP, ...</a:t>
+            </a:r>
+          </a:p>
+          <a:p>
+            <a:r>
+              <a:rPr lang="nl-BE" dirty="0"/>
+              <a:t>Concurrency: ReadWrite lock, Monitor, ThreadPool</a:t>
+            </a:r>
           </a:p>
         </p:txBody>
       </p:sp>
@@ -4185,7 +4445,7 @@
           <a:p>
             <a:fld id="{8AAD598C-A564-4773-9938-73F095713663}" type="slidenum">
               <a:rPr lang="nl-BE" smtClean="0"/>
-              <a:t>6</a:t>
+              <a:t>7</a:t>
             </a:fld>
             <a:endParaRPr lang="nl-BE"/>
           </a:p>
@@ -4194,7 +4454,7 @@
     </p:spTree>
     <p:extLst>
       <p:ext uri="{BB962C8B-B14F-4D97-AF65-F5344CB8AC3E}">
-        <p14:creationId xmlns:p14="http://schemas.microsoft.com/office/powerpoint/2010/main" val="794758796"/>
+        <p14:creationId xmlns:p14="http://schemas.microsoft.com/office/powerpoint/2010/main" val="1197248579"/>
       </p:ext>
     </p:extLst>
   </p:cSld>
@@ -4248,48 +4508,56 @@
           <a:bodyPr/>
           <a:lstStyle/>
           <a:p>
+            <a:pPr marL="0" marR="0" indent="0" algn="l" defTabSz="914400" rtl="0" eaLnBrk="1" fontAlgn="auto" latinLnBrk="0" hangingPunct="1">
+              <a:lnSpc>
+                <a:spcPct val="100000"/>
+              </a:lnSpc>
+              <a:spcBef>
+                <a:spcPts val="0"/>
+              </a:spcBef>
+              <a:spcAft>
+                <a:spcPts val="0"/>
+              </a:spcAft>
+              <a:buClrTx/>
+              <a:buSzTx/>
+              <a:buFontTx/>
+              <a:buNone/>
+              <a:tabLst/>
+              <a:defRPr/>
+            </a:pPr>
             <a:r>
               <a:rPr lang="nl-BE" dirty="0"/>
-              <a:t>Creational: Factory method, Builder, Abstract factory, Prototype, Singleton/Multiton</a:t>
-            </a:r>
-          </a:p>
-          <a:p>
-            <a:r>
-              <a:rPr lang="nl-BE" dirty="0"/>
-              <a:t>Structural: Adapter/Wrapper, Composite, Facade, Proxy, Flyweight</a:t>
-            </a:r>
-          </a:p>
-          <a:p>
-            <a:r>
-              <a:rPr lang="nl-BE" dirty="0"/>
-              <a:t>Behavioral: Command, Iterator, Memento, Mediator, Observer, Null Object, State, Strategy, Template Method, Visitor</a:t>
-            </a:r>
-          </a:p>
-          <a:p>
-            <a:endParaRPr lang="nl-BE" dirty="0"/>
-          </a:p>
-          <a:p>
-            <a:r>
-              <a:rPr lang="nl-BE" dirty="0"/>
-              <a:t>Not covered</a:t>
+              <a:t>Name:</a:t>
             </a:r>
             <a:r>
               <a:rPr lang="nl-BE" baseline="0" dirty="0"/>
-              <a:t> by GoF:</a:t>
-            </a:r>
-            <a:endParaRPr lang="nl-BE" dirty="0"/>
-          </a:p>
-          <a:p>
-            <a:r>
-              <a:rPr lang="nl-BE" dirty="0"/>
-              <a:t>GUI: MVC, MVVM, MVP, ...</a:t>
-            </a:r>
-          </a:p>
-          <a:p>
-            <a:r>
-              <a:rPr lang="nl-BE" dirty="0"/>
-              <a:t>Concurrency: ReadWrite lock, Monitor, ThreadPool</a:t>
-            </a:r>
+              <a:t> Allow us to communicate (colleagues, documentation, ourselves) at a higher level of abstraction. </a:t>
+            </a:r>
+            <a:r>
+              <a:rPr lang="en-US" dirty="0"/>
+              <a:t>Good names communicate. Poor names obfuscate.</a:t>
+            </a:r>
+          </a:p>
+          <a:p>
+            <a:r>
+              <a:rPr lang="nl-BE" baseline="0" dirty="0"/>
+              <a:t>Problem: When to apply the pattern. </a:t>
+            </a:r>
+          </a:p>
+          <a:p>
+            <a:r>
+              <a:rPr lang="nl-BE" baseline="0" dirty="0"/>
+              <a:t>Solution: The elements that make up the design, their relationships, responsibilities, and collaborations.</a:t>
+            </a:r>
+          </a:p>
+          <a:p>
+            <a:r>
+              <a:rPr lang="nl-BE" baseline="0" dirty="0"/>
+              <a:t>Consequences: The results AND the trade-offs of applying the pattern. Critical for evaluating design alternatives and for understanding the costs and benefits of applying the pattern.</a:t>
+            </a:r>
+          </a:p>
+          <a:p>
+            <a:endParaRPr lang="nl-BE" baseline="0" dirty="0"/>
           </a:p>
         </p:txBody>
       </p:sp>
@@ -4310,7 +4578,7 @@
           <a:p>
             <a:fld id="{8AAD598C-A564-4773-9938-73F095713663}" type="slidenum">
               <a:rPr lang="nl-BE" smtClean="0"/>
-              <a:t>7</a:t>
+              <a:t>8</a:t>
             </a:fld>
             <a:endParaRPr lang="nl-BE"/>
           </a:p>
@@ -4319,7 +4587,7 @@
     </p:spTree>
     <p:extLst>
       <p:ext uri="{BB962C8B-B14F-4D97-AF65-F5344CB8AC3E}">
-        <p14:creationId xmlns:p14="http://schemas.microsoft.com/office/powerpoint/2010/main" val="1197248579"/>
+        <p14:creationId xmlns:p14="http://schemas.microsoft.com/office/powerpoint/2010/main" val="794758796"/>
       </p:ext>
     </p:extLst>
   </p:cSld>
@@ -4487,7 +4755,7 @@
           <a:p>
             <a:fld id="{8AAD598C-A564-4773-9938-73F095713663}" type="slidenum">
               <a:rPr lang="nl-BE" smtClean="0"/>
-              <a:t>8</a:t>
+              <a:t>9</a:t>
             </a:fld>
             <a:endParaRPr lang="nl-BE"/>
           </a:p>
@@ -4591,7 +4859,7 @@
           <a:p>
             <a:fld id="{8AAD598C-A564-4773-9938-73F095713663}" type="slidenum">
               <a:rPr lang="nl-BE" smtClean="0"/>
-              <a:t>9</a:t>
+              <a:t>10</a:t>
             </a:fld>
             <a:endParaRPr lang="nl-BE"/>
           </a:p>
@@ -10555,12 +10823,397 @@
       </p:grpSpPr>
       <p:sp>
         <p:nvSpPr>
+          <p:cNvPr id="2" name="Title 1">
+            <a:extLst>
+              <a:ext uri="{FF2B5EF4-FFF2-40B4-BE49-F238E27FC236}">
+                <a16:creationId xmlns:a16="http://schemas.microsoft.com/office/drawing/2014/main" id="{6E4B207A-A4B7-456E-B1FD-EF25D9DB634A}"/>
+              </a:ext>
+            </a:extLst>
+          </p:cNvPr>
+          <p:cNvSpPr>
+            <a:spLocks noGrp="1"/>
+          </p:cNvSpPr>
+          <p:nvPr>
+            <p:ph type="title"/>
+          </p:nvPr>
+        </p:nvSpPr>
+        <p:spPr>
+          <a:xfrm>
+            <a:off x="689339" y="2489228"/>
+            <a:ext cx="7765322" cy="970450"/>
+          </a:xfrm>
+        </p:spPr>
+        <p:txBody>
+          <a:bodyPr>
+            <a:normAutofit fontScale="90000"/>
+          </a:bodyPr>
+          <a:lstStyle/>
+          <a:p>
+            <a:r>
+              <a:rPr lang="nl-BE" dirty="0"/>
+              <a:t>git clone https://github.com/itenium-be/Talk-DesignPatterns</a:t>
+            </a:r>
+          </a:p>
+        </p:txBody>
+      </p:sp>
+      <p:pic>
+        <p:nvPicPr>
+          <p:cNvPr id="4" name="Picture 3">
+            <a:extLst>
+              <a:ext uri="{FF2B5EF4-FFF2-40B4-BE49-F238E27FC236}">
+                <a16:creationId xmlns:a16="http://schemas.microsoft.com/office/drawing/2014/main" id="{46882933-F914-40F6-9D39-4F31CF4EA919}"/>
+              </a:ext>
+            </a:extLst>
+          </p:cNvPr>
+          <p:cNvPicPr>
+            <a:picLocks noChangeAspect="1"/>
+          </p:cNvPicPr>
+          <p:nvPr/>
+        </p:nvPicPr>
+        <p:blipFill>
+          <a:blip r:embed="rId2" cstate="print">
+            <a:extLst>
+              <a:ext uri="{28A0092B-C50C-407E-A947-70E740481C1C}">
+                <a14:useLocalDpi xmlns:a14="http://schemas.microsoft.com/office/drawing/2010/main" val="0"/>
+              </a:ext>
+            </a:extLst>
+          </a:blip>
+          <a:stretch>
+            <a:fillRect/>
+          </a:stretch>
+        </p:blipFill>
+        <p:spPr>
+          <a:xfrm>
+            <a:off x="7239000" y="-34527"/>
+            <a:ext cx="1905000" cy="1905000"/>
+          </a:xfrm>
+          <a:prstGeom prst="rect">
+            <a:avLst/>
+          </a:prstGeom>
+        </p:spPr>
+      </p:pic>
+      <p:sp>
+        <p:nvSpPr>
+          <p:cNvPr id="6" name="Title 1">
+            <a:extLst>
+              <a:ext uri="{FF2B5EF4-FFF2-40B4-BE49-F238E27FC236}">
+                <a16:creationId xmlns:a16="http://schemas.microsoft.com/office/drawing/2014/main" id="{ECE00417-AF3A-4667-A563-D3AD7E06FBA3}"/>
+              </a:ext>
+            </a:extLst>
+          </p:cNvPr>
+          <p:cNvSpPr txBox="1">
+            <a:spLocks/>
+          </p:cNvSpPr>
+          <p:nvPr/>
+        </p:nvSpPr>
+        <p:spPr>
+          <a:xfrm>
+            <a:off x="426178" y="533400"/>
+            <a:ext cx="7765322" cy="970450"/>
+          </a:xfrm>
+          <a:prstGeom prst="rect">
+            <a:avLst/>
+          </a:prstGeom>
+          <a:effectLst>
+            <a:outerShdw blurRad="25400" dir="17880000">
+              <a:srgbClr val="000000">
+                <a:alpha val="46000"/>
+              </a:srgbClr>
+            </a:outerShdw>
+          </a:effectLst>
+        </p:spPr>
+        <p:txBody>
+          <a:bodyPr vert="horz" lIns="91440" tIns="45720" rIns="91440" bIns="45720" rtlCol="0" anchor="ctr">
+            <a:normAutofit fontScale="97500"/>
+          </a:bodyPr>
+          <a:lstStyle>
+            <a:lvl1pPr algn="ctr" defTabSz="457200" rtl="0" eaLnBrk="1" latinLnBrk="0" hangingPunct="1">
+              <a:spcBef>
+                <a:spcPct val="0"/>
+              </a:spcBef>
+              <a:buNone/>
+              <a:defRPr sz="4000" kern="1200">
+                <a:ln>
+                  <a:solidFill>
+                    <a:schemeClr val="bg1">
+                      <a:lumMod val="75000"/>
+                      <a:lumOff val="25000"/>
+                      <a:alpha val="10000"/>
+                    </a:schemeClr>
+                  </a:solidFill>
+                </a:ln>
+                <a:solidFill>
+                  <a:schemeClr val="tx2"/>
+                </a:solidFill>
+                <a:effectLst>
+                  <a:outerShdw blurRad="9525" dist="25400" dir="14640000" algn="tl" rotWithShape="0">
+                    <a:schemeClr val="bg1">
+                      <a:alpha val="30000"/>
+                    </a:schemeClr>
+                  </a:outerShdw>
+                </a:effectLst>
+                <a:latin typeface="+mj-lt"/>
+                <a:ea typeface="+mj-ea"/>
+                <a:cs typeface="Trebuchet MS"/>
+              </a:defRPr>
+            </a:lvl1pPr>
+            <a:lvl2pPr eaLnBrk="1" hangingPunct="1">
+              <a:defRPr>
+                <a:solidFill>
+                  <a:schemeClr val="tx2"/>
+                </a:solidFill>
+              </a:defRPr>
+            </a:lvl2pPr>
+            <a:lvl3pPr eaLnBrk="1" hangingPunct="1">
+              <a:defRPr>
+                <a:solidFill>
+                  <a:schemeClr val="tx2"/>
+                </a:solidFill>
+              </a:defRPr>
+            </a:lvl3pPr>
+            <a:lvl4pPr eaLnBrk="1" hangingPunct="1">
+              <a:defRPr>
+                <a:solidFill>
+                  <a:schemeClr val="tx2"/>
+                </a:solidFill>
+              </a:defRPr>
+            </a:lvl4pPr>
+            <a:lvl5pPr eaLnBrk="1" hangingPunct="1">
+              <a:defRPr>
+                <a:solidFill>
+                  <a:schemeClr val="tx2"/>
+                </a:solidFill>
+              </a:defRPr>
+            </a:lvl5pPr>
+            <a:lvl6pPr eaLnBrk="1" hangingPunct="1">
+              <a:defRPr>
+                <a:solidFill>
+                  <a:schemeClr val="tx2"/>
+                </a:solidFill>
+              </a:defRPr>
+            </a:lvl6pPr>
+            <a:lvl7pPr eaLnBrk="1" hangingPunct="1">
+              <a:defRPr>
+                <a:solidFill>
+                  <a:schemeClr val="tx2"/>
+                </a:solidFill>
+              </a:defRPr>
+            </a:lvl7pPr>
+            <a:lvl8pPr eaLnBrk="1" hangingPunct="1">
+              <a:defRPr>
+                <a:solidFill>
+                  <a:schemeClr val="tx2"/>
+                </a:solidFill>
+              </a:defRPr>
+            </a:lvl8pPr>
+            <a:lvl9pPr eaLnBrk="1" hangingPunct="1">
+              <a:defRPr>
+                <a:solidFill>
+                  <a:schemeClr val="tx2"/>
+                </a:solidFill>
+              </a:defRPr>
+            </a:lvl9pPr>
+          </a:lstStyle>
+          <a:p>
+            <a:r>
+              <a:rPr lang="nl-BE" dirty="0"/>
+              <a:t>Show me the code</a:t>
+            </a:r>
+          </a:p>
+        </p:txBody>
+      </p:sp>
+      <p:sp>
+        <p:nvSpPr>
+          <p:cNvPr id="8" name="Title 1">
+            <a:extLst>
+              <a:ext uri="{FF2B5EF4-FFF2-40B4-BE49-F238E27FC236}">
+                <a16:creationId xmlns:a16="http://schemas.microsoft.com/office/drawing/2014/main" id="{A21E3F4D-3ADC-439C-88F8-43A975BDFE19}"/>
+              </a:ext>
+            </a:extLst>
+          </p:cNvPr>
+          <p:cNvSpPr txBox="1">
+            <a:spLocks/>
+          </p:cNvSpPr>
+          <p:nvPr/>
+        </p:nvSpPr>
+        <p:spPr>
+          <a:xfrm>
+            <a:off x="689339" y="3789892"/>
+            <a:ext cx="7765322" cy="2687108"/>
+          </a:xfrm>
+          <a:prstGeom prst="rect">
+            <a:avLst/>
+          </a:prstGeom>
+          <a:effectLst>
+            <a:outerShdw blurRad="25400" dir="17880000">
+              <a:srgbClr val="000000">
+                <a:alpha val="46000"/>
+              </a:srgbClr>
+            </a:outerShdw>
+          </a:effectLst>
+        </p:spPr>
+        <p:txBody>
+          <a:bodyPr vert="horz" lIns="91440" tIns="45720" rIns="91440" bIns="45720" rtlCol="0" anchor="ctr">
+            <a:normAutofit fontScale="97500"/>
+          </a:bodyPr>
+          <a:lstStyle>
+            <a:lvl1pPr algn="ctr" defTabSz="457200" rtl="0" eaLnBrk="1" latinLnBrk="0" hangingPunct="1">
+              <a:spcBef>
+                <a:spcPct val="0"/>
+              </a:spcBef>
+              <a:buNone/>
+              <a:defRPr sz="4000" kern="1200">
+                <a:ln>
+                  <a:solidFill>
+                    <a:schemeClr val="bg1">
+                      <a:lumMod val="75000"/>
+                      <a:lumOff val="25000"/>
+                      <a:alpha val="10000"/>
+                    </a:schemeClr>
+                  </a:solidFill>
+                </a:ln>
+                <a:solidFill>
+                  <a:schemeClr val="tx2"/>
+                </a:solidFill>
+                <a:effectLst>
+                  <a:outerShdw blurRad="9525" dist="25400" dir="14640000" algn="tl" rotWithShape="0">
+                    <a:schemeClr val="bg1">
+                      <a:alpha val="30000"/>
+                    </a:schemeClr>
+                  </a:outerShdw>
+                </a:effectLst>
+                <a:latin typeface="+mj-lt"/>
+                <a:ea typeface="+mj-ea"/>
+                <a:cs typeface="Trebuchet MS"/>
+              </a:defRPr>
+            </a:lvl1pPr>
+            <a:lvl2pPr eaLnBrk="1" hangingPunct="1">
+              <a:defRPr>
+                <a:solidFill>
+                  <a:schemeClr val="tx2"/>
+                </a:solidFill>
+              </a:defRPr>
+            </a:lvl2pPr>
+            <a:lvl3pPr eaLnBrk="1" hangingPunct="1">
+              <a:defRPr>
+                <a:solidFill>
+                  <a:schemeClr val="tx2"/>
+                </a:solidFill>
+              </a:defRPr>
+            </a:lvl3pPr>
+            <a:lvl4pPr eaLnBrk="1" hangingPunct="1">
+              <a:defRPr>
+                <a:solidFill>
+                  <a:schemeClr val="tx2"/>
+                </a:solidFill>
+              </a:defRPr>
+            </a:lvl4pPr>
+            <a:lvl5pPr eaLnBrk="1" hangingPunct="1">
+              <a:defRPr>
+                <a:solidFill>
+                  <a:schemeClr val="tx2"/>
+                </a:solidFill>
+              </a:defRPr>
+            </a:lvl5pPr>
+            <a:lvl6pPr eaLnBrk="1" hangingPunct="1">
+              <a:defRPr>
+                <a:solidFill>
+                  <a:schemeClr val="tx2"/>
+                </a:solidFill>
+              </a:defRPr>
+            </a:lvl6pPr>
+            <a:lvl7pPr eaLnBrk="1" hangingPunct="1">
+              <a:defRPr>
+                <a:solidFill>
+                  <a:schemeClr val="tx2"/>
+                </a:solidFill>
+              </a:defRPr>
+            </a:lvl7pPr>
+            <a:lvl8pPr eaLnBrk="1" hangingPunct="1">
+              <a:defRPr>
+                <a:solidFill>
+                  <a:schemeClr val="tx2"/>
+                </a:solidFill>
+              </a:defRPr>
+            </a:lvl8pPr>
+            <a:lvl9pPr eaLnBrk="1" hangingPunct="1">
+              <a:defRPr>
+                <a:solidFill>
+                  <a:schemeClr val="tx2"/>
+                </a:solidFill>
+              </a:defRPr>
+            </a:lvl9pPr>
+          </a:lstStyle>
+          <a:p>
+            <a:r>
+              <a:rPr lang="nl-BE" dirty="0"/>
+              <a:t>cd Talk-DesignPatterns</a:t>
+            </a:r>
+            <a:br>
+              <a:rPr lang="nl-BE" dirty="0"/>
+            </a:br>
+            <a:r>
+              <a:rPr lang="nl-BE" dirty="0"/>
+              <a:t>npm install</a:t>
+            </a:r>
+            <a:br>
+              <a:rPr lang="nl-BE" dirty="0"/>
+            </a:br>
+            <a:r>
+              <a:rPr lang="nl-BE" dirty="0"/>
+              <a:t>git checkout v1-hard-coded</a:t>
+            </a:r>
+            <a:br>
+              <a:rPr lang="nl-BE" dirty="0"/>
+            </a:br>
+            <a:r>
+              <a:rPr lang="nl-BE" dirty="0"/>
+              <a:t>cd JavaScript</a:t>
+            </a:r>
+          </a:p>
+          <a:p>
+            <a:endParaRPr lang="nl-BE" dirty="0"/>
+          </a:p>
+        </p:txBody>
+      </p:sp>
+    </p:spTree>
+    <p:extLst>
+      <p:ext uri="{BB962C8B-B14F-4D97-AF65-F5344CB8AC3E}">
+        <p14:creationId xmlns:p14="http://schemas.microsoft.com/office/powerpoint/2010/main" val="2154864315"/>
+      </p:ext>
+    </p:extLst>
+  </p:cSld>
+  <p:clrMapOvr>
+    <a:masterClrMapping/>
+  </p:clrMapOvr>
+</p:sld>
+</file>
+
+<file path=ppt/slides/slide10.xml><?xml version="1.0" encoding="utf-8"?>
+<p:sld xmlns:a="http://schemas.openxmlformats.org/drawingml/2006/main" xmlns:r="http://schemas.openxmlformats.org/officeDocument/2006/relationships" xmlns:p="http://schemas.openxmlformats.org/presentationml/2006/main">
+  <p:cSld>
+    <p:spTree>
+      <p:nvGrpSpPr>
+        <p:cNvPr id="1" name=""/>
+        <p:cNvGrpSpPr/>
+        <p:nvPr/>
+      </p:nvGrpSpPr>
+      <p:grpSpPr>
+        <a:xfrm>
+          <a:off x="0" y="0"/>
+          <a:ext cx="0" cy="0"/>
+          <a:chOff x="0" y="0"/>
+          <a:chExt cx="0" cy="0"/>
+        </a:xfrm>
+      </p:grpSpPr>
+      <p:sp>
+        <p:nvSpPr>
           <p:cNvPr id="2" name="Title 1"/>
           <p:cNvSpPr>
             <a:spLocks noGrp="1"/>
           </p:cNvSpPr>
           <p:nvPr>
-            <p:ph type="ctrTitle"/>
+            <p:ph type="title"/>
           </p:nvPr>
         </p:nvSpPr>
         <p:spPr/>
@@ -10570,36 +11223,49 @@
           <a:p>
             <a:r>
               <a:rPr lang="nl-BE" dirty="0"/>
-              <a:t>Design Patterns</a:t>
-            </a:r>
-          </a:p>
-        </p:txBody>
-      </p:sp>
-      <p:sp>
-        <p:nvSpPr>
-          <p:cNvPr id="3" name="Subtitle 2"/>
-          <p:cNvSpPr>
-            <a:spLocks noGrp="1"/>
-          </p:cNvSpPr>
-          <p:nvPr>
-            <p:ph type="subTitle" idx="1"/>
+              <a:t>Pattern Pitfalls</a:t>
+            </a:r>
+          </a:p>
+        </p:txBody>
+      </p:sp>
+      <p:sp>
+        <p:nvSpPr>
+          <p:cNvPr id="3" name="Content Placeholder 2"/>
+          <p:cNvSpPr>
+            <a:spLocks noGrp="1"/>
+          </p:cNvSpPr>
+          <p:nvPr>
+            <p:ph idx="1"/>
           </p:nvPr>
         </p:nvSpPr>
         <p:spPr/>
         <p:txBody>
-          <a:bodyPr/>
+          <a:bodyPr>
+            <a:normAutofit/>
+          </a:bodyPr>
           <a:lstStyle/>
           <a:p>
-            <a:endParaRPr lang="nl-BE"/>
+            <a:pPr marL="0" indent="0">
+              <a:buNone/>
+            </a:pPr>
+            <a:r>
+              <a:rPr lang="nl-BE" sz="2800" i="1" dirty="0"/>
+              <a:t>“When all you have is a hammer, everything looks like a nail.” - </a:t>
+            </a:r>
+            <a:r>
+              <a:rPr lang="nl-BE" sz="2800" dirty="0"/>
+              <a:t>Maslow's hammer</a:t>
+            </a:r>
+            <a:endParaRPr lang="nl-BE" sz="2800" i="1" dirty="0"/>
           </a:p>
         </p:txBody>
       </p:sp>
       <p:pic>
         <p:nvPicPr>
-          <p:cNvPr id="5" name="Picture 4">
+          <p:cNvPr id="4" name="Picture 3">
             <a:extLst>
               <a:ext uri="{FF2B5EF4-FFF2-40B4-BE49-F238E27FC236}">
-                <a16:creationId xmlns:a16="http://schemas.microsoft.com/office/drawing/2014/main" id="{CC029E3F-7C78-4B1C-8BF6-57C294F3D025}"/>
+                <a16:creationId xmlns:a16="http://schemas.microsoft.com/office/drawing/2014/main" id="{BE235E9E-8CE0-45E5-A7A1-EAB2A04A5A80}"/>
               </a:ext>
             </a:extLst>
           </p:cNvPr>
@@ -10633,7 +11299,7 @@
     </p:spTree>
     <p:extLst>
       <p:ext uri="{BB962C8B-B14F-4D97-AF65-F5344CB8AC3E}">
-        <p14:creationId xmlns:p14="http://schemas.microsoft.com/office/powerpoint/2010/main" val="1709673712"/>
+        <p14:creationId xmlns:p14="http://schemas.microsoft.com/office/powerpoint/2010/main" val="2566132796"/>
       </p:ext>
     </p:extLst>
   </p:cSld>
@@ -10643,7 +11309,151 @@
 </p:sld>
 </file>
 
-<file path=ppt/slides/slide10.xml><?xml version="1.0" encoding="utf-8"?>
+<file path=ppt/slides/slide11.xml><?xml version="1.0" encoding="utf-8"?>
+<p:sld xmlns:a="http://schemas.openxmlformats.org/drawingml/2006/main" xmlns:r="http://schemas.openxmlformats.org/officeDocument/2006/relationships" xmlns:p="http://schemas.openxmlformats.org/presentationml/2006/main">
+  <p:cSld>
+    <p:spTree>
+      <p:nvGrpSpPr>
+        <p:cNvPr id="1" name=""/>
+        <p:cNvGrpSpPr/>
+        <p:nvPr/>
+      </p:nvGrpSpPr>
+      <p:grpSpPr>
+        <a:xfrm>
+          <a:off x="0" y="0"/>
+          <a:ext cx="0" cy="0"/>
+          <a:chOff x="0" y="0"/>
+          <a:chExt cx="0" cy="0"/>
+        </a:xfrm>
+      </p:grpSpPr>
+      <p:sp>
+        <p:nvSpPr>
+          <p:cNvPr id="2" name="Title 1"/>
+          <p:cNvSpPr>
+            <a:spLocks noGrp="1"/>
+          </p:cNvSpPr>
+          <p:nvPr>
+            <p:ph type="title"/>
+          </p:nvPr>
+        </p:nvSpPr>
+        <p:spPr/>
+        <p:txBody>
+          <a:bodyPr/>
+          <a:lstStyle/>
+          <a:p>
+            <a:r>
+              <a:rPr lang="nl-BE" dirty="0"/>
+              <a:t>Pattern Pitfalls</a:t>
+            </a:r>
+          </a:p>
+        </p:txBody>
+      </p:sp>
+      <p:sp>
+        <p:nvSpPr>
+          <p:cNvPr id="3" name="Content Placeholder 2"/>
+          <p:cNvSpPr>
+            <a:spLocks noGrp="1"/>
+          </p:cNvSpPr>
+          <p:nvPr>
+            <p:ph idx="1"/>
+          </p:nvPr>
+        </p:nvSpPr>
+        <p:spPr/>
+        <p:txBody>
+          <a:bodyPr>
+            <a:normAutofit/>
+          </a:bodyPr>
+          <a:lstStyle/>
+          <a:p>
+            <a:pPr marL="0" indent="0">
+              <a:buNone/>
+            </a:pPr>
+            <a:endParaRPr lang="nl-BE" dirty="0"/>
+          </a:p>
+          <a:p>
+            <a:pPr marL="0" indent="0">
+              <a:buNone/>
+            </a:pPr>
+            <a:r>
+              <a:rPr lang="nl-BE" dirty="0"/>
+              <a:t>“</a:t>
+            </a:r>
+            <a:r>
+              <a:rPr lang="en-US" sz="2800" dirty="0"/>
+              <a:t>When one is designing the successor to a relatively small, elegant, and successful system, there is a tendency to become grandiose in one's success and design an </a:t>
+            </a:r>
+            <a:r>
+              <a:rPr lang="en-US" sz="2800" i="1" dirty="0"/>
+              <a:t>elephantine</a:t>
+            </a:r>
+            <a:r>
+              <a:rPr lang="en-US" sz="2800" dirty="0"/>
+              <a:t> feature-laden monstrosity.</a:t>
+            </a:r>
+            <a:r>
+              <a:rPr lang="nl-BE" sz="2800" dirty="0"/>
+              <a:t>” </a:t>
+            </a:r>
+            <a:br>
+              <a:rPr lang="nl-BE" sz="2800" dirty="0"/>
+            </a:br>
+            <a:r>
+              <a:rPr lang="nl-BE" sz="2800" dirty="0"/>
+              <a:t>– Fred Brooks (The Second System Effect)</a:t>
+            </a:r>
+          </a:p>
+        </p:txBody>
+      </p:sp>
+      <p:pic>
+        <p:nvPicPr>
+          <p:cNvPr id="4" name="Picture 3">
+            <a:extLst>
+              <a:ext uri="{FF2B5EF4-FFF2-40B4-BE49-F238E27FC236}">
+                <a16:creationId xmlns:a16="http://schemas.microsoft.com/office/drawing/2014/main" id="{BE235E9E-8CE0-45E5-A7A1-EAB2A04A5A80}"/>
+              </a:ext>
+            </a:extLst>
+          </p:cNvPr>
+          <p:cNvPicPr>
+            <a:picLocks noChangeAspect="1"/>
+          </p:cNvPicPr>
+          <p:nvPr/>
+        </p:nvPicPr>
+        <p:blipFill>
+          <a:blip r:embed="rId3" cstate="print">
+            <a:extLst>
+              <a:ext uri="{28A0092B-C50C-407E-A947-70E740481C1C}">
+                <a14:useLocalDpi xmlns:a14="http://schemas.microsoft.com/office/drawing/2010/main" val="0"/>
+              </a:ext>
+            </a:extLst>
+          </a:blip>
+          <a:stretch>
+            <a:fillRect/>
+          </a:stretch>
+        </p:blipFill>
+        <p:spPr>
+          <a:xfrm>
+            <a:off x="7239000" y="-34527"/>
+            <a:ext cx="1905000" cy="1905000"/>
+          </a:xfrm>
+          <a:prstGeom prst="rect">
+            <a:avLst/>
+          </a:prstGeom>
+        </p:spPr>
+      </p:pic>
+    </p:spTree>
+    <p:extLst>
+      <p:ext uri="{BB962C8B-B14F-4D97-AF65-F5344CB8AC3E}">
+        <p14:creationId xmlns:p14="http://schemas.microsoft.com/office/powerpoint/2010/main" val="1141027162"/>
+      </p:ext>
+    </p:extLst>
+  </p:cSld>
+  <p:clrMapOvr>
+    <a:masterClrMapping/>
+  </p:clrMapOvr>
+</p:sld>
+</file>
+
+<file path=ppt/slides/slide12.xml><?xml version="1.0" encoding="utf-8"?>
 <p:sld xmlns:a="http://schemas.openxmlformats.org/drawingml/2006/main" xmlns:r="http://schemas.openxmlformats.org/officeDocument/2006/relationships" xmlns:p="http://schemas.openxmlformats.org/presentationml/2006/main">
   <p:cSld>
     <p:spTree>
@@ -13545,7 +14355,7 @@
 </p:sld>
 </file>
 
-<file path=ppt/slides/slide11.xml><?xml version="1.0" encoding="utf-8"?>
+<file path=ppt/slides/slide13.xml><?xml version="1.0" encoding="utf-8"?>
 <p:sld xmlns:a="http://schemas.openxmlformats.org/drawingml/2006/main" xmlns:r="http://schemas.openxmlformats.org/officeDocument/2006/relationships" xmlns:p="http://schemas.openxmlformats.org/presentationml/2006/main">
   <p:cSld>
     <p:spTree>
@@ -13572,12 +14382,500 @@
             <p:ph type="title"/>
           </p:nvPr>
         </p:nvSpPr>
-        <p:spPr/>
+        <p:spPr>
+          <a:xfrm>
+            <a:off x="689339" y="144482"/>
+            <a:ext cx="7765322" cy="970450"/>
+          </a:xfrm>
+        </p:spPr>
         <p:txBody>
           <a:bodyPr/>
           <a:lstStyle/>
           <a:p>
             <a:r>
+              <a:rPr lang="nl-BE" dirty="0"/>
+              <a:t>... and even more patterns</a:t>
+            </a:r>
+          </a:p>
+        </p:txBody>
+      </p:sp>
+      <p:pic>
+        <p:nvPicPr>
+          <p:cNvPr id="1032" name="Picture 8" descr="http://www.flazx.us/covers/large-0471958697.jpg"/>
+          <p:cNvPicPr>
+            <a:picLocks noChangeAspect="1" noChangeArrowheads="1"/>
+          </p:cNvPicPr>
+          <p:nvPr/>
+        </p:nvPicPr>
+        <p:blipFill>
+          <a:blip r:embed="rId3">
+            <a:extLst>
+              <a:ext uri="{28A0092B-C50C-407E-A947-70E740481C1C}">
+                <a14:useLocalDpi xmlns:a14="http://schemas.microsoft.com/office/drawing/2010/main" val="0"/>
+              </a:ext>
+            </a:extLst>
+          </a:blip>
+          <a:srcRect/>
+          <a:stretch>
+            <a:fillRect/>
+          </a:stretch>
+        </p:blipFill>
+        <p:spPr bwMode="auto">
+          <a:xfrm>
+            <a:off x="3367725" y="1872930"/>
+            <a:ext cx="2101454" cy="2715726"/>
+          </a:xfrm>
+          <a:prstGeom prst="rect">
+            <a:avLst/>
+          </a:prstGeom>
+          <a:noFill/>
+          <a:extLst>
+            <a:ext uri="{909E8E84-426E-40DD-AFC4-6F175D3DCCD1}">
+              <a14:hiddenFill xmlns:a14="http://schemas.microsoft.com/office/drawing/2010/main">
+                <a:solidFill>
+                  <a:srgbClr val="FFFFFF"/>
+                </a:solidFill>
+              </a14:hiddenFill>
+            </a:ext>
+          </a:extLst>
+        </p:spPr>
+      </p:pic>
+      <p:pic>
+        <p:nvPicPr>
+          <p:cNvPr id="1034" name="Picture 10" descr="Pattern-Oriented Software Architecture, Volume 2, Patterns for Concurrent and Networked Objects"/>
+          <p:cNvPicPr>
+            <a:picLocks noChangeAspect="1" noChangeArrowheads="1"/>
+          </p:cNvPicPr>
+          <p:nvPr/>
+        </p:nvPicPr>
+        <p:blipFill>
+          <a:blip r:embed="rId4">
+            <a:extLst>
+              <a:ext uri="{28A0092B-C50C-407E-A947-70E740481C1C}">
+                <a14:useLocalDpi xmlns:a14="http://schemas.microsoft.com/office/drawing/2010/main" val="0"/>
+              </a:ext>
+            </a:extLst>
+          </a:blip>
+          <a:srcRect/>
+          <a:stretch>
+            <a:fillRect/>
+          </a:stretch>
+        </p:blipFill>
+        <p:spPr bwMode="auto">
+          <a:xfrm>
+            <a:off x="6017238" y="1905000"/>
+            <a:ext cx="2112818" cy="2651587"/>
+          </a:xfrm>
+          <a:prstGeom prst="rect">
+            <a:avLst/>
+          </a:prstGeom>
+          <a:noFill/>
+          <a:ln>
+            <a:solidFill>
+              <a:schemeClr val="accent1"/>
+            </a:solidFill>
+          </a:ln>
+          <a:extLst>
+            <a:ext uri="{909E8E84-426E-40DD-AFC4-6F175D3DCCD1}">
+              <a14:hiddenFill xmlns:a14="http://schemas.microsoft.com/office/drawing/2010/main">
+                <a:solidFill>
+                  <a:srgbClr val="FFFFFF"/>
+                </a:solidFill>
+              </a14:hiddenFill>
+            </a:ext>
+          </a:extLst>
+        </p:spPr>
+      </p:pic>
+      <p:pic>
+        <p:nvPicPr>
+          <p:cNvPr id="7" name="Picture 6">
+            <a:extLst>
+              <a:ext uri="{FF2B5EF4-FFF2-40B4-BE49-F238E27FC236}">
+                <a16:creationId xmlns:a16="http://schemas.microsoft.com/office/drawing/2014/main" id="{4BF387C7-C814-45DD-8CB6-FB313A095C2A}"/>
+              </a:ext>
+            </a:extLst>
+          </p:cNvPr>
+          <p:cNvPicPr>
+            <a:picLocks noChangeAspect="1"/>
+          </p:cNvPicPr>
+          <p:nvPr/>
+        </p:nvPicPr>
+        <p:blipFill>
+          <a:blip r:embed="rId5">
+            <a:extLst>
+              <a:ext uri="{28A0092B-C50C-407E-A947-70E740481C1C}">
+                <a14:useLocalDpi xmlns:a14="http://schemas.microsoft.com/office/drawing/2010/main" val="0"/>
+              </a:ext>
+            </a:extLst>
+          </a:blip>
+          <a:stretch>
+            <a:fillRect/>
+          </a:stretch>
+        </p:blipFill>
+        <p:spPr>
+          <a:xfrm>
+            <a:off x="933716" y="2016355"/>
+            <a:ext cx="1885950" cy="2428875"/>
+          </a:xfrm>
+          <a:prstGeom prst="rect">
+            <a:avLst/>
+          </a:prstGeom>
+        </p:spPr>
+      </p:pic>
+    </p:spTree>
+    <p:extLst>
+      <p:ext uri="{BB962C8B-B14F-4D97-AF65-F5344CB8AC3E}">
+        <p14:creationId xmlns:p14="http://schemas.microsoft.com/office/powerpoint/2010/main" val="938531399"/>
+      </p:ext>
+    </p:extLst>
+  </p:cSld>
+  <p:clrMapOvr>
+    <a:masterClrMapping/>
+  </p:clrMapOvr>
+</p:sld>
+</file>
+
+<file path=ppt/slides/slide14.xml><?xml version="1.0" encoding="utf-8"?>
+<p:sld xmlns:a="http://schemas.openxmlformats.org/drawingml/2006/main" xmlns:r="http://schemas.openxmlformats.org/officeDocument/2006/relationships" xmlns:p="http://schemas.openxmlformats.org/presentationml/2006/main" show="0">
+  <p:cSld>
+    <p:spTree>
+      <p:nvGrpSpPr>
+        <p:cNvPr id="1" name=""/>
+        <p:cNvGrpSpPr/>
+        <p:nvPr/>
+      </p:nvGrpSpPr>
+      <p:grpSpPr>
+        <a:xfrm>
+          <a:off x="0" y="0"/>
+          <a:ext cx="0" cy="0"/>
+          <a:chOff x="0" y="0"/>
+          <a:chExt cx="0" cy="0"/>
+        </a:xfrm>
+      </p:grpSpPr>
+      <p:sp>
+        <p:nvSpPr>
+          <p:cNvPr id="2" name="Title 1"/>
+          <p:cNvSpPr>
+            <a:spLocks noGrp="1"/>
+          </p:cNvSpPr>
+          <p:nvPr>
+            <p:ph type="title"/>
+          </p:nvPr>
+        </p:nvSpPr>
+        <p:spPr>
+          <a:xfrm>
+            <a:off x="689339" y="144482"/>
+            <a:ext cx="7765322" cy="970450"/>
+          </a:xfrm>
+        </p:spPr>
+        <p:txBody>
+          <a:bodyPr/>
+          <a:lstStyle/>
+          <a:p>
+            <a:r>
+              <a:rPr lang="nl-BE" dirty="0"/>
+              <a:t>Further Reading</a:t>
+            </a:r>
+          </a:p>
+        </p:txBody>
+      </p:sp>
+      <p:pic>
+        <p:nvPicPr>
+          <p:cNvPr id="3" name="Picture 2" descr="http://1.bp.blogspot.com/-_P3EYFiDcCo/ToqBnHI_IOI/AAAAAAAAACA/NGxx66IYgjY/s320/9780131489066.jpg"/>
+          <p:cNvPicPr>
+            <a:picLocks noChangeAspect="1" noChangeArrowheads="1"/>
+          </p:cNvPicPr>
+          <p:nvPr/>
+        </p:nvPicPr>
+        <p:blipFill>
+          <a:blip r:embed="rId3">
+            <a:extLst>
+              <a:ext uri="{28A0092B-C50C-407E-A947-70E740481C1C}">
+                <a14:useLocalDpi xmlns:a14="http://schemas.microsoft.com/office/drawing/2010/main" val="0"/>
+              </a:ext>
+            </a:extLst>
+          </a:blip>
+          <a:srcRect/>
+          <a:stretch>
+            <a:fillRect/>
+          </a:stretch>
+        </p:blipFill>
+        <p:spPr bwMode="auto">
+          <a:xfrm>
+            <a:off x="878298" y="1167065"/>
+            <a:ext cx="2072640" cy="2590801"/>
+          </a:xfrm>
+          <a:prstGeom prst="rect">
+            <a:avLst/>
+          </a:prstGeom>
+          <a:noFill/>
+          <a:extLst>
+            <a:ext uri="{909E8E84-426E-40DD-AFC4-6F175D3DCCD1}">
+              <a14:hiddenFill xmlns:a14="http://schemas.microsoft.com/office/drawing/2010/main">
+                <a:solidFill>
+                  <a:srgbClr val="FFFFFF"/>
+                </a:solidFill>
+              </a14:hiddenFill>
+            </a:ext>
+          </a:extLst>
+        </p:spPr>
+      </p:pic>
+      <p:pic>
+        <p:nvPicPr>
+          <p:cNvPr id="5" name="Picture 6" descr="http://www.ida.liu.se/~TDDB84/pictures/HeadFirstDesignPatterns.jpg"/>
+          <p:cNvPicPr>
+            <a:picLocks noChangeAspect="1" noChangeArrowheads="1"/>
+          </p:cNvPicPr>
+          <p:nvPr/>
+        </p:nvPicPr>
+        <p:blipFill>
+          <a:blip r:embed="rId4">
+            <a:extLst>
+              <a:ext uri="{28A0092B-C50C-407E-A947-70E740481C1C}">
+                <a14:useLocalDpi xmlns:a14="http://schemas.microsoft.com/office/drawing/2010/main" val="0"/>
+              </a:ext>
+            </a:extLst>
+          </a:blip>
+          <a:srcRect/>
+          <a:stretch>
+            <a:fillRect/>
+          </a:stretch>
+        </p:blipFill>
+        <p:spPr bwMode="auto">
+          <a:xfrm>
+            <a:off x="3276601" y="1191078"/>
+            <a:ext cx="2175260" cy="2590800"/>
+          </a:xfrm>
+          <a:prstGeom prst="rect">
+            <a:avLst/>
+          </a:prstGeom>
+          <a:noFill/>
+          <a:extLst>
+            <a:ext uri="{909E8E84-426E-40DD-AFC4-6F175D3DCCD1}">
+              <a14:hiddenFill xmlns:a14="http://schemas.microsoft.com/office/drawing/2010/main">
+                <a:solidFill>
+                  <a:srgbClr val="FFFFFF"/>
+                </a:solidFill>
+              </a14:hiddenFill>
+            </a:ext>
+          </a:extLst>
+        </p:spPr>
+      </p:pic>
+      <p:pic>
+        <p:nvPicPr>
+          <p:cNvPr id="1032" name="Picture 8" descr="http://www.flazx.us/covers/large-0471958697.jpg"/>
+          <p:cNvPicPr>
+            <a:picLocks noChangeAspect="1" noChangeArrowheads="1"/>
+          </p:cNvPicPr>
+          <p:nvPr/>
+        </p:nvPicPr>
+        <p:blipFill>
+          <a:blip r:embed="rId5">
+            <a:extLst>
+              <a:ext uri="{28A0092B-C50C-407E-A947-70E740481C1C}">
+                <a14:useLocalDpi xmlns:a14="http://schemas.microsoft.com/office/drawing/2010/main" val="0"/>
+              </a:ext>
+            </a:extLst>
+          </a:blip>
+          <a:srcRect/>
+          <a:stretch>
+            <a:fillRect/>
+          </a:stretch>
+        </p:blipFill>
+        <p:spPr bwMode="auto">
+          <a:xfrm>
+            <a:off x="3350407" y="3963156"/>
+            <a:ext cx="2101454" cy="2715726"/>
+          </a:xfrm>
+          <a:prstGeom prst="rect">
+            <a:avLst/>
+          </a:prstGeom>
+          <a:noFill/>
+          <a:extLst>
+            <a:ext uri="{909E8E84-426E-40DD-AFC4-6F175D3DCCD1}">
+              <a14:hiddenFill xmlns:a14="http://schemas.microsoft.com/office/drawing/2010/main">
+                <a:solidFill>
+                  <a:srgbClr val="FFFFFF"/>
+                </a:solidFill>
+              </a14:hiddenFill>
+            </a:ext>
+          </a:extLst>
+        </p:spPr>
+      </p:pic>
+      <p:pic>
+        <p:nvPicPr>
+          <p:cNvPr id="1034" name="Picture 10" descr="Pattern-Oriented Software Architecture, Volume 2, Patterns for Concurrent and Networked Objects"/>
+          <p:cNvPicPr>
+            <a:picLocks noChangeAspect="1" noChangeArrowheads="1"/>
+          </p:cNvPicPr>
+          <p:nvPr/>
+        </p:nvPicPr>
+        <p:blipFill>
+          <a:blip r:embed="rId6">
+            <a:extLst>
+              <a:ext uri="{28A0092B-C50C-407E-A947-70E740481C1C}">
+                <a14:useLocalDpi xmlns:a14="http://schemas.microsoft.com/office/drawing/2010/main" val="0"/>
+              </a:ext>
+            </a:extLst>
+          </a:blip>
+          <a:srcRect/>
+          <a:stretch>
+            <a:fillRect/>
+          </a:stretch>
+        </p:blipFill>
+        <p:spPr bwMode="auto">
+          <a:xfrm>
+            <a:off x="6002008" y="3963156"/>
+            <a:ext cx="2112818" cy="2651587"/>
+          </a:xfrm>
+          <a:prstGeom prst="rect">
+            <a:avLst/>
+          </a:prstGeom>
+          <a:noFill/>
+          <a:ln>
+            <a:solidFill>
+              <a:schemeClr val="accent1"/>
+            </a:solidFill>
+          </a:ln>
+          <a:extLst>
+            <a:ext uri="{909E8E84-426E-40DD-AFC4-6F175D3DCCD1}">
+              <a14:hiddenFill xmlns:a14="http://schemas.microsoft.com/office/drawing/2010/main">
+                <a:solidFill>
+                  <a:srgbClr val="FFFFFF"/>
+                </a:solidFill>
+              </a14:hiddenFill>
+            </a:ext>
+          </a:extLst>
+        </p:spPr>
+      </p:pic>
+      <p:pic>
+        <p:nvPicPr>
+          <p:cNvPr id="1036" name="Picture 12" descr="Pattern Hatching: Design Patterns Applied"/>
+          <p:cNvPicPr>
+            <a:picLocks noChangeAspect="1" noChangeArrowheads="1"/>
+          </p:cNvPicPr>
+          <p:nvPr/>
+        </p:nvPicPr>
+        <p:blipFill>
+          <a:blip r:embed="rId7">
+            <a:extLst>
+              <a:ext uri="{28A0092B-C50C-407E-A947-70E740481C1C}">
+                <a14:useLocalDpi xmlns:a14="http://schemas.microsoft.com/office/drawing/2010/main" val="0"/>
+              </a:ext>
+            </a:extLst>
+          </a:blip>
+          <a:srcRect/>
+          <a:stretch>
+            <a:fillRect/>
+          </a:stretch>
+        </p:blipFill>
+        <p:spPr bwMode="auto">
+          <a:xfrm>
+            <a:off x="5867400" y="1114932"/>
+            <a:ext cx="2382035" cy="2681680"/>
+          </a:xfrm>
+          <a:prstGeom prst="rect">
+            <a:avLst/>
+          </a:prstGeom>
+          <a:noFill/>
+          <a:ln>
+            <a:solidFill>
+              <a:schemeClr val="accent1"/>
+            </a:solidFill>
+          </a:ln>
+          <a:extLst>
+            <a:ext uri="{909E8E84-426E-40DD-AFC4-6F175D3DCCD1}">
+              <a14:hiddenFill xmlns:a14="http://schemas.microsoft.com/office/drawing/2010/main">
+                <a:solidFill>
+                  <a:srgbClr val="FFFFFF"/>
+                </a:solidFill>
+              </a14:hiddenFill>
+            </a:ext>
+          </a:extLst>
+        </p:spPr>
+      </p:pic>
+      <p:pic>
+        <p:nvPicPr>
+          <p:cNvPr id="7" name="Picture 6">
+            <a:extLst>
+              <a:ext uri="{FF2B5EF4-FFF2-40B4-BE49-F238E27FC236}">
+                <a16:creationId xmlns:a16="http://schemas.microsoft.com/office/drawing/2014/main" id="{4BF387C7-C814-45DD-8CB6-FB313A095C2A}"/>
+              </a:ext>
+            </a:extLst>
+          </p:cNvPr>
+          <p:cNvPicPr>
+            <a:picLocks noChangeAspect="1"/>
+          </p:cNvPicPr>
+          <p:nvPr/>
+        </p:nvPicPr>
+        <p:blipFill>
+          <a:blip r:embed="rId8">
+            <a:extLst>
+              <a:ext uri="{28A0092B-C50C-407E-A947-70E740481C1C}">
+                <a14:useLocalDpi xmlns:a14="http://schemas.microsoft.com/office/drawing/2010/main" val="0"/>
+              </a:ext>
+            </a:extLst>
+          </a:blip>
+          <a:stretch>
+            <a:fillRect/>
+          </a:stretch>
+        </p:blipFill>
+        <p:spPr>
+          <a:xfrm>
+            <a:off x="878298" y="4124560"/>
+            <a:ext cx="1885950" cy="2428875"/>
+          </a:xfrm>
+          <a:prstGeom prst="rect">
+            <a:avLst/>
+          </a:prstGeom>
+        </p:spPr>
+      </p:pic>
+    </p:spTree>
+    <p:extLst>
+      <p:ext uri="{BB962C8B-B14F-4D97-AF65-F5344CB8AC3E}">
+        <p14:creationId xmlns:p14="http://schemas.microsoft.com/office/powerpoint/2010/main" val="1994225321"/>
+      </p:ext>
+    </p:extLst>
+  </p:cSld>
+  <p:clrMapOvr>
+    <a:masterClrMapping/>
+  </p:clrMapOvr>
+</p:sld>
+</file>
+
+<file path=ppt/slides/slide15.xml><?xml version="1.0" encoding="utf-8"?>
+<p:sld xmlns:a="http://schemas.openxmlformats.org/drawingml/2006/main" xmlns:r="http://schemas.openxmlformats.org/officeDocument/2006/relationships" xmlns:p="http://schemas.openxmlformats.org/presentationml/2006/main">
+  <p:cSld>
+    <p:spTree>
+      <p:nvGrpSpPr>
+        <p:cNvPr id="1" name=""/>
+        <p:cNvGrpSpPr/>
+        <p:nvPr/>
+      </p:nvGrpSpPr>
+      <p:grpSpPr>
+        <a:xfrm>
+          <a:off x="0" y="0"/>
+          <a:ext cx="0" cy="0"/>
+          <a:chOff x="0" y="0"/>
+          <a:chExt cx="0" cy="0"/>
+        </a:xfrm>
+      </p:grpSpPr>
+      <p:sp>
+        <p:nvSpPr>
+          <p:cNvPr id="2" name="Title 1"/>
+          <p:cNvSpPr>
+            <a:spLocks noGrp="1"/>
+          </p:cNvSpPr>
+          <p:nvPr>
+            <p:ph type="title"/>
+          </p:nvPr>
+        </p:nvSpPr>
+        <p:spPr/>
+        <p:txBody>
+          <a:bodyPr/>
+          <a:lstStyle/>
+          <a:p>
+            <a:r>
               <a:rPr lang="nl-BE"/>
               <a:t>Pattern: Template Method</a:t>
             </a:r>
@@ -13596,8 +14894,8 @@
         </p:nvSpPr>
         <p:spPr>
           <a:xfrm>
-            <a:off x="304800" y="1732450"/>
-            <a:ext cx="8534400" cy="4820750"/>
+            <a:off x="270164" y="1586977"/>
+            <a:ext cx="8839200" cy="4820750"/>
           </a:xfrm>
         </p:spPr>
         <p:txBody>
@@ -13611,7 +14909,7 @@
             </a:pPr>
             <a:r>
               <a:rPr lang="nl-BE" sz="2800" i="1" dirty="0"/>
-              <a:t>“Define the skeleton of an algorithm in an operation,  deferring some steps to subclasses. Template Method lets subclasses redefine certain steps of an algorithm without changing the algorithm’s structure.”</a:t>
+              <a:t>“Define the skeleton of an algorithm in an operation, deferring some steps to subclasses. Template Method lets subclasses redefine certain steps of an algorithm without changing the algorithm’s structure.”</a:t>
             </a:r>
           </a:p>
           <a:p>
@@ -13624,24 +14922,15 @@
             <a:pPr marL="0" indent="0">
               <a:buNone/>
             </a:pPr>
+            <a:endParaRPr lang="nl-BE" sz="2800" i="1" dirty="0"/>
+          </a:p>
+          <a:p>
+            <a:pPr marL="0" indent="0">
+              <a:buNone/>
+            </a:pPr>
             <a:r>
               <a:rPr lang="nl-BE" sz="2800" dirty="0"/>
-              <a:t>.NET: Everywhere in the framework</a:t>
-            </a:r>
-          </a:p>
-          <a:p>
-            <a:pPr marL="0" indent="0">
-              <a:buNone/>
-            </a:pPr>
-            <a:endParaRPr lang="nl-BE" sz="2800" dirty="0"/>
-          </a:p>
-          <a:p>
-            <a:pPr marL="0" indent="0">
-              <a:buNone/>
-            </a:pPr>
-            <a:r>
-              <a:rPr lang="nl-BE" sz="2800" dirty="0"/>
-              <a:t>Example: Saving a file</a:t>
+              <a:t>Probably used in pretty much any non-trivial framework</a:t>
             </a:r>
           </a:p>
         </p:txBody>
@@ -13695,7 +14984,1393 @@
 </p:sld>
 </file>
 
-<file path=ppt/slides/slide12.xml><?xml version="1.0" encoding="utf-8"?>
+<file path=ppt/slides/slide16.xml><?xml version="1.0" encoding="utf-8"?>
+<p:sld xmlns:a="http://schemas.openxmlformats.org/drawingml/2006/main" xmlns:r="http://schemas.openxmlformats.org/officeDocument/2006/relationships" xmlns:p="http://schemas.openxmlformats.org/presentationml/2006/main" show="0">
+  <p:cSld>
+    <p:spTree>
+      <p:nvGrpSpPr>
+        <p:cNvPr id="1" name=""/>
+        <p:cNvGrpSpPr/>
+        <p:nvPr/>
+      </p:nvGrpSpPr>
+      <p:grpSpPr>
+        <a:xfrm>
+          <a:off x="0" y="0"/>
+          <a:ext cx="0" cy="0"/>
+          <a:chOff x="0" y="0"/>
+          <a:chExt cx="0" cy="0"/>
+        </a:xfrm>
+      </p:grpSpPr>
+      <p:sp>
+        <p:nvSpPr>
+          <p:cNvPr id="2" name="Title 1"/>
+          <p:cNvSpPr>
+            <a:spLocks noGrp="1"/>
+          </p:cNvSpPr>
+          <p:nvPr>
+            <p:ph type="title"/>
+          </p:nvPr>
+        </p:nvSpPr>
+        <p:spPr/>
+        <p:txBody>
+          <a:bodyPr/>
+          <a:lstStyle/>
+          <a:p>
+            <a:r>
+              <a:rPr lang="nl-BE" dirty="0"/>
+              <a:t>Pattern: Factory Method</a:t>
+            </a:r>
+          </a:p>
+        </p:txBody>
+      </p:sp>
+      <p:sp>
+        <p:nvSpPr>
+          <p:cNvPr id="3" name="Content Placeholder 2"/>
+          <p:cNvSpPr>
+            <a:spLocks noGrp="1"/>
+          </p:cNvSpPr>
+          <p:nvPr>
+            <p:ph idx="1"/>
+          </p:nvPr>
+        </p:nvSpPr>
+        <p:spPr/>
+        <p:txBody>
+          <a:bodyPr>
+            <a:normAutofit/>
+          </a:bodyPr>
+          <a:lstStyle/>
+          <a:p>
+            <a:pPr marL="0" indent="0" algn="ctr">
+              <a:buNone/>
+            </a:pPr>
+            <a:r>
+              <a:rPr lang="nl-BE" sz="4000" i="1" dirty="0"/>
+              <a:t>“Define an interface for creating an object, but let subclasses decide which class to instantiate. Factory Method lets a class defer instantiation to subclasses.”</a:t>
+            </a:r>
+          </a:p>
+        </p:txBody>
+      </p:sp>
+      <p:pic>
+        <p:nvPicPr>
+          <p:cNvPr id="4" name="Picture 3">
+            <a:extLst>
+              <a:ext uri="{FF2B5EF4-FFF2-40B4-BE49-F238E27FC236}">
+                <a16:creationId xmlns:a16="http://schemas.microsoft.com/office/drawing/2014/main" id="{734CA1D9-BE0C-495B-947D-F6CE2B4015B4}"/>
+              </a:ext>
+            </a:extLst>
+          </p:cNvPr>
+          <p:cNvPicPr>
+            <a:picLocks noChangeAspect="1"/>
+          </p:cNvPicPr>
+          <p:nvPr/>
+        </p:nvPicPr>
+        <p:blipFill>
+          <a:blip r:embed="rId3" cstate="print">
+            <a:extLst>
+              <a:ext uri="{28A0092B-C50C-407E-A947-70E740481C1C}">
+                <a14:useLocalDpi xmlns:a14="http://schemas.microsoft.com/office/drawing/2010/main" val="0"/>
+              </a:ext>
+            </a:extLst>
+          </a:blip>
+          <a:stretch>
+            <a:fillRect/>
+          </a:stretch>
+        </p:blipFill>
+        <p:spPr>
+          <a:xfrm>
+            <a:off x="7239000" y="-34527"/>
+            <a:ext cx="1905000" cy="1905000"/>
+          </a:xfrm>
+          <a:prstGeom prst="rect">
+            <a:avLst/>
+          </a:prstGeom>
+        </p:spPr>
+      </p:pic>
+    </p:spTree>
+    <p:extLst>
+      <p:ext uri="{BB962C8B-B14F-4D97-AF65-F5344CB8AC3E}">
+        <p14:creationId xmlns:p14="http://schemas.microsoft.com/office/powerpoint/2010/main" val="2518428883"/>
+      </p:ext>
+    </p:extLst>
+  </p:cSld>
+  <p:clrMapOvr>
+    <a:masterClrMapping/>
+  </p:clrMapOvr>
+</p:sld>
+</file>
+
+<file path=ppt/slides/slide17.xml><?xml version="1.0" encoding="utf-8"?>
+<p:sld xmlns:a="http://schemas.openxmlformats.org/drawingml/2006/main" xmlns:r="http://schemas.openxmlformats.org/officeDocument/2006/relationships" xmlns:p="http://schemas.openxmlformats.org/presentationml/2006/main">
+  <p:cSld>
+    <p:spTree>
+      <p:nvGrpSpPr>
+        <p:cNvPr id="1" name=""/>
+        <p:cNvGrpSpPr/>
+        <p:nvPr/>
+      </p:nvGrpSpPr>
+      <p:grpSpPr>
+        <a:xfrm>
+          <a:off x="0" y="0"/>
+          <a:ext cx="0" cy="0"/>
+          <a:chOff x="0" y="0"/>
+          <a:chExt cx="0" cy="0"/>
+        </a:xfrm>
+      </p:grpSpPr>
+      <p:sp>
+        <p:nvSpPr>
+          <p:cNvPr id="2" name="Title 1"/>
+          <p:cNvSpPr>
+            <a:spLocks noGrp="1"/>
+          </p:cNvSpPr>
+          <p:nvPr>
+            <p:ph type="title"/>
+          </p:nvPr>
+        </p:nvSpPr>
+        <p:spPr/>
+        <p:txBody>
+          <a:bodyPr/>
+          <a:lstStyle/>
+          <a:p>
+            <a:r>
+              <a:rPr lang="nl-BE" dirty="0"/>
+              <a:t>Pattern: Strategy</a:t>
+            </a:r>
+          </a:p>
+        </p:txBody>
+      </p:sp>
+      <p:sp>
+        <p:nvSpPr>
+          <p:cNvPr id="3" name="Content Placeholder 2"/>
+          <p:cNvSpPr>
+            <a:spLocks noGrp="1"/>
+          </p:cNvSpPr>
+          <p:nvPr>
+            <p:ph idx="1"/>
+          </p:nvPr>
+        </p:nvSpPr>
+        <p:spPr>
+          <a:xfrm>
+            <a:off x="457200" y="1600200"/>
+            <a:ext cx="8229600" cy="4876800"/>
+          </a:xfrm>
+        </p:spPr>
+        <p:txBody>
+          <a:bodyPr>
+            <a:normAutofit fontScale="85000" lnSpcReduction="20000"/>
+          </a:bodyPr>
+          <a:lstStyle/>
+          <a:p>
+            <a:pPr marL="0" indent="0" algn="ctr">
+              <a:buNone/>
+            </a:pPr>
+            <a:r>
+              <a:rPr lang="nl-BE" sz="5800" i="1" dirty="0"/>
+              <a:t>“Define a family of algorithms, encapsulate each one, and make them interchangeable. It lets the algorithm vary independently from clients that use it.”</a:t>
+            </a:r>
+          </a:p>
+          <a:p>
+            <a:pPr marL="0" indent="0">
+              <a:buNone/>
+            </a:pPr>
+            <a:endParaRPr lang="nl-BE" dirty="0"/>
+          </a:p>
+          <a:p>
+            <a:pPr marL="0" indent="0">
+              <a:buNone/>
+            </a:pPr>
+            <a:endParaRPr lang="nl-BE" dirty="0"/>
+          </a:p>
+          <a:p>
+            <a:pPr marL="0" indent="0">
+              <a:buNone/>
+            </a:pPr>
+            <a:r>
+              <a:rPr lang="nl-BE" sz="2800" dirty="0"/>
+              <a:t>.NET</a:t>
+            </a:r>
+            <a:r>
+              <a:rPr lang="nl-BE" sz="3300" dirty="0"/>
+              <a:t>: new </a:t>
+            </a:r>
+            <a:r>
+              <a:rPr lang="nl-BE" sz="2800" dirty="0"/>
+              <a:t>SortedDictionary(IComparer&lt;TKey&gt; comparer)</a:t>
+            </a:r>
+            <a:br>
+              <a:rPr lang="nl-BE" sz="2800" dirty="0"/>
+            </a:br>
+            <a:br>
+              <a:rPr lang="nl-BE" sz="2800" dirty="0"/>
+            </a:br>
+            <a:r>
+              <a:rPr lang="nl-BE" sz="2800" dirty="0"/>
+              <a:t>Java: </a:t>
+            </a:r>
+            <a:r>
+              <a:rPr lang="fr-FR" sz="2800" dirty="0" err="1"/>
+              <a:t>Collections.sort</a:t>
+            </a:r>
+            <a:r>
+              <a:rPr lang="fr-FR" sz="2800" dirty="0"/>
+              <a:t>(</a:t>
+            </a:r>
+            <a:r>
+              <a:rPr lang="fr-FR" sz="2800" dirty="0" err="1"/>
+              <a:t>lst</a:t>
+            </a:r>
+            <a:r>
+              <a:rPr lang="fr-FR" sz="2800" dirty="0"/>
+              <a:t>, </a:t>
+            </a:r>
+            <a:r>
+              <a:rPr lang="fr-FR" sz="2800" dirty="0" err="1"/>
+              <a:t>Comparator</a:t>
+            </a:r>
+            <a:r>
+              <a:rPr lang="fr-FR" sz="2800" dirty="0"/>
+              <a:t>&lt;T&gt;)</a:t>
+            </a:r>
+            <a:endParaRPr lang="nl-BE" sz="2800" dirty="0"/>
+          </a:p>
+        </p:txBody>
+      </p:sp>
+      <p:pic>
+        <p:nvPicPr>
+          <p:cNvPr id="4" name="Picture 3">
+            <a:extLst>
+              <a:ext uri="{FF2B5EF4-FFF2-40B4-BE49-F238E27FC236}">
+                <a16:creationId xmlns:a16="http://schemas.microsoft.com/office/drawing/2014/main" id="{FAA2A300-76C1-4A11-AE5C-FE6D1D847414}"/>
+              </a:ext>
+            </a:extLst>
+          </p:cNvPr>
+          <p:cNvPicPr>
+            <a:picLocks noChangeAspect="1"/>
+          </p:cNvPicPr>
+          <p:nvPr/>
+        </p:nvPicPr>
+        <p:blipFill>
+          <a:blip r:embed="rId3" cstate="print">
+            <a:extLst>
+              <a:ext uri="{28A0092B-C50C-407E-A947-70E740481C1C}">
+                <a14:useLocalDpi xmlns:a14="http://schemas.microsoft.com/office/drawing/2010/main" val="0"/>
+              </a:ext>
+            </a:extLst>
+          </a:blip>
+          <a:stretch>
+            <a:fillRect/>
+          </a:stretch>
+        </p:blipFill>
+        <p:spPr>
+          <a:xfrm>
+            <a:off x="7239000" y="-34527"/>
+            <a:ext cx="1905000" cy="1905000"/>
+          </a:xfrm>
+          <a:prstGeom prst="rect">
+            <a:avLst/>
+          </a:prstGeom>
+        </p:spPr>
+      </p:pic>
+    </p:spTree>
+    <p:extLst>
+      <p:ext uri="{BB962C8B-B14F-4D97-AF65-F5344CB8AC3E}">
+        <p14:creationId xmlns:p14="http://schemas.microsoft.com/office/powerpoint/2010/main" val="328113985"/>
+      </p:ext>
+    </p:extLst>
+  </p:cSld>
+  <p:clrMapOvr>
+    <a:masterClrMapping/>
+  </p:clrMapOvr>
+</p:sld>
+</file>
+
+<file path=ppt/slides/slide18.xml><?xml version="1.0" encoding="utf-8"?>
+<p:sld xmlns:a="http://schemas.openxmlformats.org/drawingml/2006/main" xmlns:r="http://schemas.openxmlformats.org/officeDocument/2006/relationships" xmlns:p="http://schemas.openxmlformats.org/presentationml/2006/main">
+  <p:cSld>
+    <p:spTree>
+      <p:nvGrpSpPr>
+        <p:cNvPr id="1" name=""/>
+        <p:cNvGrpSpPr/>
+        <p:nvPr/>
+      </p:nvGrpSpPr>
+      <p:grpSpPr>
+        <a:xfrm>
+          <a:off x="0" y="0"/>
+          <a:ext cx="0" cy="0"/>
+          <a:chOff x="0" y="0"/>
+          <a:chExt cx="0" cy="0"/>
+        </a:xfrm>
+      </p:grpSpPr>
+      <p:sp>
+        <p:nvSpPr>
+          <p:cNvPr id="2" name="Title 1">
+            <a:extLst>
+              <a:ext uri="{FF2B5EF4-FFF2-40B4-BE49-F238E27FC236}">
+                <a16:creationId xmlns:a16="http://schemas.microsoft.com/office/drawing/2014/main" id="{6E4B207A-A4B7-456E-B1FD-EF25D9DB634A}"/>
+              </a:ext>
+            </a:extLst>
+          </p:cNvPr>
+          <p:cNvSpPr>
+            <a:spLocks noGrp="1"/>
+          </p:cNvSpPr>
+          <p:nvPr>
+            <p:ph type="title"/>
+          </p:nvPr>
+        </p:nvSpPr>
+        <p:spPr>
+          <a:xfrm>
+            <a:off x="689339" y="3200400"/>
+            <a:ext cx="7765322" cy="970450"/>
+          </a:xfrm>
+        </p:spPr>
+        <p:txBody>
+          <a:bodyPr/>
+          <a:lstStyle/>
+          <a:p>
+            <a:r>
+              <a:rPr lang="nl-BE" dirty="0"/>
+              <a:t>Project Form Builder</a:t>
+            </a:r>
+          </a:p>
+        </p:txBody>
+      </p:sp>
+      <p:pic>
+        <p:nvPicPr>
+          <p:cNvPr id="4" name="Picture 3">
+            <a:extLst>
+              <a:ext uri="{FF2B5EF4-FFF2-40B4-BE49-F238E27FC236}">
+                <a16:creationId xmlns:a16="http://schemas.microsoft.com/office/drawing/2014/main" id="{46882933-F914-40F6-9D39-4F31CF4EA919}"/>
+              </a:ext>
+            </a:extLst>
+          </p:cNvPr>
+          <p:cNvPicPr>
+            <a:picLocks noChangeAspect="1"/>
+          </p:cNvPicPr>
+          <p:nvPr/>
+        </p:nvPicPr>
+        <p:blipFill>
+          <a:blip r:embed="rId2" cstate="print">
+            <a:extLst>
+              <a:ext uri="{28A0092B-C50C-407E-A947-70E740481C1C}">
+                <a14:useLocalDpi xmlns:a14="http://schemas.microsoft.com/office/drawing/2010/main" val="0"/>
+              </a:ext>
+            </a:extLst>
+          </a:blip>
+          <a:stretch>
+            <a:fillRect/>
+          </a:stretch>
+        </p:blipFill>
+        <p:spPr>
+          <a:xfrm>
+            <a:off x="7239000" y="-34527"/>
+            <a:ext cx="1905000" cy="1905000"/>
+          </a:xfrm>
+          <a:prstGeom prst="rect">
+            <a:avLst/>
+          </a:prstGeom>
+        </p:spPr>
+      </p:pic>
+      <p:sp>
+        <p:nvSpPr>
+          <p:cNvPr id="5" name="Title 1">
+            <a:extLst>
+              <a:ext uri="{FF2B5EF4-FFF2-40B4-BE49-F238E27FC236}">
+                <a16:creationId xmlns:a16="http://schemas.microsoft.com/office/drawing/2014/main" id="{47A714E0-0DF5-4A6F-9D74-4C8CE6202C2C}"/>
+              </a:ext>
+            </a:extLst>
+          </p:cNvPr>
+          <p:cNvSpPr txBox="1">
+            <a:spLocks/>
+          </p:cNvSpPr>
+          <p:nvPr/>
+        </p:nvSpPr>
+        <p:spPr>
+          <a:xfrm>
+            <a:off x="228600" y="150922"/>
+            <a:ext cx="7765322" cy="2329255"/>
+          </a:xfrm>
+          <a:prstGeom prst="rect">
+            <a:avLst/>
+          </a:prstGeom>
+          <a:effectLst>
+            <a:outerShdw blurRad="25400" dir="17880000">
+              <a:srgbClr val="000000">
+                <a:alpha val="46000"/>
+              </a:srgbClr>
+            </a:outerShdw>
+          </a:effectLst>
+        </p:spPr>
+        <p:txBody>
+          <a:bodyPr vert="horz" lIns="91440" tIns="45720" rIns="91440" bIns="45720" rtlCol="0" anchor="ctr">
+            <a:normAutofit/>
+          </a:bodyPr>
+          <a:lstStyle>
+            <a:lvl1pPr algn="ctr" defTabSz="457200" rtl="0" eaLnBrk="1" latinLnBrk="0" hangingPunct="1">
+              <a:spcBef>
+                <a:spcPct val="0"/>
+              </a:spcBef>
+              <a:buNone/>
+              <a:defRPr sz="4000" kern="1200">
+                <a:ln>
+                  <a:solidFill>
+                    <a:schemeClr val="bg1">
+                      <a:lumMod val="75000"/>
+                      <a:lumOff val="25000"/>
+                      <a:alpha val="10000"/>
+                    </a:schemeClr>
+                  </a:solidFill>
+                </a:ln>
+                <a:solidFill>
+                  <a:schemeClr val="tx2"/>
+                </a:solidFill>
+                <a:effectLst>
+                  <a:outerShdw blurRad="9525" dist="25400" dir="14640000" algn="tl" rotWithShape="0">
+                    <a:schemeClr val="bg1">
+                      <a:alpha val="30000"/>
+                    </a:schemeClr>
+                  </a:outerShdw>
+                </a:effectLst>
+                <a:latin typeface="+mj-lt"/>
+                <a:ea typeface="+mj-ea"/>
+                <a:cs typeface="Trebuchet MS"/>
+              </a:defRPr>
+            </a:lvl1pPr>
+            <a:lvl2pPr eaLnBrk="1" hangingPunct="1">
+              <a:defRPr>
+                <a:solidFill>
+                  <a:schemeClr val="tx2"/>
+                </a:solidFill>
+              </a:defRPr>
+            </a:lvl2pPr>
+            <a:lvl3pPr eaLnBrk="1" hangingPunct="1">
+              <a:defRPr>
+                <a:solidFill>
+                  <a:schemeClr val="tx2"/>
+                </a:solidFill>
+              </a:defRPr>
+            </a:lvl3pPr>
+            <a:lvl4pPr eaLnBrk="1" hangingPunct="1">
+              <a:defRPr>
+                <a:solidFill>
+                  <a:schemeClr val="tx2"/>
+                </a:solidFill>
+              </a:defRPr>
+            </a:lvl4pPr>
+            <a:lvl5pPr eaLnBrk="1" hangingPunct="1">
+              <a:defRPr>
+                <a:solidFill>
+                  <a:schemeClr val="tx2"/>
+                </a:solidFill>
+              </a:defRPr>
+            </a:lvl5pPr>
+            <a:lvl6pPr eaLnBrk="1" hangingPunct="1">
+              <a:defRPr>
+                <a:solidFill>
+                  <a:schemeClr val="tx2"/>
+                </a:solidFill>
+              </a:defRPr>
+            </a:lvl6pPr>
+            <a:lvl7pPr eaLnBrk="1" hangingPunct="1">
+              <a:defRPr>
+                <a:solidFill>
+                  <a:schemeClr val="tx2"/>
+                </a:solidFill>
+              </a:defRPr>
+            </a:lvl7pPr>
+            <a:lvl8pPr eaLnBrk="1" hangingPunct="1">
+              <a:defRPr>
+                <a:solidFill>
+                  <a:schemeClr val="tx2"/>
+                </a:solidFill>
+              </a:defRPr>
+            </a:lvl8pPr>
+            <a:lvl9pPr eaLnBrk="1" hangingPunct="1">
+              <a:defRPr>
+                <a:solidFill>
+                  <a:schemeClr val="tx2"/>
+                </a:solidFill>
+              </a:defRPr>
+            </a:lvl9pPr>
+          </a:lstStyle>
+          <a:p>
+            <a:r>
+              <a:rPr lang="nl-BE" dirty="0"/>
+              <a:t>Design Patterns</a:t>
+            </a:r>
+            <a:br>
+              <a:rPr lang="nl-BE" dirty="0"/>
+            </a:br>
+            <a:r>
+              <a:rPr lang="nl-BE" dirty="0"/>
+              <a:t>Example</a:t>
+            </a:r>
+          </a:p>
+          <a:p>
+            <a:r>
+              <a:rPr lang="nl-BE" dirty="0"/>
+              <a:t>in JavaScript</a:t>
+            </a:r>
+          </a:p>
+        </p:txBody>
+      </p:sp>
+    </p:spTree>
+    <p:extLst>
+      <p:ext uri="{BB962C8B-B14F-4D97-AF65-F5344CB8AC3E}">
+        <p14:creationId xmlns:p14="http://schemas.microsoft.com/office/powerpoint/2010/main" val="499457160"/>
+      </p:ext>
+    </p:extLst>
+  </p:cSld>
+  <p:clrMapOvr>
+    <a:masterClrMapping/>
+  </p:clrMapOvr>
+</p:sld>
+</file>
+
+<file path=ppt/slides/slide19.xml><?xml version="1.0" encoding="utf-8"?>
+<p:sld xmlns:a="http://schemas.openxmlformats.org/drawingml/2006/main" xmlns:r="http://schemas.openxmlformats.org/officeDocument/2006/relationships" xmlns:p="http://schemas.openxmlformats.org/presentationml/2006/main">
+  <p:cSld>
+    <p:spTree>
+      <p:nvGrpSpPr>
+        <p:cNvPr id="1" name=""/>
+        <p:cNvGrpSpPr/>
+        <p:nvPr/>
+      </p:nvGrpSpPr>
+      <p:grpSpPr>
+        <a:xfrm>
+          <a:off x="0" y="0"/>
+          <a:ext cx="0" cy="0"/>
+          <a:chOff x="0" y="0"/>
+          <a:chExt cx="0" cy="0"/>
+        </a:xfrm>
+      </p:grpSpPr>
+      <p:sp>
+        <p:nvSpPr>
+          <p:cNvPr id="2" name="Title 1">
+            <a:extLst>
+              <a:ext uri="{FF2B5EF4-FFF2-40B4-BE49-F238E27FC236}">
+                <a16:creationId xmlns:a16="http://schemas.microsoft.com/office/drawing/2014/main" id="{6E4B207A-A4B7-456E-B1FD-EF25D9DB634A}"/>
+              </a:ext>
+            </a:extLst>
+          </p:cNvPr>
+          <p:cNvSpPr>
+            <a:spLocks noGrp="1"/>
+          </p:cNvSpPr>
+          <p:nvPr>
+            <p:ph type="title"/>
+          </p:nvPr>
+        </p:nvSpPr>
+        <p:spPr>
+          <a:xfrm>
+            <a:off x="689339" y="2489228"/>
+            <a:ext cx="7765322" cy="970450"/>
+          </a:xfrm>
+        </p:spPr>
+        <p:txBody>
+          <a:bodyPr>
+            <a:normAutofit fontScale="90000"/>
+          </a:bodyPr>
+          <a:lstStyle/>
+          <a:p>
+            <a:r>
+              <a:rPr lang="nl-BE" dirty="0"/>
+              <a:t>git clone https://github.com/itenium-be/Talk-DesignPatterns</a:t>
+            </a:r>
+          </a:p>
+        </p:txBody>
+      </p:sp>
+      <p:pic>
+        <p:nvPicPr>
+          <p:cNvPr id="4" name="Picture 3">
+            <a:extLst>
+              <a:ext uri="{FF2B5EF4-FFF2-40B4-BE49-F238E27FC236}">
+                <a16:creationId xmlns:a16="http://schemas.microsoft.com/office/drawing/2014/main" id="{46882933-F914-40F6-9D39-4F31CF4EA919}"/>
+              </a:ext>
+            </a:extLst>
+          </p:cNvPr>
+          <p:cNvPicPr>
+            <a:picLocks noChangeAspect="1"/>
+          </p:cNvPicPr>
+          <p:nvPr/>
+        </p:nvPicPr>
+        <p:blipFill>
+          <a:blip r:embed="rId2" cstate="print">
+            <a:extLst>
+              <a:ext uri="{28A0092B-C50C-407E-A947-70E740481C1C}">
+                <a14:useLocalDpi xmlns:a14="http://schemas.microsoft.com/office/drawing/2010/main" val="0"/>
+              </a:ext>
+            </a:extLst>
+          </a:blip>
+          <a:stretch>
+            <a:fillRect/>
+          </a:stretch>
+        </p:blipFill>
+        <p:spPr>
+          <a:xfrm>
+            <a:off x="7239000" y="-34527"/>
+            <a:ext cx="1905000" cy="1905000"/>
+          </a:xfrm>
+          <a:prstGeom prst="rect">
+            <a:avLst/>
+          </a:prstGeom>
+        </p:spPr>
+      </p:pic>
+      <p:sp>
+        <p:nvSpPr>
+          <p:cNvPr id="6" name="Title 1">
+            <a:extLst>
+              <a:ext uri="{FF2B5EF4-FFF2-40B4-BE49-F238E27FC236}">
+                <a16:creationId xmlns:a16="http://schemas.microsoft.com/office/drawing/2014/main" id="{ECE00417-AF3A-4667-A563-D3AD7E06FBA3}"/>
+              </a:ext>
+            </a:extLst>
+          </p:cNvPr>
+          <p:cNvSpPr txBox="1">
+            <a:spLocks/>
+          </p:cNvSpPr>
+          <p:nvPr/>
+        </p:nvSpPr>
+        <p:spPr>
+          <a:xfrm>
+            <a:off x="426178" y="533400"/>
+            <a:ext cx="7765322" cy="970450"/>
+          </a:xfrm>
+          <a:prstGeom prst="rect">
+            <a:avLst/>
+          </a:prstGeom>
+          <a:effectLst>
+            <a:outerShdw blurRad="25400" dir="17880000">
+              <a:srgbClr val="000000">
+                <a:alpha val="46000"/>
+              </a:srgbClr>
+            </a:outerShdw>
+          </a:effectLst>
+        </p:spPr>
+        <p:txBody>
+          <a:bodyPr vert="horz" lIns="91440" tIns="45720" rIns="91440" bIns="45720" rtlCol="0" anchor="ctr">
+            <a:normAutofit fontScale="97500"/>
+          </a:bodyPr>
+          <a:lstStyle>
+            <a:lvl1pPr algn="ctr" defTabSz="457200" rtl="0" eaLnBrk="1" latinLnBrk="0" hangingPunct="1">
+              <a:spcBef>
+                <a:spcPct val="0"/>
+              </a:spcBef>
+              <a:buNone/>
+              <a:defRPr sz="4000" kern="1200">
+                <a:ln>
+                  <a:solidFill>
+                    <a:schemeClr val="bg1">
+                      <a:lumMod val="75000"/>
+                      <a:lumOff val="25000"/>
+                      <a:alpha val="10000"/>
+                    </a:schemeClr>
+                  </a:solidFill>
+                </a:ln>
+                <a:solidFill>
+                  <a:schemeClr val="tx2"/>
+                </a:solidFill>
+                <a:effectLst>
+                  <a:outerShdw blurRad="9525" dist="25400" dir="14640000" algn="tl" rotWithShape="0">
+                    <a:schemeClr val="bg1">
+                      <a:alpha val="30000"/>
+                    </a:schemeClr>
+                  </a:outerShdw>
+                </a:effectLst>
+                <a:latin typeface="+mj-lt"/>
+                <a:ea typeface="+mj-ea"/>
+                <a:cs typeface="Trebuchet MS"/>
+              </a:defRPr>
+            </a:lvl1pPr>
+            <a:lvl2pPr eaLnBrk="1" hangingPunct="1">
+              <a:defRPr>
+                <a:solidFill>
+                  <a:schemeClr val="tx2"/>
+                </a:solidFill>
+              </a:defRPr>
+            </a:lvl2pPr>
+            <a:lvl3pPr eaLnBrk="1" hangingPunct="1">
+              <a:defRPr>
+                <a:solidFill>
+                  <a:schemeClr val="tx2"/>
+                </a:solidFill>
+              </a:defRPr>
+            </a:lvl3pPr>
+            <a:lvl4pPr eaLnBrk="1" hangingPunct="1">
+              <a:defRPr>
+                <a:solidFill>
+                  <a:schemeClr val="tx2"/>
+                </a:solidFill>
+              </a:defRPr>
+            </a:lvl4pPr>
+            <a:lvl5pPr eaLnBrk="1" hangingPunct="1">
+              <a:defRPr>
+                <a:solidFill>
+                  <a:schemeClr val="tx2"/>
+                </a:solidFill>
+              </a:defRPr>
+            </a:lvl5pPr>
+            <a:lvl6pPr eaLnBrk="1" hangingPunct="1">
+              <a:defRPr>
+                <a:solidFill>
+                  <a:schemeClr val="tx2"/>
+                </a:solidFill>
+              </a:defRPr>
+            </a:lvl6pPr>
+            <a:lvl7pPr eaLnBrk="1" hangingPunct="1">
+              <a:defRPr>
+                <a:solidFill>
+                  <a:schemeClr val="tx2"/>
+                </a:solidFill>
+              </a:defRPr>
+            </a:lvl7pPr>
+            <a:lvl8pPr eaLnBrk="1" hangingPunct="1">
+              <a:defRPr>
+                <a:solidFill>
+                  <a:schemeClr val="tx2"/>
+                </a:solidFill>
+              </a:defRPr>
+            </a:lvl8pPr>
+            <a:lvl9pPr eaLnBrk="1" hangingPunct="1">
+              <a:defRPr>
+                <a:solidFill>
+                  <a:schemeClr val="tx2"/>
+                </a:solidFill>
+              </a:defRPr>
+            </a:lvl9pPr>
+          </a:lstStyle>
+          <a:p>
+            <a:r>
+              <a:rPr lang="nl-BE" dirty="0"/>
+              <a:t>Show me the code</a:t>
+            </a:r>
+          </a:p>
+        </p:txBody>
+      </p:sp>
+      <p:sp>
+        <p:nvSpPr>
+          <p:cNvPr id="8" name="Title 1">
+            <a:extLst>
+              <a:ext uri="{FF2B5EF4-FFF2-40B4-BE49-F238E27FC236}">
+                <a16:creationId xmlns:a16="http://schemas.microsoft.com/office/drawing/2014/main" id="{A21E3F4D-3ADC-439C-88F8-43A975BDFE19}"/>
+              </a:ext>
+            </a:extLst>
+          </p:cNvPr>
+          <p:cNvSpPr txBox="1">
+            <a:spLocks/>
+          </p:cNvSpPr>
+          <p:nvPr/>
+        </p:nvSpPr>
+        <p:spPr>
+          <a:xfrm>
+            <a:off x="689339" y="3789892"/>
+            <a:ext cx="7765322" cy="2687108"/>
+          </a:xfrm>
+          <a:prstGeom prst="rect">
+            <a:avLst/>
+          </a:prstGeom>
+          <a:effectLst>
+            <a:outerShdw blurRad="25400" dir="17880000">
+              <a:srgbClr val="000000">
+                <a:alpha val="46000"/>
+              </a:srgbClr>
+            </a:outerShdw>
+          </a:effectLst>
+        </p:spPr>
+        <p:txBody>
+          <a:bodyPr vert="horz" lIns="91440" tIns="45720" rIns="91440" bIns="45720" rtlCol="0" anchor="ctr">
+            <a:normAutofit fontScale="97500"/>
+          </a:bodyPr>
+          <a:lstStyle>
+            <a:lvl1pPr algn="ctr" defTabSz="457200" rtl="0" eaLnBrk="1" latinLnBrk="0" hangingPunct="1">
+              <a:spcBef>
+                <a:spcPct val="0"/>
+              </a:spcBef>
+              <a:buNone/>
+              <a:defRPr sz="4000" kern="1200">
+                <a:ln>
+                  <a:solidFill>
+                    <a:schemeClr val="bg1">
+                      <a:lumMod val="75000"/>
+                      <a:lumOff val="25000"/>
+                      <a:alpha val="10000"/>
+                    </a:schemeClr>
+                  </a:solidFill>
+                </a:ln>
+                <a:solidFill>
+                  <a:schemeClr val="tx2"/>
+                </a:solidFill>
+                <a:effectLst>
+                  <a:outerShdw blurRad="9525" dist="25400" dir="14640000" algn="tl" rotWithShape="0">
+                    <a:schemeClr val="bg1">
+                      <a:alpha val="30000"/>
+                    </a:schemeClr>
+                  </a:outerShdw>
+                </a:effectLst>
+                <a:latin typeface="+mj-lt"/>
+                <a:ea typeface="+mj-ea"/>
+                <a:cs typeface="Trebuchet MS"/>
+              </a:defRPr>
+            </a:lvl1pPr>
+            <a:lvl2pPr eaLnBrk="1" hangingPunct="1">
+              <a:defRPr>
+                <a:solidFill>
+                  <a:schemeClr val="tx2"/>
+                </a:solidFill>
+              </a:defRPr>
+            </a:lvl2pPr>
+            <a:lvl3pPr eaLnBrk="1" hangingPunct="1">
+              <a:defRPr>
+                <a:solidFill>
+                  <a:schemeClr val="tx2"/>
+                </a:solidFill>
+              </a:defRPr>
+            </a:lvl3pPr>
+            <a:lvl4pPr eaLnBrk="1" hangingPunct="1">
+              <a:defRPr>
+                <a:solidFill>
+                  <a:schemeClr val="tx2"/>
+                </a:solidFill>
+              </a:defRPr>
+            </a:lvl4pPr>
+            <a:lvl5pPr eaLnBrk="1" hangingPunct="1">
+              <a:defRPr>
+                <a:solidFill>
+                  <a:schemeClr val="tx2"/>
+                </a:solidFill>
+              </a:defRPr>
+            </a:lvl5pPr>
+            <a:lvl6pPr eaLnBrk="1" hangingPunct="1">
+              <a:defRPr>
+                <a:solidFill>
+                  <a:schemeClr val="tx2"/>
+                </a:solidFill>
+              </a:defRPr>
+            </a:lvl6pPr>
+            <a:lvl7pPr eaLnBrk="1" hangingPunct="1">
+              <a:defRPr>
+                <a:solidFill>
+                  <a:schemeClr val="tx2"/>
+                </a:solidFill>
+              </a:defRPr>
+            </a:lvl7pPr>
+            <a:lvl8pPr eaLnBrk="1" hangingPunct="1">
+              <a:defRPr>
+                <a:solidFill>
+                  <a:schemeClr val="tx2"/>
+                </a:solidFill>
+              </a:defRPr>
+            </a:lvl8pPr>
+            <a:lvl9pPr eaLnBrk="1" hangingPunct="1">
+              <a:defRPr>
+                <a:solidFill>
+                  <a:schemeClr val="tx2"/>
+                </a:solidFill>
+              </a:defRPr>
+            </a:lvl9pPr>
+          </a:lstStyle>
+          <a:p>
+            <a:r>
+              <a:rPr lang="nl-BE" dirty="0"/>
+              <a:t>cd Talk-DesignPatterns</a:t>
+            </a:r>
+            <a:br>
+              <a:rPr lang="nl-BE" dirty="0"/>
+            </a:br>
+            <a:r>
+              <a:rPr lang="nl-BE" dirty="0"/>
+              <a:t>npm install</a:t>
+            </a:r>
+            <a:br>
+              <a:rPr lang="nl-BE" dirty="0"/>
+            </a:br>
+            <a:r>
+              <a:rPr lang="nl-BE" dirty="0"/>
+              <a:t>git checkout v1-hard-coded</a:t>
+            </a:r>
+            <a:br>
+              <a:rPr lang="nl-BE" dirty="0"/>
+            </a:br>
+            <a:r>
+              <a:rPr lang="nl-BE" dirty="0"/>
+              <a:t>cd JavaScript</a:t>
+            </a:r>
+          </a:p>
+          <a:p>
+            <a:endParaRPr lang="nl-BE" dirty="0"/>
+          </a:p>
+        </p:txBody>
+      </p:sp>
+    </p:spTree>
+    <p:extLst>
+      <p:ext uri="{BB962C8B-B14F-4D97-AF65-F5344CB8AC3E}">
+        <p14:creationId xmlns:p14="http://schemas.microsoft.com/office/powerpoint/2010/main" val="3438961182"/>
+      </p:ext>
+    </p:extLst>
+  </p:cSld>
+  <p:clrMapOvr>
+    <a:masterClrMapping/>
+  </p:clrMapOvr>
+</p:sld>
+</file>
+
+<file path=ppt/slides/slide2.xml><?xml version="1.0" encoding="utf-8"?>
+<p:sld xmlns:a="http://schemas.openxmlformats.org/drawingml/2006/main" xmlns:r="http://schemas.openxmlformats.org/officeDocument/2006/relationships" xmlns:p="http://schemas.openxmlformats.org/presentationml/2006/main">
+  <p:cSld>
+    <p:spTree>
+      <p:nvGrpSpPr>
+        <p:cNvPr id="1" name=""/>
+        <p:cNvGrpSpPr/>
+        <p:nvPr/>
+      </p:nvGrpSpPr>
+      <p:grpSpPr>
+        <a:xfrm>
+          <a:off x="0" y="0"/>
+          <a:ext cx="0" cy="0"/>
+          <a:chOff x="0" y="0"/>
+          <a:chExt cx="0" cy="0"/>
+        </a:xfrm>
+      </p:grpSpPr>
+      <p:sp>
+        <p:nvSpPr>
+          <p:cNvPr id="2" name="Title 1"/>
+          <p:cNvSpPr>
+            <a:spLocks noGrp="1"/>
+          </p:cNvSpPr>
+          <p:nvPr>
+            <p:ph type="ctrTitle"/>
+          </p:nvPr>
+        </p:nvSpPr>
+        <p:spPr/>
+        <p:txBody>
+          <a:bodyPr/>
+          <a:lstStyle/>
+          <a:p>
+            <a:r>
+              <a:rPr lang="nl-BE" dirty="0"/>
+              <a:t>Design Patterns</a:t>
+            </a:r>
+          </a:p>
+        </p:txBody>
+      </p:sp>
+      <p:sp>
+        <p:nvSpPr>
+          <p:cNvPr id="3" name="Subtitle 2"/>
+          <p:cNvSpPr>
+            <a:spLocks noGrp="1"/>
+          </p:cNvSpPr>
+          <p:nvPr>
+            <p:ph type="subTitle" idx="1"/>
+          </p:nvPr>
+        </p:nvSpPr>
+        <p:spPr/>
+        <p:txBody>
+          <a:bodyPr/>
+          <a:lstStyle/>
+          <a:p>
+            <a:endParaRPr lang="nl-BE"/>
+          </a:p>
+        </p:txBody>
+      </p:sp>
+      <p:pic>
+        <p:nvPicPr>
+          <p:cNvPr id="5" name="Picture 4">
+            <a:extLst>
+              <a:ext uri="{FF2B5EF4-FFF2-40B4-BE49-F238E27FC236}">
+                <a16:creationId xmlns:a16="http://schemas.microsoft.com/office/drawing/2014/main" id="{CC029E3F-7C78-4B1C-8BF6-57C294F3D025}"/>
+              </a:ext>
+            </a:extLst>
+          </p:cNvPr>
+          <p:cNvPicPr>
+            <a:picLocks noChangeAspect="1"/>
+          </p:cNvPicPr>
+          <p:nvPr/>
+        </p:nvPicPr>
+        <p:blipFill>
+          <a:blip r:embed="rId3" cstate="print">
+            <a:extLst>
+              <a:ext uri="{28A0092B-C50C-407E-A947-70E740481C1C}">
+                <a14:useLocalDpi xmlns:a14="http://schemas.microsoft.com/office/drawing/2010/main" val="0"/>
+              </a:ext>
+            </a:extLst>
+          </a:blip>
+          <a:stretch>
+            <a:fillRect/>
+          </a:stretch>
+        </p:blipFill>
+        <p:spPr>
+          <a:xfrm>
+            <a:off x="7239000" y="-34527"/>
+            <a:ext cx="1905000" cy="1905000"/>
+          </a:xfrm>
+          <a:prstGeom prst="rect">
+            <a:avLst/>
+          </a:prstGeom>
+        </p:spPr>
+      </p:pic>
+    </p:spTree>
+    <p:extLst>
+      <p:ext uri="{BB962C8B-B14F-4D97-AF65-F5344CB8AC3E}">
+        <p14:creationId xmlns:p14="http://schemas.microsoft.com/office/powerpoint/2010/main" val="1709673712"/>
+      </p:ext>
+    </p:extLst>
+  </p:cSld>
+  <p:clrMapOvr>
+    <a:masterClrMapping/>
+  </p:clrMapOvr>
+</p:sld>
+</file>
+
+<file path=ppt/slides/slide20.xml><?xml version="1.0" encoding="utf-8"?>
+<p:sld xmlns:a="http://schemas.openxmlformats.org/drawingml/2006/main" xmlns:r="http://schemas.openxmlformats.org/officeDocument/2006/relationships" xmlns:p="http://schemas.openxmlformats.org/presentationml/2006/main">
+  <p:cSld>
+    <p:spTree>
+      <p:nvGrpSpPr>
+        <p:cNvPr id="1" name=""/>
+        <p:cNvGrpSpPr/>
+        <p:nvPr/>
+      </p:nvGrpSpPr>
+      <p:grpSpPr>
+        <a:xfrm>
+          <a:off x="0" y="0"/>
+          <a:ext cx="0" cy="0"/>
+          <a:chOff x="0" y="0"/>
+          <a:chExt cx="0" cy="0"/>
+        </a:xfrm>
+      </p:grpSpPr>
+      <p:pic>
+        <p:nvPicPr>
+          <p:cNvPr id="4" name="Picture 3">
+            <a:extLst>
+              <a:ext uri="{FF2B5EF4-FFF2-40B4-BE49-F238E27FC236}">
+                <a16:creationId xmlns:a16="http://schemas.microsoft.com/office/drawing/2014/main" id="{46882933-F914-40F6-9D39-4F31CF4EA919}"/>
+              </a:ext>
+            </a:extLst>
+          </p:cNvPr>
+          <p:cNvPicPr>
+            <a:picLocks noChangeAspect="1"/>
+          </p:cNvPicPr>
+          <p:nvPr/>
+        </p:nvPicPr>
+        <p:blipFill>
+          <a:blip r:embed="rId2" cstate="print">
+            <a:extLst>
+              <a:ext uri="{28A0092B-C50C-407E-A947-70E740481C1C}">
+                <a14:useLocalDpi xmlns:a14="http://schemas.microsoft.com/office/drawing/2010/main" val="0"/>
+              </a:ext>
+            </a:extLst>
+          </a:blip>
+          <a:stretch>
+            <a:fillRect/>
+          </a:stretch>
+        </p:blipFill>
+        <p:spPr>
+          <a:xfrm>
+            <a:off x="7239000" y="-34527"/>
+            <a:ext cx="1905000" cy="1905000"/>
+          </a:xfrm>
+          <a:prstGeom prst="rect">
+            <a:avLst/>
+          </a:prstGeom>
+        </p:spPr>
+      </p:pic>
+      <p:sp>
+        <p:nvSpPr>
+          <p:cNvPr id="6" name="Title 1">
+            <a:extLst>
+              <a:ext uri="{FF2B5EF4-FFF2-40B4-BE49-F238E27FC236}">
+                <a16:creationId xmlns:a16="http://schemas.microsoft.com/office/drawing/2014/main" id="{ECE00417-AF3A-4667-A563-D3AD7E06FBA3}"/>
+              </a:ext>
+            </a:extLst>
+          </p:cNvPr>
+          <p:cNvSpPr txBox="1">
+            <a:spLocks/>
+          </p:cNvSpPr>
+          <p:nvPr/>
+        </p:nvSpPr>
+        <p:spPr>
+          <a:xfrm>
+            <a:off x="426178" y="533400"/>
+            <a:ext cx="7765322" cy="970450"/>
+          </a:xfrm>
+          <a:prstGeom prst="rect">
+            <a:avLst/>
+          </a:prstGeom>
+          <a:effectLst>
+            <a:outerShdw blurRad="25400" dir="17880000">
+              <a:srgbClr val="000000">
+                <a:alpha val="46000"/>
+              </a:srgbClr>
+            </a:outerShdw>
+          </a:effectLst>
+        </p:spPr>
+        <p:txBody>
+          <a:bodyPr vert="horz" lIns="91440" tIns="45720" rIns="91440" bIns="45720" rtlCol="0" anchor="ctr">
+            <a:normAutofit fontScale="97500"/>
+          </a:bodyPr>
+          <a:lstStyle>
+            <a:lvl1pPr algn="ctr" defTabSz="457200" rtl="0" eaLnBrk="1" latinLnBrk="0" hangingPunct="1">
+              <a:spcBef>
+                <a:spcPct val="0"/>
+              </a:spcBef>
+              <a:buNone/>
+              <a:defRPr sz="4000" kern="1200">
+                <a:ln>
+                  <a:solidFill>
+                    <a:schemeClr val="bg1">
+                      <a:lumMod val="75000"/>
+                      <a:lumOff val="25000"/>
+                      <a:alpha val="10000"/>
+                    </a:schemeClr>
+                  </a:solidFill>
+                </a:ln>
+                <a:solidFill>
+                  <a:schemeClr val="tx2"/>
+                </a:solidFill>
+                <a:effectLst>
+                  <a:outerShdw blurRad="9525" dist="25400" dir="14640000" algn="tl" rotWithShape="0">
+                    <a:schemeClr val="bg1">
+                      <a:alpha val="30000"/>
+                    </a:schemeClr>
+                  </a:outerShdw>
+                </a:effectLst>
+                <a:latin typeface="+mj-lt"/>
+                <a:ea typeface="+mj-ea"/>
+                <a:cs typeface="Trebuchet MS"/>
+              </a:defRPr>
+            </a:lvl1pPr>
+            <a:lvl2pPr eaLnBrk="1" hangingPunct="1">
+              <a:defRPr>
+                <a:solidFill>
+                  <a:schemeClr val="tx2"/>
+                </a:solidFill>
+              </a:defRPr>
+            </a:lvl2pPr>
+            <a:lvl3pPr eaLnBrk="1" hangingPunct="1">
+              <a:defRPr>
+                <a:solidFill>
+                  <a:schemeClr val="tx2"/>
+                </a:solidFill>
+              </a:defRPr>
+            </a:lvl3pPr>
+            <a:lvl4pPr eaLnBrk="1" hangingPunct="1">
+              <a:defRPr>
+                <a:solidFill>
+                  <a:schemeClr val="tx2"/>
+                </a:solidFill>
+              </a:defRPr>
+            </a:lvl4pPr>
+            <a:lvl5pPr eaLnBrk="1" hangingPunct="1">
+              <a:defRPr>
+                <a:solidFill>
+                  <a:schemeClr val="tx2"/>
+                </a:solidFill>
+              </a:defRPr>
+            </a:lvl5pPr>
+            <a:lvl6pPr eaLnBrk="1" hangingPunct="1">
+              <a:defRPr>
+                <a:solidFill>
+                  <a:schemeClr val="tx2"/>
+                </a:solidFill>
+              </a:defRPr>
+            </a:lvl6pPr>
+            <a:lvl7pPr eaLnBrk="1" hangingPunct="1">
+              <a:defRPr>
+                <a:solidFill>
+                  <a:schemeClr val="tx2"/>
+                </a:solidFill>
+              </a:defRPr>
+            </a:lvl7pPr>
+            <a:lvl8pPr eaLnBrk="1" hangingPunct="1">
+              <a:defRPr>
+                <a:solidFill>
+                  <a:schemeClr val="tx2"/>
+                </a:solidFill>
+              </a:defRPr>
+            </a:lvl8pPr>
+            <a:lvl9pPr eaLnBrk="1" hangingPunct="1">
+              <a:defRPr>
+                <a:solidFill>
+                  <a:schemeClr val="tx2"/>
+                </a:solidFill>
+              </a:defRPr>
+            </a:lvl9pPr>
+          </a:lstStyle>
+          <a:p>
+            <a:r>
+              <a:rPr lang="nl-BE" dirty="0"/>
+              <a:t>Show me the code</a:t>
+            </a:r>
+          </a:p>
+        </p:txBody>
+      </p:sp>
+      <p:sp>
+        <p:nvSpPr>
+          <p:cNvPr id="8" name="Title 1">
+            <a:extLst>
+              <a:ext uri="{FF2B5EF4-FFF2-40B4-BE49-F238E27FC236}">
+                <a16:creationId xmlns:a16="http://schemas.microsoft.com/office/drawing/2014/main" id="{A21E3F4D-3ADC-439C-88F8-43A975BDFE19}"/>
+              </a:ext>
+            </a:extLst>
+          </p:cNvPr>
+          <p:cNvSpPr txBox="1">
+            <a:spLocks/>
+          </p:cNvSpPr>
+          <p:nvPr/>
+        </p:nvSpPr>
+        <p:spPr>
+          <a:xfrm>
+            <a:off x="689339" y="1892884"/>
+            <a:ext cx="7765322" cy="4279315"/>
+          </a:xfrm>
+          <a:prstGeom prst="rect">
+            <a:avLst/>
+          </a:prstGeom>
+          <a:effectLst>
+            <a:outerShdw blurRad="25400" dir="17880000">
+              <a:srgbClr val="000000">
+                <a:alpha val="46000"/>
+              </a:srgbClr>
+            </a:outerShdw>
+          </a:effectLst>
+        </p:spPr>
+        <p:txBody>
+          <a:bodyPr vert="horz" lIns="91440" tIns="45720" rIns="91440" bIns="45720" rtlCol="0" anchor="ctr">
+            <a:normAutofit fontScale="97500"/>
+          </a:bodyPr>
+          <a:lstStyle>
+            <a:lvl1pPr algn="ctr" defTabSz="457200" rtl="0" eaLnBrk="1" latinLnBrk="0" hangingPunct="1">
+              <a:spcBef>
+                <a:spcPct val="0"/>
+              </a:spcBef>
+              <a:buNone/>
+              <a:defRPr sz="4000" kern="1200">
+                <a:ln>
+                  <a:solidFill>
+                    <a:schemeClr val="bg1">
+                      <a:lumMod val="75000"/>
+                      <a:lumOff val="25000"/>
+                      <a:alpha val="10000"/>
+                    </a:schemeClr>
+                  </a:solidFill>
+                </a:ln>
+                <a:solidFill>
+                  <a:schemeClr val="tx2"/>
+                </a:solidFill>
+                <a:effectLst>
+                  <a:outerShdw blurRad="9525" dist="25400" dir="14640000" algn="tl" rotWithShape="0">
+                    <a:schemeClr val="bg1">
+                      <a:alpha val="30000"/>
+                    </a:schemeClr>
+                  </a:outerShdw>
+                </a:effectLst>
+                <a:latin typeface="+mj-lt"/>
+                <a:ea typeface="+mj-ea"/>
+                <a:cs typeface="Trebuchet MS"/>
+              </a:defRPr>
+            </a:lvl1pPr>
+            <a:lvl2pPr eaLnBrk="1" hangingPunct="1">
+              <a:defRPr>
+                <a:solidFill>
+                  <a:schemeClr val="tx2"/>
+                </a:solidFill>
+              </a:defRPr>
+            </a:lvl2pPr>
+            <a:lvl3pPr eaLnBrk="1" hangingPunct="1">
+              <a:defRPr>
+                <a:solidFill>
+                  <a:schemeClr val="tx2"/>
+                </a:solidFill>
+              </a:defRPr>
+            </a:lvl3pPr>
+            <a:lvl4pPr eaLnBrk="1" hangingPunct="1">
+              <a:defRPr>
+                <a:solidFill>
+                  <a:schemeClr val="tx2"/>
+                </a:solidFill>
+              </a:defRPr>
+            </a:lvl4pPr>
+            <a:lvl5pPr eaLnBrk="1" hangingPunct="1">
+              <a:defRPr>
+                <a:solidFill>
+                  <a:schemeClr val="tx2"/>
+                </a:solidFill>
+              </a:defRPr>
+            </a:lvl5pPr>
+            <a:lvl6pPr eaLnBrk="1" hangingPunct="1">
+              <a:defRPr>
+                <a:solidFill>
+                  <a:schemeClr val="tx2"/>
+                </a:solidFill>
+              </a:defRPr>
+            </a:lvl6pPr>
+            <a:lvl7pPr eaLnBrk="1" hangingPunct="1">
+              <a:defRPr>
+                <a:solidFill>
+                  <a:schemeClr val="tx2"/>
+                </a:solidFill>
+              </a:defRPr>
+            </a:lvl7pPr>
+            <a:lvl8pPr eaLnBrk="1" hangingPunct="1">
+              <a:defRPr>
+                <a:solidFill>
+                  <a:schemeClr val="tx2"/>
+                </a:solidFill>
+              </a:defRPr>
+            </a:lvl8pPr>
+            <a:lvl9pPr eaLnBrk="1" hangingPunct="1">
+              <a:defRPr>
+                <a:solidFill>
+                  <a:schemeClr val="tx2"/>
+                </a:solidFill>
+              </a:defRPr>
+            </a:lvl9pPr>
+          </a:lstStyle>
+          <a:p>
+            <a:r>
+              <a:rPr lang="nl-BE" dirty="0"/>
+              <a:t>cd impl-angular</a:t>
+            </a:r>
+            <a:br>
+              <a:rPr lang="nl-BE" dirty="0"/>
+            </a:br>
+            <a:r>
+              <a:rPr lang="nl-BE" dirty="0"/>
+              <a:t>npm start</a:t>
+            </a:r>
+            <a:br>
+              <a:rPr lang="nl-BE" dirty="0"/>
+            </a:br>
+            <a:br>
+              <a:rPr lang="nl-BE" dirty="0"/>
+            </a:br>
+            <a:r>
+              <a:rPr lang="nl-BE" dirty="0"/>
+              <a:t>cd impl-react</a:t>
+            </a:r>
+            <a:br>
+              <a:rPr lang="nl-BE" dirty="0"/>
+            </a:br>
+            <a:r>
+              <a:rPr lang="nl-BE" dirty="0"/>
+              <a:t>npm start</a:t>
+            </a:r>
+          </a:p>
+          <a:p>
+            <a:endParaRPr lang="nl-BE" dirty="0"/>
+          </a:p>
+        </p:txBody>
+      </p:sp>
+    </p:spTree>
+    <p:extLst>
+      <p:ext uri="{BB962C8B-B14F-4D97-AF65-F5344CB8AC3E}">
+        <p14:creationId xmlns:p14="http://schemas.microsoft.com/office/powerpoint/2010/main" val="1235368787"/>
+      </p:ext>
+    </p:extLst>
+  </p:cSld>
+  <p:clrMapOvr>
+    <a:masterClrMapping/>
+  </p:clrMapOvr>
+</p:sld>
+</file>
+
+<file path=ppt/slides/slide21.xml><?xml version="1.0" encoding="utf-8"?>
 <p:sld xmlns:a="http://schemas.openxmlformats.org/drawingml/2006/main" xmlns:r="http://schemas.openxmlformats.org/officeDocument/2006/relationships" xmlns:p="http://schemas.openxmlformats.org/presentationml/2006/main">
   <p:cSld>
     <p:spTree>
@@ -13937,316 +16612,7 @@
 </p:sld>
 </file>
 
-<file path=ppt/slides/slide13.xml><?xml version="1.0" encoding="utf-8"?>
-<p:sld xmlns:a="http://schemas.openxmlformats.org/drawingml/2006/main" xmlns:r="http://schemas.openxmlformats.org/officeDocument/2006/relationships" xmlns:p="http://schemas.openxmlformats.org/presentationml/2006/main">
-  <p:cSld>
-    <p:spTree>
-      <p:nvGrpSpPr>
-        <p:cNvPr id="1" name=""/>
-        <p:cNvGrpSpPr/>
-        <p:nvPr/>
-      </p:nvGrpSpPr>
-      <p:grpSpPr>
-        <a:xfrm>
-          <a:off x="0" y="0"/>
-          <a:ext cx="0" cy="0"/>
-          <a:chOff x="0" y="0"/>
-          <a:chExt cx="0" cy="0"/>
-        </a:xfrm>
-      </p:grpSpPr>
-      <p:sp>
-        <p:nvSpPr>
-          <p:cNvPr id="2" name="Title 1"/>
-          <p:cNvSpPr>
-            <a:spLocks noGrp="1"/>
-          </p:cNvSpPr>
-          <p:nvPr>
-            <p:ph type="title"/>
-          </p:nvPr>
-        </p:nvSpPr>
-        <p:spPr/>
-        <p:txBody>
-          <a:bodyPr/>
-          <a:lstStyle/>
-          <a:p>
-            <a:r>
-              <a:rPr lang="nl-BE" dirty="0"/>
-              <a:t>Pattern: Factory Method</a:t>
-            </a:r>
-          </a:p>
-        </p:txBody>
-      </p:sp>
-      <p:sp>
-        <p:nvSpPr>
-          <p:cNvPr id="3" name="Content Placeholder 2"/>
-          <p:cNvSpPr>
-            <a:spLocks noGrp="1"/>
-          </p:cNvSpPr>
-          <p:nvPr>
-            <p:ph idx="1"/>
-          </p:nvPr>
-        </p:nvSpPr>
-        <p:spPr/>
-        <p:txBody>
-          <a:bodyPr>
-            <a:normAutofit/>
-          </a:bodyPr>
-          <a:lstStyle/>
-          <a:p>
-            <a:pPr marL="0" indent="0" algn="ctr">
-              <a:buNone/>
-            </a:pPr>
-            <a:r>
-              <a:rPr lang="nl-BE" sz="2400" i="1" dirty="0"/>
-              <a:t>“Define an interface for creating an object, but let subclasses decide which class to instantiate. Factory Method lets a class defer instantiation to subclasses.”</a:t>
-            </a:r>
-          </a:p>
-          <a:p>
-            <a:pPr marL="0" indent="0" algn="ctr">
-              <a:buNone/>
-            </a:pPr>
-            <a:endParaRPr lang="nl-BE" sz="2400" i="1" dirty="0"/>
-          </a:p>
-          <a:p>
-            <a:pPr marL="0" indent="0">
-              <a:buNone/>
-            </a:pPr>
-            <a:r>
-              <a:rPr lang="nl-BE" sz="3200" dirty="0"/>
-              <a:t>.NET: Consider using generics to avoid subclassing.</a:t>
-            </a:r>
-          </a:p>
-          <a:p>
-            <a:pPr marL="0" indent="0">
-              <a:buNone/>
-            </a:pPr>
-            <a:endParaRPr lang="nl-BE" sz="2400" dirty="0"/>
-          </a:p>
-          <a:p>
-            <a:pPr marL="0" indent="0">
-              <a:buNone/>
-            </a:pPr>
-            <a:r>
-              <a:rPr lang="nl-BE" sz="2400" dirty="0"/>
-              <a:t>Example: Uploading a file</a:t>
-            </a:r>
-          </a:p>
-        </p:txBody>
-      </p:sp>
-      <p:pic>
-        <p:nvPicPr>
-          <p:cNvPr id="4" name="Picture 3">
-            <a:extLst>
-              <a:ext uri="{FF2B5EF4-FFF2-40B4-BE49-F238E27FC236}">
-                <a16:creationId xmlns:a16="http://schemas.microsoft.com/office/drawing/2014/main" id="{734CA1D9-BE0C-495B-947D-F6CE2B4015B4}"/>
-              </a:ext>
-            </a:extLst>
-          </p:cNvPr>
-          <p:cNvPicPr>
-            <a:picLocks noChangeAspect="1"/>
-          </p:cNvPicPr>
-          <p:nvPr/>
-        </p:nvPicPr>
-        <p:blipFill>
-          <a:blip r:embed="rId3" cstate="print">
-            <a:extLst>
-              <a:ext uri="{28A0092B-C50C-407E-A947-70E740481C1C}">
-                <a14:useLocalDpi xmlns:a14="http://schemas.microsoft.com/office/drawing/2010/main" val="0"/>
-              </a:ext>
-            </a:extLst>
-          </a:blip>
-          <a:stretch>
-            <a:fillRect/>
-          </a:stretch>
-        </p:blipFill>
-        <p:spPr>
-          <a:xfrm>
-            <a:off x="7239000" y="-34527"/>
-            <a:ext cx="1905000" cy="1905000"/>
-          </a:xfrm>
-          <a:prstGeom prst="rect">
-            <a:avLst/>
-          </a:prstGeom>
-        </p:spPr>
-      </p:pic>
-    </p:spTree>
-    <p:extLst>
-      <p:ext uri="{BB962C8B-B14F-4D97-AF65-F5344CB8AC3E}">
-        <p14:creationId xmlns:p14="http://schemas.microsoft.com/office/powerpoint/2010/main" val="2518428883"/>
-      </p:ext>
-    </p:extLst>
-  </p:cSld>
-  <p:clrMapOvr>
-    <a:masterClrMapping/>
-  </p:clrMapOvr>
-</p:sld>
-</file>
-
-<file path=ppt/slides/slide14.xml><?xml version="1.0" encoding="utf-8"?>
-<p:sld xmlns:a="http://schemas.openxmlformats.org/drawingml/2006/main" xmlns:r="http://schemas.openxmlformats.org/officeDocument/2006/relationships" xmlns:p="http://schemas.openxmlformats.org/presentationml/2006/main">
-  <p:cSld>
-    <p:spTree>
-      <p:nvGrpSpPr>
-        <p:cNvPr id="1" name=""/>
-        <p:cNvGrpSpPr/>
-        <p:nvPr/>
-      </p:nvGrpSpPr>
-      <p:grpSpPr>
-        <a:xfrm>
-          <a:off x="0" y="0"/>
-          <a:ext cx="0" cy="0"/>
-          <a:chOff x="0" y="0"/>
-          <a:chExt cx="0" cy="0"/>
-        </a:xfrm>
-      </p:grpSpPr>
-      <p:sp>
-        <p:nvSpPr>
-          <p:cNvPr id="2" name="Title 1"/>
-          <p:cNvSpPr>
-            <a:spLocks noGrp="1"/>
-          </p:cNvSpPr>
-          <p:nvPr>
-            <p:ph type="title"/>
-          </p:nvPr>
-        </p:nvSpPr>
-        <p:spPr/>
-        <p:txBody>
-          <a:bodyPr/>
-          <a:lstStyle/>
-          <a:p>
-            <a:r>
-              <a:rPr lang="nl-BE" dirty="0"/>
-              <a:t>Pattern: Strategy</a:t>
-            </a:r>
-          </a:p>
-        </p:txBody>
-      </p:sp>
-      <p:sp>
-        <p:nvSpPr>
-          <p:cNvPr id="3" name="Content Placeholder 2"/>
-          <p:cNvSpPr>
-            <a:spLocks noGrp="1"/>
-          </p:cNvSpPr>
-          <p:nvPr>
-            <p:ph idx="1"/>
-          </p:nvPr>
-        </p:nvSpPr>
-        <p:spPr>
-          <a:xfrm>
-            <a:off x="457200" y="1600200"/>
-            <a:ext cx="8229600" cy="4876800"/>
-          </a:xfrm>
-        </p:spPr>
-        <p:txBody>
-          <a:bodyPr>
-            <a:normAutofit fontScale="77500" lnSpcReduction="20000"/>
-          </a:bodyPr>
-          <a:lstStyle/>
-          <a:p>
-            <a:pPr marL="0" indent="0" algn="ctr">
-              <a:buNone/>
-            </a:pPr>
-            <a:r>
-              <a:rPr lang="nl-BE" sz="5800" i="1" dirty="0"/>
-              <a:t>“Define a family of algorithms, encapsulate each one, and make them interchangeable. It lets the algorithm vary independently from clients that use it.”</a:t>
-            </a:r>
-          </a:p>
-          <a:p>
-            <a:pPr marL="0" indent="0">
-              <a:buNone/>
-            </a:pPr>
-            <a:endParaRPr lang="nl-BE" dirty="0"/>
-          </a:p>
-          <a:p>
-            <a:pPr marL="0" indent="0">
-              <a:buNone/>
-            </a:pPr>
-            <a:endParaRPr lang="nl-BE" dirty="0"/>
-          </a:p>
-          <a:p>
-            <a:pPr marL="0" indent="0">
-              <a:buNone/>
-            </a:pPr>
-            <a:r>
-              <a:rPr lang="nl-BE" sz="2600" dirty="0"/>
-              <a:t>.NET</a:t>
-            </a:r>
-            <a:r>
-              <a:rPr lang="nl-BE" sz="3100" dirty="0"/>
-              <a:t>: new </a:t>
-            </a:r>
-            <a:r>
-              <a:rPr lang="nl-BE" sz="2600" dirty="0"/>
-              <a:t>SortedDictionary(IComparer&lt;TKey&gt; comparer)</a:t>
-            </a:r>
-          </a:p>
-          <a:p>
-            <a:pPr marL="0" indent="0">
-              <a:buNone/>
-            </a:pPr>
-            <a:endParaRPr lang="nl-BE" sz="2600" dirty="0"/>
-          </a:p>
-          <a:p>
-            <a:pPr marL="0" indent="0">
-              <a:buNone/>
-            </a:pPr>
-            <a:r>
-              <a:rPr lang="nl-BE" sz="2600" dirty="0"/>
-              <a:t>Example: Uploading a file</a:t>
-            </a:r>
-          </a:p>
-        </p:txBody>
-      </p:sp>
-      <p:pic>
-        <p:nvPicPr>
-          <p:cNvPr id="4" name="Picture 3">
-            <a:extLst>
-              <a:ext uri="{FF2B5EF4-FFF2-40B4-BE49-F238E27FC236}">
-                <a16:creationId xmlns:a16="http://schemas.microsoft.com/office/drawing/2014/main" id="{FAA2A300-76C1-4A11-AE5C-FE6D1D847414}"/>
-              </a:ext>
-            </a:extLst>
-          </p:cNvPr>
-          <p:cNvPicPr>
-            <a:picLocks noChangeAspect="1"/>
-          </p:cNvPicPr>
-          <p:nvPr/>
-        </p:nvPicPr>
-        <p:blipFill>
-          <a:blip r:embed="rId3" cstate="print">
-            <a:extLst>
-              <a:ext uri="{28A0092B-C50C-407E-A947-70E740481C1C}">
-                <a14:useLocalDpi xmlns:a14="http://schemas.microsoft.com/office/drawing/2010/main" val="0"/>
-              </a:ext>
-            </a:extLst>
-          </a:blip>
-          <a:stretch>
-            <a:fillRect/>
-          </a:stretch>
-        </p:blipFill>
-        <p:spPr>
-          <a:xfrm>
-            <a:off x="7239000" y="-34527"/>
-            <a:ext cx="1905000" cy="1905000"/>
-          </a:xfrm>
-          <a:prstGeom prst="rect">
-            <a:avLst/>
-          </a:prstGeom>
-        </p:spPr>
-      </p:pic>
-    </p:spTree>
-    <p:extLst>
-      <p:ext uri="{BB962C8B-B14F-4D97-AF65-F5344CB8AC3E}">
-        <p14:creationId xmlns:p14="http://schemas.microsoft.com/office/powerpoint/2010/main" val="328113985"/>
-      </p:ext>
-    </p:extLst>
-  </p:cSld>
-  <p:clrMapOvr>
-    <a:masterClrMapping/>
-  </p:clrMapOvr>
-</p:sld>
-</file>
-
-<file path=ppt/slides/slide15.xml><?xml version="1.0" encoding="utf-8"?>
+<file path=ppt/slides/slide22.xml><?xml version="1.0" encoding="utf-8"?>
 <p:sld xmlns:a="http://schemas.openxmlformats.org/drawingml/2006/main" xmlns:r="http://schemas.openxmlformats.org/officeDocument/2006/relationships" xmlns:p="http://schemas.openxmlformats.org/presentationml/2006/main">
   <p:cSld>
     <p:spTree>
@@ -14380,7 +16746,7 @@
 </p:sld>
 </file>
 
-<file path=ppt/slides/slide16.xml><?xml version="1.0" encoding="utf-8"?>
+<file path=ppt/slides/slide23.xml><?xml version="1.0" encoding="utf-8"?>
 <p:sld xmlns:a="http://schemas.openxmlformats.org/drawingml/2006/main" xmlns:r="http://schemas.openxmlformats.org/officeDocument/2006/relationships" xmlns:p="http://schemas.openxmlformats.org/presentationml/2006/main" show="0">
   <p:cSld>
     <p:spTree>
@@ -14551,7 +16917,7 @@
 </p:sld>
 </file>
 
-<file path=ppt/slides/slide17.xml><?xml version="1.0" encoding="utf-8"?>
+<file path=ppt/slides/slide24.xml><?xml version="1.0" encoding="utf-8"?>
 <p:sld xmlns:a="http://schemas.openxmlformats.org/drawingml/2006/main" xmlns:r="http://schemas.openxmlformats.org/officeDocument/2006/relationships" xmlns:p="http://schemas.openxmlformats.org/presentationml/2006/main">
   <p:cSld>
     <p:spTree>
@@ -14718,7 +17084,7 @@
 </p:sld>
 </file>
 
-<file path=ppt/slides/slide18.xml><?xml version="1.0" encoding="utf-8"?>
+<file path=ppt/slides/slide25.xml><?xml version="1.0" encoding="utf-8"?>
 <p:sld xmlns:a="http://schemas.openxmlformats.org/drawingml/2006/main" xmlns:r="http://schemas.openxmlformats.org/officeDocument/2006/relationships" xmlns:p="http://schemas.openxmlformats.org/presentationml/2006/main" show="0">
   <p:cSld>
     <p:spTree>
@@ -14907,7 +17273,7 @@
 </p:sld>
 </file>
 
-<file path=ppt/slides/slide19.xml><?xml version="1.0" encoding="utf-8"?>
+<file path=ppt/slides/slide26.xml><?xml version="1.0" encoding="utf-8"?>
 <p:sld xmlns:a="http://schemas.openxmlformats.org/drawingml/2006/main" xmlns:r="http://schemas.openxmlformats.org/officeDocument/2006/relationships" xmlns:p="http://schemas.openxmlformats.org/presentationml/2006/main">
   <p:cSld>
     <p:spTree>
@@ -15079,7 +17445,195 @@
 </p:sld>
 </file>
 
-<file path=ppt/slides/slide2.xml><?xml version="1.0" encoding="utf-8"?>
+<file path=ppt/slides/slide27.xml><?xml version="1.0" encoding="utf-8"?>
+<p:sld xmlns:a="http://schemas.openxmlformats.org/drawingml/2006/main" xmlns:r="http://schemas.openxmlformats.org/officeDocument/2006/relationships" xmlns:p="http://schemas.openxmlformats.org/presentationml/2006/main" show="0">
+  <p:cSld>
+    <p:spTree>
+      <p:nvGrpSpPr>
+        <p:cNvPr id="1" name=""/>
+        <p:cNvGrpSpPr/>
+        <p:nvPr/>
+      </p:nvGrpSpPr>
+      <p:grpSpPr>
+        <a:xfrm>
+          <a:off x="0" y="0"/>
+          <a:ext cx="0" cy="0"/>
+          <a:chOff x="0" y="0"/>
+          <a:chExt cx="0" cy="0"/>
+        </a:xfrm>
+      </p:grpSpPr>
+      <p:sp>
+        <p:nvSpPr>
+          <p:cNvPr id="2" name="Title 1"/>
+          <p:cNvSpPr>
+            <a:spLocks noGrp="1"/>
+          </p:cNvSpPr>
+          <p:nvPr>
+            <p:ph type="title"/>
+          </p:nvPr>
+        </p:nvSpPr>
+        <p:spPr/>
+        <p:txBody>
+          <a:bodyPr>
+            <a:normAutofit fontScale="90000"/>
+          </a:bodyPr>
+          <a:lstStyle/>
+          <a:p>
+            <a:r>
+              <a:rPr lang="nl-BE" dirty="0"/>
+              <a:t>OCP</a:t>
+            </a:r>
+            <a:br>
+              <a:rPr lang="nl-BE" dirty="0"/>
+            </a:br>
+            <a:r>
+              <a:rPr lang="nl-BE" dirty="0"/>
+              <a:t>Open/Closed Principle</a:t>
+            </a:r>
+          </a:p>
+        </p:txBody>
+      </p:sp>
+      <p:sp>
+        <p:nvSpPr>
+          <p:cNvPr id="3" name="Content Placeholder 2"/>
+          <p:cNvSpPr>
+            <a:spLocks noGrp="1"/>
+          </p:cNvSpPr>
+          <p:nvPr>
+            <p:ph idx="1"/>
+          </p:nvPr>
+        </p:nvSpPr>
+        <p:spPr>
+          <a:xfrm>
+            <a:off x="415107" y="1965530"/>
+            <a:ext cx="8305800" cy="4058751"/>
+          </a:xfrm>
+        </p:spPr>
+        <p:txBody>
+          <a:bodyPr>
+            <a:normAutofit/>
+          </a:bodyPr>
+          <a:lstStyle/>
+          <a:p>
+            <a:pPr marL="57150" indent="0" algn="ctr">
+              <a:buNone/>
+            </a:pPr>
+            <a:r>
+              <a:rPr lang="nl-BE" sz="2800" i="1" dirty="0"/>
+              <a:t>“Software entities (classes, modules, functions, etc) should be open for extension but closed for modification”</a:t>
+            </a:r>
+          </a:p>
+          <a:p>
+            <a:pPr marL="457200" lvl="1" indent="0">
+              <a:buNone/>
+            </a:pPr>
+            <a:endParaRPr lang="nl-BE" dirty="0"/>
+          </a:p>
+          <a:p>
+            <a:pPr marL="57150" indent="0">
+              <a:buNone/>
+            </a:pPr>
+            <a:r>
+              <a:rPr lang="nl-BE" sz="2800" dirty="0"/>
+              <a:t>Modifications should be achieved by writing new code, not by changing existing code</a:t>
+            </a:r>
+          </a:p>
+          <a:p>
+            <a:pPr marL="57150" indent="0">
+              <a:buNone/>
+            </a:pPr>
+            <a:endParaRPr lang="nl-BE" dirty="0"/>
+          </a:p>
+          <a:p>
+            <a:pPr marL="57150" indent="0">
+              <a:buNone/>
+            </a:pPr>
+            <a:r>
+              <a:rPr lang="nl-BE" sz="2800" dirty="0"/>
+              <a:t>Example: Shapes – calculating area</a:t>
+            </a:r>
+          </a:p>
+        </p:txBody>
+      </p:sp>
+      <p:sp>
+        <p:nvSpPr>
+          <p:cNvPr id="4" name="TextBox 3"/>
+          <p:cNvSpPr txBox="1"/>
+          <p:nvPr/>
+        </p:nvSpPr>
+        <p:spPr>
+          <a:xfrm>
+            <a:off x="8001000" y="6324600"/>
+            <a:ext cx="990600" cy="369332"/>
+          </a:xfrm>
+          <a:prstGeom prst="rect">
+            <a:avLst/>
+          </a:prstGeom>
+          <a:noFill/>
+        </p:spPr>
+        <p:txBody>
+          <a:bodyPr wrap="square" rtlCol="0">
+            <a:spAutoFit/>
+          </a:bodyPr>
+          <a:lstStyle/>
+          <a:p>
+            <a:r>
+              <a:rPr lang="nl-BE" b="1" dirty="0"/>
+              <a:t>SOLID</a:t>
+            </a:r>
+          </a:p>
+        </p:txBody>
+      </p:sp>
+      <p:pic>
+        <p:nvPicPr>
+          <p:cNvPr id="5" name="Picture 4">
+            <a:extLst>
+              <a:ext uri="{FF2B5EF4-FFF2-40B4-BE49-F238E27FC236}">
+                <a16:creationId xmlns:a16="http://schemas.microsoft.com/office/drawing/2014/main" id="{9C0485FC-AA10-4959-8CB2-6D14E51712D3}"/>
+              </a:ext>
+            </a:extLst>
+          </p:cNvPr>
+          <p:cNvPicPr>
+            <a:picLocks noChangeAspect="1"/>
+          </p:cNvPicPr>
+          <p:nvPr/>
+        </p:nvPicPr>
+        <p:blipFill>
+          <a:blip r:embed="rId3" cstate="print">
+            <a:extLst>
+              <a:ext uri="{28A0092B-C50C-407E-A947-70E740481C1C}">
+                <a14:useLocalDpi xmlns:a14="http://schemas.microsoft.com/office/drawing/2010/main" val="0"/>
+              </a:ext>
+            </a:extLst>
+          </a:blip>
+          <a:stretch>
+            <a:fillRect/>
+          </a:stretch>
+        </p:blipFill>
+        <p:spPr>
+          <a:xfrm>
+            <a:off x="7239000" y="-34527"/>
+            <a:ext cx="1905000" cy="1905000"/>
+          </a:xfrm>
+          <a:prstGeom prst="rect">
+            <a:avLst/>
+          </a:prstGeom>
+        </p:spPr>
+      </p:pic>
+    </p:spTree>
+    <p:extLst>
+      <p:ext uri="{BB962C8B-B14F-4D97-AF65-F5344CB8AC3E}">
+        <p14:creationId xmlns:p14="http://schemas.microsoft.com/office/powerpoint/2010/main" val="933339138"/>
+      </p:ext>
+    </p:extLst>
+  </p:cSld>
+  <p:clrMapOvr>
+    <a:masterClrMapping/>
+  </p:clrMapOvr>
+</p:sld>
+</file>
+
+<file path=ppt/slides/slide28.xml><?xml version="1.0" encoding="utf-8"?>
 <p:sld xmlns:a="http://schemas.openxmlformats.org/drawingml/2006/main" xmlns:r="http://schemas.openxmlformats.org/officeDocument/2006/relationships" xmlns:p="http://schemas.openxmlformats.org/presentationml/2006/main">
   <p:cSld>
     <p:spTree>
@@ -15106,6 +17660,378 @@
             <p:ph type="title"/>
           </p:nvPr>
         </p:nvSpPr>
+        <p:spPr>
+          <a:xfrm>
+            <a:off x="203021" y="326963"/>
+            <a:ext cx="7765322" cy="970450"/>
+          </a:xfrm>
+        </p:spPr>
+        <p:txBody>
+          <a:bodyPr>
+            <a:normAutofit fontScale="90000"/>
+          </a:bodyPr>
+          <a:lstStyle/>
+          <a:p>
+            <a:r>
+              <a:rPr lang="nl-BE" dirty="0"/>
+              <a:t>DIP</a:t>
+            </a:r>
+            <a:br>
+              <a:rPr lang="nl-BE" dirty="0"/>
+            </a:br>
+            <a:r>
+              <a:rPr lang="nl-BE" dirty="0"/>
+              <a:t>Dependency-Inversion Principle</a:t>
+            </a:r>
+          </a:p>
+        </p:txBody>
+      </p:sp>
+      <p:sp>
+        <p:nvSpPr>
+          <p:cNvPr id="4" name="TextBox 3"/>
+          <p:cNvSpPr txBox="1"/>
+          <p:nvPr/>
+        </p:nvSpPr>
+        <p:spPr>
+          <a:xfrm>
+            <a:off x="8001000" y="6324600"/>
+            <a:ext cx="990600" cy="369332"/>
+          </a:xfrm>
+          <a:prstGeom prst="rect">
+            <a:avLst/>
+          </a:prstGeom>
+          <a:noFill/>
+        </p:spPr>
+        <p:txBody>
+          <a:bodyPr wrap="square" rtlCol="0">
+            <a:spAutoFit/>
+          </a:bodyPr>
+          <a:lstStyle/>
+          <a:p>
+            <a:r>
+              <a:rPr lang="nl-BE" b="1" dirty="0"/>
+              <a:t>SOLID</a:t>
+            </a:r>
+          </a:p>
+        </p:txBody>
+      </p:sp>
+      <p:pic>
+        <p:nvPicPr>
+          <p:cNvPr id="6146" name="Picture 2" descr="http://2.bp.blogspot.com/-55Kb5azAeVE/UG21vknR4iI/AAAAAAAAHdU/-FA_lJIe_tQ/s1600/Dependency+Inversion+Principle.jpeg"/>
+          <p:cNvPicPr>
+            <a:picLocks noChangeAspect="1" noChangeArrowheads="1"/>
+          </p:cNvPicPr>
+          <p:nvPr/>
+        </p:nvPicPr>
+        <p:blipFill>
+          <a:blip r:embed="rId2">
+            <a:extLst>
+              <a:ext uri="{28A0092B-C50C-407E-A947-70E740481C1C}">
+                <a14:useLocalDpi xmlns:a14="http://schemas.microsoft.com/office/drawing/2010/main" val="0"/>
+              </a:ext>
+            </a:extLst>
+          </a:blip>
+          <a:srcRect/>
+          <a:stretch>
+            <a:fillRect/>
+          </a:stretch>
+        </p:blipFill>
+        <p:spPr bwMode="auto">
+          <a:xfrm>
+            <a:off x="1659147" y="1870473"/>
+            <a:ext cx="5825705" cy="4660564"/>
+          </a:xfrm>
+          <a:prstGeom prst="rect">
+            <a:avLst/>
+          </a:prstGeom>
+          <a:noFill/>
+          <a:extLst>
+            <a:ext uri="{909E8E84-426E-40DD-AFC4-6F175D3DCCD1}">
+              <a14:hiddenFill xmlns:a14="http://schemas.microsoft.com/office/drawing/2010/main">
+                <a:solidFill>
+                  <a:srgbClr val="FFFFFF"/>
+                </a:solidFill>
+              </a14:hiddenFill>
+            </a:ext>
+          </a:extLst>
+        </p:spPr>
+      </p:pic>
+      <p:pic>
+        <p:nvPicPr>
+          <p:cNvPr id="5" name="Picture 4">
+            <a:extLst>
+              <a:ext uri="{FF2B5EF4-FFF2-40B4-BE49-F238E27FC236}">
+                <a16:creationId xmlns:a16="http://schemas.microsoft.com/office/drawing/2014/main" id="{6DBF7EEE-1980-4B11-8218-467110999A9F}"/>
+              </a:ext>
+            </a:extLst>
+          </p:cNvPr>
+          <p:cNvPicPr>
+            <a:picLocks noChangeAspect="1"/>
+          </p:cNvPicPr>
+          <p:nvPr/>
+        </p:nvPicPr>
+        <p:blipFill>
+          <a:blip r:embed="rId3" cstate="print">
+            <a:extLst>
+              <a:ext uri="{28A0092B-C50C-407E-A947-70E740481C1C}">
+                <a14:useLocalDpi xmlns:a14="http://schemas.microsoft.com/office/drawing/2010/main" val="0"/>
+              </a:ext>
+            </a:extLst>
+          </a:blip>
+          <a:stretch>
+            <a:fillRect/>
+          </a:stretch>
+        </p:blipFill>
+        <p:spPr>
+          <a:xfrm>
+            <a:off x="7239000" y="-34527"/>
+            <a:ext cx="1905000" cy="1905000"/>
+          </a:xfrm>
+          <a:prstGeom prst="rect">
+            <a:avLst/>
+          </a:prstGeom>
+        </p:spPr>
+      </p:pic>
+    </p:spTree>
+    <p:extLst>
+      <p:ext uri="{BB962C8B-B14F-4D97-AF65-F5344CB8AC3E}">
+        <p14:creationId xmlns:p14="http://schemas.microsoft.com/office/powerpoint/2010/main" val="3757174069"/>
+      </p:ext>
+    </p:extLst>
+  </p:cSld>
+  <p:clrMapOvr>
+    <a:masterClrMapping/>
+  </p:clrMapOvr>
+</p:sld>
+</file>
+
+<file path=ppt/slides/slide29.xml><?xml version="1.0" encoding="utf-8"?>
+<p:sld xmlns:a="http://schemas.openxmlformats.org/drawingml/2006/main" xmlns:r="http://schemas.openxmlformats.org/officeDocument/2006/relationships" xmlns:p="http://schemas.openxmlformats.org/presentationml/2006/main" show="0">
+  <p:cSld>
+    <p:spTree>
+      <p:nvGrpSpPr>
+        <p:cNvPr id="1" name=""/>
+        <p:cNvGrpSpPr/>
+        <p:nvPr/>
+      </p:nvGrpSpPr>
+      <p:grpSpPr>
+        <a:xfrm>
+          <a:off x="0" y="0"/>
+          <a:ext cx="0" cy="0"/>
+          <a:chOff x="0" y="0"/>
+          <a:chExt cx="0" cy="0"/>
+        </a:xfrm>
+      </p:grpSpPr>
+      <p:sp>
+        <p:nvSpPr>
+          <p:cNvPr id="2" name="Title 1"/>
+          <p:cNvSpPr>
+            <a:spLocks noGrp="1"/>
+          </p:cNvSpPr>
+          <p:nvPr>
+            <p:ph type="title"/>
+          </p:nvPr>
+        </p:nvSpPr>
+        <p:spPr/>
+        <p:txBody>
+          <a:bodyPr>
+            <a:normAutofit fontScale="90000"/>
+          </a:bodyPr>
+          <a:lstStyle/>
+          <a:p>
+            <a:r>
+              <a:rPr lang="nl-BE" dirty="0"/>
+              <a:t>DIP</a:t>
+            </a:r>
+            <a:br>
+              <a:rPr lang="nl-BE" dirty="0"/>
+            </a:br>
+            <a:r>
+              <a:rPr lang="nl-BE" dirty="0"/>
+              <a:t>Dependency-Inversion Principle</a:t>
+            </a:r>
+          </a:p>
+        </p:txBody>
+      </p:sp>
+      <p:sp>
+        <p:nvSpPr>
+          <p:cNvPr id="3" name="Content Placeholder 2"/>
+          <p:cNvSpPr>
+            <a:spLocks noGrp="1"/>
+          </p:cNvSpPr>
+          <p:nvPr>
+            <p:ph idx="1"/>
+          </p:nvPr>
+        </p:nvSpPr>
+        <p:spPr>
+          <a:xfrm>
+            <a:off x="457200" y="1981200"/>
+            <a:ext cx="8534400" cy="4144963"/>
+          </a:xfrm>
+        </p:spPr>
+        <p:txBody>
+          <a:bodyPr/>
+          <a:lstStyle/>
+          <a:p>
+            <a:pPr marL="514350" indent="-514350">
+              <a:buAutoNum type="alphaUcPeriod"/>
+            </a:pPr>
+            <a:r>
+              <a:rPr lang="nl-BE" sz="2800" i="1" dirty="0"/>
+              <a:t>“High-level modules should not depend on low-level modules. Both should depend on abstractions.”</a:t>
+            </a:r>
+          </a:p>
+          <a:p>
+            <a:pPr marL="514350" indent="-514350">
+              <a:buAutoNum type="alphaUcPeriod"/>
+            </a:pPr>
+            <a:r>
+              <a:rPr lang="nl-BE" sz="2800" i="1" dirty="0"/>
+              <a:t>“Abstractions should not depend upon details. Details should depend upon abstractions.”</a:t>
+            </a:r>
+          </a:p>
+          <a:p>
+            <a:pPr marL="0" indent="0">
+              <a:buNone/>
+            </a:pPr>
+            <a:endParaRPr lang="nl-BE" dirty="0"/>
+          </a:p>
+          <a:p>
+            <a:pPr marL="0" indent="0">
+              <a:buNone/>
+            </a:pPr>
+            <a:endParaRPr lang="nl-BE" sz="2800" dirty="0"/>
+          </a:p>
+          <a:p>
+            <a:pPr marL="0" indent="0">
+              <a:buNone/>
+            </a:pPr>
+            <a:r>
+              <a:rPr lang="nl-BE" sz="2400" dirty="0"/>
+              <a:t>.NET: </a:t>
+            </a:r>
+            <a:r>
+              <a:rPr lang="nl-BE" sz="2800" dirty="0"/>
+              <a:t>new</a:t>
+            </a:r>
+            <a:r>
+              <a:rPr lang="nl-BE" sz="2400" dirty="0"/>
+              <a:t> SortedDictionary(IComparer&lt;TKey&gt; comparer)</a:t>
+            </a:r>
+          </a:p>
+          <a:p>
+            <a:pPr marL="0" indent="0">
+              <a:buNone/>
+            </a:pPr>
+            <a:endParaRPr lang="nl-BE" dirty="0"/>
+          </a:p>
+        </p:txBody>
+      </p:sp>
+      <p:sp>
+        <p:nvSpPr>
+          <p:cNvPr id="4" name="TextBox 3"/>
+          <p:cNvSpPr txBox="1"/>
+          <p:nvPr/>
+        </p:nvSpPr>
+        <p:spPr>
+          <a:xfrm>
+            <a:off x="8001000" y="6324600"/>
+            <a:ext cx="990600" cy="369332"/>
+          </a:xfrm>
+          <a:prstGeom prst="rect">
+            <a:avLst/>
+          </a:prstGeom>
+          <a:noFill/>
+        </p:spPr>
+        <p:txBody>
+          <a:bodyPr wrap="square" rtlCol="0">
+            <a:spAutoFit/>
+          </a:bodyPr>
+          <a:lstStyle/>
+          <a:p>
+            <a:r>
+              <a:rPr lang="nl-BE" b="1" dirty="0"/>
+              <a:t>SOLID</a:t>
+            </a:r>
+          </a:p>
+        </p:txBody>
+      </p:sp>
+      <p:pic>
+        <p:nvPicPr>
+          <p:cNvPr id="5" name="Picture 4">
+            <a:extLst>
+              <a:ext uri="{FF2B5EF4-FFF2-40B4-BE49-F238E27FC236}">
+                <a16:creationId xmlns:a16="http://schemas.microsoft.com/office/drawing/2014/main" id="{E11B951D-B225-4108-9999-C0B1E8AACCE8}"/>
+              </a:ext>
+            </a:extLst>
+          </p:cNvPr>
+          <p:cNvPicPr>
+            <a:picLocks noChangeAspect="1"/>
+          </p:cNvPicPr>
+          <p:nvPr/>
+        </p:nvPicPr>
+        <p:blipFill>
+          <a:blip r:embed="rId2" cstate="print">
+            <a:extLst>
+              <a:ext uri="{28A0092B-C50C-407E-A947-70E740481C1C}">
+                <a14:useLocalDpi xmlns:a14="http://schemas.microsoft.com/office/drawing/2010/main" val="0"/>
+              </a:ext>
+            </a:extLst>
+          </a:blip>
+          <a:stretch>
+            <a:fillRect/>
+          </a:stretch>
+        </p:blipFill>
+        <p:spPr>
+          <a:xfrm>
+            <a:off x="7239000" y="-34527"/>
+            <a:ext cx="1905000" cy="1905000"/>
+          </a:xfrm>
+          <a:prstGeom prst="rect">
+            <a:avLst/>
+          </a:prstGeom>
+        </p:spPr>
+      </p:pic>
+    </p:spTree>
+    <p:extLst>
+      <p:ext uri="{BB962C8B-B14F-4D97-AF65-F5344CB8AC3E}">
+        <p14:creationId xmlns:p14="http://schemas.microsoft.com/office/powerpoint/2010/main" val="2622813932"/>
+      </p:ext>
+    </p:extLst>
+  </p:cSld>
+  <p:clrMapOvr>
+    <a:masterClrMapping/>
+  </p:clrMapOvr>
+</p:sld>
+</file>
+
+<file path=ppt/slides/slide3.xml><?xml version="1.0" encoding="utf-8"?>
+<p:sld xmlns:a="http://schemas.openxmlformats.org/drawingml/2006/main" xmlns:r="http://schemas.openxmlformats.org/officeDocument/2006/relationships" xmlns:p="http://schemas.openxmlformats.org/presentationml/2006/main">
+  <p:cSld>
+    <p:spTree>
+      <p:nvGrpSpPr>
+        <p:cNvPr id="1" name=""/>
+        <p:cNvGrpSpPr/>
+        <p:nvPr/>
+      </p:nvGrpSpPr>
+      <p:grpSpPr>
+        <a:xfrm>
+          <a:off x="0" y="0"/>
+          <a:ext cx="0" cy="0"/>
+          <a:chOff x="0" y="0"/>
+          <a:chExt cx="0" cy="0"/>
+        </a:xfrm>
+      </p:grpSpPr>
+      <p:sp>
+        <p:nvSpPr>
+          <p:cNvPr id="2" name="Title 1"/>
+          <p:cNvSpPr>
+            <a:spLocks noGrp="1"/>
+          </p:cNvSpPr>
+          <p:nvPr>
+            <p:ph type="title"/>
+          </p:nvPr>
+        </p:nvSpPr>
         <p:spPr/>
         <p:txBody>
           <a:bodyPr/>
@@ -15141,45 +18067,32 @@
           <a:lstStyle/>
           <a:p>
             <a:r>
-              <a:rPr lang="nl-BE" sz="2400" dirty="0"/>
+              <a:rPr lang="nl-BE" sz="3200" dirty="0"/>
               <a:t>What</a:t>
             </a:r>
           </a:p>
           <a:p>
             <a:r>
-              <a:rPr lang="nl-BE" sz="2400" dirty="0"/>
+              <a:rPr lang="nl-BE" sz="3200" dirty="0"/>
               <a:t>Why (not)</a:t>
             </a:r>
-          </a:p>
-          <a:p>
-            <a:r>
-              <a:rPr lang="nl-BE" sz="2400" dirty="0"/>
-              <a:t>Pattern Catalog</a:t>
-            </a:r>
-          </a:p>
-          <a:p>
-            <a:r>
-              <a:rPr lang="nl-BE" sz="2400" dirty="0"/>
-              <a:t>Pattern pitfalls</a:t>
-            </a:r>
-          </a:p>
-          <a:p>
-            <a:r>
-              <a:rPr lang="nl-BE" sz="2400" dirty="0"/>
-              <a:t>Some Actual Patterns</a:t>
-            </a:r>
-          </a:p>
-          <a:p>
-            <a:r>
-              <a:rPr lang="nl-BE" sz="2400" dirty="0"/>
-              <a:t>Further Reading</a:t>
-            </a:r>
-          </a:p>
-          <a:p>
-            <a:r>
-              <a:rPr lang="nl-BE" sz="2400" dirty="0"/>
-              <a:t>Questions?</a:t>
-            </a:r>
+            <a:br>
+              <a:rPr lang="nl-BE" sz="3200" dirty="0"/>
+            </a:br>
+            <a:endParaRPr lang="nl-BE" sz="3200" dirty="0"/>
+          </a:p>
+          <a:p>
+            <a:r>
+              <a:rPr lang="nl-BE" sz="3200" dirty="0"/>
+              <a:t>Patterns in .NET</a:t>
+            </a:r>
+          </a:p>
+          <a:p>
+            <a:r>
+              <a:rPr lang="nl-BE" sz="3200" dirty="0"/>
+              <a:t>JavaScript Exercise</a:t>
+            </a:r>
+            <a:endParaRPr lang="nl-BE" sz="2400" dirty="0"/>
           </a:p>
         </p:txBody>
       </p:sp>
@@ -15273,567 +18186,7 @@
 </p:sld>
 </file>
 
-<file path=ppt/slides/slide20.xml><?xml version="1.0" encoding="utf-8"?>
-<p:sld xmlns:a="http://schemas.openxmlformats.org/drawingml/2006/main" xmlns:r="http://schemas.openxmlformats.org/officeDocument/2006/relationships" xmlns:p="http://schemas.openxmlformats.org/presentationml/2006/main" show="0">
-  <p:cSld>
-    <p:spTree>
-      <p:nvGrpSpPr>
-        <p:cNvPr id="1" name=""/>
-        <p:cNvGrpSpPr/>
-        <p:nvPr/>
-      </p:nvGrpSpPr>
-      <p:grpSpPr>
-        <a:xfrm>
-          <a:off x="0" y="0"/>
-          <a:ext cx="0" cy="0"/>
-          <a:chOff x="0" y="0"/>
-          <a:chExt cx="0" cy="0"/>
-        </a:xfrm>
-      </p:grpSpPr>
-      <p:sp>
-        <p:nvSpPr>
-          <p:cNvPr id="2" name="Title 1"/>
-          <p:cNvSpPr>
-            <a:spLocks noGrp="1"/>
-          </p:cNvSpPr>
-          <p:nvPr>
-            <p:ph type="title"/>
-          </p:nvPr>
-        </p:nvSpPr>
-        <p:spPr/>
-        <p:txBody>
-          <a:bodyPr>
-            <a:normAutofit fontScale="90000"/>
-          </a:bodyPr>
-          <a:lstStyle/>
-          <a:p>
-            <a:r>
-              <a:rPr lang="nl-BE" dirty="0"/>
-              <a:t>OCP</a:t>
-            </a:r>
-            <a:br>
-              <a:rPr lang="nl-BE" dirty="0"/>
-            </a:br>
-            <a:r>
-              <a:rPr lang="nl-BE" dirty="0"/>
-              <a:t>Open/Closed Principle</a:t>
-            </a:r>
-          </a:p>
-        </p:txBody>
-      </p:sp>
-      <p:sp>
-        <p:nvSpPr>
-          <p:cNvPr id="3" name="Content Placeholder 2"/>
-          <p:cNvSpPr>
-            <a:spLocks noGrp="1"/>
-          </p:cNvSpPr>
-          <p:nvPr>
-            <p:ph idx="1"/>
-          </p:nvPr>
-        </p:nvSpPr>
-        <p:spPr>
-          <a:xfrm>
-            <a:off x="415107" y="1965530"/>
-            <a:ext cx="8305800" cy="4058751"/>
-          </a:xfrm>
-        </p:spPr>
-        <p:txBody>
-          <a:bodyPr>
-            <a:normAutofit/>
-          </a:bodyPr>
-          <a:lstStyle/>
-          <a:p>
-            <a:pPr marL="57150" indent="0" algn="ctr">
-              <a:buNone/>
-            </a:pPr>
-            <a:r>
-              <a:rPr lang="nl-BE" sz="2800" i="1" dirty="0"/>
-              <a:t>“Software entities (classes, modules, functions, etc) should be open for extension but closed for modification”</a:t>
-            </a:r>
-          </a:p>
-          <a:p>
-            <a:pPr marL="457200" lvl="1" indent="0">
-              <a:buNone/>
-            </a:pPr>
-            <a:endParaRPr lang="nl-BE" dirty="0"/>
-          </a:p>
-          <a:p>
-            <a:pPr marL="57150" indent="0">
-              <a:buNone/>
-            </a:pPr>
-            <a:r>
-              <a:rPr lang="nl-BE" sz="2800" dirty="0"/>
-              <a:t>Modifications should be achieved by writing new code, not by changing existing code</a:t>
-            </a:r>
-          </a:p>
-          <a:p>
-            <a:pPr marL="57150" indent="0">
-              <a:buNone/>
-            </a:pPr>
-            <a:endParaRPr lang="nl-BE" dirty="0"/>
-          </a:p>
-          <a:p>
-            <a:pPr marL="57150" indent="0">
-              <a:buNone/>
-            </a:pPr>
-            <a:r>
-              <a:rPr lang="nl-BE" sz="2800" dirty="0"/>
-              <a:t>Example: Shapes – calculating area</a:t>
-            </a:r>
-          </a:p>
-        </p:txBody>
-      </p:sp>
-      <p:sp>
-        <p:nvSpPr>
-          <p:cNvPr id="4" name="TextBox 3"/>
-          <p:cNvSpPr txBox="1"/>
-          <p:nvPr/>
-        </p:nvSpPr>
-        <p:spPr>
-          <a:xfrm>
-            <a:off x="8001000" y="6324600"/>
-            <a:ext cx="990600" cy="369332"/>
-          </a:xfrm>
-          <a:prstGeom prst="rect">
-            <a:avLst/>
-          </a:prstGeom>
-          <a:noFill/>
-        </p:spPr>
-        <p:txBody>
-          <a:bodyPr wrap="square" rtlCol="0">
-            <a:spAutoFit/>
-          </a:bodyPr>
-          <a:lstStyle/>
-          <a:p>
-            <a:r>
-              <a:rPr lang="nl-BE" b="1" dirty="0"/>
-              <a:t>SOLID</a:t>
-            </a:r>
-          </a:p>
-        </p:txBody>
-      </p:sp>
-      <p:pic>
-        <p:nvPicPr>
-          <p:cNvPr id="5" name="Picture 4">
-            <a:extLst>
-              <a:ext uri="{FF2B5EF4-FFF2-40B4-BE49-F238E27FC236}">
-                <a16:creationId xmlns:a16="http://schemas.microsoft.com/office/drawing/2014/main" id="{9C0485FC-AA10-4959-8CB2-6D14E51712D3}"/>
-              </a:ext>
-            </a:extLst>
-          </p:cNvPr>
-          <p:cNvPicPr>
-            <a:picLocks noChangeAspect="1"/>
-          </p:cNvPicPr>
-          <p:nvPr/>
-        </p:nvPicPr>
-        <p:blipFill>
-          <a:blip r:embed="rId3" cstate="print">
-            <a:extLst>
-              <a:ext uri="{28A0092B-C50C-407E-A947-70E740481C1C}">
-                <a14:useLocalDpi xmlns:a14="http://schemas.microsoft.com/office/drawing/2010/main" val="0"/>
-              </a:ext>
-            </a:extLst>
-          </a:blip>
-          <a:stretch>
-            <a:fillRect/>
-          </a:stretch>
-        </p:blipFill>
-        <p:spPr>
-          <a:xfrm>
-            <a:off x="7239000" y="-34527"/>
-            <a:ext cx="1905000" cy="1905000"/>
-          </a:xfrm>
-          <a:prstGeom prst="rect">
-            <a:avLst/>
-          </a:prstGeom>
-        </p:spPr>
-      </p:pic>
-    </p:spTree>
-    <p:extLst>
-      <p:ext uri="{BB962C8B-B14F-4D97-AF65-F5344CB8AC3E}">
-        <p14:creationId xmlns:p14="http://schemas.microsoft.com/office/powerpoint/2010/main" val="933339138"/>
-      </p:ext>
-    </p:extLst>
-  </p:cSld>
-  <p:clrMapOvr>
-    <a:masterClrMapping/>
-  </p:clrMapOvr>
-</p:sld>
-</file>
-
-<file path=ppt/slides/slide21.xml><?xml version="1.0" encoding="utf-8"?>
-<p:sld xmlns:a="http://schemas.openxmlformats.org/drawingml/2006/main" xmlns:r="http://schemas.openxmlformats.org/officeDocument/2006/relationships" xmlns:p="http://schemas.openxmlformats.org/presentationml/2006/main">
-  <p:cSld>
-    <p:spTree>
-      <p:nvGrpSpPr>
-        <p:cNvPr id="1" name=""/>
-        <p:cNvGrpSpPr/>
-        <p:nvPr/>
-      </p:nvGrpSpPr>
-      <p:grpSpPr>
-        <a:xfrm>
-          <a:off x="0" y="0"/>
-          <a:ext cx="0" cy="0"/>
-          <a:chOff x="0" y="0"/>
-          <a:chExt cx="0" cy="0"/>
-        </a:xfrm>
-      </p:grpSpPr>
-      <p:sp>
-        <p:nvSpPr>
-          <p:cNvPr id="2" name="Title 1"/>
-          <p:cNvSpPr>
-            <a:spLocks noGrp="1"/>
-          </p:cNvSpPr>
-          <p:nvPr>
-            <p:ph type="title"/>
-          </p:nvPr>
-        </p:nvSpPr>
-        <p:spPr>
-          <a:xfrm>
-            <a:off x="203021" y="326963"/>
-            <a:ext cx="7765322" cy="970450"/>
-          </a:xfrm>
-        </p:spPr>
-        <p:txBody>
-          <a:bodyPr>
-            <a:normAutofit fontScale="90000"/>
-          </a:bodyPr>
-          <a:lstStyle/>
-          <a:p>
-            <a:r>
-              <a:rPr lang="nl-BE" dirty="0"/>
-              <a:t>DIP</a:t>
-            </a:r>
-            <a:br>
-              <a:rPr lang="nl-BE" dirty="0"/>
-            </a:br>
-            <a:r>
-              <a:rPr lang="nl-BE" dirty="0"/>
-              <a:t>Dependency-Inversion Principle</a:t>
-            </a:r>
-          </a:p>
-        </p:txBody>
-      </p:sp>
-      <p:sp>
-        <p:nvSpPr>
-          <p:cNvPr id="4" name="TextBox 3"/>
-          <p:cNvSpPr txBox="1"/>
-          <p:nvPr/>
-        </p:nvSpPr>
-        <p:spPr>
-          <a:xfrm>
-            <a:off x="8001000" y="6324600"/>
-            <a:ext cx="990600" cy="369332"/>
-          </a:xfrm>
-          <a:prstGeom prst="rect">
-            <a:avLst/>
-          </a:prstGeom>
-          <a:noFill/>
-        </p:spPr>
-        <p:txBody>
-          <a:bodyPr wrap="square" rtlCol="0">
-            <a:spAutoFit/>
-          </a:bodyPr>
-          <a:lstStyle/>
-          <a:p>
-            <a:r>
-              <a:rPr lang="nl-BE" b="1" dirty="0"/>
-              <a:t>SOLID</a:t>
-            </a:r>
-          </a:p>
-        </p:txBody>
-      </p:sp>
-      <p:pic>
-        <p:nvPicPr>
-          <p:cNvPr id="6146" name="Picture 2" descr="http://2.bp.blogspot.com/-55Kb5azAeVE/UG21vknR4iI/AAAAAAAAHdU/-FA_lJIe_tQ/s1600/Dependency+Inversion+Principle.jpeg"/>
-          <p:cNvPicPr>
-            <a:picLocks noChangeAspect="1" noChangeArrowheads="1"/>
-          </p:cNvPicPr>
-          <p:nvPr/>
-        </p:nvPicPr>
-        <p:blipFill>
-          <a:blip r:embed="rId2">
-            <a:extLst>
-              <a:ext uri="{28A0092B-C50C-407E-A947-70E740481C1C}">
-                <a14:useLocalDpi xmlns:a14="http://schemas.microsoft.com/office/drawing/2010/main" val="0"/>
-              </a:ext>
-            </a:extLst>
-          </a:blip>
-          <a:srcRect/>
-          <a:stretch>
-            <a:fillRect/>
-          </a:stretch>
-        </p:blipFill>
-        <p:spPr bwMode="auto">
-          <a:xfrm>
-            <a:off x="1659147" y="1870473"/>
-            <a:ext cx="5825705" cy="4660564"/>
-          </a:xfrm>
-          <a:prstGeom prst="rect">
-            <a:avLst/>
-          </a:prstGeom>
-          <a:noFill/>
-          <a:extLst>
-            <a:ext uri="{909E8E84-426E-40DD-AFC4-6F175D3DCCD1}">
-              <a14:hiddenFill xmlns:a14="http://schemas.microsoft.com/office/drawing/2010/main">
-                <a:solidFill>
-                  <a:srgbClr val="FFFFFF"/>
-                </a:solidFill>
-              </a14:hiddenFill>
-            </a:ext>
-          </a:extLst>
-        </p:spPr>
-      </p:pic>
-      <p:pic>
-        <p:nvPicPr>
-          <p:cNvPr id="5" name="Picture 4">
-            <a:extLst>
-              <a:ext uri="{FF2B5EF4-FFF2-40B4-BE49-F238E27FC236}">
-                <a16:creationId xmlns:a16="http://schemas.microsoft.com/office/drawing/2014/main" id="{6DBF7EEE-1980-4B11-8218-467110999A9F}"/>
-              </a:ext>
-            </a:extLst>
-          </p:cNvPr>
-          <p:cNvPicPr>
-            <a:picLocks noChangeAspect="1"/>
-          </p:cNvPicPr>
-          <p:nvPr/>
-        </p:nvPicPr>
-        <p:blipFill>
-          <a:blip r:embed="rId3" cstate="print">
-            <a:extLst>
-              <a:ext uri="{28A0092B-C50C-407E-A947-70E740481C1C}">
-                <a14:useLocalDpi xmlns:a14="http://schemas.microsoft.com/office/drawing/2010/main" val="0"/>
-              </a:ext>
-            </a:extLst>
-          </a:blip>
-          <a:stretch>
-            <a:fillRect/>
-          </a:stretch>
-        </p:blipFill>
-        <p:spPr>
-          <a:xfrm>
-            <a:off x="7239000" y="-34527"/>
-            <a:ext cx="1905000" cy="1905000"/>
-          </a:xfrm>
-          <a:prstGeom prst="rect">
-            <a:avLst/>
-          </a:prstGeom>
-        </p:spPr>
-      </p:pic>
-    </p:spTree>
-    <p:extLst>
-      <p:ext uri="{BB962C8B-B14F-4D97-AF65-F5344CB8AC3E}">
-        <p14:creationId xmlns:p14="http://schemas.microsoft.com/office/powerpoint/2010/main" val="3757174069"/>
-      </p:ext>
-    </p:extLst>
-  </p:cSld>
-  <p:clrMapOvr>
-    <a:masterClrMapping/>
-  </p:clrMapOvr>
-</p:sld>
-</file>
-
-<file path=ppt/slides/slide22.xml><?xml version="1.0" encoding="utf-8"?>
-<p:sld xmlns:a="http://schemas.openxmlformats.org/drawingml/2006/main" xmlns:r="http://schemas.openxmlformats.org/officeDocument/2006/relationships" xmlns:p="http://schemas.openxmlformats.org/presentationml/2006/main" show="0">
-  <p:cSld>
-    <p:spTree>
-      <p:nvGrpSpPr>
-        <p:cNvPr id="1" name=""/>
-        <p:cNvGrpSpPr/>
-        <p:nvPr/>
-      </p:nvGrpSpPr>
-      <p:grpSpPr>
-        <a:xfrm>
-          <a:off x="0" y="0"/>
-          <a:ext cx="0" cy="0"/>
-          <a:chOff x="0" y="0"/>
-          <a:chExt cx="0" cy="0"/>
-        </a:xfrm>
-      </p:grpSpPr>
-      <p:sp>
-        <p:nvSpPr>
-          <p:cNvPr id="2" name="Title 1"/>
-          <p:cNvSpPr>
-            <a:spLocks noGrp="1"/>
-          </p:cNvSpPr>
-          <p:nvPr>
-            <p:ph type="title"/>
-          </p:nvPr>
-        </p:nvSpPr>
-        <p:spPr/>
-        <p:txBody>
-          <a:bodyPr>
-            <a:normAutofit fontScale="90000"/>
-          </a:bodyPr>
-          <a:lstStyle/>
-          <a:p>
-            <a:r>
-              <a:rPr lang="nl-BE" dirty="0"/>
-              <a:t>DIP</a:t>
-            </a:r>
-            <a:br>
-              <a:rPr lang="nl-BE" dirty="0"/>
-            </a:br>
-            <a:r>
-              <a:rPr lang="nl-BE" dirty="0"/>
-              <a:t>Dependency-Inversion Principle</a:t>
-            </a:r>
-          </a:p>
-        </p:txBody>
-      </p:sp>
-      <p:sp>
-        <p:nvSpPr>
-          <p:cNvPr id="3" name="Content Placeholder 2"/>
-          <p:cNvSpPr>
-            <a:spLocks noGrp="1"/>
-          </p:cNvSpPr>
-          <p:nvPr>
-            <p:ph idx="1"/>
-          </p:nvPr>
-        </p:nvSpPr>
-        <p:spPr>
-          <a:xfrm>
-            <a:off x="457200" y="1981200"/>
-            <a:ext cx="8534400" cy="4144963"/>
-          </a:xfrm>
-        </p:spPr>
-        <p:txBody>
-          <a:bodyPr/>
-          <a:lstStyle/>
-          <a:p>
-            <a:pPr marL="514350" indent="-514350">
-              <a:buAutoNum type="alphaUcPeriod"/>
-            </a:pPr>
-            <a:r>
-              <a:rPr lang="nl-BE" sz="2800" i="1" dirty="0"/>
-              <a:t>“High-level modules should not depend on low-level modules. Both should depend on abstractions.”</a:t>
-            </a:r>
-          </a:p>
-          <a:p>
-            <a:pPr marL="514350" indent="-514350">
-              <a:buAutoNum type="alphaUcPeriod"/>
-            </a:pPr>
-            <a:r>
-              <a:rPr lang="nl-BE" sz="2800" i="1" dirty="0"/>
-              <a:t>“Abstractions should not depend upon details. Details should depend upon abstractions.”</a:t>
-            </a:r>
-          </a:p>
-          <a:p>
-            <a:pPr marL="0" indent="0">
-              <a:buNone/>
-            </a:pPr>
-            <a:endParaRPr lang="nl-BE" dirty="0"/>
-          </a:p>
-          <a:p>
-            <a:pPr marL="0" indent="0">
-              <a:buNone/>
-            </a:pPr>
-            <a:endParaRPr lang="nl-BE" sz="2800" dirty="0"/>
-          </a:p>
-          <a:p>
-            <a:pPr marL="0" indent="0">
-              <a:buNone/>
-            </a:pPr>
-            <a:r>
-              <a:rPr lang="nl-BE" sz="2400" dirty="0"/>
-              <a:t>.NET: </a:t>
-            </a:r>
-            <a:r>
-              <a:rPr lang="nl-BE" sz="2800" dirty="0"/>
-              <a:t>new</a:t>
-            </a:r>
-            <a:r>
-              <a:rPr lang="nl-BE" sz="2400" dirty="0"/>
-              <a:t> SortedDictionary(IComparer&lt;TKey&gt; comparer)</a:t>
-            </a:r>
-          </a:p>
-          <a:p>
-            <a:pPr marL="0" indent="0">
-              <a:buNone/>
-            </a:pPr>
-            <a:endParaRPr lang="nl-BE" dirty="0"/>
-          </a:p>
-        </p:txBody>
-      </p:sp>
-      <p:sp>
-        <p:nvSpPr>
-          <p:cNvPr id="4" name="TextBox 3"/>
-          <p:cNvSpPr txBox="1"/>
-          <p:nvPr/>
-        </p:nvSpPr>
-        <p:spPr>
-          <a:xfrm>
-            <a:off x="8001000" y="6324600"/>
-            <a:ext cx="990600" cy="369332"/>
-          </a:xfrm>
-          <a:prstGeom prst="rect">
-            <a:avLst/>
-          </a:prstGeom>
-          <a:noFill/>
-        </p:spPr>
-        <p:txBody>
-          <a:bodyPr wrap="square" rtlCol="0">
-            <a:spAutoFit/>
-          </a:bodyPr>
-          <a:lstStyle/>
-          <a:p>
-            <a:r>
-              <a:rPr lang="nl-BE" b="1" dirty="0"/>
-              <a:t>SOLID</a:t>
-            </a:r>
-          </a:p>
-        </p:txBody>
-      </p:sp>
-      <p:pic>
-        <p:nvPicPr>
-          <p:cNvPr id="5" name="Picture 4">
-            <a:extLst>
-              <a:ext uri="{FF2B5EF4-FFF2-40B4-BE49-F238E27FC236}">
-                <a16:creationId xmlns:a16="http://schemas.microsoft.com/office/drawing/2014/main" id="{E11B951D-B225-4108-9999-C0B1E8AACCE8}"/>
-              </a:ext>
-            </a:extLst>
-          </p:cNvPr>
-          <p:cNvPicPr>
-            <a:picLocks noChangeAspect="1"/>
-          </p:cNvPicPr>
-          <p:nvPr/>
-        </p:nvPicPr>
-        <p:blipFill>
-          <a:blip r:embed="rId2" cstate="print">
-            <a:extLst>
-              <a:ext uri="{28A0092B-C50C-407E-A947-70E740481C1C}">
-                <a14:useLocalDpi xmlns:a14="http://schemas.microsoft.com/office/drawing/2010/main" val="0"/>
-              </a:ext>
-            </a:extLst>
-          </a:blip>
-          <a:stretch>
-            <a:fillRect/>
-          </a:stretch>
-        </p:blipFill>
-        <p:spPr>
-          <a:xfrm>
-            <a:off x="7239000" y="-34527"/>
-            <a:ext cx="1905000" cy="1905000"/>
-          </a:xfrm>
-          <a:prstGeom prst="rect">
-            <a:avLst/>
-          </a:prstGeom>
-        </p:spPr>
-      </p:pic>
-    </p:spTree>
-    <p:extLst>
-      <p:ext uri="{BB962C8B-B14F-4D97-AF65-F5344CB8AC3E}">
-        <p14:creationId xmlns:p14="http://schemas.microsoft.com/office/powerpoint/2010/main" val="2622813932"/>
-      </p:ext>
-    </p:extLst>
-  </p:cSld>
-  <p:clrMapOvr>
-    <a:masterClrMapping/>
-  </p:clrMapOvr>
-</p:sld>
-</file>
-
-<file path=ppt/slides/slide23.xml><?xml version="1.0" encoding="utf-8"?>
+<file path=ppt/slides/slide30.xml><?xml version="1.0" encoding="utf-8"?>
 <p:sld xmlns:a="http://schemas.openxmlformats.org/drawingml/2006/main" xmlns:r="http://schemas.openxmlformats.org/officeDocument/2006/relationships" xmlns:p="http://schemas.openxmlformats.org/presentationml/2006/main">
   <p:cSld>
     <p:spTree>
@@ -16000,7 +18353,7 @@
 </p:sld>
 </file>
 
-<file path=ppt/slides/slide24.xml><?xml version="1.0" encoding="utf-8"?>
+<file path=ppt/slides/slide31.xml><?xml version="1.0" encoding="utf-8"?>
 <p:sld xmlns:a="http://schemas.openxmlformats.org/drawingml/2006/main" xmlns:r="http://schemas.openxmlformats.org/officeDocument/2006/relationships" xmlns:p="http://schemas.openxmlformats.org/presentationml/2006/main" show="0">
   <p:cSld>
     <p:spTree>
@@ -16175,7 +18528,7 @@
 </p:sld>
 </file>
 
-<file path=ppt/slides/slide25.xml><?xml version="1.0" encoding="utf-8"?>
+<file path=ppt/slides/slide32.xml><?xml version="1.0" encoding="utf-8"?>
 <p:sld xmlns:a="http://schemas.openxmlformats.org/drawingml/2006/main" xmlns:r="http://schemas.openxmlformats.org/officeDocument/2006/relationships" xmlns:p="http://schemas.openxmlformats.org/presentationml/2006/main">
   <p:cSld>
     <p:spTree>
@@ -16342,7 +18695,7 @@
 </p:sld>
 </file>
 
-<file path=ppt/slides/slide26.xml><?xml version="1.0" encoding="utf-8"?>
+<file path=ppt/slides/slide33.xml><?xml version="1.0" encoding="utf-8"?>
 <p:sld xmlns:a="http://schemas.openxmlformats.org/drawingml/2006/main" xmlns:r="http://schemas.openxmlformats.org/officeDocument/2006/relationships" xmlns:p="http://schemas.openxmlformats.org/presentationml/2006/main" show="0">
   <p:cSld>
     <p:spTree>
@@ -16505,7 +18858,7 @@
 </p:sld>
 </file>
 
-<file path=ppt/slides/slide27.xml><?xml version="1.0" encoding="utf-8"?>
+<file path=ppt/slides/slide34.xml><?xml version="1.0" encoding="utf-8"?>
 <p:sld xmlns:a="http://schemas.openxmlformats.org/drawingml/2006/main" xmlns:r="http://schemas.openxmlformats.org/officeDocument/2006/relationships" xmlns:p="http://schemas.openxmlformats.org/presentationml/2006/main">
   <p:cSld>
     <p:spTree>
@@ -16642,7 +18995,7 @@
 </p:sld>
 </file>
 
-<file path=ppt/slides/slide28.xml><?xml version="1.0" encoding="utf-8"?>
+<file path=ppt/slides/slide35.xml><?xml version="1.0" encoding="utf-8"?>
 <p:sld xmlns:a="http://schemas.openxmlformats.org/drawingml/2006/main" xmlns:r="http://schemas.openxmlformats.org/officeDocument/2006/relationships" xmlns:p="http://schemas.openxmlformats.org/presentationml/2006/main">
   <p:cSld>
     <p:spTree>
@@ -16818,7 +19171,7 @@
 </p:sld>
 </file>
 
-<file path=ppt/slides/slide29.xml><?xml version="1.0" encoding="utf-8"?>
+<file path=ppt/slides/slide36.xml><?xml version="1.0" encoding="utf-8"?>
 <p:sld xmlns:a="http://schemas.openxmlformats.org/drawingml/2006/main" xmlns:r="http://schemas.openxmlformats.org/officeDocument/2006/relationships" xmlns:p="http://schemas.openxmlformats.org/presentationml/2006/main">
   <p:cSld>
     <p:spTree>
@@ -16969,157 +19322,7 @@
 </p:sld>
 </file>
 
-<file path=ppt/slides/slide3.xml><?xml version="1.0" encoding="utf-8"?>
-<p:sld xmlns:a="http://schemas.openxmlformats.org/drawingml/2006/main" xmlns:r="http://schemas.openxmlformats.org/officeDocument/2006/relationships" xmlns:p="http://schemas.openxmlformats.org/presentationml/2006/main" show="0">
-  <p:cSld>
-    <p:spTree>
-      <p:nvGrpSpPr>
-        <p:cNvPr id="1" name=""/>
-        <p:cNvGrpSpPr/>
-        <p:nvPr/>
-      </p:nvGrpSpPr>
-      <p:grpSpPr>
-        <a:xfrm>
-          <a:off x="0" y="0"/>
-          <a:ext cx="0" cy="0"/>
-          <a:chOff x="0" y="0"/>
-          <a:chExt cx="0" cy="0"/>
-        </a:xfrm>
-      </p:grpSpPr>
-      <p:sp>
-        <p:nvSpPr>
-          <p:cNvPr id="2" name="Title 1"/>
-          <p:cNvSpPr>
-            <a:spLocks noGrp="1"/>
-          </p:cNvSpPr>
-          <p:nvPr>
-            <p:ph type="title"/>
-          </p:nvPr>
-        </p:nvSpPr>
-        <p:spPr/>
-        <p:txBody>
-          <a:bodyPr/>
-          <a:lstStyle/>
-          <a:p>
-            <a:r>
-              <a:rPr lang="nl-BE" dirty="0"/>
-              <a:t>GoF Patterns</a:t>
-            </a:r>
-          </a:p>
-        </p:txBody>
-      </p:sp>
-      <p:sp>
-        <p:nvSpPr>
-          <p:cNvPr id="3" name="Content Placeholder 2"/>
-          <p:cNvSpPr>
-            <a:spLocks noGrp="1"/>
-          </p:cNvSpPr>
-          <p:nvPr>
-            <p:ph idx="1"/>
-          </p:nvPr>
-        </p:nvSpPr>
-        <p:spPr>
-          <a:xfrm>
-            <a:off x="228600" y="1981200"/>
-            <a:ext cx="8763000" cy="4144963"/>
-          </a:xfrm>
-        </p:spPr>
-        <p:txBody>
-          <a:bodyPr>
-            <a:normAutofit/>
-          </a:bodyPr>
-          <a:lstStyle/>
-          <a:p>
-            <a:pPr marL="0" indent="0" algn="ctr">
-              <a:buNone/>
-            </a:pPr>
-            <a:r>
-              <a:rPr lang="nl-BE" sz="3200" dirty="0"/>
-              <a:t>Principles of reusable object-oriented design</a:t>
-            </a:r>
-          </a:p>
-          <a:p>
-            <a:pPr marL="0" indent="0">
-              <a:buNone/>
-            </a:pPr>
-            <a:endParaRPr lang="nl-BE" sz="3200" dirty="0"/>
-          </a:p>
-          <a:p>
-            <a:pPr marL="0" indent="0">
-              <a:buNone/>
-            </a:pPr>
-            <a:r>
-              <a:rPr lang="nl-BE" sz="3200" b="1" dirty="0"/>
-              <a:t>Program to an interface, not an implementation</a:t>
-            </a:r>
-          </a:p>
-          <a:p>
-            <a:pPr marL="457200" lvl="1" indent="0">
-              <a:buNone/>
-            </a:pPr>
-            <a:endParaRPr lang="nl-BE" sz="2800" b="1" dirty="0"/>
-          </a:p>
-          <a:p>
-            <a:pPr marL="57150" indent="0">
-              <a:buNone/>
-            </a:pPr>
-            <a:r>
-              <a:rPr lang="nl-BE" sz="3200" b="1" dirty="0"/>
-              <a:t>Favor object composition over class inheritance </a:t>
-            </a:r>
-          </a:p>
-        </p:txBody>
-      </p:sp>
-      <p:pic>
-        <p:nvPicPr>
-          <p:cNvPr id="4" name="Picture 3">
-            <a:extLst>
-              <a:ext uri="{FF2B5EF4-FFF2-40B4-BE49-F238E27FC236}">
-                <a16:creationId xmlns:a16="http://schemas.microsoft.com/office/drawing/2014/main" id="{99F3FC21-BBC5-4619-AE55-3D269F56BA53}"/>
-              </a:ext>
-            </a:extLst>
-          </p:cNvPr>
-          <p:cNvPicPr>
-            <a:picLocks noChangeAspect="1"/>
-          </p:cNvPicPr>
-          <p:nvPr/>
-        </p:nvPicPr>
-        <p:blipFill>
-          <a:blip r:embed="rId3" cstate="print">
-            <a:extLst>
-              <a:ext uri="{28A0092B-C50C-407E-A947-70E740481C1C}">
-                <a14:useLocalDpi xmlns:a14="http://schemas.microsoft.com/office/drawing/2010/main" val="0"/>
-              </a:ext>
-            </a:extLst>
-          </a:blip>
-          <a:stretch>
-            <a:fillRect/>
-          </a:stretch>
-        </p:blipFill>
-        <p:spPr>
-          <a:xfrm>
-            <a:off x="7239000" y="-34527"/>
-            <a:ext cx="1905000" cy="1905000"/>
-          </a:xfrm>
-          <a:prstGeom prst="rect">
-            <a:avLst/>
-          </a:prstGeom>
-        </p:spPr>
-      </p:pic>
-    </p:spTree>
-    <p:extLst>
-      <p:ext uri="{BB962C8B-B14F-4D97-AF65-F5344CB8AC3E}">
-        <p14:creationId xmlns:p14="http://schemas.microsoft.com/office/powerpoint/2010/main" val="766423586"/>
-      </p:ext>
-    </p:extLst>
-  </p:cSld>
-  <p:clrMapOvr>
-    <a:masterClrMapping/>
-  </p:clrMapOvr>
-</p:sld>
-</file>
-
-<file path=ppt/slides/slide30.xml><?xml version="1.0" encoding="utf-8"?>
+<file path=ppt/slides/slide37.xml><?xml version="1.0" encoding="utf-8"?>
 <p:sld xmlns:a="http://schemas.openxmlformats.org/drawingml/2006/main" xmlns:r="http://schemas.openxmlformats.org/officeDocument/2006/relationships" xmlns:p="http://schemas.openxmlformats.org/presentationml/2006/main">
   <p:cSld>
     <p:spTree>
@@ -17286,7 +19489,7 @@
 </p:sld>
 </file>
 
-<file path=ppt/slides/slide31.xml><?xml version="1.0" encoding="utf-8"?>
+<file path=ppt/slides/slide38.xml><?xml version="1.0" encoding="utf-8"?>
 <p:sld xmlns:a="http://schemas.openxmlformats.org/drawingml/2006/main" xmlns:r="http://schemas.openxmlformats.org/officeDocument/2006/relationships" xmlns:p="http://schemas.openxmlformats.org/presentationml/2006/main">
   <p:cSld>
     <p:spTree>
@@ -18195,7 +20398,7 @@
 </p:sld>
 </file>
 
-<file path=ppt/slides/slide32.xml><?xml version="1.0" encoding="utf-8"?>
+<file path=ppt/slides/slide39.xml><?xml version="1.0" encoding="utf-8"?>
 <p:sld xmlns:a="http://schemas.openxmlformats.org/drawingml/2006/main" xmlns:r="http://schemas.openxmlformats.org/officeDocument/2006/relationships" xmlns:p="http://schemas.openxmlformats.org/presentationml/2006/main">
   <p:cSld>
     <p:spTree>
@@ -18347,8 +20550,8 @@
 </p:sld>
 </file>
 
-<file path=ppt/slides/slide33.xml><?xml version="1.0" encoding="utf-8"?>
-<p:sld xmlns:a="http://schemas.openxmlformats.org/drawingml/2006/main" xmlns:r="http://schemas.openxmlformats.org/officeDocument/2006/relationships" xmlns:p="http://schemas.openxmlformats.org/presentationml/2006/main">
+<file path=ppt/slides/slide4.xml><?xml version="1.0" encoding="utf-8"?>
+<p:sld xmlns:a="http://schemas.openxmlformats.org/drawingml/2006/main" xmlns:r="http://schemas.openxmlformats.org/officeDocument/2006/relationships" xmlns:p="http://schemas.openxmlformats.org/presentationml/2006/main" show="0">
   <p:cSld>
     <p:spTree>
       <p:nvGrpSpPr>
@@ -18374,365 +20577,120 @@
             <p:ph type="title"/>
           </p:nvPr>
         </p:nvSpPr>
+        <p:spPr/>
+        <p:txBody>
+          <a:bodyPr/>
+          <a:lstStyle/>
+          <a:p>
+            <a:r>
+              <a:rPr lang="nl-BE" dirty="0"/>
+              <a:t>GoF Patterns</a:t>
+            </a:r>
+          </a:p>
+        </p:txBody>
+      </p:sp>
+      <p:sp>
+        <p:nvSpPr>
+          <p:cNvPr id="3" name="Content Placeholder 2"/>
+          <p:cNvSpPr>
+            <a:spLocks noGrp="1"/>
+          </p:cNvSpPr>
+          <p:nvPr>
+            <p:ph idx="1"/>
+          </p:nvPr>
+        </p:nvSpPr>
         <p:spPr>
           <a:xfrm>
-            <a:off x="689339" y="144482"/>
-            <a:ext cx="7765322" cy="970450"/>
+            <a:off x="228600" y="1981200"/>
+            <a:ext cx="8763000" cy="4144963"/>
           </a:xfrm>
         </p:spPr>
         <p:txBody>
-          <a:bodyPr/>
+          <a:bodyPr>
+            <a:normAutofit/>
+          </a:bodyPr>
           <a:lstStyle/>
           <a:p>
-            <a:r>
-              <a:rPr lang="nl-BE" dirty="0"/>
-              <a:t>Further Reading</a:t>
+            <a:pPr marL="0" indent="0" algn="ctr">
+              <a:buNone/>
+            </a:pPr>
+            <a:r>
+              <a:rPr lang="nl-BE" sz="3200" dirty="0"/>
+              <a:t>Principles of reusable object-oriented design</a:t>
+            </a:r>
+          </a:p>
+          <a:p>
+            <a:pPr marL="0" indent="0">
+              <a:buNone/>
+            </a:pPr>
+            <a:endParaRPr lang="nl-BE" sz="3200" dirty="0"/>
+          </a:p>
+          <a:p>
+            <a:pPr marL="0" indent="0">
+              <a:buNone/>
+            </a:pPr>
+            <a:r>
+              <a:rPr lang="nl-BE" sz="3200" b="1" dirty="0"/>
+              <a:t>Program to an interface, not an implementation</a:t>
+            </a:r>
+          </a:p>
+          <a:p>
+            <a:pPr marL="457200" lvl="1" indent="0">
+              <a:buNone/>
+            </a:pPr>
+            <a:endParaRPr lang="nl-BE" sz="2800" b="1" dirty="0"/>
+          </a:p>
+          <a:p>
+            <a:pPr marL="57150" indent="0">
+              <a:buNone/>
+            </a:pPr>
+            <a:r>
+              <a:rPr lang="nl-BE" sz="3200" b="1" dirty="0"/>
+              <a:t>Favor object composition over class inheritance </a:t>
             </a:r>
           </a:p>
         </p:txBody>
       </p:sp>
       <p:pic>
         <p:nvPicPr>
-          <p:cNvPr id="1026" name="Picture 2" descr="http://jonasfj.dk/blog/wp-content/uploads/2010/01/302x394xdesign-patterns-book-cover1.png.pagespeed.ic.oQzLJiYU2U.png"/>
+          <p:cNvPr id="4" name="Picture 3">
+            <a:extLst>
+              <a:ext uri="{FF2B5EF4-FFF2-40B4-BE49-F238E27FC236}">
+                <a16:creationId xmlns:a16="http://schemas.microsoft.com/office/drawing/2014/main" id="{99F3FC21-BBC5-4619-AE55-3D269F56BA53}"/>
+              </a:ext>
+            </a:extLst>
+          </p:cNvPr>
           <p:cNvPicPr>
-            <a:picLocks noChangeAspect="1" noChangeArrowheads="1"/>
+            <a:picLocks noChangeAspect="1"/>
           </p:cNvPicPr>
           <p:nvPr/>
         </p:nvPicPr>
         <p:blipFill>
-          <a:blip r:embed="rId3">
+          <a:blip r:embed="rId3" cstate="print">
             <a:extLst>
               <a:ext uri="{28A0092B-C50C-407E-A947-70E740481C1C}">
                 <a14:useLocalDpi xmlns:a14="http://schemas.microsoft.com/office/drawing/2010/main" val="0"/>
               </a:ext>
             </a:extLst>
           </a:blip>
-          <a:srcRect/>
           <a:stretch>
             <a:fillRect/>
           </a:stretch>
         </p:blipFill>
-        <p:spPr bwMode="auto">
+        <p:spPr>
           <a:xfrm>
-            <a:off x="4770120" y="1234961"/>
-            <a:ext cx="2072640" cy="2704041"/>
+            <a:off x="7239000" y="-34527"/>
+            <a:ext cx="1905000" cy="1905000"/>
           </a:xfrm>
           <a:prstGeom prst="rect">
             <a:avLst/>
           </a:prstGeom>
-          <a:noFill/>
-          <a:extLst>
-            <a:ext uri="{909E8E84-426E-40DD-AFC4-6F175D3DCCD1}">
-              <a14:hiddenFill xmlns:a14="http://schemas.microsoft.com/office/drawing/2010/main">
-                <a:solidFill>
-                  <a:srgbClr val="FFFFFF"/>
-                </a:solidFill>
-              </a14:hiddenFill>
-            </a:ext>
-          </a:extLst>
-        </p:spPr>
-      </p:pic>
-      <p:pic>
-        <p:nvPicPr>
-          <p:cNvPr id="1030" name="Picture 6" descr="http://breathingtech.com/wp-content/uploads/2010/05/agile-principles-patterns-and-practices-223x300.jpg"/>
-          <p:cNvPicPr>
-            <a:picLocks noChangeAspect="1" noChangeArrowheads="1"/>
-          </p:cNvPicPr>
-          <p:nvPr/>
-        </p:nvPicPr>
-        <p:blipFill>
-          <a:blip r:embed="rId4">
-            <a:extLst>
-              <a:ext uri="{28A0092B-C50C-407E-A947-70E740481C1C}">
-                <a14:useLocalDpi xmlns:a14="http://schemas.microsoft.com/office/drawing/2010/main" val="0"/>
-              </a:ext>
-            </a:extLst>
-          </a:blip>
-          <a:srcRect/>
-          <a:stretch>
-            <a:fillRect/>
-          </a:stretch>
-        </p:blipFill>
-        <p:spPr bwMode="auto">
-          <a:xfrm>
-            <a:off x="2328740" y="4018765"/>
-            <a:ext cx="2073275" cy="2707021"/>
-          </a:xfrm>
-          <a:prstGeom prst="rect">
-            <a:avLst/>
-          </a:prstGeom>
-          <a:noFill/>
-          <a:extLst>
-            <a:ext uri="{909E8E84-426E-40DD-AFC4-6F175D3DCCD1}">
-              <a14:hiddenFill xmlns:a14="http://schemas.microsoft.com/office/drawing/2010/main">
-                <a:solidFill>
-                  <a:srgbClr val="FFFFFF"/>
-                </a:solidFill>
-              </a14:hiddenFill>
-            </a:ext>
-          </a:extLst>
-        </p:spPr>
-      </p:pic>
-      <p:pic>
-        <p:nvPicPr>
-          <p:cNvPr id="3" name="Picture 2" descr="http://1.bp.blogspot.com/-_P3EYFiDcCo/ToqBnHI_IOI/AAAAAAAAACA/NGxx66IYgjY/s320/9780131489066.jpg"/>
-          <p:cNvPicPr>
-            <a:picLocks noChangeAspect="1" noChangeArrowheads="1"/>
-          </p:cNvPicPr>
-          <p:nvPr/>
-        </p:nvPicPr>
-        <p:blipFill>
-          <a:blip r:embed="rId5">
-            <a:extLst>
-              <a:ext uri="{28A0092B-C50C-407E-A947-70E740481C1C}">
-                <a14:useLocalDpi xmlns:a14="http://schemas.microsoft.com/office/drawing/2010/main" val="0"/>
-              </a:ext>
-            </a:extLst>
-          </a:blip>
-          <a:srcRect/>
-          <a:stretch>
-            <a:fillRect/>
-          </a:stretch>
-        </p:blipFill>
-        <p:spPr bwMode="auto">
-          <a:xfrm>
-            <a:off x="256100" y="1234961"/>
-            <a:ext cx="2072640" cy="2590801"/>
-          </a:xfrm>
-          <a:prstGeom prst="rect">
-            <a:avLst/>
-          </a:prstGeom>
-          <a:noFill/>
-          <a:extLst>
-            <a:ext uri="{909E8E84-426E-40DD-AFC4-6F175D3DCCD1}">
-              <a14:hiddenFill xmlns:a14="http://schemas.microsoft.com/office/drawing/2010/main">
-                <a:solidFill>
-                  <a:srgbClr val="FFFFFF"/>
-                </a:solidFill>
-              </a14:hiddenFill>
-            </a:ext>
-          </a:extLst>
-        </p:spPr>
-      </p:pic>
-      <p:pic>
-        <p:nvPicPr>
-          <p:cNvPr id="4" name="Picture 4" descr="http://davesbox.com/images/books/FrameworkDesignGuidelines2ndEditionLarge.jpg"/>
-          <p:cNvPicPr>
-            <a:picLocks noChangeAspect="1" noChangeArrowheads="1"/>
-          </p:cNvPicPr>
-          <p:nvPr/>
-        </p:nvPicPr>
-        <p:blipFill>
-          <a:blip r:embed="rId6">
-            <a:extLst>
-              <a:ext uri="{28A0092B-C50C-407E-A947-70E740481C1C}">
-                <a14:useLocalDpi xmlns:a14="http://schemas.microsoft.com/office/drawing/2010/main" val="0"/>
-              </a:ext>
-            </a:extLst>
-          </a:blip>
-          <a:srcRect/>
-          <a:stretch>
-            <a:fillRect/>
-          </a:stretch>
-        </p:blipFill>
-        <p:spPr bwMode="auto">
-          <a:xfrm>
-            <a:off x="256100" y="4023920"/>
-            <a:ext cx="1997075" cy="2609851"/>
-          </a:xfrm>
-          <a:prstGeom prst="rect">
-            <a:avLst/>
-          </a:prstGeom>
-          <a:noFill/>
-          <a:extLst>
-            <a:ext uri="{909E8E84-426E-40DD-AFC4-6F175D3DCCD1}">
-              <a14:hiddenFill xmlns:a14="http://schemas.microsoft.com/office/drawing/2010/main">
-                <a:solidFill>
-                  <a:srgbClr val="FFFFFF"/>
-                </a:solidFill>
-              </a14:hiddenFill>
-            </a:ext>
-          </a:extLst>
-        </p:spPr>
-      </p:pic>
-      <p:pic>
-        <p:nvPicPr>
-          <p:cNvPr id="5" name="Picture 6" descr="http://www.ida.liu.se/~TDDB84/pictures/HeadFirstDesignPatterns.jpg"/>
-          <p:cNvPicPr>
-            <a:picLocks noChangeAspect="1" noChangeArrowheads="1"/>
-          </p:cNvPicPr>
-          <p:nvPr/>
-        </p:nvPicPr>
-        <p:blipFill>
-          <a:blip r:embed="rId7">
-            <a:extLst>
-              <a:ext uri="{28A0092B-C50C-407E-A947-70E740481C1C}">
-                <a14:useLocalDpi xmlns:a14="http://schemas.microsoft.com/office/drawing/2010/main" val="0"/>
-              </a:ext>
-            </a:extLst>
-          </a:blip>
-          <a:srcRect/>
-          <a:stretch>
-            <a:fillRect/>
-          </a:stretch>
-        </p:blipFill>
-        <p:spPr bwMode="auto">
-          <a:xfrm>
-            <a:off x="2438400" y="1219200"/>
-            <a:ext cx="2175260" cy="2590800"/>
-          </a:xfrm>
-          <a:prstGeom prst="rect">
-            <a:avLst/>
-          </a:prstGeom>
-          <a:noFill/>
-          <a:extLst>
-            <a:ext uri="{909E8E84-426E-40DD-AFC4-6F175D3DCCD1}">
-              <a14:hiddenFill xmlns:a14="http://schemas.microsoft.com/office/drawing/2010/main">
-                <a:solidFill>
-                  <a:srgbClr val="FFFFFF"/>
-                </a:solidFill>
-              </a14:hiddenFill>
-            </a:ext>
-          </a:extLst>
-        </p:spPr>
-      </p:pic>
-      <p:pic>
-        <p:nvPicPr>
-          <p:cNvPr id="1032" name="Picture 8" descr="http://www.flazx.us/covers/large-0471958697.jpg"/>
-          <p:cNvPicPr>
-            <a:picLocks noChangeAspect="1" noChangeArrowheads="1"/>
-          </p:cNvPicPr>
-          <p:nvPr/>
-        </p:nvPicPr>
-        <p:blipFill>
-          <a:blip r:embed="rId8">
-            <a:extLst>
-              <a:ext uri="{28A0092B-C50C-407E-A947-70E740481C1C}">
-                <a14:useLocalDpi xmlns:a14="http://schemas.microsoft.com/office/drawing/2010/main" val="0"/>
-              </a:ext>
-            </a:extLst>
-          </a:blip>
-          <a:srcRect/>
-          <a:stretch>
-            <a:fillRect/>
-          </a:stretch>
-        </p:blipFill>
-        <p:spPr bwMode="auto">
-          <a:xfrm>
-            <a:off x="6934200" y="1187049"/>
-            <a:ext cx="2101454" cy="2715726"/>
-          </a:xfrm>
-          <a:prstGeom prst="rect">
-            <a:avLst/>
-          </a:prstGeom>
-          <a:noFill/>
-          <a:extLst>
-            <a:ext uri="{909E8E84-426E-40DD-AFC4-6F175D3DCCD1}">
-              <a14:hiddenFill xmlns:a14="http://schemas.microsoft.com/office/drawing/2010/main">
-                <a:solidFill>
-                  <a:srgbClr val="FFFFFF"/>
-                </a:solidFill>
-              </a14:hiddenFill>
-            </a:ext>
-          </a:extLst>
-        </p:spPr>
-      </p:pic>
-      <p:pic>
-        <p:nvPicPr>
-          <p:cNvPr id="1034" name="Picture 10" descr="Pattern-Oriented Software Architecture, Volume 2, Patterns for Concurrent and Networked Objects"/>
-          <p:cNvPicPr>
-            <a:picLocks noChangeAspect="1" noChangeArrowheads="1"/>
-          </p:cNvPicPr>
-          <p:nvPr/>
-        </p:nvPicPr>
-        <p:blipFill>
-          <a:blip r:embed="rId9">
-            <a:extLst>
-              <a:ext uri="{28A0092B-C50C-407E-A947-70E740481C1C}">
-                <a14:useLocalDpi xmlns:a14="http://schemas.microsoft.com/office/drawing/2010/main" val="0"/>
-              </a:ext>
-            </a:extLst>
-          </a:blip>
-          <a:srcRect/>
-          <a:stretch>
-            <a:fillRect/>
-          </a:stretch>
-        </p:blipFill>
-        <p:spPr bwMode="auto">
-          <a:xfrm>
-            <a:off x="6922836" y="4023920"/>
-            <a:ext cx="2112818" cy="2651587"/>
-          </a:xfrm>
-          <a:prstGeom prst="rect">
-            <a:avLst/>
-          </a:prstGeom>
-          <a:noFill/>
-          <a:ln>
-            <a:solidFill>
-              <a:schemeClr val="accent1"/>
-            </a:solidFill>
-          </a:ln>
-          <a:extLst>
-            <a:ext uri="{909E8E84-426E-40DD-AFC4-6F175D3DCCD1}">
-              <a14:hiddenFill xmlns:a14="http://schemas.microsoft.com/office/drawing/2010/main">
-                <a:solidFill>
-                  <a:srgbClr val="FFFFFF"/>
-                </a:solidFill>
-              </a14:hiddenFill>
-            </a:ext>
-          </a:extLst>
-        </p:spPr>
-      </p:pic>
-      <p:pic>
-        <p:nvPicPr>
-          <p:cNvPr id="1036" name="Picture 12" descr="Pattern Hatching: Design Patterns Applied"/>
-          <p:cNvPicPr>
-            <a:picLocks noChangeAspect="1" noChangeArrowheads="1"/>
-          </p:cNvPicPr>
-          <p:nvPr/>
-        </p:nvPicPr>
-        <p:blipFill>
-          <a:blip r:embed="rId10">
-            <a:extLst>
-              <a:ext uri="{28A0092B-C50C-407E-A947-70E740481C1C}">
-                <a14:useLocalDpi xmlns:a14="http://schemas.microsoft.com/office/drawing/2010/main" val="0"/>
-              </a:ext>
-            </a:extLst>
-          </a:blip>
-          <a:srcRect/>
-          <a:stretch>
-            <a:fillRect/>
-          </a:stretch>
-        </p:blipFill>
-        <p:spPr bwMode="auto">
-          <a:xfrm>
-            <a:off x="4475965" y="4023921"/>
-            <a:ext cx="2382035" cy="2681680"/>
-          </a:xfrm>
-          <a:prstGeom prst="rect">
-            <a:avLst/>
-          </a:prstGeom>
-          <a:noFill/>
-          <a:ln>
-            <a:solidFill>
-              <a:schemeClr val="accent1"/>
-            </a:solidFill>
-          </a:ln>
-          <a:extLst>
-            <a:ext uri="{909E8E84-426E-40DD-AFC4-6F175D3DCCD1}">
-              <a14:hiddenFill xmlns:a14="http://schemas.microsoft.com/office/drawing/2010/main">
-                <a:solidFill>
-                  <a:srgbClr val="FFFFFF"/>
-                </a:solidFill>
-              </a14:hiddenFill>
-            </a:ext>
-          </a:extLst>
         </p:spPr>
       </p:pic>
     </p:spTree>
     <p:extLst>
       <p:ext uri="{BB962C8B-B14F-4D97-AF65-F5344CB8AC3E}">
-        <p14:creationId xmlns:p14="http://schemas.microsoft.com/office/powerpoint/2010/main" val="1994225321"/>
+        <p14:creationId xmlns:p14="http://schemas.microsoft.com/office/powerpoint/2010/main" val="766423586"/>
       </p:ext>
     </p:extLst>
   </p:cSld>
@@ -18742,7 +20700,7 @@
 </p:sld>
 </file>
 
-<file path=ppt/slides/slide34.xml><?xml version="1.0" encoding="utf-8"?>
+<file path=ppt/slides/slide40.xml><?xml version="1.0" encoding="utf-8"?>
 <p:sld xmlns:a="http://schemas.openxmlformats.org/drawingml/2006/main" xmlns:r="http://schemas.openxmlformats.org/officeDocument/2006/relationships" xmlns:p="http://schemas.openxmlformats.org/presentationml/2006/main">
   <p:cSld>
     <p:spTree>
@@ -18852,7 +20810,7 @@
 </p:sld>
 </file>
 
-<file path=ppt/slides/slide35.xml><?xml version="1.0" encoding="utf-8"?>
+<file path=ppt/slides/slide41.xml><?xml version="1.0" encoding="utf-8"?>
 <p:sld xmlns:a="http://schemas.openxmlformats.org/drawingml/2006/main" xmlns:r="http://schemas.openxmlformats.org/officeDocument/2006/relationships" xmlns:p="http://schemas.openxmlformats.org/presentationml/2006/main">
   <p:cSld>
     <p:spTree>
@@ -19292,7 +21250,7 @@
 </p:sld>
 </file>
 
-<file path=ppt/slides/slide36.xml><?xml version="1.0" encoding="utf-8"?>
+<file path=ppt/slides/slide42.xml><?xml version="1.0" encoding="utf-8"?>
 <p:sld xmlns:a="http://schemas.openxmlformats.org/drawingml/2006/main" xmlns:r="http://schemas.openxmlformats.org/officeDocument/2006/relationships" xmlns:p="http://schemas.openxmlformats.org/presentationml/2006/main">
   <p:cSld>
     <p:spTree>
@@ -19473,7 +21431,7 @@
 </p:sld>
 </file>
 
-<file path=ppt/slides/slide37.xml><?xml version="1.0" encoding="utf-8"?>
+<file path=ppt/slides/slide43.xml><?xml version="1.0" encoding="utf-8"?>
 <p:sld xmlns:a="http://schemas.openxmlformats.org/drawingml/2006/main" xmlns:r="http://schemas.openxmlformats.org/officeDocument/2006/relationships" xmlns:p="http://schemas.openxmlformats.org/presentationml/2006/main">
   <p:cSld>
     <p:spTree>
@@ -19595,7 +21553,7 @@
 </p:sld>
 </file>
 
-<file path=ppt/slides/slide38.xml><?xml version="1.0" encoding="utf-8"?>
+<file path=ppt/slides/slide44.xml><?xml version="1.0" encoding="utf-8"?>
 <p:sld xmlns:a="http://schemas.openxmlformats.org/drawingml/2006/main" xmlns:r="http://schemas.openxmlformats.org/officeDocument/2006/relationships" xmlns:p="http://schemas.openxmlformats.org/presentationml/2006/main">
   <p:cSld>
     <p:spTree>
@@ -19742,7 +21700,7 @@
 </p:sld>
 </file>
 
-<file path=ppt/slides/slide39.xml><?xml version="1.0" encoding="utf-8"?>
+<file path=ppt/slides/slide45.xml><?xml version="1.0" encoding="utf-8"?>
 <p:sld xmlns:a="http://schemas.openxmlformats.org/drawingml/2006/main" xmlns:r="http://schemas.openxmlformats.org/officeDocument/2006/relationships" xmlns:p="http://schemas.openxmlformats.org/presentationml/2006/main">
   <p:cSld>
     <p:spTree>
@@ -19889,132 +21847,7 @@
 </p:sld>
 </file>
 
-<file path=ppt/slides/slide4.xml><?xml version="1.0" encoding="utf-8"?>
-<p:sld xmlns:a="http://schemas.openxmlformats.org/drawingml/2006/main" xmlns:r="http://schemas.openxmlformats.org/officeDocument/2006/relationships" xmlns:p="http://schemas.openxmlformats.org/presentationml/2006/main">
-  <p:cSld>
-    <p:spTree>
-      <p:nvGrpSpPr>
-        <p:cNvPr id="1" name=""/>
-        <p:cNvGrpSpPr/>
-        <p:nvPr/>
-      </p:nvGrpSpPr>
-      <p:grpSpPr>
-        <a:xfrm>
-          <a:off x="0" y="0"/>
-          <a:ext cx="0" cy="0"/>
-          <a:chOff x="0" y="0"/>
-          <a:chExt cx="0" cy="0"/>
-        </a:xfrm>
-      </p:grpSpPr>
-      <p:sp>
-        <p:nvSpPr>
-          <p:cNvPr id="2" name="Title 1"/>
-          <p:cNvSpPr>
-            <a:spLocks noGrp="1"/>
-          </p:cNvSpPr>
-          <p:nvPr>
-            <p:ph type="title"/>
-          </p:nvPr>
-        </p:nvSpPr>
-        <p:spPr/>
-        <p:txBody>
-          <a:bodyPr/>
-          <a:lstStyle/>
-          <a:p>
-            <a:r>
-              <a:rPr lang="nl-BE" dirty="0"/>
-              <a:t>What - Definition</a:t>
-            </a:r>
-          </a:p>
-        </p:txBody>
-      </p:sp>
-      <p:sp>
-        <p:nvSpPr>
-          <p:cNvPr id="3" name="Content Placeholder 2"/>
-          <p:cNvSpPr>
-            <a:spLocks noGrp="1"/>
-          </p:cNvSpPr>
-          <p:nvPr>
-            <p:ph idx="1"/>
-          </p:nvPr>
-        </p:nvSpPr>
-        <p:spPr/>
-        <p:txBody>
-          <a:bodyPr>
-            <a:normAutofit/>
-          </a:bodyPr>
-          <a:lstStyle/>
-          <a:p>
-            <a:pPr marL="0" indent="0">
-              <a:buNone/>
-            </a:pPr>
-            <a:r>
-              <a:rPr lang="nl-BE" sz="3200" i="1" dirty="0"/>
-              <a:t>“Each pattern describes a problem which occurs over and over again in our environment, and then describes the core of the solution to that problem, in such a way that you can use this solution a million times over, without ever doing it the same way twice.”</a:t>
-            </a:r>
-            <a:br>
-              <a:rPr lang="nl-BE" sz="3200" i="1" dirty="0"/>
-            </a:br>
-            <a:br>
-              <a:rPr lang="nl-BE" sz="3200" i="1" dirty="0"/>
-            </a:br>
-            <a:r>
-              <a:rPr lang="nl-BE" sz="3200" dirty="0"/>
-              <a:t>– Christopher Alexander</a:t>
-            </a:r>
-          </a:p>
-        </p:txBody>
-      </p:sp>
-      <p:pic>
-        <p:nvPicPr>
-          <p:cNvPr id="4" name="Picture 3">
-            <a:extLst>
-              <a:ext uri="{FF2B5EF4-FFF2-40B4-BE49-F238E27FC236}">
-                <a16:creationId xmlns:a16="http://schemas.microsoft.com/office/drawing/2014/main" id="{3814D94F-A487-4849-A928-7AC6D7085A8E}"/>
-              </a:ext>
-            </a:extLst>
-          </p:cNvPr>
-          <p:cNvPicPr>
-            <a:picLocks noChangeAspect="1"/>
-          </p:cNvPicPr>
-          <p:nvPr/>
-        </p:nvPicPr>
-        <p:blipFill>
-          <a:blip r:embed="rId3" cstate="print">
-            <a:extLst>
-              <a:ext uri="{28A0092B-C50C-407E-A947-70E740481C1C}">
-                <a14:useLocalDpi xmlns:a14="http://schemas.microsoft.com/office/drawing/2010/main" val="0"/>
-              </a:ext>
-            </a:extLst>
-          </a:blip>
-          <a:stretch>
-            <a:fillRect/>
-          </a:stretch>
-        </p:blipFill>
-        <p:spPr>
-          <a:xfrm>
-            <a:off x="7239000" y="-34527"/>
-            <a:ext cx="1905000" cy="1905000"/>
-          </a:xfrm>
-          <a:prstGeom prst="rect">
-            <a:avLst/>
-          </a:prstGeom>
-        </p:spPr>
-      </p:pic>
-    </p:spTree>
-    <p:extLst>
-      <p:ext uri="{BB962C8B-B14F-4D97-AF65-F5344CB8AC3E}">
-        <p14:creationId xmlns:p14="http://schemas.microsoft.com/office/powerpoint/2010/main" val="1371928409"/>
-      </p:ext>
-    </p:extLst>
-  </p:cSld>
-  <p:clrMapOvr>
-    <a:masterClrMapping/>
-  </p:clrMapOvr>
-</p:sld>
-</file>
-
-<file path=ppt/slides/slide40.xml><?xml version="1.0" encoding="utf-8"?>
+<file path=ppt/slides/slide46.xml><?xml version="1.0" encoding="utf-8"?>
 <p:sld xmlns:a="http://schemas.openxmlformats.org/drawingml/2006/main" xmlns:r="http://schemas.openxmlformats.org/officeDocument/2006/relationships" xmlns:p="http://schemas.openxmlformats.org/presentationml/2006/main">
   <p:cSld>
     <p:spTree>
@@ -20732,7 +22565,7 @@
 </p:sld>
 </file>
 
-<file path=ppt/slides/slide41.xml><?xml version="1.0" encoding="utf-8"?>
+<file path=ppt/slides/slide47.xml><?xml version="1.0" encoding="utf-8"?>
 <p:sld xmlns:a="http://schemas.openxmlformats.org/drawingml/2006/main" xmlns:r="http://schemas.openxmlformats.org/officeDocument/2006/relationships" xmlns:p="http://schemas.openxmlformats.org/presentationml/2006/main">
   <p:cSld>
     <p:spTree>
@@ -21838,17 +23671,133 @@
         </p:nvSpPr>
         <p:spPr/>
         <p:txBody>
+          <a:bodyPr>
+            <a:normAutofit/>
+          </a:bodyPr>
+          <a:lstStyle/>
+          <a:p>
+            <a:pPr marL="0" indent="0">
+              <a:buNone/>
+            </a:pPr>
+            <a:r>
+              <a:rPr lang="nl-BE" sz="3200" i="1" dirty="0"/>
+              <a:t>“Each pattern describes a problem which occurs over and over again in our environment, and then describes the core of the solution to that problem, in such a way that you can use this solution a million times over, without ever doing it the same way twice.”</a:t>
+            </a:r>
+            <a:br>
+              <a:rPr lang="nl-BE" sz="3200" i="1" dirty="0"/>
+            </a:br>
+            <a:br>
+              <a:rPr lang="nl-BE" sz="3200" i="1" dirty="0"/>
+            </a:br>
+            <a:r>
+              <a:rPr lang="nl-BE" sz="3200" dirty="0"/>
+              <a:t>– Christopher Alexander</a:t>
+            </a:r>
+          </a:p>
+        </p:txBody>
+      </p:sp>
+      <p:pic>
+        <p:nvPicPr>
+          <p:cNvPr id="4" name="Picture 3">
+            <a:extLst>
+              <a:ext uri="{FF2B5EF4-FFF2-40B4-BE49-F238E27FC236}">
+                <a16:creationId xmlns:a16="http://schemas.microsoft.com/office/drawing/2014/main" id="{3814D94F-A487-4849-A928-7AC6D7085A8E}"/>
+              </a:ext>
+            </a:extLst>
+          </p:cNvPr>
+          <p:cNvPicPr>
+            <a:picLocks noChangeAspect="1"/>
+          </p:cNvPicPr>
+          <p:nvPr/>
+        </p:nvPicPr>
+        <p:blipFill>
+          <a:blip r:embed="rId3" cstate="print">
+            <a:extLst>
+              <a:ext uri="{28A0092B-C50C-407E-A947-70E740481C1C}">
+                <a14:useLocalDpi xmlns:a14="http://schemas.microsoft.com/office/drawing/2010/main" val="0"/>
+              </a:ext>
+            </a:extLst>
+          </a:blip>
+          <a:stretch>
+            <a:fillRect/>
+          </a:stretch>
+        </p:blipFill>
+        <p:spPr>
+          <a:xfrm>
+            <a:off x="7239000" y="-34527"/>
+            <a:ext cx="1905000" cy="1905000"/>
+          </a:xfrm>
+          <a:prstGeom prst="rect">
+            <a:avLst/>
+          </a:prstGeom>
+        </p:spPr>
+      </p:pic>
+    </p:spTree>
+    <p:extLst>
+      <p:ext uri="{BB962C8B-B14F-4D97-AF65-F5344CB8AC3E}">
+        <p14:creationId xmlns:p14="http://schemas.microsoft.com/office/powerpoint/2010/main" val="1371928409"/>
+      </p:ext>
+    </p:extLst>
+  </p:cSld>
+  <p:clrMapOvr>
+    <a:masterClrMapping/>
+  </p:clrMapOvr>
+</p:sld>
+</file>
+
+<file path=ppt/slides/slide6.xml><?xml version="1.0" encoding="utf-8"?>
+<p:sld xmlns:a="http://schemas.openxmlformats.org/drawingml/2006/main" xmlns:r="http://schemas.openxmlformats.org/officeDocument/2006/relationships" xmlns:p="http://schemas.openxmlformats.org/presentationml/2006/main">
+  <p:cSld>
+    <p:spTree>
+      <p:nvGrpSpPr>
+        <p:cNvPr id="1" name=""/>
+        <p:cNvGrpSpPr/>
+        <p:nvPr/>
+      </p:nvGrpSpPr>
+      <p:grpSpPr>
+        <a:xfrm>
+          <a:off x="0" y="0"/>
+          <a:ext cx="0" cy="0"/>
+          <a:chOff x="0" y="0"/>
+          <a:chExt cx="0" cy="0"/>
+        </a:xfrm>
+      </p:grpSpPr>
+      <p:sp>
+        <p:nvSpPr>
+          <p:cNvPr id="2" name="Title 1"/>
+          <p:cNvSpPr>
+            <a:spLocks noGrp="1"/>
+          </p:cNvSpPr>
+          <p:nvPr>
+            <p:ph type="title"/>
+          </p:nvPr>
+        </p:nvSpPr>
+        <p:spPr/>
+        <p:txBody>
           <a:bodyPr/>
           <a:lstStyle/>
           <a:p>
-            <a:pPr marL="0" indent="0" algn="ctr">
-              <a:buNone/>
-            </a:pPr>
-            <a:r>
-              <a:rPr lang="nl-BE" sz="2800" i="1" dirty="0"/>
-              <a:t>“A simple and elegant solution to a specific problem in Object Oriented Design.”</a:t>
-            </a:r>
-          </a:p>
+            <a:r>
+              <a:rPr lang="nl-BE" dirty="0"/>
+              <a:t>What - Definition</a:t>
+            </a:r>
+          </a:p>
+        </p:txBody>
+      </p:sp>
+      <p:sp>
+        <p:nvSpPr>
+          <p:cNvPr id="3" name="Content Placeholder 2"/>
+          <p:cNvSpPr>
+            <a:spLocks noGrp="1"/>
+          </p:cNvSpPr>
+          <p:nvPr>
+            <p:ph idx="1"/>
+          </p:nvPr>
+        </p:nvSpPr>
+        <p:spPr/>
+        <p:txBody>
+          <a:bodyPr/>
+          <a:lstStyle/>
           <a:p>
             <a:pPr marL="0" indent="0" algn="ctr">
               <a:buNone/>
@@ -21866,7 +23815,7 @@
               <a:buNone/>
             </a:pPr>
             <a:r>
-              <a:rPr lang="nl-BE" sz="2800" i="1" dirty="0"/>
+              <a:rPr lang="nl-BE" sz="3200" i="1" dirty="0"/>
               <a:t>“A description of communicating objects and classes that are customized to solve a general design problem in a particular context.” - GoF</a:t>
             </a:r>
           </a:p>
@@ -21933,153 +23882,8 @@
 </p:sld>
 </file>
 
-<file path=ppt/slides/slide6.xml><?xml version="1.0" encoding="utf-8"?>
-<p:sld xmlns:a="http://schemas.openxmlformats.org/drawingml/2006/main" xmlns:r="http://schemas.openxmlformats.org/officeDocument/2006/relationships" xmlns:p="http://schemas.openxmlformats.org/presentationml/2006/main">
-  <p:cSld>
-    <p:spTree>
-      <p:nvGrpSpPr>
-        <p:cNvPr id="1" name=""/>
-        <p:cNvGrpSpPr/>
-        <p:nvPr/>
-      </p:nvGrpSpPr>
-      <p:grpSpPr>
-        <a:xfrm>
-          <a:off x="0" y="0"/>
-          <a:ext cx="0" cy="0"/>
-          <a:chOff x="0" y="0"/>
-          <a:chExt cx="0" cy="0"/>
-        </a:xfrm>
-      </p:grpSpPr>
-      <p:sp>
-        <p:nvSpPr>
-          <p:cNvPr id="2" name="Title 1"/>
-          <p:cNvSpPr>
-            <a:spLocks noGrp="1"/>
-          </p:cNvSpPr>
-          <p:nvPr>
-            <p:ph type="title"/>
-          </p:nvPr>
-        </p:nvSpPr>
-        <p:spPr/>
-        <p:txBody>
-          <a:bodyPr/>
-          <a:lstStyle/>
-          <a:p>
-            <a:r>
-              <a:rPr lang="nl-BE" dirty="0"/>
-              <a:t>What - Elements</a:t>
-            </a:r>
-          </a:p>
-        </p:txBody>
-      </p:sp>
-      <p:sp>
-        <p:nvSpPr>
-          <p:cNvPr id="3" name="Content Placeholder 2"/>
-          <p:cNvSpPr>
-            <a:spLocks noGrp="1"/>
-          </p:cNvSpPr>
-          <p:nvPr>
-            <p:ph idx="1"/>
-          </p:nvPr>
-        </p:nvSpPr>
-        <p:spPr/>
-        <p:txBody>
-          <a:bodyPr>
-            <a:normAutofit/>
-          </a:bodyPr>
-          <a:lstStyle/>
-          <a:p>
-            <a:pPr marL="0" indent="0">
-              <a:buNone/>
-            </a:pPr>
-            <a:r>
-              <a:rPr lang="nl-BE" sz="3200" dirty="0"/>
-              <a:t>A pattern has 4 essential elements</a:t>
-            </a:r>
-          </a:p>
-          <a:p>
-            <a:r>
-              <a:rPr lang="nl-BE" sz="3200" dirty="0"/>
-              <a:t>The name</a:t>
-            </a:r>
-          </a:p>
-          <a:p>
-            <a:r>
-              <a:rPr lang="nl-BE" sz="3200" dirty="0"/>
-              <a:t>The problem</a:t>
-            </a:r>
-          </a:p>
-          <a:p>
-            <a:r>
-              <a:rPr lang="nl-BE" sz="3200" dirty="0"/>
-              <a:t>The solution</a:t>
-            </a:r>
-          </a:p>
-          <a:p>
-            <a:r>
-              <a:rPr lang="nl-BE" sz="3200" dirty="0"/>
-              <a:t>The consequences</a:t>
-            </a:r>
-          </a:p>
-          <a:p>
-            <a:pPr marL="0" indent="0">
-              <a:buNone/>
-            </a:pPr>
-            <a:endParaRPr lang="nl-BE" dirty="0"/>
-          </a:p>
-        </p:txBody>
-      </p:sp>
-      <p:pic>
-        <p:nvPicPr>
-          <p:cNvPr id="4" name="Picture 3">
-            <a:extLst>
-              <a:ext uri="{FF2B5EF4-FFF2-40B4-BE49-F238E27FC236}">
-                <a16:creationId xmlns:a16="http://schemas.microsoft.com/office/drawing/2014/main" id="{666C7BB9-4150-4CDF-8057-B4D0ED45B39B}"/>
-              </a:ext>
-            </a:extLst>
-          </p:cNvPr>
-          <p:cNvPicPr>
-            <a:picLocks noChangeAspect="1"/>
-          </p:cNvPicPr>
-          <p:nvPr/>
-        </p:nvPicPr>
-        <p:blipFill>
-          <a:blip r:embed="rId3" cstate="print">
-            <a:extLst>
-              <a:ext uri="{28A0092B-C50C-407E-A947-70E740481C1C}">
-                <a14:useLocalDpi xmlns:a14="http://schemas.microsoft.com/office/drawing/2010/main" val="0"/>
-              </a:ext>
-            </a:extLst>
-          </a:blip>
-          <a:stretch>
-            <a:fillRect/>
-          </a:stretch>
-        </p:blipFill>
-        <p:spPr>
-          <a:xfrm>
-            <a:off x="7239000" y="-34527"/>
-            <a:ext cx="1905000" cy="1905000"/>
-          </a:xfrm>
-          <a:prstGeom prst="rect">
-            <a:avLst/>
-          </a:prstGeom>
-        </p:spPr>
-      </p:pic>
-    </p:spTree>
-    <p:extLst>
-      <p:ext uri="{BB962C8B-B14F-4D97-AF65-F5344CB8AC3E}">
-        <p14:creationId xmlns:p14="http://schemas.microsoft.com/office/powerpoint/2010/main" val="217789877"/>
-      </p:ext>
-    </p:extLst>
-  </p:cSld>
-  <p:clrMapOvr>
-    <a:masterClrMapping/>
-  </p:clrMapOvr>
-</p:sld>
-</file>
-
 <file path=ppt/slides/slide7.xml><?xml version="1.0" encoding="utf-8"?>
-<p:sld xmlns:a="http://schemas.openxmlformats.org/drawingml/2006/main" xmlns:r="http://schemas.openxmlformats.org/officeDocument/2006/relationships" xmlns:p="http://schemas.openxmlformats.org/presentationml/2006/main">
+<p:sld xmlns:a="http://schemas.openxmlformats.org/drawingml/2006/main" xmlns:r="http://schemas.openxmlformats.org/officeDocument/2006/relationships" xmlns:p="http://schemas.openxmlformats.org/presentationml/2006/main" show="0">
   <p:cSld>
     <p:spTree>
       <p:nvGrpSpPr>
@@ -22280,6 +24084,151 @@
           <a:p>
             <a:r>
               <a:rPr lang="nl-BE" dirty="0"/>
+              <a:t>What - Elements</a:t>
+            </a:r>
+          </a:p>
+        </p:txBody>
+      </p:sp>
+      <p:sp>
+        <p:nvSpPr>
+          <p:cNvPr id="3" name="Content Placeholder 2"/>
+          <p:cNvSpPr>
+            <a:spLocks noGrp="1"/>
+          </p:cNvSpPr>
+          <p:nvPr>
+            <p:ph idx="1"/>
+          </p:nvPr>
+        </p:nvSpPr>
+        <p:spPr/>
+        <p:txBody>
+          <a:bodyPr>
+            <a:normAutofit/>
+          </a:bodyPr>
+          <a:lstStyle/>
+          <a:p>
+            <a:pPr marL="0" indent="0">
+              <a:buNone/>
+            </a:pPr>
+            <a:r>
+              <a:rPr lang="nl-BE" sz="3200" dirty="0"/>
+              <a:t>A pattern has 4 essential elements</a:t>
+            </a:r>
+          </a:p>
+          <a:p>
+            <a:r>
+              <a:rPr lang="nl-BE" sz="3200" dirty="0"/>
+              <a:t>The name</a:t>
+            </a:r>
+          </a:p>
+          <a:p>
+            <a:r>
+              <a:rPr lang="nl-BE" sz="3200" dirty="0"/>
+              <a:t>The problem</a:t>
+            </a:r>
+          </a:p>
+          <a:p>
+            <a:r>
+              <a:rPr lang="nl-BE" sz="3200" dirty="0"/>
+              <a:t>The solution</a:t>
+            </a:r>
+          </a:p>
+          <a:p>
+            <a:r>
+              <a:rPr lang="nl-BE" sz="3200" dirty="0"/>
+              <a:t>The consequences</a:t>
+            </a:r>
+          </a:p>
+          <a:p>
+            <a:pPr marL="0" indent="0">
+              <a:buNone/>
+            </a:pPr>
+            <a:endParaRPr lang="nl-BE" dirty="0"/>
+          </a:p>
+        </p:txBody>
+      </p:sp>
+      <p:pic>
+        <p:nvPicPr>
+          <p:cNvPr id="4" name="Picture 3">
+            <a:extLst>
+              <a:ext uri="{FF2B5EF4-FFF2-40B4-BE49-F238E27FC236}">
+                <a16:creationId xmlns:a16="http://schemas.microsoft.com/office/drawing/2014/main" id="{666C7BB9-4150-4CDF-8057-B4D0ED45B39B}"/>
+              </a:ext>
+            </a:extLst>
+          </p:cNvPr>
+          <p:cNvPicPr>
+            <a:picLocks noChangeAspect="1"/>
+          </p:cNvPicPr>
+          <p:nvPr/>
+        </p:nvPicPr>
+        <p:blipFill>
+          <a:blip r:embed="rId3" cstate="print">
+            <a:extLst>
+              <a:ext uri="{28A0092B-C50C-407E-A947-70E740481C1C}">
+                <a14:useLocalDpi xmlns:a14="http://schemas.microsoft.com/office/drawing/2010/main" val="0"/>
+              </a:ext>
+            </a:extLst>
+          </a:blip>
+          <a:stretch>
+            <a:fillRect/>
+          </a:stretch>
+        </p:blipFill>
+        <p:spPr>
+          <a:xfrm>
+            <a:off x="7239000" y="-34527"/>
+            <a:ext cx="1905000" cy="1905000"/>
+          </a:xfrm>
+          <a:prstGeom prst="rect">
+            <a:avLst/>
+          </a:prstGeom>
+        </p:spPr>
+      </p:pic>
+    </p:spTree>
+    <p:extLst>
+      <p:ext uri="{BB962C8B-B14F-4D97-AF65-F5344CB8AC3E}">
+        <p14:creationId xmlns:p14="http://schemas.microsoft.com/office/powerpoint/2010/main" val="217789877"/>
+      </p:ext>
+    </p:extLst>
+  </p:cSld>
+  <p:clrMapOvr>
+    <a:masterClrMapping/>
+  </p:clrMapOvr>
+</p:sld>
+</file>
+
+<file path=ppt/slides/slide9.xml><?xml version="1.0" encoding="utf-8"?>
+<p:sld xmlns:a="http://schemas.openxmlformats.org/drawingml/2006/main" xmlns:r="http://schemas.openxmlformats.org/officeDocument/2006/relationships" xmlns:p="http://schemas.openxmlformats.org/presentationml/2006/main">
+  <p:cSld>
+    <p:spTree>
+      <p:nvGrpSpPr>
+        <p:cNvPr id="1" name=""/>
+        <p:cNvGrpSpPr/>
+        <p:nvPr/>
+      </p:nvGrpSpPr>
+      <p:grpSpPr>
+        <a:xfrm>
+          <a:off x="0" y="0"/>
+          <a:ext cx="0" cy="0"/>
+          <a:chOff x="0" y="0"/>
+          <a:chExt cx="0" cy="0"/>
+        </a:xfrm>
+      </p:grpSpPr>
+      <p:sp>
+        <p:nvSpPr>
+          <p:cNvPr id="2" name="Title 1"/>
+          <p:cNvSpPr>
+            <a:spLocks noGrp="1"/>
+          </p:cNvSpPr>
+          <p:nvPr>
+            <p:ph type="title"/>
+          </p:nvPr>
+        </p:nvSpPr>
+        <p:spPr/>
+        <p:txBody>
+          <a:bodyPr/>
+          <a:lstStyle/>
+          <a:p>
+            <a:r>
+              <a:rPr lang="nl-BE" dirty="0"/>
               <a:t>Why Patterns</a:t>
             </a:r>
           </a:p>
@@ -22449,179 +24398,6 @@
     <p:extLst>
       <p:ext uri="{BB962C8B-B14F-4D97-AF65-F5344CB8AC3E}">
         <p14:creationId xmlns:p14="http://schemas.microsoft.com/office/powerpoint/2010/main" val="1266783537"/>
-      </p:ext>
-    </p:extLst>
-  </p:cSld>
-  <p:clrMapOvr>
-    <a:masterClrMapping/>
-  </p:clrMapOvr>
-</p:sld>
-</file>
-
-<file path=ppt/slides/slide9.xml><?xml version="1.0" encoding="utf-8"?>
-<p:sld xmlns:a="http://schemas.openxmlformats.org/drawingml/2006/main" xmlns:r="http://schemas.openxmlformats.org/officeDocument/2006/relationships" xmlns:p="http://schemas.openxmlformats.org/presentationml/2006/main">
-  <p:cSld>
-    <p:spTree>
-      <p:nvGrpSpPr>
-        <p:cNvPr id="1" name=""/>
-        <p:cNvGrpSpPr/>
-        <p:nvPr/>
-      </p:nvGrpSpPr>
-      <p:grpSpPr>
-        <a:xfrm>
-          <a:off x="0" y="0"/>
-          <a:ext cx="0" cy="0"/>
-          <a:chOff x="0" y="0"/>
-          <a:chExt cx="0" cy="0"/>
-        </a:xfrm>
-      </p:grpSpPr>
-      <p:sp>
-        <p:nvSpPr>
-          <p:cNvPr id="2" name="Title 1"/>
-          <p:cNvSpPr>
-            <a:spLocks noGrp="1"/>
-          </p:cNvSpPr>
-          <p:nvPr>
-            <p:ph type="title"/>
-          </p:nvPr>
-        </p:nvSpPr>
-        <p:spPr/>
-        <p:txBody>
-          <a:bodyPr/>
-          <a:lstStyle/>
-          <a:p>
-            <a:r>
-              <a:rPr lang="nl-BE" dirty="0"/>
-              <a:t>Pattern Pitfalls</a:t>
-            </a:r>
-          </a:p>
-        </p:txBody>
-      </p:sp>
-      <p:sp>
-        <p:nvSpPr>
-          <p:cNvPr id="3" name="Content Placeholder 2"/>
-          <p:cNvSpPr>
-            <a:spLocks noGrp="1"/>
-          </p:cNvSpPr>
-          <p:nvPr>
-            <p:ph idx="1"/>
-          </p:nvPr>
-        </p:nvSpPr>
-        <p:spPr/>
-        <p:txBody>
-          <a:bodyPr>
-            <a:normAutofit/>
-          </a:bodyPr>
-          <a:lstStyle/>
-          <a:p>
-            <a:pPr marL="0" indent="0">
-              <a:buNone/>
-            </a:pPr>
-            <a:r>
-              <a:rPr lang="nl-BE" sz="2800" i="1" dirty="0"/>
-              <a:t>“When all you have is a hammer, everything looks like a nail.” - </a:t>
-            </a:r>
-            <a:r>
-              <a:rPr lang="nl-BE" sz="2800" dirty="0"/>
-              <a:t>Maslow's hammer</a:t>
-            </a:r>
-            <a:endParaRPr lang="nl-BE" sz="2800" i="1" dirty="0"/>
-          </a:p>
-          <a:p>
-            <a:pPr marL="0" indent="0">
-              <a:buNone/>
-            </a:pPr>
-            <a:endParaRPr lang="nl-BE" dirty="0"/>
-          </a:p>
-          <a:p>
-            <a:pPr marL="0" indent="0">
-              <a:buNone/>
-            </a:pPr>
-            <a:r>
-              <a:rPr lang="nl-BE" dirty="0"/>
-              <a:t>Molding the problem to fit a pattern.</a:t>
-            </a:r>
-          </a:p>
-          <a:p>
-            <a:pPr marL="0" indent="0">
-              <a:buNone/>
-            </a:pPr>
-            <a:endParaRPr lang="nl-BE" dirty="0"/>
-          </a:p>
-          <a:p>
-            <a:pPr marL="0" indent="0">
-              <a:buNone/>
-            </a:pPr>
-            <a:r>
-              <a:rPr lang="nl-BE" dirty="0"/>
-              <a:t>“</a:t>
-            </a:r>
-            <a:r>
-              <a:rPr lang="en-US" dirty="0"/>
-              <a:t>When one is designing the successor to a relatively small, elegant, and successful system, there is a tendency to become grandiose in one's success and design an </a:t>
-            </a:r>
-            <a:r>
-              <a:rPr lang="en-US" i="1" dirty="0"/>
-              <a:t>elephantine</a:t>
-            </a:r>
-            <a:r>
-              <a:rPr lang="en-US" dirty="0"/>
-              <a:t> feature-laden monstrosity.</a:t>
-            </a:r>
-            <a:r>
-              <a:rPr lang="nl-BE" dirty="0"/>
-              <a:t>” </a:t>
-            </a:r>
-            <a:br>
-              <a:rPr lang="nl-BE" dirty="0"/>
-            </a:br>
-            <a:r>
-              <a:rPr lang="nl-BE" dirty="0"/>
-              <a:t>– Fred Brooks (The Second System Effect)</a:t>
-            </a:r>
-          </a:p>
-        </p:txBody>
-      </p:sp>
-      <p:pic>
-        <p:nvPicPr>
-          <p:cNvPr id="4" name="Picture 3">
-            <a:extLst>
-              <a:ext uri="{FF2B5EF4-FFF2-40B4-BE49-F238E27FC236}">
-                <a16:creationId xmlns:a16="http://schemas.microsoft.com/office/drawing/2014/main" id="{BE235E9E-8CE0-45E5-A7A1-EAB2A04A5A80}"/>
-              </a:ext>
-            </a:extLst>
-          </p:cNvPr>
-          <p:cNvPicPr>
-            <a:picLocks noChangeAspect="1"/>
-          </p:cNvPicPr>
-          <p:nvPr/>
-        </p:nvPicPr>
-        <p:blipFill>
-          <a:blip r:embed="rId3" cstate="print">
-            <a:extLst>
-              <a:ext uri="{28A0092B-C50C-407E-A947-70E740481C1C}">
-                <a14:useLocalDpi xmlns:a14="http://schemas.microsoft.com/office/drawing/2010/main" val="0"/>
-              </a:ext>
-            </a:extLst>
-          </a:blip>
-          <a:stretch>
-            <a:fillRect/>
-          </a:stretch>
-        </p:blipFill>
-        <p:spPr>
-          <a:xfrm>
-            <a:off x="7239000" y="-34527"/>
-            <a:ext cx="1905000" cy="1905000"/>
-          </a:xfrm>
-          <a:prstGeom prst="rect">
-            <a:avLst/>
-          </a:prstGeom>
-        </p:spPr>
-      </p:pic>
-    </p:spTree>
-    <p:extLst>
-      <p:ext uri="{BB962C8B-B14F-4D97-AF65-F5344CB8AC3E}">
-        <p14:creationId xmlns:p14="http://schemas.microsoft.com/office/powerpoint/2010/main" val="2566132796"/>
       </p:ext>
     </p:extLst>
   </p:cSld>
